--- a/Angular2.pptx
+++ b/Angular2.pptx
@@ -5,7 +5,7 @@
     <p:sldMasterId id="2147483648" r:id="rId1"/>
   </p:sldMasterIdLst>
   <p:notesMasterIdLst>
-    <p:notesMasterId r:id="rId24"/>
+    <p:notesMasterId r:id="rId26"/>
   </p:notesMasterIdLst>
   <p:sldIdLst>
     <p:sldId id="256" r:id="rId2"/>
@@ -30,6 +30,8 @@
     <p:sldId id="282" r:id="rId21"/>
     <p:sldId id="284" r:id="rId22"/>
     <p:sldId id="283" r:id="rId23"/>
+    <p:sldId id="285" r:id="rId24"/>
+    <p:sldId id="286" r:id="rId25"/>
   </p:sldIdLst>
   <p:sldSz cx="12192000" cy="6858000"/>
   <p:notesSz cx="6858000" cy="9144000"/>
@@ -924,6 +926,146 @@
     <p:extLst>
       <p:ext uri="{BB962C8B-B14F-4D97-AF65-F5344CB8AC3E}">
         <p14:creationId xmlns:p14="http://schemas.microsoft.com/office/powerpoint/2010/main" val="796666602"/>
+      </p:ext>
+    </p:extLst>
+  </p:cSld>
+  <p:clrMapOvr>
+    <a:masterClrMapping/>
+  </p:clrMapOvr>
+</p:notes>
+</file>
+
+<file path=ppt/notesSlides/notesSlide4.xml><?xml version="1.0" encoding="utf-8"?>
+<p:notes xmlns:a="http://schemas.openxmlformats.org/drawingml/2006/main" xmlns:r="http://schemas.openxmlformats.org/officeDocument/2006/relationships" xmlns:p="http://schemas.openxmlformats.org/presentationml/2006/main">
+  <p:cSld>
+    <p:spTree>
+      <p:nvGrpSpPr>
+        <p:cNvPr id="1" name=""/>
+        <p:cNvGrpSpPr/>
+        <p:nvPr/>
+      </p:nvGrpSpPr>
+      <p:grpSpPr>
+        <a:xfrm>
+          <a:off x="0" y="0"/>
+          <a:ext cx="0" cy="0"/>
+          <a:chOff x="0" y="0"/>
+          <a:chExt cx="0" cy="0"/>
+        </a:xfrm>
+      </p:grpSpPr>
+      <p:sp>
+        <p:nvSpPr>
+          <p:cNvPr id="2" name="Tijdelijke aanduiding voor dia-afbeelding 1"/>
+          <p:cNvSpPr>
+            <a:spLocks noGrp="1" noRot="1" noChangeAspect="1"/>
+          </p:cNvSpPr>
+          <p:nvPr>
+            <p:ph type="sldImg"/>
+          </p:nvPr>
+        </p:nvSpPr>
+        <p:spPr/>
+      </p:sp>
+      <p:sp>
+        <p:nvSpPr>
+          <p:cNvPr id="3" name="Tijdelijke aanduiding voor notities 2"/>
+          <p:cNvSpPr>
+            <a:spLocks noGrp="1"/>
+          </p:cNvSpPr>
+          <p:nvPr>
+            <p:ph type="body" idx="1"/>
+          </p:nvPr>
+        </p:nvSpPr>
+        <p:spPr/>
+        <p:txBody>
+          <a:bodyPr/>
+          <a:lstStyle/>
+          <a:p>
+            <a:r>
+              <a:rPr lang="nl-NL" dirty="0" err="1" smtClean="0"/>
+              <a:t>Now</a:t>
+            </a:r>
+            <a:r>
+              <a:rPr lang="nl-NL" dirty="0" smtClean="0"/>
+              <a:t> we </a:t>
+            </a:r>
+            <a:r>
+              <a:rPr lang="nl-NL" dirty="0" err="1" smtClean="0"/>
+              <a:t>can</a:t>
+            </a:r>
+            <a:r>
+              <a:rPr lang="nl-NL" dirty="0" smtClean="0"/>
+              <a:t> </a:t>
+            </a:r>
+            <a:r>
+              <a:rPr lang="nl-NL" dirty="0" err="1" smtClean="0"/>
+              <a:t>use</a:t>
+            </a:r>
+            <a:r>
+              <a:rPr lang="nl-NL" dirty="0" smtClean="0"/>
+              <a:t> </a:t>
+            </a:r>
+            <a:r>
+              <a:rPr lang="nl-NL" dirty="0" err="1" smtClean="0"/>
+              <a:t>the</a:t>
+            </a:r>
+            <a:r>
+              <a:rPr lang="nl-NL" baseline="0" dirty="0" smtClean="0"/>
+              <a:t> </a:t>
+            </a:r>
+            <a:r>
+              <a:rPr lang="nl-NL" baseline="0" dirty="0" err="1" smtClean="0"/>
+              <a:t>todoservice</a:t>
+            </a:r>
+            <a:r>
+              <a:rPr lang="nl-NL" baseline="0" dirty="0" smtClean="0"/>
+              <a:t> </a:t>
+            </a:r>
+            <a:r>
+              <a:rPr lang="nl-NL" baseline="0" dirty="0" err="1" smtClean="0"/>
+              <a:t>anywhere</a:t>
+            </a:r>
+            <a:r>
+              <a:rPr lang="nl-NL" baseline="0" dirty="0" smtClean="0"/>
+              <a:t> in </a:t>
+            </a:r>
+            <a:r>
+              <a:rPr lang="nl-NL" baseline="0" dirty="0" err="1" smtClean="0"/>
+              <a:t>the</a:t>
+            </a:r>
+            <a:r>
+              <a:rPr lang="nl-NL" baseline="0" smtClean="0"/>
+              <a:t> app</a:t>
+            </a:r>
+            <a:endParaRPr lang="nl-NL"/>
+          </a:p>
+        </p:txBody>
+      </p:sp>
+      <p:sp>
+        <p:nvSpPr>
+          <p:cNvPr id="4" name="Tijdelijke aanduiding voor dianummer 3"/>
+          <p:cNvSpPr>
+            <a:spLocks noGrp="1"/>
+          </p:cNvSpPr>
+          <p:nvPr>
+            <p:ph type="sldNum" sz="quarter" idx="10"/>
+          </p:nvPr>
+        </p:nvSpPr>
+        <p:spPr/>
+        <p:txBody>
+          <a:bodyPr/>
+          <a:lstStyle/>
+          <a:p>
+            <a:fld id="{90591A10-76C6-4472-BC2C-A71051CCBD90}" type="slidenum">
+              <a:rPr lang="nl-NL" smtClean="0"/>
+              <a:t>24</a:t>
+            </a:fld>
+            <a:endParaRPr lang="nl-NL"/>
+          </a:p>
+        </p:txBody>
+      </p:sp>
+    </p:spTree>
+    <p:extLst>
+      <p:ext uri="{BB962C8B-B14F-4D97-AF65-F5344CB8AC3E}">
+        <p14:creationId xmlns:p14="http://schemas.microsoft.com/office/powerpoint/2010/main" val="4066868023"/>
       </p:ext>
     </p:extLst>
   </p:cSld>
@@ -8293,7 +8435,7 @@
           <p:cNvPr id="2" name="Title 1">
             <a:extLst>
               <a:ext uri="{FF2B5EF4-FFF2-40B4-BE49-F238E27FC236}">
-                <a16:creationId xmlns:a16="http://schemas.microsoft.com/office/drawing/2014/main" xmlns="" id="{EB263DBC-81D9-48B1-8364-CA0161012A4A}"/>
+                <a16:creationId xmlns="" xmlns:a16="http://schemas.microsoft.com/office/drawing/2014/main" id="{EB263DBC-81D9-48B1-8364-CA0161012A4A}"/>
               </a:ext>
             </a:extLst>
           </p:cNvPr>
@@ -8398,15 +8540,7 @@
           <a:p>
             <a:r>
               <a:rPr lang="en-US" dirty="0" smtClean="0"/>
-              <a:t>Adding </a:t>
-            </a:r>
-            <a:r>
-              <a:rPr lang="en-US" dirty="0" smtClean="0"/>
-              <a:t>a submit to </a:t>
-            </a:r>
-            <a:r>
-              <a:rPr lang="en-US" dirty="0" smtClean="0"/>
-              <a:t>the form</a:t>
+              <a:t>Adding a submit to the form</a:t>
             </a:r>
             <a:endParaRPr lang="nl-NL" dirty="0"/>
           </a:p>
@@ -9070,15 +9204,163 @@
           <a:p>
             <a:r>
               <a:rPr lang="nl-NL" dirty="0" smtClean="0"/>
-              <a:t>But </a:t>
+              <a:t>Service Time!</a:t>
+            </a:r>
+            <a:endParaRPr lang="nl-NL" dirty="0"/>
+          </a:p>
+        </p:txBody>
+      </p:sp>
+      <p:sp>
+        <p:nvSpPr>
+          <p:cNvPr id="3" name="Tijdelijke aanduiding voor inhoud 2"/>
+          <p:cNvSpPr>
+            <a:spLocks noGrp="1"/>
+          </p:cNvSpPr>
+          <p:nvPr>
+            <p:ph idx="1"/>
+          </p:nvPr>
+        </p:nvSpPr>
+        <p:spPr/>
+        <p:style>
+          <a:lnRef idx="2">
+            <a:schemeClr val="dk1">
+              <a:shade val="50000"/>
+            </a:schemeClr>
+          </a:lnRef>
+          <a:fillRef idx="1">
+            <a:schemeClr val="dk1"/>
+          </a:fillRef>
+          <a:effectRef idx="0">
+            <a:schemeClr val="dk1"/>
+          </a:effectRef>
+          <a:fontRef idx="minor">
+            <a:schemeClr val="lt1"/>
+          </a:fontRef>
+        </p:style>
+        <p:txBody>
+          <a:bodyPr/>
+          <a:lstStyle/>
+          <a:p>
+            <a:pPr marL="0" indent="0">
+              <a:buNone/>
+            </a:pPr>
+            <a:r>
+              <a:rPr lang="nl-NL" dirty="0" smtClean="0"/>
+              <a:t>&gt; </a:t>
             </a:r>
             <a:r>
               <a:rPr lang="nl-NL" dirty="0" err="1" smtClean="0"/>
-              <a:t>validation</a:t>
+              <a:t>ng</a:t>
             </a:r>
             <a:r>
               <a:rPr lang="nl-NL" dirty="0" smtClean="0"/>
-              <a:t>?</a:t>
+              <a:t> g module services</a:t>
+            </a:r>
+          </a:p>
+          <a:p>
+            <a:pPr marL="0" indent="0">
+              <a:buNone/>
+            </a:pPr>
+            <a:r>
+              <a:rPr lang="nl-NL" dirty="0" smtClean="0"/>
+              <a:t>&gt; </a:t>
+            </a:r>
+            <a:r>
+              <a:rPr lang="nl-NL" dirty="0" err="1" smtClean="0"/>
+              <a:t>ng</a:t>
+            </a:r>
+            <a:r>
+              <a:rPr lang="nl-NL" dirty="0" smtClean="0"/>
+              <a:t> g service /services/</a:t>
+            </a:r>
+            <a:r>
+              <a:rPr lang="nl-NL" dirty="0" err="1" smtClean="0"/>
+              <a:t>todo</a:t>
+            </a:r>
+            <a:endParaRPr lang="nl-NL" dirty="0"/>
+          </a:p>
+        </p:txBody>
+      </p:sp>
+    </p:spTree>
+    <p:extLst>
+      <p:ext uri="{BB962C8B-B14F-4D97-AF65-F5344CB8AC3E}">
+        <p14:creationId xmlns:p14="http://schemas.microsoft.com/office/powerpoint/2010/main" val="594051424"/>
+      </p:ext>
+    </p:extLst>
+  </p:cSld>
+  <p:clrMapOvr>
+    <a:masterClrMapping/>
+  </p:clrMapOvr>
+</p:sld>
+</file>
+
+<file path=ppt/slides/slide23.xml><?xml version="1.0" encoding="utf-8"?>
+<p:sld xmlns:a="http://schemas.openxmlformats.org/drawingml/2006/main" xmlns:r="http://schemas.openxmlformats.org/officeDocument/2006/relationships" xmlns:p="http://schemas.openxmlformats.org/presentationml/2006/main">
+  <p:cSld>
+    <p:spTree>
+      <p:nvGrpSpPr>
+        <p:cNvPr id="1" name=""/>
+        <p:cNvGrpSpPr/>
+        <p:nvPr/>
+      </p:nvGrpSpPr>
+      <p:grpSpPr>
+        <a:xfrm>
+          <a:off x="0" y="0"/>
+          <a:ext cx="0" cy="0"/>
+          <a:chOff x="0" y="0"/>
+          <a:chExt cx="0" cy="0"/>
+        </a:xfrm>
+      </p:grpSpPr>
+      <p:sp>
+        <p:nvSpPr>
+          <p:cNvPr id="2" name="Titel 1"/>
+          <p:cNvSpPr>
+            <a:spLocks noGrp="1"/>
+          </p:cNvSpPr>
+          <p:nvPr>
+            <p:ph type="title"/>
+          </p:nvPr>
+        </p:nvSpPr>
+        <p:spPr/>
+        <p:txBody>
+          <a:bodyPr/>
+          <a:lstStyle/>
+          <a:p>
+            <a:r>
+              <a:rPr lang="nl-NL" dirty="0" err="1" smtClean="0"/>
+              <a:t>Add</a:t>
+            </a:r>
+            <a:r>
+              <a:rPr lang="nl-NL" dirty="0" smtClean="0"/>
+              <a:t> </a:t>
+            </a:r>
+            <a:r>
+              <a:rPr lang="nl-NL" dirty="0" err="1" smtClean="0"/>
+              <a:t>the</a:t>
+            </a:r>
+            <a:r>
+              <a:rPr lang="nl-NL" dirty="0" smtClean="0"/>
+              <a:t> service </a:t>
+            </a:r>
+            <a:r>
+              <a:rPr lang="nl-NL" dirty="0" err="1" smtClean="0"/>
+              <a:t>to</a:t>
+            </a:r>
+            <a:r>
+              <a:rPr lang="nl-NL" dirty="0" smtClean="0"/>
+              <a:t> </a:t>
+            </a:r>
+            <a:r>
+              <a:rPr lang="nl-NL" dirty="0" err="1" smtClean="0"/>
+              <a:t>the</a:t>
+            </a:r>
+            <a:r>
+              <a:rPr lang="nl-NL" dirty="0" smtClean="0"/>
+              <a:t> </a:t>
+            </a:r>
+            <a:r>
+              <a:rPr lang="nl-NL" dirty="0" err="1" smtClean="0"/>
+              <a:t>services.module.ts</a:t>
             </a:r>
             <a:endParaRPr lang="nl-NL" dirty="0"/>
           </a:p>
@@ -9114,6 +9396,164 @@
             <a:pPr marL="0" indent="0">
               <a:buNone/>
             </a:pPr>
+            <a:r>
+              <a:rPr lang="en-US" dirty="0">
+                <a:solidFill>
+                  <a:srgbClr val="D4D4D4"/>
+                </a:solidFill>
+                <a:latin typeface="Consolas" panose="020B0609020204030204" pitchFamily="49" charset="0"/>
+              </a:rPr>
+              <a:t>@</a:t>
+            </a:r>
+            <a:r>
+              <a:rPr lang="en-US" dirty="0" err="1">
+                <a:solidFill>
+                  <a:srgbClr val="DCDCAA"/>
+                </a:solidFill>
+                <a:latin typeface="Consolas" panose="020B0609020204030204" pitchFamily="49" charset="0"/>
+              </a:rPr>
+              <a:t>NgModule</a:t>
+            </a:r>
+            <a:r>
+              <a:rPr lang="en-US" dirty="0">
+                <a:solidFill>
+                  <a:srgbClr val="D4D4D4"/>
+                </a:solidFill>
+                <a:latin typeface="Consolas" panose="020B0609020204030204" pitchFamily="49" charset="0"/>
+              </a:rPr>
+              <a:t>({</a:t>
+            </a:r>
+          </a:p>
+          <a:p>
+            <a:pPr marL="457200" lvl="1" indent="0">
+              <a:buNone/>
+            </a:pPr>
+            <a:r>
+              <a:rPr lang="en-US" dirty="0">
+                <a:solidFill>
+                  <a:srgbClr val="9CDCFE"/>
+                </a:solidFill>
+                <a:latin typeface="Consolas" panose="020B0609020204030204" pitchFamily="49" charset="0"/>
+              </a:rPr>
+              <a:t>imports:</a:t>
+            </a:r>
+            <a:r>
+              <a:rPr lang="en-US" dirty="0">
+                <a:solidFill>
+                  <a:srgbClr val="D4D4D4"/>
+                </a:solidFill>
+                <a:latin typeface="Consolas" panose="020B0609020204030204" pitchFamily="49" charset="0"/>
+              </a:rPr>
+              <a:t> [</a:t>
+            </a:r>
+          </a:p>
+          <a:p>
+            <a:pPr marL="457200" lvl="1" indent="0">
+              <a:buNone/>
+            </a:pPr>
+            <a:r>
+              <a:rPr lang="en-US" dirty="0" err="1">
+                <a:solidFill>
+                  <a:srgbClr val="9CDCFE"/>
+                </a:solidFill>
+                <a:latin typeface="Consolas" panose="020B0609020204030204" pitchFamily="49" charset="0"/>
+              </a:rPr>
+              <a:t>CommonModule</a:t>
+            </a:r>
+            <a:endParaRPr lang="en-US" dirty="0">
+              <a:solidFill>
+                <a:srgbClr val="D4D4D4"/>
+              </a:solidFill>
+              <a:latin typeface="Consolas" panose="020B0609020204030204" pitchFamily="49" charset="0"/>
+            </a:endParaRPr>
+          </a:p>
+          <a:p>
+            <a:pPr marL="457200" lvl="1" indent="0">
+              <a:buNone/>
+            </a:pPr>
+            <a:r>
+              <a:rPr lang="en-US" dirty="0">
+                <a:solidFill>
+                  <a:srgbClr val="D4D4D4"/>
+                </a:solidFill>
+                <a:latin typeface="Consolas" panose="020B0609020204030204" pitchFamily="49" charset="0"/>
+              </a:rPr>
+              <a:t>],</a:t>
+            </a:r>
+          </a:p>
+          <a:p>
+            <a:pPr marL="457200" lvl="1" indent="0">
+              <a:buNone/>
+            </a:pPr>
+            <a:r>
+              <a:rPr lang="en-US" dirty="0">
+                <a:solidFill>
+                  <a:schemeClr val="accent6"/>
+                </a:solidFill>
+                <a:latin typeface="Consolas" panose="020B0609020204030204" pitchFamily="49" charset="0"/>
+              </a:rPr>
+              <a:t>providers: [</a:t>
+            </a:r>
+            <a:r>
+              <a:rPr lang="en-US" dirty="0" err="1">
+                <a:solidFill>
+                  <a:schemeClr val="accent6"/>
+                </a:solidFill>
+                <a:latin typeface="Consolas" panose="020B0609020204030204" pitchFamily="49" charset="0"/>
+              </a:rPr>
+              <a:t>TodoService</a:t>
+            </a:r>
+            <a:r>
+              <a:rPr lang="en-US" dirty="0">
+                <a:solidFill>
+                  <a:schemeClr val="accent6"/>
+                </a:solidFill>
+                <a:latin typeface="Consolas" panose="020B0609020204030204" pitchFamily="49" charset="0"/>
+              </a:rPr>
+              <a:t>],</a:t>
+            </a:r>
+          </a:p>
+          <a:p>
+            <a:pPr marL="457200" lvl="1" indent="0">
+              <a:buNone/>
+            </a:pPr>
+            <a:r>
+              <a:rPr lang="en-US" dirty="0">
+                <a:solidFill>
+                  <a:srgbClr val="9CDCFE"/>
+                </a:solidFill>
+                <a:latin typeface="Consolas" panose="020B0609020204030204" pitchFamily="49" charset="0"/>
+              </a:rPr>
+              <a:t>declarations:</a:t>
+            </a:r>
+            <a:r>
+              <a:rPr lang="en-US" dirty="0">
+                <a:solidFill>
+                  <a:srgbClr val="D4D4D4"/>
+                </a:solidFill>
+                <a:latin typeface="Consolas" panose="020B0609020204030204" pitchFamily="49" charset="0"/>
+              </a:rPr>
+              <a:t> []</a:t>
+            </a:r>
+          </a:p>
+          <a:p>
+            <a:pPr marL="0" indent="0">
+              <a:buNone/>
+            </a:pPr>
+            <a:r>
+              <a:rPr lang="en-US" dirty="0">
+                <a:solidFill>
+                  <a:srgbClr val="D4D4D4"/>
+                </a:solidFill>
+                <a:latin typeface="Consolas" panose="020B0609020204030204" pitchFamily="49" charset="0"/>
+              </a:rPr>
+              <a:t>})</a:t>
+            </a:r>
+          </a:p>
+          <a:p>
+            <a:pPr marL="0" indent="0">
+              <a:buNone/>
+            </a:pPr>
             <a:endParaRPr lang="nl-NL" dirty="0"/>
           </a:p>
         </p:txBody>
@@ -9121,7 +9561,261 @@
     </p:spTree>
     <p:extLst>
       <p:ext uri="{BB962C8B-B14F-4D97-AF65-F5344CB8AC3E}">
-        <p14:creationId xmlns:p14="http://schemas.microsoft.com/office/powerpoint/2010/main" val="594051424"/>
+        <p14:creationId xmlns:p14="http://schemas.microsoft.com/office/powerpoint/2010/main" val="4066066382"/>
+      </p:ext>
+    </p:extLst>
+  </p:cSld>
+  <p:clrMapOvr>
+    <a:masterClrMapping/>
+  </p:clrMapOvr>
+</p:sld>
+</file>
+
+<file path=ppt/slides/slide24.xml><?xml version="1.0" encoding="utf-8"?>
+<p:sld xmlns:a="http://schemas.openxmlformats.org/drawingml/2006/main" xmlns:r="http://schemas.openxmlformats.org/officeDocument/2006/relationships" xmlns:p="http://schemas.openxmlformats.org/presentationml/2006/main">
+  <p:cSld>
+    <p:spTree>
+      <p:nvGrpSpPr>
+        <p:cNvPr id="1" name=""/>
+        <p:cNvGrpSpPr/>
+        <p:nvPr/>
+      </p:nvGrpSpPr>
+      <p:grpSpPr>
+        <a:xfrm>
+          <a:off x="0" y="0"/>
+          <a:ext cx="0" cy="0"/>
+          <a:chOff x="0" y="0"/>
+          <a:chExt cx="0" cy="0"/>
+        </a:xfrm>
+      </p:grpSpPr>
+      <p:sp>
+        <p:nvSpPr>
+          <p:cNvPr id="2" name="Titel 1"/>
+          <p:cNvSpPr>
+            <a:spLocks noGrp="1"/>
+          </p:cNvSpPr>
+          <p:nvPr>
+            <p:ph type="title"/>
+          </p:nvPr>
+        </p:nvSpPr>
+        <p:spPr/>
+        <p:txBody>
+          <a:bodyPr/>
+          <a:lstStyle/>
+          <a:p>
+            <a:r>
+              <a:rPr lang="nl-NL" dirty="0" err="1" smtClean="0"/>
+              <a:t>Add</a:t>
+            </a:r>
+            <a:r>
+              <a:rPr lang="nl-NL" dirty="0" smtClean="0"/>
+              <a:t> </a:t>
+            </a:r>
+            <a:r>
+              <a:rPr lang="nl-NL" dirty="0" err="1" smtClean="0"/>
+              <a:t>the</a:t>
+            </a:r>
+            <a:r>
+              <a:rPr lang="nl-NL" dirty="0" smtClean="0"/>
+              <a:t> service module </a:t>
+            </a:r>
+            <a:r>
+              <a:rPr lang="nl-NL" dirty="0" err="1" smtClean="0"/>
+              <a:t>to</a:t>
+            </a:r>
+            <a:r>
+              <a:rPr lang="nl-NL" dirty="0" smtClean="0"/>
+              <a:t> </a:t>
+            </a:r>
+            <a:r>
+              <a:rPr lang="nl-NL" dirty="0" err="1" smtClean="0"/>
+              <a:t>the</a:t>
+            </a:r>
+            <a:r>
+              <a:rPr lang="nl-NL" dirty="0" smtClean="0"/>
+              <a:t> </a:t>
+            </a:r>
+            <a:r>
+              <a:rPr lang="nl-NL" dirty="0" err="1" smtClean="0"/>
+              <a:t>app.module.ts</a:t>
+            </a:r>
+            <a:endParaRPr lang="nl-NL" dirty="0"/>
+          </a:p>
+        </p:txBody>
+      </p:sp>
+      <p:sp>
+        <p:nvSpPr>
+          <p:cNvPr id="3" name="Tijdelijke aanduiding voor inhoud 2"/>
+          <p:cNvSpPr>
+            <a:spLocks noGrp="1"/>
+          </p:cNvSpPr>
+          <p:nvPr>
+            <p:ph idx="1"/>
+          </p:nvPr>
+        </p:nvSpPr>
+        <p:spPr/>
+        <p:style>
+          <a:lnRef idx="0">
+            <a:scrgbClr r="0" g="0" b="0"/>
+          </a:lnRef>
+          <a:fillRef idx="1001">
+            <a:schemeClr val="dk2"/>
+          </a:fillRef>
+          <a:effectRef idx="0">
+            <a:scrgbClr r="0" g="0" b="0"/>
+          </a:effectRef>
+          <a:fontRef idx="major"/>
+        </p:style>
+        <p:txBody>
+          <a:bodyPr/>
+          <a:lstStyle/>
+          <a:p>
+            <a:pPr marL="0" indent="0">
+              <a:buNone/>
+            </a:pPr>
+            <a:r>
+              <a:rPr lang="nl-NL" dirty="0" err="1">
+                <a:solidFill>
+                  <a:srgbClr val="9CDCFE"/>
+                </a:solidFill>
+                <a:latin typeface="Consolas" panose="020B0609020204030204" pitchFamily="49" charset="0"/>
+              </a:rPr>
+              <a:t>imports</a:t>
+            </a:r>
+            <a:r>
+              <a:rPr lang="nl-NL" dirty="0">
+                <a:solidFill>
+                  <a:srgbClr val="9CDCFE"/>
+                </a:solidFill>
+                <a:latin typeface="Consolas" panose="020B0609020204030204" pitchFamily="49" charset="0"/>
+              </a:rPr>
+              <a:t>:</a:t>
+            </a:r>
+            <a:r>
+              <a:rPr lang="nl-NL" dirty="0">
+                <a:solidFill>
+                  <a:srgbClr val="D4D4D4"/>
+                </a:solidFill>
+                <a:latin typeface="Consolas" panose="020B0609020204030204" pitchFamily="49" charset="0"/>
+              </a:rPr>
+              <a:t> [</a:t>
+            </a:r>
+          </a:p>
+          <a:p>
+            <a:pPr marL="457200" lvl="1" indent="0">
+              <a:buNone/>
+            </a:pPr>
+            <a:r>
+              <a:rPr lang="nl-NL" dirty="0" err="1">
+                <a:solidFill>
+                  <a:srgbClr val="9CDCFE"/>
+                </a:solidFill>
+                <a:latin typeface="Consolas" panose="020B0609020204030204" pitchFamily="49" charset="0"/>
+              </a:rPr>
+              <a:t>BrowserModule</a:t>
+            </a:r>
+            <a:r>
+              <a:rPr lang="nl-NL" dirty="0">
+                <a:solidFill>
+                  <a:srgbClr val="D4D4D4"/>
+                </a:solidFill>
+                <a:latin typeface="Consolas" panose="020B0609020204030204" pitchFamily="49" charset="0"/>
+              </a:rPr>
+              <a:t>,</a:t>
+            </a:r>
+          </a:p>
+          <a:p>
+            <a:pPr marL="457200" lvl="1" indent="0">
+              <a:buNone/>
+            </a:pPr>
+            <a:r>
+              <a:rPr lang="nl-NL" dirty="0" err="1">
+                <a:solidFill>
+                  <a:srgbClr val="9CDCFE"/>
+                </a:solidFill>
+                <a:latin typeface="Consolas" panose="020B0609020204030204" pitchFamily="49" charset="0"/>
+              </a:rPr>
+              <a:t>AppRoutingModule</a:t>
+            </a:r>
+            <a:r>
+              <a:rPr lang="nl-NL" dirty="0">
+                <a:solidFill>
+                  <a:srgbClr val="D4D4D4"/>
+                </a:solidFill>
+                <a:latin typeface="Consolas" panose="020B0609020204030204" pitchFamily="49" charset="0"/>
+              </a:rPr>
+              <a:t>,</a:t>
+            </a:r>
+          </a:p>
+          <a:p>
+            <a:pPr marL="457200" lvl="1" indent="0">
+              <a:buNone/>
+            </a:pPr>
+            <a:r>
+              <a:rPr lang="nl-NL" dirty="0" err="1">
+                <a:solidFill>
+                  <a:srgbClr val="9CDCFE"/>
+                </a:solidFill>
+                <a:latin typeface="Consolas" panose="020B0609020204030204" pitchFamily="49" charset="0"/>
+              </a:rPr>
+              <a:t>FormsModule</a:t>
+            </a:r>
+            <a:r>
+              <a:rPr lang="nl-NL" dirty="0">
+                <a:solidFill>
+                  <a:srgbClr val="D4D4D4"/>
+                </a:solidFill>
+                <a:latin typeface="Consolas" panose="020B0609020204030204" pitchFamily="49" charset="0"/>
+              </a:rPr>
+              <a:t>,</a:t>
+            </a:r>
+          </a:p>
+          <a:p>
+            <a:pPr marL="457200" lvl="1" indent="0">
+              <a:buNone/>
+            </a:pPr>
+            <a:r>
+              <a:rPr lang="nl-NL" dirty="0" err="1">
+                <a:solidFill>
+                  <a:schemeClr val="accent6"/>
+                </a:solidFill>
+                <a:latin typeface="Consolas" panose="020B0609020204030204" pitchFamily="49" charset="0"/>
+              </a:rPr>
+              <a:t>ServicesModule</a:t>
+            </a:r>
+            <a:endParaRPr lang="nl-NL" dirty="0">
+              <a:solidFill>
+                <a:schemeClr val="accent6"/>
+              </a:solidFill>
+              <a:latin typeface="Consolas" panose="020B0609020204030204" pitchFamily="49" charset="0"/>
+            </a:endParaRPr>
+          </a:p>
+          <a:p>
+            <a:pPr marL="0" indent="0">
+              <a:buNone/>
+            </a:pPr>
+            <a:r>
+              <a:rPr lang="nl-NL" dirty="0">
+                <a:solidFill>
+                  <a:srgbClr val="D4D4D4"/>
+                </a:solidFill>
+                <a:latin typeface="Consolas" panose="020B0609020204030204" pitchFamily="49" charset="0"/>
+              </a:rPr>
+              <a:t>],</a:t>
+            </a:r>
+          </a:p>
+          <a:p>
+            <a:pPr marL="0" indent="0">
+              <a:buNone/>
+            </a:pPr>
+            <a:endParaRPr lang="nl-NL" dirty="0"/>
+          </a:p>
+        </p:txBody>
+      </p:sp>
+    </p:spTree>
+    <p:extLst>
+      <p:ext uri="{BB962C8B-B14F-4D97-AF65-F5344CB8AC3E}">
+        <p14:creationId xmlns:p14="http://schemas.microsoft.com/office/powerpoint/2010/main" val="2603413120"/>
       </p:ext>
     </p:extLst>
   </p:cSld>
@@ -9328,13 +10022,8 @@
             </a:pPr>
             <a:r>
               <a:rPr lang="nl-NL" dirty="0" smtClean="0"/>
-              <a:t>&gt; cd </a:t>
-            </a:r>
-            <a:r>
-              <a:rPr lang="nl-NL" dirty="0" smtClean="0"/>
-              <a:t>/</a:t>
-            </a:r>
-            <a:endParaRPr lang="nl-NL" dirty="0" smtClean="0"/>
+              <a:t>&gt; cd /</a:t>
+            </a:r>
           </a:p>
           <a:p>
             <a:pPr marL="0" indent="0">

--- a/Angular2.pptx
+++ b/Angular2.pptx
@@ -5,7 +5,7 @@
     <p:sldMasterId id="2147483648" r:id="rId1"/>
   </p:sldMasterIdLst>
   <p:notesMasterIdLst>
-    <p:notesMasterId r:id="rId26"/>
+    <p:notesMasterId r:id="rId31"/>
   </p:notesMasterIdLst>
   <p:sldIdLst>
     <p:sldId id="256" r:id="rId2"/>
@@ -28,10 +28,15 @@
     <p:sldId id="280" r:id="rId19"/>
     <p:sldId id="281" r:id="rId20"/>
     <p:sldId id="282" r:id="rId21"/>
-    <p:sldId id="284" r:id="rId22"/>
-    <p:sldId id="283" r:id="rId23"/>
-    <p:sldId id="285" r:id="rId24"/>
-    <p:sldId id="286" r:id="rId25"/>
+    <p:sldId id="289" r:id="rId22"/>
+    <p:sldId id="284" r:id="rId23"/>
+    <p:sldId id="283" r:id="rId24"/>
+    <p:sldId id="285" r:id="rId25"/>
+    <p:sldId id="286" r:id="rId26"/>
+    <p:sldId id="287" r:id="rId27"/>
+    <p:sldId id="288" r:id="rId28"/>
+    <p:sldId id="290" r:id="rId29"/>
+    <p:sldId id="291" r:id="rId30"/>
   </p:sldIdLst>
   <p:sldSz cx="12192000" cy="6858000"/>
   <p:notesSz cx="6858000" cy="9144000"/>
@@ -1056,7 +1061,7 @@
           <a:p>
             <a:fld id="{90591A10-76C6-4472-BC2C-A71051CCBD90}" type="slidenum">
               <a:rPr lang="nl-NL" smtClean="0"/>
-              <a:t>24</a:t>
+              <a:t>25</a:t>
             </a:fld>
             <a:endParaRPr lang="nl-NL"/>
           </a:p>
@@ -1066,6 +1071,202 @@
     <p:extLst>
       <p:ext uri="{BB962C8B-B14F-4D97-AF65-F5344CB8AC3E}">
         <p14:creationId xmlns:p14="http://schemas.microsoft.com/office/powerpoint/2010/main" val="4066868023"/>
+      </p:ext>
+    </p:extLst>
+  </p:cSld>
+  <p:clrMapOvr>
+    <a:masterClrMapping/>
+  </p:clrMapOvr>
+</p:notes>
+</file>
+
+<file path=ppt/notesSlides/notesSlide5.xml><?xml version="1.0" encoding="utf-8"?>
+<p:notes xmlns:a="http://schemas.openxmlformats.org/drawingml/2006/main" xmlns:r="http://schemas.openxmlformats.org/officeDocument/2006/relationships" xmlns:p="http://schemas.openxmlformats.org/presentationml/2006/main">
+  <p:cSld>
+    <p:spTree>
+      <p:nvGrpSpPr>
+        <p:cNvPr id="1" name=""/>
+        <p:cNvGrpSpPr/>
+        <p:nvPr/>
+      </p:nvGrpSpPr>
+      <p:grpSpPr>
+        <a:xfrm>
+          <a:off x="0" y="0"/>
+          <a:ext cx="0" cy="0"/>
+          <a:chOff x="0" y="0"/>
+          <a:chExt cx="0" cy="0"/>
+        </a:xfrm>
+      </p:grpSpPr>
+      <p:sp>
+        <p:nvSpPr>
+          <p:cNvPr id="2" name="Tijdelijke aanduiding voor dia-afbeelding 1"/>
+          <p:cNvSpPr>
+            <a:spLocks noGrp="1" noRot="1" noChangeAspect="1"/>
+          </p:cNvSpPr>
+          <p:nvPr>
+            <p:ph type="sldImg"/>
+          </p:nvPr>
+        </p:nvSpPr>
+        <p:spPr/>
+      </p:sp>
+      <p:sp>
+        <p:nvSpPr>
+          <p:cNvPr id="3" name="Tijdelijke aanduiding voor notities 2"/>
+          <p:cNvSpPr>
+            <a:spLocks noGrp="1"/>
+          </p:cNvSpPr>
+          <p:nvPr>
+            <p:ph type="body" idx="1"/>
+          </p:nvPr>
+        </p:nvSpPr>
+        <p:spPr/>
+        <p:txBody>
+          <a:bodyPr/>
+          <a:lstStyle/>
+          <a:p>
+            <a:r>
+              <a:rPr lang="nl-NL" dirty="0" smtClean="0"/>
+              <a:t>We sturen </a:t>
+            </a:r>
+            <a:r>
+              <a:rPr lang="nl-NL" dirty="0" err="1" smtClean="0"/>
+              <a:t>this.toDo</a:t>
+            </a:r>
+            <a:r>
+              <a:rPr lang="nl-NL" baseline="0" dirty="0" smtClean="0"/>
+              <a:t> mee omdat de het form niet </a:t>
+            </a:r>
+            <a:r>
+              <a:rPr lang="nl-NL" baseline="0" dirty="0" err="1" smtClean="0"/>
+              <a:t>completed</a:t>
+            </a:r>
+            <a:r>
+              <a:rPr lang="nl-NL" baseline="0" dirty="0" smtClean="0"/>
+              <a:t> heeft en die wordt anders niet </a:t>
+            </a:r>
+            <a:r>
+              <a:rPr lang="nl-NL" baseline="0" dirty="0" err="1" smtClean="0"/>
+              <a:t>meegesturd</a:t>
+            </a:r>
+            <a:r>
+              <a:rPr lang="nl-NL" baseline="0" dirty="0" smtClean="0"/>
+              <a:t>.</a:t>
+            </a:r>
+            <a:endParaRPr lang="nl-NL" dirty="0"/>
+          </a:p>
+        </p:txBody>
+      </p:sp>
+      <p:sp>
+        <p:nvSpPr>
+          <p:cNvPr id="4" name="Tijdelijke aanduiding voor dianummer 3"/>
+          <p:cNvSpPr>
+            <a:spLocks noGrp="1"/>
+          </p:cNvSpPr>
+          <p:nvPr>
+            <p:ph type="sldNum" sz="quarter" idx="10"/>
+          </p:nvPr>
+        </p:nvSpPr>
+        <p:spPr/>
+        <p:txBody>
+          <a:bodyPr/>
+          <a:lstStyle/>
+          <a:p>
+            <a:fld id="{90591A10-76C6-4472-BC2C-A71051CCBD90}" type="slidenum">
+              <a:rPr lang="nl-NL" smtClean="0"/>
+              <a:t>27</a:t>
+            </a:fld>
+            <a:endParaRPr lang="nl-NL"/>
+          </a:p>
+        </p:txBody>
+      </p:sp>
+    </p:spTree>
+    <p:extLst>
+      <p:ext uri="{BB962C8B-B14F-4D97-AF65-F5344CB8AC3E}">
+        <p14:creationId xmlns:p14="http://schemas.microsoft.com/office/powerpoint/2010/main" val="2458559473"/>
+      </p:ext>
+    </p:extLst>
+  </p:cSld>
+  <p:clrMapOvr>
+    <a:masterClrMapping/>
+  </p:clrMapOvr>
+</p:notes>
+</file>
+
+<file path=ppt/notesSlides/notesSlide6.xml><?xml version="1.0" encoding="utf-8"?>
+<p:notes xmlns:a="http://schemas.openxmlformats.org/drawingml/2006/main" xmlns:r="http://schemas.openxmlformats.org/officeDocument/2006/relationships" xmlns:p="http://schemas.openxmlformats.org/presentationml/2006/main">
+  <p:cSld>
+    <p:spTree>
+      <p:nvGrpSpPr>
+        <p:cNvPr id="1" name=""/>
+        <p:cNvGrpSpPr/>
+        <p:nvPr/>
+      </p:nvGrpSpPr>
+      <p:grpSpPr>
+        <a:xfrm>
+          <a:off x="0" y="0"/>
+          <a:ext cx="0" cy="0"/>
+          <a:chOff x="0" y="0"/>
+          <a:chExt cx="0" cy="0"/>
+        </a:xfrm>
+      </p:grpSpPr>
+      <p:sp>
+        <p:nvSpPr>
+          <p:cNvPr id="2" name="Tijdelijke aanduiding voor dia-afbeelding 1"/>
+          <p:cNvSpPr>
+            <a:spLocks noGrp="1" noRot="1" noChangeAspect="1"/>
+          </p:cNvSpPr>
+          <p:nvPr>
+            <p:ph type="sldImg"/>
+          </p:nvPr>
+        </p:nvSpPr>
+        <p:spPr/>
+      </p:sp>
+      <p:sp>
+        <p:nvSpPr>
+          <p:cNvPr id="3" name="Tijdelijke aanduiding voor notities 2"/>
+          <p:cNvSpPr>
+            <a:spLocks noGrp="1"/>
+          </p:cNvSpPr>
+          <p:nvPr>
+            <p:ph type="body" idx="1"/>
+          </p:nvPr>
+        </p:nvSpPr>
+        <p:spPr/>
+        <p:txBody>
+          <a:bodyPr/>
+          <a:lstStyle/>
+          <a:p>
+            <a:endParaRPr lang="nl-NL" dirty="0"/>
+          </a:p>
+        </p:txBody>
+      </p:sp>
+      <p:sp>
+        <p:nvSpPr>
+          <p:cNvPr id="4" name="Tijdelijke aanduiding voor dianummer 3"/>
+          <p:cNvSpPr>
+            <a:spLocks noGrp="1"/>
+          </p:cNvSpPr>
+          <p:nvPr>
+            <p:ph type="sldNum" sz="quarter" idx="10"/>
+          </p:nvPr>
+        </p:nvSpPr>
+        <p:spPr/>
+        <p:txBody>
+          <a:bodyPr/>
+          <a:lstStyle/>
+          <a:p>
+            <a:fld id="{90591A10-76C6-4472-BC2C-A71051CCBD90}" type="slidenum">
+              <a:rPr lang="nl-NL" smtClean="0"/>
+              <a:t>28</a:t>
+            </a:fld>
+            <a:endParaRPr lang="nl-NL"/>
+          </a:p>
+        </p:txBody>
+      </p:sp>
+    </p:spTree>
+    <p:extLst>
+      <p:ext uri="{BB962C8B-B14F-4D97-AF65-F5344CB8AC3E}">
+        <p14:creationId xmlns:p14="http://schemas.microsoft.com/office/powerpoint/2010/main" val="3568043102"/>
       </p:ext>
     </p:extLst>
   </p:cSld>
@@ -4021,12 +4222,12 @@
               <a:t> </a:t>
             </a:r>
             <a:r>
-              <a:rPr lang="nl-NL" dirty="0" err="1" smtClean="0"/>
-              <a:t>templateuitleggen</a:t>
-            </a:r>
-            <a:r>
               <a:rPr lang="nl-NL" dirty="0" smtClean="0"/>
-              <a:t> kort</a:t>
+              <a:t>template uitleggen </a:t>
+            </a:r>
+            <a:r>
+              <a:rPr lang="nl-NL" dirty="0" smtClean="0"/>
+              <a:t>kort</a:t>
             </a:r>
           </a:p>
           <a:p>
@@ -4158,8 +4359,12 @@
               <a:t>/</a:t>
             </a:r>
             <a:r>
+              <a:rPr lang="nl-NL" dirty="0" err="1"/>
+              <a:t>t</a:t>
+            </a:r>
+            <a:r>
               <a:rPr lang="nl-NL" dirty="0" err="1" smtClean="0"/>
-              <a:t>ToDo</a:t>
+              <a:t>odo</a:t>
             </a:r>
             <a:endParaRPr lang="nl-NL" dirty="0" smtClean="0"/>
           </a:p>
@@ -4237,11 +4442,15 @@
           <a:p>
             <a:r>
               <a:rPr lang="nl-NL" dirty="0" err="1" smtClean="0"/>
-              <a:t>ToDo</a:t>
+              <a:t>Todo</a:t>
             </a:r>
             <a:r>
               <a:rPr lang="nl-NL" dirty="0" smtClean="0"/>
-              <a:t> Class</a:t>
+              <a:t> </a:t>
+            </a:r>
+            <a:r>
+              <a:rPr lang="nl-NL" dirty="0" smtClean="0"/>
+              <a:t>Class</a:t>
             </a:r>
             <a:endParaRPr lang="nl-NL" dirty="0"/>
           </a:p>
@@ -4316,13 +4525,22 @@
               <a:t> </a:t>
             </a:r>
             <a:r>
-              <a:rPr lang="en-US" dirty="0" err="1">
+              <a:rPr lang="en-US" dirty="0" err="1" smtClean="0">
                 <a:solidFill>
                   <a:srgbClr val="4EC9B0"/>
                 </a:solidFill>
                 <a:latin typeface="Consolas" panose="020B0609020204030204" pitchFamily="49" charset="0"/>
               </a:rPr>
-              <a:t>ToDo</a:t>
+              <a:t>Todo</a:t>
+            </a:r>
+            <a:r>
+              <a:rPr lang="en-US" dirty="0" smtClean="0">
+                <a:solidFill>
+                  <a:srgbClr val="D4D4D4"/>
+                </a:solidFill>
+                <a:latin typeface="Consolas" panose="020B0609020204030204" pitchFamily="49" charset="0"/>
+              </a:rPr>
+              <a:t> </a:t>
             </a:r>
             <a:r>
               <a:rPr lang="en-US" dirty="0">
@@ -4331,7 +4549,7 @@
                 </a:solidFill>
                 <a:latin typeface="Consolas" panose="020B0609020204030204" pitchFamily="49" charset="0"/>
               </a:rPr>
-              <a:t> {</a:t>
+              <a:t>{</a:t>
             </a:r>
           </a:p>
           <a:p>
@@ -4978,13 +5196,13 @@
               <a:t>: </a:t>
             </a:r>
             <a:r>
-              <a:rPr lang="nl-NL" dirty="0" err="1">
+              <a:rPr lang="nl-NL" dirty="0" err="1" smtClean="0">
                 <a:solidFill>
                   <a:srgbClr val="4EC9B0"/>
                 </a:solidFill>
                 <a:latin typeface="Consolas" panose="020B0609020204030204" pitchFamily="49" charset="0"/>
               </a:rPr>
-              <a:t>ToDo</a:t>
+              <a:t>Todo</a:t>
             </a:r>
             <a:r>
               <a:rPr lang="nl-NL" dirty="0">
@@ -5171,13 +5389,13 @@
               <a:t> </a:t>
             </a:r>
             <a:r>
-              <a:rPr lang="nl-NL" dirty="0" err="1">
+              <a:rPr lang="nl-NL" dirty="0" err="1" smtClean="0">
                 <a:solidFill>
                   <a:srgbClr val="4EC9B0"/>
                 </a:solidFill>
                 <a:latin typeface="Consolas" panose="020B0609020204030204" pitchFamily="49" charset="0"/>
               </a:rPr>
-              <a:t>ToDo</a:t>
+              <a:t>Todo</a:t>
             </a:r>
             <a:r>
               <a:rPr lang="nl-NL" dirty="0">
@@ -8435,7 +8653,7 @@
           <p:cNvPr id="2" name="Title 1">
             <a:extLst>
               <a:ext uri="{FF2B5EF4-FFF2-40B4-BE49-F238E27FC236}">
-                <a16:creationId xmlns="" xmlns:a16="http://schemas.microsoft.com/office/drawing/2014/main" id="{EB263DBC-81D9-48B1-8364-CA0161012A4A}"/>
+                <a16:creationId xmlns:a16="http://schemas.microsoft.com/office/drawing/2014/main" xmlns="" id="{EB263DBC-81D9-48B1-8364-CA0161012A4A}"/>
               </a:ext>
             </a:extLst>
           </p:cNvPr>
@@ -8539,8 +8757,12 @@
           <a:lstStyle/>
           <a:p>
             <a:r>
-              <a:rPr lang="en-US" dirty="0" smtClean="0"/>
-              <a:t>Adding a submit to the form</a:t>
+              <a:rPr lang="nl-NL" dirty="0"/>
+              <a:t>c</a:t>
+            </a:r>
+            <a:r>
+              <a:rPr lang="nl-NL" dirty="0" smtClean="0"/>
+              <a:t>reate-todo.component.html</a:t>
             </a:r>
             <a:endParaRPr lang="nl-NL" dirty="0"/>
           </a:p>
@@ -8633,7 +8855,7 @@
               <a:t>#f="</a:t>
             </a:r>
             <a:r>
-              <a:rPr lang="nl-NL" dirty="0" err="1">
+              <a:rPr lang="nl-NL" dirty="0" err="1" smtClean="0">
                 <a:solidFill>
                   <a:schemeClr val="accent6"/>
                 </a:solidFill>
@@ -8642,13 +8864,13 @@
               <a:t>ngForm</a:t>
             </a:r>
             <a:r>
-              <a:rPr lang="nl-NL" dirty="0">
+              <a:rPr lang="nl-NL" dirty="0" smtClean="0">
                 <a:solidFill>
                   <a:schemeClr val="accent6"/>
                 </a:solidFill>
                 <a:latin typeface="Consolas" panose="020B0609020204030204" pitchFamily="49" charset="0"/>
               </a:rPr>
-              <a:t>" (</a:t>
+              <a:t>" 			(</a:t>
             </a:r>
             <a:r>
               <a:rPr lang="nl-NL" dirty="0" err="1">
@@ -8712,352 +8934,6 @@
               </a:solidFill>
               <a:latin typeface="Consolas" panose="020B0609020204030204" pitchFamily="49" charset="0"/>
             </a:endParaRPr>
-          </a:p>
-          <a:p>
-            <a:pPr marL="0" indent="0">
-              <a:buNone/>
-            </a:pPr>
-            <a:r>
-              <a:rPr lang="en-US" dirty="0" smtClean="0">
-                <a:solidFill>
-                  <a:srgbClr val="808080"/>
-                </a:solidFill>
-                <a:latin typeface="Consolas" panose="020B0609020204030204" pitchFamily="49" charset="0"/>
-              </a:rPr>
-              <a:t>In </a:t>
-            </a:r>
-            <a:r>
-              <a:rPr lang="en-US" dirty="0">
-                <a:solidFill>
-                  <a:srgbClr val="808080"/>
-                </a:solidFill>
-                <a:latin typeface="Consolas" panose="020B0609020204030204" pitchFamily="49" charset="0"/>
-              </a:rPr>
-              <a:t>the </a:t>
-            </a:r>
-            <a:r>
-              <a:rPr lang="en-US" dirty="0" smtClean="0">
-                <a:solidFill>
-                  <a:srgbClr val="808080"/>
-                </a:solidFill>
-                <a:latin typeface="Consolas" panose="020B0609020204030204" pitchFamily="49" charset="0"/>
-              </a:rPr>
-              <a:t>create-</a:t>
-            </a:r>
-            <a:r>
-              <a:rPr lang="en-US" dirty="0" err="1" smtClean="0">
-                <a:solidFill>
-                  <a:srgbClr val="808080"/>
-                </a:solidFill>
-                <a:latin typeface="Consolas" panose="020B0609020204030204" pitchFamily="49" charset="0"/>
-              </a:rPr>
-              <a:t>todo.component.ts</a:t>
-            </a:r>
-            <a:endParaRPr lang="en-US" dirty="0">
-              <a:solidFill>
-                <a:srgbClr val="808080"/>
-              </a:solidFill>
-              <a:latin typeface="Consolas" panose="020B0609020204030204" pitchFamily="49" charset="0"/>
-            </a:endParaRPr>
-          </a:p>
-          <a:p>
-            <a:pPr marL="0" indent="0">
-              <a:buNone/>
-            </a:pPr>
-            <a:r>
-              <a:rPr lang="nl-NL" dirty="0" err="1">
-                <a:solidFill>
-                  <a:srgbClr val="DCDCAA"/>
-                </a:solidFill>
-                <a:latin typeface="Consolas" panose="020B0609020204030204" pitchFamily="49" charset="0"/>
-              </a:rPr>
-              <a:t>onSubmit</a:t>
-            </a:r>
-            <a:r>
-              <a:rPr lang="nl-NL" dirty="0">
-                <a:solidFill>
-                  <a:srgbClr val="D4D4D4"/>
-                </a:solidFill>
-                <a:latin typeface="Consolas" panose="020B0609020204030204" pitchFamily="49" charset="0"/>
-              </a:rPr>
-              <a:t>({ </a:t>
-            </a:r>
-            <a:r>
-              <a:rPr lang="nl-NL" dirty="0" err="1">
-                <a:solidFill>
-                  <a:srgbClr val="9CDCFE"/>
-                </a:solidFill>
-                <a:latin typeface="Consolas" panose="020B0609020204030204" pitchFamily="49" charset="0"/>
-              </a:rPr>
-              <a:t>value</a:t>
-            </a:r>
-            <a:r>
-              <a:rPr lang="nl-NL" dirty="0">
-                <a:solidFill>
-                  <a:srgbClr val="D4D4D4"/>
-                </a:solidFill>
-                <a:latin typeface="Consolas" panose="020B0609020204030204" pitchFamily="49" charset="0"/>
-              </a:rPr>
-              <a:t>, </a:t>
-            </a:r>
-            <a:r>
-              <a:rPr lang="nl-NL" dirty="0" err="1">
-                <a:solidFill>
-                  <a:srgbClr val="9CDCFE"/>
-                </a:solidFill>
-                <a:latin typeface="Consolas" panose="020B0609020204030204" pitchFamily="49" charset="0"/>
-              </a:rPr>
-              <a:t>valid</a:t>
-            </a:r>
-            <a:r>
-              <a:rPr lang="nl-NL" dirty="0">
-                <a:solidFill>
-                  <a:srgbClr val="D4D4D4"/>
-                </a:solidFill>
-                <a:latin typeface="Consolas" panose="020B0609020204030204" pitchFamily="49" charset="0"/>
-              </a:rPr>
-              <a:t> }: { </a:t>
-            </a:r>
-            <a:r>
-              <a:rPr lang="nl-NL" dirty="0" err="1">
-                <a:solidFill>
-                  <a:srgbClr val="9CDCFE"/>
-                </a:solidFill>
-                <a:latin typeface="Consolas" panose="020B0609020204030204" pitchFamily="49" charset="0"/>
-              </a:rPr>
-              <a:t>value</a:t>
-            </a:r>
-            <a:r>
-              <a:rPr lang="nl-NL" dirty="0">
-                <a:solidFill>
-                  <a:srgbClr val="D4D4D4"/>
-                </a:solidFill>
-                <a:latin typeface="Consolas" panose="020B0609020204030204" pitchFamily="49" charset="0"/>
-              </a:rPr>
-              <a:t>: </a:t>
-            </a:r>
-            <a:r>
-              <a:rPr lang="nl-NL" dirty="0" err="1">
-                <a:solidFill>
-                  <a:srgbClr val="4EC9B0"/>
-                </a:solidFill>
-                <a:latin typeface="Consolas" panose="020B0609020204030204" pitchFamily="49" charset="0"/>
-              </a:rPr>
-              <a:t>ToDo</a:t>
-            </a:r>
-            <a:r>
-              <a:rPr lang="nl-NL" dirty="0">
-                <a:solidFill>
-                  <a:srgbClr val="D4D4D4"/>
-                </a:solidFill>
-                <a:latin typeface="Consolas" panose="020B0609020204030204" pitchFamily="49" charset="0"/>
-              </a:rPr>
-              <a:t>, </a:t>
-            </a:r>
-            <a:r>
-              <a:rPr lang="nl-NL" dirty="0" err="1">
-                <a:solidFill>
-                  <a:srgbClr val="9CDCFE"/>
-                </a:solidFill>
-                <a:latin typeface="Consolas" panose="020B0609020204030204" pitchFamily="49" charset="0"/>
-              </a:rPr>
-              <a:t>valid</a:t>
-            </a:r>
-            <a:r>
-              <a:rPr lang="nl-NL" dirty="0">
-                <a:solidFill>
-                  <a:srgbClr val="D4D4D4"/>
-                </a:solidFill>
-                <a:latin typeface="Consolas" panose="020B0609020204030204" pitchFamily="49" charset="0"/>
-              </a:rPr>
-              <a:t>: </a:t>
-            </a:r>
-            <a:r>
-              <a:rPr lang="nl-NL" dirty="0" smtClean="0">
-                <a:solidFill>
-                  <a:srgbClr val="D4D4D4"/>
-                </a:solidFill>
-                <a:latin typeface="Consolas" panose="020B0609020204030204" pitchFamily="49" charset="0"/>
-              </a:rPr>
-              <a:t>									</a:t>
-            </a:r>
-            <a:r>
-              <a:rPr lang="nl-NL" dirty="0" err="1" smtClean="0">
-                <a:solidFill>
-                  <a:srgbClr val="4EC9B0"/>
-                </a:solidFill>
-                <a:latin typeface="Consolas" panose="020B0609020204030204" pitchFamily="49" charset="0"/>
-              </a:rPr>
-              <a:t>boolean</a:t>
-            </a:r>
-            <a:r>
-              <a:rPr lang="nl-NL" dirty="0" smtClean="0">
-                <a:solidFill>
-                  <a:srgbClr val="D4D4D4"/>
-                </a:solidFill>
-                <a:latin typeface="Consolas" panose="020B0609020204030204" pitchFamily="49" charset="0"/>
-              </a:rPr>
-              <a:t> </a:t>
-            </a:r>
-            <a:r>
-              <a:rPr lang="nl-NL" dirty="0">
-                <a:solidFill>
-                  <a:srgbClr val="D4D4D4"/>
-                </a:solidFill>
-                <a:latin typeface="Consolas" panose="020B0609020204030204" pitchFamily="49" charset="0"/>
-              </a:rPr>
-              <a:t>}) {</a:t>
-            </a:r>
-          </a:p>
-          <a:p>
-            <a:pPr marL="0" indent="0">
-              <a:buNone/>
-            </a:pPr>
-            <a:r>
-              <a:rPr lang="nl-NL" dirty="0" smtClean="0">
-                <a:solidFill>
-                  <a:srgbClr val="C586C0"/>
-                </a:solidFill>
-                <a:latin typeface="Consolas" panose="020B0609020204030204" pitchFamily="49" charset="0"/>
-              </a:rPr>
-              <a:t>	</a:t>
-            </a:r>
-            <a:r>
-              <a:rPr lang="nl-NL" dirty="0" err="1" smtClean="0">
-                <a:solidFill>
-                  <a:srgbClr val="C586C0"/>
-                </a:solidFill>
-                <a:latin typeface="Consolas" panose="020B0609020204030204" pitchFamily="49" charset="0"/>
-              </a:rPr>
-              <a:t>if</a:t>
-            </a:r>
-            <a:r>
-              <a:rPr lang="nl-NL" dirty="0" smtClean="0">
-                <a:solidFill>
-                  <a:srgbClr val="D4D4D4"/>
-                </a:solidFill>
-                <a:latin typeface="Consolas" panose="020B0609020204030204" pitchFamily="49" charset="0"/>
-              </a:rPr>
-              <a:t> </a:t>
-            </a:r>
-            <a:r>
-              <a:rPr lang="nl-NL" dirty="0">
-                <a:solidFill>
-                  <a:srgbClr val="D4D4D4"/>
-                </a:solidFill>
-                <a:latin typeface="Consolas" panose="020B0609020204030204" pitchFamily="49" charset="0"/>
-              </a:rPr>
-              <a:t>(</a:t>
-            </a:r>
-            <a:r>
-              <a:rPr lang="nl-NL" dirty="0" err="1">
-                <a:solidFill>
-                  <a:srgbClr val="9CDCFE"/>
-                </a:solidFill>
-                <a:latin typeface="Consolas" panose="020B0609020204030204" pitchFamily="49" charset="0"/>
-              </a:rPr>
-              <a:t>valid</a:t>
-            </a:r>
-            <a:r>
-              <a:rPr lang="nl-NL" dirty="0">
-                <a:solidFill>
-                  <a:srgbClr val="D4D4D4"/>
-                </a:solidFill>
-                <a:latin typeface="Consolas" panose="020B0609020204030204" pitchFamily="49" charset="0"/>
-              </a:rPr>
-              <a:t>)</a:t>
-            </a:r>
-          </a:p>
-          <a:p>
-            <a:pPr marL="0" indent="0">
-              <a:buNone/>
-            </a:pPr>
-            <a:r>
-              <a:rPr lang="nl-NL" dirty="0" smtClean="0">
-                <a:solidFill>
-                  <a:srgbClr val="4EC9B0"/>
-                </a:solidFill>
-                <a:latin typeface="Consolas" panose="020B0609020204030204" pitchFamily="49" charset="0"/>
-              </a:rPr>
-              <a:t>		console</a:t>
-            </a:r>
-            <a:r>
-              <a:rPr lang="nl-NL" dirty="0" smtClean="0">
-                <a:solidFill>
-                  <a:srgbClr val="D4D4D4"/>
-                </a:solidFill>
-                <a:latin typeface="Consolas" panose="020B0609020204030204" pitchFamily="49" charset="0"/>
-              </a:rPr>
-              <a:t>.</a:t>
-            </a:r>
-            <a:r>
-              <a:rPr lang="nl-NL" dirty="0" smtClean="0">
-                <a:solidFill>
-                  <a:srgbClr val="DCDCAA"/>
-                </a:solidFill>
-                <a:latin typeface="Consolas" panose="020B0609020204030204" pitchFamily="49" charset="0"/>
-              </a:rPr>
-              <a:t>log</a:t>
-            </a:r>
-            <a:r>
-              <a:rPr lang="nl-NL" dirty="0" smtClean="0">
-                <a:solidFill>
-                  <a:srgbClr val="D4D4D4"/>
-                </a:solidFill>
-                <a:latin typeface="Consolas" panose="020B0609020204030204" pitchFamily="49" charset="0"/>
-              </a:rPr>
-              <a:t>(</a:t>
-            </a:r>
-            <a:r>
-              <a:rPr lang="nl-NL" dirty="0" err="1" smtClean="0">
-                <a:solidFill>
-                  <a:srgbClr val="569CD6"/>
-                </a:solidFill>
-                <a:latin typeface="Consolas" panose="020B0609020204030204" pitchFamily="49" charset="0"/>
-              </a:rPr>
-              <a:t>this</a:t>
-            </a:r>
-            <a:r>
-              <a:rPr lang="nl-NL" dirty="0" err="1" smtClean="0">
-                <a:solidFill>
-                  <a:srgbClr val="D4D4D4"/>
-                </a:solidFill>
-                <a:latin typeface="Consolas" panose="020B0609020204030204" pitchFamily="49" charset="0"/>
-              </a:rPr>
-              <a:t>.</a:t>
-            </a:r>
-            <a:r>
-              <a:rPr lang="nl-NL" dirty="0" err="1" smtClean="0">
-                <a:solidFill>
-                  <a:srgbClr val="9CDCFE"/>
-                </a:solidFill>
-                <a:latin typeface="Consolas" panose="020B0609020204030204" pitchFamily="49" charset="0"/>
-              </a:rPr>
-              <a:t>toDo</a:t>
-            </a:r>
-            <a:r>
-              <a:rPr lang="nl-NL" dirty="0">
-                <a:solidFill>
-                  <a:srgbClr val="D4D4D4"/>
-                </a:solidFill>
-                <a:latin typeface="Consolas" panose="020B0609020204030204" pitchFamily="49" charset="0"/>
-              </a:rPr>
-              <a:t>);</a:t>
-            </a:r>
-          </a:p>
-          <a:p>
-            <a:pPr marL="0" indent="0">
-              <a:buNone/>
-            </a:pPr>
-            <a:r>
-              <a:rPr lang="nl-NL" dirty="0">
-                <a:solidFill>
-                  <a:srgbClr val="D4D4D4"/>
-                </a:solidFill>
-                <a:latin typeface="Consolas" panose="020B0609020204030204" pitchFamily="49" charset="0"/>
-              </a:rPr>
-              <a:t>}</a:t>
-            </a:r>
           </a:p>
           <a:p>
             <a:pPr marL="0" indent="0">
@@ -9130,6 +9006,10 @@
           <a:bodyPr/>
           <a:lstStyle/>
           <a:p>
+            <a:r>
+              <a:rPr lang="nl-NL" dirty="0" err="1" smtClean="0"/>
+              <a:t>create-todo.component.ts</a:t>
+            </a:r>
             <a:endParaRPr lang="nl-NL" dirty="0"/>
           </a:p>
         </p:txBody>
@@ -9145,14 +9025,297 @@
           </p:nvPr>
         </p:nvSpPr>
         <p:spPr/>
+        <p:style>
+          <a:lnRef idx="0">
+            <a:scrgbClr r="0" g="0" b="0"/>
+          </a:lnRef>
+          <a:fillRef idx="1001">
+            <a:schemeClr val="dk2"/>
+          </a:fillRef>
+          <a:effectRef idx="0">
+            <a:scrgbClr r="0" g="0" b="0"/>
+          </a:effectRef>
+          <a:fontRef idx="major"/>
+        </p:style>
         <p:txBody>
           <a:bodyPr/>
           <a:lstStyle/>
           <a:p>
-            <a:r>
-              <a:rPr lang="nl-NL" dirty="0" smtClean="0"/>
-              <a:t>Backend opstarten en postman tonen</a:t>
-            </a:r>
+            <a:pPr marL="0" indent="0">
+              <a:buNone/>
+            </a:pPr>
+            <a:r>
+              <a:rPr lang="nl-NL" dirty="0" err="1">
+                <a:solidFill>
+                  <a:srgbClr val="DCDCAA"/>
+                </a:solidFill>
+                <a:latin typeface="Consolas" panose="020B0609020204030204" pitchFamily="49" charset="0"/>
+              </a:rPr>
+              <a:t>onSubmit</a:t>
+            </a:r>
+            <a:r>
+              <a:rPr lang="nl-NL" dirty="0">
+                <a:solidFill>
+                  <a:srgbClr val="D4D4D4"/>
+                </a:solidFill>
+                <a:latin typeface="Consolas" panose="020B0609020204030204" pitchFamily="49" charset="0"/>
+              </a:rPr>
+              <a:t>({ </a:t>
+            </a:r>
+            <a:r>
+              <a:rPr lang="nl-NL" dirty="0" err="1">
+                <a:solidFill>
+                  <a:srgbClr val="9CDCFE"/>
+                </a:solidFill>
+                <a:latin typeface="Consolas" panose="020B0609020204030204" pitchFamily="49" charset="0"/>
+              </a:rPr>
+              <a:t>value</a:t>
+            </a:r>
+            <a:r>
+              <a:rPr lang="nl-NL" dirty="0">
+                <a:solidFill>
+                  <a:srgbClr val="D4D4D4"/>
+                </a:solidFill>
+                <a:latin typeface="Consolas" panose="020B0609020204030204" pitchFamily="49" charset="0"/>
+              </a:rPr>
+              <a:t>, </a:t>
+            </a:r>
+            <a:r>
+              <a:rPr lang="nl-NL" dirty="0" err="1">
+                <a:solidFill>
+                  <a:srgbClr val="9CDCFE"/>
+                </a:solidFill>
+                <a:latin typeface="Consolas" panose="020B0609020204030204" pitchFamily="49" charset="0"/>
+              </a:rPr>
+              <a:t>valid</a:t>
+            </a:r>
+            <a:r>
+              <a:rPr lang="nl-NL" dirty="0">
+                <a:solidFill>
+                  <a:srgbClr val="D4D4D4"/>
+                </a:solidFill>
+                <a:latin typeface="Consolas" panose="020B0609020204030204" pitchFamily="49" charset="0"/>
+              </a:rPr>
+              <a:t> }: { </a:t>
+            </a:r>
+            <a:r>
+              <a:rPr lang="nl-NL" dirty="0" err="1">
+                <a:solidFill>
+                  <a:srgbClr val="9CDCFE"/>
+                </a:solidFill>
+                <a:latin typeface="Consolas" panose="020B0609020204030204" pitchFamily="49" charset="0"/>
+              </a:rPr>
+              <a:t>value</a:t>
+            </a:r>
+            <a:r>
+              <a:rPr lang="nl-NL" dirty="0">
+                <a:solidFill>
+                  <a:srgbClr val="D4D4D4"/>
+                </a:solidFill>
+                <a:latin typeface="Consolas" panose="020B0609020204030204" pitchFamily="49" charset="0"/>
+              </a:rPr>
+              <a:t>: </a:t>
+            </a:r>
+            <a:r>
+              <a:rPr lang="nl-NL" dirty="0" err="1">
+                <a:solidFill>
+                  <a:srgbClr val="4EC9B0"/>
+                </a:solidFill>
+                <a:latin typeface="Consolas" panose="020B0609020204030204" pitchFamily="49" charset="0"/>
+              </a:rPr>
+              <a:t>Todo</a:t>
+            </a:r>
+            <a:r>
+              <a:rPr lang="nl-NL" dirty="0">
+                <a:solidFill>
+                  <a:srgbClr val="D4D4D4"/>
+                </a:solidFill>
+                <a:latin typeface="Consolas" panose="020B0609020204030204" pitchFamily="49" charset="0"/>
+              </a:rPr>
+              <a:t>, </a:t>
+            </a:r>
+            <a:r>
+              <a:rPr lang="nl-NL" dirty="0" err="1">
+                <a:solidFill>
+                  <a:srgbClr val="9CDCFE"/>
+                </a:solidFill>
+                <a:latin typeface="Consolas" panose="020B0609020204030204" pitchFamily="49" charset="0"/>
+              </a:rPr>
+              <a:t>valid</a:t>
+            </a:r>
+            <a:r>
+              <a:rPr lang="nl-NL" dirty="0">
+                <a:solidFill>
+                  <a:srgbClr val="D4D4D4"/>
+                </a:solidFill>
+                <a:latin typeface="Consolas" panose="020B0609020204030204" pitchFamily="49" charset="0"/>
+              </a:rPr>
+              <a:t>: 									</a:t>
+            </a:r>
+            <a:r>
+              <a:rPr lang="nl-NL" dirty="0" err="1">
+                <a:solidFill>
+                  <a:srgbClr val="4EC9B0"/>
+                </a:solidFill>
+                <a:latin typeface="Consolas" panose="020B0609020204030204" pitchFamily="49" charset="0"/>
+              </a:rPr>
+              <a:t>boolean</a:t>
+            </a:r>
+            <a:r>
+              <a:rPr lang="nl-NL" dirty="0">
+                <a:solidFill>
+                  <a:srgbClr val="D4D4D4"/>
+                </a:solidFill>
+                <a:latin typeface="Consolas" panose="020B0609020204030204" pitchFamily="49" charset="0"/>
+              </a:rPr>
+              <a:t> }) {</a:t>
+            </a:r>
+          </a:p>
+          <a:p>
+            <a:pPr marL="0" indent="0">
+              <a:buNone/>
+            </a:pPr>
+            <a:r>
+              <a:rPr lang="nl-NL" dirty="0">
+                <a:solidFill>
+                  <a:srgbClr val="C586C0"/>
+                </a:solidFill>
+                <a:latin typeface="Consolas" panose="020B0609020204030204" pitchFamily="49" charset="0"/>
+              </a:rPr>
+              <a:t>	</a:t>
+            </a:r>
+            <a:r>
+              <a:rPr lang="nl-NL" dirty="0" err="1">
+                <a:solidFill>
+                  <a:srgbClr val="C586C0"/>
+                </a:solidFill>
+                <a:latin typeface="Consolas" panose="020B0609020204030204" pitchFamily="49" charset="0"/>
+              </a:rPr>
+              <a:t>if</a:t>
+            </a:r>
+            <a:r>
+              <a:rPr lang="nl-NL" dirty="0">
+                <a:solidFill>
+                  <a:srgbClr val="D4D4D4"/>
+                </a:solidFill>
+                <a:latin typeface="Consolas" panose="020B0609020204030204" pitchFamily="49" charset="0"/>
+              </a:rPr>
+              <a:t> (</a:t>
+            </a:r>
+            <a:r>
+              <a:rPr lang="nl-NL" dirty="0" err="1">
+                <a:solidFill>
+                  <a:srgbClr val="9CDCFE"/>
+                </a:solidFill>
+                <a:latin typeface="Consolas" panose="020B0609020204030204" pitchFamily="49" charset="0"/>
+              </a:rPr>
+              <a:t>valid</a:t>
+            </a:r>
+            <a:r>
+              <a:rPr lang="nl-NL" dirty="0">
+                <a:solidFill>
+                  <a:srgbClr val="D4D4D4"/>
+                </a:solidFill>
+                <a:latin typeface="Consolas" panose="020B0609020204030204" pitchFamily="49" charset="0"/>
+              </a:rPr>
+              <a:t>)</a:t>
+            </a:r>
+          </a:p>
+          <a:p>
+            <a:pPr marL="0" indent="0">
+              <a:buNone/>
+            </a:pPr>
+            <a:r>
+              <a:rPr lang="nl-NL" dirty="0">
+                <a:solidFill>
+                  <a:srgbClr val="4EC9B0"/>
+                </a:solidFill>
+                <a:latin typeface="Consolas" panose="020B0609020204030204" pitchFamily="49" charset="0"/>
+              </a:rPr>
+              <a:t>		console</a:t>
+            </a:r>
+            <a:r>
+              <a:rPr lang="nl-NL" dirty="0">
+                <a:solidFill>
+                  <a:srgbClr val="D4D4D4"/>
+                </a:solidFill>
+                <a:latin typeface="Consolas" panose="020B0609020204030204" pitchFamily="49" charset="0"/>
+              </a:rPr>
+              <a:t>.</a:t>
+            </a:r>
+            <a:r>
+              <a:rPr lang="nl-NL" dirty="0">
+                <a:solidFill>
+                  <a:srgbClr val="DCDCAA"/>
+                </a:solidFill>
+                <a:latin typeface="Consolas" panose="020B0609020204030204" pitchFamily="49" charset="0"/>
+              </a:rPr>
+              <a:t>log</a:t>
+            </a:r>
+            <a:r>
+              <a:rPr lang="nl-NL" dirty="0">
+                <a:solidFill>
+                  <a:srgbClr val="D4D4D4"/>
+                </a:solidFill>
+                <a:latin typeface="Consolas" panose="020B0609020204030204" pitchFamily="49" charset="0"/>
+              </a:rPr>
+              <a:t>(</a:t>
+            </a:r>
+            <a:r>
+              <a:rPr lang="nl-NL" dirty="0" err="1">
+                <a:solidFill>
+                  <a:srgbClr val="569CD6"/>
+                </a:solidFill>
+                <a:latin typeface="Consolas" panose="020B0609020204030204" pitchFamily="49" charset="0"/>
+              </a:rPr>
+              <a:t>this</a:t>
+            </a:r>
+            <a:r>
+              <a:rPr lang="nl-NL" dirty="0" err="1">
+                <a:solidFill>
+                  <a:srgbClr val="D4D4D4"/>
+                </a:solidFill>
+                <a:latin typeface="Consolas" panose="020B0609020204030204" pitchFamily="49" charset="0"/>
+              </a:rPr>
+              <a:t>.</a:t>
+            </a:r>
+            <a:r>
+              <a:rPr lang="nl-NL" dirty="0" err="1">
+                <a:solidFill>
+                  <a:srgbClr val="9CDCFE"/>
+                </a:solidFill>
+                <a:latin typeface="Consolas" panose="020B0609020204030204" pitchFamily="49" charset="0"/>
+              </a:rPr>
+              <a:t>toDo</a:t>
+            </a:r>
+            <a:r>
+              <a:rPr lang="nl-NL" dirty="0">
+                <a:solidFill>
+                  <a:srgbClr val="D4D4D4"/>
+                </a:solidFill>
+                <a:latin typeface="Consolas" panose="020B0609020204030204" pitchFamily="49" charset="0"/>
+              </a:rPr>
+              <a:t>);</a:t>
+            </a:r>
+          </a:p>
+          <a:p>
+            <a:pPr marL="0" indent="0">
+              <a:buNone/>
+            </a:pPr>
+            <a:r>
+              <a:rPr lang="nl-NL" dirty="0">
+                <a:solidFill>
+                  <a:srgbClr val="D4D4D4"/>
+                </a:solidFill>
+                <a:latin typeface="Consolas" panose="020B0609020204030204" pitchFamily="49" charset="0"/>
+              </a:rPr>
+              <a:t>}</a:t>
+            </a:r>
+          </a:p>
+          <a:p>
+            <a:pPr marL="0" indent="0">
+              <a:buNone/>
+            </a:pPr>
             <a:endParaRPr lang="nl-NL" dirty="0"/>
           </a:p>
         </p:txBody>
@@ -9160,7 +9323,7 @@
     </p:spTree>
     <p:extLst>
       <p:ext uri="{BB962C8B-B14F-4D97-AF65-F5344CB8AC3E}">
-        <p14:creationId xmlns:p14="http://schemas.microsoft.com/office/powerpoint/2010/main" val="3027779223"/>
+        <p14:creationId xmlns:p14="http://schemas.microsoft.com/office/powerpoint/2010/main" val="3050798737"/>
       </p:ext>
     </p:extLst>
   </p:cSld>
@@ -9202,10 +9365,6 @@
           <a:bodyPr/>
           <a:lstStyle/>
           <a:p>
-            <a:r>
-              <a:rPr lang="nl-NL" dirty="0" smtClean="0"/>
-              <a:t>Service Time!</a:t>
-            </a:r>
             <a:endParaRPr lang="nl-NL" dirty="0"/>
           </a:p>
         </p:txBody>
@@ -9221,61 +9380,13 @@
           </p:nvPr>
         </p:nvSpPr>
         <p:spPr/>
-        <p:style>
-          <a:lnRef idx="2">
-            <a:schemeClr val="dk1">
-              <a:shade val="50000"/>
-            </a:schemeClr>
-          </a:lnRef>
-          <a:fillRef idx="1">
-            <a:schemeClr val="dk1"/>
-          </a:fillRef>
-          <a:effectRef idx="0">
-            <a:schemeClr val="dk1"/>
-          </a:effectRef>
-          <a:fontRef idx="minor">
-            <a:schemeClr val="lt1"/>
-          </a:fontRef>
-        </p:style>
         <p:txBody>
           <a:bodyPr/>
           <a:lstStyle/>
           <a:p>
-            <a:pPr marL="0" indent="0">
-              <a:buNone/>
-            </a:pPr>
             <a:r>
               <a:rPr lang="nl-NL" dirty="0" smtClean="0"/>
-              <a:t>&gt; </a:t>
-            </a:r>
-            <a:r>
-              <a:rPr lang="nl-NL" dirty="0" err="1" smtClean="0"/>
-              <a:t>ng</a:t>
-            </a:r>
-            <a:r>
-              <a:rPr lang="nl-NL" dirty="0" smtClean="0"/>
-              <a:t> g module services</a:t>
-            </a:r>
-          </a:p>
-          <a:p>
-            <a:pPr marL="0" indent="0">
-              <a:buNone/>
-            </a:pPr>
-            <a:r>
-              <a:rPr lang="nl-NL" dirty="0" smtClean="0"/>
-              <a:t>&gt; </a:t>
-            </a:r>
-            <a:r>
-              <a:rPr lang="nl-NL" dirty="0" err="1" smtClean="0"/>
-              <a:t>ng</a:t>
-            </a:r>
-            <a:r>
-              <a:rPr lang="nl-NL" dirty="0" smtClean="0"/>
-              <a:t> g service /services/</a:t>
-            </a:r>
-            <a:r>
-              <a:rPr lang="nl-NL" dirty="0" err="1" smtClean="0"/>
-              <a:t>todo</a:t>
+              <a:t>Backend opstarten en postman tonen</a:t>
             </a:r>
             <a:endParaRPr lang="nl-NL" dirty="0"/>
           </a:p>
@@ -9284,7 +9395,7 @@
     </p:spTree>
     <p:extLst>
       <p:ext uri="{BB962C8B-B14F-4D97-AF65-F5344CB8AC3E}">
-        <p14:creationId xmlns:p14="http://schemas.microsoft.com/office/powerpoint/2010/main" val="594051424"/>
+        <p14:creationId xmlns:p14="http://schemas.microsoft.com/office/powerpoint/2010/main" val="3027779223"/>
       </p:ext>
     </p:extLst>
   </p:cSld>
@@ -9327,40 +9438,8 @@
           <a:lstStyle/>
           <a:p>
             <a:r>
-              <a:rPr lang="nl-NL" dirty="0" err="1" smtClean="0"/>
-              <a:t>Add</a:t>
-            </a:r>
-            <a:r>
               <a:rPr lang="nl-NL" dirty="0" smtClean="0"/>
-              <a:t> </a:t>
-            </a:r>
-            <a:r>
-              <a:rPr lang="nl-NL" dirty="0" err="1" smtClean="0"/>
-              <a:t>the</a:t>
-            </a:r>
-            <a:r>
-              <a:rPr lang="nl-NL" dirty="0" smtClean="0"/>
-              <a:t> service </a:t>
-            </a:r>
-            <a:r>
-              <a:rPr lang="nl-NL" dirty="0" err="1" smtClean="0"/>
-              <a:t>to</a:t>
-            </a:r>
-            <a:r>
-              <a:rPr lang="nl-NL" dirty="0" smtClean="0"/>
-              <a:t> </a:t>
-            </a:r>
-            <a:r>
-              <a:rPr lang="nl-NL" dirty="0" err="1" smtClean="0"/>
-              <a:t>the</a:t>
-            </a:r>
-            <a:r>
-              <a:rPr lang="nl-NL" dirty="0" smtClean="0"/>
-              <a:t> </a:t>
-            </a:r>
-            <a:r>
-              <a:rPr lang="nl-NL" dirty="0" err="1" smtClean="0"/>
-              <a:t>services.module.ts</a:t>
+              <a:t>Service Time!</a:t>
             </a:r>
             <a:endParaRPr lang="nl-NL" dirty="0"/>
           </a:p>
@@ -9378,16 +9457,20 @@
         </p:nvSpPr>
         <p:spPr/>
         <p:style>
-          <a:lnRef idx="0">
-            <a:scrgbClr r="0" g="0" b="0"/>
+          <a:lnRef idx="2">
+            <a:schemeClr val="dk1">
+              <a:shade val="50000"/>
+            </a:schemeClr>
           </a:lnRef>
-          <a:fillRef idx="1001">
-            <a:schemeClr val="dk2"/>
+          <a:fillRef idx="1">
+            <a:schemeClr val="dk1"/>
           </a:fillRef>
           <a:effectRef idx="0">
-            <a:scrgbClr r="0" g="0" b="0"/>
+            <a:schemeClr val="dk1"/>
           </a:effectRef>
-          <a:fontRef idx="major"/>
+          <a:fontRef idx="minor">
+            <a:schemeClr val="lt1"/>
+          </a:fontRef>
         </p:style>
         <p:txBody>
           <a:bodyPr/>
@@ -9397,163 +9480,38 @@
               <a:buNone/>
             </a:pPr>
             <a:r>
-              <a:rPr lang="en-US" dirty="0">
-                <a:solidFill>
-                  <a:srgbClr val="D4D4D4"/>
-                </a:solidFill>
-                <a:latin typeface="Consolas" panose="020B0609020204030204" pitchFamily="49" charset="0"/>
-              </a:rPr>
-              <a:t>@</a:t>
-            </a:r>
-            <a:r>
-              <a:rPr lang="en-US" dirty="0" err="1">
-                <a:solidFill>
-                  <a:srgbClr val="DCDCAA"/>
-                </a:solidFill>
-                <a:latin typeface="Consolas" panose="020B0609020204030204" pitchFamily="49" charset="0"/>
-              </a:rPr>
-              <a:t>NgModule</a:t>
-            </a:r>
-            <a:r>
-              <a:rPr lang="en-US" dirty="0">
-                <a:solidFill>
-                  <a:srgbClr val="D4D4D4"/>
-                </a:solidFill>
-                <a:latin typeface="Consolas" panose="020B0609020204030204" pitchFamily="49" charset="0"/>
-              </a:rPr>
-              <a:t>({</a:t>
-            </a:r>
-          </a:p>
-          <a:p>
-            <a:pPr marL="457200" lvl="1" indent="0">
+              <a:rPr lang="nl-NL" dirty="0" smtClean="0"/>
+              <a:t>&gt; </a:t>
+            </a:r>
+            <a:r>
+              <a:rPr lang="nl-NL" dirty="0" err="1" smtClean="0"/>
+              <a:t>ng</a:t>
+            </a:r>
+            <a:r>
+              <a:rPr lang="nl-NL" dirty="0" smtClean="0"/>
+              <a:t> g module services</a:t>
+            </a:r>
+          </a:p>
+          <a:p>
+            <a:pPr marL="0" indent="0">
               <a:buNone/>
             </a:pPr>
             <a:r>
-              <a:rPr lang="en-US" dirty="0">
-                <a:solidFill>
-                  <a:srgbClr val="9CDCFE"/>
-                </a:solidFill>
-                <a:latin typeface="Consolas" panose="020B0609020204030204" pitchFamily="49" charset="0"/>
-              </a:rPr>
-              <a:t>imports:</a:t>
-            </a:r>
-            <a:r>
-              <a:rPr lang="en-US" dirty="0">
-                <a:solidFill>
-                  <a:srgbClr val="D4D4D4"/>
-                </a:solidFill>
-                <a:latin typeface="Consolas" panose="020B0609020204030204" pitchFamily="49" charset="0"/>
-              </a:rPr>
-              <a:t> [</a:t>
-            </a:r>
-          </a:p>
-          <a:p>
-            <a:pPr marL="457200" lvl="1" indent="0">
-              <a:buNone/>
-            </a:pPr>
-            <a:r>
-              <a:rPr lang="en-US" dirty="0" err="1">
-                <a:solidFill>
-                  <a:srgbClr val="9CDCFE"/>
-                </a:solidFill>
-                <a:latin typeface="Consolas" panose="020B0609020204030204" pitchFamily="49" charset="0"/>
-              </a:rPr>
-              <a:t>CommonModule</a:t>
-            </a:r>
-            <a:endParaRPr lang="en-US" dirty="0">
-              <a:solidFill>
-                <a:srgbClr val="D4D4D4"/>
-              </a:solidFill>
-              <a:latin typeface="Consolas" panose="020B0609020204030204" pitchFamily="49" charset="0"/>
-            </a:endParaRPr>
-          </a:p>
-          <a:p>
-            <a:pPr marL="457200" lvl="1" indent="0">
-              <a:buNone/>
-            </a:pPr>
-            <a:r>
-              <a:rPr lang="en-US" dirty="0">
-                <a:solidFill>
-                  <a:srgbClr val="D4D4D4"/>
-                </a:solidFill>
-                <a:latin typeface="Consolas" panose="020B0609020204030204" pitchFamily="49" charset="0"/>
-              </a:rPr>
-              <a:t>],</a:t>
-            </a:r>
-          </a:p>
-          <a:p>
-            <a:pPr marL="457200" lvl="1" indent="0">
-              <a:buNone/>
-            </a:pPr>
-            <a:r>
-              <a:rPr lang="en-US" dirty="0">
-                <a:solidFill>
-                  <a:schemeClr val="accent6"/>
-                </a:solidFill>
-                <a:latin typeface="Consolas" panose="020B0609020204030204" pitchFamily="49" charset="0"/>
-              </a:rPr>
-              <a:t>providers: [</a:t>
-            </a:r>
-            <a:r>
-              <a:rPr lang="en-US" dirty="0" err="1">
-                <a:solidFill>
-                  <a:schemeClr val="accent6"/>
-                </a:solidFill>
-                <a:latin typeface="Consolas" panose="020B0609020204030204" pitchFamily="49" charset="0"/>
-              </a:rPr>
-              <a:t>TodoService</a:t>
-            </a:r>
-            <a:r>
-              <a:rPr lang="en-US" dirty="0">
-                <a:solidFill>
-                  <a:schemeClr val="accent6"/>
-                </a:solidFill>
-                <a:latin typeface="Consolas" panose="020B0609020204030204" pitchFamily="49" charset="0"/>
-              </a:rPr>
-              <a:t>],</a:t>
-            </a:r>
-          </a:p>
-          <a:p>
-            <a:pPr marL="457200" lvl="1" indent="0">
-              <a:buNone/>
-            </a:pPr>
-            <a:r>
-              <a:rPr lang="en-US" dirty="0">
-                <a:solidFill>
-                  <a:srgbClr val="9CDCFE"/>
-                </a:solidFill>
-                <a:latin typeface="Consolas" panose="020B0609020204030204" pitchFamily="49" charset="0"/>
-              </a:rPr>
-              <a:t>declarations:</a:t>
-            </a:r>
-            <a:r>
-              <a:rPr lang="en-US" dirty="0">
-                <a:solidFill>
-                  <a:srgbClr val="D4D4D4"/>
-                </a:solidFill>
-                <a:latin typeface="Consolas" panose="020B0609020204030204" pitchFamily="49" charset="0"/>
-              </a:rPr>
-              <a:t> []</a:t>
-            </a:r>
-          </a:p>
-          <a:p>
-            <a:pPr marL="0" indent="0">
-              <a:buNone/>
-            </a:pPr>
-            <a:r>
-              <a:rPr lang="en-US" dirty="0">
-                <a:solidFill>
-                  <a:srgbClr val="D4D4D4"/>
-                </a:solidFill>
-                <a:latin typeface="Consolas" panose="020B0609020204030204" pitchFamily="49" charset="0"/>
-              </a:rPr>
-              <a:t>})</a:t>
-            </a:r>
-          </a:p>
-          <a:p>
-            <a:pPr marL="0" indent="0">
-              <a:buNone/>
-            </a:pPr>
+              <a:rPr lang="nl-NL" dirty="0" smtClean="0"/>
+              <a:t>&gt; </a:t>
+            </a:r>
+            <a:r>
+              <a:rPr lang="nl-NL" dirty="0" err="1" smtClean="0"/>
+              <a:t>ng</a:t>
+            </a:r>
+            <a:r>
+              <a:rPr lang="nl-NL" dirty="0" smtClean="0"/>
+              <a:t> g service /services/</a:t>
+            </a:r>
+            <a:r>
+              <a:rPr lang="nl-NL" dirty="0" err="1" smtClean="0"/>
+              <a:t>todo</a:t>
+            </a:r>
             <a:endParaRPr lang="nl-NL" dirty="0"/>
           </a:p>
         </p:txBody>
@@ -9561,7 +9519,7 @@
     </p:spTree>
     <p:extLst>
       <p:ext uri="{BB962C8B-B14F-4D97-AF65-F5344CB8AC3E}">
-        <p14:creationId xmlns:p14="http://schemas.microsoft.com/office/powerpoint/2010/main" val="4066066382"/>
+        <p14:creationId xmlns:p14="http://schemas.microsoft.com/office/powerpoint/2010/main" val="594051424"/>
       </p:ext>
     </p:extLst>
   </p:cSld>
@@ -9604,40 +9562,12 @@
           <a:lstStyle/>
           <a:p>
             <a:r>
+              <a:rPr lang="nl-NL" dirty="0" err="1"/>
+              <a:t>s</a:t>
+            </a:r>
+            <a:r>
               <a:rPr lang="nl-NL" dirty="0" err="1" smtClean="0"/>
-              <a:t>Add</a:t>
-            </a:r>
-            <a:r>
-              <a:rPr lang="nl-NL" dirty="0" smtClean="0"/>
-              <a:t> </a:t>
-            </a:r>
-            <a:r>
-              <a:rPr lang="nl-NL" dirty="0" err="1" smtClean="0"/>
-              <a:t>the</a:t>
-            </a:r>
-            <a:r>
-              <a:rPr lang="nl-NL" dirty="0" smtClean="0"/>
-              <a:t> service module </a:t>
-            </a:r>
-            <a:r>
-              <a:rPr lang="nl-NL" dirty="0" err="1" smtClean="0"/>
-              <a:t>to</a:t>
-            </a:r>
-            <a:r>
-              <a:rPr lang="nl-NL" dirty="0" smtClean="0"/>
-              <a:t> </a:t>
-            </a:r>
-            <a:r>
-              <a:rPr lang="nl-NL" dirty="0" err="1" smtClean="0"/>
-              <a:t>the</a:t>
-            </a:r>
-            <a:r>
-              <a:rPr lang="nl-NL" dirty="0" smtClean="0"/>
-              <a:t> </a:t>
-            </a:r>
-            <a:r>
-              <a:rPr lang="nl-NL" dirty="0" err="1" smtClean="0"/>
-              <a:t>app.module.ts</a:t>
+              <a:t>ervices.module.ts</a:t>
             </a:r>
             <a:endParaRPr lang="nl-NL" dirty="0"/>
           </a:p>
@@ -9674,6 +9604,251 @@
               <a:buNone/>
             </a:pPr>
             <a:r>
+              <a:rPr lang="en-US" dirty="0">
+                <a:solidFill>
+                  <a:srgbClr val="D4D4D4"/>
+                </a:solidFill>
+                <a:latin typeface="Consolas" panose="020B0609020204030204" pitchFamily="49" charset="0"/>
+              </a:rPr>
+              <a:t>@</a:t>
+            </a:r>
+            <a:r>
+              <a:rPr lang="en-US" dirty="0" err="1">
+                <a:solidFill>
+                  <a:srgbClr val="DCDCAA"/>
+                </a:solidFill>
+                <a:latin typeface="Consolas" panose="020B0609020204030204" pitchFamily="49" charset="0"/>
+              </a:rPr>
+              <a:t>NgModule</a:t>
+            </a:r>
+            <a:r>
+              <a:rPr lang="en-US" dirty="0">
+                <a:solidFill>
+                  <a:srgbClr val="D4D4D4"/>
+                </a:solidFill>
+                <a:latin typeface="Consolas" panose="020B0609020204030204" pitchFamily="49" charset="0"/>
+              </a:rPr>
+              <a:t>({</a:t>
+            </a:r>
+          </a:p>
+          <a:p>
+            <a:pPr marL="457200" lvl="1" indent="0">
+              <a:buNone/>
+            </a:pPr>
+            <a:r>
+              <a:rPr lang="en-US" dirty="0">
+                <a:solidFill>
+                  <a:srgbClr val="9CDCFE"/>
+                </a:solidFill>
+                <a:latin typeface="Consolas" panose="020B0609020204030204" pitchFamily="49" charset="0"/>
+              </a:rPr>
+              <a:t>imports:</a:t>
+            </a:r>
+            <a:r>
+              <a:rPr lang="en-US" dirty="0">
+                <a:solidFill>
+                  <a:srgbClr val="D4D4D4"/>
+                </a:solidFill>
+                <a:latin typeface="Consolas" panose="020B0609020204030204" pitchFamily="49" charset="0"/>
+              </a:rPr>
+              <a:t> [</a:t>
+            </a:r>
+          </a:p>
+          <a:p>
+            <a:pPr marL="457200" lvl="1" indent="0">
+              <a:buNone/>
+            </a:pPr>
+            <a:r>
+              <a:rPr lang="en-US" dirty="0" err="1">
+                <a:solidFill>
+                  <a:srgbClr val="9CDCFE"/>
+                </a:solidFill>
+                <a:latin typeface="Consolas" panose="020B0609020204030204" pitchFamily="49" charset="0"/>
+              </a:rPr>
+              <a:t>CommonModule</a:t>
+            </a:r>
+            <a:endParaRPr lang="en-US" dirty="0">
+              <a:solidFill>
+                <a:srgbClr val="D4D4D4"/>
+              </a:solidFill>
+              <a:latin typeface="Consolas" panose="020B0609020204030204" pitchFamily="49" charset="0"/>
+            </a:endParaRPr>
+          </a:p>
+          <a:p>
+            <a:pPr marL="457200" lvl="1" indent="0">
+              <a:buNone/>
+            </a:pPr>
+            <a:r>
+              <a:rPr lang="en-US" dirty="0">
+                <a:solidFill>
+                  <a:srgbClr val="D4D4D4"/>
+                </a:solidFill>
+                <a:latin typeface="Consolas" panose="020B0609020204030204" pitchFamily="49" charset="0"/>
+              </a:rPr>
+              <a:t>],</a:t>
+            </a:r>
+          </a:p>
+          <a:p>
+            <a:pPr marL="457200" lvl="1" indent="0">
+              <a:buNone/>
+            </a:pPr>
+            <a:r>
+              <a:rPr lang="en-US" dirty="0">
+                <a:solidFill>
+                  <a:schemeClr val="accent6"/>
+                </a:solidFill>
+                <a:latin typeface="Consolas" panose="020B0609020204030204" pitchFamily="49" charset="0"/>
+              </a:rPr>
+              <a:t>providers: [</a:t>
+            </a:r>
+            <a:r>
+              <a:rPr lang="en-US" dirty="0" err="1">
+                <a:solidFill>
+                  <a:schemeClr val="accent6"/>
+                </a:solidFill>
+                <a:latin typeface="Consolas" panose="020B0609020204030204" pitchFamily="49" charset="0"/>
+              </a:rPr>
+              <a:t>TodoService</a:t>
+            </a:r>
+            <a:r>
+              <a:rPr lang="en-US" dirty="0">
+                <a:solidFill>
+                  <a:schemeClr val="accent6"/>
+                </a:solidFill>
+                <a:latin typeface="Consolas" panose="020B0609020204030204" pitchFamily="49" charset="0"/>
+              </a:rPr>
+              <a:t>],</a:t>
+            </a:r>
+          </a:p>
+          <a:p>
+            <a:pPr marL="457200" lvl="1" indent="0">
+              <a:buNone/>
+            </a:pPr>
+            <a:r>
+              <a:rPr lang="en-US" dirty="0">
+                <a:solidFill>
+                  <a:srgbClr val="9CDCFE"/>
+                </a:solidFill>
+                <a:latin typeface="Consolas" panose="020B0609020204030204" pitchFamily="49" charset="0"/>
+              </a:rPr>
+              <a:t>declarations:</a:t>
+            </a:r>
+            <a:r>
+              <a:rPr lang="en-US" dirty="0">
+                <a:solidFill>
+                  <a:srgbClr val="D4D4D4"/>
+                </a:solidFill>
+                <a:latin typeface="Consolas" panose="020B0609020204030204" pitchFamily="49" charset="0"/>
+              </a:rPr>
+              <a:t> []</a:t>
+            </a:r>
+          </a:p>
+          <a:p>
+            <a:pPr marL="0" indent="0">
+              <a:buNone/>
+            </a:pPr>
+            <a:r>
+              <a:rPr lang="en-US" dirty="0">
+                <a:solidFill>
+                  <a:srgbClr val="D4D4D4"/>
+                </a:solidFill>
+                <a:latin typeface="Consolas" panose="020B0609020204030204" pitchFamily="49" charset="0"/>
+              </a:rPr>
+              <a:t>})</a:t>
+            </a:r>
+          </a:p>
+          <a:p>
+            <a:pPr marL="0" indent="0">
+              <a:buNone/>
+            </a:pPr>
+            <a:endParaRPr lang="nl-NL" dirty="0"/>
+          </a:p>
+        </p:txBody>
+      </p:sp>
+    </p:spTree>
+    <p:extLst>
+      <p:ext uri="{BB962C8B-B14F-4D97-AF65-F5344CB8AC3E}">
+        <p14:creationId xmlns:p14="http://schemas.microsoft.com/office/powerpoint/2010/main" val="4066066382"/>
+      </p:ext>
+    </p:extLst>
+  </p:cSld>
+  <p:clrMapOvr>
+    <a:masterClrMapping/>
+  </p:clrMapOvr>
+</p:sld>
+</file>
+
+<file path=ppt/slides/slide25.xml><?xml version="1.0" encoding="utf-8"?>
+<p:sld xmlns:a="http://schemas.openxmlformats.org/drawingml/2006/main" xmlns:r="http://schemas.openxmlformats.org/officeDocument/2006/relationships" xmlns:p="http://schemas.openxmlformats.org/presentationml/2006/main">
+  <p:cSld>
+    <p:spTree>
+      <p:nvGrpSpPr>
+        <p:cNvPr id="1" name=""/>
+        <p:cNvGrpSpPr/>
+        <p:nvPr/>
+      </p:nvGrpSpPr>
+      <p:grpSpPr>
+        <a:xfrm>
+          <a:off x="0" y="0"/>
+          <a:ext cx="0" cy="0"/>
+          <a:chOff x="0" y="0"/>
+          <a:chExt cx="0" cy="0"/>
+        </a:xfrm>
+      </p:grpSpPr>
+      <p:sp>
+        <p:nvSpPr>
+          <p:cNvPr id="2" name="Titel 1"/>
+          <p:cNvSpPr>
+            <a:spLocks noGrp="1"/>
+          </p:cNvSpPr>
+          <p:nvPr>
+            <p:ph type="title"/>
+          </p:nvPr>
+        </p:nvSpPr>
+        <p:spPr/>
+        <p:txBody>
+          <a:bodyPr/>
+          <a:lstStyle/>
+          <a:p>
+            <a:r>
+              <a:rPr lang="nl-NL" dirty="0" err="1" smtClean="0"/>
+              <a:t>app.module.ts</a:t>
+            </a:r>
+            <a:endParaRPr lang="nl-NL" dirty="0"/>
+          </a:p>
+        </p:txBody>
+      </p:sp>
+      <p:sp>
+        <p:nvSpPr>
+          <p:cNvPr id="3" name="Tijdelijke aanduiding voor inhoud 2"/>
+          <p:cNvSpPr>
+            <a:spLocks noGrp="1"/>
+          </p:cNvSpPr>
+          <p:nvPr>
+            <p:ph idx="1"/>
+          </p:nvPr>
+        </p:nvSpPr>
+        <p:spPr/>
+        <p:style>
+          <a:lnRef idx="0">
+            <a:scrgbClr r="0" g="0" b="0"/>
+          </a:lnRef>
+          <a:fillRef idx="1001">
+            <a:schemeClr val="dk2"/>
+          </a:fillRef>
+          <a:effectRef idx="0">
+            <a:scrgbClr r="0" g="0" b="0"/>
+          </a:effectRef>
+          <a:fontRef idx="major"/>
+        </p:style>
+        <p:txBody>
+          <a:bodyPr/>
+          <a:lstStyle/>
+          <a:p>
+            <a:pPr marL="0" indent="0">
+              <a:buNone/>
+            </a:pPr>
+            <a:r>
               <a:rPr lang="nl-NL" dirty="0" err="1">
                 <a:solidFill>
                   <a:srgbClr val="9CDCFE"/>
@@ -9816,6 +9991,1400 @@
     <p:extLst>
       <p:ext uri="{BB962C8B-B14F-4D97-AF65-F5344CB8AC3E}">
         <p14:creationId xmlns:p14="http://schemas.microsoft.com/office/powerpoint/2010/main" val="2603413120"/>
+      </p:ext>
+    </p:extLst>
+  </p:cSld>
+  <p:clrMapOvr>
+    <a:masterClrMapping/>
+  </p:clrMapOvr>
+</p:sld>
+</file>
+
+<file path=ppt/slides/slide26.xml><?xml version="1.0" encoding="utf-8"?>
+<p:sld xmlns:a="http://schemas.openxmlformats.org/drawingml/2006/main" xmlns:r="http://schemas.openxmlformats.org/officeDocument/2006/relationships" xmlns:p="http://schemas.openxmlformats.org/presentationml/2006/main">
+  <p:cSld>
+    <p:spTree>
+      <p:nvGrpSpPr>
+        <p:cNvPr id="1" name=""/>
+        <p:cNvGrpSpPr/>
+        <p:nvPr/>
+      </p:nvGrpSpPr>
+      <p:grpSpPr>
+        <a:xfrm>
+          <a:off x="0" y="0"/>
+          <a:ext cx="0" cy="0"/>
+          <a:chOff x="0" y="0"/>
+          <a:chExt cx="0" cy="0"/>
+        </a:xfrm>
+      </p:grpSpPr>
+      <p:sp>
+        <p:nvSpPr>
+          <p:cNvPr id="2" name="Titel 1"/>
+          <p:cNvSpPr>
+            <a:spLocks noGrp="1"/>
+          </p:cNvSpPr>
+          <p:nvPr>
+            <p:ph type="title"/>
+          </p:nvPr>
+        </p:nvSpPr>
+        <p:spPr/>
+        <p:txBody>
+          <a:bodyPr/>
+          <a:lstStyle/>
+          <a:p>
+            <a:r>
+              <a:rPr lang="nl-NL" dirty="0" err="1"/>
+              <a:t>t</a:t>
+            </a:r>
+            <a:r>
+              <a:rPr lang="nl-NL" dirty="0" err="1" smtClean="0"/>
+              <a:t>odo.service.ts</a:t>
+            </a:r>
+            <a:endParaRPr lang="nl-NL" dirty="0"/>
+          </a:p>
+        </p:txBody>
+      </p:sp>
+      <p:sp>
+        <p:nvSpPr>
+          <p:cNvPr id="3" name="Tijdelijke aanduiding voor inhoud 2"/>
+          <p:cNvSpPr>
+            <a:spLocks noGrp="1"/>
+          </p:cNvSpPr>
+          <p:nvPr>
+            <p:ph idx="1"/>
+          </p:nvPr>
+        </p:nvSpPr>
+        <p:spPr/>
+        <p:style>
+          <a:lnRef idx="0">
+            <a:scrgbClr r="0" g="0" b="0"/>
+          </a:lnRef>
+          <a:fillRef idx="1001">
+            <a:schemeClr val="dk2"/>
+          </a:fillRef>
+          <a:effectRef idx="0">
+            <a:scrgbClr r="0" g="0" b="0"/>
+          </a:effectRef>
+          <a:fontRef idx="major"/>
+        </p:style>
+        <p:txBody>
+          <a:bodyPr/>
+          <a:lstStyle/>
+          <a:p>
+            <a:pPr marL="0" indent="0">
+              <a:buNone/>
+            </a:pPr>
+            <a:r>
+              <a:rPr lang="nl-NL" dirty="0" smtClean="0">
+                <a:solidFill>
+                  <a:srgbClr val="569CD6"/>
+                </a:solidFill>
+                <a:latin typeface="Consolas" panose="020B0609020204030204" pitchFamily="49" charset="0"/>
+              </a:rPr>
+              <a:t>public</a:t>
+            </a:r>
+            <a:r>
+              <a:rPr lang="nl-NL" dirty="0" smtClean="0">
+                <a:solidFill>
+                  <a:srgbClr val="D4D4D4"/>
+                </a:solidFill>
+                <a:latin typeface="Consolas" panose="020B0609020204030204" pitchFamily="49" charset="0"/>
+              </a:rPr>
+              <a:t> </a:t>
+            </a:r>
+            <a:r>
+              <a:rPr lang="nl-NL" dirty="0" err="1">
+                <a:solidFill>
+                  <a:srgbClr val="DCDCAA"/>
+                </a:solidFill>
+                <a:latin typeface="Consolas" panose="020B0609020204030204" pitchFamily="49" charset="0"/>
+              </a:rPr>
+              <a:t>createToDo</a:t>
+            </a:r>
+            <a:r>
+              <a:rPr lang="nl-NL" dirty="0">
+                <a:solidFill>
+                  <a:srgbClr val="D4D4D4"/>
+                </a:solidFill>
+                <a:latin typeface="Consolas" panose="020B0609020204030204" pitchFamily="49" charset="0"/>
+              </a:rPr>
+              <a:t>(</a:t>
+            </a:r>
+            <a:r>
+              <a:rPr lang="nl-NL" dirty="0" err="1">
+                <a:solidFill>
+                  <a:srgbClr val="9CDCFE"/>
+                </a:solidFill>
+                <a:latin typeface="Consolas" panose="020B0609020204030204" pitchFamily="49" charset="0"/>
+              </a:rPr>
+              <a:t>todo</a:t>
+            </a:r>
+            <a:r>
+              <a:rPr lang="nl-NL" dirty="0">
+                <a:solidFill>
+                  <a:srgbClr val="D4D4D4"/>
+                </a:solidFill>
+                <a:latin typeface="Consolas" panose="020B0609020204030204" pitchFamily="49" charset="0"/>
+              </a:rPr>
+              <a:t>: </a:t>
+            </a:r>
+            <a:r>
+              <a:rPr lang="nl-NL" dirty="0" err="1" smtClean="0">
+                <a:solidFill>
+                  <a:srgbClr val="4EC9B0"/>
+                </a:solidFill>
+                <a:latin typeface="Consolas" panose="020B0609020204030204" pitchFamily="49" charset="0"/>
+              </a:rPr>
+              <a:t>Todo</a:t>
+            </a:r>
+            <a:r>
+              <a:rPr lang="nl-NL" dirty="0">
+                <a:solidFill>
+                  <a:srgbClr val="D4D4D4"/>
+                </a:solidFill>
+                <a:latin typeface="Consolas" panose="020B0609020204030204" pitchFamily="49" charset="0"/>
+              </a:rPr>
+              <a:t>) : </a:t>
+            </a:r>
+            <a:r>
+              <a:rPr lang="nl-NL" dirty="0" err="1">
+                <a:solidFill>
+                  <a:srgbClr val="4EC9B0"/>
+                </a:solidFill>
+                <a:latin typeface="Consolas" panose="020B0609020204030204" pitchFamily="49" charset="0"/>
+              </a:rPr>
+              <a:t>void</a:t>
+            </a:r>
+            <a:r>
+              <a:rPr lang="nl-NL" dirty="0">
+                <a:solidFill>
+                  <a:srgbClr val="D4D4D4"/>
+                </a:solidFill>
+                <a:latin typeface="Consolas" panose="020B0609020204030204" pitchFamily="49" charset="0"/>
+              </a:rPr>
+              <a:t>{</a:t>
+            </a:r>
+          </a:p>
+          <a:p>
+            <a:pPr marL="0" indent="0">
+              <a:buNone/>
+            </a:pPr>
+            <a:r>
+              <a:rPr lang="nl-NL" dirty="0" smtClean="0">
+                <a:solidFill>
+                  <a:srgbClr val="608B4E"/>
+                </a:solidFill>
+                <a:latin typeface="Consolas" panose="020B0609020204030204" pitchFamily="49" charset="0"/>
+              </a:rPr>
+              <a:t>	</a:t>
+            </a:r>
+            <a:r>
+              <a:rPr lang="nl-NL" dirty="0">
+                <a:solidFill>
+                  <a:srgbClr val="DCDCAA"/>
+                </a:solidFill>
+                <a:latin typeface="Consolas" panose="020B0609020204030204" pitchFamily="49" charset="0"/>
+              </a:rPr>
+              <a:t>alert</a:t>
+            </a:r>
+            <a:r>
+              <a:rPr lang="nl-NL" dirty="0">
+                <a:solidFill>
+                  <a:srgbClr val="D4D4D4"/>
+                </a:solidFill>
+                <a:latin typeface="Consolas" panose="020B0609020204030204" pitchFamily="49" charset="0"/>
+              </a:rPr>
+              <a:t>(</a:t>
+            </a:r>
+            <a:r>
+              <a:rPr lang="nl-NL" dirty="0" err="1">
+                <a:solidFill>
+                  <a:srgbClr val="9CDCFE"/>
+                </a:solidFill>
+                <a:latin typeface="Consolas" panose="020B0609020204030204" pitchFamily="49" charset="0"/>
+              </a:rPr>
+              <a:t>todo</a:t>
+            </a:r>
+            <a:r>
+              <a:rPr lang="nl-NL" dirty="0" err="1">
+                <a:solidFill>
+                  <a:srgbClr val="D4D4D4"/>
+                </a:solidFill>
+                <a:latin typeface="Consolas" panose="020B0609020204030204" pitchFamily="49" charset="0"/>
+              </a:rPr>
+              <a:t>.</a:t>
+            </a:r>
+            <a:r>
+              <a:rPr lang="nl-NL" dirty="0" err="1">
+                <a:solidFill>
+                  <a:srgbClr val="9CDCFE"/>
+                </a:solidFill>
+                <a:latin typeface="Consolas" panose="020B0609020204030204" pitchFamily="49" charset="0"/>
+              </a:rPr>
+              <a:t>title</a:t>
+            </a:r>
+            <a:r>
+              <a:rPr lang="nl-NL" dirty="0">
+                <a:solidFill>
+                  <a:srgbClr val="D4D4D4"/>
+                </a:solidFill>
+                <a:latin typeface="Consolas" panose="020B0609020204030204" pitchFamily="49" charset="0"/>
+              </a:rPr>
+              <a:t>);</a:t>
+            </a:r>
+          </a:p>
+          <a:p>
+            <a:pPr marL="0" indent="0">
+              <a:buNone/>
+            </a:pPr>
+            <a:r>
+              <a:rPr lang="nl-NL" dirty="0" smtClean="0">
+                <a:solidFill>
+                  <a:srgbClr val="D4D4D4"/>
+                </a:solidFill>
+                <a:latin typeface="Consolas" panose="020B0609020204030204" pitchFamily="49" charset="0"/>
+              </a:rPr>
+              <a:t>}</a:t>
+            </a:r>
+            <a:endParaRPr lang="nl-NL" dirty="0">
+              <a:solidFill>
+                <a:srgbClr val="D4D4D4"/>
+              </a:solidFill>
+              <a:latin typeface="Consolas" panose="020B0609020204030204" pitchFamily="49" charset="0"/>
+            </a:endParaRPr>
+          </a:p>
+          <a:p>
+            <a:pPr marL="0" indent="0">
+              <a:buNone/>
+            </a:pPr>
+            <a:endParaRPr lang="nl-NL" dirty="0"/>
+          </a:p>
+        </p:txBody>
+      </p:sp>
+    </p:spTree>
+    <p:extLst>
+      <p:ext uri="{BB962C8B-B14F-4D97-AF65-F5344CB8AC3E}">
+        <p14:creationId xmlns:p14="http://schemas.microsoft.com/office/powerpoint/2010/main" val="99074046"/>
+      </p:ext>
+    </p:extLst>
+  </p:cSld>
+  <p:clrMapOvr>
+    <a:masterClrMapping/>
+  </p:clrMapOvr>
+</p:sld>
+</file>
+
+<file path=ppt/slides/slide27.xml><?xml version="1.0" encoding="utf-8"?>
+<p:sld xmlns:a="http://schemas.openxmlformats.org/drawingml/2006/main" xmlns:r="http://schemas.openxmlformats.org/officeDocument/2006/relationships" xmlns:p="http://schemas.openxmlformats.org/presentationml/2006/main">
+  <p:cSld>
+    <p:spTree>
+      <p:nvGrpSpPr>
+        <p:cNvPr id="1" name=""/>
+        <p:cNvGrpSpPr/>
+        <p:nvPr/>
+      </p:nvGrpSpPr>
+      <p:grpSpPr>
+        <a:xfrm>
+          <a:off x="0" y="0"/>
+          <a:ext cx="0" cy="0"/>
+          <a:chOff x="0" y="0"/>
+          <a:chExt cx="0" cy="0"/>
+        </a:xfrm>
+      </p:grpSpPr>
+      <p:sp>
+        <p:nvSpPr>
+          <p:cNvPr id="2" name="Titel 1"/>
+          <p:cNvSpPr>
+            <a:spLocks noGrp="1"/>
+          </p:cNvSpPr>
+          <p:nvPr>
+            <p:ph type="title"/>
+          </p:nvPr>
+        </p:nvSpPr>
+        <p:spPr/>
+        <p:txBody>
+          <a:bodyPr/>
+          <a:lstStyle/>
+          <a:p>
+            <a:r>
+              <a:rPr lang="nl-NL" dirty="0" err="1"/>
+              <a:t>c</a:t>
+            </a:r>
+            <a:r>
+              <a:rPr lang="nl-NL" dirty="0" err="1" smtClean="0"/>
+              <a:t>reate-todo.component.ts</a:t>
+            </a:r>
+            <a:endParaRPr lang="nl-NL" dirty="0"/>
+          </a:p>
+        </p:txBody>
+      </p:sp>
+      <p:sp>
+        <p:nvSpPr>
+          <p:cNvPr id="3" name="Tijdelijke aanduiding voor inhoud 2"/>
+          <p:cNvSpPr>
+            <a:spLocks noGrp="1"/>
+          </p:cNvSpPr>
+          <p:nvPr>
+            <p:ph idx="1"/>
+          </p:nvPr>
+        </p:nvSpPr>
+        <p:spPr>
+          <a:ln>
+            <a:solidFill>
+              <a:schemeClr val="accent1"/>
+            </a:solidFill>
+          </a:ln>
+        </p:spPr>
+        <p:style>
+          <a:lnRef idx="0">
+            <a:scrgbClr r="0" g="0" b="0"/>
+          </a:lnRef>
+          <a:fillRef idx="1001">
+            <a:schemeClr val="dk2"/>
+          </a:fillRef>
+          <a:effectRef idx="0">
+            <a:scrgbClr r="0" g="0" b="0"/>
+          </a:effectRef>
+          <a:fontRef idx="major"/>
+        </p:style>
+        <p:txBody>
+          <a:bodyPr>
+            <a:normAutofit/>
+          </a:bodyPr>
+          <a:lstStyle/>
+          <a:p>
+            <a:pPr marL="0" indent="0">
+              <a:buNone/>
+            </a:pPr>
+            <a:r>
+              <a:rPr lang="nl-NL" dirty="0" err="1">
+                <a:solidFill>
+                  <a:srgbClr val="569CD6"/>
+                </a:solidFill>
+                <a:latin typeface="Consolas" panose="020B0609020204030204" pitchFamily="49" charset="0"/>
+              </a:rPr>
+              <a:t>constructor</a:t>
+            </a:r>
+            <a:r>
+              <a:rPr lang="nl-NL" dirty="0">
+                <a:solidFill>
+                  <a:srgbClr val="D4D4D4"/>
+                </a:solidFill>
+                <a:latin typeface="Consolas" panose="020B0609020204030204" pitchFamily="49" charset="0"/>
+              </a:rPr>
+              <a:t>(</a:t>
+            </a:r>
+            <a:r>
+              <a:rPr lang="nl-NL" dirty="0">
+                <a:solidFill>
+                  <a:srgbClr val="569CD6"/>
+                </a:solidFill>
+                <a:latin typeface="Consolas" panose="020B0609020204030204" pitchFamily="49" charset="0"/>
+              </a:rPr>
+              <a:t>private</a:t>
+            </a:r>
+            <a:r>
+              <a:rPr lang="nl-NL" dirty="0">
+                <a:solidFill>
+                  <a:srgbClr val="D4D4D4"/>
+                </a:solidFill>
+                <a:latin typeface="Consolas" panose="020B0609020204030204" pitchFamily="49" charset="0"/>
+              </a:rPr>
+              <a:t> </a:t>
+            </a:r>
+            <a:r>
+              <a:rPr lang="nl-NL" dirty="0" err="1">
+                <a:solidFill>
+                  <a:srgbClr val="9CDCFE"/>
+                </a:solidFill>
+                <a:latin typeface="Consolas" panose="020B0609020204030204" pitchFamily="49" charset="0"/>
+              </a:rPr>
+              <a:t>todoService</a:t>
+            </a:r>
+            <a:r>
+              <a:rPr lang="nl-NL" dirty="0">
+                <a:solidFill>
+                  <a:srgbClr val="D4D4D4"/>
+                </a:solidFill>
+                <a:latin typeface="Consolas" panose="020B0609020204030204" pitchFamily="49" charset="0"/>
+              </a:rPr>
+              <a:t>: </a:t>
+            </a:r>
+            <a:r>
+              <a:rPr lang="nl-NL" dirty="0" err="1">
+                <a:solidFill>
+                  <a:srgbClr val="4EC9B0"/>
+                </a:solidFill>
+                <a:latin typeface="Consolas" panose="020B0609020204030204" pitchFamily="49" charset="0"/>
+              </a:rPr>
+              <a:t>TodoService</a:t>
+            </a:r>
+            <a:r>
+              <a:rPr lang="nl-NL" dirty="0">
+                <a:solidFill>
+                  <a:srgbClr val="D4D4D4"/>
+                </a:solidFill>
+                <a:latin typeface="Consolas" panose="020B0609020204030204" pitchFamily="49" charset="0"/>
+              </a:rPr>
+              <a:t>) { </a:t>
+            </a:r>
+            <a:r>
+              <a:rPr lang="nl-NL" dirty="0" smtClean="0">
+                <a:solidFill>
+                  <a:srgbClr val="D4D4D4"/>
+                </a:solidFill>
+                <a:latin typeface="Consolas" panose="020B0609020204030204" pitchFamily="49" charset="0"/>
+              </a:rPr>
+              <a:t>}</a:t>
+            </a:r>
+          </a:p>
+          <a:p>
+            <a:endParaRPr lang="nl-NL" dirty="0">
+              <a:solidFill>
+                <a:srgbClr val="D4D4D4"/>
+              </a:solidFill>
+              <a:latin typeface="Consolas" panose="020B0609020204030204" pitchFamily="49" charset="0"/>
+            </a:endParaRPr>
+          </a:p>
+          <a:p>
+            <a:pPr marL="0" indent="0">
+              <a:buNone/>
+            </a:pPr>
+            <a:r>
+              <a:rPr lang="nl-NL" dirty="0" err="1">
+                <a:solidFill>
+                  <a:srgbClr val="DCDCAA"/>
+                </a:solidFill>
+                <a:latin typeface="Consolas" panose="020B0609020204030204" pitchFamily="49" charset="0"/>
+              </a:rPr>
+              <a:t>onSubmit</a:t>
+            </a:r>
+            <a:r>
+              <a:rPr lang="nl-NL" dirty="0">
+                <a:solidFill>
+                  <a:srgbClr val="D4D4D4"/>
+                </a:solidFill>
+                <a:latin typeface="Consolas" panose="020B0609020204030204" pitchFamily="49" charset="0"/>
+              </a:rPr>
+              <a:t>({ </a:t>
+            </a:r>
+            <a:r>
+              <a:rPr lang="nl-NL" dirty="0" err="1">
+                <a:solidFill>
+                  <a:srgbClr val="9CDCFE"/>
+                </a:solidFill>
+                <a:latin typeface="Consolas" panose="020B0609020204030204" pitchFamily="49" charset="0"/>
+              </a:rPr>
+              <a:t>value</a:t>
+            </a:r>
+            <a:r>
+              <a:rPr lang="nl-NL" dirty="0">
+                <a:solidFill>
+                  <a:srgbClr val="D4D4D4"/>
+                </a:solidFill>
+                <a:latin typeface="Consolas" panose="020B0609020204030204" pitchFamily="49" charset="0"/>
+              </a:rPr>
+              <a:t>, </a:t>
+            </a:r>
+            <a:r>
+              <a:rPr lang="nl-NL" dirty="0" err="1">
+                <a:solidFill>
+                  <a:srgbClr val="9CDCFE"/>
+                </a:solidFill>
+                <a:latin typeface="Consolas" panose="020B0609020204030204" pitchFamily="49" charset="0"/>
+              </a:rPr>
+              <a:t>valid</a:t>
+            </a:r>
+            <a:r>
+              <a:rPr lang="nl-NL" dirty="0">
+                <a:solidFill>
+                  <a:srgbClr val="D4D4D4"/>
+                </a:solidFill>
+                <a:latin typeface="Consolas" panose="020B0609020204030204" pitchFamily="49" charset="0"/>
+              </a:rPr>
+              <a:t> }: { </a:t>
+            </a:r>
+            <a:r>
+              <a:rPr lang="nl-NL" dirty="0" err="1">
+                <a:solidFill>
+                  <a:srgbClr val="9CDCFE"/>
+                </a:solidFill>
+                <a:latin typeface="Consolas" panose="020B0609020204030204" pitchFamily="49" charset="0"/>
+              </a:rPr>
+              <a:t>value</a:t>
+            </a:r>
+            <a:r>
+              <a:rPr lang="nl-NL" dirty="0">
+                <a:solidFill>
+                  <a:srgbClr val="D4D4D4"/>
+                </a:solidFill>
+                <a:latin typeface="Consolas" panose="020B0609020204030204" pitchFamily="49" charset="0"/>
+              </a:rPr>
+              <a:t>: </a:t>
+            </a:r>
+            <a:r>
+              <a:rPr lang="nl-NL" dirty="0" err="1">
+                <a:solidFill>
+                  <a:srgbClr val="4EC9B0"/>
+                </a:solidFill>
+                <a:latin typeface="Consolas" panose="020B0609020204030204" pitchFamily="49" charset="0"/>
+              </a:rPr>
+              <a:t>Todo</a:t>
+            </a:r>
+            <a:r>
+              <a:rPr lang="nl-NL" dirty="0">
+                <a:solidFill>
+                  <a:srgbClr val="D4D4D4"/>
+                </a:solidFill>
+                <a:latin typeface="Consolas" panose="020B0609020204030204" pitchFamily="49" charset="0"/>
+              </a:rPr>
+              <a:t>, </a:t>
+            </a:r>
+            <a:r>
+              <a:rPr lang="nl-NL" dirty="0" err="1">
+                <a:solidFill>
+                  <a:srgbClr val="9CDCFE"/>
+                </a:solidFill>
+                <a:latin typeface="Consolas" panose="020B0609020204030204" pitchFamily="49" charset="0"/>
+              </a:rPr>
+              <a:t>valid</a:t>
+            </a:r>
+            <a:r>
+              <a:rPr lang="nl-NL" dirty="0">
+                <a:solidFill>
+                  <a:srgbClr val="D4D4D4"/>
+                </a:solidFill>
+                <a:latin typeface="Consolas" panose="020B0609020204030204" pitchFamily="49" charset="0"/>
+              </a:rPr>
+              <a:t>: </a:t>
+            </a:r>
+            <a:r>
+              <a:rPr lang="nl-NL" dirty="0" smtClean="0">
+                <a:solidFill>
+                  <a:srgbClr val="D4D4D4"/>
+                </a:solidFill>
+                <a:latin typeface="Consolas" panose="020B0609020204030204" pitchFamily="49" charset="0"/>
+              </a:rPr>
+              <a:t>							</a:t>
+            </a:r>
+            <a:r>
+              <a:rPr lang="nl-NL" dirty="0" err="1" smtClean="0">
+                <a:solidFill>
+                  <a:srgbClr val="4EC9B0"/>
+                </a:solidFill>
+                <a:latin typeface="Consolas" panose="020B0609020204030204" pitchFamily="49" charset="0"/>
+              </a:rPr>
+              <a:t>boolean</a:t>
+            </a:r>
+            <a:r>
+              <a:rPr lang="nl-NL" dirty="0" smtClean="0">
+                <a:solidFill>
+                  <a:srgbClr val="D4D4D4"/>
+                </a:solidFill>
+                <a:latin typeface="Consolas" panose="020B0609020204030204" pitchFamily="49" charset="0"/>
+              </a:rPr>
+              <a:t> </a:t>
+            </a:r>
+            <a:r>
+              <a:rPr lang="nl-NL" dirty="0">
+                <a:solidFill>
+                  <a:srgbClr val="D4D4D4"/>
+                </a:solidFill>
+                <a:latin typeface="Consolas" panose="020B0609020204030204" pitchFamily="49" charset="0"/>
+              </a:rPr>
+              <a:t>}) {</a:t>
+            </a:r>
+          </a:p>
+          <a:p>
+            <a:pPr marL="0" indent="0">
+              <a:buNone/>
+            </a:pPr>
+            <a:r>
+              <a:rPr lang="nl-NL" dirty="0" smtClean="0">
+                <a:solidFill>
+                  <a:srgbClr val="C586C0"/>
+                </a:solidFill>
+                <a:latin typeface="Consolas" panose="020B0609020204030204" pitchFamily="49" charset="0"/>
+              </a:rPr>
+              <a:t>	</a:t>
+            </a:r>
+            <a:r>
+              <a:rPr lang="nl-NL" dirty="0" err="1" smtClean="0">
+                <a:solidFill>
+                  <a:srgbClr val="C586C0"/>
+                </a:solidFill>
+                <a:latin typeface="Consolas" panose="020B0609020204030204" pitchFamily="49" charset="0"/>
+              </a:rPr>
+              <a:t>if</a:t>
+            </a:r>
+            <a:r>
+              <a:rPr lang="nl-NL" dirty="0" smtClean="0">
+                <a:solidFill>
+                  <a:srgbClr val="D4D4D4"/>
+                </a:solidFill>
+                <a:latin typeface="Consolas" panose="020B0609020204030204" pitchFamily="49" charset="0"/>
+              </a:rPr>
+              <a:t> </a:t>
+            </a:r>
+            <a:r>
+              <a:rPr lang="nl-NL" dirty="0">
+                <a:solidFill>
+                  <a:srgbClr val="D4D4D4"/>
+                </a:solidFill>
+                <a:latin typeface="Consolas" panose="020B0609020204030204" pitchFamily="49" charset="0"/>
+              </a:rPr>
+              <a:t>(</a:t>
+            </a:r>
+            <a:r>
+              <a:rPr lang="nl-NL" dirty="0" err="1">
+                <a:solidFill>
+                  <a:srgbClr val="9CDCFE"/>
+                </a:solidFill>
+                <a:latin typeface="Consolas" panose="020B0609020204030204" pitchFamily="49" charset="0"/>
+              </a:rPr>
+              <a:t>valid</a:t>
+            </a:r>
+            <a:r>
+              <a:rPr lang="nl-NL" dirty="0" smtClean="0">
+                <a:solidFill>
+                  <a:srgbClr val="D4D4D4"/>
+                </a:solidFill>
+                <a:latin typeface="Consolas" panose="020B0609020204030204" pitchFamily="49" charset="0"/>
+              </a:rPr>
+              <a:t>)</a:t>
+            </a:r>
+          </a:p>
+          <a:p>
+            <a:pPr marL="457200" lvl="1" indent="0">
+              <a:buNone/>
+            </a:pPr>
+            <a:r>
+              <a:rPr lang="nl-NL" sz="2800" dirty="0" smtClean="0">
+                <a:solidFill>
+                  <a:srgbClr val="D4D4D4"/>
+                </a:solidFill>
+                <a:latin typeface="Consolas" panose="020B0609020204030204" pitchFamily="49" charset="0"/>
+              </a:rPr>
+              <a:t>	{</a:t>
+            </a:r>
+            <a:endParaRPr lang="nl-NL" sz="2800" dirty="0">
+              <a:solidFill>
+                <a:srgbClr val="D4D4D4"/>
+              </a:solidFill>
+              <a:latin typeface="Consolas" panose="020B0609020204030204" pitchFamily="49" charset="0"/>
+            </a:endParaRPr>
+          </a:p>
+          <a:p>
+            <a:pPr marL="457200" lvl="1" indent="0">
+              <a:buNone/>
+            </a:pPr>
+            <a:r>
+              <a:rPr lang="nl-NL" sz="2800" dirty="0" smtClean="0">
+                <a:solidFill>
+                  <a:srgbClr val="569CD6"/>
+                </a:solidFill>
+                <a:latin typeface="Consolas" panose="020B0609020204030204" pitchFamily="49" charset="0"/>
+              </a:rPr>
+              <a:t>		</a:t>
+            </a:r>
+            <a:r>
+              <a:rPr lang="nl-NL" sz="2800" dirty="0" err="1" smtClean="0">
+                <a:solidFill>
+                  <a:srgbClr val="569CD6"/>
+                </a:solidFill>
+                <a:latin typeface="Consolas" panose="020B0609020204030204" pitchFamily="49" charset="0"/>
+              </a:rPr>
+              <a:t>this</a:t>
+            </a:r>
+            <a:r>
+              <a:rPr lang="nl-NL" sz="2800" dirty="0" err="1" smtClean="0">
+                <a:solidFill>
+                  <a:srgbClr val="D4D4D4"/>
+                </a:solidFill>
+                <a:latin typeface="Consolas" panose="020B0609020204030204" pitchFamily="49" charset="0"/>
+              </a:rPr>
+              <a:t>.</a:t>
+            </a:r>
+            <a:r>
+              <a:rPr lang="nl-NL" sz="2800" dirty="0" err="1" smtClean="0">
+                <a:solidFill>
+                  <a:srgbClr val="9CDCFE"/>
+                </a:solidFill>
+                <a:latin typeface="Consolas" panose="020B0609020204030204" pitchFamily="49" charset="0"/>
+              </a:rPr>
+              <a:t>todoService</a:t>
+            </a:r>
+            <a:r>
+              <a:rPr lang="nl-NL" sz="2800" dirty="0" err="1" smtClean="0">
+                <a:solidFill>
+                  <a:srgbClr val="D4D4D4"/>
+                </a:solidFill>
+                <a:latin typeface="Consolas" panose="020B0609020204030204" pitchFamily="49" charset="0"/>
+              </a:rPr>
+              <a:t>.</a:t>
+            </a:r>
+            <a:r>
+              <a:rPr lang="nl-NL" sz="2800" dirty="0" err="1" smtClean="0">
+                <a:solidFill>
+                  <a:srgbClr val="DCDCAA"/>
+                </a:solidFill>
+                <a:latin typeface="Consolas" panose="020B0609020204030204" pitchFamily="49" charset="0"/>
+              </a:rPr>
+              <a:t>createToDo</a:t>
+            </a:r>
+            <a:r>
+              <a:rPr lang="nl-NL" sz="2800" dirty="0" smtClean="0">
+                <a:solidFill>
+                  <a:srgbClr val="D4D4D4"/>
+                </a:solidFill>
+                <a:latin typeface="Consolas" panose="020B0609020204030204" pitchFamily="49" charset="0"/>
+              </a:rPr>
+              <a:t>(</a:t>
+            </a:r>
+            <a:r>
+              <a:rPr lang="nl-NL" sz="2800" dirty="0" err="1" smtClean="0">
+                <a:solidFill>
+                  <a:srgbClr val="9CDCFE"/>
+                </a:solidFill>
+                <a:latin typeface="Consolas" panose="020B0609020204030204" pitchFamily="49" charset="0"/>
+              </a:rPr>
+              <a:t>this.toDo</a:t>
+            </a:r>
+            <a:r>
+              <a:rPr lang="nl-NL" sz="2800" dirty="0" smtClean="0">
+                <a:solidFill>
+                  <a:srgbClr val="D4D4D4"/>
+                </a:solidFill>
+                <a:latin typeface="Consolas" panose="020B0609020204030204" pitchFamily="49" charset="0"/>
+              </a:rPr>
+              <a:t>);</a:t>
+            </a:r>
+          </a:p>
+          <a:p>
+            <a:pPr marL="457200" lvl="1" indent="0">
+              <a:buNone/>
+            </a:pPr>
+            <a:r>
+              <a:rPr lang="nl-NL" sz="2800" dirty="0" smtClean="0">
+                <a:solidFill>
+                  <a:srgbClr val="D4D4D4"/>
+                </a:solidFill>
+                <a:latin typeface="Consolas" panose="020B0609020204030204" pitchFamily="49" charset="0"/>
+              </a:rPr>
+              <a:t>	}</a:t>
+            </a:r>
+            <a:endParaRPr lang="nl-NL" sz="2800" dirty="0">
+              <a:solidFill>
+                <a:srgbClr val="D4D4D4"/>
+              </a:solidFill>
+              <a:latin typeface="Consolas" panose="020B0609020204030204" pitchFamily="49" charset="0"/>
+            </a:endParaRPr>
+          </a:p>
+          <a:p>
+            <a:pPr marL="0" indent="0">
+              <a:buNone/>
+            </a:pPr>
+            <a:r>
+              <a:rPr lang="nl-NL" dirty="0">
+                <a:solidFill>
+                  <a:srgbClr val="D4D4D4"/>
+                </a:solidFill>
+                <a:latin typeface="Consolas" panose="020B0609020204030204" pitchFamily="49" charset="0"/>
+              </a:rPr>
+              <a:t>}</a:t>
+            </a:r>
+          </a:p>
+          <a:p>
+            <a:pPr marL="0" indent="0">
+              <a:buNone/>
+            </a:pPr>
+            <a:endParaRPr lang="nl-NL" dirty="0" smtClean="0">
+              <a:solidFill>
+                <a:srgbClr val="D4D4D4"/>
+              </a:solidFill>
+              <a:latin typeface="Consolas" panose="020B0609020204030204" pitchFamily="49" charset="0"/>
+            </a:endParaRPr>
+          </a:p>
+          <a:p>
+            <a:pPr marL="0" indent="0">
+              <a:buNone/>
+            </a:pPr>
+            <a:endParaRPr lang="nl-NL" dirty="0"/>
+          </a:p>
+        </p:txBody>
+      </p:sp>
+    </p:spTree>
+    <p:extLst>
+      <p:ext uri="{BB962C8B-B14F-4D97-AF65-F5344CB8AC3E}">
+        <p14:creationId xmlns:p14="http://schemas.microsoft.com/office/powerpoint/2010/main" val="2228630654"/>
+      </p:ext>
+    </p:extLst>
+  </p:cSld>
+  <p:clrMapOvr>
+    <a:masterClrMapping/>
+  </p:clrMapOvr>
+</p:sld>
+</file>
+
+<file path=ppt/slides/slide28.xml><?xml version="1.0" encoding="utf-8"?>
+<p:sld xmlns:a="http://schemas.openxmlformats.org/drawingml/2006/main" xmlns:r="http://schemas.openxmlformats.org/officeDocument/2006/relationships" xmlns:p="http://schemas.openxmlformats.org/presentationml/2006/main">
+  <p:cSld>
+    <p:spTree>
+      <p:nvGrpSpPr>
+        <p:cNvPr id="1" name=""/>
+        <p:cNvGrpSpPr/>
+        <p:nvPr/>
+      </p:nvGrpSpPr>
+      <p:grpSpPr>
+        <a:xfrm>
+          <a:off x="0" y="0"/>
+          <a:ext cx="0" cy="0"/>
+          <a:chOff x="0" y="0"/>
+          <a:chExt cx="0" cy="0"/>
+        </a:xfrm>
+      </p:grpSpPr>
+      <p:sp>
+        <p:nvSpPr>
+          <p:cNvPr id="2" name="Titel 1"/>
+          <p:cNvSpPr>
+            <a:spLocks noGrp="1"/>
+          </p:cNvSpPr>
+          <p:nvPr>
+            <p:ph type="title"/>
+          </p:nvPr>
+        </p:nvSpPr>
+        <p:spPr/>
+        <p:txBody>
+          <a:bodyPr/>
+          <a:lstStyle/>
+          <a:p>
+            <a:r>
+              <a:rPr lang="nl-NL" dirty="0" err="1" smtClean="0"/>
+              <a:t>app.module.ts</a:t>
+            </a:r>
+            <a:endParaRPr lang="nl-NL" dirty="0"/>
+          </a:p>
+        </p:txBody>
+      </p:sp>
+      <p:sp>
+        <p:nvSpPr>
+          <p:cNvPr id="3" name="Tijdelijke aanduiding voor inhoud 2"/>
+          <p:cNvSpPr>
+            <a:spLocks noGrp="1"/>
+          </p:cNvSpPr>
+          <p:nvPr>
+            <p:ph idx="1"/>
+          </p:nvPr>
+        </p:nvSpPr>
+        <p:spPr/>
+        <p:style>
+          <a:lnRef idx="0">
+            <a:scrgbClr r="0" g="0" b="0"/>
+          </a:lnRef>
+          <a:fillRef idx="1001">
+            <a:schemeClr val="dk2"/>
+          </a:fillRef>
+          <a:effectRef idx="0">
+            <a:scrgbClr r="0" g="0" b="0"/>
+          </a:effectRef>
+          <a:fontRef idx="major"/>
+        </p:style>
+        <p:txBody>
+          <a:bodyPr>
+            <a:normAutofit fontScale="92500"/>
+          </a:bodyPr>
+          <a:lstStyle/>
+          <a:p>
+            <a:pPr marL="0" indent="0">
+              <a:buNone/>
+            </a:pPr>
+            <a:r>
+              <a:rPr lang="nl-NL" dirty="0">
+                <a:solidFill>
+                  <a:srgbClr val="C586C0"/>
+                </a:solidFill>
+                <a:latin typeface="Consolas" panose="020B0609020204030204" pitchFamily="49" charset="0"/>
+              </a:rPr>
+              <a:t>import</a:t>
+            </a:r>
+            <a:r>
+              <a:rPr lang="nl-NL" dirty="0">
+                <a:solidFill>
+                  <a:srgbClr val="D4D4D4"/>
+                </a:solidFill>
+                <a:latin typeface="Consolas" panose="020B0609020204030204" pitchFamily="49" charset="0"/>
+              </a:rPr>
+              <a:t> { </a:t>
+            </a:r>
+            <a:r>
+              <a:rPr lang="nl-NL" dirty="0" err="1">
+                <a:solidFill>
+                  <a:srgbClr val="9CDCFE"/>
+                </a:solidFill>
+                <a:latin typeface="Consolas" panose="020B0609020204030204" pitchFamily="49" charset="0"/>
+              </a:rPr>
+              <a:t>HttpClientModule</a:t>
+            </a:r>
+            <a:r>
+              <a:rPr lang="nl-NL" dirty="0">
+                <a:solidFill>
+                  <a:srgbClr val="D4D4D4"/>
+                </a:solidFill>
+                <a:latin typeface="Consolas" panose="020B0609020204030204" pitchFamily="49" charset="0"/>
+              </a:rPr>
+              <a:t> } </a:t>
+            </a:r>
+            <a:r>
+              <a:rPr lang="nl-NL" dirty="0" err="1">
+                <a:solidFill>
+                  <a:srgbClr val="C586C0"/>
+                </a:solidFill>
+                <a:latin typeface="Consolas" panose="020B0609020204030204" pitchFamily="49" charset="0"/>
+              </a:rPr>
+              <a:t>from</a:t>
+            </a:r>
+            <a:r>
+              <a:rPr lang="nl-NL" dirty="0">
+                <a:solidFill>
+                  <a:srgbClr val="D4D4D4"/>
+                </a:solidFill>
+                <a:latin typeface="Consolas" panose="020B0609020204030204" pitchFamily="49" charset="0"/>
+              </a:rPr>
+              <a:t> </a:t>
+            </a:r>
+            <a:r>
+              <a:rPr lang="nl-NL" dirty="0" smtClean="0">
+                <a:solidFill>
+                  <a:srgbClr val="CE9178"/>
+                </a:solidFill>
+                <a:latin typeface="Consolas" panose="020B0609020204030204" pitchFamily="49" charset="0"/>
+              </a:rPr>
+              <a:t>@</a:t>
+            </a:r>
+            <a:r>
+              <a:rPr lang="nl-NL" dirty="0" err="1">
+                <a:solidFill>
+                  <a:srgbClr val="CE9178"/>
+                </a:solidFill>
+                <a:latin typeface="Consolas" panose="020B0609020204030204" pitchFamily="49" charset="0"/>
+              </a:rPr>
+              <a:t>angular</a:t>
+            </a:r>
+            <a:r>
+              <a:rPr lang="nl-NL" dirty="0">
+                <a:solidFill>
+                  <a:srgbClr val="CE9178"/>
+                </a:solidFill>
+                <a:latin typeface="Consolas" panose="020B0609020204030204" pitchFamily="49" charset="0"/>
+              </a:rPr>
+              <a:t>/common/http'</a:t>
+            </a:r>
+            <a:r>
+              <a:rPr lang="nl-NL" dirty="0">
+                <a:solidFill>
+                  <a:srgbClr val="D4D4D4"/>
+                </a:solidFill>
+                <a:latin typeface="Consolas" panose="020B0609020204030204" pitchFamily="49" charset="0"/>
+              </a:rPr>
+              <a:t>;</a:t>
+            </a:r>
+          </a:p>
+          <a:p>
+            <a:pPr marL="0" indent="0">
+              <a:buNone/>
+            </a:pPr>
+            <a:endParaRPr lang="nl-NL" dirty="0" smtClean="0">
+              <a:solidFill>
+                <a:srgbClr val="9CDCFE"/>
+              </a:solidFill>
+              <a:latin typeface="Consolas" panose="020B0609020204030204" pitchFamily="49" charset="0"/>
+            </a:endParaRPr>
+          </a:p>
+          <a:p>
+            <a:pPr marL="0" indent="0">
+              <a:buNone/>
+            </a:pPr>
+            <a:r>
+              <a:rPr lang="nl-NL" dirty="0" err="1" smtClean="0">
+                <a:solidFill>
+                  <a:srgbClr val="9CDCFE"/>
+                </a:solidFill>
+                <a:latin typeface="Consolas" panose="020B0609020204030204" pitchFamily="49" charset="0"/>
+              </a:rPr>
+              <a:t>imports</a:t>
+            </a:r>
+            <a:r>
+              <a:rPr lang="nl-NL" dirty="0">
+                <a:solidFill>
+                  <a:srgbClr val="9CDCFE"/>
+                </a:solidFill>
+                <a:latin typeface="Consolas" panose="020B0609020204030204" pitchFamily="49" charset="0"/>
+              </a:rPr>
+              <a:t>:</a:t>
+            </a:r>
+            <a:r>
+              <a:rPr lang="nl-NL" dirty="0">
+                <a:solidFill>
+                  <a:srgbClr val="D4D4D4"/>
+                </a:solidFill>
+                <a:latin typeface="Consolas" panose="020B0609020204030204" pitchFamily="49" charset="0"/>
+              </a:rPr>
+              <a:t> [</a:t>
+            </a:r>
+          </a:p>
+          <a:p>
+            <a:pPr marL="0" indent="0">
+              <a:buNone/>
+            </a:pPr>
+            <a:r>
+              <a:rPr lang="nl-NL" dirty="0" smtClean="0">
+                <a:solidFill>
+                  <a:srgbClr val="9CDCFE"/>
+                </a:solidFill>
+                <a:latin typeface="Consolas" panose="020B0609020204030204" pitchFamily="49" charset="0"/>
+              </a:rPr>
+              <a:t>	</a:t>
+            </a:r>
+            <a:r>
+              <a:rPr lang="nl-NL" dirty="0" err="1" smtClean="0">
+                <a:solidFill>
+                  <a:srgbClr val="9CDCFE"/>
+                </a:solidFill>
+                <a:latin typeface="Consolas" panose="020B0609020204030204" pitchFamily="49" charset="0"/>
+              </a:rPr>
+              <a:t>BrowserModule</a:t>
+            </a:r>
+            <a:r>
+              <a:rPr lang="nl-NL" dirty="0">
+                <a:solidFill>
+                  <a:srgbClr val="D4D4D4"/>
+                </a:solidFill>
+                <a:latin typeface="Consolas" panose="020B0609020204030204" pitchFamily="49" charset="0"/>
+              </a:rPr>
+              <a:t>,</a:t>
+            </a:r>
+          </a:p>
+          <a:p>
+            <a:pPr marL="0" indent="0">
+              <a:buNone/>
+            </a:pPr>
+            <a:r>
+              <a:rPr lang="nl-NL" dirty="0" smtClean="0">
+                <a:solidFill>
+                  <a:srgbClr val="9CDCFE"/>
+                </a:solidFill>
+                <a:latin typeface="Consolas" panose="020B0609020204030204" pitchFamily="49" charset="0"/>
+              </a:rPr>
+              <a:t>	</a:t>
+            </a:r>
+            <a:r>
+              <a:rPr lang="nl-NL" dirty="0" err="1" smtClean="0">
+                <a:solidFill>
+                  <a:srgbClr val="9CDCFE"/>
+                </a:solidFill>
+                <a:latin typeface="Consolas" panose="020B0609020204030204" pitchFamily="49" charset="0"/>
+              </a:rPr>
+              <a:t>AppRoutingModule</a:t>
+            </a:r>
+            <a:r>
+              <a:rPr lang="nl-NL" dirty="0">
+                <a:solidFill>
+                  <a:srgbClr val="D4D4D4"/>
+                </a:solidFill>
+                <a:latin typeface="Consolas" panose="020B0609020204030204" pitchFamily="49" charset="0"/>
+              </a:rPr>
+              <a:t>,</a:t>
+            </a:r>
+          </a:p>
+          <a:p>
+            <a:pPr marL="0" indent="0">
+              <a:buNone/>
+            </a:pPr>
+            <a:r>
+              <a:rPr lang="nl-NL" dirty="0" smtClean="0">
+                <a:solidFill>
+                  <a:srgbClr val="9CDCFE"/>
+                </a:solidFill>
+                <a:latin typeface="Consolas" panose="020B0609020204030204" pitchFamily="49" charset="0"/>
+              </a:rPr>
+              <a:t>	</a:t>
+            </a:r>
+            <a:r>
+              <a:rPr lang="nl-NL" dirty="0" err="1" smtClean="0">
+                <a:solidFill>
+                  <a:srgbClr val="9CDCFE"/>
+                </a:solidFill>
+                <a:latin typeface="Consolas" panose="020B0609020204030204" pitchFamily="49" charset="0"/>
+              </a:rPr>
+              <a:t>FormsModule</a:t>
+            </a:r>
+            <a:r>
+              <a:rPr lang="nl-NL" dirty="0">
+                <a:solidFill>
+                  <a:srgbClr val="D4D4D4"/>
+                </a:solidFill>
+                <a:latin typeface="Consolas" panose="020B0609020204030204" pitchFamily="49" charset="0"/>
+              </a:rPr>
+              <a:t>,</a:t>
+            </a:r>
+          </a:p>
+          <a:p>
+            <a:pPr marL="0" indent="0">
+              <a:buNone/>
+            </a:pPr>
+            <a:r>
+              <a:rPr lang="nl-NL" dirty="0" smtClean="0">
+                <a:solidFill>
+                  <a:srgbClr val="9CDCFE"/>
+                </a:solidFill>
+                <a:latin typeface="Consolas" panose="020B0609020204030204" pitchFamily="49" charset="0"/>
+              </a:rPr>
+              <a:t>	</a:t>
+            </a:r>
+            <a:r>
+              <a:rPr lang="nl-NL" dirty="0" err="1" smtClean="0">
+                <a:solidFill>
+                  <a:srgbClr val="9CDCFE"/>
+                </a:solidFill>
+                <a:latin typeface="Consolas" panose="020B0609020204030204" pitchFamily="49" charset="0"/>
+              </a:rPr>
+              <a:t>ServicesModule</a:t>
+            </a:r>
+            <a:r>
+              <a:rPr lang="nl-NL" dirty="0">
+                <a:solidFill>
+                  <a:srgbClr val="D4D4D4"/>
+                </a:solidFill>
+                <a:latin typeface="Consolas" panose="020B0609020204030204" pitchFamily="49" charset="0"/>
+              </a:rPr>
+              <a:t>,</a:t>
+            </a:r>
+          </a:p>
+          <a:p>
+            <a:pPr marL="0" indent="0">
+              <a:buNone/>
+            </a:pPr>
+            <a:r>
+              <a:rPr lang="nl-NL" dirty="0" smtClean="0">
+                <a:solidFill>
+                  <a:srgbClr val="9CDCFE"/>
+                </a:solidFill>
+                <a:latin typeface="Consolas" panose="020B0609020204030204" pitchFamily="49" charset="0"/>
+              </a:rPr>
+              <a:t>	</a:t>
+            </a:r>
+            <a:r>
+              <a:rPr lang="nl-NL" dirty="0" err="1" smtClean="0">
+                <a:solidFill>
+                  <a:srgbClr val="9CDCFE"/>
+                </a:solidFill>
+                <a:latin typeface="Consolas" panose="020B0609020204030204" pitchFamily="49" charset="0"/>
+              </a:rPr>
+              <a:t>HttpClientModule</a:t>
+            </a:r>
+            <a:endParaRPr lang="nl-NL" dirty="0">
+              <a:solidFill>
+                <a:srgbClr val="D4D4D4"/>
+              </a:solidFill>
+              <a:latin typeface="Consolas" panose="020B0609020204030204" pitchFamily="49" charset="0"/>
+            </a:endParaRPr>
+          </a:p>
+          <a:p>
+            <a:pPr marL="0" indent="0">
+              <a:buNone/>
+            </a:pPr>
+            <a:r>
+              <a:rPr lang="nl-NL" dirty="0">
+                <a:solidFill>
+                  <a:srgbClr val="D4D4D4"/>
+                </a:solidFill>
+                <a:latin typeface="Consolas" panose="020B0609020204030204" pitchFamily="49" charset="0"/>
+              </a:rPr>
+              <a:t>],</a:t>
+            </a:r>
+          </a:p>
+          <a:p>
+            <a:pPr marL="0" indent="0">
+              <a:buNone/>
+            </a:pPr>
+            <a:endParaRPr lang="nl-NL" dirty="0"/>
+          </a:p>
+        </p:txBody>
+      </p:sp>
+    </p:spTree>
+    <p:extLst>
+      <p:ext uri="{BB962C8B-B14F-4D97-AF65-F5344CB8AC3E}">
+        <p14:creationId xmlns:p14="http://schemas.microsoft.com/office/powerpoint/2010/main" val="370019321"/>
+      </p:ext>
+    </p:extLst>
+  </p:cSld>
+  <p:clrMapOvr>
+    <a:masterClrMapping/>
+  </p:clrMapOvr>
+</p:sld>
+</file>
+
+<file path=ppt/slides/slide29.xml><?xml version="1.0" encoding="utf-8"?>
+<p:sld xmlns:a="http://schemas.openxmlformats.org/drawingml/2006/main" xmlns:r="http://schemas.openxmlformats.org/officeDocument/2006/relationships" xmlns:p="http://schemas.openxmlformats.org/presentationml/2006/main">
+  <p:cSld>
+    <p:spTree>
+      <p:nvGrpSpPr>
+        <p:cNvPr id="1" name=""/>
+        <p:cNvGrpSpPr/>
+        <p:nvPr/>
+      </p:nvGrpSpPr>
+      <p:grpSpPr>
+        <a:xfrm>
+          <a:off x="0" y="0"/>
+          <a:ext cx="0" cy="0"/>
+          <a:chOff x="0" y="0"/>
+          <a:chExt cx="0" cy="0"/>
+        </a:xfrm>
+      </p:grpSpPr>
+      <p:sp>
+        <p:nvSpPr>
+          <p:cNvPr id="2" name="Titel 1"/>
+          <p:cNvSpPr>
+            <a:spLocks noGrp="1"/>
+          </p:cNvSpPr>
+          <p:nvPr>
+            <p:ph type="title"/>
+          </p:nvPr>
+        </p:nvSpPr>
+        <p:spPr/>
+        <p:txBody>
+          <a:bodyPr/>
+          <a:lstStyle/>
+          <a:p>
+            <a:r>
+              <a:rPr lang="nl-NL" dirty="0" err="1" smtClean="0"/>
+              <a:t>todo.service.ts</a:t>
+            </a:r>
+            <a:endParaRPr lang="nl-NL" dirty="0"/>
+          </a:p>
+        </p:txBody>
+      </p:sp>
+      <p:sp>
+        <p:nvSpPr>
+          <p:cNvPr id="3" name="Tijdelijke aanduiding voor inhoud 2"/>
+          <p:cNvSpPr>
+            <a:spLocks noGrp="1"/>
+          </p:cNvSpPr>
+          <p:nvPr>
+            <p:ph idx="1"/>
+          </p:nvPr>
+        </p:nvSpPr>
+        <p:spPr>
+          <a:ln>
+            <a:solidFill>
+              <a:schemeClr val="accent1"/>
+            </a:solidFill>
+          </a:ln>
+        </p:spPr>
+        <p:style>
+          <a:lnRef idx="0">
+            <a:scrgbClr r="0" g="0" b="0"/>
+          </a:lnRef>
+          <a:fillRef idx="1001">
+            <a:schemeClr val="dk2"/>
+          </a:fillRef>
+          <a:effectRef idx="0">
+            <a:scrgbClr r="0" g="0" b="0"/>
+          </a:effectRef>
+          <a:fontRef idx="major"/>
+        </p:style>
+        <p:txBody>
+          <a:bodyPr/>
+          <a:lstStyle/>
+          <a:p>
+            <a:pPr marL="0" indent="0">
+              <a:buNone/>
+            </a:pPr>
+            <a:r>
+              <a:rPr lang="nl-NL" dirty="0" err="1">
+                <a:solidFill>
+                  <a:srgbClr val="569CD6"/>
+                </a:solidFill>
+                <a:latin typeface="Consolas" panose="020B0609020204030204" pitchFamily="49" charset="0"/>
+              </a:rPr>
+              <a:t>constructor</a:t>
+            </a:r>
+            <a:r>
+              <a:rPr lang="nl-NL" dirty="0">
+                <a:solidFill>
+                  <a:srgbClr val="D4D4D4"/>
+                </a:solidFill>
+                <a:latin typeface="Consolas" panose="020B0609020204030204" pitchFamily="49" charset="0"/>
+              </a:rPr>
+              <a:t>(</a:t>
+            </a:r>
+            <a:r>
+              <a:rPr lang="nl-NL" dirty="0">
+                <a:solidFill>
+                  <a:srgbClr val="569CD6"/>
+                </a:solidFill>
+                <a:latin typeface="Consolas" panose="020B0609020204030204" pitchFamily="49" charset="0"/>
+              </a:rPr>
+              <a:t>private</a:t>
+            </a:r>
+            <a:r>
+              <a:rPr lang="nl-NL" dirty="0">
+                <a:solidFill>
+                  <a:srgbClr val="D4D4D4"/>
+                </a:solidFill>
+                <a:latin typeface="Consolas" panose="020B0609020204030204" pitchFamily="49" charset="0"/>
+              </a:rPr>
+              <a:t> </a:t>
+            </a:r>
+            <a:r>
+              <a:rPr lang="nl-NL" dirty="0">
+                <a:solidFill>
+                  <a:srgbClr val="9CDCFE"/>
+                </a:solidFill>
+                <a:latin typeface="Consolas" panose="020B0609020204030204" pitchFamily="49" charset="0"/>
+              </a:rPr>
+              <a:t>http</a:t>
+            </a:r>
+            <a:r>
+              <a:rPr lang="nl-NL" dirty="0">
+                <a:solidFill>
+                  <a:srgbClr val="D4D4D4"/>
+                </a:solidFill>
+                <a:latin typeface="Consolas" panose="020B0609020204030204" pitchFamily="49" charset="0"/>
+              </a:rPr>
+              <a:t>: </a:t>
+            </a:r>
+            <a:r>
+              <a:rPr lang="nl-NL" dirty="0" err="1">
+                <a:solidFill>
+                  <a:srgbClr val="4EC9B0"/>
+                </a:solidFill>
+                <a:latin typeface="Consolas" panose="020B0609020204030204" pitchFamily="49" charset="0"/>
+              </a:rPr>
+              <a:t>HttpClient</a:t>
+            </a:r>
+            <a:r>
+              <a:rPr lang="nl-NL" dirty="0">
+                <a:solidFill>
+                  <a:srgbClr val="D4D4D4"/>
+                </a:solidFill>
+                <a:latin typeface="Consolas" panose="020B0609020204030204" pitchFamily="49" charset="0"/>
+              </a:rPr>
+              <a:t>) { }</a:t>
+            </a:r>
+          </a:p>
+          <a:p>
+            <a:pPr marL="0" indent="0">
+              <a:buNone/>
+            </a:pPr>
+            <a:endParaRPr lang="nl-NL" dirty="0"/>
+          </a:p>
+        </p:txBody>
+      </p:sp>
+    </p:spTree>
+    <p:extLst>
+      <p:ext uri="{BB962C8B-B14F-4D97-AF65-F5344CB8AC3E}">
+        <p14:creationId xmlns:p14="http://schemas.microsoft.com/office/powerpoint/2010/main" val="1481684264"/>
       </p:ext>
     </p:extLst>
   </p:cSld>
@@ -10541,21 +12110,11 @@
             </a:pPr>
             <a:r>
               <a:rPr lang="nl-NL" altLang="x-none" dirty="0" smtClean="0"/>
-              <a:t>&gt; git </a:t>
-            </a:r>
-            <a:r>
-              <a:rPr lang="nl-NL" altLang="x-none" dirty="0" err="1" smtClean="0"/>
-              <a:t>init</a:t>
-            </a:r>
-            <a:endParaRPr lang="nl-NL" altLang="x-none" dirty="0" smtClean="0"/>
-          </a:p>
-          <a:p>
-            <a:pPr marL="0" indent="0">
-              <a:buNone/>
-            </a:pPr>
+              <a:t>&gt; </a:t>
+            </a:r>
             <a:r>
               <a:rPr lang="nl-NL" altLang="x-none" dirty="0" smtClean="0"/>
-              <a:t>&gt; git </a:t>
+              <a:t>git </a:t>
             </a:r>
             <a:r>
               <a:rPr lang="nl-NL" altLang="x-none" dirty="0" err="1" smtClean="0"/>
@@ -10922,7 +12481,11 @@
             </a:pPr>
             <a:r>
               <a:rPr lang="nl-NL" dirty="0" smtClean="0"/>
-              <a:t>Plaats &lt;app-</a:t>
+              <a:t>Plaats &lt;</a:t>
+            </a:r>
+            <a:r>
+              <a:rPr lang="nl-NL" dirty="0" smtClean="0"/>
+              <a:t>app-</a:t>
             </a:r>
             <a:r>
               <a:rPr lang="nl-NL" dirty="0" err="1" smtClean="0"/>
@@ -10934,11 +12497,19 @@
             </a:r>
             <a:r>
               <a:rPr lang="nl-NL" dirty="0" err="1" smtClean="0"/>
-              <a:t>todo</a:t>
+              <a:t>to</a:t>
             </a:r>
             <a:r>
               <a:rPr lang="nl-NL" dirty="0" smtClean="0"/>
-              <a:t>&gt;&lt;/app-</a:t>
+              <a:t>-do</a:t>
+            </a:r>
+            <a:r>
+              <a:rPr lang="nl-NL" dirty="0" smtClean="0"/>
+              <a:t>&gt;&lt;/</a:t>
+            </a:r>
+            <a:r>
+              <a:rPr lang="nl-NL" dirty="0" smtClean="0"/>
+              <a:t>app-</a:t>
             </a:r>
             <a:r>
               <a:rPr lang="nl-NL" dirty="0" err="1" smtClean="0"/>

--- a/Angular2.pptx
+++ b/Angular2.pptx
@@ -5,7 +5,7 @@
     <p:sldMasterId id="2147483648" r:id="rId1"/>
   </p:sldMasterIdLst>
   <p:notesMasterIdLst>
-    <p:notesMasterId r:id="rId31"/>
+    <p:notesMasterId r:id="rId40"/>
   </p:notesMasterIdLst>
   <p:sldIdLst>
     <p:sldId id="256" r:id="rId2"/>
@@ -37,6 +37,15 @@
     <p:sldId id="288" r:id="rId28"/>
     <p:sldId id="290" r:id="rId29"/>
     <p:sldId id="291" r:id="rId30"/>
+    <p:sldId id="292" r:id="rId31"/>
+    <p:sldId id="293" r:id="rId32"/>
+    <p:sldId id="294" r:id="rId33"/>
+    <p:sldId id="295" r:id="rId34"/>
+    <p:sldId id="296" r:id="rId35"/>
+    <p:sldId id="297" r:id="rId36"/>
+    <p:sldId id="298" r:id="rId37"/>
+    <p:sldId id="300" r:id="rId38"/>
+    <p:sldId id="299" r:id="rId39"/>
   </p:sldIdLst>
   <p:sldSz cx="12192000" cy="6858000"/>
   <p:notesSz cx="6858000" cy="9144000"/>
@@ -229,7 +238,7 @@
           <a:p>
             <a:fld id="{930D425C-E4B6-4648-BE64-B54B84C425A3}" type="datetimeFigureOut">
               <a:rPr lang="nl-NL" smtClean="0"/>
-              <a:t>2-12-2017</a:t>
+              <a:t>3-12-2017</a:t>
             </a:fld>
             <a:endParaRPr lang="nl-NL"/>
           </a:p>
@@ -293,38 +302,37 @@
           <a:p>
             <a:pPr lvl="0"/>
             <a:r>
-              <a:rPr lang="nl-NL" smtClean="0"/>
+              <a:rPr lang="nl-NL"/>
               <a:t>Klik om de modelstijlen te bewerken</a:t>
             </a:r>
           </a:p>
           <a:p>
             <a:pPr lvl="1"/>
             <a:r>
-              <a:rPr lang="nl-NL" smtClean="0"/>
+              <a:rPr lang="nl-NL"/>
               <a:t>Tweede niveau</a:t>
             </a:r>
           </a:p>
           <a:p>
             <a:pPr lvl="2"/>
             <a:r>
-              <a:rPr lang="nl-NL" smtClean="0"/>
+              <a:rPr lang="nl-NL"/>
               <a:t>Derde niveau</a:t>
             </a:r>
           </a:p>
           <a:p>
             <a:pPr lvl="3"/>
             <a:r>
-              <a:rPr lang="nl-NL" smtClean="0"/>
+              <a:rPr lang="nl-NL"/>
               <a:t>Vierde niveau</a:t>
             </a:r>
           </a:p>
           <a:p>
             <a:pPr lvl="4"/>
             <a:r>
-              <a:rPr lang="nl-NL" smtClean="0"/>
+              <a:rPr lang="nl-NL"/>
               <a:t>Vijfde niveau</a:t>
             </a:r>
-            <a:endParaRPr lang="nl-NL"/>
           </a:p>
         </p:txBody>
       </p:sp>
@@ -388,7 +396,7 @@
           <a:p>
             <a:fld id="{90591A10-76C6-4472-BC2C-A71051CCBD90}" type="slidenum">
               <a:rPr lang="nl-NL" smtClean="0"/>
-              <a:t>‹nr.›</a:t>
+              <a:t>‹#›</a:t>
             </a:fld>
             <a:endParaRPr lang="nl-NL"/>
           </a:p>
@@ -542,15 +550,15 @@
           <a:lstStyle/>
           <a:p>
             <a:r>
-              <a:rPr lang="nl-NL" dirty="0" smtClean="0"/>
+              <a:rPr lang="nl-NL" dirty="0"/>
               <a:t>Toevoegen aan </a:t>
             </a:r>
             <a:r>
-              <a:rPr lang="nl-NL" dirty="0" err="1" smtClean="0"/>
+              <a:rPr lang="nl-NL" dirty="0" err="1"/>
               <a:t>angular</a:t>
             </a:r>
             <a:r>
-              <a:rPr lang="nl-NL" baseline="0" dirty="0" smtClean="0"/>
+              <a:rPr lang="nl-NL" baseline="0" dirty="0"/>
               <a:t> cli </a:t>
             </a:r>
             <a:endParaRPr lang="nl-NL" dirty="0"/>
@@ -638,35 +646,35 @@
           <a:lstStyle/>
           <a:p>
             <a:r>
-              <a:rPr lang="nl-NL" dirty="0" smtClean="0"/>
+              <a:rPr lang="nl-NL" dirty="0"/>
               <a:t>Name is nodig voor het binding, </a:t>
             </a:r>
             <a:r>
-              <a:rPr lang="nl-NL" dirty="0" err="1" smtClean="0"/>
+              <a:rPr lang="nl-NL" dirty="0" err="1"/>
               <a:t>banana</a:t>
             </a:r>
             <a:r>
-              <a:rPr lang="nl-NL" dirty="0" smtClean="0"/>
+              <a:rPr lang="nl-NL" dirty="0"/>
               <a:t> in</a:t>
             </a:r>
             <a:r>
-              <a:rPr lang="nl-NL" baseline="0" dirty="0" smtClean="0"/>
+              <a:rPr lang="nl-NL" baseline="0" dirty="0"/>
               <a:t> </a:t>
             </a:r>
             <a:r>
-              <a:rPr lang="nl-NL" baseline="0" dirty="0" err="1" smtClean="0"/>
+              <a:rPr lang="nl-NL" baseline="0" dirty="0" err="1"/>
               <a:t>the</a:t>
             </a:r>
             <a:r>
-              <a:rPr lang="nl-NL" baseline="0" dirty="0" smtClean="0"/>
+              <a:rPr lang="nl-NL" baseline="0" dirty="0"/>
               <a:t> box genereert </a:t>
             </a:r>
             <a:r>
-              <a:rPr lang="nl-NL" baseline="0" dirty="0" err="1" smtClean="0"/>
+              <a:rPr lang="nl-NL" baseline="0" dirty="0" err="1"/>
               <a:t>two</a:t>
             </a:r>
             <a:r>
-              <a:rPr lang="nl-NL" baseline="0" dirty="0" smtClean="0"/>
+              <a:rPr lang="nl-NL" baseline="0" dirty="0"/>
               <a:t> way binding</a:t>
             </a:r>
             <a:endParaRPr lang="nl-NL" dirty="0"/>
@@ -754,7 +762,7 @@
           <a:lstStyle/>
           <a:p>
             <a:r>
-              <a:rPr lang="nl-NL" dirty="0" err="1" smtClean="0">
+              <a:rPr lang="nl-NL" dirty="0" err="1">
                 <a:solidFill>
                   <a:schemeClr val="accent6"/>
                 </a:solidFill>
@@ -763,7 +771,7 @@
               <a:t>ngNativeValidate</a:t>
             </a:r>
             <a:r>
-              <a:rPr lang="nl-NL" dirty="0" smtClean="0">
+              <a:rPr lang="nl-NL" dirty="0">
                 <a:solidFill>
                   <a:schemeClr val="accent6"/>
                 </a:solidFill>
@@ -772,7 +780,7 @@
               <a:t>  zorgt voor native</a:t>
             </a:r>
             <a:r>
-              <a:rPr lang="nl-NL" baseline="0" dirty="0" smtClean="0">
+              <a:rPr lang="nl-NL" baseline="0" dirty="0">
                 <a:solidFill>
                   <a:schemeClr val="accent6"/>
                 </a:solidFill>
@@ -781,7 +789,7 @@
               <a:t> html </a:t>
             </a:r>
             <a:r>
-              <a:rPr lang="nl-NL" baseline="0" dirty="0" err="1" smtClean="0">
+              <a:rPr lang="nl-NL" baseline="0" dirty="0" err="1">
                 <a:solidFill>
                   <a:schemeClr val="accent6"/>
                 </a:solidFill>
@@ -789,7 +797,7 @@
               </a:rPr>
               <a:t>validation</a:t>
             </a:r>
-            <a:endParaRPr lang="nl-NL" sz="1200" b="0" kern="1200" dirty="0" smtClean="0">
+            <a:endParaRPr lang="nl-NL" sz="1200" b="0" kern="1200" dirty="0">
               <a:solidFill>
                 <a:schemeClr val="tx1"/>
               </a:solidFill>
@@ -801,7 +809,7 @@
           </a:p>
           <a:p>
             <a:r>
-              <a:rPr lang="nl-NL" sz="1200" b="0" kern="1200" dirty="0" smtClean="0">
+              <a:rPr lang="nl-NL" sz="1200" b="0" kern="1200" dirty="0">
                 <a:solidFill>
                   <a:schemeClr val="tx1"/>
                 </a:solidFill>
@@ -813,7 +821,7 @@
               <a:t>{{ </a:t>
             </a:r>
             <a:r>
-              <a:rPr lang="nl-NL" sz="1200" b="0" kern="1200" dirty="0" err="1" smtClean="0">
+              <a:rPr lang="nl-NL" sz="1200" b="0" kern="1200" dirty="0" err="1">
                 <a:solidFill>
                   <a:schemeClr val="tx1"/>
                 </a:solidFill>
@@ -825,7 +833,7 @@
               <a:t>f.value</a:t>
             </a:r>
             <a:r>
-              <a:rPr lang="nl-NL" sz="1200" b="0" kern="1200" dirty="0" smtClean="0">
+              <a:rPr lang="nl-NL" sz="1200" b="0" kern="1200" dirty="0">
                 <a:solidFill>
                   <a:schemeClr val="tx1"/>
                 </a:solidFill>
@@ -837,7 +845,7 @@
               <a:t> | </a:t>
             </a:r>
             <a:r>
-              <a:rPr lang="nl-NL" sz="1200" b="0" kern="1200" dirty="0" err="1" smtClean="0">
+              <a:rPr lang="nl-NL" sz="1200" b="0" kern="1200" dirty="0" err="1">
                 <a:solidFill>
                   <a:schemeClr val="tx1"/>
                 </a:solidFill>
@@ -849,7 +857,7 @@
               <a:t>json</a:t>
             </a:r>
             <a:r>
-              <a:rPr lang="nl-NL" sz="1200" b="0" kern="1200" dirty="0" smtClean="0">
+              <a:rPr lang="nl-NL" sz="1200" b="0" kern="1200" dirty="0">
                 <a:solidFill>
                   <a:schemeClr val="tx1"/>
                 </a:solidFill>
@@ -863,7 +871,7 @@
           </a:p>
           <a:p>
             <a:r>
-              <a:rPr lang="nl-NL" sz="1200" b="0" kern="1200" dirty="0" smtClean="0">
+              <a:rPr lang="nl-NL" sz="1200" b="0" kern="1200" dirty="0">
                 <a:solidFill>
                   <a:schemeClr val="tx1"/>
                 </a:solidFill>
@@ -875,7 +883,7 @@
               <a:t>{{ </a:t>
             </a:r>
             <a:r>
-              <a:rPr lang="nl-NL" sz="1200" b="0" kern="1200" dirty="0" err="1" smtClean="0">
+              <a:rPr lang="nl-NL" sz="1200" b="0" kern="1200" dirty="0" err="1">
                 <a:solidFill>
                   <a:schemeClr val="tx1"/>
                 </a:solidFill>
@@ -887,7 +895,7 @@
               <a:t>f.valid</a:t>
             </a:r>
             <a:r>
-              <a:rPr lang="nl-NL" sz="1200" b="0" kern="1200" dirty="0" smtClean="0">
+              <a:rPr lang="nl-NL" sz="1200" b="0" kern="1200" dirty="0">
                 <a:solidFill>
                   <a:schemeClr val="tx1"/>
                 </a:solidFill>
@@ -985,59 +993,59 @@
           <a:lstStyle/>
           <a:p>
             <a:r>
-              <a:rPr lang="nl-NL" dirty="0" err="1" smtClean="0"/>
+              <a:rPr lang="nl-NL" dirty="0" err="1"/>
               <a:t>Now</a:t>
             </a:r>
             <a:r>
-              <a:rPr lang="nl-NL" dirty="0" smtClean="0"/>
+              <a:rPr lang="nl-NL" dirty="0"/>
               <a:t> we </a:t>
             </a:r>
             <a:r>
-              <a:rPr lang="nl-NL" dirty="0" err="1" smtClean="0"/>
+              <a:rPr lang="nl-NL" dirty="0" err="1"/>
               <a:t>can</a:t>
             </a:r>
             <a:r>
-              <a:rPr lang="nl-NL" dirty="0" smtClean="0"/>
+              <a:rPr lang="nl-NL" dirty="0"/>
               <a:t> </a:t>
             </a:r>
             <a:r>
-              <a:rPr lang="nl-NL" dirty="0" err="1" smtClean="0"/>
+              <a:rPr lang="nl-NL" dirty="0" err="1"/>
               <a:t>use</a:t>
             </a:r>
             <a:r>
-              <a:rPr lang="nl-NL" dirty="0" smtClean="0"/>
+              <a:rPr lang="nl-NL" dirty="0"/>
               <a:t> </a:t>
             </a:r>
             <a:r>
-              <a:rPr lang="nl-NL" dirty="0" err="1" smtClean="0"/>
+              <a:rPr lang="nl-NL" dirty="0" err="1"/>
               <a:t>the</a:t>
             </a:r>
             <a:r>
-              <a:rPr lang="nl-NL" baseline="0" dirty="0" smtClean="0"/>
+              <a:rPr lang="nl-NL" baseline="0" dirty="0"/>
               <a:t> </a:t>
             </a:r>
             <a:r>
-              <a:rPr lang="nl-NL" baseline="0" dirty="0" err="1" smtClean="0"/>
+              <a:rPr lang="nl-NL" baseline="0" dirty="0" err="1"/>
               <a:t>todoservice</a:t>
             </a:r>
             <a:r>
-              <a:rPr lang="nl-NL" baseline="0" dirty="0" smtClean="0"/>
+              <a:rPr lang="nl-NL" baseline="0" dirty="0"/>
               <a:t> </a:t>
             </a:r>
             <a:r>
-              <a:rPr lang="nl-NL" baseline="0" dirty="0" err="1" smtClean="0"/>
+              <a:rPr lang="nl-NL" baseline="0" dirty="0" err="1"/>
               <a:t>anywhere</a:t>
             </a:r>
             <a:r>
-              <a:rPr lang="nl-NL" baseline="0" dirty="0" smtClean="0"/>
+              <a:rPr lang="nl-NL" baseline="0" dirty="0"/>
               <a:t> in </a:t>
             </a:r>
             <a:r>
-              <a:rPr lang="nl-NL" baseline="0" dirty="0" err="1" smtClean="0"/>
+              <a:rPr lang="nl-NL" baseline="0" dirty="0" err="1"/>
               <a:t>the</a:t>
             </a:r>
             <a:r>
-              <a:rPr lang="nl-NL" baseline="0" smtClean="0"/>
+              <a:rPr lang="nl-NL" baseline="0"/>
               <a:t> app</a:t>
             </a:r>
             <a:endParaRPr lang="nl-NL"/>
@@ -1125,31 +1133,31 @@
           <a:lstStyle/>
           <a:p>
             <a:r>
-              <a:rPr lang="nl-NL" dirty="0" smtClean="0"/>
+              <a:rPr lang="nl-NL" dirty="0"/>
               <a:t>We sturen </a:t>
             </a:r>
             <a:r>
-              <a:rPr lang="nl-NL" dirty="0" err="1" smtClean="0"/>
+              <a:rPr lang="nl-NL" dirty="0" err="1"/>
               <a:t>this.toDo</a:t>
             </a:r>
             <a:r>
-              <a:rPr lang="nl-NL" baseline="0" dirty="0" smtClean="0"/>
+              <a:rPr lang="nl-NL" baseline="0" dirty="0"/>
               <a:t> mee omdat de het form niet </a:t>
             </a:r>
             <a:r>
-              <a:rPr lang="nl-NL" baseline="0" dirty="0" err="1" smtClean="0"/>
+              <a:rPr lang="nl-NL" baseline="0" dirty="0" err="1"/>
               <a:t>completed</a:t>
             </a:r>
             <a:r>
-              <a:rPr lang="nl-NL" baseline="0" dirty="0" smtClean="0"/>
+              <a:rPr lang="nl-NL" baseline="0" dirty="0"/>
               <a:t> heeft en die wordt anders niet </a:t>
             </a:r>
             <a:r>
-              <a:rPr lang="nl-NL" baseline="0" dirty="0" err="1" smtClean="0"/>
+              <a:rPr lang="nl-NL" baseline="0" dirty="0" err="1"/>
               <a:t>meegesturd</a:t>
             </a:r>
             <a:r>
-              <a:rPr lang="nl-NL" baseline="0" dirty="0" smtClean="0"/>
+              <a:rPr lang="nl-NL" baseline="0" dirty="0"/>
               <a:t>.</a:t>
             </a:r>
             <a:endParaRPr lang="nl-NL" dirty="0"/>
@@ -1405,7 +1413,7 @@
           <a:p>
             <a:fld id="{AA087890-2EB5-47B2-A2BC-F271793CA4F2}" type="datetimeFigureOut">
               <a:rPr lang="nl-NL" smtClean="0"/>
-              <a:t>2-12-2017</a:t>
+              <a:t>3-12-2017</a:t>
             </a:fld>
             <a:endParaRPr lang="nl-NL"/>
           </a:p>
@@ -1447,7 +1455,7 @@
           <a:p>
             <a:fld id="{035D8009-1A71-4D41-90FD-54BA6D9A3AF4}" type="slidenum">
               <a:rPr lang="nl-NL" smtClean="0"/>
-              <a:t>‹nr.›</a:t>
+              <a:t>‹#›</a:t>
             </a:fld>
             <a:endParaRPr lang="nl-NL"/>
           </a:p>
@@ -1573,7 +1581,7 @@
           <a:p>
             <a:fld id="{AA087890-2EB5-47B2-A2BC-F271793CA4F2}" type="datetimeFigureOut">
               <a:rPr lang="nl-NL" smtClean="0"/>
-              <a:t>2-12-2017</a:t>
+              <a:t>3-12-2017</a:t>
             </a:fld>
             <a:endParaRPr lang="nl-NL"/>
           </a:p>
@@ -1615,7 +1623,7 @@
           <a:p>
             <a:fld id="{035D8009-1A71-4D41-90FD-54BA6D9A3AF4}" type="slidenum">
               <a:rPr lang="nl-NL" smtClean="0"/>
-              <a:t>‹nr.›</a:t>
+              <a:t>‹#›</a:t>
             </a:fld>
             <a:endParaRPr lang="nl-NL"/>
           </a:p>
@@ -1751,7 +1759,7 @@
           <a:p>
             <a:fld id="{AA087890-2EB5-47B2-A2BC-F271793CA4F2}" type="datetimeFigureOut">
               <a:rPr lang="nl-NL" smtClean="0"/>
-              <a:t>2-12-2017</a:t>
+              <a:t>3-12-2017</a:t>
             </a:fld>
             <a:endParaRPr lang="nl-NL"/>
           </a:p>
@@ -1793,7 +1801,7 @@
           <a:p>
             <a:fld id="{035D8009-1A71-4D41-90FD-54BA6D9A3AF4}" type="slidenum">
               <a:rPr lang="nl-NL" smtClean="0"/>
-              <a:t>‹nr.›</a:t>
+              <a:t>‹#›</a:t>
             </a:fld>
             <a:endParaRPr lang="nl-NL"/>
           </a:p>
@@ -1919,7 +1927,7 @@
           <a:p>
             <a:fld id="{AA087890-2EB5-47B2-A2BC-F271793CA4F2}" type="datetimeFigureOut">
               <a:rPr lang="nl-NL" smtClean="0"/>
-              <a:t>2-12-2017</a:t>
+              <a:t>3-12-2017</a:t>
             </a:fld>
             <a:endParaRPr lang="nl-NL"/>
           </a:p>
@@ -1961,7 +1969,7 @@
           <a:p>
             <a:fld id="{035D8009-1A71-4D41-90FD-54BA6D9A3AF4}" type="slidenum">
               <a:rPr lang="nl-NL" smtClean="0"/>
-              <a:t>‹nr.›</a:t>
+              <a:t>‹#›</a:t>
             </a:fld>
             <a:endParaRPr lang="nl-NL"/>
           </a:p>
@@ -2164,7 +2172,7 @@
           <a:p>
             <a:fld id="{AA087890-2EB5-47B2-A2BC-F271793CA4F2}" type="datetimeFigureOut">
               <a:rPr lang="nl-NL" smtClean="0"/>
-              <a:t>2-12-2017</a:t>
+              <a:t>3-12-2017</a:t>
             </a:fld>
             <a:endParaRPr lang="nl-NL"/>
           </a:p>
@@ -2206,7 +2214,7 @@
           <a:p>
             <a:fld id="{035D8009-1A71-4D41-90FD-54BA6D9A3AF4}" type="slidenum">
               <a:rPr lang="nl-NL" smtClean="0"/>
-              <a:t>‹nr.›</a:t>
+              <a:t>‹#›</a:t>
             </a:fld>
             <a:endParaRPr lang="nl-NL"/>
           </a:p>
@@ -2393,7 +2401,7 @@
           <a:p>
             <a:fld id="{AA087890-2EB5-47B2-A2BC-F271793CA4F2}" type="datetimeFigureOut">
               <a:rPr lang="nl-NL" smtClean="0"/>
-              <a:t>2-12-2017</a:t>
+              <a:t>3-12-2017</a:t>
             </a:fld>
             <a:endParaRPr lang="nl-NL"/>
           </a:p>
@@ -2435,7 +2443,7 @@
           <a:p>
             <a:fld id="{035D8009-1A71-4D41-90FD-54BA6D9A3AF4}" type="slidenum">
               <a:rPr lang="nl-NL" smtClean="0"/>
-              <a:t>‹nr.›</a:t>
+              <a:t>‹#›</a:t>
             </a:fld>
             <a:endParaRPr lang="nl-NL"/>
           </a:p>
@@ -2757,7 +2765,7 @@
           <a:p>
             <a:fld id="{AA087890-2EB5-47B2-A2BC-F271793CA4F2}" type="datetimeFigureOut">
               <a:rPr lang="nl-NL" smtClean="0"/>
-              <a:t>2-12-2017</a:t>
+              <a:t>3-12-2017</a:t>
             </a:fld>
             <a:endParaRPr lang="nl-NL"/>
           </a:p>
@@ -2799,7 +2807,7 @@
           <a:p>
             <a:fld id="{035D8009-1A71-4D41-90FD-54BA6D9A3AF4}" type="slidenum">
               <a:rPr lang="nl-NL" smtClean="0"/>
-              <a:t>‹nr.›</a:t>
+              <a:t>‹#›</a:t>
             </a:fld>
             <a:endParaRPr lang="nl-NL"/>
           </a:p>
@@ -2874,7 +2882,7 @@
           <a:p>
             <a:fld id="{AA087890-2EB5-47B2-A2BC-F271793CA4F2}" type="datetimeFigureOut">
               <a:rPr lang="nl-NL" smtClean="0"/>
-              <a:t>2-12-2017</a:t>
+              <a:t>3-12-2017</a:t>
             </a:fld>
             <a:endParaRPr lang="nl-NL"/>
           </a:p>
@@ -2916,7 +2924,7 @@
           <a:p>
             <a:fld id="{035D8009-1A71-4D41-90FD-54BA6D9A3AF4}" type="slidenum">
               <a:rPr lang="nl-NL" smtClean="0"/>
-              <a:t>‹nr.›</a:t>
+              <a:t>‹#›</a:t>
             </a:fld>
             <a:endParaRPr lang="nl-NL"/>
           </a:p>
@@ -2969,7 +2977,7 @@
           <a:p>
             <a:fld id="{AA087890-2EB5-47B2-A2BC-F271793CA4F2}" type="datetimeFigureOut">
               <a:rPr lang="nl-NL" smtClean="0"/>
-              <a:t>2-12-2017</a:t>
+              <a:t>3-12-2017</a:t>
             </a:fld>
             <a:endParaRPr lang="nl-NL"/>
           </a:p>
@@ -3011,7 +3019,7 @@
           <a:p>
             <a:fld id="{035D8009-1A71-4D41-90FD-54BA6D9A3AF4}" type="slidenum">
               <a:rPr lang="nl-NL" smtClean="0"/>
-              <a:t>‹nr.›</a:t>
+              <a:t>‹#›</a:t>
             </a:fld>
             <a:endParaRPr lang="nl-NL"/>
           </a:p>
@@ -3244,7 +3252,7 @@
           <a:p>
             <a:fld id="{AA087890-2EB5-47B2-A2BC-F271793CA4F2}" type="datetimeFigureOut">
               <a:rPr lang="nl-NL" smtClean="0"/>
-              <a:t>2-12-2017</a:t>
+              <a:t>3-12-2017</a:t>
             </a:fld>
             <a:endParaRPr lang="nl-NL"/>
           </a:p>
@@ -3286,7 +3294,7 @@
           <a:p>
             <a:fld id="{035D8009-1A71-4D41-90FD-54BA6D9A3AF4}" type="slidenum">
               <a:rPr lang="nl-NL" smtClean="0"/>
-              <a:t>‹nr.›</a:t>
+              <a:t>‹#›</a:t>
             </a:fld>
             <a:endParaRPr lang="nl-NL"/>
           </a:p>
@@ -3496,7 +3504,7 @@
           <a:p>
             <a:fld id="{AA087890-2EB5-47B2-A2BC-F271793CA4F2}" type="datetimeFigureOut">
               <a:rPr lang="nl-NL" smtClean="0"/>
-              <a:t>2-12-2017</a:t>
+              <a:t>3-12-2017</a:t>
             </a:fld>
             <a:endParaRPr lang="nl-NL"/>
           </a:p>
@@ -3538,7 +3546,7 @@
           <a:p>
             <a:fld id="{035D8009-1A71-4D41-90FD-54BA6D9A3AF4}" type="slidenum">
               <a:rPr lang="nl-NL" smtClean="0"/>
-              <a:t>‹nr.›</a:t>
+              <a:t>‹#›</a:t>
             </a:fld>
             <a:endParaRPr lang="nl-NL"/>
           </a:p>
@@ -3710,7 +3718,7 @@
           <a:p>
             <a:fld id="{AA087890-2EB5-47B2-A2BC-F271793CA4F2}" type="datetimeFigureOut">
               <a:rPr lang="nl-NL" smtClean="0"/>
-              <a:t>2-12-2017</a:t>
+              <a:t>3-12-2017</a:t>
             </a:fld>
             <a:endParaRPr lang="nl-NL"/>
           </a:p>
@@ -3788,7 +3796,7 @@
           <a:p>
             <a:fld id="{035D8009-1A71-4D41-90FD-54BA6D9A3AF4}" type="slidenum">
               <a:rPr lang="nl-NL" smtClean="0"/>
-              <a:t>‹nr.›</a:t>
+              <a:t>‹#›</a:t>
             </a:fld>
             <a:endParaRPr lang="nl-NL"/>
           </a:p>
@@ -4175,15 +4183,15 @@
           <a:lstStyle/>
           <a:p>
             <a:r>
-              <a:rPr lang="nl-NL" dirty="0" err="1" smtClean="0"/>
+              <a:rPr lang="nl-NL" dirty="0" err="1"/>
               <a:t>Create</a:t>
             </a:r>
             <a:r>
-              <a:rPr lang="nl-NL" dirty="0" smtClean="0"/>
+              <a:rPr lang="nl-NL" dirty="0"/>
               <a:t> </a:t>
             </a:r>
             <a:r>
-              <a:rPr lang="nl-NL" dirty="0" err="1" smtClean="0"/>
+              <a:rPr lang="nl-NL" dirty="0" err="1"/>
               <a:t>todo</a:t>
             </a:r>
             <a:endParaRPr lang="nl-NL" dirty="0"/>
@@ -4206,36 +4214,27 @@
           <a:lstStyle/>
           <a:p>
             <a:r>
-              <a:rPr lang="nl-NL" dirty="0" err="1" smtClean="0"/>
+              <a:rPr lang="nl-NL" dirty="0" err="1"/>
               <a:t>Reactive</a:t>
             </a:r>
             <a:r>
-              <a:rPr lang="nl-NL" dirty="0" smtClean="0"/>
+              <a:rPr lang="nl-NL" dirty="0"/>
               <a:t> </a:t>
             </a:r>
             <a:r>
-              <a:rPr lang="nl-NL" dirty="0" err="1" smtClean="0"/>
+              <a:rPr lang="nl-NL" dirty="0" err="1"/>
               <a:t>vs</a:t>
             </a:r>
             <a:r>
-              <a:rPr lang="nl-NL" dirty="0" smtClean="0"/>
-              <a:t> </a:t>
-            </a:r>
-            <a:r>
-              <a:rPr lang="nl-NL" dirty="0" smtClean="0"/>
-              <a:t>template uitleggen </a:t>
-            </a:r>
-            <a:r>
-              <a:rPr lang="nl-NL" dirty="0" smtClean="0"/>
-              <a:t>kort</a:t>
-            </a:r>
-          </a:p>
-          <a:p>
-            <a:r>
-              <a:rPr lang="nl-NL" dirty="0" smtClean="0"/>
+              <a:rPr lang="nl-NL" dirty="0"/>
+              <a:t> template uitleggen kort</a:t>
+            </a:r>
+          </a:p>
+          <a:p>
+            <a:r>
+              <a:rPr lang="nl-NL" dirty="0"/>
               <a:t>Waarom doen wij template</a:t>
             </a:r>
-            <a:endParaRPr lang="nl-NL" dirty="0"/>
           </a:p>
         </p:txBody>
       </p:sp>
@@ -4285,22 +4284,21 @@
           <a:lstStyle/>
           <a:p>
             <a:r>
-              <a:rPr lang="nl-NL" dirty="0" err="1" smtClean="0"/>
+              <a:rPr lang="nl-NL" dirty="0" err="1"/>
               <a:t>Creating</a:t>
             </a:r>
             <a:r>
-              <a:rPr lang="nl-NL" dirty="0" smtClean="0"/>
+              <a:rPr lang="nl-NL" dirty="0"/>
               <a:t> </a:t>
             </a:r>
             <a:r>
-              <a:rPr lang="nl-NL" dirty="0" err="1" smtClean="0"/>
+              <a:rPr lang="nl-NL" dirty="0" err="1"/>
               <a:t>our</a:t>
             </a:r>
             <a:r>
-              <a:rPr lang="nl-NL" dirty="0" smtClean="0"/>
+              <a:rPr lang="nl-NL" dirty="0"/>
               <a:t> first component</a:t>
             </a:r>
-            <a:endParaRPr lang="nl-NL" dirty="0"/>
           </a:p>
         </p:txBody>
       </p:sp>
@@ -4339,34 +4337,30 @@
               <a:buNone/>
             </a:pPr>
             <a:r>
-              <a:rPr lang="nl-NL" dirty="0" smtClean="0"/>
+              <a:rPr lang="nl-NL" dirty="0"/>
               <a:t>&gt; </a:t>
             </a:r>
             <a:r>
-              <a:rPr lang="nl-NL" dirty="0" err="1" smtClean="0"/>
+              <a:rPr lang="nl-NL" dirty="0" err="1"/>
               <a:t>ng</a:t>
             </a:r>
             <a:r>
-              <a:rPr lang="nl-NL" dirty="0" smtClean="0"/>
+              <a:rPr lang="nl-NL" dirty="0"/>
               <a:t> g class </a:t>
             </a:r>
             <a:r>
-              <a:rPr lang="nl-NL" dirty="0" err="1" smtClean="0"/>
+              <a:rPr lang="nl-NL" dirty="0" err="1"/>
               <a:t>models</a:t>
             </a:r>
             <a:r>
-              <a:rPr lang="nl-NL" dirty="0" smtClean="0"/>
+              <a:rPr lang="nl-NL" dirty="0"/>
               <a:t>/</a:t>
             </a:r>
             <a:r>
               <a:rPr lang="nl-NL" dirty="0" err="1"/>
-              <a:t>t</a:t>
-            </a:r>
-            <a:r>
-              <a:rPr lang="nl-NL" dirty="0" err="1" smtClean="0"/>
-              <a:t>odo</a:t>
-            </a:r>
-            <a:endParaRPr lang="nl-NL" dirty="0" smtClean="0"/>
+              <a:t>todo</a:t>
+            </a:r>
+            <a:endParaRPr lang="nl-NL" dirty="0"/>
           </a:p>
           <a:p>
             <a:pPr marL="0" indent="0">
@@ -4378,7 +4372,7 @@
             <a:pPr marL="0" indent="0">
               <a:buNone/>
             </a:pPr>
-            <a:endParaRPr lang="nl-NL" dirty="0" smtClean="0"/>
+            <a:endParaRPr lang="nl-NL" dirty="0"/>
           </a:p>
           <a:p>
             <a:pPr marL="0" indent="0">
@@ -4398,13 +4392,6 @@
   <p:clrMapOvr>
     <a:masterClrMapping/>
   </p:clrMapOvr>
-  <p:timing>
-    <p:tnLst>
-      <p:par>
-        <p:cTn id="1" dur="indefinite" restart="never" nodeType="tmRoot"/>
-      </p:par>
-    </p:tnLst>
-  </p:timing>
 </p:sld>
 </file>
 
@@ -4441,18 +4428,13 @@
           <a:lstStyle/>
           <a:p>
             <a:r>
-              <a:rPr lang="nl-NL" dirty="0" err="1" smtClean="0"/>
+              <a:rPr lang="nl-NL" dirty="0" err="1"/>
               <a:t>Todo</a:t>
             </a:r>
             <a:r>
-              <a:rPr lang="nl-NL" dirty="0" smtClean="0"/>
-              <a:t> </a:t>
-            </a:r>
-            <a:r>
-              <a:rPr lang="nl-NL" dirty="0" smtClean="0"/>
-              <a:t>Class</a:t>
-            </a:r>
-            <a:endParaRPr lang="nl-NL" dirty="0"/>
+              <a:rPr lang="nl-NL" dirty="0"/>
+              <a:t> Class</a:t>
+            </a:r>
           </a:p>
         </p:txBody>
       </p:sp>
@@ -4525,7 +4507,7 @@
               <a:t> </a:t>
             </a:r>
             <a:r>
-              <a:rPr lang="en-US" dirty="0" err="1" smtClean="0">
+              <a:rPr lang="en-US" dirty="0" err="1">
                 <a:solidFill>
                   <a:srgbClr val="4EC9B0"/>
                 </a:solidFill>
@@ -4534,7 +4516,165 @@
               <a:t>Todo</a:t>
             </a:r>
             <a:r>
-              <a:rPr lang="en-US" dirty="0" smtClean="0">
+              <a:rPr lang="en-US" dirty="0">
+                <a:solidFill>
+                  <a:srgbClr val="D4D4D4"/>
+                </a:solidFill>
+                <a:latin typeface="Consolas" panose="020B0609020204030204" pitchFamily="49" charset="0"/>
+              </a:rPr>
+              <a:t> {</a:t>
+            </a:r>
+          </a:p>
+          <a:p>
+            <a:pPr marL="0" indent="0">
+              <a:buNone/>
+            </a:pPr>
+            <a:r>
+              <a:rPr lang="en-US" dirty="0">
+                <a:solidFill>
+                  <a:srgbClr val="9CDCFE"/>
+                </a:solidFill>
+                <a:latin typeface="Consolas" panose="020B0609020204030204" pitchFamily="49" charset="0"/>
+              </a:rPr>
+              <a:t>	</a:t>
+            </a:r>
+            <a:r>
+              <a:rPr lang="en-US" dirty="0" err="1">
+                <a:solidFill>
+                  <a:srgbClr val="9CDCFE"/>
+                </a:solidFill>
+                <a:latin typeface="Consolas" panose="020B0609020204030204" pitchFamily="49" charset="0"/>
+              </a:rPr>
+              <a:t>completedDate</a:t>
+            </a:r>
+            <a:r>
+              <a:rPr lang="en-US" dirty="0">
+                <a:solidFill>
+                  <a:srgbClr val="D4D4D4"/>
+                </a:solidFill>
+                <a:latin typeface="Consolas" panose="020B0609020204030204" pitchFamily="49" charset="0"/>
+              </a:rPr>
+              <a:t>: </a:t>
+            </a:r>
+            <a:r>
+              <a:rPr lang="en-US" dirty="0">
+                <a:solidFill>
+                  <a:srgbClr val="4EC9B0"/>
+                </a:solidFill>
+                <a:latin typeface="Consolas" panose="020B0609020204030204" pitchFamily="49" charset="0"/>
+              </a:rPr>
+              <a:t>Date</a:t>
+            </a:r>
+            <a:r>
+              <a:rPr lang="en-US" dirty="0">
+                <a:solidFill>
+                  <a:srgbClr val="D4D4D4"/>
+                </a:solidFill>
+                <a:latin typeface="Consolas" panose="020B0609020204030204" pitchFamily="49" charset="0"/>
+              </a:rPr>
+              <a:t>;</a:t>
+            </a:r>
+          </a:p>
+          <a:p>
+            <a:pPr marL="0" indent="0">
+              <a:buNone/>
+            </a:pPr>
+            <a:r>
+              <a:rPr lang="en-US" dirty="0">
+                <a:solidFill>
+                  <a:srgbClr val="9CDCFE"/>
+                </a:solidFill>
+                <a:latin typeface="Consolas" panose="020B0609020204030204" pitchFamily="49" charset="0"/>
+              </a:rPr>
+              <a:t>	</a:t>
+            </a:r>
+            <a:r>
+              <a:rPr lang="en-US" dirty="0" err="1">
+                <a:solidFill>
+                  <a:srgbClr val="9CDCFE"/>
+                </a:solidFill>
+                <a:latin typeface="Consolas" panose="020B0609020204030204" pitchFamily="49" charset="0"/>
+              </a:rPr>
+              <a:t>createdDate</a:t>
+            </a:r>
+            <a:r>
+              <a:rPr lang="en-US" dirty="0">
+                <a:solidFill>
+                  <a:srgbClr val="D4D4D4"/>
+                </a:solidFill>
+                <a:latin typeface="Consolas" panose="020B0609020204030204" pitchFamily="49" charset="0"/>
+              </a:rPr>
+              <a:t>: </a:t>
+            </a:r>
+            <a:r>
+              <a:rPr lang="en-US" dirty="0">
+                <a:solidFill>
+                  <a:srgbClr val="4EC9B0"/>
+                </a:solidFill>
+                <a:latin typeface="Consolas" panose="020B0609020204030204" pitchFamily="49" charset="0"/>
+              </a:rPr>
+              <a:t>Date</a:t>
+            </a:r>
+            <a:r>
+              <a:rPr lang="en-US" dirty="0">
+                <a:solidFill>
+                  <a:srgbClr val="D4D4D4"/>
+                </a:solidFill>
+                <a:latin typeface="Consolas" panose="020B0609020204030204" pitchFamily="49" charset="0"/>
+              </a:rPr>
+              <a:t>;</a:t>
+            </a:r>
+          </a:p>
+          <a:p>
+            <a:pPr marL="0" indent="0">
+              <a:buNone/>
+            </a:pPr>
+            <a:br>
+              <a:rPr lang="en-US" dirty="0">
+                <a:solidFill>
+                  <a:srgbClr val="D4D4D4"/>
+                </a:solidFill>
+                <a:latin typeface="Consolas" panose="020B0609020204030204" pitchFamily="49" charset="0"/>
+              </a:rPr>
+            </a:br>
+            <a:r>
+              <a:rPr lang="en-US" dirty="0">
+                <a:solidFill>
+                  <a:srgbClr val="D4D4D4"/>
+                </a:solidFill>
+                <a:latin typeface="Consolas" panose="020B0609020204030204" pitchFamily="49" charset="0"/>
+              </a:rPr>
+              <a:t>	</a:t>
+            </a:r>
+            <a:r>
+              <a:rPr lang="en-US" dirty="0">
+                <a:solidFill>
+                  <a:srgbClr val="569CD6"/>
+                </a:solidFill>
+                <a:latin typeface="Consolas" panose="020B0609020204030204" pitchFamily="49" charset="0"/>
+              </a:rPr>
+              <a:t>constructor</a:t>
+            </a:r>
+            <a:r>
+              <a:rPr lang="en-US" dirty="0">
+                <a:solidFill>
+                  <a:srgbClr val="D4D4D4"/>
+                </a:solidFill>
+                <a:latin typeface="Consolas" panose="020B0609020204030204" pitchFamily="49" charset="0"/>
+              </a:rPr>
+              <a:t>(</a:t>
+            </a:r>
+            <a:r>
+              <a:rPr lang="en-US" dirty="0">
+                <a:solidFill>
+                  <a:srgbClr val="569CD6"/>
+                </a:solidFill>
+                <a:latin typeface="Consolas" panose="020B0609020204030204" pitchFamily="49" charset="0"/>
+              </a:rPr>
+              <a:t>public</a:t>
+            </a:r>
+            <a:r>
+              <a:rPr lang="en-US" dirty="0">
                 <a:solidFill>
                   <a:srgbClr val="D4D4D4"/>
                 </a:solidFill>
@@ -4545,11 +4685,38 @@
             <a:r>
               <a:rPr lang="en-US" dirty="0">
                 <a:solidFill>
-                  <a:srgbClr val="D4D4D4"/>
-                </a:solidFill>
-                <a:latin typeface="Consolas" panose="020B0609020204030204" pitchFamily="49" charset="0"/>
-              </a:rPr>
-              <a:t>{</a:t>
+                  <a:srgbClr val="9CDCFE"/>
+                </a:solidFill>
+                <a:latin typeface="Consolas" panose="020B0609020204030204" pitchFamily="49" charset="0"/>
+              </a:rPr>
+              <a:t>title</a:t>
+            </a:r>
+            <a:r>
+              <a:rPr lang="en-US" dirty="0">
+                <a:solidFill>
+                  <a:srgbClr val="D4D4D4"/>
+                </a:solidFill>
+                <a:latin typeface="Consolas" panose="020B0609020204030204" pitchFamily="49" charset="0"/>
+              </a:rPr>
+              <a:t>: </a:t>
+            </a:r>
+            <a:r>
+              <a:rPr lang="en-US" dirty="0">
+                <a:solidFill>
+                  <a:srgbClr val="4EC9B0"/>
+                </a:solidFill>
+                <a:latin typeface="Consolas" panose="020B0609020204030204" pitchFamily="49" charset="0"/>
+              </a:rPr>
+              <a:t>string</a:t>
+            </a:r>
+            <a:r>
+              <a:rPr lang="en-US" dirty="0">
+                <a:solidFill>
+                  <a:srgbClr val="D4D4D4"/>
+                </a:solidFill>
+                <a:latin typeface="Consolas" panose="020B0609020204030204" pitchFamily="49" charset="0"/>
+              </a:rPr>
+              <a:t>, </a:t>
             </a:r>
           </a:p>
           <a:p>
@@ -4557,22 +4724,108 @@
               <a:buNone/>
             </a:pPr>
             <a:r>
-              <a:rPr lang="en-US" dirty="0" smtClean="0">
+              <a:rPr lang="en-US" dirty="0">
+                <a:solidFill>
+                  <a:srgbClr val="D4D4D4"/>
+                </a:solidFill>
+                <a:latin typeface="Consolas" panose="020B0609020204030204" pitchFamily="49" charset="0"/>
+              </a:rPr>
+              <a:t>			   </a:t>
+            </a:r>
+            <a:r>
+              <a:rPr lang="en-US" dirty="0">
+                <a:solidFill>
+                  <a:srgbClr val="569CD6"/>
+                </a:solidFill>
+                <a:latin typeface="Consolas" panose="020B0609020204030204" pitchFamily="49" charset="0"/>
+              </a:rPr>
+              <a:t>public</a:t>
+            </a:r>
+            <a:r>
+              <a:rPr lang="en-US" dirty="0">
+                <a:solidFill>
+                  <a:srgbClr val="D4D4D4"/>
+                </a:solidFill>
+                <a:latin typeface="Consolas" panose="020B0609020204030204" pitchFamily="49" charset="0"/>
+              </a:rPr>
+              <a:t> </a:t>
+            </a:r>
+            <a:r>
+              <a:rPr lang="en-US" dirty="0">
                 <a:solidFill>
                   <a:srgbClr val="9CDCFE"/>
                 </a:solidFill>
                 <a:latin typeface="Consolas" panose="020B0609020204030204" pitchFamily="49" charset="0"/>
               </a:rPr>
-              <a:t>	</a:t>
-            </a:r>
-            <a:r>
-              <a:rPr lang="en-US" dirty="0" err="1" smtClean="0">
+              <a:t>completed</a:t>
+            </a:r>
+            <a:r>
+              <a:rPr lang="en-US" dirty="0">
+                <a:solidFill>
+                  <a:srgbClr val="D4D4D4"/>
+                </a:solidFill>
+                <a:latin typeface="Consolas" panose="020B0609020204030204" pitchFamily="49" charset="0"/>
+              </a:rPr>
+              <a:t>: </a:t>
+            </a:r>
+            <a:r>
+              <a:rPr lang="en-US" dirty="0">
+                <a:solidFill>
+                  <a:srgbClr val="4EC9B0"/>
+                </a:solidFill>
+                <a:latin typeface="Consolas" panose="020B0609020204030204" pitchFamily="49" charset="0"/>
+              </a:rPr>
+              <a:t>string</a:t>
+            </a:r>
+            <a:r>
+              <a:rPr lang="en-US" dirty="0">
+                <a:solidFill>
+                  <a:srgbClr val="D4D4D4"/>
+                </a:solidFill>
+                <a:latin typeface="Consolas" panose="020B0609020204030204" pitchFamily="49" charset="0"/>
+              </a:rPr>
+              <a:t>, </a:t>
+            </a:r>
+          </a:p>
+          <a:p>
+            <a:pPr marL="0" indent="0">
+              <a:buNone/>
+            </a:pPr>
+            <a:r>
+              <a:rPr lang="en-US" dirty="0">
+                <a:solidFill>
+                  <a:srgbClr val="D4D4D4"/>
+                </a:solidFill>
+                <a:latin typeface="Consolas" panose="020B0609020204030204" pitchFamily="49" charset="0"/>
+              </a:rPr>
+              <a:t>                 </a:t>
+            </a:r>
+            <a:r>
+              <a:rPr lang="en-US" dirty="0">
+                <a:solidFill>
+                  <a:srgbClr val="569CD6"/>
+                </a:solidFill>
+                <a:latin typeface="Consolas" panose="020B0609020204030204" pitchFamily="49" charset="0"/>
+              </a:rPr>
+              <a:t>public</a:t>
+            </a:r>
+            <a:r>
+              <a:rPr lang="en-US" dirty="0">
+                <a:solidFill>
+                  <a:srgbClr val="D4D4D4"/>
+                </a:solidFill>
+                <a:latin typeface="Consolas" panose="020B0609020204030204" pitchFamily="49" charset="0"/>
+              </a:rPr>
+              <a:t> </a:t>
+            </a:r>
+            <a:r>
+              <a:rPr lang="en-US" dirty="0">
                 <a:solidFill>
                   <a:srgbClr val="9CDCFE"/>
                 </a:solidFill>
                 <a:latin typeface="Consolas" panose="020B0609020204030204" pitchFamily="49" charset="0"/>
               </a:rPr>
-              <a:t>completedDate</a:t>
+              <a:t>description</a:t>
             </a:r>
             <a:r>
               <a:rPr lang="en-US" dirty="0">
@@ -4590,341 +4843,16 @@
                 </a:solidFill>
                 <a:latin typeface="Consolas" panose="020B0609020204030204" pitchFamily="49" charset="0"/>
               </a:rPr>
-              <a:t>Date</a:t>
-            </a:r>
-            <a:r>
-              <a:rPr lang="en-US" dirty="0">
-                <a:solidFill>
-                  <a:srgbClr val="D4D4D4"/>
-                </a:solidFill>
-                <a:latin typeface="Consolas" panose="020B0609020204030204" pitchFamily="49" charset="0"/>
-              </a:rPr>
-              <a:t>;</a:t>
-            </a:r>
-          </a:p>
-          <a:p>
-            <a:pPr marL="0" indent="0">
-              <a:buNone/>
-            </a:pPr>
-            <a:r>
-              <a:rPr lang="en-US" dirty="0" smtClean="0">
-                <a:solidFill>
-                  <a:srgbClr val="9CDCFE"/>
-                </a:solidFill>
-                <a:latin typeface="Consolas" panose="020B0609020204030204" pitchFamily="49" charset="0"/>
-              </a:rPr>
-              <a:t>	</a:t>
-            </a:r>
-            <a:r>
-              <a:rPr lang="en-US" dirty="0" err="1" smtClean="0">
-                <a:solidFill>
-                  <a:srgbClr val="9CDCFE"/>
-                </a:solidFill>
-                <a:latin typeface="Consolas" panose="020B0609020204030204" pitchFamily="49" charset="0"/>
-              </a:rPr>
-              <a:t>createdDate</a:t>
-            </a:r>
-            <a:r>
-              <a:rPr lang="en-US" dirty="0">
-                <a:solidFill>
-                  <a:srgbClr val="D4D4D4"/>
-                </a:solidFill>
-                <a:latin typeface="Consolas" panose="020B0609020204030204" pitchFamily="49" charset="0"/>
-              </a:rPr>
-              <a:t>: </a:t>
-            </a:r>
-            <a:r>
-              <a:rPr lang="en-US" dirty="0">
-                <a:solidFill>
-                  <a:srgbClr val="4EC9B0"/>
-                </a:solidFill>
-                <a:latin typeface="Consolas" panose="020B0609020204030204" pitchFamily="49" charset="0"/>
-              </a:rPr>
-              <a:t>Date</a:t>
-            </a:r>
-            <a:r>
-              <a:rPr lang="en-US" dirty="0">
-                <a:solidFill>
-                  <a:srgbClr val="D4D4D4"/>
-                </a:solidFill>
-                <a:latin typeface="Consolas" panose="020B0609020204030204" pitchFamily="49" charset="0"/>
-              </a:rPr>
-              <a:t>;</a:t>
-            </a:r>
-          </a:p>
-          <a:p>
-            <a:pPr marL="0" indent="0">
-              <a:buNone/>
-            </a:pPr>
-            <a:r>
-              <a:rPr lang="en-US" dirty="0">
-                <a:solidFill>
-                  <a:srgbClr val="D4D4D4"/>
-                </a:solidFill>
-                <a:latin typeface="Consolas" panose="020B0609020204030204" pitchFamily="49" charset="0"/>
-              </a:rPr>
-              <a:t/>
-            </a:r>
-            <a:br>
-              <a:rPr lang="en-US" dirty="0">
-                <a:solidFill>
-                  <a:srgbClr val="D4D4D4"/>
-                </a:solidFill>
-                <a:latin typeface="Consolas" panose="020B0609020204030204" pitchFamily="49" charset="0"/>
-              </a:rPr>
-            </a:br>
-            <a:r>
-              <a:rPr lang="en-US" dirty="0" smtClean="0">
-                <a:solidFill>
-                  <a:srgbClr val="D4D4D4"/>
-                </a:solidFill>
-                <a:latin typeface="Consolas" panose="020B0609020204030204" pitchFamily="49" charset="0"/>
-              </a:rPr>
-              <a:t>	</a:t>
-            </a:r>
-            <a:r>
-              <a:rPr lang="en-US" dirty="0" smtClean="0">
-                <a:solidFill>
-                  <a:srgbClr val="569CD6"/>
-                </a:solidFill>
-                <a:latin typeface="Consolas" panose="020B0609020204030204" pitchFamily="49" charset="0"/>
-              </a:rPr>
-              <a:t>constructor</a:t>
-            </a:r>
-            <a:r>
-              <a:rPr lang="en-US" dirty="0">
-                <a:solidFill>
-                  <a:srgbClr val="D4D4D4"/>
-                </a:solidFill>
-                <a:latin typeface="Consolas" panose="020B0609020204030204" pitchFamily="49" charset="0"/>
-              </a:rPr>
-              <a:t>(</a:t>
-            </a:r>
-            <a:r>
-              <a:rPr lang="en-US" dirty="0" smtClean="0">
-                <a:solidFill>
-                  <a:srgbClr val="569CD6"/>
-                </a:solidFill>
-                <a:latin typeface="Consolas" panose="020B0609020204030204" pitchFamily="49" charset="0"/>
-              </a:rPr>
-              <a:t>public</a:t>
-            </a:r>
-            <a:r>
-              <a:rPr lang="en-US" dirty="0" smtClean="0">
-                <a:solidFill>
-                  <a:srgbClr val="D4D4D4"/>
-                </a:solidFill>
-                <a:latin typeface="Consolas" panose="020B0609020204030204" pitchFamily="49" charset="0"/>
-              </a:rPr>
-              <a:t> </a:t>
-            </a:r>
-            <a:r>
-              <a:rPr lang="en-US" dirty="0">
-                <a:solidFill>
-                  <a:srgbClr val="9CDCFE"/>
-                </a:solidFill>
-                <a:latin typeface="Consolas" panose="020B0609020204030204" pitchFamily="49" charset="0"/>
-              </a:rPr>
-              <a:t>title</a:t>
-            </a:r>
-            <a:r>
-              <a:rPr lang="en-US" dirty="0">
-                <a:solidFill>
-                  <a:srgbClr val="D4D4D4"/>
-                </a:solidFill>
-                <a:latin typeface="Consolas" panose="020B0609020204030204" pitchFamily="49" charset="0"/>
-              </a:rPr>
-              <a:t>: </a:t>
-            </a:r>
-            <a:r>
-              <a:rPr lang="en-US" dirty="0">
-                <a:solidFill>
-                  <a:srgbClr val="4EC9B0"/>
-                </a:solidFill>
-                <a:latin typeface="Consolas" panose="020B0609020204030204" pitchFamily="49" charset="0"/>
-              </a:rPr>
               <a:t>string</a:t>
             </a:r>
             <a:r>
-              <a:rPr lang="en-US" dirty="0" smtClean="0">
-                <a:solidFill>
-                  <a:srgbClr val="D4D4D4"/>
-                </a:solidFill>
-                <a:latin typeface="Consolas" panose="020B0609020204030204" pitchFamily="49" charset="0"/>
-              </a:rPr>
-              <a:t>, </a:t>
-            </a:r>
-          </a:p>
-          <a:p>
-            <a:pPr marL="0" indent="0">
-              <a:buNone/>
-            </a:pPr>
-            <a:r>
-              <a:rPr lang="en-US" dirty="0">
-                <a:solidFill>
-                  <a:srgbClr val="D4D4D4"/>
-                </a:solidFill>
-                <a:latin typeface="Consolas" panose="020B0609020204030204" pitchFamily="49" charset="0"/>
-              </a:rPr>
-              <a:t>	</a:t>
-            </a:r>
-            <a:r>
-              <a:rPr lang="en-US" dirty="0" smtClean="0">
-                <a:solidFill>
-                  <a:srgbClr val="D4D4D4"/>
-                </a:solidFill>
-                <a:latin typeface="Consolas" panose="020B0609020204030204" pitchFamily="49" charset="0"/>
-              </a:rPr>
-              <a:t>		   </a:t>
-            </a:r>
-            <a:r>
-              <a:rPr lang="en-US" dirty="0" smtClean="0">
-                <a:solidFill>
-                  <a:srgbClr val="569CD6"/>
-                </a:solidFill>
-                <a:latin typeface="Consolas" panose="020B0609020204030204" pitchFamily="49" charset="0"/>
-              </a:rPr>
-              <a:t>public</a:t>
-            </a:r>
-            <a:r>
-              <a:rPr lang="en-US" dirty="0" smtClean="0">
-                <a:solidFill>
-                  <a:srgbClr val="D4D4D4"/>
-                </a:solidFill>
-                <a:latin typeface="Consolas" panose="020B0609020204030204" pitchFamily="49" charset="0"/>
-              </a:rPr>
-              <a:t> </a:t>
-            </a:r>
-            <a:r>
-              <a:rPr lang="en-US" dirty="0" smtClean="0">
-                <a:solidFill>
-                  <a:srgbClr val="9CDCFE"/>
-                </a:solidFill>
-                <a:latin typeface="Consolas" panose="020B0609020204030204" pitchFamily="49" charset="0"/>
-              </a:rPr>
-              <a:t>completed</a:t>
-            </a:r>
-            <a:r>
-              <a:rPr lang="en-US" dirty="0">
-                <a:solidFill>
-                  <a:srgbClr val="D4D4D4"/>
-                </a:solidFill>
-                <a:latin typeface="Consolas" panose="020B0609020204030204" pitchFamily="49" charset="0"/>
-              </a:rPr>
-              <a:t>: </a:t>
-            </a:r>
-            <a:r>
-              <a:rPr lang="en-US" dirty="0">
-                <a:solidFill>
-                  <a:srgbClr val="4EC9B0"/>
-                </a:solidFill>
-                <a:latin typeface="Consolas" panose="020B0609020204030204" pitchFamily="49" charset="0"/>
-              </a:rPr>
-              <a:t>string</a:t>
-            </a:r>
-            <a:r>
-              <a:rPr lang="en-US" dirty="0" smtClean="0">
-                <a:solidFill>
-                  <a:srgbClr val="D4D4D4"/>
-                </a:solidFill>
-                <a:latin typeface="Consolas" panose="020B0609020204030204" pitchFamily="49" charset="0"/>
-              </a:rPr>
-              <a:t>, </a:t>
-            </a:r>
-          </a:p>
-          <a:p>
-            <a:pPr marL="0" indent="0">
-              <a:buNone/>
-            </a:pPr>
-            <a:r>
-              <a:rPr lang="en-US" dirty="0">
-                <a:solidFill>
-                  <a:srgbClr val="D4D4D4"/>
-                </a:solidFill>
-                <a:latin typeface="Consolas" panose="020B0609020204030204" pitchFamily="49" charset="0"/>
-              </a:rPr>
-              <a:t> </a:t>
-            </a:r>
-            <a:r>
-              <a:rPr lang="en-US" dirty="0" smtClean="0">
-                <a:solidFill>
-                  <a:srgbClr val="D4D4D4"/>
-                </a:solidFill>
-                <a:latin typeface="Consolas" panose="020B0609020204030204" pitchFamily="49" charset="0"/>
-              </a:rPr>
-              <a:t>                </a:t>
-            </a:r>
-            <a:r>
-              <a:rPr lang="en-US" dirty="0" smtClean="0">
-                <a:solidFill>
-                  <a:srgbClr val="569CD6"/>
-                </a:solidFill>
-                <a:latin typeface="Consolas" panose="020B0609020204030204" pitchFamily="49" charset="0"/>
-              </a:rPr>
-              <a:t>public</a:t>
-            </a:r>
-            <a:r>
-              <a:rPr lang="en-US" dirty="0" smtClean="0">
-                <a:solidFill>
-                  <a:srgbClr val="D4D4D4"/>
-                </a:solidFill>
-                <a:latin typeface="Consolas" panose="020B0609020204030204" pitchFamily="49" charset="0"/>
-              </a:rPr>
-              <a:t> </a:t>
-            </a:r>
-            <a:r>
-              <a:rPr lang="en-US" dirty="0" smtClean="0">
-                <a:solidFill>
-                  <a:srgbClr val="9CDCFE"/>
-                </a:solidFill>
-                <a:latin typeface="Consolas" panose="020B0609020204030204" pitchFamily="49" charset="0"/>
-              </a:rPr>
-              <a:t>description</a:t>
-            </a:r>
-            <a:r>
-              <a:rPr lang="en-US" dirty="0" smtClean="0">
-                <a:solidFill>
-                  <a:srgbClr val="D4D4D4"/>
-                </a:solidFill>
-                <a:latin typeface="Consolas" panose="020B0609020204030204" pitchFamily="49" charset="0"/>
-              </a:rPr>
-              <a:t>: </a:t>
-            </a:r>
-            <a:r>
-              <a:rPr lang="en-US" dirty="0">
-                <a:solidFill>
-                  <a:srgbClr val="4EC9B0"/>
-                </a:solidFill>
-                <a:latin typeface="Consolas" panose="020B0609020204030204" pitchFamily="49" charset="0"/>
-              </a:rPr>
-              <a:t>s</a:t>
-            </a:r>
-            <a:r>
-              <a:rPr lang="en-US" dirty="0" smtClean="0">
-                <a:solidFill>
-                  <a:srgbClr val="4EC9B0"/>
-                </a:solidFill>
-                <a:latin typeface="Consolas" panose="020B0609020204030204" pitchFamily="49" charset="0"/>
-              </a:rPr>
-              <a:t>tring</a:t>
-            </a:r>
-            <a:r>
-              <a:rPr lang="en-US" dirty="0" smtClean="0">
-                <a:solidFill>
-                  <a:srgbClr val="D4D4D4"/>
-                </a:solidFill>
-                <a:latin typeface="Consolas" panose="020B0609020204030204" pitchFamily="49" charset="0"/>
-              </a:rPr>
-              <a:t>) </a:t>
-            </a:r>
-            <a:r>
-              <a:rPr lang="en-US" dirty="0">
-                <a:solidFill>
-                  <a:srgbClr val="D4D4D4"/>
-                </a:solidFill>
-                <a:latin typeface="Consolas" panose="020B0609020204030204" pitchFamily="49" charset="0"/>
-              </a:rPr>
-              <a:t>{ }</a:t>
+              <a:rPr lang="en-US" dirty="0">
+                <a:solidFill>
+                  <a:srgbClr val="D4D4D4"/>
+                </a:solidFill>
+                <a:latin typeface="Consolas" panose="020B0609020204030204" pitchFamily="49" charset="0"/>
+              </a:rPr>
+              <a:t>) { }</a:t>
             </a:r>
           </a:p>
           <a:p>
@@ -4959,13 +4887,6 @@
   <p:clrMapOvr>
     <a:masterClrMapping/>
   </p:clrMapOvr>
-  <p:timing>
-    <p:tnLst>
-      <p:par>
-        <p:cTn id="1" dur="indefinite" restart="never" nodeType="tmRoot"/>
-      </p:par>
-    </p:tnLst>
-  </p:timing>
 </p:sld>
 </file>
 
@@ -5002,15 +4923,15 @@
           <a:lstStyle/>
           <a:p>
             <a:r>
-              <a:rPr lang="nl-NL" dirty="0" err="1" smtClean="0"/>
+              <a:rPr lang="nl-NL" dirty="0" err="1"/>
               <a:t>Creating</a:t>
             </a:r>
             <a:r>
-              <a:rPr lang="nl-NL" dirty="0" smtClean="0"/>
+              <a:rPr lang="nl-NL" dirty="0"/>
               <a:t> a new </a:t>
             </a:r>
             <a:r>
-              <a:rPr lang="nl-NL" dirty="0" err="1" smtClean="0"/>
+              <a:rPr lang="nl-NL" dirty="0" err="1"/>
               <a:t>ToDo</a:t>
             </a:r>
             <a:endParaRPr lang="nl-NL" dirty="0"/>
@@ -5137,39 +5058,199 @@
                 </a:solidFill>
                 <a:latin typeface="Consolas" panose="020B0609020204030204" pitchFamily="49" charset="0"/>
               </a:rPr>
+              <a:t> {</a:t>
+            </a:r>
+          </a:p>
+          <a:p>
+            <a:pPr marL="0" indent="0">
+              <a:buNone/>
+            </a:pPr>
+            <a:r>
+              <a:rPr lang="nl-NL" dirty="0">
+                <a:solidFill>
+                  <a:srgbClr val="569CD6"/>
+                </a:solidFill>
+                <a:latin typeface="Consolas" panose="020B0609020204030204" pitchFamily="49" charset="0"/>
+              </a:rPr>
+              <a:t>	public</a:t>
+            </a:r>
+            <a:r>
+              <a:rPr lang="nl-NL" dirty="0">
+                <a:solidFill>
+                  <a:srgbClr val="D4D4D4"/>
+                </a:solidFill>
+                <a:latin typeface="Consolas" panose="020B0609020204030204" pitchFamily="49" charset="0"/>
+              </a:rPr>
               <a:t> </a:t>
             </a:r>
             <a:r>
-              <a:rPr lang="en-US" dirty="0" smtClean="0">
-                <a:solidFill>
-                  <a:srgbClr val="D4D4D4"/>
-                </a:solidFill>
-                <a:latin typeface="Consolas" panose="020B0609020204030204" pitchFamily="49" charset="0"/>
-              </a:rPr>
-              <a:t>{</a:t>
-            </a:r>
-            <a:endParaRPr lang="en-US" dirty="0">
-              <a:solidFill>
-                <a:srgbClr val="D4D4D4"/>
-              </a:solidFill>
-              <a:latin typeface="Consolas" panose="020B0609020204030204" pitchFamily="49" charset="0"/>
-            </a:endParaRPr>
+              <a:rPr lang="nl-NL" dirty="0">
+                <a:solidFill>
+                  <a:srgbClr val="9CDCFE"/>
+                </a:solidFill>
+                <a:latin typeface="Consolas" panose="020B0609020204030204" pitchFamily="49" charset="0"/>
+              </a:rPr>
+              <a:t>todo</a:t>
+            </a:r>
+            <a:r>
+              <a:rPr lang="nl-NL" dirty="0">
+                <a:solidFill>
+                  <a:srgbClr val="D4D4D4"/>
+                </a:solidFill>
+                <a:latin typeface="Consolas" panose="020B0609020204030204" pitchFamily="49" charset="0"/>
+              </a:rPr>
+              <a:t>: </a:t>
+            </a:r>
+            <a:r>
+              <a:rPr lang="nl-NL" dirty="0">
+                <a:solidFill>
+                  <a:srgbClr val="4EC9B0"/>
+                </a:solidFill>
+                <a:latin typeface="Consolas" panose="020B0609020204030204" pitchFamily="49" charset="0"/>
+              </a:rPr>
+              <a:t>Todo</a:t>
+            </a:r>
+            <a:r>
+              <a:rPr lang="nl-NL" dirty="0">
+                <a:solidFill>
+                  <a:srgbClr val="D4D4D4"/>
+                </a:solidFill>
+                <a:latin typeface="Consolas" panose="020B0609020204030204" pitchFamily="49" charset="0"/>
+              </a:rPr>
+              <a:t>;</a:t>
+            </a:r>
           </a:p>
           <a:p>
             <a:pPr marL="0" indent="0">
               <a:buNone/>
             </a:pPr>
-            <a:r>
-              <a:rPr lang="nl-NL" dirty="0" smtClean="0">
+            <a:br>
+              <a:rPr lang="nl-NL" dirty="0">
+                <a:solidFill>
+                  <a:srgbClr val="D4D4D4"/>
+                </a:solidFill>
+                <a:latin typeface="Consolas" panose="020B0609020204030204" pitchFamily="49" charset="0"/>
+              </a:rPr>
+            </a:br>
+            <a:r>
+              <a:rPr lang="nl-NL" dirty="0">
+                <a:solidFill>
+                  <a:srgbClr val="D4D4D4"/>
+                </a:solidFill>
+                <a:latin typeface="Consolas" panose="020B0609020204030204" pitchFamily="49" charset="0"/>
+              </a:rPr>
+              <a:t>	</a:t>
+            </a:r>
+            <a:r>
+              <a:rPr lang="nl-NL" dirty="0" err="1">
                 <a:solidFill>
                   <a:srgbClr val="569CD6"/>
                 </a:solidFill>
                 <a:latin typeface="Consolas" panose="020B0609020204030204" pitchFamily="49" charset="0"/>
               </a:rPr>
-              <a:t>	public</a:t>
-            </a:r>
-            <a:r>
-              <a:rPr lang="nl-NL" dirty="0" smtClean="0">
+              <a:t>constructor</a:t>
+            </a:r>
+            <a:r>
+              <a:rPr lang="nl-NL" dirty="0">
+                <a:solidFill>
+                  <a:srgbClr val="D4D4D4"/>
+                </a:solidFill>
+                <a:latin typeface="Consolas" panose="020B0609020204030204" pitchFamily="49" charset="0"/>
+              </a:rPr>
+              <a:t>() { }</a:t>
+            </a:r>
+          </a:p>
+          <a:p>
+            <a:pPr marL="0" indent="0">
+              <a:buNone/>
+            </a:pPr>
+            <a:br>
+              <a:rPr lang="nl-NL" dirty="0">
+                <a:solidFill>
+                  <a:srgbClr val="D4D4D4"/>
+                </a:solidFill>
+                <a:latin typeface="Consolas" panose="020B0609020204030204" pitchFamily="49" charset="0"/>
+              </a:rPr>
+            </a:br>
+            <a:r>
+              <a:rPr lang="nl-NL" dirty="0">
+                <a:solidFill>
+                  <a:srgbClr val="D4D4D4"/>
+                </a:solidFill>
+                <a:latin typeface="Consolas" panose="020B0609020204030204" pitchFamily="49" charset="0"/>
+              </a:rPr>
+              <a:t>	</a:t>
+            </a:r>
+            <a:r>
+              <a:rPr lang="nl-NL" dirty="0" err="1">
+                <a:solidFill>
+                  <a:srgbClr val="DCDCAA"/>
+                </a:solidFill>
+                <a:latin typeface="Consolas" panose="020B0609020204030204" pitchFamily="49" charset="0"/>
+              </a:rPr>
+              <a:t>ngOnInit</a:t>
+            </a:r>
+            <a:r>
+              <a:rPr lang="nl-NL" dirty="0">
+                <a:solidFill>
+                  <a:srgbClr val="D4D4D4"/>
+                </a:solidFill>
+                <a:latin typeface="Consolas" panose="020B0609020204030204" pitchFamily="49" charset="0"/>
+              </a:rPr>
+              <a:t>() {</a:t>
+            </a:r>
+          </a:p>
+          <a:p>
+            <a:pPr marL="0" indent="0">
+              <a:buNone/>
+            </a:pPr>
+            <a:r>
+              <a:rPr lang="nl-NL" dirty="0">
+                <a:solidFill>
+                  <a:srgbClr val="569CD6"/>
+                </a:solidFill>
+                <a:latin typeface="Consolas" panose="020B0609020204030204" pitchFamily="49" charset="0"/>
+              </a:rPr>
+              <a:t>		this</a:t>
+            </a:r>
+            <a:r>
+              <a:rPr lang="nl-NL" dirty="0">
+                <a:solidFill>
+                  <a:srgbClr val="D4D4D4"/>
+                </a:solidFill>
+                <a:latin typeface="Consolas" panose="020B0609020204030204" pitchFamily="49" charset="0"/>
+              </a:rPr>
+              <a:t>.</a:t>
+            </a:r>
+            <a:r>
+              <a:rPr lang="nl-NL" dirty="0">
+                <a:solidFill>
+                  <a:srgbClr val="9CDCFE"/>
+                </a:solidFill>
+                <a:latin typeface="Consolas" panose="020B0609020204030204" pitchFamily="49" charset="0"/>
+              </a:rPr>
+              <a:t>todo</a:t>
+            </a:r>
+            <a:r>
+              <a:rPr lang="nl-NL" dirty="0">
+                <a:solidFill>
+                  <a:srgbClr val="D4D4D4"/>
+                </a:solidFill>
+                <a:latin typeface="Consolas" panose="020B0609020204030204" pitchFamily="49" charset="0"/>
+              </a:rPr>
+              <a:t> = </a:t>
+            </a:r>
+            <a:r>
+              <a:rPr lang="nl-NL" dirty="0">
+                <a:solidFill>
+                  <a:srgbClr val="569CD6"/>
+                </a:solidFill>
+                <a:latin typeface="Consolas" panose="020B0609020204030204" pitchFamily="49" charset="0"/>
+              </a:rPr>
+              <a:t>new</a:t>
+            </a:r>
+            <a:r>
+              <a:rPr lang="nl-NL" dirty="0">
                 <a:solidFill>
                   <a:srgbClr val="D4D4D4"/>
                 </a:solidFill>
@@ -5178,25 +5259,7 @@
               <a:t> </a:t>
             </a:r>
             <a:r>
-              <a:rPr lang="nl-NL" dirty="0" err="1">
-                <a:solidFill>
-                  <a:srgbClr val="9CDCFE"/>
-                </a:solidFill>
-                <a:latin typeface="Consolas" panose="020B0609020204030204" pitchFamily="49" charset="0"/>
-              </a:rPr>
-              <a:t>toDo</a:t>
-            </a:r>
-            <a:r>
-              <a:rPr lang="nl-NL" dirty="0">
-                <a:solidFill>
-                  <a:srgbClr val="D4D4D4"/>
-                </a:solidFill>
-                <a:latin typeface="Consolas" panose="020B0609020204030204" pitchFamily="49" charset="0"/>
-              </a:rPr>
-              <a:t>: </a:t>
-            </a:r>
-            <a:r>
-              <a:rPr lang="nl-NL" dirty="0" err="1" smtClean="0">
+              <a:rPr lang="nl-NL" dirty="0">
                 <a:solidFill>
                   <a:srgbClr val="4EC9B0"/>
                 </a:solidFill>
@@ -5211,7 +5274,61 @@
                 </a:solidFill>
                 <a:latin typeface="Consolas" panose="020B0609020204030204" pitchFamily="49" charset="0"/>
               </a:rPr>
-              <a:t>;</a:t>
+              <a:t>(</a:t>
+            </a:r>
+            <a:r>
+              <a:rPr lang="nl-NL" dirty="0">
+                <a:solidFill>
+                  <a:srgbClr val="CE9178"/>
+                </a:solidFill>
+                <a:latin typeface="Consolas" panose="020B0609020204030204" pitchFamily="49" charset="0"/>
+              </a:rPr>
+              <a:t>'Boodschappen doen'</a:t>
+            </a:r>
+            <a:r>
+              <a:rPr lang="nl-NL" dirty="0">
+                <a:solidFill>
+                  <a:srgbClr val="D4D4D4"/>
+                </a:solidFill>
+                <a:latin typeface="Consolas" panose="020B0609020204030204" pitchFamily="49" charset="0"/>
+              </a:rPr>
+              <a:t>, 						</a:t>
+            </a:r>
+            <a:r>
+              <a:rPr lang="nl-NL" dirty="0">
+                <a:solidFill>
+                  <a:srgbClr val="569CD6"/>
+                </a:solidFill>
+                <a:latin typeface="Consolas" panose="020B0609020204030204" pitchFamily="49" charset="0"/>
+              </a:rPr>
+              <a:t>false</a:t>
+            </a:r>
+            <a:r>
+              <a:rPr lang="nl-NL" dirty="0">
+                <a:solidFill>
+                  <a:srgbClr val="D4D4D4"/>
+                </a:solidFill>
+                <a:latin typeface="Consolas" panose="020B0609020204030204" pitchFamily="49" charset="0"/>
+              </a:rPr>
+              <a:t>, </a:t>
+            </a:r>
+            <a:r>
+              <a:rPr lang="nl-NL" dirty="0">
+                <a:solidFill>
+                  <a:srgbClr val="CE9178"/>
+                </a:solidFill>
+                <a:latin typeface="Consolas" panose="020B0609020204030204" pitchFamily="49" charset="0"/>
+              </a:rPr>
+              <a:t>'Ik moet eten hebben'</a:t>
+            </a:r>
+            <a:r>
+              <a:rPr lang="nl-NL" dirty="0">
+                <a:solidFill>
+                  <a:srgbClr val="D4D4D4"/>
+                </a:solidFill>
+                <a:latin typeface="Consolas" panose="020B0609020204030204" pitchFamily="49" charset="0"/>
+              </a:rPr>
+              <a:t>)</a:t>
             </a:r>
           </a:p>
           <a:p>
@@ -5220,277 +5337,6 @@
             </a:pPr>
             <a:r>
               <a:rPr lang="nl-NL" dirty="0">
-                <a:solidFill>
-                  <a:srgbClr val="D4D4D4"/>
-                </a:solidFill>
-                <a:latin typeface="Consolas" panose="020B0609020204030204" pitchFamily="49" charset="0"/>
-              </a:rPr>
-              <a:t/>
-            </a:r>
-            <a:br>
-              <a:rPr lang="nl-NL" dirty="0">
-                <a:solidFill>
-                  <a:srgbClr val="D4D4D4"/>
-                </a:solidFill>
-                <a:latin typeface="Consolas" panose="020B0609020204030204" pitchFamily="49" charset="0"/>
-              </a:rPr>
-            </a:br>
-            <a:r>
-              <a:rPr lang="nl-NL" dirty="0" smtClean="0">
-                <a:solidFill>
-                  <a:srgbClr val="D4D4D4"/>
-                </a:solidFill>
-                <a:latin typeface="Consolas" panose="020B0609020204030204" pitchFamily="49" charset="0"/>
-              </a:rPr>
-              <a:t>	</a:t>
-            </a:r>
-            <a:r>
-              <a:rPr lang="nl-NL" dirty="0" err="1" smtClean="0">
-                <a:solidFill>
-                  <a:srgbClr val="569CD6"/>
-                </a:solidFill>
-                <a:latin typeface="Consolas" panose="020B0609020204030204" pitchFamily="49" charset="0"/>
-              </a:rPr>
-              <a:t>constructor</a:t>
-            </a:r>
-            <a:r>
-              <a:rPr lang="nl-NL" dirty="0">
-                <a:solidFill>
-                  <a:srgbClr val="D4D4D4"/>
-                </a:solidFill>
-                <a:latin typeface="Consolas" panose="020B0609020204030204" pitchFamily="49" charset="0"/>
-              </a:rPr>
-              <a:t>() { }</a:t>
-            </a:r>
-          </a:p>
-          <a:p>
-            <a:pPr marL="0" indent="0">
-              <a:buNone/>
-            </a:pPr>
-            <a:r>
-              <a:rPr lang="nl-NL" dirty="0">
-                <a:solidFill>
-                  <a:srgbClr val="D4D4D4"/>
-                </a:solidFill>
-                <a:latin typeface="Consolas" panose="020B0609020204030204" pitchFamily="49" charset="0"/>
-              </a:rPr>
-              <a:t/>
-            </a:r>
-            <a:br>
-              <a:rPr lang="nl-NL" dirty="0">
-                <a:solidFill>
-                  <a:srgbClr val="D4D4D4"/>
-                </a:solidFill>
-                <a:latin typeface="Consolas" panose="020B0609020204030204" pitchFamily="49" charset="0"/>
-              </a:rPr>
-            </a:br>
-            <a:r>
-              <a:rPr lang="nl-NL" dirty="0" smtClean="0">
-                <a:solidFill>
-                  <a:srgbClr val="D4D4D4"/>
-                </a:solidFill>
-                <a:latin typeface="Consolas" panose="020B0609020204030204" pitchFamily="49" charset="0"/>
-              </a:rPr>
-              <a:t>	</a:t>
-            </a:r>
-            <a:r>
-              <a:rPr lang="nl-NL" dirty="0" err="1" smtClean="0">
-                <a:solidFill>
-                  <a:srgbClr val="DCDCAA"/>
-                </a:solidFill>
-                <a:latin typeface="Consolas" panose="020B0609020204030204" pitchFamily="49" charset="0"/>
-              </a:rPr>
-              <a:t>ngOnInit</a:t>
-            </a:r>
-            <a:r>
-              <a:rPr lang="nl-NL" dirty="0">
-                <a:solidFill>
-                  <a:srgbClr val="D4D4D4"/>
-                </a:solidFill>
-                <a:latin typeface="Consolas" panose="020B0609020204030204" pitchFamily="49" charset="0"/>
-              </a:rPr>
-              <a:t>() {</a:t>
-            </a:r>
-          </a:p>
-          <a:p>
-            <a:pPr marL="0" indent="0">
-              <a:buNone/>
-            </a:pPr>
-            <a:r>
-              <a:rPr lang="nl-NL" dirty="0" smtClean="0">
-                <a:solidFill>
-                  <a:srgbClr val="569CD6"/>
-                </a:solidFill>
-                <a:latin typeface="Consolas" panose="020B0609020204030204" pitchFamily="49" charset="0"/>
-              </a:rPr>
-              <a:t>		</a:t>
-            </a:r>
-            <a:r>
-              <a:rPr lang="nl-NL" dirty="0" err="1" smtClean="0">
-                <a:solidFill>
-                  <a:srgbClr val="569CD6"/>
-                </a:solidFill>
-                <a:latin typeface="Consolas" panose="020B0609020204030204" pitchFamily="49" charset="0"/>
-              </a:rPr>
-              <a:t>this</a:t>
-            </a:r>
-            <a:r>
-              <a:rPr lang="nl-NL" dirty="0" err="1" smtClean="0">
-                <a:solidFill>
-                  <a:srgbClr val="D4D4D4"/>
-                </a:solidFill>
-                <a:latin typeface="Consolas" panose="020B0609020204030204" pitchFamily="49" charset="0"/>
-              </a:rPr>
-              <a:t>.</a:t>
-            </a:r>
-            <a:r>
-              <a:rPr lang="nl-NL" dirty="0" err="1" smtClean="0">
-                <a:solidFill>
-                  <a:srgbClr val="9CDCFE"/>
-                </a:solidFill>
-                <a:latin typeface="Consolas" panose="020B0609020204030204" pitchFamily="49" charset="0"/>
-              </a:rPr>
-              <a:t>toDo</a:t>
-            </a:r>
-            <a:r>
-              <a:rPr lang="nl-NL" dirty="0" smtClean="0">
-                <a:solidFill>
-                  <a:srgbClr val="D4D4D4"/>
-                </a:solidFill>
-                <a:latin typeface="Consolas" panose="020B0609020204030204" pitchFamily="49" charset="0"/>
-              </a:rPr>
-              <a:t> </a:t>
-            </a:r>
-            <a:r>
-              <a:rPr lang="nl-NL" dirty="0">
-                <a:solidFill>
-                  <a:srgbClr val="D4D4D4"/>
-                </a:solidFill>
-                <a:latin typeface="Consolas" panose="020B0609020204030204" pitchFamily="49" charset="0"/>
-              </a:rPr>
-              <a:t>= </a:t>
-            </a:r>
-            <a:r>
-              <a:rPr lang="nl-NL" dirty="0">
-                <a:solidFill>
-                  <a:srgbClr val="569CD6"/>
-                </a:solidFill>
-                <a:latin typeface="Consolas" panose="020B0609020204030204" pitchFamily="49" charset="0"/>
-              </a:rPr>
-              <a:t>new</a:t>
-            </a:r>
-            <a:r>
-              <a:rPr lang="nl-NL" dirty="0">
-                <a:solidFill>
-                  <a:srgbClr val="D4D4D4"/>
-                </a:solidFill>
-                <a:latin typeface="Consolas" panose="020B0609020204030204" pitchFamily="49" charset="0"/>
-              </a:rPr>
-              <a:t> </a:t>
-            </a:r>
-            <a:r>
-              <a:rPr lang="nl-NL" dirty="0" err="1" smtClean="0">
-                <a:solidFill>
-                  <a:srgbClr val="4EC9B0"/>
-                </a:solidFill>
-                <a:latin typeface="Consolas" panose="020B0609020204030204" pitchFamily="49" charset="0"/>
-              </a:rPr>
-              <a:t>Todo</a:t>
-            </a:r>
-            <a:r>
-              <a:rPr lang="nl-NL" dirty="0">
-                <a:solidFill>
-                  <a:srgbClr val="D4D4D4"/>
-                </a:solidFill>
-                <a:latin typeface="Consolas" panose="020B0609020204030204" pitchFamily="49" charset="0"/>
-              </a:rPr>
-              <a:t>(</a:t>
-            </a:r>
-            <a:r>
-              <a:rPr lang="nl-NL" dirty="0">
-                <a:solidFill>
-                  <a:srgbClr val="CE9178"/>
-                </a:solidFill>
-                <a:latin typeface="Consolas" panose="020B0609020204030204" pitchFamily="49" charset="0"/>
-              </a:rPr>
-              <a:t>'Boodschappen doen'</a:t>
-            </a:r>
-            <a:r>
-              <a:rPr lang="nl-NL" dirty="0">
-                <a:solidFill>
-                  <a:srgbClr val="D4D4D4"/>
-                </a:solidFill>
-                <a:latin typeface="Consolas" panose="020B0609020204030204" pitchFamily="49" charset="0"/>
-              </a:rPr>
-              <a:t>, </a:t>
-            </a:r>
-            <a:r>
-              <a:rPr lang="nl-NL" dirty="0" smtClean="0">
-                <a:solidFill>
-                  <a:srgbClr val="D4D4D4"/>
-                </a:solidFill>
-                <a:latin typeface="Consolas" panose="020B0609020204030204" pitchFamily="49" charset="0"/>
-              </a:rPr>
-              <a:t>						</a:t>
-            </a:r>
-            <a:r>
-              <a:rPr lang="nl-NL" dirty="0" err="1" smtClean="0">
-                <a:solidFill>
-                  <a:srgbClr val="569CD6"/>
-                </a:solidFill>
-                <a:latin typeface="Consolas" panose="020B0609020204030204" pitchFamily="49" charset="0"/>
-              </a:rPr>
-              <a:t>false</a:t>
-            </a:r>
-            <a:r>
-              <a:rPr lang="nl-NL" dirty="0" smtClean="0">
-                <a:solidFill>
-                  <a:srgbClr val="D4D4D4"/>
-                </a:solidFill>
-                <a:latin typeface="Consolas" panose="020B0609020204030204" pitchFamily="49" charset="0"/>
-              </a:rPr>
-              <a:t>, </a:t>
-            </a:r>
-            <a:r>
-              <a:rPr lang="nl-NL" dirty="0">
-                <a:solidFill>
-                  <a:srgbClr val="CE9178"/>
-                </a:solidFill>
-                <a:latin typeface="Consolas" panose="020B0609020204030204" pitchFamily="49" charset="0"/>
-              </a:rPr>
-              <a:t>'</a:t>
-            </a:r>
-            <a:r>
-              <a:rPr lang="nl-NL" dirty="0" smtClean="0">
-                <a:solidFill>
-                  <a:srgbClr val="CE9178"/>
-                </a:solidFill>
-                <a:latin typeface="Consolas" panose="020B0609020204030204" pitchFamily="49" charset="0"/>
-              </a:rPr>
-              <a:t>Ik moet eten hebben'</a:t>
-            </a:r>
-            <a:r>
-              <a:rPr lang="nl-NL" dirty="0" smtClean="0">
-                <a:solidFill>
-                  <a:srgbClr val="D4D4D4"/>
-                </a:solidFill>
-                <a:latin typeface="Consolas" panose="020B0609020204030204" pitchFamily="49" charset="0"/>
-              </a:rPr>
-              <a:t>)</a:t>
-            </a:r>
-            <a:endParaRPr lang="nl-NL" dirty="0">
-              <a:solidFill>
-                <a:srgbClr val="D4D4D4"/>
-              </a:solidFill>
-              <a:latin typeface="Consolas" panose="020B0609020204030204" pitchFamily="49" charset="0"/>
-            </a:endParaRPr>
-          </a:p>
-          <a:p>
-            <a:pPr marL="0" indent="0">
-              <a:buNone/>
-            </a:pPr>
-            <a:r>
-              <a:rPr lang="nl-NL" dirty="0" smtClean="0">
                 <a:solidFill>
                   <a:srgbClr val="D4D4D4"/>
                 </a:solidFill>
@@ -5531,13 +5377,6 @@
   <p:clrMapOvr>
     <a:masterClrMapping/>
   </p:clrMapOvr>
-  <p:timing>
-    <p:tnLst>
-      <p:par>
-        <p:cTn id="1" dur="indefinite" restart="never" nodeType="tmRoot"/>
-      </p:par>
-    </p:tnLst>
-  </p:timing>
 </p:sld>
 </file>
 
@@ -5574,18 +5413,17 @@
           <a:lstStyle/>
           <a:p>
             <a:r>
-              <a:rPr lang="nl-NL" dirty="0" smtClean="0"/>
+              <a:rPr lang="nl-NL" dirty="0"/>
               <a:t>First </a:t>
             </a:r>
             <a:r>
-              <a:rPr lang="nl-NL" dirty="0" err="1" smtClean="0"/>
+              <a:rPr lang="nl-NL" dirty="0" err="1"/>
               <a:t>some</a:t>
             </a:r>
             <a:r>
-              <a:rPr lang="nl-NL" dirty="0" smtClean="0"/>
+              <a:rPr lang="nl-NL" dirty="0"/>
               <a:t> styling!</a:t>
             </a:r>
-            <a:endParaRPr lang="nl-NL" dirty="0"/>
           </a:p>
         </p:txBody>
       </p:sp>
@@ -5921,13 +5759,6 @@
   <p:clrMapOvr>
     <a:masterClrMapping/>
   </p:clrMapOvr>
-  <p:timing>
-    <p:tnLst>
-      <p:par>
-        <p:cTn id="1" dur="indefinite" restart="never" nodeType="tmRoot"/>
-      </p:par>
-    </p:tnLst>
-  </p:timing>
 </p:sld>
 </file>
 
@@ -5964,26 +5795,25 @@
           <a:lstStyle/>
           <a:p>
             <a:r>
-              <a:rPr lang="nl-NL" dirty="0" smtClean="0"/>
+              <a:rPr lang="nl-NL" dirty="0"/>
               <a:t>Start </a:t>
             </a:r>
             <a:r>
-              <a:rPr lang="nl-NL" dirty="0" err="1" smtClean="0"/>
+              <a:rPr lang="nl-NL" dirty="0" err="1"/>
               <a:t>with</a:t>
             </a:r>
             <a:r>
-              <a:rPr lang="nl-NL" dirty="0" smtClean="0"/>
+              <a:rPr lang="nl-NL" dirty="0"/>
               <a:t> a </a:t>
             </a:r>
             <a:r>
-              <a:rPr lang="nl-NL" dirty="0" err="1" smtClean="0"/>
+              <a:rPr lang="nl-NL" dirty="0" err="1"/>
               <a:t>simple</a:t>
             </a:r>
             <a:r>
-              <a:rPr lang="nl-NL" dirty="0" smtClean="0"/>
+              <a:rPr lang="nl-NL" dirty="0"/>
               <a:t> form!</a:t>
             </a:r>
-            <a:endParaRPr lang="nl-NL" dirty="0"/>
           </a:p>
         </p:txBody>
       </p:sp>
@@ -6094,7 +5924,7 @@
               <a:buNone/>
             </a:pPr>
             <a:r>
-              <a:rPr lang="nl-NL" dirty="0" smtClean="0">
+              <a:rPr lang="nl-NL" dirty="0">
                 <a:solidFill>
                   <a:srgbClr val="808080"/>
                 </a:solidFill>
@@ -6186,7 +6016,7 @@
               <a:buNone/>
             </a:pPr>
             <a:r>
-              <a:rPr lang="nl-NL" dirty="0" smtClean="0">
+              <a:rPr lang="nl-NL" dirty="0">
                 <a:solidFill>
                   <a:srgbClr val="808080"/>
                 </a:solidFill>
@@ -6224,7 +6054,7 @@
               <a:buNone/>
             </a:pPr>
             <a:r>
-              <a:rPr lang="nl-NL" dirty="0" smtClean="0">
+              <a:rPr lang="nl-NL" dirty="0">
                 <a:solidFill>
                   <a:srgbClr val="808080"/>
                 </a:solidFill>
@@ -6316,7 +6146,7 @@
               <a:buNone/>
             </a:pPr>
             <a:r>
-              <a:rPr lang="nl-NL" dirty="0" smtClean="0">
+              <a:rPr lang="nl-NL" dirty="0">
                 <a:solidFill>
                   <a:srgbClr val="808080"/>
                 </a:solidFill>
@@ -6444,7 +6274,7 @@
               <a:buNone/>
             </a:pPr>
             <a:r>
-              <a:rPr lang="nl-NL" dirty="0" smtClean="0">
+              <a:rPr lang="nl-NL" dirty="0">
                 <a:solidFill>
                   <a:srgbClr val="808080"/>
                 </a:solidFill>
@@ -6558,19 +6388,10 @@
                 </a:solidFill>
                 <a:latin typeface="Consolas" panose="020B0609020204030204" pitchFamily="49" charset="0"/>
               </a:rPr>
-              <a:t> </a:t>
-            </a:r>
-            <a:r>
-              <a:rPr lang="nl-NL" dirty="0" smtClean="0">
-                <a:solidFill>
-                  <a:srgbClr val="D4D4D4"/>
-                </a:solidFill>
-                <a:latin typeface="Consolas" panose="020B0609020204030204" pitchFamily="49" charset="0"/>
-              </a:rPr>
-              <a:t>							</a:t>
-            </a:r>
-            <a:r>
-              <a:rPr lang="nl-NL" dirty="0" err="1" smtClean="0">
+              <a:t> 							</a:t>
+            </a:r>
+            <a:r>
+              <a:rPr lang="nl-NL" dirty="0" err="1">
                 <a:solidFill>
                   <a:srgbClr val="9CDCFE"/>
                 </a:solidFill>
@@ -6653,7 +6474,7 @@
               <a:buNone/>
             </a:pPr>
             <a:r>
-              <a:rPr lang="nl-NL" dirty="0" smtClean="0">
+              <a:rPr lang="nl-NL" dirty="0">
                 <a:solidFill>
                   <a:srgbClr val="808080"/>
                 </a:solidFill>
@@ -6690,15 +6511,6 @@
             <a:pPr marL="0" indent="0">
               <a:buNone/>
             </a:pPr>
-            <a:r>
-              <a:rPr lang="nl-NL" dirty="0">
-                <a:solidFill>
-                  <a:srgbClr val="D4D4D4"/>
-                </a:solidFill>
-                <a:latin typeface="Consolas" panose="020B0609020204030204" pitchFamily="49" charset="0"/>
-              </a:rPr>
-              <a:t/>
-            </a:r>
             <a:br>
               <a:rPr lang="nl-NL" dirty="0">
                 <a:solidFill>
@@ -6708,7 +6520,7 @@
               </a:rPr>
             </a:br>
             <a:r>
-              <a:rPr lang="nl-NL" dirty="0" smtClean="0">
+              <a:rPr lang="nl-NL" dirty="0">
                 <a:solidFill>
                   <a:srgbClr val="D4D4D4"/>
                 </a:solidFill>
@@ -6717,7 +6529,7 @@
               <a:t>		</a:t>
             </a:r>
             <a:r>
-              <a:rPr lang="nl-NL" dirty="0" smtClean="0">
+              <a:rPr lang="nl-NL" dirty="0">
                 <a:solidFill>
                   <a:srgbClr val="808080"/>
                 </a:solidFill>
@@ -6852,7 +6664,7 @@
               <a:t>btn-success</a:t>
             </a:r>
             <a:r>
-              <a:rPr lang="nl-NL" dirty="0" smtClean="0">
+              <a:rPr lang="nl-NL" dirty="0">
                 <a:solidFill>
                   <a:srgbClr val="CE9178"/>
                 </a:solidFill>
@@ -6861,7 +6673,7 @@
               <a:t>"</a:t>
             </a:r>
             <a:r>
-              <a:rPr lang="nl-NL" dirty="0" smtClean="0">
+              <a:rPr lang="nl-NL" dirty="0">
                 <a:solidFill>
                   <a:srgbClr val="808080"/>
                 </a:solidFill>
@@ -6881,81 +6693,16 @@
                 </a:solidFill>
                 <a:latin typeface="Consolas" panose="020B0609020204030204" pitchFamily="49" charset="0"/>
               </a:rPr>
-              <a:t>	</a:t>
-            </a:r>
-            <a:r>
-              <a:rPr lang="nl-NL" dirty="0" smtClean="0">
-                <a:solidFill>
-                  <a:srgbClr val="808080"/>
-                </a:solidFill>
-                <a:latin typeface="Consolas" panose="020B0609020204030204" pitchFamily="49" charset="0"/>
-              </a:rPr>
-              <a:t>		</a:t>
-            </a:r>
-            <a:r>
-              <a:rPr lang="nl-NL" dirty="0" err="1" smtClean="0">
+              <a:t>			</a:t>
+            </a:r>
+            <a:r>
+              <a:rPr lang="nl-NL" dirty="0" err="1">
                 <a:solidFill>
                   <a:srgbClr val="D4D4D4"/>
                 </a:solidFill>
                 <a:latin typeface="Consolas" panose="020B0609020204030204" pitchFamily="49" charset="0"/>
               </a:rPr>
               <a:t>Submit</a:t>
-            </a:r>
-            <a:endParaRPr lang="nl-NL" dirty="0" smtClean="0">
-              <a:solidFill>
-                <a:srgbClr val="D4D4D4"/>
-              </a:solidFill>
-              <a:latin typeface="Consolas" panose="020B0609020204030204" pitchFamily="49" charset="0"/>
-            </a:endParaRPr>
-          </a:p>
-          <a:p>
-            <a:pPr marL="0" indent="0">
-              <a:buNone/>
-            </a:pPr>
-            <a:r>
-              <a:rPr lang="nl-NL" dirty="0">
-                <a:solidFill>
-                  <a:srgbClr val="D4D4D4"/>
-                </a:solidFill>
-                <a:latin typeface="Consolas" panose="020B0609020204030204" pitchFamily="49" charset="0"/>
-              </a:rPr>
-              <a:t>	</a:t>
-            </a:r>
-            <a:r>
-              <a:rPr lang="nl-NL" dirty="0" smtClean="0">
-                <a:solidFill>
-                  <a:srgbClr val="D4D4D4"/>
-                </a:solidFill>
-                <a:latin typeface="Consolas" panose="020B0609020204030204" pitchFamily="49" charset="0"/>
-              </a:rPr>
-              <a:t>	</a:t>
-            </a:r>
-            <a:r>
-              <a:rPr lang="nl-NL" dirty="0" smtClean="0">
-                <a:solidFill>
-                  <a:srgbClr val="808080"/>
-                </a:solidFill>
-                <a:latin typeface="Consolas" panose="020B0609020204030204" pitchFamily="49" charset="0"/>
-              </a:rPr>
-              <a:t>&lt;/</a:t>
-            </a:r>
-            <a:r>
-              <a:rPr lang="nl-NL" dirty="0">
-                <a:solidFill>
-                  <a:srgbClr val="569CD6"/>
-                </a:solidFill>
-                <a:latin typeface="Consolas" panose="020B0609020204030204" pitchFamily="49" charset="0"/>
-              </a:rPr>
-              <a:t>button</a:t>
-            </a:r>
-            <a:r>
-              <a:rPr lang="nl-NL" dirty="0">
-                <a:solidFill>
-                  <a:srgbClr val="808080"/>
-                </a:solidFill>
-                <a:latin typeface="Consolas" panose="020B0609020204030204" pitchFamily="49" charset="0"/>
-              </a:rPr>
-              <a:t>&gt;</a:t>
             </a:r>
             <a:endParaRPr lang="nl-NL" dirty="0">
               <a:solidFill>
@@ -6969,7 +6716,54 @@
               <a:buNone/>
             </a:pPr>
             <a:r>
-              <a:rPr lang="nl-NL" dirty="0" smtClean="0">
+              <a:rPr lang="nl-NL" dirty="0">
+                <a:solidFill>
+                  <a:srgbClr val="D4D4D4"/>
+                </a:solidFill>
+                <a:latin typeface="Consolas" panose="020B0609020204030204" pitchFamily="49" charset="0"/>
+              </a:rPr>
+              <a:t>		</a:t>
+            </a:r>
+            <a:r>
+              <a:rPr lang="nl-NL" dirty="0">
+                <a:solidFill>
+                  <a:srgbClr val="808080"/>
+                </a:solidFill>
+                <a:latin typeface="Consolas" panose="020B0609020204030204" pitchFamily="49" charset="0"/>
+              </a:rPr>
+              <a:t>&lt;/</a:t>
+            </a:r>
+            <a:r>
+              <a:rPr lang="nl-NL" dirty="0">
+                <a:solidFill>
+                  <a:srgbClr val="569CD6"/>
+                </a:solidFill>
+                <a:latin typeface="Consolas" panose="020B0609020204030204" pitchFamily="49" charset="0"/>
+              </a:rPr>
+              <a:t>button</a:t>
+            </a:r>
+            <a:r>
+              <a:rPr lang="nl-NL" dirty="0">
+                <a:solidFill>
+                  <a:srgbClr val="808080"/>
+                </a:solidFill>
+                <a:latin typeface="Consolas" panose="020B0609020204030204" pitchFamily="49" charset="0"/>
+              </a:rPr>
+              <a:t>&gt;</a:t>
+            </a:r>
+            <a:endParaRPr lang="nl-NL" dirty="0">
+              <a:solidFill>
+                <a:srgbClr val="D4D4D4"/>
+              </a:solidFill>
+              <a:latin typeface="Consolas" panose="020B0609020204030204" pitchFamily="49" charset="0"/>
+            </a:endParaRPr>
+          </a:p>
+          <a:p>
+            <a:pPr marL="0" indent="0">
+              <a:buNone/>
+            </a:pPr>
+            <a:r>
+              <a:rPr lang="nl-NL" dirty="0">
                 <a:solidFill>
                   <a:srgbClr val="808080"/>
                 </a:solidFill>
@@ -7058,13 +6852,6 @@
   <p:clrMapOvr>
     <a:masterClrMapping/>
   </p:clrMapOvr>
-  <p:timing>
-    <p:tnLst>
-      <p:par>
-        <p:cTn id="1" dur="indefinite" restart="never" nodeType="tmRoot"/>
-      </p:par>
-    </p:tnLst>
-  </p:timing>
 </p:sld>
 </file>
 
@@ -7101,38 +6888,37 @@
           <a:lstStyle/>
           <a:p>
             <a:r>
-              <a:rPr lang="nl-NL" dirty="0" err="1" smtClean="0"/>
+              <a:rPr lang="nl-NL" dirty="0" err="1"/>
               <a:t>Add</a:t>
             </a:r>
             <a:r>
-              <a:rPr lang="nl-NL" dirty="0" smtClean="0"/>
+              <a:rPr lang="nl-NL" dirty="0"/>
               <a:t> </a:t>
             </a:r>
             <a:r>
-              <a:rPr lang="nl-NL" dirty="0" err="1" smtClean="0"/>
+              <a:rPr lang="nl-NL" dirty="0" err="1"/>
               <a:t>something</a:t>
             </a:r>
             <a:r>
-              <a:rPr lang="nl-NL" dirty="0" smtClean="0"/>
+              <a:rPr lang="nl-NL" dirty="0"/>
               <a:t> </a:t>
             </a:r>
             <a:r>
-              <a:rPr lang="nl-NL" dirty="0" err="1" smtClean="0"/>
+              <a:rPr lang="nl-NL" dirty="0" err="1"/>
               <a:t>to</a:t>
             </a:r>
             <a:r>
-              <a:rPr lang="nl-NL" dirty="0" smtClean="0"/>
+              <a:rPr lang="nl-NL" dirty="0"/>
               <a:t> </a:t>
             </a:r>
             <a:r>
-              <a:rPr lang="nl-NL" dirty="0" err="1" smtClean="0"/>
+              <a:rPr lang="nl-NL" dirty="0" err="1"/>
               <a:t>the</a:t>
             </a:r>
             <a:r>
-              <a:rPr lang="nl-NL" dirty="0" smtClean="0"/>
+              <a:rPr lang="nl-NL" dirty="0"/>
               <a:t> form</a:t>
             </a:r>
-            <a:endParaRPr lang="nl-NL" dirty="0"/>
           </a:p>
         </p:txBody>
       </p:sp>
@@ -7175,7 +6961,7 @@
               <a:buNone/>
             </a:pPr>
             <a:r>
-              <a:rPr lang="nl-NL" dirty="0" smtClean="0">
+              <a:rPr lang="nl-NL" dirty="0">
                 <a:solidFill>
                   <a:srgbClr val="808080"/>
                 </a:solidFill>
@@ -7267,7 +7053,7 @@
               <a:buNone/>
             </a:pPr>
             <a:r>
-              <a:rPr lang="nl-NL" dirty="0" smtClean="0">
+              <a:rPr lang="nl-NL" dirty="0">
                 <a:solidFill>
                   <a:srgbClr val="808080"/>
                 </a:solidFill>
@@ -7395,7 +7181,7 @@
               <a:buNone/>
             </a:pPr>
             <a:r>
-              <a:rPr lang="nl-NL" dirty="0" smtClean="0">
+              <a:rPr lang="nl-NL" dirty="0">
                 <a:solidFill>
                   <a:srgbClr val="808080"/>
                 </a:solidFill>
@@ -7404,7 +7190,7 @@
               <a:t>	&lt;</a:t>
             </a:r>
             <a:r>
-              <a:rPr lang="nl-NL" dirty="0" smtClean="0">
+              <a:rPr lang="nl-NL" dirty="0">
                 <a:solidFill>
                   <a:srgbClr val="569CD6"/>
                 </a:solidFill>
@@ -7413,7 +7199,7 @@
               <a:t>input</a:t>
             </a:r>
             <a:r>
-              <a:rPr lang="nl-NL" dirty="0" smtClean="0">
+              <a:rPr lang="nl-NL" dirty="0">
                 <a:solidFill>
                   <a:srgbClr val="D4D4D4"/>
                 </a:solidFill>
@@ -7422,7 +7208,7 @@
               <a:t> </a:t>
             </a:r>
             <a:r>
-              <a:rPr lang="nl-NL" dirty="0" smtClean="0">
+              <a:rPr lang="nl-NL" dirty="0">
                 <a:solidFill>
                   <a:srgbClr val="9CDCFE"/>
                 </a:solidFill>
@@ -7431,7 +7217,7 @@
               <a:t>type</a:t>
             </a:r>
             <a:r>
-              <a:rPr lang="nl-NL" dirty="0" smtClean="0">
+              <a:rPr lang="nl-NL" dirty="0">
                 <a:solidFill>
                   <a:srgbClr val="D4D4D4"/>
                 </a:solidFill>
@@ -7440,34 +7226,88 @@
               <a:t>=</a:t>
             </a:r>
             <a:r>
-              <a:rPr lang="nl-NL" dirty="0" smtClean="0">
+              <a:rPr lang="nl-NL" dirty="0">
                 <a:solidFill>
                   <a:srgbClr val="CE9178"/>
                 </a:solidFill>
                 <a:latin typeface="Consolas" panose="020B0609020204030204" pitchFamily="49" charset="0"/>
               </a:rPr>
-              <a:t>"</a:t>
-            </a:r>
-            <a:r>
-              <a:rPr lang="nl-NL" dirty="0" err="1" smtClean="0">
+              <a:t>"text"</a:t>
+            </a:r>
+            <a:r>
+              <a:rPr lang="nl-NL" dirty="0">
+                <a:solidFill>
+                  <a:srgbClr val="D4D4D4"/>
+                </a:solidFill>
+                <a:latin typeface="Consolas" panose="020B0609020204030204" pitchFamily="49" charset="0"/>
+              </a:rPr>
+              <a:t> </a:t>
+            </a:r>
+            <a:r>
+              <a:rPr lang="nl-NL" dirty="0">
+                <a:solidFill>
+                  <a:srgbClr val="9CDCFE"/>
+                </a:solidFill>
+                <a:latin typeface="Consolas" panose="020B0609020204030204" pitchFamily="49" charset="0"/>
+              </a:rPr>
+              <a:t>class</a:t>
+            </a:r>
+            <a:r>
+              <a:rPr lang="nl-NL" dirty="0">
+                <a:solidFill>
+                  <a:srgbClr val="D4D4D4"/>
+                </a:solidFill>
+                <a:latin typeface="Consolas" panose="020B0609020204030204" pitchFamily="49" charset="0"/>
+              </a:rPr>
+              <a:t>=</a:t>
+            </a:r>
+            <a:r>
+              <a:rPr lang="nl-NL" dirty="0">
                 <a:solidFill>
                   <a:srgbClr val="CE9178"/>
                 </a:solidFill>
                 <a:latin typeface="Consolas" panose="020B0609020204030204" pitchFamily="49" charset="0"/>
               </a:rPr>
-              <a:t>text</a:t>
-            </a:r>
-            <a:r>
-              <a:rPr lang="nl-NL" dirty="0" smtClean="0">
+              <a:t>"form-control"</a:t>
+            </a:r>
+            <a:r>
+              <a:rPr lang="nl-NL" dirty="0">
+                <a:solidFill>
+                  <a:srgbClr val="D4D4D4"/>
+                </a:solidFill>
+                <a:latin typeface="Consolas" panose="020B0609020204030204" pitchFamily="49" charset="0"/>
+              </a:rPr>
+              <a:t> 					</a:t>
+            </a:r>
+            <a:r>
+              <a:rPr lang="nl-NL" dirty="0">
+                <a:solidFill>
+                  <a:srgbClr val="9CDCFE"/>
+                </a:solidFill>
+                <a:latin typeface="Consolas" panose="020B0609020204030204" pitchFamily="49" charset="0"/>
+              </a:rPr>
+              <a:t>id</a:t>
+            </a:r>
+            <a:r>
+              <a:rPr lang="nl-NL" dirty="0">
+                <a:solidFill>
+                  <a:srgbClr val="D4D4D4"/>
+                </a:solidFill>
+                <a:latin typeface="Consolas" panose="020B0609020204030204" pitchFamily="49" charset="0"/>
+              </a:rPr>
+              <a:t>=</a:t>
+            </a:r>
+            <a:r>
+              <a:rPr lang="nl-NL" dirty="0">
                 <a:solidFill>
                   <a:srgbClr val="CE9178"/>
                 </a:solidFill>
                 <a:latin typeface="Consolas" panose="020B0609020204030204" pitchFamily="49" charset="0"/>
               </a:rPr>
-              <a:t>"</a:t>
-            </a:r>
-            <a:r>
-              <a:rPr lang="nl-NL" dirty="0" smtClean="0">
+              <a:t>"title"</a:t>
+            </a:r>
+            <a:r>
+              <a:rPr lang="nl-NL" dirty="0">
                 <a:solidFill>
                   <a:srgbClr val="D4D4D4"/>
                 </a:solidFill>
@@ -7476,178 +7316,25 @@
               <a:t> </a:t>
             </a:r>
             <a:r>
-              <a:rPr lang="nl-NL" dirty="0" smtClean="0">
+              <a:rPr lang="nl-NL" dirty="0">
                 <a:solidFill>
                   <a:srgbClr val="9CDCFE"/>
                 </a:solidFill>
                 <a:latin typeface="Consolas" panose="020B0609020204030204" pitchFamily="49" charset="0"/>
               </a:rPr>
-              <a:t>class</a:t>
-            </a:r>
-            <a:r>
-              <a:rPr lang="nl-NL" dirty="0" smtClean="0">
-                <a:solidFill>
-                  <a:srgbClr val="D4D4D4"/>
-                </a:solidFill>
-                <a:latin typeface="Consolas" panose="020B0609020204030204" pitchFamily="49" charset="0"/>
-              </a:rPr>
-              <a:t>=</a:t>
-            </a:r>
-            <a:r>
-              <a:rPr lang="nl-NL" dirty="0" smtClean="0">
-                <a:solidFill>
-                  <a:srgbClr val="CE9178"/>
-                </a:solidFill>
-                <a:latin typeface="Consolas" panose="020B0609020204030204" pitchFamily="49" charset="0"/>
-              </a:rPr>
-              <a:t>"form-control"</a:t>
-            </a:r>
-            <a:r>
-              <a:rPr lang="nl-NL" dirty="0" smtClean="0">
-                <a:solidFill>
-                  <a:srgbClr val="D4D4D4"/>
-                </a:solidFill>
-                <a:latin typeface="Consolas" panose="020B0609020204030204" pitchFamily="49" charset="0"/>
-              </a:rPr>
-              <a:t> 					</a:t>
-            </a:r>
-            <a:r>
-              <a:rPr lang="nl-NL" dirty="0" err="1" smtClean="0">
-                <a:solidFill>
-                  <a:srgbClr val="9CDCFE"/>
-                </a:solidFill>
-                <a:latin typeface="Consolas" panose="020B0609020204030204" pitchFamily="49" charset="0"/>
-              </a:rPr>
-              <a:t>id</a:t>
-            </a:r>
-            <a:r>
-              <a:rPr lang="nl-NL" dirty="0" smtClean="0">
-                <a:solidFill>
-                  <a:srgbClr val="D4D4D4"/>
-                </a:solidFill>
-                <a:latin typeface="Consolas" panose="020B0609020204030204" pitchFamily="49" charset="0"/>
-              </a:rPr>
-              <a:t>=</a:t>
-            </a:r>
-            <a:r>
-              <a:rPr lang="nl-NL" dirty="0" smtClean="0">
-                <a:solidFill>
-                  <a:srgbClr val="CE9178"/>
-                </a:solidFill>
-                <a:latin typeface="Consolas" panose="020B0609020204030204" pitchFamily="49" charset="0"/>
-              </a:rPr>
-              <a:t>"</a:t>
-            </a:r>
-            <a:r>
-              <a:rPr lang="nl-NL" dirty="0" err="1" smtClean="0">
-                <a:solidFill>
-                  <a:srgbClr val="CE9178"/>
-                </a:solidFill>
-                <a:latin typeface="Consolas" panose="020B0609020204030204" pitchFamily="49" charset="0"/>
-              </a:rPr>
-              <a:t>title</a:t>
-            </a:r>
-            <a:r>
-              <a:rPr lang="nl-NL" dirty="0" smtClean="0">
-                <a:solidFill>
-                  <a:srgbClr val="CE9178"/>
-                </a:solidFill>
-                <a:latin typeface="Consolas" panose="020B0609020204030204" pitchFamily="49" charset="0"/>
-              </a:rPr>
-              <a:t>"</a:t>
-            </a:r>
-            <a:r>
-              <a:rPr lang="nl-NL" dirty="0" smtClean="0">
-                <a:solidFill>
-                  <a:srgbClr val="D4D4D4"/>
-                </a:solidFill>
-                <a:latin typeface="Consolas" panose="020B0609020204030204" pitchFamily="49" charset="0"/>
-              </a:rPr>
-              <a:t> </a:t>
-            </a:r>
-            <a:r>
-              <a:rPr lang="nl-NL" dirty="0" err="1" smtClean="0">
-                <a:solidFill>
-                  <a:srgbClr val="9CDCFE"/>
-                </a:solidFill>
-                <a:latin typeface="Consolas" panose="020B0609020204030204" pitchFamily="49" charset="0"/>
-              </a:rPr>
-              <a:t>required</a:t>
-            </a:r>
-            <a:r>
-              <a:rPr lang="nl-NL" dirty="0" smtClean="0">
-                <a:solidFill>
-                  <a:srgbClr val="9CDCFE"/>
-                </a:solidFill>
-                <a:latin typeface="Consolas" panose="020B0609020204030204" pitchFamily="49" charset="0"/>
-              </a:rPr>
-              <a:t> 							</a:t>
-            </a:r>
-            <a:r>
-              <a:rPr lang="nl-NL" b="1" dirty="0" smtClean="0">
+              <a:t>required 							</a:t>
+            </a:r>
+            <a:r>
+              <a:rPr lang="nl-NL" b="1" dirty="0">
                 <a:solidFill>
                   <a:schemeClr val="accent6"/>
                 </a:solidFill>
                 <a:latin typeface="Consolas" panose="020B0609020204030204" pitchFamily="49" charset="0"/>
               </a:rPr>
-              <a:t>[(</a:t>
-            </a:r>
-            <a:r>
-              <a:rPr lang="nl-NL" b="1" dirty="0" err="1">
-                <a:solidFill>
-                  <a:schemeClr val="accent6"/>
-                </a:solidFill>
-                <a:latin typeface="Consolas" panose="020B0609020204030204" pitchFamily="49" charset="0"/>
-              </a:rPr>
-              <a:t>ngModel</a:t>
-            </a:r>
-            <a:r>
-              <a:rPr lang="nl-NL" b="1" dirty="0">
-                <a:solidFill>
-                  <a:schemeClr val="accent6"/>
-                </a:solidFill>
-                <a:latin typeface="Consolas" panose="020B0609020204030204" pitchFamily="49" charset="0"/>
-              </a:rPr>
-              <a:t>)]="</a:t>
-            </a:r>
-            <a:r>
-              <a:rPr lang="nl-NL" b="1" dirty="0" err="1">
-                <a:solidFill>
-                  <a:schemeClr val="accent6"/>
-                </a:solidFill>
-                <a:latin typeface="Consolas" panose="020B0609020204030204" pitchFamily="49" charset="0"/>
-              </a:rPr>
-              <a:t>toDo.title</a:t>
-            </a:r>
-            <a:r>
-              <a:rPr lang="nl-NL" b="1" dirty="0">
-                <a:solidFill>
-                  <a:schemeClr val="accent6"/>
-                </a:solidFill>
-                <a:latin typeface="Consolas" panose="020B0609020204030204" pitchFamily="49" charset="0"/>
-              </a:rPr>
-              <a:t>" name="</a:t>
-            </a:r>
-            <a:r>
-              <a:rPr lang="nl-NL" b="1" dirty="0" err="1">
-                <a:solidFill>
-                  <a:schemeClr val="accent6"/>
-                </a:solidFill>
-                <a:latin typeface="Consolas" panose="020B0609020204030204" pitchFamily="49" charset="0"/>
-              </a:rPr>
-              <a:t>title</a:t>
-            </a:r>
-            <a:r>
-              <a:rPr lang="nl-NL" b="1" dirty="0" smtClean="0">
-                <a:solidFill>
-                  <a:schemeClr val="accent6"/>
-                </a:solidFill>
-                <a:latin typeface="Consolas" panose="020B0609020204030204" pitchFamily="49" charset="0"/>
-              </a:rPr>
-              <a:t>"</a:t>
-            </a:r>
-            <a:r>
-              <a:rPr lang="nl-NL" dirty="0" smtClean="0">
+              <a:t>[(ngModel)]="todo.title" name="title"</a:t>
+            </a:r>
+            <a:r>
+              <a:rPr lang="nl-NL" dirty="0">
                 <a:solidFill>
                   <a:srgbClr val="808080"/>
                 </a:solidFill>
@@ -7655,7 +7342,7 @@
               </a:rPr>
               <a:t>&gt;</a:t>
             </a:r>
-            <a:endParaRPr lang="nl-NL" dirty="0" smtClean="0">
+            <a:endParaRPr lang="nl-NL" dirty="0">
               <a:solidFill>
                 <a:srgbClr val="D4D4D4"/>
               </a:solidFill>
@@ -7667,7 +7354,7 @@
               <a:buNone/>
             </a:pPr>
             <a:r>
-              <a:rPr lang="nl-NL" dirty="0" smtClean="0">
+              <a:rPr lang="nl-NL" dirty="0">
                 <a:solidFill>
                   <a:srgbClr val="808080"/>
                 </a:solidFill>
@@ -7685,7 +7372,7 @@
               <a:t>div</a:t>
             </a:r>
             <a:r>
-              <a:rPr lang="nl-NL" dirty="0" smtClean="0">
+              <a:rPr lang="nl-NL" dirty="0">
                 <a:solidFill>
                   <a:srgbClr val="808080"/>
                 </a:solidFill>
@@ -7705,25 +7392,7 @@
                 </a:solidFill>
                 <a:latin typeface="Consolas" panose="020B0609020204030204" pitchFamily="49" charset="0"/>
               </a:rPr>
-              <a:t>{{</a:t>
-            </a:r>
-            <a:r>
-              <a:rPr lang="nl-NL" b="1" dirty="0" err="1">
-                <a:solidFill>
-                  <a:schemeClr val="accent6"/>
-                </a:solidFill>
-                <a:latin typeface="Consolas" panose="020B0609020204030204" pitchFamily="49" charset="0"/>
-              </a:rPr>
-              <a:t>toDo.title</a:t>
-            </a:r>
-            <a:r>
-              <a:rPr lang="nl-NL" b="1" dirty="0">
-                <a:solidFill>
-                  <a:schemeClr val="accent6"/>
-                </a:solidFill>
-                <a:latin typeface="Consolas" panose="020B0609020204030204" pitchFamily="49" charset="0"/>
-              </a:rPr>
-              <a:t>}}</a:t>
+              <a:t>{{todo.title}}</a:t>
             </a:r>
           </a:p>
           <a:p>
@@ -7749,13 +7418,6 @@
   <p:clrMapOvr>
     <a:masterClrMapping/>
   </p:clrMapOvr>
-  <p:timing>
-    <p:tnLst>
-      <p:par>
-        <p:cTn id="1" dur="indefinite" restart="never" nodeType="tmRoot"/>
-      </p:par>
-    </p:tnLst>
-  </p:timing>
 </p:sld>
 </file>
 
@@ -7792,11 +7454,11 @@
           <a:lstStyle/>
           <a:p>
             <a:r>
-              <a:rPr lang="nl-NL" dirty="0" smtClean="0"/>
+              <a:rPr lang="nl-NL" dirty="0"/>
               <a:t>*TODO Uitleggen </a:t>
             </a:r>
             <a:r>
-              <a:rPr lang="nl-NL" dirty="0" err="1" smtClean="0"/>
+              <a:rPr lang="nl-NL" dirty="0" err="1"/>
               <a:t>formsmodule</a:t>
             </a:r>
             <a:endParaRPr lang="nl-NL" dirty="0"/>
@@ -7915,22 +7577,21 @@
           <a:lstStyle/>
           <a:p>
             <a:r>
-              <a:rPr lang="nl-NL" dirty="0" err="1" smtClean="0"/>
+              <a:rPr lang="nl-NL" dirty="0" err="1"/>
               <a:t>Create</a:t>
             </a:r>
             <a:r>
-              <a:rPr lang="nl-NL" dirty="0" smtClean="0"/>
+              <a:rPr lang="nl-NL" dirty="0"/>
               <a:t> a </a:t>
             </a:r>
             <a:r>
-              <a:rPr lang="nl-NL" dirty="0" err="1" smtClean="0"/>
+              <a:rPr lang="nl-NL" dirty="0" err="1"/>
               <a:t>description</a:t>
             </a:r>
             <a:r>
-              <a:rPr lang="nl-NL" dirty="0" smtClean="0"/>
+              <a:rPr lang="nl-NL" dirty="0"/>
               <a:t> area *TODO: Opdracht</a:t>
             </a:r>
-            <a:endParaRPr lang="nl-NL" dirty="0"/>
           </a:p>
         </p:txBody>
       </p:sp>
@@ -7979,13 +7640,6 @@
   <p:clrMapOvr>
     <a:masterClrMapping/>
   </p:clrMapOvr>
-  <p:timing>
-    <p:tnLst>
-      <p:par>
-        <p:cTn id="1" dur="indefinite" restart="never" nodeType="tmRoot"/>
-      </p:par>
-    </p:tnLst>
-  </p:timing>
 </p:sld>
 </file>
 
@@ -8022,7 +7676,7 @@
           <a:lstStyle/>
           <a:p>
             <a:r>
-              <a:rPr lang="en-US" dirty="0" smtClean="0"/>
+              <a:rPr lang="en-US" dirty="0"/>
               <a:t>Solution</a:t>
             </a:r>
             <a:endParaRPr lang="nl-NL" dirty="0"/>
@@ -8152,7 +7806,7 @@
               <a:buNone/>
             </a:pPr>
             <a:r>
-              <a:rPr lang="nl-NL" dirty="0" smtClean="0">
+              <a:rPr lang="nl-NL" dirty="0">
                 <a:solidFill>
                   <a:srgbClr val="808080"/>
                 </a:solidFill>
@@ -8280,7 +7934,7 @@
               <a:buNone/>
             </a:pPr>
             <a:r>
-              <a:rPr lang="nl-NL" dirty="0" smtClean="0">
+              <a:rPr lang="nl-NL" dirty="0">
                 <a:solidFill>
                   <a:srgbClr val="808080"/>
                 </a:solidFill>
@@ -8289,7 +7943,7 @@
               <a:t>&lt;</a:t>
             </a:r>
             <a:r>
-              <a:rPr lang="nl-NL" dirty="0" err="1">
+              <a:rPr lang="nl-NL" dirty="0">
                 <a:solidFill>
                   <a:srgbClr val="569CD6"/>
                 </a:solidFill>
@@ -8343,7 +7997,7 @@
               <a:t> </a:t>
             </a:r>
             <a:r>
-              <a:rPr lang="nl-NL" dirty="0" err="1">
+              <a:rPr lang="nl-NL" dirty="0">
                 <a:solidFill>
                   <a:srgbClr val="9CDCFE"/>
                 </a:solidFill>
@@ -8367,16 +8021,88 @@
                 </a:solidFill>
                 <a:latin typeface="Consolas" panose="020B0609020204030204" pitchFamily="49" charset="0"/>
               </a:rPr>
-              <a:t>"</a:t>
-            </a:r>
-            <a:r>
-              <a:rPr lang="nl-NL" dirty="0" err="1">
+              <a:t>"description"</a:t>
+            </a:r>
+            <a:r>
+              <a:rPr lang="nl-NL" dirty="0">
+                <a:solidFill>
+                  <a:srgbClr val="D4D4D4"/>
+                </a:solidFill>
+                <a:latin typeface="Consolas" panose="020B0609020204030204" pitchFamily="49" charset="0"/>
+              </a:rPr>
+              <a:t> </a:t>
+            </a:r>
+            <a:r>
+              <a:rPr lang="nl-NL" dirty="0">
+                <a:solidFill>
+                  <a:srgbClr val="9CDCFE"/>
+                </a:solidFill>
+                <a:latin typeface="Consolas" panose="020B0609020204030204" pitchFamily="49" charset="0"/>
+              </a:rPr>
+              <a:t>required</a:t>
+            </a:r>
+            <a:r>
+              <a:rPr lang="nl-NL" dirty="0">
+                <a:solidFill>
+                  <a:srgbClr val="D4D4D4"/>
+                </a:solidFill>
+                <a:latin typeface="Consolas" panose="020B0609020204030204" pitchFamily="49" charset="0"/>
+              </a:rPr>
+              <a:t> 			[(</a:t>
+            </a:r>
+            <a:r>
+              <a:rPr lang="nl-NL" dirty="0">
+                <a:solidFill>
+                  <a:srgbClr val="9CDCFE"/>
+                </a:solidFill>
+                <a:latin typeface="Consolas" panose="020B0609020204030204" pitchFamily="49" charset="0"/>
+              </a:rPr>
+              <a:t>ngModel</a:t>
+            </a:r>
+            <a:r>
+              <a:rPr lang="nl-NL" dirty="0">
+                <a:solidFill>
+                  <a:srgbClr val="D4D4D4"/>
+                </a:solidFill>
+                <a:latin typeface="Consolas" panose="020B0609020204030204" pitchFamily="49" charset="0"/>
+              </a:rPr>
+              <a:t>)]=</a:t>
+            </a:r>
+            <a:r>
+              <a:rPr lang="nl-NL" dirty="0">
                 <a:solidFill>
                   <a:srgbClr val="CE9178"/>
                 </a:solidFill>
                 <a:latin typeface="Consolas" panose="020B0609020204030204" pitchFamily="49" charset="0"/>
               </a:rPr>
-              <a:t>description</a:t>
+              <a:t>"todo.description"</a:t>
+            </a:r>
+            <a:r>
+              <a:rPr lang="nl-NL" dirty="0">
+                <a:solidFill>
+                  <a:srgbClr val="D4D4D4"/>
+                </a:solidFill>
+                <a:latin typeface="Consolas" panose="020B0609020204030204" pitchFamily="49" charset="0"/>
+              </a:rPr>
+              <a:t> 						</a:t>
+            </a:r>
+            <a:r>
+              <a:rPr lang="nl-NL" dirty="0">
+                <a:solidFill>
+                  <a:srgbClr val="9CDCFE"/>
+                </a:solidFill>
+                <a:latin typeface="Consolas" panose="020B0609020204030204" pitchFamily="49" charset="0"/>
+              </a:rPr>
+              <a:t>name</a:t>
+            </a:r>
+            <a:r>
+              <a:rPr lang="nl-NL" dirty="0">
+                <a:solidFill>
+                  <a:srgbClr val="D4D4D4"/>
+                </a:solidFill>
+                <a:latin typeface="Consolas" panose="020B0609020204030204" pitchFamily="49" charset="0"/>
+              </a:rPr>
+              <a:t>=</a:t>
             </a:r>
             <a:r>
               <a:rPr lang="nl-NL" dirty="0">
@@ -8385,151 +8111,7 @@
                 </a:solidFill>
                 <a:latin typeface="Consolas" panose="020B0609020204030204" pitchFamily="49" charset="0"/>
               </a:rPr>
-              <a:t>"</a:t>
-            </a:r>
-            <a:r>
-              <a:rPr lang="nl-NL" dirty="0">
-                <a:solidFill>
-                  <a:srgbClr val="D4D4D4"/>
-                </a:solidFill>
-                <a:latin typeface="Consolas" panose="020B0609020204030204" pitchFamily="49" charset="0"/>
-              </a:rPr>
-              <a:t> </a:t>
-            </a:r>
-            <a:r>
-              <a:rPr lang="nl-NL" dirty="0" err="1">
-                <a:solidFill>
-                  <a:srgbClr val="9CDCFE"/>
-                </a:solidFill>
-                <a:latin typeface="Consolas" panose="020B0609020204030204" pitchFamily="49" charset="0"/>
-              </a:rPr>
-              <a:t>required</a:t>
-            </a:r>
-            <a:r>
-              <a:rPr lang="nl-NL" dirty="0">
-                <a:solidFill>
-                  <a:srgbClr val="D4D4D4"/>
-                </a:solidFill>
-                <a:latin typeface="Consolas" panose="020B0609020204030204" pitchFamily="49" charset="0"/>
-              </a:rPr>
-              <a:t> </a:t>
-            </a:r>
-            <a:r>
-              <a:rPr lang="nl-NL" dirty="0" smtClean="0">
-                <a:solidFill>
-                  <a:srgbClr val="D4D4D4"/>
-                </a:solidFill>
-                <a:latin typeface="Consolas" panose="020B0609020204030204" pitchFamily="49" charset="0"/>
-              </a:rPr>
-              <a:t>			[(</a:t>
-            </a:r>
-            <a:r>
-              <a:rPr lang="nl-NL" dirty="0" err="1">
-                <a:solidFill>
-                  <a:srgbClr val="9CDCFE"/>
-                </a:solidFill>
-                <a:latin typeface="Consolas" panose="020B0609020204030204" pitchFamily="49" charset="0"/>
-              </a:rPr>
-              <a:t>ngModel</a:t>
-            </a:r>
-            <a:r>
-              <a:rPr lang="nl-NL" dirty="0">
-                <a:solidFill>
-                  <a:srgbClr val="D4D4D4"/>
-                </a:solidFill>
-                <a:latin typeface="Consolas" panose="020B0609020204030204" pitchFamily="49" charset="0"/>
-              </a:rPr>
-              <a:t>)]=</a:t>
-            </a:r>
-            <a:r>
-              <a:rPr lang="nl-NL" dirty="0">
-                <a:solidFill>
-                  <a:srgbClr val="CE9178"/>
-                </a:solidFill>
-                <a:latin typeface="Consolas" panose="020B0609020204030204" pitchFamily="49" charset="0"/>
-              </a:rPr>
-              <a:t>"</a:t>
-            </a:r>
-            <a:r>
-              <a:rPr lang="nl-NL" dirty="0" err="1">
-                <a:solidFill>
-                  <a:srgbClr val="CE9178"/>
-                </a:solidFill>
-                <a:latin typeface="Consolas" panose="020B0609020204030204" pitchFamily="49" charset="0"/>
-              </a:rPr>
-              <a:t>toDo.description</a:t>
-            </a:r>
-            <a:r>
-              <a:rPr lang="nl-NL" dirty="0">
-                <a:solidFill>
-                  <a:srgbClr val="CE9178"/>
-                </a:solidFill>
-                <a:latin typeface="Consolas" panose="020B0609020204030204" pitchFamily="49" charset="0"/>
-              </a:rPr>
-              <a:t>"</a:t>
-            </a:r>
-            <a:r>
-              <a:rPr lang="nl-NL" dirty="0">
-                <a:solidFill>
-                  <a:srgbClr val="D4D4D4"/>
-                </a:solidFill>
-                <a:latin typeface="Consolas" panose="020B0609020204030204" pitchFamily="49" charset="0"/>
-              </a:rPr>
-              <a:t> </a:t>
-            </a:r>
-            <a:r>
-              <a:rPr lang="nl-NL" dirty="0" smtClean="0">
-                <a:solidFill>
-                  <a:srgbClr val="D4D4D4"/>
-                </a:solidFill>
-                <a:latin typeface="Consolas" panose="020B0609020204030204" pitchFamily="49" charset="0"/>
-              </a:rPr>
-              <a:t>						</a:t>
-            </a:r>
-            <a:r>
-              <a:rPr lang="nl-NL" dirty="0" smtClean="0">
-                <a:solidFill>
-                  <a:srgbClr val="9CDCFE"/>
-                </a:solidFill>
-                <a:latin typeface="Consolas" panose="020B0609020204030204" pitchFamily="49" charset="0"/>
-              </a:rPr>
-              <a:t>name</a:t>
-            </a:r>
-            <a:r>
-              <a:rPr lang="nl-NL" dirty="0">
-                <a:solidFill>
-                  <a:srgbClr val="D4D4D4"/>
-                </a:solidFill>
-                <a:latin typeface="Consolas" panose="020B0609020204030204" pitchFamily="49" charset="0"/>
-              </a:rPr>
-              <a:t>=</a:t>
-            </a:r>
-            <a:r>
-              <a:rPr lang="nl-NL" dirty="0">
-                <a:solidFill>
-                  <a:srgbClr val="CE9178"/>
-                </a:solidFill>
-                <a:latin typeface="Consolas" panose="020B0609020204030204" pitchFamily="49" charset="0"/>
-              </a:rPr>
-              <a:t>"</a:t>
-            </a:r>
-            <a:r>
-              <a:rPr lang="nl-NL" dirty="0" err="1">
-                <a:solidFill>
-                  <a:srgbClr val="CE9178"/>
-                </a:solidFill>
-                <a:latin typeface="Consolas" panose="020B0609020204030204" pitchFamily="49" charset="0"/>
-              </a:rPr>
-              <a:t>description</a:t>
-            </a:r>
-            <a:r>
-              <a:rPr lang="nl-NL" dirty="0">
-                <a:solidFill>
-                  <a:srgbClr val="CE9178"/>
-                </a:solidFill>
-                <a:latin typeface="Consolas" panose="020B0609020204030204" pitchFamily="49" charset="0"/>
-              </a:rPr>
-              <a:t>"</a:t>
+              <a:t>"description"</a:t>
             </a:r>
             <a:r>
               <a:rPr lang="nl-NL" dirty="0">
@@ -8541,7 +8123,7 @@
               <a:t>&gt;&lt;/</a:t>
             </a:r>
             <a:r>
-              <a:rPr lang="nl-NL" dirty="0" err="1">
+              <a:rPr lang="nl-NL" dirty="0">
                 <a:solidFill>
                   <a:srgbClr val="569CD6"/>
                 </a:solidFill>
@@ -8621,13 +8203,6 @@
   <p:clrMapOvr>
     <a:masterClrMapping/>
   </p:clrMapOvr>
-  <p:timing>
-    <p:tnLst>
-      <p:par>
-        <p:cTn id="1" dur="indefinite" restart="never" nodeType="tmRoot"/>
-      </p:par>
-    </p:tnLst>
-  </p:timing>
 </p:sld>
 </file>
 
@@ -8653,7 +8228,7 @@
           <p:cNvPr id="2" name="Title 1">
             <a:extLst>
               <a:ext uri="{FF2B5EF4-FFF2-40B4-BE49-F238E27FC236}">
-                <a16:creationId xmlns:a16="http://schemas.microsoft.com/office/drawing/2014/main" xmlns="" id="{EB263DBC-81D9-48B1-8364-CA0161012A4A}"/>
+                <a16:creationId xmlns:a16="http://schemas.microsoft.com/office/drawing/2014/main" id="{EB263DBC-81D9-48B1-8364-CA0161012A4A}"/>
               </a:ext>
             </a:extLst>
           </p:cNvPr>
@@ -8670,7 +8245,7 @@
           <a:lstStyle/>
           <a:p>
             <a:r>
-              <a:rPr lang="en-US" dirty="0" smtClean="0"/>
+              <a:rPr lang="en-US" dirty="0"/>
               <a:t>Angular 2? 4? 5!</a:t>
             </a:r>
             <a:endParaRPr lang="x-none" dirty="0"/>
@@ -8696,18 +8271,17 @@
               <a:buNone/>
             </a:pPr>
             <a:r>
-              <a:rPr lang="nl-NL" dirty="0" smtClean="0"/>
+              <a:rPr lang="nl-NL" dirty="0"/>
               <a:t>*TODO: </a:t>
             </a:r>
             <a:r>
-              <a:rPr lang="nl-NL" dirty="0" err="1" smtClean="0"/>
+              <a:rPr lang="nl-NL" dirty="0" err="1"/>
               <a:t>Angular</a:t>
             </a:r>
             <a:r>
-              <a:rPr lang="nl-NL" dirty="0" smtClean="0"/>
+              <a:rPr lang="nl-NL" dirty="0"/>
               <a:t> uitleg</a:t>
             </a:r>
-            <a:endParaRPr lang="nl-NL" dirty="0"/>
           </a:p>
         </p:txBody>
       </p:sp>
@@ -8758,13 +8332,8 @@
           <a:p>
             <a:r>
               <a:rPr lang="nl-NL" dirty="0"/>
-              <a:t>c</a:t>
-            </a:r>
-            <a:r>
-              <a:rPr lang="nl-NL" dirty="0" smtClean="0"/>
-              <a:t>reate-todo.component.html</a:t>
-            </a:r>
-            <a:endParaRPr lang="nl-NL" dirty="0"/>
+              <a:t>create-todo.component.html</a:t>
+            </a:r>
           </a:p>
         </p:txBody>
       </p:sp>
@@ -8834,37 +8403,19 @@
                 </a:solidFill>
                 <a:latin typeface="Consolas" panose="020B0609020204030204" pitchFamily="49" charset="0"/>
               </a:rPr>
-              <a:t> </a:t>
-            </a:r>
-            <a:r>
-              <a:rPr lang="nl-NL" dirty="0" smtClean="0">
+              <a:t>  #f="</a:t>
+            </a:r>
+            <a:r>
+              <a:rPr lang="nl-NL" dirty="0" err="1">
                 <a:solidFill>
                   <a:schemeClr val="accent6"/>
                 </a:solidFill>
                 <a:latin typeface="Consolas" panose="020B0609020204030204" pitchFamily="49" charset="0"/>
               </a:rPr>
-              <a:t> </a:t>
-            </a:r>
-            <a:r>
-              <a:rPr lang="nl-NL" dirty="0">
-                <a:solidFill>
-                  <a:schemeClr val="accent6"/>
-                </a:solidFill>
-                <a:latin typeface="Consolas" panose="020B0609020204030204" pitchFamily="49" charset="0"/>
-              </a:rPr>
-              <a:t>#f="</a:t>
-            </a:r>
-            <a:r>
-              <a:rPr lang="nl-NL" dirty="0" err="1" smtClean="0">
-                <a:solidFill>
-                  <a:schemeClr val="accent6"/>
-                </a:solidFill>
-                <a:latin typeface="Consolas" panose="020B0609020204030204" pitchFamily="49" charset="0"/>
-              </a:rPr>
               <a:t>ngForm</a:t>
             </a:r>
             <a:r>
-              <a:rPr lang="nl-NL" dirty="0" smtClean="0">
+              <a:rPr lang="nl-NL" dirty="0">
                 <a:solidFill>
                   <a:schemeClr val="accent6"/>
                 </a:solidFill>
@@ -8928,7 +8479,7 @@
             <a:pPr marL="0" indent="0">
               <a:buNone/>
             </a:pPr>
-            <a:endParaRPr lang="en-US" dirty="0" smtClean="0">
+            <a:endParaRPr lang="en-US" dirty="0">
               <a:solidFill>
                 <a:srgbClr val="808080"/>
               </a:solidFill>
@@ -8939,7 +8490,7 @@
             <a:pPr marL="0" indent="0">
               <a:buNone/>
             </a:pPr>
-            <a:endParaRPr lang="nl-NL" dirty="0" smtClean="0">
+            <a:endParaRPr lang="nl-NL" dirty="0">
               <a:solidFill>
                 <a:srgbClr val="D4D4D4"/>
               </a:solidFill>
@@ -8964,13 +8515,6 @@
   <p:clrMapOvr>
     <a:masterClrMapping/>
   </p:clrMapOvr>
-  <p:timing>
-    <p:tnLst>
-      <p:par>
-        <p:cTn id="1" dur="indefinite" restart="never" nodeType="tmRoot"/>
-      </p:par>
-    </p:tnLst>
-  </p:timing>
 </p:sld>
 </file>
 
@@ -9007,7 +8551,7 @@
           <a:lstStyle/>
           <a:p>
             <a:r>
-              <a:rPr lang="nl-NL" dirty="0" err="1" smtClean="0"/>
+              <a:rPr lang="nl-NL" dirty="0" err="1"/>
               <a:t>create-todo.component.ts</a:t>
             </a:r>
             <a:endParaRPr lang="nl-NL" dirty="0"/>
@@ -9262,7 +8806,7 @@
               <a:t>(</a:t>
             </a:r>
             <a:r>
-              <a:rPr lang="nl-NL" dirty="0" err="1">
+              <a:rPr lang="nl-NL" dirty="0">
                 <a:solidFill>
                   <a:srgbClr val="569CD6"/>
                 </a:solidFill>
@@ -9271,7 +8815,7 @@
               <a:t>this</a:t>
             </a:r>
             <a:r>
-              <a:rPr lang="nl-NL" dirty="0" err="1">
+              <a:rPr lang="nl-NL" dirty="0">
                 <a:solidFill>
                   <a:srgbClr val="D4D4D4"/>
                 </a:solidFill>
@@ -9280,13 +8824,13 @@
               <a:t>.</a:t>
             </a:r>
             <a:r>
-              <a:rPr lang="nl-NL" dirty="0" err="1">
+              <a:rPr lang="nl-NL" dirty="0">
                 <a:solidFill>
                   <a:srgbClr val="9CDCFE"/>
                 </a:solidFill>
                 <a:latin typeface="Consolas" panose="020B0609020204030204" pitchFamily="49" charset="0"/>
               </a:rPr>
-              <a:t>toDo</a:t>
+              <a:t>todo</a:t>
             </a:r>
             <a:r>
               <a:rPr lang="nl-NL" dirty="0">
@@ -9385,10 +8929,9 @@
           <a:lstStyle/>
           <a:p>
             <a:r>
-              <a:rPr lang="nl-NL" dirty="0" smtClean="0"/>
+              <a:rPr lang="nl-NL" dirty="0"/>
               <a:t>Backend opstarten en postman tonen</a:t>
             </a:r>
-            <a:endParaRPr lang="nl-NL" dirty="0"/>
           </a:p>
         </p:txBody>
       </p:sp>
@@ -9438,10 +8981,9 @@
           <a:lstStyle/>
           <a:p>
             <a:r>
-              <a:rPr lang="nl-NL" dirty="0" smtClean="0"/>
-              <a:t>Service Time!</a:t>
-            </a:r>
-            <a:endParaRPr lang="nl-NL" dirty="0"/>
+              <a:rPr lang="nl-NL" dirty="0"/>
+              <a:t>cmd</a:t>
+            </a:r>
           </a:p>
         </p:txBody>
       </p:sp>
@@ -9480,15 +9022,15 @@
               <a:buNone/>
             </a:pPr>
             <a:r>
-              <a:rPr lang="nl-NL" dirty="0" smtClean="0"/>
+              <a:rPr lang="nl-NL" dirty="0"/>
               <a:t>&gt; </a:t>
             </a:r>
             <a:r>
-              <a:rPr lang="nl-NL" dirty="0" err="1" smtClean="0"/>
+              <a:rPr lang="nl-NL" dirty="0" err="1"/>
               <a:t>ng</a:t>
             </a:r>
             <a:r>
-              <a:rPr lang="nl-NL" dirty="0" smtClean="0"/>
+              <a:rPr lang="nl-NL" dirty="0"/>
               <a:t> g module services</a:t>
             </a:r>
           </a:p>
@@ -9497,19 +9039,19 @@
               <a:buNone/>
             </a:pPr>
             <a:r>
-              <a:rPr lang="nl-NL" dirty="0" smtClean="0"/>
+              <a:rPr lang="nl-NL" dirty="0"/>
               <a:t>&gt; </a:t>
             </a:r>
             <a:r>
-              <a:rPr lang="nl-NL" dirty="0" err="1" smtClean="0"/>
+              <a:rPr lang="nl-NL" dirty="0" err="1"/>
               <a:t>ng</a:t>
             </a:r>
             <a:r>
-              <a:rPr lang="nl-NL" dirty="0" smtClean="0"/>
+              <a:rPr lang="nl-NL" dirty="0"/>
               <a:t> g service /services/</a:t>
             </a:r>
             <a:r>
-              <a:rPr lang="nl-NL" dirty="0" err="1" smtClean="0"/>
+              <a:rPr lang="nl-NL" dirty="0" err="1"/>
               <a:t>todo</a:t>
             </a:r>
             <a:endParaRPr lang="nl-NL" dirty="0"/>
@@ -9563,11 +9105,7 @@
           <a:p>
             <a:r>
               <a:rPr lang="nl-NL" dirty="0" err="1"/>
-              <a:t>s</a:t>
-            </a:r>
-            <a:r>
-              <a:rPr lang="nl-NL" dirty="0" err="1" smtClean="0"/>
-              <a:t>ervices.module.ts</a:t>
+              <a:t>services.module.ts</a:t>
             </a:r>
             <a:endParaRPr lang="nl-NL" dirty="0"/>
           </a:p>
@@ -9811,7 +9349,7 @@
           <a:lstStyle/>
           <a:p>
             <a:r>
-              <a:rPr lang="nl-NL" dirty="0" err="1" smtClean="0"/>
+              <a:rPr lang="nl-NL" dirty="0" err="1"/>
               <a:t>app.module.ts</a:t>
             </a:r>
             <a:endParaRPr lang="nl-NL" dirty="0"/>
@@ -10034,11 +9572,7 @@
           <a:p>
             <a:r>
               <a:rPr lang="nl-NL" dirty="0" err="1"/>
-              <a:t>t</a:t>
-            </a:r>
-            <a:r>
-              <a:rPr lang="nl-NL" dirty="0" err="1" smtClean="0"/>
-              <a:t>odo.service.ts</a:t>
+              <a:t>todo.service.ts</a:t>
             </a:r>
             <a:endParaRPr lang="nl-NL" dirty="0"/>
           </a:p>
@@ -10075,7 +9609,7 @@
               <a:buNone/>
             </a:pPr>
             <a:r>
-              <a:rPr lang="nl-NL" dirty="0" smtClean="0">
+              <a:rPr lang="nl-NL" dirty="0">
                 <a:solidFill>
                   <a:srgbClr val="569CD6"/>
                 </a:solidFill>
@@ -10084,7 +9618,7 @@
               <a:t>public</a:t>
             </a:r>
             <a:r>
-              <a:rPr lang="nl-NL" dirty="0" smtClean="0">
+              <a:rPr lang="nl-NL" dirty="0">
                 <a:solidFill>
                   <a:srgbClr val="D4D4D4"/>
                 </a:solidFill>
@@ -10129,7 +9663,7 @@
               <a:t>: </a:t>
             </a:r>
             <a:r>
-              <a:rPr lang="nl-NL" dirty="0" err="1" smtClean="0">
+              <a:rPr lang="nl-NL" dirty="0" err="1">
                 <a:solidFill>
                   <a:srgbClr val="4EC9B0"/>
                 </a:solidFill>
@@ -10170,7 +9704,7 @@
               <a:buNone/>
             </a:pPr>
             <a:r>
-              <a:rPr lang="nl-NL" dirty="0" smtClean="0">
+              <a:rPr lang="nl-NL" dirty="0">
                 <a:solidFill>
                   <a:srgbClr val="608B4E"/>
                 </a:solidFill>
@@ -10238,7 +9772,7 @@
               <a:buNone/>
             </a:pPr>
             <a:r>
-              <a:rPr lang="nl-NL" dirty="0" smtClean="0">
+              <a:rPr lang="nl-NL" dirty="0">
                 <a:solidFill>
                   <a:srgbClr val="D4D4D4"/>
                 </a:solidFill>
@@ -10246,12 +9780,6 @@
               </a:rPr>
               <a:t>}</a:t>
             </a:r>
-            <a:endParaRPr lang="nl-NL" dirty="0">
-              <a:solidFill>
-                <a:srgbClr val="D4D4D4"/>
-              </a:solidFill>
-              <a:latin typeface="Consolas" panose="020B0609020204030204" pitchFamily="49" charset="0"/>
-            </a:endParaRPr>
           </a:p>
           <a:p>
             <a:pPr marL="0" indent="0">
@@ -10308,11 +9836,7 @@
           <a:p>
             <a:r>
               <a:rPr lang="nl-NL" dirty="0" err="1"/>
-              <a:t>c</a:t>
-            </a:r>
-            <a:r>
-              <a:rPr lang="nl-NL" dirty="0" err="1" smtClean="0"/>
-              <a:t>reate-todo.component.ts</a:t>
+              <a:t>create-todo.component.ts</a:t>
             </a:r>
             <a:endParaRPr lang="nl-NL" dirty="0"/>
           </a:p>
@@ -10426,16 +9950,7 @@
                 </a:solidFill>
                 <a:latin typeface="Consolas" panose="020B0609020204030204" pitchFamily="49" charset="0"/>
               </a:rPr>
-              <a:t>) { </a:t>
-            </a:r>
-            <a:r>
-              <a:rPr lang="nl-NL" dirty="0" smtClean="0">
-                <a:solidFill>
-                  <a:srgbClr val="D4D4D4"/>
-                </a:solidFill>
-                <a:latin typeface="Consolas" panose="020B0609020204030204" pitchFamily="49" charset="0"/>
-              </a:rPr>
-              <a:t>}</a:t>
+              <a:t>) { }</a:t>
             </a:r>
           </a:p>
           <a:p>
@@ -10556,19 +10071,10 @@
                 </a:solidFill>
                 <a:latin typeface="Consolas" panose="020B0609020204030204" pitchFamily="49" charset="0"/>
               </a:rPr>
-              <a:t>: </a:t>
-            </a:r>
-            <a:r>
-              <a:rPr lang="nl-NL" dirty="0" smtClean="0">
-                <a:solidFill>
-                  <a:srgbClr val="D4D4D4"/>
-                </a:solidFill>
-                <a:latin typeface="Consolas" panose="020B0609020204030204" pitchFamily="49" charset="0"/>
-              </a:rPr>
-              <a:t>							</a:t>
-            </a:r>
-            <a:r>
-              <a:rPr lang="nl-NL" dirty="0" err="1" smtClean="0">
+              <a:t>: 							</a:t>
+            </a:r>
+            <a:r>
+              <a:rPr lang="nl-NL" dirty="0" err="1">
                 <a:solidFill>
                   <a:srgbClr val="4EC9B0"/>
                 </a:solidFill>
@@ -10577,22 +10083,13 @@
               <a:t>boolean</a:t>
             </a:r>
             <a:r>
-              <a:rPr lang="nl-NL" dirty="0" smtClean="0">
-                <a:solidFill>
-                  <a:srgbClr val="D4D4D4"/>
-                </a:solidFill>
-                <a:latin typeface="Consolas" panose="020B0609020204030204" pitchFamily="49" charset="0"/>
-              </a:rPr>
-              <a:t> </a:t>
-            </a:r>
-            <a:r>
-              <a:rPr lang="nl-NL" dirty="0">
-                <a:solidFill>
-                  <a:srgbClr val="D4D4D4"/>
-                </a:solidFill>
-                <a:latin typeface="Consolas" panose="020B0609020204030204" pitchFamily="49" charset="0"/>
-              </a:rPr>
-              <a:t>}) {</a:t>
+              <a:rPr lang="nl-NL" dirty="0">
+                <a:solidFill>
+                  <a:srgbClr val="D4D4D4"/>
+                </a:solidFill>
+                <a:latin typeface="Consolas" panose="020B0609020204030204" pitchFamily="49" charset="0"/>
+              </a:rPr>
+              <a:t> }) {</a:t>
             </a:r>
           </a:p>
           <a:p>
@@ -10600,7 +10097,7 @@
               <a:buNone/>
             </a:pPr>
             <a:r>
-              <a:rPr lang="nl-NL" dirty="0" smtClean="0">
+              <a:rPr lang="nl-NL" dirty="0">
                 <a:solidFill>
                   <a:srgbClr val="C586C0"/>
                 </a:solidFill>
@@ -10609,7 +10106,7 @@
               <a:t>	</a:t>
             </a:r>
             <a:r>
-              <a:rPr lang="nl-NL" dirty="0" err="1" smtClean="0">
+              <a:rPr lang="nl-NL" dirty="0" err="1">
                 <a:solidFill>
                   <a:srgbClr val="C586C0"/>
                 </a:solidFill>
@@ -10618,16 +10115,98 @@
               <a:t>if</a:t>
             </a:r>
             <a:r>
-              <a:rPr lang="nl-NL" dirty="0" smtClean="0">
-                <a:solidFill>
-                  <a:srgbClr val="D4D4D4"/>
-                </a:solidFill>
-                <a:latin typeface="Consolas" panose="020B0609020204030204" pitchFamily="49" charset="0"/>
-              </a:rPr>
-              <a:t> </a:t>
-            </a:r>
-            <a:r>
-              <a:rPr lang="nl-NL" dirty="0">
+              <a:rPr lang="nl-NL" dirty="0">
+                <a:solidFill>
+                  <a:srgbClr val="D4D4D4"/>
+                </a:solidFill>
+                <a:latin typeface="Consolas" panose="020B0609020204030204" pitchFamily="49" charset="0"/>
+              </a:rPr>
+              <a:t> (</a:t>
+            </a:r>
+            <a:r>
+              <a:rPr lang="nl-NL" dirty="0" err="1">
+                <a:solidFill>
+                  <a:srgbClr val="9CDCFE"/>
+                </a:solidFill>
+                <a:latin typeface="Consolas" panose="020B0609020204030204" pitchFamily="49" charset="0"/>
+              </a:rPr>
+              <a:t>valid</a:t>
+            </a:r>
+            <a:r>
+              <a:rPr lang="nl-NL" dirty="0">
+                <a:solidFill>
+                  <a:srgbClr val="D4D4D4"/>
+                </a:solidFill>
+                <a:latin typeface="Consolas" panose="020B0609020204030204" pitchFamily="49" charset="0"/>
+              </a:rPr>
+              <a:t>)</a:t>
+            </a:r>
+          </a:p>
+          <a:p>
+            <a:pPr marL="457200" lvl="1" indent="0">
+              <a:buNone/>
+            </a:pPr>
+            <a:r>
+              <a:rPr lang="nl-NL" sz="2800" dirty="0">
+                <a:solidFill>
+                  <a:srgbClr val="D4D4D4"/>
+                </a:solidFill>
+                <a:latin typeface="Consolas" panose="020B0609020204030204" pitchFamily="49" charset="0"/>
+              </a:rPr>
+              <a:t>	{</a:t>
+            </a:r>
+          </a:p>
+          <a:p>
+            <a:pPr marL="457200" lvl="1" indent="0">
+              <a:buNone/>
+            </a:pPr>
+            <a:r>
+              <a:rPr lang="nl-NL" sz="2800" dirty="0">
+                <a:solidFill>
+                  <a:srgbClr val="569CD6"/>
+                </a:solidFill>
+                <a:latin typeface="Consolas" panose="020B0609020204030204" pitchFamily="49" charset="0"/>
+              </a:rPr>
+              <a:t>		this</a:t>
+            </a:r>
+            <a:r>
+              <a:rPr lang="nl-NL" sz="2800" dirty="0">
+                <a:solidFill>
+                  <a:srgbClr val="D4D4D4"/>
+                </a:solidFill>
+                <a:latin typeface="Consolas" panose="020B0609020204030204" pitchFamily="49" charset="0"/>
+              </a:rPr>
+              <a:t>.</a:t>
+            </a:r>
+            <a:r>
+              <a:rPr lang="nl-NL" sz="2800" dirty="0">
+                <a:solidFill>
+                  <a:srgbClr val="9CDCFE"/>
+                </a:solidFill>
+                <a:latin typeface="Consolas" panose="020B0609020204030204" pitchFamily="49" charset="0"/>
+              </a:rPr>
+              <a:t>todoService</a:t>
+            </a:r>
+            <a:r>
+              <a:rPr lang="nl-NL" sz="2800" dirty="0">
+                <a:solidFill>
+                  <a:srgbClr val="D4D4D4"/>
+                </a:solidFill>
+                <a:latin typeface="Consolas" panose="020B0609020204030204" pitchFamily="49" charset="0"/>
+              </a:rPr>
+              <a:t>.</a:t>
+            </a:r>
+            <a:r>
+              <a:rPr lang="nl-NL" sz="2800" dirty="0">
+                <a:solidFill>
+                  <a:srgbClr val="DCDCAA"/>
+                </a:solidFill>
+                <a:latin typeface="Consolas" panose="020B0609020204030204" pitchFamily="49" charset="0"/>
+              </a:rPr>
+              <a:t>createToDo</a:t>
+            </a:r>
+            <a:r>
+              <a:rPr lang="nl-NL" sz="2800" dirty="0">
                 <a:solidFill>
                   <a:srgbClr val="D4D4D4"/>
                 </a:solidFill>
@@ -10636,22 +10215,22 @@
               <a:t>(</a:t>
             </a:r>
             <a:r>
-              <a:rPr lang="nl-NL" dirty="0" err="1">
+              <a:rPr lang="nl-NL" sz="2800" dirty="0">
                 <a:solidFill>
                   <a:srgbClr val="9CDCFE"/>
                 </a:solidFill>
                 <a:latin typeface="Consolas" panose="020B0609020204030204" pitchFamily="49" charset="0"/>
               </a:rPr>
-              <a:t>valid</a:t>
-            </a:r>
-            <a:r>
-              <a:rPr lang="nl-NL" dirty="0" smtClean="0">
-                <a:solidFill>
-                  <a:srgbClr val="D4D4D4"/>
-                </a:solidFill>
-                <a:latin typeface="Consolas" panose="020B0609020204030204" pitchFamily="49" charset="0"/>
-              </a:rPr>
-              <a:t>)</a:t>
+              <a:t>this.todo</a:t>
+            </a:r>
+            <a:r>
+              <a:rPr lang="nl-NL" sz="2800" dirty="0">
+                <a:solidFill>
+                  <a:srgbClr val="D4D4D4"/>
+                </a:solidFill>
+                <a:latin typeface="Consolas" panose="020B0609020204030204" pitchFamily="49" charset="0"/>
+              </a:rPr>
+              <a:t>);</a:t>
             </a:r>
           </a:p>
           <a:p>
@@ -10659,113 +10238,7 @@
               <a:buNone/>
             </a:pPr>
             <a:r>
-              <a:rPr lang="nl-NL" sz="2800" dirty="0" smtClean="0">
-                <a:solidFill>
-                  <a:srgbClr val="D4D4D4"/>
-                </a:solidFill>
-                <a:latin typeface="Consolas" panose="020B0609020204030204" pitchFamily="49" charset="0"/>
-              </a:rPr>
-              <a:t>	{</a:t>
-            </a:r>
-            <a:endParaRPr lang="nl-NL" sz="2800" dirty="0">
-              <a:solidFill>
-                <a:srgbClr val="D4D4D4"/>
-              </a:solidFill>
-              <a:latin typeface="Consolas" panose="020B0609020204030204" pitchFamily="49" charset="0"/>
-            </a:endParaRPr>
-          </a:p>
-          <a:p>
-            <a:pPr marL="457200" lvl="1" indent="0">
-              <a:buNone/>
-            </a:pPr>
-            <a:r>
-              <a:rPr lang="nl-NL" sz="2800" dirty="0" smtClean="0">
-                <a:solidFill>
-                  <a:srgbClr val="569CD6"/>
-                </a:solidFill>
-                <a:latin typeface="Consolas" panose="020B0609020204030204" pitchFamily="49" charset="0"/>
-              </a:rPr>
-              <a:t>		</a:t>
-            </a:r>
-            <a:r>
-              <a:rPr lang="nl-NL" sz="2800" dirty="0" err="1" smtClean="0">
-                <a:solidFill>
-                  <a:srgbClr val="569CD6"/>
-                </a:solidFill>
-                <a:latin typeface="Consolas" panose="020B0609020204030204" pitchFamily="49" charset="0"/>
-              </a:rPr>
-              <a:t>this</a:t>
-            </a:r>
-            <a:r>
-              <a:rPr lang="nl-NL" sz="2800" dirty="0" err="1" smtClean="0">
-                <a:solidFill>
-                  <a:srgbClr val="D4D4D4"/>
-                </a:solidFill>
-                <a:latin typeface="Consolas" panose="020B0609020204030204" pitchFamily="49" charset="0"/>
-              </a:rPr>
-              <a:t>.</a:t>
-            </a:r>
-            <a:r>
-              <a:rPr lang="nl-NL" sz="2800" dirty="0" err="1" smtClean="0">
-                <a:solidFill>
-                  <a:srgbClr val="9CDCFE"/>
-                </a:solidFill>
-                <a:latin typeface="Consolas" panose="020B0609020204030204" pitchFamily="49" charset="0"/>
-              </a:rPr>
-              <a:t>todoService</a:t>
-            </a:r>
-            <a:r>
-              <a:rPr lang="nl-NL" sz="2800" dirty="0" err="1" smtClean="0">
-                <a:solidFill>
-                  <a:srgbClr val="D4D4D4"/>
-                </a:solidFill>
-                <a:latin typeface="Consolas" panose="020B0609020204030204" pitchFamily="49" charset="0"/>
-              </a:rPr>
-              <a:t>.</a:t>
-            </a:r>
-            <a:r>
-              <a:rPr lang="nl-NL" sz="2800" dirty="0" err="1" smtClean="0">
-                <a:solidFill>
-                  <a:srgbClr val="DCDCAA"/>
-                </a:solidFill>
-                <a:latin typeface="Consolas" panose="020B0609020204030204" pitchFamily="49" charset="0"/>
-              </a:rPr>
-              <a:t>createToDo</a:t>
-            </a:r>
-            <a:r>
-              <a:rPr lang="nl-NL" sz="2800" dirty="0" smtClean="0">
-                <a:solidFill>
-                  <a:srgbClr val="D4D4D4"/>
-                </a:solidFill>
-                <a:latin typeface="Consolas" panose="020B0609020204030204" pitchFamily="49" charset="0"/>
-              </a:rPr>
-              <a:t>(</a:t>
-            </a:r>
-            <a:r>
-              <a:rPr lang="nl-NL" sz="2800" dirty="0" err="1" smtClean="0">
-                <a:solidFill>
-                  <a:srgbClr val="9CDCFE"/>
-                </a:solidFill>
-                <a:latin typeface="Consolas" panose="020B0609020204030204" pitchFamily="49" charset="0"/>
-              </a:rPr>
-              <a:t>this.toDo</a:t>
-            </a:r>
-            <a:r>
-              <a:rPr lang="nl-NL" sz="2800" dirty="0" smtClean="0">
-                <a:solidFill>
-                  <a:srgbClr val="D4D4D4"/>
-                </a:solidFill>
-                <a:latin typeface="Consolas" panose="020B0609020204030204" pitchFamily="49" charset="0"/>
-              </a:rPr>
-              <a:t>);</a:t>
-            </a:r>
-          </a:p>
-          <a:p>
-            <a:pPr marL="457200" lvl="1" indent="0">
-              <a:buNone/>
-            </a:pPr>
-            <a:r>
-              <a:rPr lang="nl-NL" sz="2800" dirty="0" smtClean="0">
+              <a:rPr lang="nl-NL" sz="2800" dirty="0">
                 <a:solidFill>
                   <a:srgbClr val="D4D4D4"/>
                 </a:solidFill>
@@ -10773,12 +10246,6 @@
               </a:rPr>
               <a:t>	}</a:t>
             </a:r>
-            <a:endParaRPr lang="nl-NL" sz="2800" dirty="0">
-              <a:solidFill>
-                <a:srgbClr val="D4D4D4"/>
-              </a:solidFill>
-              <a:latin typeface="Consolas" panose="020B0609020204030204" pitchFamily="49" charset="0"/>
-            </a:endParaRPr>
           </a:p>
           <a:p>
             <a:pPr marL="0" indent="0">
@@ -10798,7 +10265,7 @@
             <a:pPr marL="0" indent="0">
               <a:buNone/>
             </a:pPr>
-            <a:endParaRPr lang="nl-NL" dirty="0" smtClean="0">
+            <a:endParaRPr lang="nl-NL" dirty="0">
               <a:solidFill>
                 <a:srgbClr val="D4D4D4"/>
               </a:solidFill>
@@ -10859,7 +10326,7 @@
           <a:lstStyle/>
           <a:p>
             <a:r>
-              <a:rPr lang="nl-NL" dirty="0" err="1" smtClean="0"/>
+              <a:rPr lang="nl-NL" dirty="0" err="1"/>
               <a:t>app.module.ts</a:t>
             </a:r>
             <a:endParaRPr lang="nl-NL" dirty="0"/>
@@ -10953,7 +10420,7 @@
               <a:t> </a:t>
             </a:r>
             <a:r>
-              <a:rPr lang="nl-NL" dirty="0" smtClean="0">
+              <a:rPr lang="nl-NL" dirty="0">
                 <a:solidFill>
                   <a:srgbClr val="CE9178"/>
                 </a:solidFill>
@@ -10993,7 +10460,7 @@
             <a:pPr marL="0" indent="0">
               <a:buNone/>
             </a:pPr>
-            <a:endParaRPr lang="nl-NL" dirty="0" smtClean="0">
+            <a:endParaRPr lang="nl-NL" dirty="0">
               <a:solidFill>
                 <a:srgbClr val="9CDCFE"/>
               </a:solidFill>
@@ -11005,7 +10472,7 @@
               <a:buNone/>
             </a:pPr>
             <a:r>
-              <a:rPr lang="nl-NL" dirty="0" err="1" smtClean="0">
+              <a:rPr lang="nl-NL" dirty="0" err="1">
                 <a:solidFill>
                   <a:srgbClr val="9CDCFE"/>
                 </a:solidFill>
@@ -11037,7 +10504,7 @@
               <a:buNone/>
             </a:pPr>
             <a:r>
-              <a:rPr lang="nl-NL" dirty="0" smtClean="0">
+              <a:rPr lang="nl-NL" dirty="0">
                 <a:solidFill>
                   <a:srgbClr val="9CDCFE"/>
                 </a:solidFill>
@@ -11046,7 +10513,7 @@
               <a:t>	</a:t>
             </a:r>
             <a:r>
-              <a:rPr lang="nl-NL" dirty="0" err="1" smtClean="0">
+              <a:rPr lang="nl-NL" dirty="0" err="1">
                 <a:solidFill>
                   <a:srgbClr val="9CDCFE"/>
                 </a:solidFill>
@@ -11069,7 +10536,7 @@
               <a:buNone/>
             </a:pPr>
             <a:r>
-              <a:rPr lang="nl-NL" dirty="0" smtClean="0">
+              <a:rPr lang="nl-NL" dirty="0">
                 <a:solidFill>
                   <a:srgbClr val="9CDCFE"/>
                 </a:solidFill>
@@ -11078,7 +10545,7 @@
               <a:t>	</a:t>
             </a:r>
             <a:r>
-              <a:rPr lang="nl-NL" dirty="0" err="1" smtClean="0">
+              <a:rPr lang="nl-NL" dirty="0" err="1">
                 <a:solidFill>
                   <a:srgbClr val="9CDCFE"/>
                 </a:solidFill>
@@ -11101,7 +10568,7 @@
               <a:buNone/>
             </a:pPr>
             <a:r>
-              <a:rPr lang="nl-NL" dirty="0" smtClean="0">
+              <a:rPr lang="nl-NL" dirty="0">
                 <a:solidFill>
                   <a:srgbClr val="9CDCFE"/>
                 </a:solidFill>
@@ -11110,7 +10577,7 @@
               <a:t>	</a:t>
             </a:r>
             <a:r>
-              <a:rPr lang="nl-NL" dirty="0" err="1" smtClean="0">
+              <a:rPr lang="nl-NL" dirty="0" err="1">
                 <a:solidFill>
                   <a:srgbClr val="9CDCFE"/>
                 </a:solidFill>
@@ -11133,7 +10600,7 @@
               <a:buNone/>
             </a:pPr>
             <a:r>
-              <a:rPr lang="nl-NL" dirty="0" smtClean="0">
+              <a:rPr lang="nl-NL" dirty="0">
                 <a:solidFill>
                   <a:srgbClr val="9CDCFE"/>
                 </a:solidFill>
@@ -11142,7 +10609,7 @@
               <a:t>	</a:t>
             </a:r>
             <a:r>
-              <a:rPr lang="nl-NL" dirty="0" err="1" smtClean="0">
+              <a:rPr lang="nl-NL" dirty="0" err="1">
                 <a:solidFill>
                   <a:srgbClr val="9CDCFE"/>
                 </a:solidFill>
@@ -11165,7 +10632,7 @@
               <a:buNone/>
             </a:pPr>
             <a:r>
-              <a:rPr lang="nl-NL" dirty="0" smtClean="0">
+              <a:rPr lang="nl-NL" dirty="0">
                 <a:solidFill>
                   <a:srgbClr val="9CDCFE"/>
                 </a:solidFill>
@@ -11174,7 +10641,7 @@
               <a:t>	</a:t>
             </a:r>
             <a:r>
-              <a:rPr lang="nl-NL" dirty="0" err="1" smtClean="0">
+              <a:rPr lang="nl-NL" dirty="0" err="1">
                 <a:solidFill>
                   <a:srgbClr val="9CDCFE"/>
                 </a:solidFill>
@@ -11257,7 +10724,7 @@
           <a:lstStyle/>
           <a:p>
             <a:r>
-              <a:rPr lang="nl-NL" dirty="0" err="1" smtClean="0"/>
+              <a:rPr lang="nl-NL" dirty="0" err="1"/>
               <a:t>todo.service.ts</a:t>
             </a:r>
             <a:endParaRPr lang="nl-NL" dirty="0"/>
@@ -11301,7 +10768,7 @@
               <a:buNone/>
             </a:pPr>
             <a:r>
-              <a:rPr lang="nl-NL" dirty="0" err="1">
+              <a:rPr lang="nl-NL" dirty="0">
                 <a:solidFill>
                   <a:srgbClr val="569CD6"/>
                 </a:solidFill>
@@ -11355,7 +10822,7 @@
               <a:t>: </a:t>
             </a:r>
             <a:r>
-              <a:rPr lang="nl-NL" dirty="0" err="1">
+              <a:rPr lang="nl-NL" dirty="0">
                 <a:solidFill>
                   <a:srgbClr val="4EC9B0"/>
                 </a:solidFill>
@@ -11372,6 +10839,286 @@
               </a:rPr>
               <a:t>) { }</a:t>
             </a:r>
+          </a:p>
+          <a:p>
+            <a:pPr marL="0" indent="0">
+              <a:buNone/>
+            </a:pPr>
+            <a:endParaRPr lang="nl-NL" dirty="0">
+              <a:solidFill>
+                <a:srgbClr val="D4D4D4"/>
+              </a:solidFill>
+              <a:latin typeface="Consolas" panose="020B0609020204030204" pitchFamily="49" charset="0"/>
+            </a:endParaRPr>
+          </a:p>
+          <a:p>
+            <a:pPr marL="0" indent="0">
+              <a:buNone/>
+            </a:pPr>
+            <a:r>
+              <a:rPr lang="es-ES" dirty="0" err="1">
+                <a:solidFill>
+                  <a:srgbClr val="569CD6"/>
+                </a:solidFill>
+                <a:latin typeface="Consolas" panose="020B0609020204030204" pitchFamily="49" charset="0"/>
+              </a:rPr>
+              <a:t>public</a:t>
+            </a:r>
+            <a:r>
+              <a:rPr lang="es-ES" dirty="0">
+                <a:solidFill>
+                  <a:srgbClr val="D4D4D4"/>
+                </a:solidFill>
+                <a:latin typeface="Consolas" panose="020B0609020204030204" pitchFamily="49" charset="0"/>
+              </a:rPr>
+              <a:t> </a:t>
+            </a:r>
+            <a:r>
+              <a:rPr lang="es-ES" dirty="0" err="1">
+                <a:solidFill>
+                  <a:srgbClr val="DCDCAA"/>
+                </a:solidFill>
+                <a:latin typeface="Consolas" panose="020B0609020204030204" pitchFamily="49" charset="0"/>
+              </a:rPr>
+              <a:t>createToDo</a:t>
+            </a:r>
+            <a:r>
+              <a:rPr lang="es-ES" dirty="0">
+                <a:solidFill>
+                  <a:srgbClr val="D4D4D4"/>
+                </a:solidFill>
+                <a:latin typeface="Consolas" panose="020B0609020204030204" pitchFamily="49" charset="0"/>
+              </a:rPr>
+              <a:t>(</a:t>
+            </a:r>
+            <a:r>
+              <a:rPr lang="es-ES" dirty="0">
+                <a:solidFill>
+                  <a:srgbClr val="9CDCFE"/>
+                </a:solidFill>
+                <a:latin typeface="Consolas" panose="020B0609020204030204" pitchFamily="49" charset="0"/>
+              </a:rPr>
+              <a:t>todo</a:t>
+            </a:r>
+            <a:r>
+              <a:rPr lang="es-ES" dirty="0">
+                <a:solidFill>
+                  <a:srgbClr val="D4D4D4"/>
+                </a:solidFill>
+                <a:latin typeface="Consolas" panose="020B0609020204030204" pitchFamily="49" charset="0"/>
+              </a:rPr>
+              <a:t>: </a:t>
+            </a:r>
+            <a:r>
+              <a:rPr lang="es-ES" dirty="0">
+                <a:solidFill>
+                  <a:srgbClr val="4EC9B0"/>
+                </a:solidFill>
+                <a:latin typeface="Consolas" panose="020B0609020204030204" pitchFamily="49" charset="0"/>
+              </a:rPr>
+              <a:t>Todo</a:t>
+            </a:r>
+            <a:r>
+              <a:rPr lang="es-ES" dirty="0">
+                <a:solidFill>
+                  <a:srgbClr val="D4D4D4"/>
+                </a:solidFill>
+                <a:latin typeface="Consolas" panose="020B0609020204030204" pitchFamily="49" charset="0"/>
+              </a:rPr>
+              <a:t>) : </a:t>
+            </a:r>
+            <a:r>
+              <a:rPr lang="es-ES" dirty="0">
+                <a:solidFill>
+                  <a:srgbClr val="4EC9B0"/>
+                </a:solidFill>
+                <a:latin typeface="Consolas" panose="020B0609020204030204" pitchFamily="49" charset="0"/>
+              </a:rPr>
+              <a:t>Observable</a:t>
+            </a:r>
+            <a:r>
+              <a:rPr lang="es-ES" dirty="0">
+                <a:solidFill>
+                  <a:srgbClr val="D4D4D4"/>
+                </a:solidFill>
+                <a:latin typeface="Consolas" panose="020B0609020204030204" pitchFamily="49" charset="0"/>
+              </a:rPr>
+              <a:t>&lt;</a:t>
+            </a:r>
+            <a:r>
+              <a:rPr lang="es-ES" dirty="0">
+                <a:solidFill>
+                  <a:srgbClr val="4EC9B0"/>
+                </a:solidFill>
+                <a:latin typeface="Consolas" panose="020B0609020204030204" pitchFamily="49" charset="0"/>
+              </a:rPr>
+              <a:t>Todo</a:t>
+            </a:r>
+            <a:r>
+              <a:rPr lang="es-ES" dirty="0">
+                <a:solidFill>
+                  <a:srgbClr val="D4D4D4"/>
+                </a:solidFill>
+                <a:latin typeface="Consolas" panose="020B0609020204030204" pitchFamily="49" charset="0"/>
+              </a:rPr>
+              <a:t>&gt;{</a:t>
+            </a:r>
+          </a:p>
+          <a:p>
+            <a:pPr marL="457200" lvl="1" indent="0">
+              <a:buNone/>
+            </a:pPr>
+            <a:r>
+              <a:rPr lang="es-ES" sz="2000" dirty="0" err="1">
+                <a:solidFill>
+                  <a:srgbClr val="C586C0"/>
+                </a:solidFill>
+                <a:latin typeface="Consolas" panose="020B0609020204030204" pitchFamily="49" charset="0"/>
+              </a:rPr>
+              <a:t>return</a:t>
+            </a:r>
+            <a:r>
+              <a:rPr lang="es-ES" sz="2000" dirty="0">
+                <a:solidFill>
+                  <a:srgbClr val="D4D4D4"/>
+                </a:solidFill>
+                <a:latin typeface="Consolas" panose="020B0609020204030204" pitchFamily="49" charset="0"/>
+              </a:rPr>
+              <a:t> </a:t>
+            </a:r>
+            <a:r>
+              <a:rPr lang="es-ES" sz="2000" dirty="0" err="1">
+                <a:solidFill>
+                  <a:srgbClr val="569CD6"/>
+                </a:solidFill>
+                <a:latin typeface="Consolas" panose="020B0609020204030204" pitchFamily="49" charset="0"/>
+              </a:rPr>
+              <a:t>this</a:t>
+            </a:r>
+            <a:r>
+              <a:rPr lang="es-ES" sz="2000" dirty="0" err="1">
+                <a:solidFill>
+                  <a:srgbClr val="D4D4D4"/>
+                </a:solidFill>
+                <a:latin typeface="Consolas" panose="020B0609020204030204" pitchFamily="49" charset="0"/>
+              </a:rPr>
+              <a:t>.</a:t>
+            </a:r>
+            <a:r>
+              <a:rPr lang="es-ES" sz="2000" dirty="0" err="1">
+                <a:solidFill>
+                  <a:srgbClr val="9CDCFE"/>
+                </a:solidFill>
+                <a:latin typeface="Consolas" panose="020B0609020204030204" pitchFamily="49" charset="0"/>
+              </a:rPr>
+              <a:t>http</a:t>
+            </a:r>
+            <a:r>
+              <a:rPr lang="es-ES" sz="2000" dirty="0" err="1">
+                <a:solidFill>
+                  <a:srgbClr val="D4D4D4"/>
+                </a:solidFill>
+                <a:latin typeface="Consolas" panose="020B0609020204030204" pitchFamily="49" charset="0"/>
+              </a:rPr>
+              <a:t>.</a:t>
+            </a:r>
+            <a:r>
+              <a:rPr lang="es-ES" sz="2000" dirty="0" err="1">
+                <a:solidFill>
+                  <a:srgbClr val="DCDCAA"/>
+                </a:solidFill>
+                <a:latin typeface="Consolas" panose="020B0609020204030204" pitchFamily="49" charset="0"/>
+              </a:rPr>
+              <a:t>post</a:t>
+            </a:r>
+            <a:r>
+              <a:rPr lang="es-ES" sz="2000" dirty="0">
+                <a:solidFill>
+                  <a:srgbClr val="D4D4D4"/>
+                </a:solidFill>
+                <a:latin typeface="Consolas" panose="020B0609020204030204" pitchFamily="49" charset="0"/>
+              </a:rPr>
+              <a:t>&lt;</a:t>
+            </a:r>
+            <a:r>
+              <a:rPr lang="es-ES" sz="2000" dirty="0">
+                <a:solidFill>
+                  <a:srgbClr val="4EC9B0"/>
+                </a:solidFill>
+                <a:latin typeface="Consolas" panose="020B0609020204030204" pitchFamily="49" charset="0"/>
+              </a:rPr>
+              <a:t>Todo</a:t>
+            </a:r>
+            <a:r>
+              <a:rPr lang="es-ES" sz="2000" dirty="0">
+                <a:solidFill>
+                  <a:srgbClr val="D4D4D4"/>
+                </a:solidFill>
+                <a:latin typeface="Consolas" panose="020B0609020204030204" pitchFamily="49" charset="0"/>
+              </a:rPr>
+              <a:t>&gt;(</a:t>
+            </a:r>
+            <a:r>
+              <a:rPr lang="es-ES" sz="2000" dirty="0">
+                <a:solidFill>
+                  <a:srgbClr val="CE9178"/>
+                </a:solidFill>
+                <a:latin typeface="Consolas" panose="020B0609020204030204" pitchFamily="49" charset="0"/>
+              </a:rPr>
+              <a:t>'http://localhost:8080/api/todo'</a:t>
+            </a:r>
+            <a:r>
+              <a:rPr lang="es-ES" sz="2000" dirty="0">
+                <a:solidFill>
+                  <a:srgbClr val="D4D4D4"/>
+                </a:solidFill>
+                <a:latin typeface="Consolas" panose="020B0609020204030204" pitchFamily="49" charset="0"/>
+              </a:rPr>
+              <a:t>, </a:t>
+            </a:r>
+            <a:r>
+              <a:rPr lang="es-ES" sz="2000" dirty="0">
+                <a:solidFill>
+                  <a:srgbClr val="9CDCFE"/>
+                </a:solidFill>
+                <a:latin typeface="Consolas" panose="020B0609020204030204" pitchFamily="49" charset="0"/>
+              </a:rPr>
+              <a:t>todo</a:t>
+            </a:r>
+            <a:r>
+              <a:rPr lang="es-ES" sz="2000" dirty="0">
+                <a:solidFill>
+                  <a:srgbClr val="D4D4D4"/>
+                </a:solidFill>
+                <a:latin typeface="Consolas" panose="020B0609020204030204" pitchFamily="49" charset="0"/>
+              </a:rPr>
+              <a:t>);</a:t>
+            </a:r>
+          </a:p>
+          <a:p>
+            <a:pPr marL="0" indent="0">
+              <a:buNone/>
+            </a:pPr>
+            <a:r>
+              <a:rPr lang="es-ES" dirty="0">
+                <a:solidFill>
+                  <a:srgbClr val="D4D4D4"/>
+                </a:solidFill>
+                <a:latin typeface="Consolas" panose="020B0609020204030204" pitchFamily="49" charset="0"/>
+              </a:rPr>
+              <a:t>}</a:t>
+            </a:r>
+          </a:p>
+          <a:p>
+            <a:pPr marL="0" indent="0">
+              <a:buNone/>
+            </a:pPr>
+            <a:endParaRPr lang="nl-NL" dirty="0">
+              <a:solidFill>
+                <a:srgbClr val="D4D4D4"/>
+              </a:solidFill>
+              <a:latin typeface="Consolas" panose="020B0609020204030204" pitchFamily="49" charset="0"/>
+            </a:endParaRPr>
           </a:p>
           <a:p>
             <a:pPr marL="0" indent="0">
@@ -11427,7 +11174,7 @@
           <a:lstStyle/>
           <a:p>
             <a:r>
-              <a:rPr lang="nl-NL" smtClean="0"/>
+              <a:rPr lang="nl-NL"/>
               <a:t>Angular 2/4/5 – Get Started with CLI</a:t>
             </a:r>
             <a:endParaRPr lang="nl-NL" dirty="0"/>
@@ -11469,31 +11216,31 @@
               <a:buNone/>
             </a:pPr>
             <a:r>
-              <a:rPr lang="nl-NL" dirty="0" smtClean="0"/>
+              <a:rPr lang="nl-NL" dirty="0"/>
               <a:t>&gt; </a:t>
             </a:r>
             <a:r>
-              <a:rPr lang="nl-NL" dirty="0" err="1" smtClean="0"/>
+              <a:rPr lang="nl-NL" dirty="0" err="1"/>
               <a:t>npm</a:t>
             </a:r>
             <a:r>
-              <a:rPr lang="nl-NL" dirty="0" smtClean="0"/>
+              <a:rPr lang="nl-NL" dirty="0"/>
               <a:t> </a:t>
             </a:r>
             <a:r>
-              <a:rPr lang="nl-NL" dirty="0" err="1" smtClean="0"/>
+              <a:rPr lang="nl-NL" dirty="0" err="1"/>
               <a:t>install</a:t>
             </a:r>
             <a:r>
-              <a:rPr lang="nl-NL" dirty="0" smtClean="0"/>
+              <a:rPr lang="nl-NL" dirty="0"/>
               <a:t> -g @</a:t>
             </a:r>
             <a:r>
-              <a:rPr lang="nl-NL" dirty="0" err="1" smtClean="0"/>
+              <a:rPr lang="nl-NL" dirty="0" err="1"/>
               <a:t>angular</a:t>
             </a:r>
             <a:r>
-              <a:rPr lang="nl-NL" dirty="0" smtClean="0"/>
+              <a:rPr lang="nl-NL" dirty="0"/>
               <a:t>/cli</a:t>
             </a:r>
           </a:p>
@@ -11506,6 +11253,3629 @@
     <p:extLst>
       <p:ext uri="{BB962C8B-B14F-4D97-AF65-F5344CB8AC3E}">
         <p14:creationId xmlns:p14="http://schemas.microsoft.com/office/powerpoint/2010/main" val="3728399484"/>
+      </p:ext>
+    </p:extLst>
+  </p:cSld>
+  <p:clrMapOvr>
+    <a:masterClrMapping/>
+  </p:clrMapOvr>
+</p:sld>
+</file>
+
+<file path=ppt/slides/slide30.xml><?xml version="1.0" encoding="utf-8"?>
+<p:sld xmlns:a="http://schemas.openxmlformats.org/drawingml/2006/main" xmlns:r="http://schemas.openxmlformats.org/officeDocument/2006/relationships" xmlns:p="http://schemas.openxmlformats.org/presentationml/2006/main">
+  <p:cSld>
+    <p:spTree>
+      <p:nvGrpSpPr>
+        <p:cNvPr id="1" name=""/>
+        <p:cNvGrpSpPr/>
+        <p:nvPr/>
+      </p:nvGrpSpPr>
+      <p:grpSpPr>
+        <a:xfrm>
+          <a:off x="0" y="0"/>
+          <a:ext cx="0" cy="0"/>
+          <a:chOff x="0" y="0"/>
+          <a:chExt cx="0" cy="0"/>
+        </a:xfrm>
+      </p:grpSpPr>
+      <p:sp>
+        <p:nvSpPr>
+          <p:cNvPr id="2" name="Title 1">
+            <a:extLst>
+              <a:ext uri="{FF2B5EF4-FFF2-40B4-BE49-F238E27FC236}">
+                <a16:creationId xmlns:a16="http://schemas.microsoft.com/office/drawing/2014/main" id="{1ED4390B-9EED-48CA-B4F3-AB33447399E5}"/>
+              </a:ext>
+            </a:extLst>
+          </p:cNvPr>
+          <p:cNvSpPr>
+            <a:spLocks noGrp="1"/>
+          </p:cNvSpPr>
+          <p:nvPr>
+            <p:ph type="title"/>
+          </p:nvPr>
+        </p:nvSpPr>
+        <p:spPr/>
+        <p:txBody>
+          <a:bodyPr/>
+          <a:lstStyle/>
+          <a:p>
+            <a:r>
+              <a:rPr lang="en-US" dirty="0"/>
+              <a:t>create-</a:t>
+            </a:r>
+            <a:r>
+              <a:rPr lang="en-US" dirty="0" err="1"/>
+              <a:t>todo.component.ts</a:t>
+            </a:r>
+            <a:endParaRPr lang="en-NL" dirty="0"/>
+          </a:p>
+        </p:txBody>
+      </p:sp>
+      <p:sp>
+        <p:nvSpPr>
+          <p:cNvPr id="3" name="Content Placeholder 2">
+            <a:extLst>
+              <a:ext uri="{FF2B5EF4-FFF2-40B4-BE49-F238E27FC236}">
+                <a16:creationId xmlns:a16="http://schemas.microsoft.com/office/drawing/2014/main" id="{1C58E9F7-2220-460E-836C-2B95541C3B5F}"/>
+              </a:ext>
+            </a:extLst>
+          </p:cNvPr>
+          <p:cNvSpPr>
+            <a:spLocks noGrp="1"/>
+          </p:cNvSpPr>
+          <p:nvPr>
+            <p:ph idx="1"/>
+          </p:nvPr>
+        </p:nvSpPr>
+        <p:spPr/>
+        <p:style>
+          <a:lnRef idx="0">
+            <a:scrgbClr r="0" g="0" b="0"/>
+          </a:lnRef>
+          <a:fillRef idx="1001">
+            <a:schemeClr val="dk2"/>
+          </a:fillRef>
+          <a:effectRef idx="0">
+            <a:scrgbClr r="0" g="0" b="0"/>
+          </a:effectRef>
+          <a:fontRef idx="major"/>
+        </p:style>
+        <p:txBody>
+          <a:bodyPr>
+            <a:normAutofit fontScale="85000" lnSpcReduction="20000"/>
+          </a:bodyPr>
+          <a:lstStyle/>
+          <a:p>
+            <a:pPr marL="0" indent="0">
+              <a:buNone/>
+            </a:pPr>
+            <a:r>
+              <a:rPr lang="en-US" dirty="0">
+                <a:solidFill>
+                  <a:srgbClr val="C586C0"/>
+                </a:solidFill>
+                <a:latin typeface="Consolas" panose="020B0609020204030204" pitchFamily="49" charset="0"/>
+              </a:rPr>
+              <a:t>if</a:t>
+            </a:r>
+            <a:r>
+              <a:rPr lang="en-US" dirty="0">
+                <a:solidFill>
+                  <a:srgbClr val="D4D4D4"/>
+                </a:solidFill>
+                <a:latin typeface="Consolas" panose="020B0609020204030204" pitchFamily="49" charset="0"/>
+              </a:rPr>
+              <a:t> (</a:t>
+            </a:r>
+            <a:r>
+              <a:rPr lang="en-US" dirty="0">
+                <a:solidFill>
+                  <a:srgbClr val="9CDCFE"/>
+                </a:solidFill>
+                <a:latin typeface="Consolas" panose="020B0609020204030204" pitchFamily="49" charset="0"/>
+              </a:rPr>
+              <a:t>valid</a:t>
+            </a:r>
+            <a:r>
+              <a:rPr lang="en-US" dirty="0">
+                <a:solidFill>
+                  <a:srgbClr val="D4D4D4"/>
+                </a:solidFill>
+                <a:latin typeface="Consolas" panose="020B0609020204030204" pitchFamily="49" charset="0"/>
+              </a:rPr>
+              <a:t>)</a:t>
+            </a:r>
+          </a:p>
+          <a:p>
+            <a:pPr marL="0" indent="0">
+              <a:buNone/>
+            </a:pPr>
+            <a:r>
+              <a:rPr lang="en-US" dirty="0">
+                <a:solidFill>
+                  <a:srgbClr val="D4D4D4"/>
+                </a:solidFill>
+                <a:latin typeface="Consolas" panose="020B0609020204030204" pitchFamily="49" charset="0"/>
+              </a:rPr>
+              <a:t>{</a:t>
+            </a:r>
+          </a:p>
+          <a:p>
+            <a:pPr marL="0" indent="0">
+              <a:buNone/>
+            </a:pPr>
+            <a:r>
+              <a:rPr lang="en-US" dirty="0">
+                <a:solidFill>
+                  <a:srgbClr val="569CD6"/>
+                </a:solidFill>
+                <a:latin typeface="Consolas" panose="020B0609020204030204" pitchFamily="49" charset="0"/>
+              </a:rPr>
+              <a:t>	</a:t>
+            </a:r>
+            <a:r>
+              <a:rPr lang="en-US" dirty="0" err="1">
+                <a:solidFill>
+                  <a:srgbClr val="569CD6"/>
+                </a:solidFill>
+                <a:latin typeface="Consolas" panose="020B0609020204030204" pitchFamily="49" charset="0"/>
+              </a:rPr>
+              <a:t>this</a:t>
+            </a:r>
+            <a:r>
+              <a:rPr lang="en-US" dirty="0" err="1">
+                <a:solidFill>
+                  <a:srgbClr val="D4D4D4"/>
+                </a:solidFill>
+                <a:latin typeface="Consolas" panose="020B0609020204030204" pitchFamily="49" charset="0"/>
+              </a:rPr>
+              <a:t>.</a:t>
+            </a:r>
+            <a:r>
+              <a:rPr lang="en-US" dirty="0" err="1">
+                <a:solidFill>
+                  <a:srgbClr val="9CDCFE"/>
+                </a:solidFill>
+                <a:latin typeface="Consolas" panose="020B0609020204030204" pitchFamily="49" charset="0"/>
+              </a:rPr>
+              <a:t>todoService</a:t>
+            </a:r>
+            <a:r>
+              <a:rPr lang="en-US" dirty="0" err="1">
+                <a:solidFill>
+                  <a:srgbClr val="D4D4D4"/>
+                </a:solidFill>
+                <a:latin typeface="Consolas" panose="020B0609020204030204" pitchFamily="49" charset="0"/>
+              </a:rPr>
+              <a:t>.</a:t>
+            </a:r>
+            <a:r>
+              <a:rPr lang="en-US" dirty="0" err="1">
+                <a:solidFill>
+                  <a:srgbClr val="DCDCAA"/>
+                </a:solidFill>
+                <a:latin typeface="Consolas" panose="020B0609020204030204" pitchFamily="49" charset="0"/>
+              </a:rPr>
+              <a:t>createToDo</a:t>
+            </a:r>
+            <a:r>
+              <a:rPr lang="en-US" dirty="0">
+                <a:solidFill>
+                  <a:srgbClr val="D4D4D4"/>
+                </a:solidFill>
+                <a:latin typeface="Consolas" panose="020B0609020204030204" pitchFamily="49" charset="0"/>
+              </a:rPr>
+              <a:t>(</a:t>
+            </a:r>
+            <a:r>
+              <a:rPr lang="en-US" dirty="0" err="1">
+                <a:solidFill>
+                  <a:srgbClr val="569CD6"/>
+                </a:solidFill>
+                <a:latin typeface="Consolas" panose="020B0609020204030204" pitchFamily="49" charset="0"/>
+              </a:rPr>
+              <a:t>this</a:t>
+            </a:r>
+            <a:r>
+              <a:rPr lang="en-US" dirty="0" err="1">
+                <a:solidFill>
+                  <a:srgbClr val="D4D4D4"/>
+                </a:solidFill>
+                <a:latin typeface="Consolas" panose="020B0609020204030204" pitchFamily="49" charset="0"/>
+              </a:rPr>
+              <a:t>.</a:t>
+            </a:r>
+            <a:r>
+              <a:rPr lang="en-US" dirty="0" err="1">
+                <a:solidFill>
+                  <a:srgbClr val="9CDCFE"/>
+                </a:solidFill>
+                <a:latin typeface="Consolas" panose="020B0609020204030204" pitchFamily="49" charset="0"/>
+              </a:rPr>
+              <a:t>todo</a:t>
+            </a:r>
+            <a:r>
+              <a:rPr lang="en-US" dirty="0">
+                <a:solidFill>
+                  <a:srgbClr val="D4D4D4"/>
+                </a:solidFill>
+                <a:latin typeface="Consolas" panose="020B0609020204030204" pitchFamily="49" charset="0"/>
+              </a:rPr>
+              <a:t>).</a:t>
+            </a:r>
+            <a:r>
+              <a:rPr lang="en-US" dirty="0">
+                <a:solidFill>
+                  <a:srgbClr val="DCDCAA"/>
+                </a:solidFill>
+                <a:latin typeface="Consolas" panose="020B0609020204030204" pitchFamily="49" charset="0"/>
+              </a:rPr>
+              <a:t>subscribe</a:t>
+            </a:r>
+            <a:r>
+              <a:rPr lang="en-US" dirty="0">
+                <a:solidFill>
+                  <a:srgbClr val="D4D4D4"/>
+                </a:solidFill>
+                <a:latin typeface="Consolas" panose="020B0609020204030204" pitchFamily="49" charset="0"/>
+              </a:rPr>
+              <a:t>( </a:t>
+            </a:r>
+          </a:p>
+          <a:p>
+            <a:pPr marL="0" indent="0">
+              <a:buNone/>
+            </a:pPr>
+            <a:r>
+              <a:rPr lang="en-US" dirty="0">
+                <a:solidFill>
+                  <a:srgbClr val="9CDCFE"/>
+                </a:solidFill>
+                <a:latin typeface="Consolas" panose="020B0609020204030204" pitchFamily="49" charset="0"/>
+              </a:rPr>
+              <a:t>		data</a:t>
+            </a:r>
+            <a:r>
+              <a:rPr lang="en-US" dirty="0">
+                <a:solidFill>
+                  <a:srgbClr val="D4D4D4"/>
+                </a:solidFill>
+                <a:latin typeface="Consolas" panose="020B0609020204030204" pitchFamily="49" charset="0"/>
+              </a:rPr>
+              <a:t> </a:t>
+            </a:r>
+            <a:r>
+              <a:rPr lang="en-US" dirty="0">
+                <a:solidFill>
+                  <a:srgbClr val="569CD6"/>
+                </a:solidFill>
+                <a:latin typeface="Consolas" panose="020B0609020204030204" pitchFamily="49" charset="0"/>
+              </a:rPr>
+              <a:t>=&gt;</a:t>
+            </a:r>
+            <a:r>
+              <a:rPr lang="en-US" dirty="0">
+                <a:solidFill>
+                  <a:srgbClr val="D4D4D4"/>
+                </a:solidFill>
+                <a:latin typeface="Consolas" panose="020B0609020204030204" pitchFamily="49" charset="0"/>
+              </a:rPr>
+              <a:t> {</a:t>
+            </a:r>
+          </a:p>
+          <a:p>
+            <a:pPr marL="0" indent="0">
+              <a:buNone/>
+            </a:pPr>
+            <a:r>
+              <a:rPr lang="en-US" dirty="0">
+                <a:solidFill>
+                  <a:srgbClr val="DCDCAA"/>
+                </a:solidFill>
+                <a:latin typeface="Consolas" panose="020B0609020204030204" pitchFamily="49" charset="0"/>
+              </a:rPr>
+              <a:t>			alert</a:t>
+            </a:r>
+            <a:r>
+              <a:rPr lang="en-US" dirty="0">
+                <a:solidFill>
+                  <a:srgbClr val="D4D4D4"/>
+                </a:solidFill>
+                <a:latin typeface="Consolas" panose="020B0609020204030204" pitchFamily="49" charset="0"/>
+              </a:rPr>
+              <a:t>(</a:t>
+            </a:r>
+            <a:r>
+              <a:rPr lang="en-US" dirty="0">
+                <a:solidFill>
+                  <a:srgbClr val="CE9178"/>
+                </a:solidFill>
+                <a:latin typeface="Consolas" panose="020B0609020204030204" pitchFamily="49" charset="0"/>
+              </a:rPr>
+              <a:t>"Saved!"</a:t>
+            </a:r>
+            <a:r>
+              <a:rPr lang="en-US" dirty="0">
+                <a:solidFill>
+                  <a:srgbClr val="D4D4D4"/>
+                </a:solidFill>
+                <a:latin typeface="Consolas" panose="020B0609020204030204" pitchFamily="49" charset="0"/>
+              </a:rPr>
+              <a:t>);</a:t>
+            </a:r>
+          </a:p>
+          <a:p>
+            <a:pPr marL="0" indent="0">
+              <a:buNone/>
+            </a:pPr>
+            <a:r>
+              <a:rPr lang="en-US" dirty="0">
+                <a:solidFill>
+                  <a:srgbClr val="D4D4D4"/>
+                </a:solidFill>
+                <a:latin typeface="Consolas" panose="020B0609020204030204" pitchFamily="49" charset="0"/>
+              </a:rPr>
+              <a:t>		},</a:t>
+            </a:r>
+          </a:p>
+          <a:p>
+            <a:pPr marL="0" indent="0">
+              <a:buNone/>
+            </a:pPr>
+            <a:r>
+              <a:rPr lang="en-US" dirty="0">
+                <a:solidFill>
+                  <a:srgbClr val="9CDCFE"/>
+                </a:solidFill>
+                <a:latin typeface="Consolas" panose="020B0609020204030204" pitchFamily="49" charset="0"/>
+              </a:rPr>
+              <a:t>		err</a:t>
+            </a:r>
+            <a:r>
+              <a:rPr lang="en-US" dirty="0">
+                <a:solidFill>
+                  <a:srgbClr val="D4D4D4"/>
+                </a:solidFill>
+                <a:latin typeface="Consolas" panose="020B0609020204030204" pitchFamily="49" charset="0"/>
+              </a:rPr>
+              <a:t> </a:t>
+            </a:r>
+            <a:r>
+              <a:rPr lang="en-US" dirty="0">
+                <a:solidFill>
+                  <a:srgbClr val="569CD6"/>
+                </a:solidFill>
+                <a:latin typeface="Consolas" panose="020B0609020204030204" pitchFamily="49" charset="0"/>
+              </a:rPr>
+              <a:t>=&gt;</a:t>
+            </a:r>
+            <a:r>
+              <a:rPr lang="en-US" dirty="0">
+                <a:solidFill>
+                  <a:srgbClr val="D4D4D4"/>
+                </a:solidFill>
+                <a:latin typeface="Consolas" panose="020B0609020204030204" pitchFamily="49" charset="0"/>
+              </a:rPr>
+              <a:t> { </a:t>
+            </a:r>
+          </a:p>
+          <a:p>
+            <a:pPr marL="0" indent="0">
+              <a:buNone/>
+            </a:pPr>
+            <a:r>
+              <a:rPr lang="en-US" dirty="0">
+                <a:solidFill>
+                  <a:srgbClr val="DCDCAA"/>
+                </a:solidFill>
+                <a:latin typeface="Consolas" panose="020B0609020204030204" pitchFamily="49" charset="0"/>
+              </a:rPr>
+              <a:t>			alert</a:t>
+            </a:r>
+            <a:r>
+              <a:rPr lang="en-US" dirty="0">
+                <a:solidFill>
+                  <a:srgbClr val="D4D4D4"/>
+                </a:solidFill>
+                <a:latin typeface="Consolas" panose="020B0609020204030204" pitchFamily="49" charset="0"/>
+              </a:rPr>
+              <a:t>(</a:t>
+            </a:r>
+            <a:r>
+              <a:rPr lang="en-US" dirty="0">
+                <a:solidFill>
+                  <a:srgbClr val="CE9178"/>
+                </a:solidFill>
+                <a:latin typeface="Consolas" panose="020B0609020204030204" pitchFamily="49" charset="0"/>
+              </a:rPr>
+              <a:t>'Something went wrong!’</a:t>
+            </a:r>
+            <a:r>
+              <a:rPr lang="en-US" dirty="0">
+                <a:solidFill>
+                  <a:srgbClr val="D4D4D4"/>
+                </a:solidFill>
+                <a:latin typeface="Consolas" panose="020B0609020204030204" pitchFamily="49" charset="0"/>
+              </a:rPr>
+              <a:t>);</a:t>
+            </a:r>
+          </a:p>
+          <a:p>
+            <a:pPr marL="0" indent="0">
+              <a:buNone/>
+            </a:pPr>
+            <a:r>
+              <a:rPr lang="en-US" dirty="0">
+                <a:solidFill>
+                  <a:srgbClr val="D4D4D4"/>
+                </a:solidFill>
+                <a:latin typeface="Consolas" panose="020B0609020204030204" pitchFamily="49" charset="0"/>
+              </a:rPr>
+              <a:t>		}</a:t>
+            </a:r>
+          </a:p>
+          <a:p>
+            <a:pPr marL="0" indent="0">
+              <a:buNone/>
+            </a:pPr>
+            <a:r>
+              <a:rPr lang="en-US" dirty="0">
+                <a:solidFill>
+                  <a:srgbClr val="D4D4D4"/>
+                </a:solidFill>
+                <a:latin typeface="Consolas" panose="020B0609020204030204" pitchFamily="49" charset="0"/>
+              </a:rPr>
+              <a:t>	);</a:t>
+            </a:r>
+          </a:p>
+          <a:p>
+            <a:pPr marL="0" indent="0">
+              <a:buNone/>
+            </a:pPr>
+            <a:r>
+              <a:rPr lang="en-US" dirty="0">
+                <a:solidFill>
+                  <a:srgbClr val="D4D4D4"/>
+                </a:solidFill>
+                <a:latin typeface="Consolas" panose="020B0609020204030204" pitchFamily="49" charset="0"/>
+              </a:rPr>
+              <a:t>}</a:t>
+            </a:r>
+          </a:p>
+          <a:p>
+            <a:pPr marL="0" indent="0">
+              <a:buNone/>
+            </a:pPr>
+            <a:endParaRPr lang="en-NL" dirty="0"/>
+          </a:p>
+        </p:txBody>
+      </p:sp>
+    </p:spTree>
+    <p:extLst>
+      <p:ext uri="{BB962C8B-B14F-4D97-AF65-F5344CB8AC3E}">
+        <p14:creationId xmlns:p14="http://schemas.microsoft.com/office/powerpoint/2010/main" val="4024400400"/>
+      </p:ext>
+    </p:extLst>
+  </p:cSld>
+  <p:clrMapOvr>
+    <a:masterClrMapping/>
+  </p:clrMapOvr>
+</p:sld>
+</file>
+
+<file path=ppt/slides/slide31.xml><?xml version="1.0" encoding="utf-8"?>
+<p:sld xmlns:a="http://schemas.openxmlformats.org/drawingml/2006/main" xmlns:r="http://schemas.openxmlformats.org/officeDocument/2006/relationships" xmlns:p="http://schemas.openxmlformats.org/presentationml/2006/main">
+  <p:cSld>
+    <p:spTree>
+      <p:nvGrpSpPr>
+        <p:cNvPr id="1" name=""/>
+        <p:cNvGrpSpPr/>
+        <p:nvPr/>
+      </p:nvGrpSpPr>
+      <p:grpSpPr>
+        <a:xfrm>
+          <a:off x="0" y="0"/>
+          <a:ext cx="0" cy="0"/>
+          <a:chOff x="0" y="0"/>
+          <a:chExt cx="0" cy="0"/>
+        </a:xfrm>
+      </p:grpSpPr>
+      <p:sp>
+        <p:nvSpPr>
+          <p:cNvPr id="2" name="Title 1">
+            <a:extLst>
+              <a:ext uri="{FF2B5EF4-FFF2-40B4-BE49-F238E27FC236}">
+                <a16:creationId xmlns:a16="http://schemas.microsoft.com/office/drawing/2014/main" id="{7A7F43BF-D200-4E6F-9BE6-19E35A751797}"/>
+              </a:ext>
+            </a:extLst>
+          </p:cNvPr>
+          <p:cNvSpPr>
+            <a:spLocks noGrp="1"/>
+          </p:cNvSpPr>
+          <p:nvPr>
+            <p:ph type="title"/>
+          </p:nvPr>
+        </p:nvSpPr>
+        <p:spPr/>
+        <p:txBody>
+          <a:bodyPr/>
+          <a:lstStyle/>
+          <a:p>
+            <a:r>
+              <a:rPr lang="en-US" dirty="0"/>
+              <a:t>Exercise</a:t>
+            </a:r>
+            <a:endParaRPr lang="en-NL" dirty="0"/>
+          </a:p>
+        </p:txBody>
+      </p:sp>
+      <p:sp>
+        <p:nvSpPr>
+          <p:cNvPr id="3" name="Content Placeholder 2">
+            <a:extLst>
+              <a:ext uri="{FF2B5EF4-FFF2-40B4-BE49-F238E27FC236}">
+                <a16:creationId xmlns:a16="http://schemas.microsoft.com/office/drawing/2014/main" id="{178B12D7-CCB6-42CB-9249-86B124AB0316}"/>
+              </a:ext>
+            </a:extLst>
+          </p:cNvPr>
+          <p:cNvSpPr>
+            <a:spLocks noGrp="1"/>
+          </p:cNvSpPr>
+          <p:nvPr>
+            <p:ph idx="1"/>
+          </p:nvPr>
+        </p:nvSpPr>
+        <p:spPr/>
+        <p:txBody>
+          <a:bodyPr/>
+          <a:lstStyle/>
+          <a:p>
+            <a:pPr marL="0" indent="0">
+              <a:buNone/>
+            </a:pPr>
+            <a:r>
+              <a:rPr lang="en-US" dirty="0"/>
+              <a:t>Create a </a:t>
+            </a:r>
+            <a:r>
+              <a:rPr lang="en-US" dirty="0" err="1"/>
+              <a:t>TodoOverviewComponent</a:t>
+            </a:r>
+            <a:endParaRPr lang="en-US" dirty="0"/>
+          </a:p>
+          <a:p>
+            <a:r>
+              <a:rPr lang="en-US" dirty="0"/>
+              <a:t>Generate a component</a:t>
+            </a:r>
+          </a:p>
+          <a:p>
+            <a:r>
+              <a:rPr lang="en-US" dirty="0"/>
+              <a:t>Create a route</a:t>
+            </a:r>
+          </a:p>
+          <a:p>
+            <a:r>
+              <a:rPr lang="en-US" dirty="0"/>
+              <a:t>Create a http get request</a:t>
+            </a:r>
+          </a:p>
+          <a:p>
+            <a:r>
+              <a:rPr lang="en-US" dirty="0"/>
+              <a:t>Display all </a:t>
+            </a:r>
+            <a:r>
+              <a:rPr lang="en-US" dirty="0" err="1"/>
+              <a:t>Todos</a:t>
+            </a:r>
+            <a:r>
+              <a:rPr lang="en-US" dirty="0"/>
+              <a:t> (Title and Description) in the component</a:t>
+            </a:r>
+          </a:p>
+          <a:p>
+            <a:r>
+              <a:rPr lang="en-US" dirty="0"/>
+              <a:t>After creating a new </a:t>
+            </a:r>
+            <a:r>
+              <a:rPr lang="en-US" dirty="0" err="1"/>
+              <a:t>Todo</a:t>
+            </a:r>
+            <a:r>
+              <a:rPr lang="en-US" dirty="0"/>
+              <a:t> navigate to the </a:t>
+            </a:r>
+            <a:r>
+              <a:rPr lang="en-US" dirty="0" err="1"/>
+              <a:t>TodoOverviewComponent</a:t>
+            </a:r>
+            <a:endParaRPr lang="en-US" dirty="0"/>
+          </a:p>
+          <a:p>
+            <a:pPr marL="0" indent="0">
+              <a:buNone/>
+            </a:pPr>
+            <a:endParaRPr lang="en-US" dirty="0"/>
+          </a:p>
+          <a:p>
+            <a:endParaRPr lang="en-NL" dirty="0"/>
+          </a:p>
+        </p:txBody>
+      </p:sp>
+    </p:spTree>
+    <p:extLst>
+      <p:ext uri="{BB962C8B-B14F-4D97-AF65-F5344CB8AC3E}">
+        <p14:creationId xmlns:p14="http://schemas.microsoft.com/office/powerpoint/2010/main" val="2880721592"/>
+      </p:ext>
+    </p:extLst>
+  </p:cSld>
+  <p:clrMapOvr>
+    <a:masterClrMapping/>
+  </p:clrMapOvr>
+</p:sld>
+</file>
+
+<file path=ppt/slides/slide32.xml><?xml version="1.0" encoding="utf-8"?>
+<p:sld xmlns:a="http://schemas.openxmlformats.org/drawingml/2006/main" xmlns:r="http://schemas.openxmlformats.org/officeDocument/2006/relationships" xmlns:p="http://schemas.openxmlformats.org/presentationml/2006/main">
+  <p:cSld>
+    <p:spTree>
+      <p:nvGrpSpPr>
+        <p:cNvPr id="1" name=""/>
+        <p:cNvGrpSpPr/>
+        <p:nvPr/>
+      </p:nvGrpSpPr>
+      <p:grpSpPr>
+        <a:xfrm>
+          <a:off x="0" y="0"/>
+          <a:ext cx="0" cy="0"/>
+          <a:chOff x="0" y="0"/>
+          <a:chExt cx="0" cy="0"/>
+        </a:xfrm>
+      </p:grpSpPr>
+      <p:sp>
+        <p:nvSpPr>
+          <p:cNvPr id="2" name="Title 1">
+            <a:extLst>
+              <a:ext uri="{FF2B5EF4-FFF2-40B4-BE49-F238E27FC236}">
+                <a16:creationId xmlns:a16="http://schemas.microsoft.com/office/drawing/2014/main" id="{45182E92-06EC-4809-8179-43828597BB68}"/>
+              </a:ext>
+            </a:extLst>
+          </p:cNvPr>
+          <p:cNvSpPr>
+            <a:spLocks noGrp="1"/>
+          </p:cNvSpPr>
+          <p:nvPr>
+            <p:ph type="title"/>
+          </p:nvPr>
+        </p:nvSpPr>
+        <p:spPr/>
+        <p:txBody>
+          <a:bodyPr/>
+          <a:lstStyle/>
+          <a:p>
+            <a:r>
+              <a:rPr lang="en-US" dirty="0" err="1"/>
+              <a:t>cmd</a:t>
+            </a:r>
+            <a:endParaRPr lang="en-NL" dirty="0"/>
+          </a:p>
+        </p:txBody>
+      </p:sp>
+      <p:sp>
+        <p:nvSpPr>
+          <p:cNvPr id="3" name="Content Placeholder 2">
+            <a:extLst>
+              <a:ext uri="{FF2B5EF4-FFF2-40B4-BE49-F238E27FC236}">
+                <a16:creationId xmlns:a16="http://schemas.microsoft.com/office/drawing/2014/main" id="{D1C90A54-BF10-4871-86E3-A39093C29941}"/>
+              </a:ext>
+            </a:extLst>
+          </p:cNvPr>
+          <p:cNvSpPr>
+            <a:spLocks noGrp="1"/>
+          </p:cNvSpPr>
+          <p:nvPr>
+            <p:ph idx="1"/>
+          </p:nvPr>
+        </p:nvSpPr>
+        <p:spPr/>
+        <p:style>
+          <a:lnRef idx="2">
+            <a:schemeClr val="dk1">
+              <a:shade val="50000"/>
+            </a:schemeClr>
+          </a:lnRef>
+          <a:fillRef idx="1">
+            <a:schemeClr val="dk1"/>
+          </a:fillRef>
+          <a:effectRef idx="0">
+            <a:schemeClr val="dk1"/>
+          </a:effectRef>
+          <a:fontRef idx="minor">
+            <a:schemeClr val="lt1"/>
+          </a:fontRef>
+        </p:style>
+        <p:txBody>
+          <a:bodyPr/>
+          <a:lstStyle/>
+          <a:p>
+            <a:pPr marL="0" indent="0">
+              <a:buNone/>
+            </a:pPr>
+            <a:r>
+              <a:rPr lang="en-US" dirty="0"/>
+              <a:t>&gt; ng g component </a:t>
+            </a:r>
+            <a:r>
+              <a:rPr lang="en-US" dirty="0" err="1"/>
+              <a:t>todoOverview</a:t>
+            </a:r>
+            <a:endParaRPr lang="en-NL" dirty="0"/>
+          </a:p>
+        </p:txBody>
+      </p:sp>
+    </p:spTree>
+    <p:extLst>
+      <p:ext uri="{BB962C8B-B14F-4D97-AF65-F5344CB8AC3E}">
+        <p14:creationId xmlns:p14="http://schemas.microsoft.com/office/powerpoint/2010/main" val="1349857477"/>
+      </p:ext>
+    </p:extLst>
+  </p:cSld>
+  <p:clrMapOvr>
+    <a:masterClrMapping/>
+  </p:clrMapOvr>
+</p:sld>
+</file>
+
+<file path=ppt/slides/slide33.xml><?xml version="1.0" encoding="utf-8"?>
+<p:sld xmlns:a="http://schemas.openxmlformats.org/drawingml/2006/main" xmlns:r="http://schemas.openxmlformats.org/officeDocument/2006/relationships" xmlns:p="http://schemas.openxmlformats.org/presentationml/2006/main">
+  <p:cSld>
+    <p:spTree>
+      <p:nvGrpSpPr>
+        <p:cNvPr id="1" name=""/>
+        <p:cNvGrpSpPr/>
+        <p:nvPr/>
+      </p:nvGrpSpPr>
+      <p:grpSpPr>
+        <a:xfrm>
+          <a:off x="0" y="0"/>
+          <a:ext cx="0" cy="0"/>
+          <a:chOff x="0" y="0"/>
+          <a:chExt cx="0" cy="0"/>
+        </a:xfrm>
+      </p:grpSpPr>
+      <p:sp>
+        <p:nvSpPr>
+          <p:cNvPr id="2" name="Title 1">
+            <a:extLst>
+              <a:ext uri="{FF2B5EF4-FFF2-40B4-BE49-F238E27FC236}">
+                <a16:creationId xmlns:a16="http://schemas.microsoft.com/office/drawing/2014/main" id="{39CC4E3C-D624-43B0-9F0F-D5F6BFE2FB78}"/>
+              </a:ext>
+            </a:extLst>
+          </p:cNvPr>
+          <p:cNvSpPr>
+            <a:spLocks noGrp="1"/>
+          </p:cNvSpPr>
+          <p:nvPr>
+            <p:ph type="title"/>
+          </p:nvPr>
+        </p:nvSpPr>
+        <p:spPr/>
+        <p:txBody>
+          <a:bodyPr/>
+          <a:lstStyle/>
+          <a:p>
+            <a:r>
+              <a:rPr lang="en-US" dirty="0"/>
+              <a:t>app-</a:t>
+            </a:r>
+            <a:r>
+              <a:rPr lang="en-US" dirty="0" err="1"/>
+              <a:t>routing.module.ts</a:t>
+            </a:r>
+            <a:endParaRPr lang="en-NL" dirty="0"/>
+          </a:p>
+        </p:txBody>
+      </p:sp>
+      <p:sp>
+        <p:nvSpPr>
+          <p:cNvPr id="3" name="Content Placeholder 2">
+            <a:extLst>
+              <a:ext uri="{FF2B5EF4-FFF2-40B4-BE49-F238E27FC236}">
+                <a16:creationId xmlns:a16="http://schemas.microsoft.com/office/drawing/2014/main" id="{353F5CCC-7B07-41C6-863B-071F4113F743}"/>
+              </a:ext>
+            </a:extLst>
+          </p:cNvPr>
+          <p:cNvSpPr>
+            <a:spLocks noGrp="1"/>
+          </p:cNvSpPr>
+          <p:nvPr>
+            <p:ph idx="1"/>
+          </p:nvPr>
+        </p:nvSpPr>
+        <p:spPr/>
+        <p:style>
+          <a:lnRef idx="0">
+            <a:scrgbClr r="0" g="0" b="0"/>
+          </a:lnRef>
+          <a:fillRef idx="1001">
+            <a:schemeClr val="dk2"/>
+          </a:fillRef>
+          <a:effectRef idx="0">
+            <a:scrgbClr r="0" g="0" b="0"/>
+          </a:effectRef>
+          <a:fontRef idx="major"/>
+        </p:style>
+        <p:txBody>
+          <a:bodyPr/>
+          <a:lstStyle/>
+          <a:p>
+            <a:pPr marL="0" indent="0">
+              <a:buNone/>
+            </a:pPr>
+            <a:r>
+              <a:rPr lang="en-US" dirty="0" err="1">
+                <a:solidFill>
+                  <a:srgbClr val="569CD6"/>
+                </a:solidFill>
+                <a:latin typeface="Consolas" panose="020B0609020204030204" pitchFamily="49" charset="0"/>
+              </a:rPr>
+              <a:t>const</a:t>
+            </a:r>
+            <a:r>
+              <a:rPr lang="en-US" dirty="0">
+                <a:solidFill>
+                  <a:srgbClr val="D4D4D4"/>
+                </a:solidFill>
+                <a:latin typeface="Consolas" panose="020B0609020204030204" pitchFamily="49" charset="0"/>
+              </a:rPr>
+              <a:t> </a:t>
+            </a:r>
+            <a:r>
+              <a:rPr lang="en-US" dirty="0">
+                <a:solidFill>
+                  <a:srgbClr val="9CDCFE"/>
+                </a:solidFill>
+                <a:latin typeface="Consolas" panose="020B0609020204030204" pitchFamily="49" charset="0"/>
+              </a:rPr>
+              <a:t>routes</a:t>
+            </a:r>
+            <a:r>
+              <a:rPr lang="en-US" dirty="0">
+                <a:solidFill>
+                  <a:srgbClr val="D4D4D4"/>
+                </a:solidFill>
+                <a:latin typeface="Consolas" panose="020B0609020204030204" pitchFamily="49" charset="0"/>
+              </a:rPr>
+              <a:t>: </a:t>
+            </a:r>
+            <a:r>
+              <a:rPr lang="en-US" dirty="0">
+                <a:solidFill>
+                  <a:srgbClr val="4EC9B0"/>
+                </a:solidFill>
+                <a:latin typeface="Consolas" panose="020B0609020204030204" pitchFamily="49" charset="0"/>
+              </a:rPr>
+              <a:t>Routes</a:t>
+            </a:r>
+            <a:r>
+              <a:rPr lang="en-US" dirty="0">
+                <a:solidFill>
+                  <a:srgbClr val="D4D4D4"/>
+                </a:solidFill>
+                <a:latin typeface="Consolas" panose="020B0609020204030204" pitchFamily="49" charset="0"/>
+              </a:rPr>
+              <a:t> = [</a:t>
+            </a:r>
+          </a:p>
+          <a:p>
+            <a:pPr marL="457200" lvl="1" indent="0">
+              <a:buNone/>
+            </a:pPr>
+            <a:r>
+              <a:rPr lang="en-US" dirty="0">
+                <a:solidFill>
+                  <a:srgbClr val="D4D4D4"/>
+                </a:solidFill>
+                <a:latin typeface="Consolas" panose="020B0609020204030204" pitchFamily="49" charset="0"/>
+              </a:rPr>
+              <a:t>{</a:t>
+            </a:r>
+            <a:r>
+              <a:rPr lang="en-US" dirty="0">
+                <a:solidFill>
+                  <a:srgbClr val="9CDCFE"/>
+                </a:solidFill>
+                <a:latin typeface="Consolas" panose="020B0609020204030204" pitchFamily="49" charset="0"/>
+              </a:rPr>
+              <a:t>path:</a:t>
+            </a:r>
+            <a:r>
+              <a:rPr lang="en-US" dirty="0">
+                <a:solidFill>
+                  <a:srgbClr val="D4D4D4"/>
+                </a:solidFill>
+                <a:latin typeface="Consolas" panose="020B0609020204030204" pitchFamily="49" charset="0"/>
+              </a:rPr>
+              <a:t> </a:t>
+            </a:r>
+            <a:r>
+              <a:rPr lang="en-US" dirty="0">
+                <a:solidFill>
+                  <a:srgbClr val="CE9178"/>
+                </a:solidFill>
+                <a:latin typeface="Consolas" panose="020B0609020204030204" pitchFamily="49" charset="0"/>
+              </a:rPr>
+              <a:t>''</a:t>
+            </a:r>
+            <a:r>
+              <a:rPr lang="en-US" dirty="0">
+                <a:solidFill>
+                  <a:srgbClr val="D4D4D4"/>
+                </a:solidFill>
+                <a:latin typeface="Consolas" panose="020B0609020204030204" pitchFamily="49" charset="0"/>
+              </a:rPr>
+              <a:t>, </a:t>
+            </a:r>
+            <a:r>
+              <a:rPr lang="en-US" dirty="0">
+                <a:solidFill>
+                  <a:srgbClr val="9CDCFE"/>
+                </a:solidFill>
+                <a:latin typeface="Consolas" panose="020B0609020204030204" pitchFamily="49" charset="0"/>
+              </a:rPr>
+              <a:t>component:</a:t>
+            </a:r>
+            <a:r>
+              <a:rPr lang="en-US" dirty="0">
+                <a:solidFill>
+                  <a:srgbClr val="D4D4D4"/>
+                </a:solidFill>
+                <a:latin typeface="Consolas" panose="020B0609020204030204" pitchFamily="49" charset="0"/>
+              </a:rPr>
+              <a:t> </a:t>
+            </a:r>
+            <a:r>
+              <a:rPr lang="en-US" dirty="0" err="1">
+                <a:solidFill>
+                  <a:srgbClr val="9CDCFE"/>
+                </a:solidFill>
+                <a:latin typeface="Consolas" panose="020B0609020204030204" pitchFamily="49" charset="0"/>
+              </a:rPr>
+              <a:t>CreateTodoComponent</a:t>
+            </a:r>
+            <a:r>
+              <a:rPr lang="en-US" dirty="0">
+                <a:solidFill>
+                  <a:srgbClr val="D4D4D4"/>
+                </a:solidFill>
+                <a:latin typeface="Consolas" panose="020B0609020204030204" pitchFamily="49" charset="0"/>
+              </a:rPr>
+              <a:t>},</a:t>
+            </a:r>
+          </a:p>
+          <a:p>
+            <a:pPr marL="457200" lvl="1" indent="0">
+              <a:buNone/>
+            </a:pPr>
+            <a:r>
+              <a:rPr lang="en-US" dirty="0">
+                <a:solidFill>
+                  <a:srgbClr val="D4D4D4"/>
+                </a:solidFill>
+                <a:latin typeface="Consolas" panose="020B0609020204030204" pitchFamily="49" charset="0"/>
+              </a:rPr>
+              <a:t>{</a:t>
+            </a:r>
+            <a:r>
+              <a:rPr lang="en-US" dirty="0">
+                <a:solidFill>
+                  <a:srgbClr val="9CDCFE"/>
+                </a:solidFill>
+                <a:latin typeface="Consolas" panose="020B0609020204030204" pitchFamily="49" charset="0"/>
+              </a:rPr>
+              <a:t>path:</a:t>
+            </a:r>
+            <a:r>
+              <a:rPr lang="en-US" dirty="0">
+                <a:solidFill>
+                  <a:srgbClr val="D4D4D4"/>
+                </a:solidFill>
+                <a:latin typeface="Consolas" panose="020B0609020204030204" pitchFamily="49" charset="0"/>
+              </a:rPr>
+              <a:t> </a:t>
+            </a:r>
+            <a:r>
+              <a:rPr lang="en-US" dirty="0">
+                <a:solidFill>
+                  <a:srgbClr val="CE9178"/>
+                </a:solidFill>
+                <a:latin typeface="Consolas" panose="020B0609020204030204" pitchFamily="49" charset="0"/>
+              </a:rPr>
+              <a:t>'overview'</a:t>
+            </a:r>
+            <a:r>
+              <a:rPr lang="en-US" dirty="0">
+                <a:solidFill>
+                  <a:srgbClr val="D4D4D4"/>
+                </a:solidFill>
+                <a:latin typeface="Consolas" panose="020B0609020204030204" pitchFamily="49" charset="0"/>
+              </a:rPr>
+              <a:t>, </a:t>
+            </a:r>
+            <a:r>
+              <a:rPr lang="en-US" dirty="0">
+                <a:solidFill>
+                  <a:srgbClr val="9CDCFE"/>
+                </a:solidFill>
+                <a:latin typeface="Consolas" panose="020B0609020204030204" pitchFamily="49" charset="0"/>
+              </a:rPr>
+              <a:t>component:</a:t>
+            </a:r>
+            <a:r>
+              <a:rPr lang="en-US" dirty="0">
+                <a:solidFill>
+                  <a:srgbClr val="D4D4D4"/>
+                </a:solidFill>
+                <a:latin typeface="Consolas" panose="020B0609020204030204" pitchFamily="49" charset="0"/>
+              </a:rPr>
+              <a:t> </a:t>
+            </a:r>
+            <a:r>
+              <a:rPr lang="en-US" dirty="0" err="1">
+                <a:solidFill>
+                  <a:srgbClr val="9CDCFE"/>
+                </a:solidFill>
+                <a:latin typeface="Consolas" panose="020B0609020204030204" pitchFamily="49" charset="0"/>
+              </a:rPr>
+              <a:t>TodoOverviewComponent</a:t>
+            </a:r>
+            <a:r>
+              <a:rPr lang="en-US" dirty="0">
+                <a:solidFill>
+                  <a:srgbClr val="D4D4D4"/>
+                </a:solidFill>
+                <a:latin typeface="Consolas" panose="020B0609020204030204" pitchFamily="49" charset="0"/>
+              </a:rPr>
+              <a:t>}</a:t>
+            </a:r>
+          </a:p>
+          <a:p>
+            <a:pPr marL="0" indent="0">
+              <a:buNone/>
+            </a:pPr>
+            <a:r>
+              <a:rPr lang="en-US" dirty="0">
+                <a:solidFill>
+                  <a:srgbClr val="D4D4D4"/>
+                </a:solidFill>
+                <a:latin typeface="Consolas" panose="020B0609020204030204" pitchFamily="49" charset="0"/>
+              </a:rPr>
+              <a:t>];</a:t>
+            </a:r>
+          </a:p>
+          <a:p>
+            <a:pPr marL="0" indent="0">
+              <a:buNone/>
+            </a:pPr>
+            <a:endParaRPr lang="en-NL" dirty="0"/>
+          </a:p>
+        </p:txBody>
+      </p:sp>
+    </p:spTree>
+    <p:extLst>
+      <p:ext uri="{BB962C8B-B14F-4D97-AF65-F5344CB8AC3E}">
+        <p14:creationId xmlns:p14="http://schemas.microsoft.com/office/powerpoint/2010/main" val="2610364720"/>
+      </p:ext>
+    </p:extLst>
+  </p:cSld>
+  <p:clrMapOvr>
+    <a:masterClrMapping/>
+  </p:clrMapOvr>
+</p:sld>
+</file>
+
+<file path=ppt/slides/slide34.xml><?xml version="1.0" encoding="utf-8"?>
+<p:sld xmlns:a="http://schemas.openxmlformats.org/drawingml/2006/main" xmlns:r="http://schemas.openxmlformats.org/officeDocument/2006/relationships" xmlns:p="http://schemas.openxmlformats.org/presentationml/2006/main">
+  <p:cSld>
+    <p:spTree>
+      <p:nvGrpSpPr>
+        <p:cNvPr id="1" name=""/>
+        <p:cNvGrpSpPr/>
+        <p:nvPr/>
+      </p:nvGrpSpPr>
+      <p:grpSpPr>
+        <a:xfrm>
+          <a:off x="0" y="0"/>
+          <a:ext cx="0" cy="0"/>
+          <a:chOff x="0" y="0"/>
+          <a:chExt cx="0" cy="0"/>
+        </a:xfrm>
+      </p:grpSpPr>
+      <p:sp>
+        <p:nvSpPr>
+          <p:cNvPr id="2" name="Title 1">
+            <a:extLst>
+              <a:ext uri="{FF2B5EF4-FFF2-40B4-BE49-F238E27FC236}">
+                <a16:creationId xmlns:a16="http://schemas.microsoft.com/office/drawing/2014/main" id="{72FD34C5-8B53-4ED2-AB1A-E5B7DB0583A2}"/>
+              </a:ext>
+            </a:extLst>
+          </p:cNvPr>
+          <p:cNvSpPr>
+            <a:spLocks noGrp="1"/>
+          </p:cNvSpPr>
+          <p:nvPr>
+            <p:ph type="title"/>
+          </p:nvPr>
+        </p:nvSpPr>
+        <p:spPr/>
+        <p:txBody>
+          <a:bodyPr/>
+          <a:lstStyle/>
+          <a:p>
+            <a:r>
+              <a:rPr lang="en-US" dirty="0" err="1"/>
+              <a:t>todo.service.ts</a:t>
+            </a:r>
+            <a:endParaRPr lang="en-NL" dirty="0"/>
+          </a:p>
+        </p:txBody>
+      </p:sp>
+      <p:sp>
+        <p:nvSpPr>
+          <p:cNvPr id="3" name="Content Placeholder 2">
+            <a:extLst>
+              <a:ext uri="{FF2B5EF4-FFF2-40B4-BE49-F238E27FC236}">
+                <a16:creationId xmlns:a16="http://schemas.microsoft.com/office/drawing/2014/main" id="{FCB28D76-56AD-42AE-AA56-F5F00F084A0A}"/>
+              </a:ext>
+            </a:extLst>
+          </p:cNvPr>
+          <p:cNvSpPr>
+            <a:spLocks noGrp="1"/>
+          </p:cNvSpPr>
+          <p:nvPr>
+            <p:ph idx="1"/>
+          </p:nvPr>
+        </p:nvSpPr>
+        <p:spPr/>
+        <p:style>
+          <a:lnRef idx="0">
+            <a:scrgbClr r="0" g="0" b="0"/>
+          </a:lnRef>
+          <a:fillRef idx="1001">
+            <a:schemeClr val="dk2"/>
+          </a:fillRef>
+          <a:effectRef idx="0">
+            <a:scrgbClr r="0" g="0" b="0"/>
+          </a:effectRef>
+          <a:fontRef idx="major"/>
+        </p:style>
+        <p:txBody>
+          <a:bodyPr/>
+          <a:lstStyle/>
+          <a:p>
+            <a:pPr marL="0" indent="0">
+              <a:buNone/>
+            </a:pPr>
+            <a:r>
+              <a:rPr lang="en-US" dirty="0">
+                <a:solidFill>
+                  <a:srgbClr val="569CD6"/>
+                </a:solidFill>
+                <a:latin typeface="Consolas" panose="020B0609020204030204" pitchFamily="49" charset="0"/>
+              </a:rPr>
+              <a:t>public</a:t>
+            </a:r>
+            <a:r>
+              <a:rPr lang="en-US" dirty="0">
+                <a:solidFill>
+                  <a:srgbClr val="D4D4D4"/>
+                </a:solidFill>
+                <a:latin typeface="Consolas" panose="020B0609020204030204" pitchFamily="49" charset="0"/>
+              </a:rPr>
+              <a:t> </a:t>
+            </a:r>
+            <a:r>
+              <a:rPr lang="en-US" dirty="0" err="1">
+                <a:solidFill>
+                  <a:srgbClr val="DCDCAA"/>
+                </a:solidFill>
+                <a:latin typeface="Consolas" panose="020B0609020204030204" pitchFamily="49" charset="0"/>
+              </a:rPr>
+              <a:t>getToDos</a:t>
+            </a:r>
+            <a:r>
+              <a:rPr lang="en-US" dirty="0">
+                <a:solidFill>
+                  <a:srgbClr val="D4D4D4"/>
+                </a:solidFill>
+                <a:latin typeface="Consolas" panose="020B0609020204030204" pitchFamily="49" charset="0"/>
+              </a:rPr>
+              <a:t>(): </a:t>
+            </a:r>
+            <a:r>
+              <a:rPr lang="en-US" dirty="0">
+                <a:solidFill>
+                  <a:srgbClr val="4EC9B0"/>
+                </a:solidFill>
+                <a:latin typeface="Consolas" panose="020B0609020204030204" pitchFamily="49" charset="0"/>
+              </a:rPr>
+              <a:t>Observable</a:t>
+            </a:r>
+            <a:r>
+              <a:rPr lang="en-US" dirty="0">
+                <a:solidFill>
+                  <a:srgbClr val="D4D4D4"/>
+                </a:solidFill>
+                <a:latin typeface="Consolas" panose="020B0609020204030204" pitchFamily="49" charset="0"/>
+              </a:rPr>
+              <a:t>&lt;</a:t>
+            </a:r>
+            <a:r>
+              <a:rPr lang="en-US" dirty="0" err="1">
+                <a:solidFill>
+                  <a:srgbClr val="4EC9B0"/>
+                </a:solidFill>
+                <a:latin typeface="Consolas" panose="020B0609020204030204" pitchFamily="49" charset="0"/>
+              </a:rPr>
+              <a:t>Todo</a:t>
+            </a:r>
+            <a:r>
+              <a:rPr lang="en-US" dirty="0">
+                <a:solidFill>
+                  <a:srgbClr val="D4D4D4"/>
+                </a:solidFill>
+                <a:latin typeface="Consolas" panose="020B0609020204030204" pitchFamily="49" charset="0"/>
+              </a:rPr>
+              <a:t>[]&gt; {</a:t>
+            </a:r>
+          </a:p>
+          <a:p>
+            <a:pPr marL="914400" lvl="2" indent="0">
+              <a:buNone/>
+            </a:pPr>
+            <a:r>
+              <a:rPr lang="en-US" dirty="0">
+                <a:solidFill>
+                  <a:srgbClr val="C586C0"/>
+                </a:solidFill>
+                <a:latin typeface="Consolas" panose="020B0609020204030204" pitchFamily="49" charset="0"/>
+              </a:rPr>
+              <a:t>return </a:t>
+            </a:r>
+            <a:r>
+              <a:rPr lang="en-US" dirty="0" err="1">
+                <a:solidFill>
+                  <a:srgbClr val="569CD6"/>
+                </a:solidFill>
+                <a:latin typeface="Consolas" panose="020B0609020204030204" pitchFamily="49" charset="0"/>
+              </a:rPr>
+              <a:t>this</a:t>
+            </a:r>
+            <a:r>
+              <a:rPr lang="en-US" dirty="0" err="1">
+                <a:solidFill>
+                  <a:srgbClr val="D4D4D4"/>
+                </a:solidFill>
+                <a:latin typeface="Consolas" panose="020B0609020204030204" pitchFamily="49" charset="0"/>
+              </a:rPr>
+              <a:t>.</a:t>
+            </a:r>
+            <a:r>
+              <a:rPr lang="en-US" dirty="0" err="1">
+                <a:solidFill>
+                  <a:srgbClr val="9CDCFE"/>
+                </a:solidFill>
+                <a:latin typeface="Consolas" panose="020B0609020204030204" pitchFamily="49" charset="0"/>
+              </a:rPr>
+              <a:t>http</a:t>
+            </a:r>
+            <a:r>
+              <a:rPr lang="en-US" dirty="0" err="1">
+                <a:solidFill>
+                  <a:srgbClr val="D4D4D4"/>
+                </a:solidFill>
+                <a:latin typeface="Consolas" panose="020B0609020204030204" pitchFamily="49" charset="0"/>
+              </a:rPr>
+              <a:t>.</a:t>
+            </a:r>
+            <a:r>
+              <a:rPr lang="en-US" dirty="0" err="1">
+                <a:solidFill>
+                  <a:srgbClr val="DCDCAA"/>
+                </a:solidFill>
+                <a:latin typeface="Consolas" panose="020B0609020204030204" pitchFamily="49" charset="0"/>
+              </a:rPr>
+              <a:t>get</a:t>
+            </a:r>
+            <a:r>
+              <a:rPr lang="en-US" dirty="0">
+                <a:solidFill>
+                  <a:srgbClr val="D4D4D4"/>
+                </a:solidFill>
+                <a:latin typeface="Consolas" panose="020B0609020204030204" pitchFamily="49" charset="0"/>
+              </a:rPr>
+              <a:t>&lt;</a:t>
+            </a:r>
+            <a:r>
+              <a:rPr lang="en-US" dirty="0" err="1">
+                <a:solidFill>
+                  <a:srgbClr val="4EC9B0"/>
+                </a:solidFill>
+                <a:latin typeface="Consolas" panose="020B0609020204030204" pitchFamily="49" charset="0"/>
+              </a:rPr>
+              <a:t>Todo</a:t>
+            </a:r>
+            <a:r>
+              <a:rPr lang="en-US" dirty="0">
+                <a:solidFill>
+                  <a:srgbClr val="D4D4D4"/>
+                </a:solidFill>
+                <a:latin typeface="Consolas" panose="020B0609020204030204" pitchFamily="49" charset="0"/>
+              </a:rPr>
+              <a:t>[]&gt;(</a:t>
+            </a:r>
+            <a:r>
+              <a:rPr lang="en-US" dirty="0">
+                <a:solidFill>
+                  <a:srgbClr val="CE9178"/>
+                </a:solidFill>
+                <a:latin typeface="Consolas" panose="020B0609020204030204" pitchFamily="49" charset="0"/>
+              </a:rPr>
+              <a:t>'http://localhost:8080/</a:t>
+            </a:r>
+            <a:r>
+              <a:rPr lang="en-US" dirty="0" err="1">
+                <a:solidFill>
+                  <a:srgbClr val="CE9178"/>
+                </a:solidFill>
+                <a:latin typeface="Consolas" panose="020B0609020204030204" pitchFamily="49" charset="0"/>
+              </a:rPr>
+              <a:t>api</a:t>
+            </a:r>
+            <a:r>
+              <a:rPr lang="en-US" dirty="0">
+                <a:solidFill>
+                  <a:srgbClr val="CE9178"/>
+                </a:solidFill>
+                <a:latin typeface="Consolas" panose="020B0609020204030204" pitchFamily="49" charset="0"/>
+              </a:rPr>
+              <a:t>/</a:t>
+            </a:r>
+            <a:r>
+              <a:rPr lang="en-US" dirty="0" err="1">
+                <a:solidFill>
+                  <a:srgbClr val="CE9178"/>
+                </a:solidFill>
+                <a:latin typeface="Consolas" panose="020B0609020204030204" pitchFamily="49" charset="0"/>
+              </a:rPr>
+              <a:t>todo</a:t>
+            </a:r>
+            <a:r>
+              <a:rPr lang="en-US" dirty="0">
+                <a:solidFill>
+                  <a:srgbClr val="CE9178"/>
+                </a:solidFill>
+                <a:latin typeface="Consolas" panose="020B0609020204030204" pitchFamily="49" charset="0"/>
+              </a:rPr>
+              <a:t>'</a:t>
+            </a:r>
+            <a:r>
+              <a:rPr lang="en-US" dirty="0">
+                <a:solidFill>
+                  <a:srgbClr val="D4D4D4"/>
+                </a:solidFill>
+                <a:latin typeface="Consolas" panose="020B0609020204030204" pitchFamily="49" charset="0"/>
+              </a:rPr>
+              <a:t>);</a:t>
+            </a:r>
+          </a:p>
+          <a:p>
+            <a:pPr marL="0" indent="0">
+              <a:buNone/>
+            </a:pPr>
+            <a:r>
+              <a:rPr lang="en-US" dirty="0">
+                <a:solidFill>
+                  <a:srgbClr val="D4D4D4"/>
+                </a:solidFill>
+                <a:latin typeface="Consolas" panose="020B0609020204030204" pitchFamily="49" charset="0"/>
+              </a:rPr>
+              <a:t>}</a:t>
+            </a:r>
+          </a:p>
+          <a:p>
+            <a:pPr marL="0" indent="0">
+              <a:buNone/>
+            </a:pPr>
+            <a:endParaRPr lang="en-NL" dirty="0"/>
+          </a:p>
+        </p:txBody>
+      </p:sp>
+    </p:spTree>
+    <p:extLst>
+      <p:ext uri="{BB962C8B-B14F-4D97-AF65-F5344CB8AC3E}">
+        <p14:creationId xmlns:p14="http://schemas.microsoft.com/office/powerpoint/2010/main" val="1372289573"/>
+      </p:ext>
+    </p:extLst>
+  </p:cSld>
+  <p:clrMapOvr>
+    <a:masterClrMapping/>
+  </p:clrMapOvr>
+</p:sld>
+</file>
+
+<file path=ppt/slides/slide35.xml><?xml version="1.0" encoding="utf-8"?>
+<p:sld xmlns:a="http://schemas.openxmlformats.org/drawingml/2006/main" xmlns:r="http://schemas.openxmlformats.org/officeDocument/2006/relationships" xmlns:p="http://schemas.openxmlformats.org/presentationml/2006/main">
+  <p:cSld>
+    <p:spTree>
+      <p:nvGrpSpPr>
+        <p:cNvPr id="1" name=""/>
+        <p:cNvGrpSpPr/>
+        <p:nvPr/>
+      </p:nvGrpSpPr>
+      <p:grpSpPr>
+        <a:xfrm>
+          <a:off x="0" y="0"/>
+          <a:ext cx="0" cy="0"/>
+          <a:chOff x="0" y="0"/>
+          <a:chExt cx="0" cy="0"/>
+        </a:xfrm>
+      </p:grpSpPr>
+      <p:sp>
+        <p:nvSpPr>
+          <p:cNvPr id="2" name="Title 1">
+            <a:extLst>
+              <a:ext uri="{FF2B5EF4-FFF2-40B4-BE49-F238E27FC236}">
+                <a16:creationId xmlns:a16="http://schemas.microsoft.com/office/drawing/2014/main" id="{41975E12-E3FD-47A1-9410-BAFA7196668A}"/>
+              </a:ext>
+            </a:extLst>
+          </p:cNvPr>
+          <p:cNvSpPr>
+            <a:spLocks noGrp="1"/>
+          </p:cNvSpPr>
+          <p:nvPr>
+            <p:ph type="title"/>
+          </p:nvPr>
+        </p:nvSpPr>
+        <p:spPr/>
+        <p:txBody>
+          <a:bodyPr/>
+          <a:lstStyle/>
+          <a:p>
+            <a:r>
+              <a:rPr lang="en-US" dirty="0" err="1"/>
+              <a:t>todo-overview.component.ts</a:t>
+            </a:r>
+            <a:endParaRPr lang="en-NL" dirty="0"/>
+          </a:p>
+        </p:txBody>
+      </p:sp>
+      <p:sp>
+        <p:nvSpPr>
+          <p:cNvPr id="3" name="Content Placeholder 2">
+            <a:extLst>
+              <a:ext uri="{FF2B5EF4-FFF2-40B4-BE49-F238E27FC236}">
+                <a16:creationId xmlns:a16="http://schemas.microsoft.com/office/drawing/2014/main" id="{73912A70-CD92-49C5-BAB8-8B9120B7D4E2}"/>
+              </a:ext>
+            </a:extLst>
+          </p:cNvPr>
+          <p:cNvSpPr>
+            <a:spLocks noGrp="1"/>
+          </p:cNvSpPr>
+          <p:nvPr>
+            <p:ph idx="1"/>
+          </p:nvPr>
+        </p:nvSpPr>
+        <p:spPr/>
+        <p:style>
+          <a:lnRef idx="0">
+            <a:scrgbClr r="0" g="0" b="0"/>
+          </a:lnRef>
+          <a:fillRef idx="1001">
+            <a:schemeClr val="dk2"/>
+          </a:fillRef>
+          <a:effectRef idx="0">
+            <a:scrgbClr r="0" g="0" b="0"/>
+          </a:effectRef>
+          <a:fontRef idx="major"/>
+        </p:style>
+        <p:txBody>
+          <a:bodyPr>
+            <a:normAutofit fontScale="55000" lnSpcReduction="20000"/>
+          </a:bodyPr>
+          <a:lstStyle/>
+          <a:p>
+            <a:pPr marL="0" indent="0">
+              <a:buNone/>
+            </a:pPr>
+            <a:r>
+              <a:rPr lang="en-US" dirty="0">
+                <a:solidFill>
+                  <a:srgbClr val="C586C0"/>
+                </a:solidFill>
+                <a:latin typeface="Consolas" panose="020B0609020204030204" pitchFamily="49" charset="0"/>
+              </a:rPr>
+              <a:t>export</a:t>
+            </a:r>
+            <a:r>
+              <a:rPr lang="en-US" dirty="0">
+                <a:solidFill>
+                  <a:srgbClr val="D4D4D4"/>
+                </a:solidFill>
+                <a:latin typeface="Consolas" panose="020B0609020204030204" pitchFamily="49" charset="0"/>
+              </a:rPr>
+              <a:t> </a:t>
+            </a:r>
+            <a:r>
+              <a:rPr lang="en-US" dirty="0">
+                <a:solidFill>
+                  <a:srgbClr val="569CD6"/>
+                </a:solidFill>
+                <a:latin typeface="Consolas" panose="020B0609020204030204" pitchFamily="49" charset="0"/>
+              </a:rPr>
+              <a:t>class</a:t>
+            </a:r>
+            <a:r>
+              <a:rPr lang="en-US" dirty="0">
+                <a:solidFill>
+                  <a:srgbClr val="D4D4D4"/>
+                </a:solidFill>
+                <a:latin typeface="Consolas" panose="020B0609020204030204" pitchFamily="49" charset="0"/>
+              </a:rPr>
+              <a:t> </a:t>
+            </a:r>
+            <a:r>
+              <a:rPr lang="en-US" dirty="0" err="1">
+                <a:solidFill>
+                  <a:srgbClr val="4EC9B0"/>
+                </a:solidFill>
+                <a:latin typeface="Consolas" panose="020B0609020204030204" pitchFamily="49" charset="0"/>
+              </a:rPr>
+              <a:t>TodoOverviewComponent</a:t>
+            </a:r>
+            <a:r>
+              <a:rPr lang="en-US" dirty="0">
+                <a:solidFill>
+                  <a:srgbClr val="D4D4D4"/>
+                </a:solidFill>
+                <a:latin typeface="Consolas" panose="020B0609020204030204" pitchFamily="49" charset="0"/>
+              </a:rPr>
+              <a:t> </a:t>
+            </a:r>
+            <a:r>
+              <a:rPr lang="en-US" dirty="0">
+                <a:solidFill>
+                  <a:srgbClr val="569CD6"/>
+                </a:solidFill>
+                <a:latin typeface="Consolas" panose="020B0609020204030204" pitchFamily="49" charset="0"/>
+              </a:rPr>
+              <a:t>implements</a:t>
+            </a:r>
+            <a:r>
+              <a:rPr lang="en-US" dirty="0">
+                <a:solidFill>
+                  <a:srgbClr val="D4D4D4"/>
+                </a:solidFill>
+                <a:latin typeface="Consolas" panose="020B0609020204030204" pitchFamily="49" charset="0"/>
+              </a:rPr>
+              <a:t> </a:t>
+            </a:r>
+            <a:r>
+              <a:rPr lang="en-US" dirty="0" err="1">
+                <a:solidFill>
+                  <a:srgbClr val="4EC9B0"/>
+                </a:solidFill>
+                <a:latin typeface="Consolas" panose="020B0609020204030204" pitchFamily="49" charset="0"/>
+              </a:rPr>
+              <a:t>OnInit</a:t>
+            </a:r>
+            <a:r>
+              <a:rPr lang="en-US" dirty="0">
+                <a:solidFill>
+                  <a:srgbClr val="D4D4D4"/>
+                </a:solidFill>
+                <a:latin typeface="Consolas" panose="020B0609020204030204" pitchFamily="49" charset="0"/>
+              </a:rPr>
+              <a:t> {</a:t>
+            </a:r>
+          </a:p>
+          <a:p>
+            <a:pPr marL="0" indent="0">
+              <a:buNone/>
+            </a:pPr>
+            <a:r>
+              <a:rPr lang="en-US" dirty="0">
+                <a:solidFill>
+                  <a:srgbClr val="569CD6"/>
+                </a:solidFill>
+                <a:latin typeface="Consolas" panose="020B0609020204030204" pitchFamily="49" charset="0"/>
+              </a:rPr>
+              <a:t>	public</a:t>
+            </a:r>
+            <a:r>
+              <a:rPr lang="en-US" dirty="0">
+                <a:solidFill>
+                  <a:srgbClr val="D4D4D4"/>
+                </a:solidFill>
+                <a:latin typeface="Consolas" panose="020B0609020204030204" pitchFamily="49" charset="0"/>
+              </a:rPr>
+              <a:t> </a:t>
+            </a:r>
+            <a:r>
+              <a:rPr lang="en-US" dirty="0" err="1">
+                <a:solidFill>
+                  <a:srgbClr val="9CDCFE"/>
+                </a:solidFill>
+                <a:latin typeface="Consolas" panose="020B0609020204030204" pitchFamily="49" charset="0"/>
+              </a:rPr>
+              <a:t>todos</a:t>
+            </a:r>
+            <a:r>
+              <a:rPr lang="en-US" dirty="0">
+                <a:solidFill>
+                  <a:srgbClr val="D4D4D4"/>
+                </a:solidFill>
+                <a:latin typeface="Consolas" panose="020B0609020204030204" pitchFamily="49" charset="0"/>
+              </a:rPr>
+              <a:t>: </a:t>
+            </a:r>
+            <a:r>
+              <a:rPr lang="en-US" dirty="0" err="1">
+                <a:solidFill>
+                  <a:srgbClr val="4EC9B0"/>
+                </a:solidFill>
+                <a:latin typeface="Consolas" panose="020B0609020204030204" pitchFamily="49" charset="0"/>
+              </a:rPr>
+              <a:t>Todo</a:t>
+            </a:r>
+            <a:r>
+              <a:rPr lang="en-US" dirty="0">
+                <a:solidFill>
+                  <a:srgbClr val="D4D4D4"/>
+                </a:solidFill>
+                <a:latin typeface="Consolas" panose="020B0609020204030204" pitchFamily="49" charset="0"/>
+              </a:rPr>
+              <a:t>[];</a:t>
+            </a:r>
+          </a:p>
+          <a:p>
+            <a:pPr marL="0" indent="0">
+              <a:buNone/>
+            </a:pPr>
+            <a:br>
+              <a:rPr lang="en-US" dirty="0">
+                <a:solidFill>
+                  <a:srgbClr val="D4D4D4"/>
+                </a:solidFill>
+                <a:latin typeface="Consolas" panose="020B0609020204030204" pitchFamily="49" charset="0"/>
+              </a:rPr>
+            </a:br>
+            <a:r>
+              <a:rPr lang="en-US" dirty="0">
+                <a:solidFill>
+                  <a:srgbClr val="D4D4D4"/>
+                </a:solidFill>
+                <a:latin typeface="Consolas" panose="020B0609020204030204" pitchFamily="49" charset="0"/>
+              </a:rPr>
+              <a:t>	</a:t>
+            </a:r>
+            <a:r>
+              <a:rPr lang="en-US" dirty="0">
+                <a:solidFill>
+                  <a:srgbClr val="569CD6"/>
+                </a:solidFill>
+                <a:latin typeface="Consolas" panose="020B0609020204030204" pitchFamily="49" charset="0"/>
+              </a:rPr>
+              <a:t>constructor</a:t>
+            </a:r>
+            <a:r>
+              <a:rPr lang="en-US" dirty="0">
+                <a:solidFill>
+                  <a:srgbClr val="D4D4D4"/>
+                </a:solidFill>
+                <a:latin typeface="Consolas" panose="020B0609020204030204" pitchFamily="49" charset="0"/>
+              </a:rPr>
+              <a:t>(</a:t>
+            </a:r>
+            <a:r>
+              <a:rPr lang="en-US" dirty="0">
+                <a:solidFill>
+                  <a:srgbClr val="569CD6"/>
+                </a:solidFill>
+                <a:latin typeface="Consolas" panose="020B0609020204030204" pitchFamily="49" charset="0"/>
+              </a:rPr>
+              <a:t>private</a:t>
+            </a:r>
+            <a:r>
+              <a:rPr lang="en-US" dirty="0">
+                <a:solidFill>
+                  <a:srgbClr val="D4D4D4"/>
+                </a:solidFill>
+                <a:latin typeface="Consolas" panose="020B0609020204030204" pitchFamily="49" charset="0"/>
+              </a:rPr>
+              <a:t> </a:t>
+            </a:r>
+            <a:r>
+              <a:rPr lang="en-US" dirty="0" err="1">
+                <a:solidFill>
+                  <a:srgbClr val="9CDCFE"/>
+                </a:solidFill>
+                <a:latin typeface="Consolas" panose="020B0609020204030204" pitchFamily="49" charset="0"/>
+              </a:rPr>
+              <a:t>todoService</a:t>
+            </a:r>
+            <a:r>
+              <a:rPr lang="en-US" dirty="0">
+                <a:solidFill>
+                  <a:srgbClr val="D4D4D4"/>
+                </a:solidFill>
+                <a:latin typeface="Consolas" panose="020B0609020204030204" pitchFamily="49" charset="0"/>
+              </a:rPr>
+              <a:t>: </a:t>
+            </a:r>
+            <a:r>
+              <a:rPr lang="en-US" dirty="0" err="1">
+                <a:solidFill>
+                  <a:srgbClr val="4EC9B0"/>
+                </a:solidFill>
+                <a:latin typeface="Consolas" panose="020B0609020204030204" pitchFamily="49" charset="0"/>
+              </a:rPr>
+              <a:t>TodoService</a:t>
+            </a:r>
+            <a:r>
+              <a:rPr lang="en-US" dirty="0">
+                <a:solidFill>
+                  <a:srgbClr val="D4D4D4"/>
+                </a:solidFill>
+                <a:latin typeface="Consolas" panose="020B0609020204030204" pitchFamily="49" charset="0"/>
+              </a:rPr>
+              <a:t>) { }</a:t>
+            </a:r>
+          </a:p>
+          <a:p>
+            <a:pPr marL="0" indent="0">
+              <a:buNone/>
+            </a:pPr>
+            <a:br>
+              <a:rPr lang="en-US" dirty="0">
+                <a:solidFill>
+                  <a:srgbClr val="D4D4D4"/>
+                </a:solidFill>
+                <a:latin typeface="Consolas" panose="020B0609020204030204" pitchFamily="49" charset="0"/>
+              </a:rPr>
+            </a:br>
+            <a:r>
+              <a:rPr lang="en-US" dirty="0">
+                <a:solidFill>
+                  <a:srgbClr val="D4D4D4"/>
+                </a:solidFill>
+                <a:latin typeface="Consolas" panose="020B0609020204030204" pitchFamily="49" charset="0"/>
+              </a:rPr>
+              <a:t>	</a:t>
+            </a:r>
+            <a:r>
+              <a:rPr lang="en-US" dirty="0" err="1">
+                <a:solidFill>
+                  <a:srgbClr val="DCDCAA"/>
+                </a:solidFill>
+                <a:latin typeface="Consolas" panose="020B0609020204030204" pitchFamily="49" charset="0"/>
+              </a:rPr>
+              <a:t>ngOnInit</a:t>
+            </a:r>
+            <a:r>
+              <a:rPr lang="en-US" dirty="0">
+                <a:solidFill>
+                  <a:srgbClr val="D4D4D4"/>
+                </a:solidFill>
+                <a:latin typeface="Consolas" panose="020B0609020204030204" pitchFamily="49" charset="0"/>
+              </a:rPr>
+              <a:t>() {</a:t>
+            </a:r>
+          </a:p>
+          <a:p>
+            <a:pPr marL="0" indent="0">
+              <a:buNone/>
+            </a:pPr>
+            <a:r>
+              <a:rPr lang="en-US" dirty="0">
+                <a:solidFill>
+                  <a:srgbClr val="569CD6"/>
+                </a:solidFill>
+                <a:latin typeface="Consolas" panose="020B0609020204030204" pitchFamily="49" charset="0"/>
+              </a:rPr>
+              <a:t>		</a:t>
+            </a:r>
+            <a:r>
+              <a:rPr lang="en-US" dirty="0" err="1">
+                <a:solidFill>
+                  <a:srgbClr val="569CD6"/>
+                </a:solidFill>
+                <a:latin typeface="Consolas" panose="020B0609020204030204" pitchFamily="49" charset="0"/>
+              </a:rPr>
+              <a:t>this</a:t>
+            </a:r>
+            <a:r>
+              <a:rPr lang="en-US" dirty="0" err="1">
+                <a:solidFill>
+                  <a:srgbClr val="D4D4D4"/>
+                </a:solidFill>
+                <a:latin typeface="Consolas" panose="020B0609020204030204" pitchFamily="49" charset="0"/>
+              </a:rPr>
+              <a:t>.</a:t>
+            </a:r>
+            <a:r>
+              <a:rPr lang="en-US" dirty="0" err="1">
+                <a:solidFill>
+                  <a:srgbClr val="9CDCFE"/>
+                </a:solidFill>
+                <a:latin typeface="Consolas" panose="020B0609020204030204" pitchFamily="49" charset="0"/>
+              </a:rPr>
+              <a:t>todoService</a:t>
+            </a:r>
+            <a:r>
+              <a:rPr lang="en-US" dirty="0" err="1">
+                <a:solidFill>
+                  <a:srgbClr val="D4D4D4"/>
+                </a:solidFill>
+                <a:latin typeface="Consolas" panose="020B0609020204030204" pitchFamily="49" charset="0"/>
+              </a:rPr>
+              <a:t>.</a:t>
+            </a:r>
+            <a:r>
+              <a:rPr lang="en-US" dirty="0" err="1">
+                <a:solidFill>
+                  <a:srgbClr val="DCDCAA"/>
+                </a:solidFill>
+                <a:latin typeface="Consolas" panose="020B0609020204030204" pitchFamily="49" charset="0"/>
+              </a:rPr>
+              <a:t>getToDos</a:t>
+            </a:r>
+            <a:r>
+              <a:rPr lang="en-US" dirty="0">
+                <a:solidFill>
+                  <a:srgbClr val="D4D4D4"/>
+                </a:solidFill>
+                <a:latin typeface="Consolas" panose="020B0609020204030204" pitchFamily="49" charset="0"/>
+              </a:rPr>
+              <a:t>().</a:t>
+            </a:r>
+            <a:r>
+              <a:rPr lang="en-US" dirty="0">
+                <a:solidFill>
+                  <a:srgbClr val="DCDCAA"/>
+                </a:solidFill>
+                <a:latin typeface="Consolas" panose="020B0609020204030204" pitchFamily="49" charset="0"/>
+              </a:rPr>
+              <a:t>subscribe</a:t>
+            </a:r>
+            <a:r>
+              <a:rPr lang="en-US" dirty="0">
+                <a:solidFill>
+                  <a:srgbClr val="D4D4D4"/>
+                </a:solidFill>
+                <a:latin typeface="Consolas" panose="020B0609020204030204" pitchFamily="49" charset="0"/>
+              </a:rPr>
+              <a:t>( </a:t>
+            </a:r>
+          </a:p>
+          <a:p>
+            <a:pPr marL="0" indent="0">
+              <a:buNone/>
+            </a:pPr>
+            <a:r>
+              <a:rPr lang="en-US" dirty="0">
+                <a:solidFill>
+                  <a:srgbClr val="9CDCFE"/>
+                </a:solidFill>
+                <a:latin typeface="Consolas" panose="020B0609020204030204" pitchFamily="49" charset="0"/>
+              </a:rPr>
+              <a:t>			data</a:t>
+            </a:r>
+            <a:r>
+              <a:rPr lang="en-US" dirty="0">
+                <a:solidFill>
+                  <a:srgbClr val="D4D4D4"/>
+                </a:solidFill>
+                <a:latin typeface="Consolas" panose="020B0609020204030204" pitchFamily="49" charset="0"/>
+              </a:rPr>
+              <a:t> </a:t>
+            </a:r>
+            <a:r>
+              <a:rPr lang="en-US" dirty="0">
+                <a:solidFill>
+                  <a:srgbClr val="569CD6"/>
+                </a:solidFill>
+                <a:latin typeface="Consolas" panose="020B0609020204030204" pitchFamily="49" charset="0"/>
+              </a:rPr>
+              <a:t>=&gt;</a:t>
+            </a:r>
+            <a:r>
+              <a:rPr lang="en-US" dirty="0">
+                <a:solidFill>
+                  <a:srgbClr val="D4D4D4"/>
+                </a:solidFill>
+                <a:latin typeface="Consolas" panose="020B0609020204030204" pitchFamily="49" charset="0"/>
+              </a:rPr>
+              <a:t> {</a:t>
+            </a:r>
+          </a:p>
+          <a:p>
+            <a:pPr marL="0" indent="0">
+              <a:buNone/>
+            </a:pPr>
+            <a:r>
+              <a:rPr lang="en-US" dirty="0">
+                <a:solidFill>
+                  <a:srgbClr val="569CD6"/>
+                </a:solidFill>
+                <a:latin typeface="Consolas" panose="020B0609020204030204" pitchFamily="49" charset="0"/>
+              </a:rPr>
+              <a:t>				</a:t>
+            </a:r>
+            <a:r>
+              <a:rPr lang="en-US" dirty="0" err="1">
+                <a:solidFill>
+                  <a:srgbClr val="569CD6"/>
+                </a:solidFill>
+                <a:latin typeface="Consolas" panose="020B0609020204030204" pitchFamily="49" charset="0"/>
+              </a:rPr>
+              <a:t>this</a:t>
+            </a:r>
+            <a:r>
+              <a:rPr lang="en-US" dirty="0" err="1">
+                <a:solidFill>
+                  <a:srgbClr val="D4D4D4"/>
+                </a:solidFill>
+                <a:latin typeface="Consolas" panose="020B0609020204030204" pitchFamily="49" charset="0"/>
+              </a:rPr>
+              <a:t>.</a:t>
+            </a:r>
+            <a:r>
+              <a:rPr lang="en-US" dirty="0" err="1">
+                <a:solidFill>
+                  <a:srgbClr val="9CDCFE"/>
+                </a:solidFill>
+                <a:latin typeface="Consolas" panose="020B0609020204030204" pitchFamily="49" charset="0"/>
+              </a:rPr>
+              <a:t>todos</a:t>
+            </a:r>
+            <a:r>
+              <a:rPr lang="en-US" dirty="0">
+                <a:solidFill>
+                  <a:srgbClr val="D4D4D4"/>
+                </a:solidFill>
+                <a:latin typeface="Consolas" panose="020B0609020204030204" pitchFamily="49" charset="0"/>
+              </a:rPr>
+              <a:t> = </a:t>
+            </a:r>
+            <a:r>
+              <a:rPr lang="en-US" dirty="0">
+                <a:solidFill>
+                  <a:srgbClr val="9CDCFE"/>
+                </a:solidFill>
+                <a:latin typeface="Consolas" panose="020B0609020204030204" pitchFamily="49" charset="0"/>
+              </a:rPr>
+              <a:t>data</a:t>
+            </a:r>
+            <a:r>
+              <a:rPr lang="en-US" dirty="0">
+                <a:solidFill>
+                  <a:srgbClr val="D4D4D4"/>
+                </a:solidFill>
+                <a:latin typeface="Consolas" panose="020B0609020204030204" pitchFamily="49" charset="0"/>
+              </a:rPr>
+              <a:t>;</a:t>
+            </a:r>
+          </a:p>
+          <a:p>
+            <a:pPr marL="0" indent="0">
+              <a:buNone/>
+            </a:pPr>
+            <a:r>
+              <a:rPr lang="en-US" dirty="0">
+                <a:solidFill>
+                  <a:srgbClr val="D4D4D4"/>
+                </a:solidFill>
+                <a:latin typeface="Consolas" panose="020B0609020204030204" pitchFamily="49" charset="0"/>
+              </a:rPr>
+              <a:t>			},</a:t>
+            </a:r>
+          </a:p>
+          <a:p>
+            <a:pPr marL="0" indent="0">
+              <a:buNone/>
+            </a:pPr>
+            <a:r>
+              <a:rPr lang="en-US" dirty="0">
+                <a:solidFill>
+                  <a:srgbClr val="9CDCFE"/>
+                </a:solidFill>
+                <a:latin typeface="Consolas" panose="020B0609020204030204" pitchFamily="49" charset="0"/>
+              </a:rPr>
+              <a:t>			err</a:t>
+            </a:r>
+            <a:r>
+              <a:rPr lang="en-US" dirty="0">
+                <a:solidFill>
+                  <a:srgbClr val="D4D4D4"/>
+                </a:solidFill>
+                <a:latin typeface="Consolas" panose="020B0609020204030204" pitchFamily="49" charset="0"/>
+              </a:rPr>
+              <a:t> </a:t>
+            </a:r>
+            <a:r>
+              <a:rPr lang="en-US" dirty="0">
+                <a:solidFill>
+                  <a:srgbClr val="569CD6"/>
+                </a:solidFill>
+                <a:latin typeface="Consolas" panose="020B0609020204030204" pitchFamily="49" charset="0"/>
+              </a:rPr>
+              <a:t>=&gt;</a:t>
+            </a:r>
+            <a:r>
+              <a:rPr lang="en-US" dirty="0">
+                <a:solidFill>
+                  <a:srgbClr val="D4D4D4"/>
+                </a:solidFill>
+                <a:latin typeface="Consolas" panose="020B0609020204030204" pitchFamily="49" charset="0"/>
+              </a:rPr>
+              <a:t> { </a:t>
+            </a:r>
+          </a:p>
+          <a:p>
+            <a:pPr marL="0" indent="0">
+              <a:buNone/>
+            </a:pPr>
+            <a:r>
+              <a:rPr lang="en-US" dirty="0">
+                <a:solidFill>
+                  <a:srgbClr val="DCDCAA"/>
+                </a:solidFill>
+                <a:latin typeface="Consolas" panose="020B0609020204030204" pitchFamily="49" charset="0"/>
+              </a:rPr>
+              <a:t>				alert</a:t>
+            </a:r>
+            <a:r>
+              <a:rPr lang="en-US" dirty="0">
+                <a:solidFill>
+                  <a:srgbClr val="D4D4D4"/>
+                </a:solidFill>
+                <a:latin typeface="Consolas" panose="020B0609020204030204" pitchFamily="49" charset="0"/>
+              </a:rPr>
+              <a:t>(</a:t>
+            </a:r>
+            <a:r>
+              <a:rPr lang="en-US" dirty="0">
+                <a:solidFill>
+                  <a:srgbClr val="CE9178"/>
+                </a:solidFill>
+                <a:latin typeface="Consolas" panose="020B0609020204030204" pitchFamily="49" charset="0"/>
+              </a:rPr>
+              <a:t>'Something went wrong!’</a:t>
+            </a:r>
+            <a:r>
+              <a:rPr lang="en-US" dirty="0">
+                <a:solidFill>
+                  <a:srgbClr val="D4D4D4"/>
+                </a:solidFill>
+                <a:latin typeface="Consolas" panose="020B0609020204030204" pitchFamily="49" charset="0"/>
+              </a:rPr>
+              <a:t>);</a:t>
+            </a:r>
+          </a:p>
+          <a:p>
+            <a:pPr marL="0" indent="0">
+              <a:buNone/>
+            </a:pPr>
+            <a:r>
+              <a:rPr lang="en-US" dirty="0">
+                <a:solidFill>
+                  <a:srgbClr val="D4D4D4"/>
+                </a:solidFill>
+                <a:latin typeface="Consolas" panose="020B0609020204030204" pitchFamily="49" charset="0"/>
+              </a:rPr>
+              <a:t>			}</a:t>
+            </a:r>
+          </a:p>
+          <a:p>
+            <a:pPr marL="0" indent="0">
+              <a:buNone/>
+            </a:pPr>
+            <a:r>
+              <a:rPr lang="en-US" dirty="0">
+                <a:solidFill>
+                  <a:srgbClr val="D4D4D4"/>
+                </a:solidFill>
+                <a:latin typeface="Consolas" panose="020B0609020204030204" pitchFamily="49" charset="0"/>
+              </a:rPr>
+              <a:t>		);</a:t>
+            </a:r>
+          </a:p>
+          <a:p>
+            <a:pPr marL="0" indent="0">
+              <a:buNone/>
+            </a:pPr>
+            <a:r>
+              <a:rPr lang="en-US" dirty="0">
+                <a:solidFill>
+                  <a:srgbClr val="D4D4D4"/>
+                </a:solidFill>
+                <a:latin typeface="Consolas" panose="020B0609020204030204" pitchFamily="49" charset="0"/>
+              </a:rPr>
+              <a:t>	}</a:t>
+            </a:r>
+          </a:p>
+          <a:p>
+            <a:pPr marL="0" indent="0">
+              <a:buNone/>
+            </a:pPr>
+            <a:r>
+              <a:rPr lang="en-US" dirty="0">
+                <a:solidFill>
+                  <a:srgbClr val="D4D4D4"/>
+                </a:solidFill>
+                <a:latin typeface="Consolas" panose="020B0609020204030204" pitchFamily="49" charset="0"/>
+              </a:rPr>
+              <a:t>}</a:t>
+            </a:r>
+          </a:p>
+          <a:p>
+            <a:pPr marL="0" indent="0">
+              <a:buNone/>
+            </a:pPr>
+            <a:endParaRPr lang="en-NL" dirty="0"/>
+          </a:p>
+        </p:txBody>
+      </p:sp>
+    </p:spTree>
+    <p:extLst>
+      <p:ext uri="{BB962C8B-B14F-4D97-AF65-F5344CB8AC3E}">
+        <p14:creationId xmlns:p14="http://schemas.microsoft.com/office/powerpoint/2010/main" val="3258493421"/>
+      </p:ext>
+    </p:extLst>
+  </p:cSld>
+  <p:clrMapOvr>
+    <a:masterClrMapping/>
+  </p:clrMapOvr>
+</p:sld>
+</file>
+
+<file path=ppt/slides/slide36.xml><?xml version="1.0" encoding="utf-8"?>
+<p:sld xmlns:a="http://schemas.openxmlformats.org/drawingml/2006/main" xmlns:r="http://schemas.openxmlformats.org/officeDocument/2006/relationships" xmlns:p="http://schemas.openxmlformats.org/presentationml/2006/main">
+  <p:cSld>
+    <p:spTree>
+      <p:nvGrpSpPr>
+        <p:cNvPr id="1" name=""/>
+        <p:cNvGrpSpPr/>
+        <p:nvPr/>
+      </p:nvGrpSpPr>
+      <p:grpSpPr>
+        <a:xfrm>
+          <a:off x="0" y="0"/>
+          <a:ext cx="0" cy="0"/>
+          <a:chOff x="0" y="0"/>
+          <a:chExt cx="0" cy="0"/>
+        </a:xfrm>
+      </p:grpSpPr>
+      <p:sp>
+        <p:nvSpPr>
+          <p:cNvPr id="2" name="Title 1">
+            <a:extLst>
+              <a:ext uri="{FF2B5EF4-FFF2-40B4-BE49-F238E27FC236}">
+                <a16:creationId xmlns:a16="http://schemas.microsoft.com/office/drawing/2014/main" id="{EE129988-07F2-4EFC-A447-3C0C388F98C9}"/>
+              </a:ext>
+            </a:extLst>
+          </p:cNvPr>
+          <p:cNvSpPr>
+            <a:spLocks noGrp="1"/>
+          </p:cNvSpPr>
+          <p:nvPr>
+            <p:ph type="title"/>
+          </p:nvPr>
+        </p:nvSpPr>
+        <p:spPr/>
+        <p:txBody>
+          <a:bodyPr/>
+          <a:lstStyle/>
+          <a:p>
+            <a:r>
+              <a:rPr lang="en-US" dirty="0"/>
+              <a:t>todo-overview.component.html</a:t>
+            </a:r>
+            <a:endParaRPr lang="en-NL" dirty="0"/>
+          </a:p>
+        </p:txBody>
+      </p:sp>
+      <p:sp>
+        <p:nvSpPr>
+          <p:cNvPr id="3" name="Content Placeholder 2">
+            <a:extLst>
+              <a:ext uri="{FF2B5EF4-FFF2-40B4-BE49-F238E27FC236}">
+                <a16:creationId xmlns:a16="http://schemas.microsoft.com/office/drawing/2014/main" id="{3D401415-398D-48A1-BAFD-2B4334D4ECF9}"/>
+              </a:ext>
+            </a:extLst>
+          </p:cNvPr>
+          <p:cNvSpPr>
+            <a:spLocks noGrp="1"/>
+          </p:cNvSpPr>
+          <p:nvPr>
+            <p:ph idx="1"/>
+          </p:nvPr>
+        </p:nvSpPr>
+        <p:spPr/>
+        <p:style>
+          <a:lnRef idx="0">
+            <a:scrgbClr r="0" g="0" b="0"/>
+          </a:lnRef>
+          <a:fillRef idx="1001">
+            <a:schemeClr val="dk2"/>
+          </a:fillRef>
+          <a:effectRef idx="0">
+            <a:scrgbClr r="0" g="0" b="0"/>
+          </a:effectRef>
+          <a:fontRef idx="major"/>
+        </p:style>
+        <p:txBody>
+          <a:bodyPr>
+            <a:normAutofit/>
+          </a:bodyPr>
+          <a:lstStyle/>
+          <a:p>
+            <a:pPr marL="0" indent="0">
+              <a:buNone/>
+            </a:pPr>
+            <a:r>
+              <a:rPr lang="en-US" sz="2000" dirty="0">
+                <a:solidFill>
+                  <a:srgbClr val="808080"/>
+                </a:solidFill>
+                <a:latin typeface="Consolas" panose="020B0609020204030204" pitchFamily="49" charset="0"/>
+              </a:rPr>
+              <a:t>&lt;</a:t>
+            </a:r>
+            <a:r>
+              <a:rPr lang="en-US" sz="2000" dirty="0">
+                <a:solidFill>
+                  <a:srgbClr val="569CD6"/>
+                </a:solidFill>
+                <a:latin typeface="Consolas" panose="020B0609020204030204" pitchFamily="49" charset="0"/>
+              </a:rPr>
+              <a:t>div</a:t>
+            </a:r>
+            <a:r>
+              <a:rPr lang="en-US" sz="2000" dirty="0">
+                <a:solidFill>
+                  <a:srgbClr val="D4D4D4"/>
+                </a:solidFill>
+                <a:latin typeface="Consolas" panose="020B0609020204030204" pitchFamily="49" charset="0"/>
+              </a:rPr>
+              <a:t> </a:t>
+            </a:r>
+            <a:r>
+              <a:rPr lang="en-US" sz="2000" dirty="0">
+                <a:solidFill>
+                  <a:srgbClr val="9CDCFE"/>
+                </a:solidFill>
+                <a:latin typeface="Consolas" panose="020B0609020204030204" pitchFamily="49" charset="0"/>
+              </a:rPr>
+              <a:t>class</a:t>
+            </a:r>
+            <a:r>
+              <a:rPr lang="en-US" sz="2000" dirty="0">
+                <a:solidFill>
+                  <a:srgbClr val="D4D4D4"/>
+                </a:solidFill>
+                <a:latin typeface="Consolas" panose="020B0609020204030204" pitchFamily="49" charset="0"/>
+              </a:rPr>
+              <a:t>=</a:t>
+            </a:r>
+            <a:r>
+              <a:rPr lang="en-US" sz="2000" dirty="0">
+                <a:solidFill>
+                  <a:srgbClr val="CE9178"/>
+                </a:solidFill>
+                <a:latin typeface="Consolas" panose="020B0609020204030204" pitchFamily="49" charset="0"/>
+              </a:rPr>
+              <a:t>"container"</a:t>
+            </a:r>
+            <a:r>
+              <a:rPr lang="en-US" sz="2000" dirty="0">
+                <a:solidFill>
+                  <a:srgbClr val="808080"/>
+                </a:solidFill>
+                <a:latin typeface="Consolas" panose="020B0609020204030204" pitchFamily="49" charset="0"/>
+              </a:rPr>
+              <a:t>&gt;</a:t>
+            </a:r>
+            <a:endParaRPr lang="en-US" sz="2000" dirty="0">
+              <a:solidFill>
+                <a:srgbClr val="D4D4D4"/>
+              </a:solidFill>
+              <a:latin typeface="Consolas" panose="020B0609020204030204" pitchFamily="49" charset="0"/>
+            </a:endParaRPr>
+          </a:p>
+          <a:p>
+            <a:pPr marL="457200" lvl="1" indent="0">
+              <a:buNone/>
+            </a:pPr>
+            <a:r>
+              <a:rPr lang="en-US" sz="2000" dirty="0">
+                <a:solidFill>
+                  <a:srgbClr val="808080"/>
+                </a:solidFill>
+                <a:latin typeface="Consolas" panose="020B0609020204030204" pitchFamily="49" charset="0"/>
+              </a:rPr>
+              <a:t>&lt;</a:t>
+            </a:r>
+            <a:r>
+              <a:rPr lang="en-US" sz="2000" dirty="0">
+                <a:solidFill>
+                  <a:srgbClr val="569CD6"/>
+                </a:solidFill>
+                <a:latin typeface="Consolas" panose="020B0609020204030204" pitchFamily="49" charset="0"/>
+              </a:rPr>
+              <a:t>h1</a:t>
+            </a:r>
+            <a:r>
+              <a:rPr lang="en-US" sz="2000" dirty="0">
+                <a:solidFill>
+                  <a:srgbClr val="808080"/>
+                </a:solidFill>
+                <a:latin typeface="Consolas" panose="020B0609020204030204" pitchFamily="49" charset="0"/>
+              </a:rPr>
+              <a:t>&gt;</a:t>
+            </a:r>
+            <a:r>
+              <a:rPr lang="en-US" sz="2000" dirty="0">
+                <a:solidFill>
+                  <a:srgbClr val="D4D4D4"/>
+                </a:solidFill>
+                <a:latin typeface="Consolas" panose="020B0609020204030204" pitchFamily="49" charset="0"/>
+              </a:rPr>
+              <a:t>All </a:t>
+            </a:r>
+            <a:r>
+              <a:rPr lang="en-US" sz="2000" dirty="0" err="1">
+                <a:solidFill>
+                  <a:srgbClr val="D4D4D4"/>
+                </a:solidFill>
+                <a:latin typeface="Consolas" panose="020B0609020204030204" pitchFamily="49" charset="0"/>
+              </a:rPr>
+              <a:t>ToDos</a:t>
+            </a:r>
+            <a:r>
+              <a:rPr lang="en-US" sz="2000" dirty="0">
+                <a:solidFill>
+                  <a:srgbClr val="808080"/>
+                </a:solidFill>
+                <a:latin typeface="Consolas" panose="020B0609020204030204" pitchFamily="49" charset="0"/>
+              </a:rPr>
+              <a:t>&lt;/</a:t>
+            </a:r>
+            <a:r>
+              <a:rPr lang="en-US" sz="2000" dirty="0">
+                <a:solidFill>
+                  <a:srgbClr val="569CD6"/>
+                </a:solidFill>
+                <a:latin typeface="Consolas" panose="020B0609020204030204" pitchFamily="49" charset="0"/>
+              </a:rPr>
+              <a:t>h1</a:t>
+            </a:r>
+            <a:r>
+              <a:rPr lang="en-US" sz="2000" dirty="0">
+                <a:solidFill>
+                  <a:srgbClr val="808080"/>
+                </a:solidFill>
+                <a:latin typeface="Consolas" panose="020B0609020204030204" pitchFamily="49" charset="0"/>
+              </a:rPr>
+              <a:t>&gt;</a:t>
+            </a:r>
+            <a:endParaRPr lang="en-US" sz="2000" dirty="0">
+              <a:solidFill>
+                <a:srgbClr val="D4D4D4"/>
+              </a:solidFill>
+              <a:latin typeface="Consolas" panose="020B0609020204030204" pitchFamily="49" charset="0"/>
+            </a:endParaRPr>
+          </a:p>
+          <a:p>
+            <a:pPr marL="914400" lvl="2" indent="0">
+              <a:buNone/>
+            </a:pPr>
+            <a:r>
+              <a:rPr lang="en-US" dirty="0">
+                <a:solidFill>
+                  <a:srgbClr val="808080"/>
+                </a:solidFill>
+                <a:latin typeface="Consolas" panose="020B0609020204030204" pitchFamily="49" charset="0"/>
+              </a:rPr>
+              <a:t>&lt;</a:t>
+            </a:r>
+            <a:r>
+              <a:rPr lang="en-US" dirty="0">
+                <a:solidFill>
+                  <a:srgbClr val="569CD6"/>
+                </a:solidFill>
+                <a:latin typeface="Consolas" panose="020B0609020204030204" pitchFamily="49" charset="0"/>
+              </a:rPr>
+              <a:t>div</a:t>
+            </a:r>
+            <a:r>
+              <a:rPr lang="en-US" dirty="0">
+                <a:solidFill>
+                  <a:srgbClr val="D4D4D4"/>
+                </a:solidFill>
+                <a:latin typeface="Consolas" panose="020B0609020204030204" pitchFamily="49" charset="0"/>
+              </a:rPr>
+              <a:t> </a:t>
+            </a:r>
+            <a:r>
+              <a:rPr lang="en-US" dirty="0">
+                <a:solidFill>
+                  <a:srgbClr val="9CDCFE"/>
+                </a:solidFill>
+                <a:latin typeface="Consolas" panose="020B0609020204030204" pitchFamily="49" charset="0"/>
+              </a:rPr>
+              <a:t>class</a:t>
+            </a:r>
+            <a:r>
+              <a:rPr lang="en-US" dirty="0">
+                <a:solidFill>
+                  <a:srgbClr val="D4D4D4"/>
+                </a:solidFill>
+                <a:latin typeface="Consolas" panose="020B0609020204030204" pitchFamily="49" charset="0"/>
+              </a:rPr>
+              <a:t>=</a:t>
+            </a:r>
+            <a:r>
+              <a:rPr lang="en-US" dirty="0">
+                <a:solidFill>
+                  <a:srgbClr val="CE9178"/>
+                </a:solidFill>
+                <a:latin typeface="Consolas" panose="020B0609020204030204" pitchFamily="49" charset="0"/>
+              </a:rPr>
+              <a:t>"row"</a:t>
+            </a:r>
+            <a:r>
+              <a:rPr lang="en-US" dirty="0">
+                <a:solidFill>
+                  <a:srgbClr val="808080"/>
+                </a:solidFill>
+                <a:latin typeface="Consolas" panose="020B0609020204030204" pitchFamily="49" charset="0"/>
+              </a:rPr>
+              <a:t>&gt;</a:t>
+            </a:r>
+            <a:endParaRPr lang="en-US" dirty="0">
+              <a:solidFill>
+                <a:srgbClr val="D4D4D4"/>
+              </a:solidFill>
+              <a:latin typeface="Consolas" panose="020B0609020204030204" pitchFamily="49" charset="0"/>
+            </a:endParaRPr>
+          </a:p>
+          <a:p>
+            <a:pPr marL="914400" lvl="2" indent="0">
+              <a:buNone/>
+            </a:pPr>
+            <a:r>
+              <a:rPr lang="en-US" dirty="0">
+                <a:solidFill>
+                  <a:srgbClr val="808080"/>
+                </a:solidFill>
+                <a:latin typeface="Consolas" panose="020B0609020204030204" pitchFamily="49" charset="0"/>
+              </a:rPr>
+              <a:t>&lt;</a:t>
+            </a:r>
+            <a:r>
+              <a:rPr lang="en-US" dirty="0">
+                <a:solidFill>
+                  <a:srgbClr val="569CD6"/>
+                </a:solidFill>
+                <a:latin typeface="Consolas" panose="020B0609020204030204" pitchFamily="49" charset="0"/>
+              </a:rPr>
+              <a:t>div</a:t>
+            </a:r>
+            <a:r>
+              <a:rPr lang="en-US" dirty="0">
+                <a:solidFill>
+                  <a:srgbClr val="D4D4D4"/>
+                </a:solidFill>
+                <a:latin typeface="Consolas" panose="020B0609020204030204" pitchFamily="49" charset="0"/>
+              </a:rPr>
+              <a:t> </a:t>
+            </a:r>
+            <a:r>
+              <a:rPr lang="en-US" dirty="0">
+                <a:solidFill>
+                  <a:srgbClr val="9CDCFE"/>
+                </a:solidFill>
+                <a:latin typeface="Consolas" panose="020B0609020204030204" pitchFamily="49" charset="0"/>
+              </a:rPr>
+              <a:t>class</a:t>
+            </a:r>
+            <a:r>
+              <a:rPr lang="en-US" dirty="0">
+                <a:solidFill>
+                  <a:srgbClr val="D4D4D4"/>
+                </a:solidFill>
+                <a:latin typeface="Consolas" panose="020B0609020204030204" pitchFamily="49" charset="0"/>
+              </a:rPr>
+              <a:t>=</a:t>
+            </a:r>
+            <a:r>
+              <a:rPr lang="en-US" dirty="0">
+                <a:solidFill>
+                  <a:srgbClr val="CE9178"/>
+                </a:solidFill>
+                <a:latin typeface="Consolas" panose="020B0609020204030204" pitchFamily="49" charset="0"/>
+              </a:rPr>
+              <a:t>"col-md-3"</a:t>
+            </a:r>
+            <a:r>
+              <a:rPr lang="en-US" dirty="0">
+                <a:solidFill>
+                  <a:srgbClr val="D4D4D4"/>
+                </a:solidFill>
+                <a:latin typeface="Consolas" panose="020B0609020204030204" pitchFamily="49" charset="0"/>
+              </a:rPr>
+              <a:t> *</a:t>
+            </a:r>
+            <a:r>
+              <a:rPr lang="en-US" dirty="0" err="1">
+                <a:solidFill>
+                  <a:srgbClr val="9CDCFE"/>
+                </a:solidFill>
+                <a:latin typeface="Consolas" panose="020B0609020204030204" pitchFamily="49" charset="0"/>
+              </a:rPr>
+              <a:t>ngFor</a:t>
+            </a:r>
+            <a:r>
+              <a:rPr lang="en-US" dirty="0">
+                <a:solidFill>
+                  <a:srgbClr val="D4D4D4"/>
+                </a:solidFill>
+                <a:latin typeface="Consolas" panose="020B0609020204030204" pitchFamily="49" charset="0"/>
+              </a:rPr>
+              <a:t>=</a:t>
+            </a:r>
+            <a:r>
+              <a:rPr lang="en-US" dirty="0">
+                <a:solidFill>
+                  <a:srgbClr val="CE9178"/>
+                </a:solidFill>
+                <a:latin typeface="Consolas" panose="020B0609020204030204" pitchFamily="49" charset="0"/>
+              </a:rPr>
+              <a:t>"let </a:t>
+            </a:r>
+            <a:r>
+              <a:rPr lang="en-US" dirty="0" err="1">
+                <a:solidFill>
+                  <a:srgbClr val="CE9178"/>
+                </a:solidFill>
+                <a:latin typeface="Consolas" panose="020B0609020204030204" pitchFamily="49" charset="0"/>
+              </a:rPr>
+              <a:t>todo</a:t>
+            </a:r>
+            <a:r>
+              <a:rPr lang="en-US" dirty="0">
+                <a:solidFill>
+                  <a:srgbClr val="CE9178"/>
+                </a:solidFill>
+                <a:latin typeface="Consolas" panose="020B0609020204030204" pitchFamily="49" charset="0"/>
+              </a:rPr>
+              <a:t> of </a:t>
+            </a:r>
+            <a:r>
+              <a:rPr lang="en-US" dirty="0" err="1">
+                <a:solidFill>
+                  <a:srgbClr val="CE9178"/>
+                </a:solidFill>
+                <a:latin typeface="Consolas" panose="020B0609020204030204" pitchFamily="49" charset="0"/>
+              </a:rPr>
+              <a:t>todos</a:t>
+            </a:r>
+            <a:r>
+              <a:rPr lang="en-US" dirty="0">
+                <a:solidFill>
+                  <a:srgbClr val="CE9178"/>
+                </a:solidFill>
+                <a:latin typeface="Consolas" panose="020B0609020204030204" pitchFamily="49" charset="0"/>
+              </a:rPr>
+              <a:t>;"</a:t>
+            </a:r>
+            <a:r>
+              <a:rPr lang="en-US" dirty="0">
+                <a:solidFill>
+                  <a:srgbClr val="808080"/>
+                </a:solidFill>
+                <a:latin typeface="Consolas" panose="020B0609020204030204" pitchFamily="49" charset="0"/>
+              </a:rPr>
+              <a:t>&gt;</a:t>
+            </a:r>
+            <a:endParaRPr lang="en-US" dirty="0">
+              <a:solidFill>
+                <a:srgbClr val="D4D4D4"/>
+              </a:solidFill>
+              <a:latin typeface="Consolas" panose="020B0609020204030204" pitchFamily="49" charset="0"/>
+            </a:endParaRPr>
+          </a:p>
+          <a:p>
+            <a:pPr marL="914400" lvl="2" indent="0">
+              <a:buNone/>
+            </a:pPr>
+            <a:r>
+              <a:rPr lang="en-US" dirty="0">
+                <a:solidFill>
+                  <a:srgbClr val="808080"/>
+                </a:solidFill>
+                <a:latin typeface="Consolas" panose="020B0609020204030204" pitchFamily="49" charset="0"/>
+              </a:rPr>
+              <a:t>	&lt;</a:t>
+            </a:r>
+            <a:r>
+              <a:rPr lang="en-US" dirty="0">
+                <a:solidFill>
+                  <a:srgbClr val="569CD6"/>
+                </a:solidFill>
+                <a:latin typeface="Consolas" panose="020B0609020204030204" pitchFamily="49" charset="0"/>
+              </a:rPr>
+              <a:t>div</a:t>
+            </a:r>
+            <a:r>
+              <a:rPr lang="en-US" dirty="0">
+                <a:solidFill>
+                  <a:srgbClr val="D4D4D4"/>
+                </a:solidFill>
+                <a:latin typeface="Consolas" panose="020B0609020204030204" pitchFamily="49" charset="0"/>
+              </a:rPr>
+              <a:t> </a:t>
+            </a:r>
+            <a:r>
+              <a:rPr lang="en-US" dirty="0">
+                <a:solidFill>
+                  <a:srgbClr val="9CDCFE"/>
+                </a:solidFill>
+                <a:latin typeface="Consolas" panose="020B0609020204030204" pitchFamily="49" charset="0"/>
+              </a:rPr>
+              <a:t>class</a:t>
+            </a:r>
+            <a:r>
+              <a:rPr lang="en-US" dirty="0">
+                <a:solidFill>
+                  <a:srgbClr val="D4D4D4"/>
+                </a:solidFill>
+                <a:latin typeface="Consolas" panose="020B0609020204030204" pitchFamily="49" charset="0"/>
+              </a:rPr>
+              <a:t>=</a:t>
+            </a:r>
+            <a:r>
+              <a:rPr lang="en-US" dirty="0">
+                <a:solidFill>
+                  <a:srgbClr val="CE9178"/>
+                </a:solidFill>
+                <a:latin typeface="Consolas" panose="020B0609020204030204" pitchFamily="49" charset="0"/>
+              </a:rPr>
+              <a:t>"panel panel-default"</a:t>
+            </a:r>
+            <a:r>
+              <a:rPr lang="en-US" dirty="0">
+                <a:solidFill>
+                  <a:srgbClr val="808080"/>
+                </a:solidFill>
+                <a:latin typeface="Consolas" panose="020B0609020204030204" pitchFamily="49" charset="0"/>
+              </a:rPr>
+              <a:t>&gt;</a:t>
+            </a:r>
+            <a:endParaRPr lang="en-US" dirty="0">
+              <a:solidFill>
+                <a:srgbClr val="D4D4D4"/>
+              </a:solidFill>
+              <a:latin typeface="Consolas" panose="020B0609020204030204" pitchFamily="49" charset="0"/>
+            </a:endParaRPr>
+          </a:p>
+          <a:p>
+            <a:pPr marL="914400" lvl="2" indent="0">
+              <a:buNone/>
+            </a:pPr>
+            <a:r>
+              <a:rPr lang="en-US" dirty="0">
+                <a:solidFill>
+                  <a:srgbClr val="808080"/>
+                </a:solidFill>
+                <a:latin typeface="Consolas" panose="020B0609020204030204" pitchFamily="49" charset="0"/>
+              </a:rPr>
+              <a:t>		&lt;</a:t>
+            </a:r>
+            <a:r>
+              <a:rPr lang="en-US" dirty="0">
+                <a:solidFill>
+                  <a:srgbClr val="569CD6"/>
+                </a:solidFill>
+                <a:latin typeface="Consolas" panose="020B0609020204030204" pitchFamily="49" charset="0"/>
+              </a:rPr>
+              <a:t>div</a:t>
+            </a:r>
+            <a:r>
+              <a:rPr lang="en-US" dirty="0">
+                <a:solidFill>
+                  <a:srgbClr val="D4D4D4"/>
+                </a:solidFill>
+                <a:latin typeface="Consolas" panose="020B0609020204030204" pitchFamily="49" charset="0"/>
+              </a:rPr>
+              <a:t> </a:t>
+            </a:r>
+            <a:r>
+              <a:rPr lang="en-US" dirty="0">
+                <a:solidFill>
+                  <a:srgbClr val="9CDCFE"/>
+                </a:solidFill>
+                <a:latin typeface="Consolas" panose="020B0609020204030204" pitchFamily="49" charset="0"/>
+              </a:rPr>
+              <a:t>class</a:t>
+            </a:r>
+            <a:r>
+              <a:rPr lang="en-US" dirty="0">
+                <a:solidFill>
+                  <a:srgbClr val="D4D4D4"/>
+                </a:solidFill>
+                <a:latin typeface="Consolas" panose="020B0609020204030204" pitchFamily="49" charset="0"/>
+              </a:rPr>
+              <a:t>=</a:t>
+            </a:r>
+            <a:r>
+              <a:rPr lang="en-US" dirty="0">
+                <a:solidFill>
+                  <a:srgbClr val="CE9178"/>
+                </a:solidFill>
+                <a:latin typeface="Consolas" panose="020B0609020204030204" pitchFamily="49" charset="0"/>
+              </a:rPr>
+              <a:t>"panel-heading"</a:t>
+            </a:r>
+            <a:r>
+              <a:rPr lang="en-US" dirty="0">
+                <a:solidFill>
+                  <a:srgbClr val="808080"/>
+                </a:solidFill>
+                <a:latin typeface="Consolas" panose="020B0609020204030204" pitchFamily="49" charset="0"/>
+              </a:rPr>
+              <a:t>&gt;</a:t>
+            </a:r>
+            <a:r>
+              <a:rPr lang="en-US" dirty="0">
+                <a:solidFill>
+                  <a:srgbClr val="D4D4D4"/>
+                </a:solidFill>
+                <a:latin typeface="Consolas" panose="020B0609020204030204" pitchFamily="49" charset="0"/>
+              </a:rPr>
+              <a:t>{{</a:t>
+            </a:r>
+            <a:r>
+              <a:rPr lang="en-US" dirty="0" err="1">
+                <a:solidFill>
+                  <a:srgbClr val="D4D4D4"/>
+                </a:solidFill>
+                <a:latin typeface="Consolas" panose="020B0609020204030204" pitchFamily="49" charset="0"/>
+              </a:rPr>
+              <a:t>todo.title</a:t>
+            </a:r>
+            <a:r>
+              <a:rPr lang="en-US" dirty="0">
+                <a:solidFill>
+                  <a:srgbClr val="D4D4D4"/>
+                </a:solidFill>
+                <a:latin typeface="Consolas" panose="020B0609020204030204" pitchFamily="49" charset="0"/>
+              </a:rPr>
+              <a:t>}}</a:t>
+            </a:r>
+            <a:r>
+              <a:rPr lang="en-US" dirty="0">
+                <a:solidFill>
+                  <a:srgbClr val="808080"/>
+                </a:solidFill>
+                <a:latin typeface="Consolas" panose="020B0609020204030204" pitchFamily="49" charset="0"/>
+              </a:rPr>
+              <a:t>&lt;/</a:t>
+            </a:r>
+            <a:r>
+              <a:rPr lang="en-US" dirty="0">
+                <a:solidFill>
+                  <a:srgbClr val="569CD6"/>
+                </a:solidFill>
+                <a:latin typeface="Consolas" panose="020B0609020204030204" pitchFamily="49" charset="0"/>
+              </a:rPr>
+              <a:t>div</a:t>
+            </a:r>
+            <a:r>
+              <a:rPr lang="en-US" dirty="0">
+                <a:solidFill>
+                  <a:srgbClr val="808080"/>
+                </a:solidFill>
+                <a:latin typeface="Consolas" panose="020B0609020204030204" pitchFamily="49" charset="0"/>
+              </a:rPr>
+              <a:t>&gt;</a:t>
+            </a:r>
+            <a:endParaRPr lang="en-US" dirty="0">
+              <a:solidFill>
+                <a:srgbClr val="D4D4D4"/>
+              </a:solidFill>
+              <a:latin typeface="Consolas" panose="020B0609020204030204" pitchFamily="49" charset="0"/>
+            </a:endParaRPr>
+          </a:p>
+          <a:p>
+            <a:pPr marL="914400" lvl="2" indent="0">
+              <a:buNone/>
+            </a:pPr>
+            <a:r>
+              <a:rPr lang="en-US" dirty="0">
+                <a:solidFill>
+                  <a:srgbClr val="808080"/>
+                </a:solidFill>
+                <a:latin typeface="Consolas" panose="020B0609020204030204" pitchFamily="49" charset="0"/>
+              </a:rPr>
+              <a:t>		&lt;</a:t>
+            </a:r>
+            <a:r>
+              <a:rPr lang="en-US" dirty="0">
+                <a:solidFill>
+                  <a:srgbClr val="569CD6"/>
+                </a:solidFill>
+                <a:latin typeface="Consolas" panose="020B0609020204030204" pitchFamily="49" charset="0"/>
+              </a:rPr>
+              <a:t>div</a:t>
+            </a:r>
+            <a:r>
+              <a:rPr lang="en-US" dirty="0">
+                <a:solidFill>
+                  <a:srgbClr val="D4D4D4"/>
+                </a:solidFill>
+                <a:latin typeface="Consolas" panose="020B0609020204030204" pitchFamily="49" charset="0"/>
+              </a:rPr>
+              <a:t> </a:t>
+            </a:r>
+            <a:r>
+              <a:rPr lang="en-US" dirty="0">
+                <a:solidFill>
+                  <a:srgbClr val="9CDCFE"/>
+                </a:solidFill>
+                <a:latin typeface="Consolas" panose="020B0609020204030204" pitchFamily="49" charset="0"/>
+              </a:rPr>
+              <a:t>class</a:t>
+            </a:r>
+            <a:r>
+              <a:rPr lang="en-US" dirty="0">
+                <a:solidFill>
+                  <a:srgbClr val="D4D4D4"/>
+                </a:solidFill>
+                <a:latin typeface="Consolas" panose="020B0609020204030204" pitchFamily="49" charset="0"/>
+              </a:rPr>
+              <a:t>=</a:t>
+            </a:r>
+            <a:r>
+              <a:rPr lang="en-US" dirty="0">
+                <a:solidFill>
+                  <a:srgbClr val="CE9178"/>
+                </a:solidFill>
+                <a:latin typeface="Consolas" panose="020B0609020204030204" pitchFamily="49" charset="0"/>
+              </a:rPr>
+              <a:t>"panel-body"</a:t>
+            </a:r>
+            <a:r>
+              <a:rPr lang="en-US" dirty="0">
+                <a:solidFill>
+                  <a:srgbClr val="808080"/>
+                </a:solidFill>
+                <a:latin typeface="Consolas" panose="020B0609020204030204" pitchFamily="49" charset="0"/>
+              </a:rPr>
+              <a:t>&gt;</a:t>
+            </a:r>
+            <a:r>
+              <a:rPr lang="en-US" dirty="0">
+                <a:solidFill>
+                  <a:srgbClr val="D4D4D4"/>
+                </a:solidFill>
+                <a:latin typeface="Consolas" panose="020B0609020204030204" pitchFamily="49" charset="0"/>
+              </a:rPr>
+              <a:t>{{</a:t>
+            </a:r>
+            <a:r>
+              <a:rPr lang="en-US" dirty="0" err="1">
+                <a:solidFill>
+                  <a:srgbClr val="D4D4D4"/>
+                </a:solidFill>
+                <a:latin typeface="Consolas" panose="020B0609020204030204" pitchFamily="49" charset="0"/>
+              </a:rPr>
+              <a:t>todo.description</a:t>
+            </a:r>
+            <a:r>
+              <a:rPr lang="en-US" dirty="0">
+                <a:solidFill>
+                  <a:srgbClr val="D4D4D4"/>
+                </a:solidFill>
+                <a:latin typeface="Consolas" panose="020B0609020204030204" pitchFamily="49" charset="0"/>
+              </a:rPr>
+              <a:t>}}</a:t>
+            </a:r>
+            <a:r>
+              <a:rPr lang="en-US" dirty="0">
+                <a:solidFill>
+                  <a:srgbClr val="808080"/>
+                </a:solidFill>
+                <a:latin typeface="Consolas" panose="020B0609020204030204" pitchFamily="49" charset="0"/>
+              </a:rPr>
+              <a:t>&lt;/</a:t>
+            </a:r>
+            <a:r>
+              <a:rPr lang="en-US" dirty="0">
+                <a:solidFill>
+                  <a:srgbClr val="569CD6"/>
+                </a:solidFill>
+                <a:latin typeface="Consolas" panose="020B0609020204030204" pitchFamily="49" charset="0"/>
+              </a:rPr>
+              <a:t>div</a:t>
+            </a:r>
+            <a:r>
+              <a:rPr lang="en-US" dirty="0">
+                <a:solidFill>
+                  <a:srgbClr val="808080"/>
+                </a:solidFill>
+                <a:latin typeface="Consolas" panose="020B0609020204030204" pitchFamily="49" charset="0"/>
+              </a:rPr>
+              <a:t>&gt;</a:t>
+            </a:r>
+            <a:endParaRPr lang="en-US" dirty="0">
+              <a:solidFill>
+                <a:srgbClr val="D4D4D4"/>
+              </a:solidFill>
+              <a:latin typeface="Consolas" panose="020B0609020204030204" pitchFamily="49" charset="0"/>
+            </a:endParaRPr>
+          </a:p>
+          <a:p>
+            <a:pPr marL="914400" lvl="2" indent="0">
+              <a:buNone/>
+            </a:pPr>
+            <a:r>
+              <a:rPr lang="en-US" dirty="0">
+                <a:solidFill>
+                  <a:srgbClr val="808080"/>
+                </a:solidFill>
+                <a:latin typeface="Consolas" panose="020B0609020204030204" pitchFamily="49" charset="0"/>
+              </a:rPr>
+              <a:t>	&lt;/</a:t>
+            </a:r>
+            <a:r>
+              <a:rPr lang="en-US" dirty="0">
+                <a:solidFill>
+                  <a:srgbClr val="569CD6"/>
+                </a:solidFill>
+                <a:latin typeface="Consolas" panose="020B0609020204030204" pitchFamily="49" charset="0"/>
+              </a:rPr>
+              <a:t>div</a:t>
+            </a:r>
+            <a:r>
+              <a:rPr lang="en-US" dirty="0">
+                <a:solidFill>
+                  <a:srgbClr val="808080"/>
+                </a:solidFill>
+                <a:latin typeface="Consolas" panose="020B0609020204030204" pitchFamily="49" charset="0"/>
+              </a:rPr>
+              <a:t>&gt;</a:t>
+            </a:r>
+            <a:endParaRPr lang="en-US" dirty="0">
+              <a:solidFill>
+                <a:srgbClr val="D4D4D4"/>
+              </a:solidFill>
+              <a:latin typeface="Consolas" panose="020B0609020204030204" pitchFamily="49" charset="0"/>
+            </a:endParaRPr>
+          </a:p>
+          <a:p>
+            <a:pPr marL="914400" lvl="2" indent="0">
+              <a:buNone/>
+            </a:pPr>
+            <a:r>
+              <a:rPr lang="en-US" dirty="0">
+                <a:solidFill>
+                  <a:srgbClr val="808080"/>
+                </a:solidFill>
+                <a:latin typeface="Consolas" panose="020B0609020204030204" pitchFamily="49" charset="0"/>
+              </a:rPr>
+              <a:t>&lt;/</a:t>
+            </a:r>
+            <a:r>
+              <a:rPr lang="en-US" dirty="0">
+                <a:solidFill>
+                  <a:srgbClr val="569CD6"/>
+                </a:solidFill>
+                <a:latin typeface="Consolas" panose="020B0609020204030204" pitchFamily="49" charset="0"/>
+              </a:rPr>
+              <a:t>div</a:t>
+            </a:r>
+            <a:r>
+              <a:rPr lang="en-US" dirty="0">
+                <a:solidFill>
+                  <a:srgbClr val="808080"/>
+                </a:solidFill>
+                <a:latin typeface="Consolas" panose="020B0609020204030204" pitchFamily="49" charset="0"/>
+              </a:rPr>
+              <a:t>&gt;</a:t>
+            </a:r>
+            <a:endParaRPr lang="en-US" dirty="0">
+              <a:solidFill>
+                <a:srgbClr val="D4D4D4"/>
+              </a:solidFill>
+              <a:latin typeface="Consolas" panose="020B0609020204030204" pitchFamily="49" charset="0"/>
+            </a:endParaRPr>
+          </a:p>
+          <a:p>
+            <a:pPr marL="457200" lvl="1" indent="0">
+              <a:buNone/>
+            </a:pPr>
+            <a:r>
+              <a:rPr lang="en-US" sz="2000" dirty="0">
+                <a:solidFill>
+                  <a:srgbClr val="808080"/>
+                </a:solidFill>
+                <a:latin typeface="Consolas" panose="020B0609020204030204" pitchFamily="49" charset="0"/>
+              </a:rPr>
+              <a:t>&lt;/</a:t>
+            </a:r>
+            <a:r>
+              <a:rPr lang="en-US" sz="2000" dirty="0">
+                <a:solidFill>
+                  <a:srgbClr val="569CD6"/>
+                </a:solidFill>
+                <a:latin typeface="Consolas" panose="020B0609020204030204" pitchFamily="49" charset="0"/>
+              </a:rPr>
+              <a:t>div</a:t>
+            </a:r>
+            <a:r>
+              <a:rPr lang="en-US" sz="2000" dirty="0">
+                <a:solidFill>
+                  <a:srgbClr val="808080"/>
+                </a:solidFill>
+                <a:latin typeface="Consolas" panose="020B0609020204030204" pitchFamily="49" charset="0"/>
+              </a:rPr>
+              <a:t>&gt;</a:t>
+            </a:r>
+            <a:endParaRPr lang="en-US" sz="2000" dirty="0">
+              <a:solidFill>
+                <a:srgbClr val="D4D4D4"/>
+              </a:solidFill>
+              <a:latin typeface="Consolas" panose="020B0609020204030204" pitchFamily="49" charset="0"/>
+            </a:endParaRPr>
+          </a:p>
+          <a:p>
+            <a:pPr marL="0" indent="0">
+              <a:buNone/>
+            </a:pPr>
+            <a:r>
+              <a:rPr lang="en-US" sz="2000" dirty="0">
+                <a:solidFill>
+                  <a:srgbClr val="808080"/>
+                </a:solidFill>
+                <a:latin typeface="Consolas" panose="020B0609020204030204" pitchFamily="49" charset="0"/>
+              </a:rPr>
+              <a:t>&lt;/</a:t>
+            </a:r>
+            <a:r>
+              <a:rPr lang="en-US" sz="2000" dirty="0">
+                <a:solidFill>
+                  <a:srgbClr val="569CD6"/>
+                </a:solidFill>
+                <a:latin typeface="Consolas" panose="020B0609020204030204" pitchFamily="49" charset="0"/>
+              </a:rPr>
+              <a:t>div</a:t>
+            </a:r>
+            <a:r>
+              <a:rPr lang="en-US" sz="2000" dirty="0">
+                <a:solidFill>
+                  <a:srgbClr val="808080"/>
+                </a:solidFill>
+                <a:latin typeface="Consolas" panose="020B0609020204030204" pitchFamily="49" charset="0"/>
+              </a:rPr>
+              <a:t>&gt;</a:t>
+            </a:r>
+            <a:endParaRPr lang="en-US" sz="2000" dirty="0">
+              <a:solidFill>
+                <a:srgbClr val="D4D4D4"/>
+              </a:solidFill>
+              <a:latin typeface="Consolas" panose="020B0609020204030204" pitchFamily="49" charset="0"/>
+            </a:endParaRPr>
+          </a:p>
+          <a:p>
+            <a:pPr marL="0" indent="0">
+              <a:buNone/>
+            </a:pPr>
+            <a:endParaRPr lang="en-NL" dirty="0"/>
+          </a:p>
+        </p:txBody>
+      </p:sp>
+    </p:spTree>
+    <p:extLst>
+      <p:ext uri="{BB962C8B-B14F-4D97-AF65-F5344CB8AC3E}">
+        <p14:creationId xmlns:p14="http://schemas.microsoft.com/office/powerpoint/2010/main" val="995412643"/>
+      </p:ext>
+    </p:extLst>
+  </p:cSld>
+  <p:clrMapOvr>
+    <a:masterClrMapping/>
+  </p:clrMapOvr>
+</p:sld>
+</file>
+
+<file path=ppt/slides/slide37.xml><?xml version="1.0" encoding="utf-8"?>
+<p:sld xmlns:a="http://schemas.openxmlformats.org/drawingml/2006/main" xmlns:r="http://schemas.openxmlformats.org/officeDocument/2006/relationships" xmlns:p="http://schemas.openxmlformats.org/presentationml/2006/main">
+  <p:cSld>
+    <p:spTree>
+      <p:nvGrpSpPr>
+        <p:cNvPr id="1" name=""/>
+        <p:cNvGrpSpPr/>
+        <p:nvPr/>
+      </p:nvGrpSpPr>
+      <p:grpSpPr>
+        <a:xfrm>
+          <a:off x="0" y="0"/>
+          <a:ext cx="0" cy="0"/>
+          <a:chOff x="0" y="0"/>
+          <a:chExt cx="0" cy="0"/>
+        </a:xfrm>
+      </p:grpSpPr>
+      <p:sp>
+        <p:nvSpPr>
+          <p:cNvPr id="2" name="Title 1">
+            <a:extLst>
+              <a:ext uri="{FF2B5EF4-FFF2-40B4-BE49-F238E27FC236}">
+                <a16:creationId xmlns:a16="http://schemas.microsoft.com/office/drawing/2014/main" id="{4B92548D-B3C1-49E8-A1A1-88BDD127BBA7}"/>
+              </a:ext>
+            </a:extLst>
+          </p:cNvPr>
+          <p:cNvSpPr>
+            <a:spLocks noGrp="1"/>
+          </p:cNvSpPr>
+          <p:nvPr>
+            <p:ph type="title"/>
+          </p:nvPr>
+        </p:nvSpPr>
+        <p:spPr/>
+        <p:txBody>
+          <a:bodyPr/>
+          <a:lstStyle/>
+          <a:p>
+            <a:r>
+              <a:rPr lang="en-US" dirty="0"/>
+              <a:t>create-</a:t>
+            </a:r>
+            <a:r>
+              <a:rPr lang="en-US" dirty="0" err="1"/>
+              <a:t>todo.component.ts</a:t>
+            </a:r>
+            <a:endParaRPr lang="en-NL" dirty="0"/>
+          </a:p>
+        </p:txBody>
+      </p:sp>
+      <p:sp>
+        <p:nvSpPr>
+          <p:cNvPr id="3" name="Content Placeholder 2">
+            <a:extLst>
+              <a:ext uri="{FF2B5EF4-FFF2-40B4-BE49-F238E27FC236}">
+                <a16:creationId xmlns:a16="http://schemas.microsoft.com/office/drawing/2014/main" id="{BB0445FA-8579-4606-AD74-1E94F8B877E7}"/>
+              </a:ext>
+            </a:extLst>
+          </p:cNvPr>
+          <p:cNvSpPr>
+            <a:spLocks noGrp="1"/>
+          </p:cNvSpPr>
+          <p:nvPr>
+            <p:ph idx="1"/>
+          </p:nvPr>
+        </p:nvSpPr>
+        <p:spPr/>
+        <p:style>
+          <a:lnRef idx="0">
+            <a:scrgbClr r="0" g="0" b="0"/>
+          </a:lnRef>
+          <a:fillRef idx="1001">
+            <a:schemeClr val="dk2"/>
+          </a:fillRef>
+          <a:effectRef idx="0">
+            <a:scrgbClr r="0" g="0" b="0"/>
+          </a:effectRef>
+          <a:fontRef idx="major"/>
+        </p:style>
+        <p:txBody>
+          <a:bodyPr/>
+          <a:lstStyle/>
+          <a:p>
+            <a:pPr marL="0" indent="0">
+              <a:buNone/>
+            </a:pPr>
+            <a:r>
+              <a:rPr lang="en-US" dirty="0">
+                <a:solidFill>
+                  <a:srgbClr val="569CD6"/>
+                </a:solidFill>
+                <a:latin typeface="Consolas" panose="020B0609020204030204" pitchFamily="49" charset="0"/>
+              </a:rPr>
+              <a:t>constructor</a:t>
+            </a:r>
+            <a:r>
+              <a:rPr lang="en-US" dirty="0">
+                <a:solidFill>
+                  <a:srgbClr val="D4D4D4"/>
+                </a:solidFill>
+                <a:latin typeface="Consolas" panose="020B0609020204030204" pitchFamily="49" charset="0"/>
+              </a:rPr>
+              <a:t>(</a:t>
+            </a:r>
+            <a:r>
+              <a:rPr lang="en-US" dirty="0">
+                <a:solidFill>
+                  <a:srgbClr val="569CD6"/>
+                </a:solidFill>
+                <a:latin typeface="Consolas" panose="020B0609020204030204" pitchFamily="49" charset="0"/>
+              </a:rPr>
+              <a:t>private</a:t>
+            </a:r>
+            <a:r>
+              <a:rPr lang="en-US" dirty="0">
+                <a:solidFill>
+                  <a:srgbClr val="D4D4D4"/>
+                </a:solidFill>
+                <a:latin typeface="Consolas" panose="020B0609020204030204" pitchFamily="49" charset="0"/>
+              </a:rPr>
+              <a:t> </a:t>
+            </a:r>
+            <a:r>
+              <a:rPr lang="en-US" dirty="0" err="1">
+                <a:solidFill>
+                  <a:srgbClr val="9CDCFE"/>
+                </a:solidFill>
+                <a:latin typeface="Consolas" panose="020B0609020204030204" pitchFamily="49" charset="0"/>
+              </a:rPr>
+              <a:t>todoService</a:t>
+            </a:r>
+            <a:r>
+              <a:rPr lang="en-US" dirty="0">
+                <a:solidFill>
+                  <a:srgbClr val="D4D4D4"/>
+                </a:solidFill>
+                <a:latin typeface="Consolas" panose="020B0609020204030204" pitchFamily="49" charset="0"/>
+              </a:rPr>
+              <a:t>: </a:t>
+            </a:r>
+            <a:r>
+              <a:rPr lang="en-US" dirty="0" err="1">
+                <a:solidFill>
+                  <a:srgbClr val="4EC9B0"/>
+                </a:solidFill>
+                <a:latin typeface="Consolas" panose="020B0609020204030204" pitchFamily="49" charset="0"/>
+              </a:rPr>
+              <a:t>TodoService</a:t>
+            </a:r>
+            <a:r>
+              <a:rPr lang="en-US" dirty="0">
+                <a:solidFill>
+                  <a:srgbClr val="D4D4D4"/>
+                </a:solidFill>
+                <a:latin typeface="Consolas" panose="020B0609020204030204" pitchFamily="49" charset="0"/>
+              </a:rPr>
+              <a:t>, 					</a:t>
+            </a:r>
+            <a:r>
+              <a:rPr lang="en-US" dirty="0">
+                <a:solidFill>
+                  <a:srgbClr val="569CD6"/>
+                </a:solidFill>
+                <a:latin typeface="Consolas" panose="020B0609020204030204" pitchFamily="49" charset="0"/>
+              </a:rPr>
+              <a:t>private</a:t>
+            </a:r>
+            <a:r>
+              <a:rPr lang="en-US" dirty="0">
+                <a:solidFill>
+                  <a:srgbClr val="D4D4D4"/>
+                </a:solidFill>
+                <a:latin typeface="Consolas" panose="020B0609020204030204" pitchFamily="49" charset="0"/>
+              </a:rPr>
+              <a:t> </a:t>
+            </a:r>
+            <a:r>
+              <a:rPr lang="en-US" dirty="0">
+                <a:solidFill>
+                  <a:srgbClr val="9CDCFE"/>
+                </a:solidFill>
+                <a:latin typeface="Consolas" panose="020B0609020204030204" pitchFamily="49" charset="0"/>
+              </a:rPr>
+              <a:t>router</a:t>
+            </a:r>
+            <a:r>
+              <a:rPr lang="en-US" dirty="0">
+                <a:solidFill>
+                  <a:srgbClr val="D4D4D4"/>
+                </a:solidFill>
+                <a:latin typeface="Consolas" panose="020B0609020204030204" pitchFamily="49" charset="0"/>
+              </a:rPr>
+              <a:t>: </a:t>
+            </a:r>
+            <a:r>
+              <a:rPr lang="en-US" dirty="0">
+                <a:solidFill>
+                  <a:srgbClr val="4EC9B0"/>
+                </a:solidFill>
+                <a:latin typeface="Consolas" panose="020B0609020204030204" pitchFamily="49" charset="0"/>
+              </a:rPr>
+              <a:t>Router</a:t>
+            </a:r>
+            <a:r>
+              <a:rPr lang="en-US" dirty="0">
+                <a:solidFill>
+                  <a:srgbClr val="D4D4D4"/>
+                </a:solidFill>
+                <a:latin typeface="Consolas" panose="020B0609020204030204" pitchFamily="49" charset="0"/>
+              </a:rPr>
+              <a:t>) { }</a:t>
+            </a:r>
+          </a:p>
+          <a:p>
+            <a:pPr marL="0" indent="0">
+              <a:buNone/>
+            </a:pPr>
+            <a:endParaRPr lang="en-US" dirty="0">
+              <a:solidFill>
+                <a:srgbClr val="D4D4D4"/>
+              </a:solidFill>
+              <a:latin typeface="Consolas" panose="020B0609020204030204" pitchFamily="49" charset="0"/>
+            </a:endParaRPr>
+          </a:p>
+          <a:p>
+            <a:pPr marL="0" indent="0">
+              <a:buNone/>
+            </a:pPr>
+            <a:r>
+              <a:rPr lang="en-US" dirty="0">
+                <a:solidFill>
+                  <a:srgbClr val="9CDCFE"/>
+                </a:solidFill>
+                <a:latin typeface="Consolas" panose="020B0609020204030204" pitchFamily="49" charset="0"/>
+              </a:rPr>
+              <a:t>data</a:t>
+            </a:r>
+            <a:r>
+              <a:rPr lang="en-US" dirty="0">
+                <a:solidFill>
+                  <a:srgbClr val="D4D4D4"/>
+                </a:solidFill>
+                <a:latin typeface="Consolas" panose="020B0609020204030204" pitchFamily="49" charset="0"/>
+              </a:rPr>
+              <a:t> </a:t>
+            </a:r>
+            <a:r>
+              <a:rPr lang="en-US" dirty="0">
+                <a:solidFill>
+                  <a:srgbClr val="569CD6"/>
+                </a:solidFill>
+                <a:latin typeface="Consolas" panose="020B0609020204030204" pitchFamily="49" charset="0"/>
+              </a:rPr>
+              <a:t>=&gt;</a:t>
+            </a:r>
+            <a:r>
+              <a:rPr lang="en-US" dirty="0">
+                <a:solidFill>
+                  <a:srgbClr val="D4D4D4"/>
+                </a:solidFill>
+                <a:latin typeface="Consolas" panose="020B0609020204030204" pitchFamily="49" charset="0"/>
+              </a:rPr>
+              <a:t> {</a:t>
+            </a:r>
+          </a:p>
+          <a:p>
+            <a:pPr marL="0" indent="0">
+              <a:buNone/>
+            </a:pPr>
+            <a:r>
+              <a:rPr lang="en-US" dirty="0">
+                <a:solidFill>
+                  <a:srgbClr val="569CD6"/>
+                </a:solidFill>
+                <a:latin typeface="Consolas" panose="020B0609020204030204" pitchFamily="49" charset="0"/>
+              </a:rPr>
+              <a:t>	</a:t>
+            </a:r>
+            <a:r>
+              <a:rPr lang="en-US" dirty="0" err="1">
+                <a:solidFill>
+                  <a:srgbClr val="569CD6"/>
+                </a:solidFill>
+                <a:latin typeface="Consolas" panose="020B0609020204030204" pitchFamily="49" charset="0"/>
+              </a:rPr>
+              <a:t>this</a:t>
+            </a:r>
+            <a:r>
+              <a:rPr lang="en-US" dirty="0" err="1">
+                <a:solidFill>
+                  <a:srgbClr val="D4D4D4"/>
+                </a:solidFill>
+                <a:latin typeface="Consolas" panose="020B0609020204030204" pitchFamily="49" charset="0"/>
+              </a:rPr>
+              <a:t>.</a:t>
+            </a:r>
+            <a:r>
+              <a:rPr lang="en-US" dirty="0" err="1">
+                <a:solidFill>
+                  <a:srgbClr val="9CDCFE"/>
+                </a:solidFill>
+                <a:latin typeface="Consolas" panose="020B0609020204030204" pitchFamily="49" charset="0"/>
+              </a:rPr>
+              <a:t>router</a:t>
+            </a:r>
+            <a:r>
+              <a:rPr lang="en-US" dirty="0" err="1">
+                <a:solidFill>
+                  <a:srgbClr val="D4D4D4"/>
+                </a:solidFill>
+                <a:latin typeface="Consolas" panose="020B0609020204030204" pitchFamily="49" charset="0"/>
+              </a:rPr>
+              <a:t>.</a:t>
+            </a:r>
+            <a:r>
+              <a:rPr lang="en-US" dirty="0" err="1">
+                <a:solidFill>
+                  <a:srgbClr val="DCDCAA"/>
+                </a:solidFill>
+                <a:latin typeface="Consolas" panose="020B0609020204030204" pitchFamily="49" charset="0"/>
+              </a:rPr>
+              <a:t>navigate</a:t>
+            </a:r>
+            <a:r>
+              <a:rPr lang="en-US" dirty="0">
+                <a:solidFill>
+                  <a:srgbClr val="D4D4D4"/>
+                </a:solidFill>
+                <a:latin typeface="Consolas" panose="020B0609020204030204" pitchFamily="49" charset="0"/>
+              </a:rPr>
+              <a:t>([</a:t>
+            </a:r>
+            <a:r>
+              <a:rPr lang="en-US" dirty="0">
+                <a:solidFill>
+                  <a:srgbClr val="CE9178"/>
+                </a:solidFill>
+                <a:latin typeface="Consolas" panose="020B0609020204030204" pitchFamily="49" charset="0"/>
+              </a:rPr>
+              <a:t>'/overview'</a:t>
+            </a:r>
+            <a:r>
+              <a:rPr lang="en-US" dirty="0">
+                <a:solidFill>
+                  <a:srgbClr val="D4D4D4"/>
+                </a:solidFill>
+                <a:latin typeface="Consolas" panose="020B0609020204030204" pitchFamily="49" charset="0"/>
+              </a:rPr>
+              <a:t>]);</a:t>
+            </a:r>
+          </a:p>
+          <a:p>
+            <a:pPr marL="0" indent="0">
+              <a:buNone/>
+            </a:pPr>
+            <a:r>
+              <a:rPr lang="en-US" dirty="0">
+                <a:solidFill>
+                  <a:srgbClr val="D4D4D4"/>
+                </a:solidFill>
+                <a:latin typeface="Consolas" panose="020B0609020204030204" pitchFamily="49" charset="0"/>
+              </a:rPr>
+              <a:t>},</a:t>
+            </a:r>
+          </a:p>
+          <a:p>
+            <a:pPr marL="0" indent="0">
+              <a:buNone/>
+            </a:pPr>
+            <a:endParaRPr lang="en-US" dirty="0">
+              <a:solidFill>
+                <a:srgbClr val="D4D4D4"/>
+              </a:solidFill>
+              <a:latin typeface="Consolas" panose="020B0609020204030204" pitchFamily="49" charset="0"/>
+            </a:endParaRPr>
+          </a:p>
+          <a:p>
+            <a:pPr marL="0" indent="0">
+              <a:buNone/>
+            </a:pPr>
+            <a:endParaRPr lang="en-NL" dirty="0"/>
+          </a:p>
+        </p:txBody>
+      </p:sp>
+    </p:spTree>
+    <p:extLst>
+      <p:ext uri="{BB962C8B-B14F-4D97-AF65-F5344CB8AC3E}">
+        <p14:creationId xmlns:p14="http://schemas.microsoft.com/office/powerpoint/2010/main" val="4111231744"/>
+      </p:ext>
+    </p:extLst>
+  </p:cSld>
+  <p:clrMapOvr>
+    <a:masterClrMapping/>
+  </p:clrMapOvr>
+</p:sld>
+</file>
+
+<file path=ppt/slides/slide38.xml><?xml version="1.0" encoding="utf-8"?>
+<p:sld xmlns:a="http://schemas.openxmlformats.org/drawingml/2006/main" xmlns:r="http://schemas.openxmlformats.org/officeDocument/2006/relationships" xmlns:p="http://schemas.openxmlformats.org/presentationml/2006/main">
+  <p:cSld>
+    <p:spTree>
+      <p:nvGrpSpPr>
+        <p:cNvPr id="1" name=""/>
+        <p:cNvGrpSpPr/>
+        <p:nvPr/>
+      </p:nvGrpSpPr>
+      <p:grpSpPr>
+        <a:xfrm>
+          <a:off x="0" y="0"/>
+          <a:ext cx="0" cy="0"/>
+          <a:chOff x="0" y="0"/>
+          <a:chExt cx="0" cy="0"/>
+        </a:xfrm>
+      </p:grpSpPr>
+      <p:sp>
+        <p:nvSpPr>
+          <p:cNvPr id="2" name="Title 1">
+            <a:extLst>
+              <a:ext uri="{FF2B5EF4-FFF2-40B4-BE49-F238E27FC236}">
+                <a16:creationId xmlns:a16="http://schemas.microsoft.com/office/drawing/2014/main" id="{ABCC625A-C244-499D-8A60-7C4F3C2C7CFD}"/>
+              </a:ext>
+            </a:extLst>
+          </p:cNvPr>
+          <p:cNvSpPr>
+            <a:spLocks noGrp="1"/>
+          </p:cNvSpPr>
+          <p:nvPr>
+            <p:ph type="title"/>
+          </p:nvPr>
+        </p:nvSpPr>
+        <p:spPr/>
+        <p:txBody>
+          <a:bodyPr/>
+          <a:lstStyle/>
+          <a:p>
+            <a:r>
+              <a:rPr lang="en-US" dirty="0" err="1"/>
+              <a:t>Koffie</a:t>
+            </a:r>
+            <a:endParaRPr lang="en-NL" dirty="0"/>
+          </a:p>
+        </p:txBody>
+      </p:sp>
+      <p:sp>
+        <p:nvSpPr>
+          <p:cNvPr id="3" name="Content Placeholder 2">
+            <a:extLst>
+              <a:ext uri="{FF2B5EF4-FFF2-40B4-BE49-F238E27FC236}">
+                <a16:creationId xmlns:a16="http://schemas.microsoft.com/office/drawing/2014/main" id="{927224EB-0723-444E-9C16-2574F5B55FA4}"/>
+              </a:ext>
+            </a:extLst>
+          </p:cNvPr>
+          <p:cNvSpPr>
+            <a:spLocks noGrp="1"/>
+          </p:cNvSpPr>
+          <p:nvPr>
+            <p:ph idx="1"/>
+          </p:nvPr>
+        </p:nvSpPr>
+        <p:spPr/>
+        <p:txBody>
+          <a:bodyPr/>
+          <a:lstStyle/>
+          <a:p>
+            <a:endParaRPr lang="en-NL"/>
+          </a:p>
+        </p:txBody>
+      </p:sp>
+    </p:spTree>
+    <p:extLst>
+      <p:ext uri="{BB962C8B-B14F-4D97-AF65-F5344CB8AC3E}">
+        <p14:creationId xmlns:p14="http://schemas.microsoft.com/office/powerpoint/2010/main" val="2239854084"/>
       </p:ext>
     </p:extLst>
   </p:cSld>
@@ -11548,7 +14918,7 @@
           <a:lstStyle/>
           <a:p>
             <a:r>
-              <a:rPr lang="nl-NL" smtClean="0"/>
+              <a:rPr lang="nl-NL"/>
               <a:t>Command Prompt – Create an App</a:t>
             </a:r>
             <a:endParaRPr lang="nl-NL" dirty="0"/>
@@ -11590,7 +14960,7 @@
               <a:buNone/>
             </a:pPr>
             <a:r>
-              <a:rPr lang="nl-NL" dirty="0" smtClean="0"/>
+              <a:rPr lang="nl-NL" dirty="0"/>
               <a:t>&gt; cd /</a:t>
             </a:r>
           </a:p>
@@ -11599,15 +14969,15 @@
               <a:buNone/>
             </a:pPr>
             <a:r>
-              <a:rPr lang="nl-NL" dirty="0" smtClean="0"/>
+              <a:rPr lang="nl-NL" dirty="0"/>
               <a:t>&gt; </a:t>
             </a:r>
             <a:r>
-              <a:rPr lang="nl-NL" dirty="0" err="1" smtClean="0"/>
+              <a:rPr lang="nl-NL" dirty="0" err="1"/>
               <a:t>mkdir</a:t>
             </a:r>
             <a:r>
-              <a:rPr lang="nl-NL" dirty="0" smtClean="0"/>
+              <a:rPr lang="nl-NL" dirty="0"/>
               <a:t> workshop</a:t>
             </a:r>
           </a:p>
@@ -11616,7 +14986,7 @@
               <a:buNone/>
             </a:pPr>
             <a:r>
-              <a:rPr lang="nl-NL" dirty="0" smtClean="0"/>
+              <a:rPr lang="nl-NL" dirty="0"/>
               <a:t>&gt; cd workshop</a:t>
             </a:r>
           </a:p>
@@ -11625,55 +14995,55 @@
               <a:buNone/>
             </a:pPr>
             <a:r>
-              <a:rPr lang="nl-NL" dirty="0" smtClean="0"/>
+              <a:rPr lang="nl-NL" dirty="0"/>
               <a:t>&gt; </a:t>
             </a:r>
             <a:r>
-              <a:rPr lang="nl-NL" dirty="0" err="1" smtClean="0"/>
+              <a:rPr lang="nl-NL" dirty="0" err="1"/>
               <a:t>ng</a:t>
             </a:r>
             <a:r>
-              <a:rPr lang="nl-NL" dirty="0" smtClean="0"/>
+              <a:rPr lang="nl-NL" dirty="0"/>
               <a:t> new </a:t>
             </a:r>
             <a:r>
-              <a:rPr lang="nl-NL" dirty="0" err="1" smtClean="0"/>
+              <a:rPr lang="nl-NL" dirty="0" err="1"/>
               <a:t>todo</a:t>
             </a:r>
             <a:r>
-              <a:rPr lang="nl-NL" dirty="0" smtClean="0"/>
+              <a:rPr lang="nl-NL" dirty="0"/>
               <a:t>-app --routing </a:t>
             </a:r>
             <a:r>
-              <a:rPr lang="nl-NL" dirty="0" err="1" smtClean="0"/>
+              <a:rPr lang="nl-NL" dirty="0" err="1"/>
               <a:t>true</a:t>
             </a:r>
             <a:r>
-              <a:rPr lang="nl-NL" dirty="0" smtClean="0"/>
+              <a:rPr lang="nl-NL" dirty="0"/>
               <a:t> --skip-</a:t>
             </a:r>
             <a:r>
-              <a:rPr lang="nl-NL" dirty="0" err="1" smtClean="0"/>
+              <a:rPr lang="nl-NL" dirty="0" err="1"/>
               <a:t>install</a:t>
             </a:r>
             <a:r>
-              <a:rPr lang="nl-NL" dirty="0" smtClean="0"/>
+              <a:rPr lang="nl-NL" dirty="0"/>
               <a:t> </a:t>
             </a:r>
             <a:r>
-              <a:rPr lang="nl-NL" dirty="0" err="1" smtClean="0"/>
+              <a:rPr lang="nl-NL" dirty="0" err="1"/>
               <a:t>true</a:t>
             </a:r>
             <a:r>
-              <a:rPr lang="nl-NL" dirty="0" smtClean="0"/>
+              <a:rPr lang="nl-NL" dirty="0"/>
               <a:t> --skip-tests </a:t>
             </a:r>
             <a:r>
-              <a:rPr lang="nl-NL" dirty="0" err="1" smtClean="0"/>
+              <a:rPr lang="nl-NL" dirty="0" err="1"/>
               <a:t>true</a:t>
             </a:r>
             <a:r>
-              <a:rPr lang="nl-NL" dirty="0" smtClean="0"/>
+              <a:rPr lang="nl-NL" dirty="0"/>
               <a:t> </a:t>
             </a:r>
           </a:p>
@@ -11682,23 +15052,23 @@
               <a:buNone/>
             </a:pPr>
             <a:r>
-              <a:rPr lang="nl-NL" dirty="0" smtClean="0"/>
+              <a:rPr lang="nl-NL" dirty="0"/>
               <a:t>   --</a:t>
             </a:r>
             <a:r>
-              <a:rPr lang="nl-NL" dirty="0" err="1" smtClean="0"/>
+              <a:rPr lang="nl-NL" dirty="0" err="1"/>
               <a:t>inline-style</a:t>
             </a:r>
             <a:r>
-              <a:rPr lang="nl-NL" dirty="0" smtClean="0"/>
+              <a:rPr lang="nl-NL" dirty="0"/>
               <a:t> </a:t>
             </a:r>
             <a:r>
-              <a:rPr lang="nl-NL" dirty="0" err="1" smtClean="0"/>
+              <a:rPr lang="nl-NL" dirty="0" err="1"/>
               <a:t>true</a:t>
             </a:r>
             <a:r>
-              <a:rPr lang="nl-NL" dirty="0" smtClean="0"/>
+              <a:rPr lang="nl-NL" dirty="0"/>
               <a:t> (--dry-run)</a:t>
             </a:r>
           </a:p>
@@ -11707,15 +15077,15 @@
               <a:buNone/>
             </a:pPr>
             <a:r>
-              <a:rPr lang="nl-NL" dirty="0" smtClean="0"/>
+              <a:rPr lang="nl-NL" dirty="0"/>
               <a:t>&gt; cd </a:t>
             </a:r>
             <a:r>
-              <a:rPr lang="nl-NL" dirty="0" err="1" smtClean="0"/>
+              <a:rPr lang="nl-NL" dirty="0" err="1"/>
               <a:t>todo</a:t>
             </a:r>
             <a:r>
-              <a:rPr lang="nl-NL" dirty="0" smtClean="0"/>
+              <a:rPr lang="nl-NL" dirty="0"/>
               <a:t>-app</a:t>
             </a:r>
           </a:p>
@@ -11724,10 +15094,9 @@
               <a:buNone/>
             </a:pPr>
             <a:r>
-              <a:rPr lang="nl-NL" dirty="0" smtClean="0"/>
+              <a:rPr lang="nl-NL" dirty="0"/>
               <a:t>&gt; code .</a:t>
             </a:r>
-            <a:endParaRPr lang="nl-NL" dirty="0"/>
           </a:p>
         </p:txBody>
       </p:sp>
@@ -11859,7 +15228,7 @@
           <a:lstStyle/>
           <a:p>
             <a:r>
-              <a:rPr lang="nl-NL" smtClean="0"/>
+              <a:rPr lang="nl-NL"/>
               <a:t>Visual Studio Code – Let’s start</a:t>
             </a:r>
             <a:endParaRPr lang="nl-NL" dirty="0"/>
@@ -11906,7 +15275,7 @@
               <a:buNone/>
             </a:pPr>
             <a:r>
-              <a:rPr lang="nl-NL" dirty="0" smtClean="0"/>
+              <a:rPr lang="nl-NL" dirty="0"/>
               <a:t>&gt; ctrl + `</a:t>
             </a:r>
           </a:p>
@@ -11915,58 +15284,54 @@
               <a:buNone/>
             </a:pPr>
             <a:r>
-              <a:rPr lang="nl-NL" dirty="0" smtClean="0"/>
+              <a:rPr lang="nl-NL" dirty="0"/>
               <a:t>&gt; </a:t>
             </a:r>
             <a:r>
-              <a:rPr lang="nl-NL" dirty="0" err="1" smtClean="0"/>
+              <a:rPr lang="nl-NL" dirty="0" err="1"/>
               <a:t>npm</a:t>
             </a:r>
             <a:r>
-              <a:rPr lang="nl-NL" dirty="0" smtClean="0"/>
-              <a:t> </a:t>
-            </a:r>
-            <a:r>
-              <a:rPr lang="nl-NL" dirty="0" err="1" smtClean="0"/>
-              <a:t>install</a:t>
-            </a:r>
-            <a:endParaRPr lang="nl-NL" dirty="0" smtClean="0"/>
-          </a:p>
-          <a:p>
-            <a:pPr marL="0" indent="0">
-              <a:buNone/>
-            </a:pPr>
-            <a:r>
-              <a:rPr lang="nl-NL" dirty="0" smtClean="0"/>
-              <a:t>&gt; </a:t>
-            </a:r>
-            <a:r>
-              <a:rPr lang="nl-NL" dirty="0" err="1" smtClean="0"/>
-              <a:t>npm</a:t>
-            </a:r>
-            <a:r>
-              <a:rPr lang="nl-NL" dirty="0" smtClean="0"/>
+              <a:rPr lang="nl-NL" dirty="0"/>
               <a:t> </a:t>
             </a:r>
             <a:r>
               <a:rPr lang="nl-NL" dirty="0" err="1"/>
               <a:t>install</a:t>
             </a:r>
+            <a:endParaRPr lang="nl-NL" dirty="0"/>
+          </a:p>
+          <a:p>
+            <a:pPr marL="0" indent="0">
+              <a:buNone/>
+            </a:pPr>
+            <a:r>
+              <a:rPr lang="nl-NL" dirty="0"/>
+              <a:t>&gt; </a:t>
+            </a:r>
+            <a:r>
+              <a:rPr lang="nl-NL" dirty="0" err="1"/>
+              <a:t>npm</a:t>
+            </a:r>
             <a:r>
               <a:rPr lang="nl-NL" dirty="0"/>
               <a:t> </a:t>
             </a:r>
             <a:r>
               <a:rPr lang="nl-NL" dirty="0" err="1"/>
-              <a:t>jquery</a:t>
+              <a:t>install</a:t>
             </a:r>
             <a:r>
               <a:rPr lang="nl-NL" dirty="0"/>
               <a:t> </a:t>
             </a:r>
             <a:r>
-              <a:rPr lang="nl-NL" dirty="0" smtClean="0"/>
-              <a:t>--save</a:t>
+              <a:rPr lang="nl-NL" dirty="0" err="1"/>
+              <a:t>jquery</a:t>
+            </a:r>
+            <a:r>
+              <a:rPr lang="nl-NL" dirty="0"/>
+              <a:t> --save</a:t>
             </a:r>
           </a:p>
           <a:p>
@@ -11974,31 +15339,31 @@
               <a:buNone/>
             </a:pPr>
             <a:r>
-              <a:rPr lang="nl-NL" dirty="0" smtClean="0"/>
+              <a:rPr lang="nl-NL" dirty="0"/>
               <a:t>&gt; </a:t>
             </a:r>
             <a:r>
-              <a:rPr lang="nl-NL" dirty="0" err="1" smtClean="0"/>
+              <a:rPr lang="nl-NL" dirty="0" err="1"/>
               <a:t>npm</a:t>
             </a:r>
             <a:r>
-              <a:rPr lang="nl-NL" dirty="0" smtClean="0"/>
+              <a:rPr lang="nl-NL" dirty="0"/>
               <a:t> </a:t>
             </a:r>
             <a:r>
-              <a:rPr lang="nl-NL" dirty="0" err="1" smtClean="0"/>
+              <a:rPr lang="nl-NL" dirty="0" err="1"/>
               <a:t>install</a:t>
             </a:r>
             <a:r>
-              <a:rPr lang="nl-NL" dirty="0" smtClean="0"/>
+              <a:rPr lang="nl-NL" dirty="0"/>
               <a:t> bootstrap --save</a:t>
             </a:r>
           </a:p>
           <a:p>
-            <a:endParaRPr lang="nl-NL" dirty="0" smtClean="0"/>
-          </a:p>
-          <a:p>
-            <a:endParaRPr lang="nl-NL" dirty="0" smtClean="0"/>
+            <a:endParaRPr lang="nl-NL" dirty="0"/>
+          </a:p>
+          <a:p>
+            <a:endParaRPr lang="nl-NL" dirty="0"/>
           </a:p>
           <a:p>
             <a:endParaRPr lang="nl-NL" dirty="0"/>
@@ -12051,26 +15416,25 @@
           <a:lstStyle/>
           <a:p>
             <a:r>
-              <a:rPr lang="nl-NL" dirty="0" smtClean="0"/>
+              <a:rPr lang="nl-NL" dirty="0"/>
               <a:t>Connect </a:t>
             </a:r>
             <a:r>
-              <a:rPr lang="nl-NL" dirty="0" err="1" smtClean="0"/>
+              <a:rPr lang="nl-NL" dirty="0" err="1"/>
               <a:t>to</a:t>
             </a:r>
             <a:r>
-              <a:rPr lang="nl-NL" dirty="0" smtClean="0"/>
+              <a:rPr lang="nl-NL" dirty="0"/>
               <a:t> a </a:t>
             </a:r>
             <a:r>
-              <a:rPr lang="nl-NL" dirty="0" err="1" smtClean="0"/>
+              <a:rPr lang="nl-NL" dirty="0" err="1"/>
               <a:t>repository</a:t>
             </a:r>
             <a:r>
-              <a:rPr lang="nl-NL" dirty="0" smtClean="0"/>
+              <a:rPr lang="nl-NL" dirty="0"/>
               <a:t> on GitHub</a:t>
             </a:r>
-            <a:endParaRPr lang="nl-NL" dirty="0"/>
           </a:p>
         </p:txBody>
       </p:sp>
@@ -12109,106 +15473,102 @@
               <a:buNone/>
             </a:pPr>
             <a:r>
-              <a:rPr lang="nl-NL" altLang="x-none" dirty="0" smtClean="0"/>
+              <a:rPr lang="nl-NL" altLang="x-none" dirty="0"/>
+              <a:t>&gt; git </a:t>
+            </a:r>
+            <a:r>
+              <a:rPr lang="nl-NL" altLang="x-none" dirty="0" err="1"/>
+              <a:t>add</a:t>
+            </a:r>
+            <a:r>
+              <a:rPr lang="nl-NL" altLang="x-none" dirty="0"/>
+              <a:t> .</a:t>
+            </a:r>
+          </a:p>
+          <a:p>
+            <a:pPr marL="0" indent="0">
+              <a:buNone/>
+            </a:pPr>
+            <a:r>
+              <a:rPr lang="nl-NL" altLang="x-none" dirty="0"/>
               <a:t>&gt; </a:t>
             </a:r>
             <a:r>
-              <a:rPr lang="nl-NL" altLang="x-none" dirty="0" smtClean="0"/>
-              <a:t>git </a:t>
-            </a:r>
-            <a:r>
-              <a:rPr lang="nl-NL" altLang="x-none" dirty="0" err="1" smtClean="0"/>
-              <a:t>add</a:t>
-            </a:r>
-            <a:r>
-              <a:rPr lang="nl-NL" altLang="x-none" dirty="0" smtClean="0"/>
-              <a:t> .</a:t>
-            </a:r>
+              <a:rPr lang="x-none" altLang="x-none" dirty="0"/>
+              <a:t>git commit -m “</a:t>
+            </a:r>
+            <a:r>
+              <a:rPr lang="nl-NL" altLang="x-none" dirty="0"/>
+              <a:t>App </a:t>
+            </a:r>
+            <a:r>
+              <a:rPr lang="nl-NL" altLang="x-none" dirty="0" err="1"/>
+              <a:t>created</a:t>
+            </a:r>
+            <a:r>
+              <a:rPr lang="x-none" altLang="x-none" dirty="0"/>
+              <a:t>“</a:t>
+            </a:r>
+            <a:endParaRPr lang="en-US" altLang="x-none" dirty="0"/>
           </a:p>
           <a:p>
             <a:pPr marL="0" indent="0">
               <a:buNone/>
             </a:pPr>
             <a:r>
-              <a:rPr lang="nl-NL" altLang="x-none" dirty="0" smtClean="0"/>
+              <a:rPr lang="nl-NL" altLang="x-none" dirty="0"/>
               <a:t>&gt; </a:t>
             </a:r>
             <a:r>
-              <a:rPr lang="x-none" altLang="x-none" dirty="0" smtClean="0"/>
-              <a:t>git commit -m “</a:t>
-            </a:r>
-            <a:r>
-              <a:rPr lang="nl-NL" altLang="x-none" dirty="0" smtClean="0"/>
-              <a:t>App </a:t>
-            </a:r>
-            <a:r>
-              <a:rPr lang="nl-NL" altLang="x-none" dirty="0" err="1" smtClean="0"/>
-              <a:t>created</a:t>
-            </a:r>
-            <a:r>
-              <a:rPr lang="x-none" altLang="x-none" dirty="0" smtClean="0"/>
-              <a:t>“</a:t>
-            </a:r>
-            <a:endParaRPr lang="en-US" altLang="x-none" dirty="0" smtClean="0"/>
+              <a:rPr lang="x-none" altLang="x-none" dirty="0"/>
+              <a:t>git remote add origin </a:t>
+            </a:r>
+            <a:endParaRPr lang="nl-NL" altLang="x-none" dirty="0"/>
           </a:p>
           <a:p>
             <a:pPr marL="0" indent="0">
               <a:buNone/>
             </a:pPr>
             <a:r>
-              <a:rPr lang="nl-NL" altLang="x-none" dirty="0" smtClean="0"/>
+              <a:rPr lang="nl-NL" altLang="x-none" dirty="0"/>
+              <a:t>   </a:t>
+            </a:r>
+            <a:r>
+              <a:rPr lang="x-none" altLang="x-none" dirty="0"/>
+              <a:t>https://github.com/spirit-coding/</a:t>
+            </a:r>
+            <a:r>
+              <a:rPr lang="en-US" altLang="x-none" dirty="0" err="1"/>
+              <a:t>todo</a:t>
+            </a:r>
+            <a:r>
+              <a:rPr lang="en-US" altLang="x-none" dirty="0"/>
+              <a:t>-app-&lt;</a:t>
+            </a:r>
+            <a:r>
+              <a:rPr lang="en-US" altLang="x-none" dirty="0" err="1"/>
+              <a:t>gebruikersnaam-wifi</a:t>
+            </a:r>
+            <a:r>
+              <a:rPr lang="en-US" altLang="x-none" dirty="0"/>
+              <a:t>&gt;</a:t>
+            </a:r>
+            <a:r>
+              <a:rPr lang="x-none" altLang="x-none" dirty="0"/>
+              <a:t>.git </a:t>
+            </a:r>
+            <a:endParaRPr lang="nl-NL" altLang="x-none" dirty="0"/>
+          </a:p>
+          <a:p>
+            <a:pPr marL="0" indent="0">
+              <a:buNone/>
+            </a:pPr>
+            <a:r>
+              <a:rPr lang="nl-NL" altLang="x-none" dirty="0"/>
               <a:t>&gt; </a:t>
             </a:r>
             <a:r>
-              <a:rPr lang="x-none" altLang="x-none" dirty="0" smtClean="0"/>
-              <a:t>git remote add origin </a:t>
-            </a:r>
-            <a:endParaRPr lang="nl-NL" altLang="x-none" dirty="0" smtClean="0"/>
-          </a:p>
-          <a:p>
-            <a:pPr marL="0" indent="0">
-              <a:buNone/>
-            </a:pPr>
-            <a:r>
-              <a:rPr lang="nl-NL" altLang="x-none" dirty="0" smtClean="0"/>
-              <a:t>   </a:t>
-            </a:r>
-            <a:r>
-              <a:rPr lang="x-none" altLang="x-none" dirty="0" smtClean="0"/>
-              <a:t>https://github.com/spirit-coding/</a:t>
-            </a:r>
-            <a:r>
-              <a:rPr lang="en-US" altLang="x-none" dirty="0" err="1" smtClean="0"/>
-              <a:t>todo</a:t>
-            </a:r>
-            <a:r>
-              <a:rPr lang="en-US" altLang="x-none" dirty="0" smtClean="0"/>
-              <a:t>-app-&lt;</a:t>
-            </a:r>
-            <a:r>
-              <a:rPr lang="en-US" altLang="x-none" dirty="0" err="1" smtClean="0"/>
-              <a:t>gebruikersnaam-wifi</a:t>
-            </a:r>
-            <a:r>
-              <a:rPr lang="en-US" altLang="x-none" dirty="0" smtClean="0"/>
-              <a:t>&gt;</a:t>
-            </a:r>
-            <a:r>
-              <a:rPr lang="x-none" altLang="x-none" dirty="0" smtClean="0"/>
-              <a:t>.git </a:t>
-            </a:r>
-            <a:endParaRPr lang="nl-NL" altLang="x-none" dirty="0" smtClean="0"/>
-          </a:p>
-          <a:p>
-            <a:pPr marL="0" indent="0">
-              <a:buNone/>
-            </a:pPr>
-            <a:r>
-              <a:rPr lang="nl-NL" altLang="x-none" dirty="0" smtClean="0"/>
-              <a:t>&gt; </a:t>
-            </a:r>
-            <a:r>
-              <a:rPr lang="x-none" altLang="x-none" dirty="0" smtClean="0"/>
+              <a:rPr lang="x-none" altLang="x-none" dirty="0"/>
               <a:t>git push -u origin master </a:t>
             </a:r>
           </a:p>
@@ -12263,7 +15623,7 @@
           <a:lstStyle/>
           <a:p>
             <a:r>
-              <a:rPr lang="nl-NL" smtClean="0"/>
+              <a:rPr lang="nl-NL"/>
               <a:t>Starting the App!</a:t>
             </a:r>
             <a:endParaRPr lang="nl-NL" dirty="0"/>
@@ -12305,18 +15665,17 @@
               <a:buNone/>
             </a:pPr>
             <a:r>
-              <a:rPr lang="nl-NL" dirty="0" smtClean="0"/>
+              <a:rPr lang="nl-NL" dirty="0"/>
               <a:t>&gt; </a:t>
             </a:r>
             <a:r>
-              <a:rPr lang="nl-NL" dirty="0" err="1" smtClean="0"/>
+              <a:rPr lang="nl-NL" dirty="0" err="1"/>
               <a:t>ng</a:t>
             </a:r>
             <a:r>
-              <a:rPr lang="nl-NL" dirty="0" smtClean="0"/>
+              <a:rPr lang="nl-NL" dirty="0"/>
               <a:t> serve –open </a:t>
             </a:r>
-            <a:endParaRPr lang="nl-NL" dirty="0"/>
           </a:p>
         </p:txBody>
       </p:sp>
@@ -12366,30 +15725,29 @@
           <a:lstStyle/>
           <a:p>
             <a:r>
-              <a:rPr lang="nl-NL" dirty="0" err="1" smtClean="0"/>
+              <a:rPr lang="nl-NL" dirty="0" err="1"/>
               <a:t>Let’s</a:t>
             </a:r>
             <a:r>
-              <a:rPr lang="nl-NL" dirty="0" smtClean="0"/>
+              <a:rPr lang="nl-NL" dirty="0"/>
               <a:t> get </a:t>
             </a:r>
             <a:r>
-              <a:rPr lang="nl-NL" dirty="0" err="1" smtClean="0"/>
+              <a:rPr lang="nl-NL" dirty="0" err="1"/>
               <a:t>coding</a:t>
             </a:r>
             <a:r>
-              <a:rPr lang="nl-NL" dirty="0" smtClean="0"/>
+              <a:rPr lang="nl-NL" dirty="0"/>
               <a:t>! *TODO: </a:t>
             </a:r>
             <a:r>
-              <a:rPr lang="nl-NL" dirty="0" err="1" smtClean="0"/>
+              <a:rPr lang="nl-NL" dirty="0" err="1"/>
               <a:t>Formatting</a:t>
             </a:r>
             <a:r>
-              <a:rPr lang="nl-NL" dirty="0" smtClean="0"/>
+              <a:rPr lang="nl-NL" dirty="0"/>
               <a:t>/Styling</a:t>
             </a:r>
-            <a:endParaRPr lang="nl-NL" dirty="0"/>
           </a:p>
         </p:txBody>
       </p:sp>
@@ -12409,44 +15767,44 @@
           <a:lstStyle/>
           <a:p>
             <a:r>
-              <a:rPr lang="nl-NL" dirty="0" smtClean="0"/>
+              <a:rPr lang="nl-NL" dirty="0"/>
               <a:t>Verwijder alles uit de </a:t>
             </a:r>
             <a:r>
-              <a:rPr lang="nl-NL" dirty="0" err="1" smtClean="0"/>
+              <a:rPr lang="nl-NL" dirty="0" err="1"/>
               <a:t>app.component</a:t>
             </a:r>
             <a:r>
-              <a:rPr lang="nl-NL" dirty="0" smtClean="0"/>
+              <a:rPr lang="nl-NL" dirty="0"/>
               <a:t> behalve router outlet</a:t>
             </a:r>
           </a:p>
           <a:p>
             <a:r>
-              <a:rPr lang="nl-NL" dirty="0" smtClean="0"/>
+              <a:rPr lang="nl-NL" dirty="0"/>
               <a:t>We gaan een </a:t>
             </a:r>
             <a:r>
-              <a:rPr lang="nl-NL" dirty="0" err="1" smtClean="0"/>
+              <a:rPr lang="nl-NL" dirty="0" err="1"/>
               <a:t>create</a:t>
             </a:r>
             <a:r>
-              <a:rPr lang="nl-NL" dirty="0" smtClean="0"/>
+              <a:rPr lang="nl-NL" dirty="0"/>
               <a:t> </a:t>
             </a:r>
             <a:r>
-              <a:rPr lang="nl-NL" dirty="0" err="1" smtClean="0"/>
+              <a:rPr lang="nl-NL" dirty="0" err="1"/>
               <a:t>todo</a:t>
             </a:r>
             <a:r>
-              <a:rPr lang="nl-NL" dirty="0" smtClean="0"/>
+              <a:rPr lang="nl-NL" dirty="0"/>
               <a:t> app component </a:t>
             </a:r>
             <a:r>
-              <a:rPr lang="nl-NL" dirty="0" err="1" smtClean="0"/>
+              <a:rPr lang="nl-NL" dirty="0" err="1"/>
               <a:t>creëeren</a:t>
             </a:r>
-            <a:endParaRPr lang="nl-NL" dirty="0" smtClean="0"/>
+            <a:endParaRPr lang="nl-NL" dirty="0"/>
           </a:p>
           <a:p>
             <a:pPr>
@@ -12454,77 +15812,65 @@
               <a:buChar char="Ø"/>
             </a:pPr>
             <a:r>
-              <a:rPr lang="nl-NL" dirty="0" err="1" smtClean="0"/>
+              <a:rPr lang="nl-NL" dirty="0" err="1"/>
               <a:t>ng</a:t>
             </a:r>
             <a:r>
-              <a:rPr lang="nl-NL" dirty="0" smtClean="0"/>
+              <a:rPr lang="nl-NL" dirty="0"/>
               <a:t> </a:t>
             </a:r>
             <a:r>
-              <a:rPr lang="nl-NL" dirty="0" err="1" smtClean="0"/>
+              <a:rPr lang="nl-NL" dirty="0" err="1"/>
               <a:t>generate</a:t>
             </a:r>
             <a:r>
-              <a:rPr lang="nl-NL" dirty="0" smtClean="0"/>
+              <a:rPr lang="nl-NL" dirty="0"/>
               <a:t> component </a:t>
             </a:r>
             <a:r>
-              <a:rPr lang="nl-NL" dirty="0" err="1" smtClean="0"/>
+              <a:rPr lang="nl-NL" dirty="0" err="1"/>
               <a:t>createTodo</a:t>
             </a:r>
-            <a:endParaRPr lang="nl-NL" dirty="0" smtClean="0"/>
+            <a:endParaRPr lang="nl-NL" dirty="0"/>
           </a:p>
           <a:p>
             <a:pPr marL="0" indent="0">
               <a:buNone/>
             </a:pPr>
             <a:r>
-              <a:rPr lang="nl-NL" dirty="0" smtClean="0"/>
-              <a:t>Plaats &lt;</a:t>
-            </a:r>
-            <a:r>
-              <a:rPr lang="nl-NL" dirty="0" smtClean="0"/>
-              <a:t>app-</a:t>
-            </a:r>
-            <a:r>
-              <a:rPr lang="nl-NL" dirty="0" err="1" smtClean="0"/>
+              <a:rPr lang="nl-NL" dirty="0"/>
+              <a:t>Plaats &lt;app-</a:t>
+            </a:r>
+            <a:r>
+              <a:rPr lang="nl-NL" dirty="0" err="1"/>
               <a:t>create</a:t>
             </a:r>
             <a:r>
-              <a:rPr lang="nl-NL" dirty="0" smtClean="0"/>
+              <a:rPr lang="nl-NL" dirty="0"/>
               <a:t>-</a:t>
             </a:r>
             <a:r>
-              <a:rPr lang="nl-NL" dirty="0" err="1" smtClean="0"/>
+              <a:rPr lang="nl-NL" dirty="0" err="1"/>
               <a:t>to</a:t>
             </a:r>
             <a:r>
-              <a:rPr lang="nl-NL" dirty="0" smtClean="0"/>
-              <a:t>-do</a:t>
-            </a:r>
-            <a:r>
-              <a:rPr lang="nl-NL" dirty="0" smtClean="0"/>
-              <a:t>&gt;&lt;/</a:t>
-            </a:r>
-            <a:r>
-              <a:rPr lang="nl-NL" dirty="0" smtClean="0"/>
-              <a:t>app-</a:t>
-            </a:r>
-            <a:r>
-              <a:rPr lang="nl-NL" dirty="0" err="1" smtClean="0"/>
+              <a:rPr lang="nl-NL" dirty="0"/>
+              <a:t>-do&gt;&lt;/app-</a:t>
+            </a:r>
+            <a:r>
+              <a:rPr lang="nl-NL" dirty="0" err="1"/>
               <a:t>create</a:t>
             </a:r>
             <a:r>
-              <a:rPr lang="nl-NL" dirty="0" smtClean="0"/>
+              <a:rPr lang="nl-NL" dirty="0"/>
               <a:t>-</a:t>
             </a:r>
             <a:r>
-              <a:rPr lang="nl-NL" dirty="0" err="1" smtClean="0"/>
+              <a:rPr lang="nl-NL" dirty="0" err="1"/>
               <a:t>todo</a:t>
             </a:r>
             <a:r>
-              <a:rPr lang="nl-NL" dirty="0" smtClean="0"/>
+              <a:rPr lang="nl-NL" dirty="0"/>
               <a:t>&gt; in app component</a:t>
             </a:r>
           </a:p>
@@ -12533,7 +15879,7 @@
               <a:buNone/>
             </a:pPr>
             <a:r>
-              <a:rPr lang="nl-NL" dirty="0" smtClean="0"/>
+              <a:rPr lang="nl-NL" dirty="0"/>
               <a:t>Oh nee, routing!</a:t>
             </a:r>
           </a:p>

--- a/Angular2.pptx
+++ b/Angular2.pptx
@@ -5,7 +5,7 @@
     <p:sldMasterId id="2147483648" r:id="rId1"/>
   </p:sldMasterIdLst>
   <p:notesMasterIdLst>
-    <p:notesMasterId r:id="rId40"/>
+    <p:notesMasterId r:id="rId46"/>
   </p:notesMasterIdLst>
   <p:sldIdLst>
     <p:sldId id="256" r:id="rId2"/>
@@ -46,6 +46,12 @@
     <p:sldId id="298" r:id="rId37"/>
     <p:sldId id="300" r:id="rId38"/>
     <p:sldId id="299" r:id="rId39"/>
+    <p:sldId id="301" r:id="rId40"/>
+    <p:sldId id="302" r:id="rId41"/>
+    <p:sldId id="303" r:id="rId42"/>
+    <p:sldId id="304" r:id="rId43"/>
+    <p:sldId id="305" r:id="rId44"/>
+    <p:sldId id="306" r:id="rId45"/>
   </p:sldIdLst>
   <p:sldSz cx="12192000" cy="6858000"/>
   <p:notesSz cx="6858000" cy="9144000"/>
@@ -524,7 +530,7 @@
       </p:grpSpPr>
       <p:sp>
         <p:nvSpPr>
-          <p:cNvPr id="2" name="Tijdelijke aanduiding voor dia-afbeelding 1"/>
+          <p:cNvPr id="2" name="Slide Image Placeholder 1"/>
           <p:cNvSpPr>
             <a:spLocks noGrp="1" noRot="1" noChangeAspect="1"/>
           </p:cNvSpPr>
@@ -536,7 +542,7 @@
       </p:sp>
       <p:sp>
         <p:nvSpPr>
-          <p:cNvPr id="3" name="Tijdelijke aanduiding voor notities 2"/>
+          <p:cNvPr id="3" name="Notes Placeholder 2"/>
           <p:cNvSpPr>
             <a:spLocks noGrp="1"/>
           </p:cNvSpPr>
@@ -549,25 +555,13 @@
           <a:bodyPr/>
           <a:lstStyle/>
           <a:p>
-            <a:r>
-              <a:rPr lang="nl-NL" dirty="0"/>
-              <a:t>Toevoegen aan </a:t>
-            </a:r>
-            <a:r>
-              <a:rPr lang="nl-NL" dirty="0" err="1"/>
-              <a:t>angular</a:t>
-            </a:r>
-            <a:r>
-              <a:rPr lang="nl-NL" baseline="0" dirty="0"/>
-              <a:t> cli </a:t>
-            </a:r>
-            <a:endParaRPr lang="nl-NL" dirty="0"/>
+            <a:endParaRPr lang="en-NL" dirty="0"/>
           </a:p>
         </p:txBody>
       </p:sp>
       <p:sp>
         <p:nvSpPr>
-          <p:cNvPr id="4" name="Tijdelijke aanduiding voor dianummer 3"/>
+          <p:cNvPr id="4" name="Slide Number Placeholder 3"/>
           <p:cNvSpPr>
             <a:spLocks noGrp="1"/>
           </p:cNvSpPr>
@@ -582,7 +576,7 @@
           <a:p>
             <a:fld id="{90591A10-76C6-4472-BC2C-A71051CCBD90}" type="slidenum">
               <a:rPr lang="nl-NL" smtClean="0"/>
-              <a:t>14</a:t>
+              <a:t>6</a:t>
             </a:fld>
             <a:endParaRPr lang="nl-NL"/>
           </a:p>
@@ -591,7 +585,7 @@
     </p:spTree>
     <p:extLst>
       <p:ext uri="{BB962C8B-B14F-4D97-AF65-F5344CB8AC3E}">
-        <p14:creationId xmlns:p14="http://schemas.microsoft.com/office/powerpoint/2010/main" val="2234009504"/>
+        <p14:creationId xmlns:p14="http://schemas.microsoft.com/office/powerpoint/2010/main" val="2698357847"/>
       </p:ext>
     </p:extLst>
   </p:cSld>
@@ -647,35 +641,15 @@
           <a:p>
             <a:r>
               <a:rPr lang="nl-NL" dirty="0"/>
-              <a:t>Name is nodig voor het binding, </a:t>
+              <a:t>Toevoegen aan </a:t>
             </a:r>
             <a:r>
               <a:rPr lang="nl-NL" dirty="0" err="1"/>
-              <a:t>banana</a:t>
-            </a:r>
-            <a:r>
-              <a:rPr lang="nl-NL" dirty="0"/>
-              <a:t> in</a:t>
+              <a:t>angular</a:t>
             </a:r>
             <a:r>
               <a:rPr lang="nl-NL" baseline="0" dirty="0"/>
-              <a:t> </a:t>
-            </a:r>
-            <a:r>
-              <a:rPr lang="nl-NL" baseline="0" dirty="0" err="1"/>
-              <a:t>the</a:t>
-            </a:r>
-            <a:r>
-              <a:rPr lang="nl-NL" baseline="0" dirty="0"/>
-              <a:t> box genereert </a:t>
-            </a:r>
-            <a:r>
-              <a:rPr lang="nl-NL" baseline="0" dirty="0" err="1"/>
-              <a:t>two</a:t>
-            </a:r>
-            <a:r>
-              <a:rPr lang="nl-NL" baseline="0" dirty="0"/>
-              <a:t> way binding</a:t>
+              <a:t> cli </a:t>
             </a:r>
             <a:endParaRPr lang="nl-NL" dirty="0"/>
           </a:p>
@@ -698,7 +672,7 @@
           <a:p>
             <a:fld id="{90591A10-76C6-4472-BC2C-A71051CCBD90}" type="slidenum">
               <a:rPr lang="nl-NL" smtClean="0"/>
-              <a:t>16</a:t>
+              <a:t>14</a:t>
             </a:fld>
             <a:endParaRPr lang="nl-NL"/>
           </a:p>
@@ -707,7 +681,7 @@
     </p:spTree>
     <p:extLst>
       <p:ext uri="{BB962C8B-B14F-4D97-AF65-F5344CB8AC3E}">
-        <p14:creationId xmlns:p14="http://schemas.microsoft.com/office/powerpoint/2010/main" val="1891580346"/>
+        <p14:creationId xmlns:p14="http://schemas.microsoft.com/office/powerpoint/2010/main" val="2234009504"/>
       </p:ext>
     </p:extLst>
   </p:cSld>
@@ -762,152 +736,37 @@
           <a:lstStyle/>
           <a:p>
             <a:r>
-              <a:rPr lang="nl-NL" dirty="0" err="1">
-                <a:solidFill>
-                  <a:schemeClr val="accent6"/>
-                </a:solidFill>
-                <a:latin typeface="Consolas" panose="020B0609020204030204" pitchFamily="49" charset="0"/>
-              </a:rPr>
-              <a:t>ngNativeValidate</a:t>
-            </a:r>
-            <a:r>
-              <a:rPr lang="nl-NL" dirty="0">
-                <a:solidFill>
-                  <a:schemeClr val="accent6"/>
-                </a:solidFill>
-                <a:latin typeface="Consolas" panose="020B0609020204030204" pitchFamily="49" charset="0"/>
-              </a:rPr>
-              <a:t>  zorgt voor native</a:t>
-            </a:r>
-            <a:r>
-              <a:rPr lang="nl-NL" baseline="0" dirty="0">
-                <a:solidFill>
-                  <a:schemeClr val="accent6"/>
-                </a:solidFill>
-                <a:latin typeface="Consolas" panose="020B0609020204030204" pitchFamily="49" charset="0"/>
-              </a:rPr>
-              <a:t> html </a:t>
-            </a:r>
-            <a:r>
-              <a:rPr lang="nl-NL" baseline="0" dirty="0" err="1">
-                <a:solidFill>
-                  <a:schemeClr val="accent6"/>
-                </a:solidFill>
-                <a:latin typeface="Consolas" panose="020B0609020204030204" pitchFamily="49" charset="0"/>
-              </a:rPr>
-              <a:t>validation</a:t>
-            </a:r>
-            <a:endParaRPr lang="nl-NL" sz="1200" b="0" kern="1200" dirty="0">
-              <a:solidFill>
-                <a:schemeClr val="tx1"/>
-              </a:solidFill>
-              <a:effectLst/>
-              <a:latin typeface="+mn-lt"/>
-              <a:ea typeface="+mn-ea"/>
-              <a:cs typeface="+mn-cs"/>
-            </a:endParaRPr>
-          </a:p>
-          <a:p>
-            <a:r>
-              <a:rPr lang="nl-NL" sz="1200" b="0" kern="1200" dirty="0">
-                <a:solidFill>
-                  <a:schemeClr val="tx1"/>
-                </a:solidFill>
-                <a:effectLst/>
-                <a:latin typeface="+mn-lt"/>
-                <a:ea typeface="+mn-ea"/>
-                <a:cs typeface="+mn-cs"/>
-              </a:rPr>
-              <a:t>{{ </a:t>
-            </a:r>
-            <a:r>
-              <a:rPr lang="nl-NL" sz="1200" b="0" kern="1200" dirty="0" err="1">
-                <a:solidFill>
-                  <a:schemeClr val="tx1"/>
-                </a:solidFill>
-                <a:effectLst/>
-                <a:latin typeface="+mn-lt"/>
-                <a:ea typeface="+mn-ea"/>
-                <a:cs typeface="+mn-cs"/>
-              </a:rPr>
-              <a:t>f.value</a:t>
-            </a:r>
-            <a:r>
-              <a:rPr lang="nl-NL" sz="1200" b="0" kern="1200" dirty="0">
-                <a:solidFill>
-                  <a:schemeClr val="tx1"/>
-                </a:solidFill>
-                <a:effectLst/>
-                <a:latin typeface="+mn-lt"/>
-                <a:ea typeface="+mn-ea"/>
-                <a:cs typeface="+mn-cs"/>
-              </a:rPr>
-              <a:t> | </a:t>
-            </a:r>
-            <a:r>
-              <a:rPr lang="nl-NL" sz="1200" b="0" kern="1200" dirty="0" err="1">
-                <a:solidFill>
-                  <a:schemeClr val="tx1"/>
-                </a:solidFill>
-                <a:effectLst/>
-                <a:latin typeface="+mn-lt"/>
-                <a:ea typeface="+mn-ea"/>
-                <a:cs typeface="+mn-cs"/>
-              </a:rPr>
-              <a:t>json</a:t>
-            </a:r>
-            <a:r>
-              <a:rPr lang="nl-NL" sz="1200" b="0" kern="1200" dirty="0">
-                <a:solidFill>
-                  <a:schemeClr val="tx1"/>
-                </a:solidFill>
-                <a:effectLst/>
-                <a:latin typeface="+mn-lt"/>
-                <a:ea typeface="+mn-ea"/>
-                <a:cs typeface="+mn-cs"/>
-              </a:rPr>
-              <a:t> }}</a:t>
-            </a:r>
-          </a:p>
-          <a:p>
-            <a:r>
-              <a:rPr lang="nl-NL" sz="1200" b="0" kern="1200" dirty="0">
-                <a:solidFill>
-                  <a:schemeClr val="tx1"/>
-                </a:solidFill>
-                <a:effectLst/>
-                <a:latin typeface="+mn-lt"/>
-                <a:ea typeface="+mn-ea"/>
-                <a:cs typeface="+mn-cs"/>
-              </a:rPr>
-              <a:t>{{ </a:t>
-            </a:r>
-            <a:r>
-              <a:rPr lang="nl-NL" sz="1200" b="0" kern="1200" dirty="0" err="1">
-                <a:solidFill>
-                  <a:schemeClr val="tx1"/>
-                </a:solidFill>
-                <a:effectLst/>
-                <a:latin typeface="+mn-lt"/>
-                <a:ea typeface="+mn-ea"/>
-                <a:cs typeface="+mn-cs"/>
-              </a:rPr>
-              <a:t>f.valid</a:t>
-            </a:r>
-            <a:r>
-              <a:rPr lang="nl-NL" sz="1200" b="0" kern="1200" dirty="0">
-                <a:solidFill>
-                  <a:schemeClr val="tx1"/>
-                </a:solidFill>
-                <a:effectLst/>
-                <a:latin typeface="+mn-lt"/>
-                <a:ea typeface="+mn-ea"/>
-                <a:cs typeface="+mn-cs"/>
-              </a:rPr>
-              <a:t> }}</a:t>
-            </a:r>
-          </a:p>
-          <a:p>
+              <a:rPr lang="nl-NL" dirty="0"/>
+              <a:t>Name is nodig voor het binding, </a:t>
+            </a:r>
+            <a:r>
+              <a:rPr lang="nl-NL" dirty="0" err="1"/>
+              <a:t>banana</a:t>
+            </a:r>
+            <a:r>
+              <a:rPr lang="nl-NL" dirty="0"/>
+              <a:t> in</a:t>
+            </a:r>
+            <a:r>
+              <a:rPr lang="nl-NL" baseline="0" dirty="0"/>
+              <a:t> </a:t>
+            </a:r>
+            <a:r>
+              <a:rPr lang="nl-NL" baseline="0" dirty="0" err="1"/>
+              <a:t>the</a:t>
+            </a:r>
+            <a:r>
+              <a:rPr lang="nl-NL" baseline="0" dirty="0"/>
+              <a:t> box genereert </a:t>
+            </a:r>
+            <a:r>
+              <a:rPr lang="nl-NL" baseline="0" dirty="0" err="1"/>
+              <a:t>two</a:t>
+            </a:r>
+            <a:r>
+              <a:rPr lang="nl-NL" baseline="0" dirty="0"/>
+              <a:t> way binding</a:t>
+            </a:r>
             <a:endParaRPr lang="nl-NL" dirty="0"/>
           </a:p>
         </p:txBody>
@@ -929,7 +788,7 @@
           <a:p>
             <a:fld id="{90591A10-76C6-4472-BC2C-A71051CCBD90}" type="slidenum">
               <a:rPr lang="nl-NL" smtClean="0"/>
-              <a:t>20</a:t>
+              <a:t>16</a:t>
             </a:fld>
             <a:endParaRPr lang="nl-NL"/>
           </a:p>
@@ -938,7 +797,7 @@
     </p:spTree>
     <p:extLst>
       <p:ext uri="{BB962C8B-B14F-4D97-AF65-F5344CB8AC3E}">
-        <p14:creationId xmlns:p14="http://schemas.microsoft.com/office/powerpoint/2010/main" val="796666602"/>
+        <p14:creationId xmlns:p14="http://schemas.microsoft.com/office/powerpoint/2010/main" val="1891580346"/>
       </p:ext>
     </p:extLst>
   </p:cSld>
@@ -993,62 +852,153 @@
           <a:lstStyle/>
           <a:p>
             <a:r>
-              <a:rPr lang="nl-NL" dirty="0" err="1"/>
-              <a:t>Now</a:t>
-            </a:r>
-            <a:r>
-              <a:rPr lang="nl-NL" dirty="0"/>
-              <a:t> we </a:t>
-            </a:r>
-            <a:r>
-              <a:rPr lang="nl-NL" dirty="0" err="1"/>
-              <a:t>can</a:t>
-            </a:r>
-            <a:r>
-              <a:rPr lang="nl-NL" dirty="0"/>
-              <a:t> </a:t>
-            </a:r>
-            <a:r>
-              <a:rPr lang="nl-NL" dirty="0" err="1"/>
-              <a:t>use</a:t>
-            </a:r>
-            <a:r>
-              <a:rPr lang="nl-NL" dirty="0"/>
-              <a:t> </a:t>
-            </a:r>
-            <a:r>
-              <a:rPr lang="nl-NL" dirty="0" err="1"/>
-              <a:t>the</a:t>
-            </a:r>
-            <a:r>
-              <a:rPr lang="nl-NL" baseline="0" dirty="0"/>
-              <a:t> </a:t>
-            </a:r>
-            <a:r>
-              <a:rPr lang="nl-NL" baseline="0" dirty="0" err="1"/>
-              <a:t>todoservice</a:t>
-            </a:r>
-            <a:r>
-              <a:rPr lang="nl-NL" baseline="0" dirty="0"/>
-              <a:t> </a:t>
-            </a:r>
-            <a:r>
-              <a:rPr lang="nl-NL" baseline="0" dirty="0" err="1"/>
-              <a:t>anywhere</a:t>
-            </a:r>
-            <a:r>
-              <a:rPr lang="nl-NL" baseline="0" dirty="0"/>
-              <a:t> in </a:t>
-            </a:r>
-            <a:r>
-              <a:rPr lang="nl-NL" baseline="0" dirty="0" err="1"/>
-              <a:t>the</a:t>
-            </a:r>
-            <a:r>
-              <a:rPr lang="nl-NL" baseline="0"/>
-              <a:t> app</a:t>
-            </a:r>
-            <a:endParaRPr lang="nl-NL"/>
+              <a:rPr lang="nl-NL" dirty="0" err="1">
+                <a:solidFill>
+                  <a:schemeClr val="accent6"/>
+                </a:solidFill>
+                <a:latin typeface="Consolas" panose="020B0609020204030204" pitchFamily="49" charset="0"/>
+              </a:rPr>
+              <a:t>ngNativeValidate</a:t>
+            </a:r>
+            <a:r>
+              <a:rPr lang="nl-NL" dirty="0">
+                <a:solidFill>
+                  <a:schemeClr val="accent6"/>
+                </a:solidFill>
+                <a:latin typeface="Consolas" panose="020B0609020204030204" pitchFamily="49" charset="0"/>
+              </a:rPr>
+              <a:t>  zorgt voor native</a:t>
+            </a:r>
+            <a:r>
+              <a:rPr lang="nl-NL" baseline="0" dirty="0">
+                <a:solidFill>
+                  <a:schemeClr val="accent6"/>
+                </a:solidFill>
+                <a:latin typeface="Consolas" panose="020B0609020204030204" pitchFamily="49" charset="0"/>
+              </a:rPr>
+              <a:t> html </a:t>
+            </a:r>
+            <a:r>
+              <a:rPr lang="nl-NL" baseline="0" dirty="0" err="1">
+                <a:solidFill>
+                  <a:schemeClr val="accent6"/>
+                </a:solidFill>
+                <a:latin typeface="Consolas" panose="020B0609020204030204" pitchFamily="49" charset="0"/>
+              </a:rPr>
+              <a:t>validation</a:t>
+            </a:r>
+            <a:endParaRPr lang="nl-NL" sz="1200" b="0" kern="1200" dirty="0">
+              <a:solidFill>
+                <a:schemeClr val="tx1"/>
+              </a:solidFill>
+              <a:effectLst/>
+              <a:latin typeface="+mn-lt"/>
+              <a:ea typeface="+mn-ea"/>
+              <a:cs typeface="+mn-cs"/>
+            </a:endParaRPr>
+          </a:p>
+          <a:p>
+            <a:r>
+              <a:rPr lang="nl-NL" sz="1200" b="0" kern="1200" dirty="0">
+                <a:solidFill>
+                  <a:schemeClr val="tx1"/>
+                </a:solidFill>
+                <a:effectLst/>
+                <a:latin typeface="+mn-lt"/>
+                <a:ea typeface="+mn-ea"/>
+                <a:cs typeface="+mn-cs"/>
+              </a:rPr>
+              <a:t>{{ </a:t>
+            </a:r>
+            <a:r>
+              <a:rPr lang="nl-NL" sz="1200" b="0" kern="1200" dirty="0" err="1">
+                <a:solidFill>
+                  <a:schemeClr val="tx1"/>
+                </a:solidFill>
+                <a:effectLst/>
+                <a:latin typeface="+mn-lt"/>
+                <a:ea typeface="+mn-ea"/>
+                <a:cs typeface="+mn-cs"/>
+              </a:rPr>
+              <a:t>f.value</a:t>
+            </a:r>
+            <a:r>
+              <a:rPr lang="nl-NL" sz="1200" b="0" kern="1200" dirty="0">
+                <a:solidFill>
+                  <a:schemeClr val="tx1"/>
+                </a:solidFill>
+                <a:effectLst/>
+                <a:latin typeface="+mn-lt"/>
+                <a:ea typeface="+mn-ea"/>
+                <a:cs typeface="+mn-cs"/>
+              </a:rPr>
+              <a:t> | </a:t>
+            </a:r>
+            <a:r>
+              <a:rPr lang="nl-NL" sz="1200" b="0" kern="1200" dirty="0" err="1">
+                <a:solidFill>
+                  <a:schemeClr val="tx1"/>
+                </a:solidFill>
+                <a:effectLst/>
+                <a:latin typeface="+mn-lt"/>
+                <a:ea typeface="+mn-ea"/>
+                <a:cs typeface="+mn-cs"/>
+              </a:rPr>
+              <a:t>json</a:t>
+            </a:r>
+            <a:r>
+              <a:rPr lang="nl-NL" sz="1200" b="0" kern="1200" dirty="0">
+                <a:solidFill>
+                  <a:schemeClr val="tx1"/>
+                </a:solidFill>
+                <a:effectLst/>
+                <a:latin typeface="+mn-lt"/>
+                <a:ea typeface="+mn-ea"/>
+                <a:cs typeface="+mn-cs"/>
+              </a:rPr>
+              <a:t> }}</a:t>
+            </a:r>
+          </a:p>
+          <a:p>
+            <a:r>
+              <a:rPr lang="nl-NL" sz="1200" b="0" kern="1200" dirty="0">
+                <a:solidFill>
+                  <a:schemeClr val="tx1"/>
+                </a:solidFill>
+                <a:effectLst/>
+                <a:latin typeface="+mn-lt"/>
+                <a:ea typeface="+mn-ea"/>
+                <a:cs typeface="+mn-cs"/>
+              </a:rPr>
+              <a:t>{{ </a:t>
+            </a:r>
+            <a:r>
+              <a:rPr lang="nl-NL" sz="1200" b="0" kern="1200" dirty="0" err="1">
+                <a:solidFill>
+                  <a:schemeClr val="tx1"/>
+                </a:solidFill>
+                <a:effectLst/>
+                <a:latin typeface="+mn-lt"/>
+                <a:ea typeface="+mn-ea"/>
+                <a:cs typeface="+mn-cs"/>
+              </a:rPr>
+              <a:t>f.valid</a:t>
+            </a:r>
+            <a:r>
+              <a:rPr lang="nl-NL" sz="1200" b="0" kern="1200" dirty="0">
+                <a:solidFill>
+                  <a:schemeClr val="tx1"/>
+                </a:solidFill>
+                <a:effectLst/>
+                <a:latin typeface="+mn-lt"/>
+                <a:ea typeface="+mn-ea"/>
+                <a:cs typeface="+mn-cs"/>
+              </a:rPr>
+              <a:t> }}</a:t>
+            </a:r>
+          </a:p>
+          <a:p>
+            <a:endParaRPr lang="nl-NL" dirty="0"/>
           </a:p>
         </p:txBody>
       </p:sp>
@@ -1069,7 +1019,7 @@
           <a:p>
             <a:fld id="{90591A10-76C6-4472-BC2C-A71051CCBD90}" type="slidenum">
               <a:rPr lang="nl-NL" smtClean="0"/>
-              <a:t>25</a:t>
+              <a:t>20</a:t>
             </a:fld>
             <a:endParaRPr lang="nl-NL"/>
           </a:p>
@@ -1078,7 +1028,7 @@
     </p:spTree>
     <p:extLst>
       <p:ext uri="{BB962C8B-B14F-4D97-AF65-F5344CB8AC3E}">
-        <p14:creationId xmlns:p14="http://schemas.microsoft.com/office/powerpoint/2010/main" val="4066868023"/>
+        <p14:creationId xmlns:p14="http://schemas.microsoft.com/office/powerpoint/2010/main" val="796666602"/>
       </p:ext>
     </p:extLst>
   </p:cSld>
@@ -1133,34 +1083,62 @@
           <a:lstStyle/>
           <a:p>
             <a:r>
+              <a:rPr lang="nl-NL" dirty="0" err="1"/>
+              <a:t>Now</a:t>
+            </a:r>
+            <a:r>
               <a:rPr lang="nl-NL" dirty="0"/>
-              <a:t>We sturen </a:t>
+              <a:t> we </a:t>
             </a:r>
             <a:r>
               <a:rPr lang="nl-NL" dirty="0" err="1"/>
-              <a:t>this.toDo</a:t>
+              <a:t>can</a:t>
+            </a:r>
+            <a:r>
+              <a:rPr lang="nl-NL" dirty="0"/>
+              <a:t> </a:t>
+            </a:r>
+            <a:r>
+              <a:rPr lang="nl-NL" dirty="0" err="1"/>
+              <a:t>use</a:t>
+            </a:r>
+            <a:r>
+              <a:rPr lang="nl-NL" dirty="0"/>
+              <a:t> </a:t>
+            </a:r>
+            <a:r>
+              <a:rPr lang="nl-NL" dirty="0" err="1"/>
+              <a:t>the</a:t>
             </a:r>
             <a:r>
               <a:rPr lang="nl-NL" baseline="0" dirty="0"/>
-              <a:t> mee omdat de het form niet </a:t>
+              <a:t> </a:t>
             </a:r>
             <a:r>
               <a:rPr lang="nl-NL" baseline="0" dirty="0" err="1"/>
-              <a:t>completed</a:t>
+              <a:t>todoservice</a:t>
             </a:r>
             <a:r>
               <a:rPr lang="nl-NL" baseline="0" dirty="0"/>
-              <a:t> heeft en die wordt anders niet </a:t>
+              <a:t> </a:t>
             </a:r>
             <a:r>
               <a:rPr lang="nl-NL" baseline="0" dirty="0" err="1"/>
-              <a:t>meegesturd</a:t>
+              <a:t>anywhere</a:t>
             </a:r>
             <a:r>
               <a:rPr lang="nl-NL" baseline="0" dirty="0"/>
-              <a:t>.</a:t>
-            </a:r>
-            <a:endParaRPr lang="nl-NL" dirty="0"/>
+              <a:t> in </a:t>
+            </a:r>
+            <a:r>
+              <a:rPr lang="nl-NL" baseline="0" dirty="0" err="1"/>
+              <a:t>the</a:t>
+            </a:r>
+            <a:r>
+              <a:rPr lang="nl-NL" baseline="0"/>
+              <a:t> app</a:t>
+            </a:r>
+            <a:endParaRPr lang="nl-NL"/>
           </a:p>
         </p:txBody>
       </p:sp>
@@ -1181,6 +1159,118 @@
           <a:p>
             <a:fld id="{90591A10-76C6-4472-BC2C-A71051CCBD90}" type="slidenum">
               <a:rPr lang="nl-NL" smtClean="0"/>
+              <a:t>25</a:t>
+            </a:fld>
+            <a:endParaRPr lang="nl-NL"/>
+          </a:p>
+        </p:txBody>
+      </p:sp>
+    </p:spTree>
+    <p:extLst>
+      <p:ext uri="{BB962C8B-B14F-4D97-AF65-F5344CB8AC3E}">
+        <p14:creationId xmlns:p14="http://schemas.microsoft.com/office/powerpoint/2010/main" val="4066868023"/>
+      </p:ext>
+    </p:extLst>
+  </p:cSld>
+  <p:clrMapOvr>
+    <a:masterClrMapping/>
+  </p:clrMapOvr>
+</p:notes>
+</file>
+
+<file path=ppt/notesSlides/notesSlide6.xml><?xml version="1.0" encoding="utf-8"?>
+<p:notes xmlns:a="http://schemas.openxmlformats.org/drawingml/2006/main" xmlns:r="http://schemas.openxmlformats.org/officeDocument/2006/relationships" xmlns:p="http://schemas.openxmlformats.org/presentationml/2006/main">
+  <p:cSld>
+    <p:spTree>
+      <p:nvGrpSpPr>
+        <p:cNvPr id="1" name=""/>
+        <p:cNvGrpSpPr/>
+        <p:nvPr/>
+      </p:nvGrpSpPr>
+      <p:grpSpPr>
+        <a:xfrm>
+          <a:off x="0" y="0"/>
+          <a:ext cx="0" cy="0"/>
+          <a:chOff x="0" y="0"/>
+          <a:chExt cx="0" cy="0"/>
+        </a:xfrm>
+      </p:grpSpPr>
+      <p:sp>
+        <p:nvSpPr>
+          <p:cNvPr id="2" name="Tijdelijke aanduiding voor dia-afbeelding 1"/>
+          <p:cNvSpPr>
+            <a:spLocks noGrp="1" noRot="1" noChangeAspect="1"/>
+          </p:cNvSpPr>
+          <p:nvPr>
+            <p:ph type="sldImg"/>
+          </p:nvPr>
+        </p:nvSpPr>
+        <p:spPr/>
+      </p:sp>
+      <p:sp>
+        <p:nvSpPr>
+          <p:cNvPr id="3" name="Tijdelijke aanduiding voor notities 2"/>
+          <p:cNvSpPr>
+            <a:spLocks noGrp="1"/>
+          </p:cNvSpPr>
+          <p:nvPr>
+            <p:ph type="body" idx="1"/>
+          </p:nvPr>
+        </p:nvSpPr>
+        <p:spPr/>
+        <p:txBody>
+          <a:bodyPr/>
+          <a:lstStyle/>
+          <a:p>
+            <a:r>
+              <a:rPr lang="nl-NL" dirty="0"/>
+              <a:t>We sturen </a:t>
+            </a:r>
+            <a:r>
+              <a:rPr lang="nl-NL" dirty="0" err="1"/>
+              <a:t>this.toDo</a:t>
+            </a:r>
+            <a:r>
+              <a:rPr lang="nl-NL" baseline="0" dirty="0"/>
+              <a:t> mee omdat de het form niet </a:t>
+            </a:r>
+            <a:r>
+              <a:rPr lang="nl-NL" baseline="0" dirty="0" err="1"/>
+              <a:t>completed</a:t>
+            </a:r>
+            <a:r>
+              <a:rPr lang="nl-NL" baseline="0" dirty="0"/>
+              <a:t> heeft en die wordt anders niet </a:t>
+            </a:r>
+            <a:r>
+              <a:rPr lang="nl-NL" baseline="0" dirty="0" err="1"/>
+              <a:t>meegesturd</a:t>
+            </a:r>
+            <a:r>
+              <a:rPr lang="nl-NL" baseline="0" dirty="0"/>
+              <a:t>.</a:t>
+            </a:r>
+            <a:endParaRPr lang="nl-NL" dirty="0"/>
+          </a:p>
+        </p:txBody>
+      </p:sp>
+      <p:sp>
+        <p:nvSpPr>
+          <p:cNvPr id="4" name="Tijdelijke aanduiding voor dianummer 3"/>
+          <p:cNvSpPr>
+            <a:spLocks noGrp="1"/>
+          </p:cNvSpPr>
+          <p:nvPr>
+            <p:ph type="sldNum" sz="quarter" idx="10"/>
+          </p:nvPr>
+        </p:nvSpPr>
+        <p:spPr/>
+        <p:txBody>
+          <a:bodyPr/>
+          <a:lstStyle/>
+          <a:p>
+            <a:fld id="{90591A10-76C6-4472-BC2C-A71051CCBD90}" type="slidenum">
+              <a:rPr lang="nl-NL" smtClean="0"/>
               <a:t>27</a:t>
             </a:fld>
             <a:endParaRPr lang="nl-NL"/>
@@ -1200,7 +1290,7 @@
 </p:notes>
 </file>
 
-<file path=ppt/notesSlides/notesSlide6.xml><?xml version="1.0" encoding="utf-8"?>
+<file path=ppt/notesSlides/notesSlide7.xml><?xml version="1.0" encoding="utf-8"?>
 <p:notes xmlns:a="http://schemas.openxmlformats.org/drawingml/2006/main" xmlns:r="http://schemas.openxmlformats.org/officeDocument/2006/relationships" xmlns:p="http://schemas.openxmlformats.org/presentationml/2006/main">
   <p:cSld>
     <p:spTree>
@@ -4428,12 +4518,8 @@
           <a:lstStyle/>
           <a:p>
             <a:r>
-              <a:rPr lang="nl-NL" dirty="0" err="1"/>
-              <a:t>Todo</a:t>
-            </a:r>
-            <a:r>
               <a:rPr lang="nl-NL" dirty="0"/>
-              <a:t> Class</a:t>
+              <a:t>todo.ts</a:t>
             </a:r>
           </a:p>
         </p:txBody>
@@ -4463,7 +4549,7 @@
         </p:style>
         <p:txBody>
           <a:bodyPr>
-            <a:normAutofit/>
+            <a:normAutofit lnSpcReduction="10000"/>
           </a:bodyPr>
           <a:lstStyle/>
           <a:p>
@@ -4523,6 +4609,47 @@
                 <a:latin typeface="Consolas" panose="020B0609020204030204" pitchFamily="49" charset="0"/>
               </a:rPr>
               <a:t> {</a:t>
+            </a:r>
+          </a:p>
+          <a:p>
+            <a:pPr marL="0" indent="0">
+              <a:buNone/>
+            </a:pPr>
+            <a:r>
+              <a:rPr lang="en-US" dirty="0">
+                <a:solidFill>
+                  <a:srgbClr val="9CDCFE"/>
+                </a:solidFill>
+                <a:latin typeface="Consolas" panose="020B0609020204030204" pitchFamily="49" charset="0"/>
+              </a:rPr>
+              <a:t>	_id</a:t>
+            </a:r>
+            <a:r>
+              <a:rPr lang="en-US" dirty="0">
+                <a:solidFill>
+                  <a:srgbClr val="D4D4D4"/>
+                </a:solidFill>
+                <a:latin typeface="Consolas" panose="020B0609020204030204" pitchFamily="49" charset="0"/>
+              </a:rPr>
+              <a:t>: </a:t>
+            </a:r>
+            <a:r>
+              <a:rPr lang="en-US" dirty="0">
+                <a:solidFill>
+                  <a:srgbClr val="4EC9B0"/>
+                </a:solidFill>
+                <a:latin typeface="Consolas" panose="020B0609020204030204" pitchFamily="49" charset="0"/>
+              </a:rPr>
+              <a:t>string</a:t>
+            </a:r>
+            <a:r>
+              <a:rPr lang="en-US" dirty="0">
+                <a:solidFill>
+                  <a:srgbClr val="D4D4D4"/>
+                </a:solidFill>
+                <a:latin typeface="Consolas" panose="020B0609020204030204" pitchFamily="49" charset="0"/>
+              </a:rPr>
+              <a:t>;</a:t>
             </a:r>
           </a:p>
           <a:p>
@@ -11893,6 +12020,14 @@
               <a:rPr lang="en-US" dirty="0" err="1"/>
               <a:t>TodoOverviewComponent</a:t>
             </a:r>
+            <a:r>
+              <a:rPr lang="en-US" dirty="0"/>
+              <a:t> </a:t>
+            </a:r>
+            <a:r>
+              <a:rPr lang="en-US"/>
+              <a:t>(routing)</a:t>
+            </a:r>
             <a:endParaRPr lang="en-US" dirty="0"/>
           </a:p>
           <a:p>
@@ -14840,8 +14975,116 @@
           <a:lstStyle/>
           <a:p>
             <a:r>
-              <a:rPr lang="en-US" dirty="0" err="1"/>
-              <a:t>Koffie</a:t>
+              <a:rPr lang="en-US" dirty="0"/>
+              <a:t>Coffee!</a:t>
+            </a:r>
+            <a:endParaRPr lang="en-NL" dirty="0"/>
+          </a:p>
+        </p:txBody>
+      </p:sp>
+      <p:pic>
+        <p:nvPicPr>
+          <p:cNvPr id="1026" name="Picture 2" descr="http://nationaldailyng.com/wp-content/uploads/2017/07/pp-hot-coffee-rf-istock.jpg">
+            <a:extLst>
+              <a:ext uri="{FF2B5EF4-FFF2-40B4-BE49-F238E27FC236}">
+                <a16:creationId xmlns:a16="http://schemas.microsoft.com/office/drawing/2014/main" id="{5C565C4B-2AED-42E3-BAB7-2A4FAEBEE35F}"/>
+              </a:ext>
+            </a:extLst>
+          </p:cNvPr>
+          <p:cNvPicPr>
+            <a:picLocks noGrp="1" noChangeAspect="1" noChangeArrowheads="1"/>
+          </p:cNvPicPr>
+          <p:nvPr>
+            <p:ph idx="1"/>
+          </p:nvPr>
+        </p:nvPicPr>
+        <p:blipFill>
+          <a:blip r:embed="rId2" cstate="print">
+            <a:extLst>
+              <a:ext uri="{28A0092B-C50C-407E-A947-70E740481C1C}">
+                <a14:useLocalDpi xmlns:a14="http://schemas.microsoft.com/office/drawing/2010/main" val="0"/>
+              </a:ext>
+            </a:extLst>
+          </a:blip>
+          <a:srcRect/>
+          <a:stretch>
+            <a:fillRect/>
+          </a:stretch>
+        </p:blipFill>
+        <p:spPr bwMode="auto">
+          <a:xfrm>
+            <a:off x="3195108" y="1825625"/>
+            <a:ext cx="5801784" cy="4351338"/>
+          </a:xfrm>
+          <a:prstGeom prst="rect">
+            <a:avLst/>
+          </a:prstGeom>
+          <a:noFill/>
+          <a:extLst>
+            <a:ext uri="{909E8E84-426E-40DD-AFC4-6F175D3DCCD1}">
+              <a14:hiddenFill xmlns:a14="http://schemas.microsoft.com/office/drawing/2010/main">
+                <a:solidFill>
+                  <a:srgbClr val="FFFFFF"/>
+                </a:solidFill>
+              </a14:hiddenFill>
+            </a:ext>
+          </a:extLst>
+        </p:spPr>
+      </p:pic>
+    </p:spTree>
+    <p:extLst>
+      <p:ext uri="{BB962C8B-B14F-4D97-AF65-F5344CB8AC3E}">
+        <p14:creationId xmlns:p14="http://schemas.microsoft.com/office/powerpoint/2010/main" val="2239854084"/>
+      </p:ext>
+    </p:extLst>
+  </p:cSld>
+  <p:clrMapOvr>
+    <a:masterClrMapping/>
+  </p:clrMapOvr>
+</p:sld>
+</file>
+
+<file path=ppt/slides/slide39.xml><?xml version="1.0" encoding="utf-8"?>
+<p:sld xmlns:a="http://schemas.openxmlformats.org/drawingml/2006/main" xmlns:r="http://schemas.openxmlformats.org/officeDocument/2006/relationships" xmlns:p="http://schemas.openxmlformats.org/presentationml/2006/main">
+  <p:cSld>
+    <p:spTree>
+      <p:nvGrpSpPr>
+        <p:cNvPr id="1" name=""/>
+        <p:cNvGrpSpPr/>
+        <p:nvPr/>
+      </p:nvGrpSpPr>
+      <p:grpSpPr>
+        <a:xfrm>
+          <a:off x="0" y="0"/>
+          <a:ext cx="0" cy="0"/>
+          <a:chOff x="0" y="0"/>
+          <a:chExt cx="0" cy="0"/>
+        </a:xfrm>
+      </p:grpSpPr>
+      <p:sp>
+        <p:nvSpPr>
+          <p:cNvPr id="2" name="Title 1">
+            <a:extLst>
+              <a:ext uri="{FF2B5EF4-FFF2-40B4-BE49-F238E27FC236}">
+                <a16:creationId xmlns:a16="http://schemas.microsoft.com/office/drawing/2014/main" id="{2BBB4F5F-49B4-4EA7-80CF-B9576C0FC62F}"/>
+              </a:ext>
+            </a:extLst>
+          </p:cNvPr>
+          <p:cNvSpPr>
+            <a:spLocks noGrp="1"/>
+          </p:cNvSpPr>
+          <p:nvPr>
+            <p:ph type="title"/>
+          </p:nvPr>
+        </p:nvSpPr>
+        <p:spPr/>
+        <p:txBody>
+          <a:bodyPr/>
+          <a:lstStyle/>
+          <a:p>
+            <a:r>
+              <a:rPr lang="en-US" dirty="0"/>
+              <a:t>Exercise</a:t>
             </a:r>
             <a:endParaRPr lang="en-NL" dirty="0"/>
           </a:p>
@@ -14852,7 +15095,7 @@
           <p:cNvPr id="3" name="Content Placeholder 2">
             <a:extLst>
               <a:ext uri="{FF2B5EF4-FFF2-40B4-BE49-F238E27FC236}">
-                <a16:creationId xmlns:a16="http://schemas.microsoft.com/office/drawing/2014/main" id="{927224EB-0723-444E-9C16-2574F5B55FA4}"/>
+                <a16:creationId xmlns:a16="http://schemas.microsoft.com/office/drawing/2014/main" id="{7937DBB8-E253-443F-BCFC-CE7D9B99EC66}"/>
               </a:ext>
             </a:extLst>
           </p:cNvPr>
@@ -14868,14 +15111,82 @@
           <a:bodyPr/>
           <a:lstStyle/>
           <a:p>
-            <a:endParaRPr lang="en-NL"/>
+            <a:pPr marL="0" indent="0">
+              <a:buNone/>
+            </a:pPr>
+            <a:r>
+              <a:rPr lang="en-US" dirty="0"/>
+              <a:t>Create the possibility to set </a:t>
+            </a:r>
+            <a:r>
+              <a:rPr lang="en-US" dirty="0" err="1"/>
+              <a:t>Todos</a:t>
+            </a:r>
+            <a:r>
+              <a:rPr lang="en-US" dirty="0"/>
+              <a:t> completed in the overview</a:t>
+            </a:r>
+          </a:p>
+          <a:p>
+            <a:r>
+              <a:rPr lang="en-US" dirty="0"/>
+              <a:t>Create a http get request</a:t>
+            </a:r>
+          </a:p>
+          <a:p>
+            <a:r>
+              <a:rPr lang="en-US" dirty="0"/>
+              <a:t>Create a “Completed”-button with ng-click</a:t>
+            </a:r>
+          </a:p>
+          <a:p>
+            <a:r>
+              <a:rPr lang="en-US" dirty="0"/>
+              <a:t>Only visible when a </a:t>
+            </a:r>
+            <a:r>
+              <a:rPr lang="en-US" dirty="0" err="1"/>
+              <a:t>ToDo</a:t>
+            </a:r>
+            <a:r>
+              <a:rPr lang="en-US" dirty="0"/>
+              <a:t> is not completed yet!</a:t>
+            </a:r>
+          </a:p>
+          <a:p>
+            <a:r>
+              <a:rPr lang="en-US" dirty="0"/>
+              <a:t>*</a:t>
+            </a:r>
+            <a:r>
+              <a:rPr lang="en-US" dirty="0" err="1"/>
+              <a:t>ngIf</a:t>
+            </a:r>
+            <a:r>
+              <a:rPr lang="en-US" dirty="0"/>
+              <a:t> </a:t>
+            </a:r>
+            <a:r>
+              <a:rPr lang="en-US" dirty="0" err="1"/>
+              <a:t>en</a:t>
+            </a:r>
+            <a:r>
+              <a:rPr lang="en-US" dirty="0"/>
+              <a:t> (click)</a:t>
+            </a:r>
+          </a:p>
+          <a:p>
+            <a:pPr marL="0" indent="0">
+              <a:buNone/>
+            </a:pPr>
+            <a:endParaRPr lang="en-NL" dirty="0"/>
           </a:p>
         </p:txBody>
       </p:sp>
     </p:spTree>
     <p:extLst>
       <p:ext uri="{BB962C8B-B14F-4D97-AF65-F5344CB8AC3E}">
-        <p14:creationId xmlns:p14="http://schemas.microsoft.com/office/powerpoint/2010/main" val="2239854084"/>
+        <p14:creationId xmlns:p14="http://schemas.microsoft.com/office/powerpoint/2010/main" val="1402262109"/>
       </p:ext>
     </p:extLst>
   </p:cSld>
@@ -14918,10 +15229,9 @@
           <a:lstStyle/>
           <a:p>
             <a:r>
-              <a:rPr lang="nl-NL"/>
+              <a:rPr lang="nl-NL" dirty="0"/>
               <a:t>Command Prompt – Create an App</a:t>
             </a:r>
-            <a:endParaRPr lang="nl-NL" dirty="0"/>
           </a:p>
         </p:txBody>
       </p:sp>
@@ -15104,6 +15414,2110 @@
     <p:extLst>
       <p:ext uri="{BB962C8B-B14F-4D97-AF65-F5344CB8AC3E}">
         <p14:creationId xmlns:p14="http://schemas.microsoft.com/office/powerpoint/2010/main" val="2814399239"/>
+      </p:ext>
+    </p:extLst>
+  </p:cSld>
+  <p:clrMapOvr>
+    <a:masterClrMapping/>
+  </p:clrMapOvr>
+</p:sld>
+</file>
+
+<file path=ppt/slides/slide40.xml><?xml version="1.0" encoding="utf-8"?>
+<p:sld xmlns:a="http://schemas.openxmlformats.org/drawingml/2006/main" xmlns:r="http://schemas.openxmlformats.org/officeDocument/2006/relationships" xmlns:p="http://schemas.openxmlformats.org/presentationml/2006/main">
+  <p:cSld>
+    <p:spTree>
+      <p:nvGrpSpPr>
+        <p:cNvPr id="1" name=""/>
+        <p:cNvGrpSpPr/>
+        <p:nvPr/>
+      </p:nvGrpSpPr>
+      <p:grpSpPr>
+        <a:xfrm>
+          <a:off x="0" y="0"/>
+          <a:ext cx="0" cy="0"/>
+          <a:chOff x="0" y="0"/>
+          <a:chExt cx="0" cy="0"/>
+        </a:xfrm>
+      </p:grpSpPr>
+      <p:sp>
+        <p:nvSpPr>
+          <p:cNvPr id="2" name="Title 1">
+            <a:extLst>
+              <a:ext uri="{FF2B5EF4-FFF2-40B4-BE49-F238E27FC236}">
+                <a16:creationId xmlns:a16="http://schemas.microsoft.com/office/drawing/2014/main" id="{476FA176-2B14-4421-8067-570076397A21}"/>
+              </a:ext>
+            </a:extLst>
+          </p:cNvPr>
+          <p:cNvSpPr>
+            <a:spLocks noGrp="1"/>
+          </p:cNvSpPr>
+          <p:nvPr>
+            <p:ph type="title"/>
+          </p:nvPr>
+        </p:nvSpPr>
+        <p:spPr/>
+        <p:txBody>
+          <a:bodyPr/>
+          <a:lstStyle/>
+          <a:p>
+            <a:r>
+              <a:rPr lang="en-US" dirty="0" err="1"/>
+              <a:t>todo.service.ts</a:t>
+            </a:r>
+            <a:endParaRPr lang="en-NL" dirty="0"/>
+          </a:p>
+        </p:txBody>
+      </p:sp>
+      <p:sp>
+        <p:nvSpPr>
+          <p:cNvPr id="3" name="Content Placeholder 2">
+            <a:extLst>
+              <a:ext uri="{FF2B5EF4-FFF2-40B4-BE49-F238E27FC236}">
+                <a16:creationId xmlns:a16="http://schemas.microsoft.com/office/drawing/2014/main" id="{25947835-32C2-4D44-8004-8E04F57FB21F}"/>
+              </a:ext>
+            </a:extLst>
+          </p:cNvPr>
+          <p:cNvSpPr>
+            <a:spLocks noGrp="1"/>
+          </p:cNvSpPr>
+          <p:nvPr>
+            <p:ph idx="1"/>
+          </p:nvPr>
+        </p:nvSpPr>
+        <p:spPr/>
+        <p:style>
+          <a:lnRef idx="0">
+            <a:scrgbClr r="0" g="0" b="0"/>
+          </a:lnRef>
+          <a:fillRef idx="1001">
+            <a:schemeClr val="dk2"/>
+          </a:fillRef>
+          <a:effectRef idx="0">
+            <a:scrgbClr r="0" g="0" b="0"/>
+          </a:effectRef>
+          <a:fontRef idx="major"/>
+        </p:style>
+        <p:txBody>
+          <a:bodyPr/>
+          <a:lstStyle/>
+          <a:p>
+            <a:pPr marL="0" indent="0">
+              <a:buNone/>
+            </a:pPr>
+            <a:r>
+              <a:rPr lang="en-US" dirty="0">
+                <a:solidFill>
+                  <a:srgbClr val="569CD6"/>
+                </a:solidFill>
+                <a:latin typeface="Consolas" panose="020B0609020204030204" pitchFamily="49" charset="0"/>
+              </a:rPr>
+              <a:t>public</a:t>
+            </a:r>
+            <a:r>
+              <a:rPr lang="en-US" dirty="0">
+                <a:solidFill>
+                  <a:srgbClr val="D4D4D4"/>
+                </a:solidFill>
+                <a:latin typeface="Consolas" panose="020B0609020204030204" pitchFamily="49" charset="0"/>
+              </a:rPr>
+              <a:t> </a:t>
+            </a:r>
+            <a:r>
+              <a:rPr lang="en-US" dirty="0" err="1">
+                <a:solidFill>
+                  <a:srgbClr val="DCDCAA"/>
+                </a:solidFill>
+                <a:latin typeface="Consolas" panose="020B0609020204030204" pitchFamily="49" charset="0"/>
+              </a:rPr>
+              <a:t>updateToDo</a:t>
+            </a:r>
+            <a:r>
+              <a:rPr lang="en-US" dirty="0">
+                <a:solidFill>
+                  <a:srgbClr val="D4D4D4"/>
+                </a:solidFill>
+                <a:latin typeface="Consolas" panose="020B0609020204030204" pitchFamily="49" charset="0"/>
+              </a:rPr>
+              <a:t>(</a:t>
+            </a:r>
+            <a:r>
+              <a:rPr lang="en-US" dirty="0" err="1">
+                <a:solidFill>
+                  <a:srgbClr val="9CDCFE"/>
+                </a:solidFill>
+                <a:latin typeface="Consolas" panose="020B0609020204030204" pitchFamily="49" charset="0"/>
+              </a:rPr>
+              <a:t>todo</a:t>
+            </a:r>
+            <a:r>
+              <a:rPr lang="en-US" dirty="0">
+                <a:solidFill>
+                  <a:srgbClr val="D4D4D4"/>
+                </a:solidFill>
+                <a:latin typeface="Consolas" panose="020B0609020204030204" pitchFamily="49" charset="0"/>
+              </a:rPr>
+              <a:t>: </a:t>
+            </a:r>
+            <a:r>
+              <a:rPr lang="en-US" dirty="0" err="1">
+                <a:solidFill>
+                  <a:srgbClr val="4EC9B0"/>
+                </a:solidFill>
+                <a:latin typeface="Consolas" panose="020B0609020204030204" pitchFamily="49" charset="0"/>
+              </a:rPr>
+              <a:t>Todo</a:t>
+            </a:r>
+            <a:r>
+              <a:rPr lang="en-US" dirty="0">
+                <a:solidFill>
+                  <a:srgbClr val="D4D4D4"/>
+                </a:solidFill>
+                <a:latin typeface="Consolas" panose="020B0609020204030204" pitchFamily="49" charset="0"/>
+              </a:rPr>
+              <a:t>, </a:t>
+            </a:r>
+            <a:r>
+              <a:rPr lang="en-US" dirty="0" err="1">
+                <a:solidFill>
+                  <a:srgbClr val="9CDCFE"/>
+                </a:solidFill>
+                <a:latin typeface="Consolas" panose="020B0609020204030204" pitchFamily="49" charset="0"/>
+              </a:rPr>
+              <a:t>todoId</a:t>
+            </a:r>
+            <a:r>
+              <a:rPr lang="en-US" dirty="0">
+                <a:solidFill>
+                  <a:srgbClr val="D4D4D4"/>
+                </a:solidFill>
+                <a:latin typeface="Consolas" panose="020B0609020204030204" pitchFamily="49" charset="0"/>
+              </a:rPr>
+              <a:t>: </a:t>
+            </a:r>
+            <a:r>
+              <a:rPr lang="en-US" dirty="0">
+                <a:solidFill>
+                  <a:srgbClr val="4EC9B0"/>
+                </a:solidFill>
+                <a:latin typeface="Consolas" panose="020B0609020204030204" pitchFamily="49" charset="0"/>
+              </a:rPr>
+              <a:t>string</a:t>
+            </a:r>
+            <a:r>
+              <a:rPr lang="en-US" dirty="0">
+                <a:solidFill>
+                  <a:srgbClr val="D4D4D4"/>
+                </a:solidFill>
+                <a:latin typeface="Consolas" panose="020B0609020204030204" pitchFamily="49" charset="0"/>
+              </a:rPr>
+              <a:t>): 								</a:t>
+            </a:r>
+            <a:r>
+              <a:rPr lang="en-US" dirty="0">
+                <a:solidFill>
+                  <a:srgbClr val="4EC9B0"/>
+                </a:solidFill>
+                <a:latin typeface="Consolas" panose="020B0609020204030204" pitchFamily="49" charset="0"/>
+              </a:rPr>
+              <a:t>Observable</a:t>
+            </a:r>
+            <a:r>
+              <a:rPr lang="en-US" dirty="0">
+                <a:solidFill>
+                  <a:srgbClr val="D4D4D4"/>
+                </a:solidFill>
+                <a:latin typeface="Consolas" panose="020B0609020204030204" pitchFamily="49" charset="0"/>
+              </a:rPr>
+              <a:t>&lt;</a:t>
+            </a:r>
+            <a:r>
+              <a:rPr lang="en-US" dirty="0" err="1">
+                <a:solidFill>
+                  <a:srgbClr val="4EC9B0"/>
+                </a:solidFill>
+                <a:latin typeface="Consolas" panose="020B0609020204030204" pitchFamily="49" charset="0"/>
+              </a:rPr>
+              <a:t>Todo</a:t>
+            </a:r>
+            <a:r>
+              <a:rPr lang="en-US" dirty="0">
+                <a:solidFill>
+                  <a:srgbClr val="D4D4D4"/>
+                </a:solidFill>
+                <a:latin typeface="Consolas" panose="020B0609020204030204" pitchFamily="49" charset="0"/>
+              </a:rPr>
+              <a:t>&gt; {</a:t>
+            </a:r>
+          </a:p>
+          <a:p>
+            <a:pPr marL="1371600" lvl="3" indent="0">
+              <a:buNone/>
+            </a:pPr>
+            <a:r>
+              <a:rPr lang="en-US" sz="2800" dirty="0">
+                <a:solidFill>
+                  <a:srgbClr val="C586C0"/>
+                </a:solidFill>
+                <a:latin typeface="Consolas" panose="020B0609020204030204" pitchFamily="49" charset="0"/>
+              </a:rPr>
+              <a:t>return </a:t>
+            </a:r>
+            <a:r>
+              <a:rPr lang="en-US" sz="2800" dirty="0" err="1">
+                <a:solidFill>
+                  <a:srgbClr val="569CD6"/>
+                </a:solidFill>
+                <a:latin typeface="Consolas" panose="020B0609020204030204" pitchFamily="49" charset="0"/>
+              </a:rPr>
+              <a:t>this</a:t>
+            </a:r>
+            <a:r>
+              <a:rPr lang="en-US" sz="2800" dirty="0" err="1">
+                <a:solidFill>
+                  <a:srgbClr val="D4D4D4"/>
+                </a:solidFill>
+                <a:latin typeface="Consolas" panose="020B0609020204030204" pitchFamily="49" charset="0"/>
+              </a:rPr>
+              <a:t>.</a:t>
+            </a:r>
+            <a:r>
+              <a:rPr lang="en-US" sz="2800" dirty="0" err="1">
+                <a:solidFill>
+                  <a:srgbClr val="9CDCFE"/>
+                </a:solidFill>
+                <a:latin typeface="Consolas" panose="020B0609020204030204" pitchFamily="49" charset="0"/>
+              </a:rPr>
+              <a:t>http</a:t>
+            </a:r>
+            <a:r>
+              <a:rPr lang="en-US" sz="2800" dirty="0" err="1">
+                <a:solidFill>
+                  <a:srgbClr val="D4D4D4"/>
+                </a:solidFill>
+                <a:latin typeface="Consolas" panose="020B0609020204030204" pitchFamily="49" charset="0"/>
+              </a:rPr>
+              <a:t>.</a:t>
+            </a:r>
+            <a:r>
+              <a:rPr lang="en-US" sz="2800" dirty="0" err="1">
+                <a:solidFill>
+                  <a:srgbClr val="DCDCAA"/>
+                </a:solidFill>
+                <a:latin typeface="Consolas" panose="020B0609020204030204" pitchFamily="49" charset="0"/>
+              </a:rPr>
+              <a:t>put</a:t>
+            </a:r>
+            <a:r>
+              <a:rPr lang="en-US" sz="2800" dirty="0">
+                <a:solidFill>
+                  <a:srgbClr val="D4D4D4"/>
+                </a:solidFill>
+                <a:latin typeface="Consolas" panose="020B0609020204030204" pitchFamily="49" charset="0"/>
+              </a:rPr>
+              <a:t>&lt;</a:t>
+            </a:r>
+            <a:r>
+              <a:rPr lang="en-US" sz="2800" dirty="0" err="1">
+                <a:solidFill>
+                  <a:srgbClr val="4EC9B0"/>
+                </a:solidFill>
+                <a:latin typeface="Consolas" panose="020B0609020204030204" pitchFamily="49" charset="0"/>
+              </a:rPr>
+              <a:t>Todo</a:t>
+            </a:r>
+            <a:r>
+              <a:rPr lang="en-US" sz="2800" dirty="0">
+                <a:solidFill>
+                  <a:srgbClr val="D4D4D4"/>
+                </a:solidFill>
+                <a:latin typeface="Consolas" panose="020B0609020204030204" pitchFamily="49" charset="0"/>
+              </a:rPr>
+              <a:t>&gt;(</a:t>
+            </a:r>
+            <a:r>
+              <a:rPr lang="en-US" sz="2800" dirty="0">
+                <a:solidFill>
+                  <a:srgbClr val="CE9178"/>
+                </a:solidFill>
+                <a:latin typeface="Consolas" panose="020B0609020204030204" pitchFamily="49" charset="0"/>
+              </a:rPr>
+              <a:t>`http://localhost:8080/</a:t>
+            </a:r>
+            <a:r>
+              <a:rPr lang="en-US" sz="2800" dirty="0" err="1">
+                <a:solidFill>
+                  <a:srgbClr val="CE9178"/>
+                </a:solidFill>
+                <a:latin typeface="Consolas" panose="020B0609020204030204" pitchFamily="49" charset="0"/>
+              </a:rPr>
+              <a:t>api</a:t>
+            </a:r>
+            <a:r>
+              <a:rPr lang="en-US" sz="2800" dirty="0">
+                <a:solidFill>
+                  <a:srgbClr val="CE9178"/>
+                </a:solidFill>
+                <a:latin typeface="Consolas" panose="020B0609020204030204" pitchFamily="49" charset="0"/>
+              </a:rPr>
+              <a:t>/</a:t>
+            </a:r>
+            <a:r>
+              <a:rPr lang="en-US" sz="2800" dirty="0" err="1">
+                <a:solidFill>
+                  <a:srgbClr val="CE9178"/>
+                </a:solidFill>
+                <a:latin typeface="Consolas" panose="020B0609020204030204" pitchFamily="49" charset="0"/>
+              </a:rPr>
+              <a:t>todo</a:t>
+            </a:r>
+            <a:r>
+              <a:rPr lang="en-US" sz="2800" dirty="0">
+                <a:solidFill>
+                  <a:srgbClr val="CE9178"/>
+                </a:solidFill>
+                <a:latin typeface="Consolas" panose="020B0609020204030204" pitchFamily="49" charset="0"/>
+              </a:rPr>
+              <a:t>/</a:t>
+            </a:r>
+            <a:r>
+              <a:rPr lang="en-US" sz="2800" dirty="0">
+                <a:solidFill>
+                  <a:srgbClr val="569CD6"/>
+                </a:solidFill>
+                <a:latin typeface="Consolas" panose="020B0609020204030204" pitchFamily="49" charset="0"/>
+              </a:rPr>
+              <a:t>${</a:t>
+            </a:r>
+            <a:r>
+              <a:rPr lang="en-US" sz="2800" dirty="0" err="1">
+                <a:solidFill>
+                  <a:srgbClr val="9CDCFE"/>
+                </a:solidFill>
+                <a:latin typeface="Consolas" panose="020B0609020204030204" pitchFamily="49" charset="0"/>
+              </a:rPr>
+              <a:t>todoId</a:t>
+            </a:r>
+            <a:r>
+              <a:rPr lang="en-US" sz="2800" dirty="0">
+                <a:solidFill>
+                  <a:srgbClr val="569CD6"/>
+                </a:solidFill>
+                <a:latin typeface="Consolas" panose="020B0609020204030204" pitchFamily="49" charset="0"/>
+              </a:rPr>
+              <a:t>}</a:t>
+            </a:r>
+            <a:r>
+              <a:rPr lang="en-US" sz="2800" dirty="0">
+                <a:solidFill>
+                  <a:srgbClr val="CE9178"/>
+                </a:solidFill>
+                <a:latin typeface="Consolas" panose="020B0609020204030204" pitchFamily="49" charset="0"/>
+              </a:rPr>
+              <a:t>`</a:t>
+            </a:r>
+            <a:r>
+              <a:rPr lang="en-US" sz="2800" dirty="0">
+                <a:solidFill>
+                  <a:srgbClr val="D4D4D4"/>
+                </a:solidFill>
+                <a:latin typeface="Consolas" panose="020B0609020204030204" pitchFamily="49" charset="0"/>
+              </a:rPr>
+              <a:t>, </a:t>
+            </a:r>
+            <a:r>
+              <a:rPr lang="en-US" sz="2800" dirty="0" err="1">
+                <a:solidFill>
+                  <a:srgbClr val="9CDCFE"/>
+                </a:solidFill>
+                <a:latin typeface="Consolas" panose="020B0609020204030204" pitchFamily="49" charset="0"/>
+              </a:rPr>
+              <a:t>todo</a:t>
+            </a:r>
+            <a:r>
+              <a:rPr lang="en-US" sz="2800" dirty="0">
+                <a:solidFill>
+                  <a:srgbClr val="D4D4D4"/>
+                </a:solidFill>
+                <a:latin typeface="Consolas" panose="020B0609020204030204" pitchFamily="49" charset="0"/>
+              </a:rPr>
+              <a:t>);</a:t>
+            </a:r>
+          </a:p>
+          <a:p>
+            <a:pPr marL="0" indent="0">
+              <a:buNone/>
+            </a:pPr>
+            <a:r>
+              <a:rPr lang="en-US" dirty="0">
+                <a:solidFill>
+                  <a:srgbClr val="D4D4D4"/>
+                </a:solidFill>
+                <a:latin typeface="Consolas" panose="020B0609020204030204" pitchFamily="49" charset="0"/>
+              </a:rPr>
+              <a:t>}</a:t>
+            </a:r>
+          </a:p>
+          <a:p>
+            <a:pPr marL="0" indent="0">
+              <a:buNone/>
+            </a:pPr>
+            <a:endParaRPr lang="en-NL" dirty="0"/>
+          </a:p>
+        </p:txBody>
+      </p:sp>
+    </p:spTree>
+    <p:extLst>
+      <p:ext uri="{BB962C8B-B14F-4D97-AF65-F5344CB8AC3E}">
+        <p14:creationId xmlns:p14="http://schemas.microsoft.com/office/powerpoint/2010/main" val="764758093"/>
+      </p:ext>
+    </p:extLst>
+  </p:cSld>
+  <p:clrMapOvr>
+    <a:masterClrMapping/>
+  </p:clrMapOvr>
+</p:sld>
+</file>
+
+<file path=ppt/slides/slide41.xml><?xml version="1.0" encoding="utf-8"?>
+<p:sld xmlns:a="http://schemas.openxmlformats.org/drawingml/2006/main" xmlns:r="http://schemas.openxmlformats.org/officeDocument/2006/relationships" xmlns:p="http://schemas.openxmlformats.org/presentationml/2006/main">
+  <p:cSld>
+    <p:spTree>
+      <p:nvGrpSpPr>
+        <p:cNvPr id="1" name=""/>
+        <p:cNvGrpSpPr/>
+        <p:nvPr/>
+      </p:nvGrpSpPr>
+      <p:grpSpPr>
+        <a:xfrm>
+          <a:off x="0" y="0"/>
+          <a:ext cx="0" cy="0"/>
+          <a:chOff x="0" y="0"/>
+          <a:chExt cx="0" cy="0"/>
+        </a:xfrm>
+      </p:grpSpPr>
+      <p:sp>
+        <p:nvSpPr>
+          <p:cNvPr id="2" name="Title 1">
+            <a:extLst>
+              <a:ext uri="{FF2B5EF4-FFF2-40B4-BE49-F238E27FC236}">
+                <a16:creationId xmlns:a16="http://schemas.microsoft.com/office/drawing/2014/main" id="{E1E6D7AE-1A08-40CE-B347-E1D8D24268A8}"/>
+              </a:ext>
+            </a:extLst>
+          </p:cNvPr>
+          <p:cNvSpPr>
+            <a:spLocks noGrp="1"/>
+          </p:cNvSpPr>
+          <p:nvPr>
+            <p:ph type="title"/>
+          </p:nvPr>
+        </p:nvSpPr>
+        <p:spPr/>
+        <p:txBody>
+          <a:bodyPr/>
+          <a:lstStyle/>
+          <a:p>
+            <a:r>
+              <a:rPr lang="en-US" dirty="0" err="1"/>
+              <a:t>todo.overview.component.ts</a:t>
+            </a:r>
+            <a:endParaRPr lang="en-NL" dirty="0"/>
+          </a:p>
+        </p:txBody>
+      </p:sp>
+      <p:sp>
+        <p:nvSpPr>
+          <p:cNvPr id="3" name="Content Placeholder 2">
+            <a:extLst>
+              <a:ext uri="{FF2B5EF4-FFF2-40B4-BE49-F238E27FC236}">
+                <a16:creationId xmlns:a16="http://schemas.microsoft.com/office/drawing/2014/main" id="{85EABC65-864B-4648-9FE0-3044C3454F7E}"/>
+              </a:ext>
+            </a:extLst>
+          </p:cNvPr>
+          <p:cNvSpPr>
+            <a:spLocks noGrp="1"/>
+          </p:cNvSpPr>
+          <p:nvPr>
+            <p:ph idx="1"/>
+          </p:nvPr>
+        </p:nvSpPr>
+        <p:spPr/>
+        <p:style>
+          <a:lnRef idx="0">
+            <a:scrgbClr r="0" g="0" b="0"/>
+          </a:lnRef>
+          <a:fillRef idx="1001">
+            <a:schemeClr val="dk2"/>
+          </a:fillRef>
+          <a:effectRef idx="0">
+            <a:scrgbClr r="0" g="0" b="0"/>
+          </a:effectRef>
+          <a:fontRef idx="major"/>
+        </p:style>
+        <p:txBody>
+          <a:bodyPr>
+            <a:normAutofit fontScale="62500" lnSpcReduction="20000"/>
+          </a:bodyPr>
+          <a:lstStyle/>
+          <a:p>
+            <a:pPr marL="0" indent="0">
+              <a:buNone/>
+            </a:pPr>
+            <a:r>
+              <a:rPr lang="en-US" dirty="0" err="1">
+                <a:solidFill>
+                  <a:srgbClr val="DCDCAA"/>
+                </a:solidFill>
+                <a:latin typeface="Consolas" panose="020B0609020204030204" pitchFamily="49" charset="0"/>
+              </a:rPr>
+              <a:t>ngOnInit</a:t>
+            </a:r>
+            <a:r>
+              <a:rPr lang="en-US" dirty="0">
+                <a:solidFill>
+                  <a:srgbClr val="D4D4D4"/>
+                </a:solidFill>
+                <a:latin typeface="Consolas" panose="020B0609020204030204" pitchFamily="49" charset="0"/>
+              </a:rPr>
+              <a:t>() {</a:t>
+            </a:r>
+          </a:p>
+          <a:p>
+            <a:pPr marL="0" indent="0">
+              <a:buNone/>
+            </a:pPr>
+            <a:r>
+              <a:rPr lang="en-US" dirty="0">
+                <a:solidFill>
+                  <a:srgbClr val="569CD6"/>
+                </a:solidFill>
+                <a:latin typeface="Consolas" panose="020B0609020204030204" pitchFamily="49" charset="0"/>
+              </a:rPr>
+              <a:t>	</a:t>
+            </a:r>
+            <a:r>
+              <a:rPr lang="en-US" dirty="0" err="1">
+                <a:solidFill>
+                  <a:srgbClr val="569CD6"/>
+                </a:solidFill>
+                <a:latin typeface="Consolas" panose="020B0609020204030204" pitchFamily="49" charset="0"/>
+              </a:rPr>
+              <a:t>this</a:t>
+            </a:r>
+            <a:r>
+              <a:rPr lang="en-US" dirty="0" err="1">
+                <a:solidFill>
+                  <a:srgbClr val="D4D4D4"/>
+                </a:solidFill>
+                <a:latin typeface="Consolas" panose="020B0609020204030204" pitchFamily="49" charset="0"/>
+              </a:rPr>
+              <a:t>.</a:t>
+            </a:r>
+            <a:r>
+              <a:rPr lang="en-US" dirty="0" err="1">
+                <a:solidFill>
+                  <a:srgbClr val="DCDCAA"/>
+                </a:solidFill>
+                <a:latin typeface="Consolas" panose="020B0609020204030204" pitchFamily="49" charset="0"/>
+              </a:rPr>
+              <a:t>getToDos</a:t>
+            </a:r>
+            <a:r>
+              <a:rPr lang="en-US" dirty="0">
+                <a:solidFill>
+                  <a:srgbClr val="D4D4D4"/>
+                </a:solidFill>
+                <a:latin typeface="Consolas" panose="020B0609020204030204" pitchFamily="49" charset="0"/>
+              </a:rPr>
+              <a:t>();</a:t>
+            </a:r>
+          </a:p>
+          <a:p>
+            <a:pPr marL="0" indent="0">
+              <a:buNone/>
+            </a:pPr>
+            <a:r>
+              <a:rPr lang="en-US" dirty="0">
+                <a:solidFill>
+                  <a:srgbClr val="D4D4D4"/>
+                </a:solidFill>
+                <a:latin typeface="Consolas" panose="020B0609020204030204" pitchFamily="49" charset="0"/>
+              </a:rPr>
+              <a:t>}</a:t>
+            </a:r>
+          </a:p>
+          <a:p>
+            <a:pPr marL="0" indent="0">
+              <a:buNone/>
+            </a:pPr>
+            <a:br>
+              <a:rPr lang="en-US" dirty="0">
+                <a:solidFill>
+                  <a:srgbClr val="D4D4D4"/>
+                </a:solidFill>
+                <a:latin typeface="Consolas" panose="020B0609020204030204" pitchFamily="49" charset="0"/>
+              </a:rPr>
+            </a:br>
+            <a:r>
+              <a:rPr lang="en-US" dirty="0" err="1">
+                <a:solidFill>
+                  <a:srgbClr val="DCDCAA"/>
+                </a:solidFill>
+                <a:latin typeface="Consolas" panose="020B0609020204030204" pitchFamily="49" charset="0"/>
+              </a:rPr>
+              <a:t>getToDos</a:t>
+            </a:r>
+            <a:r>
+              <a:rPr lang="en-US" dirty="0">
+                <a:solidFill>
+                  <a:srgbClr val="D4D4D4"/>
+                </a:solidFill>
+                <a:latin typeface="Consolas" panose="020B0609020204030204" pitchFamily="49" charset="0"/>
+              </a:rPr>
+              <a:t>(){</a:t>
+            </a:r>
+          </a:p>
+          <a:p>
+            <a:pPr marL="0" indent="0">
+              <a:buNone/>
+            </a:pPr>
+            <a:r>
+              <a:rPr lang="en-US" dirty="0">
+                <a:solidFill>
+                  <a:srgbClr val="569CD6"/>
+                </a:solidFill>
+                <a:latin typeface="Consolas" panose="020B0609020204030204" pitchFamily="49" charset="0"/>
+              </a:rPr>
+              <a:t>	</a:t>
+            </a:r>
+            <a:r>
+              <a:rPr lang="en-US" dirty="0" err="1">
+                <a:solidFill>
+                  <a:srgbClr val="569CD6"/>
+                </a:solidFill>
+                <a:latin typeface="Consolas" panose="020B0609020204030204" pitchFamily="49" charset="0"/>
+              </a:rPr>
+              <a:t>this</a:t>
+            </a:r>
+            <a:r>
+              <a:rPr lang="en-US" dirty="0" err="1">
+                <a:solidFill>
+                  <a:srgbClr val="D4D4D4"/>
+                </a:solidFill>
+                <a:latin typeface="Consolas" panose="020B0609020204030204" pitchFamily="49" charset="0"/>
+              </a:rPr>
+              <a:t>.</a:t>
+            </a:r>
+            <a:r>
+              <a:rPr lang="en-US" dirty="0" err="1">
+                <a:solidFill>
+                  <a:srgbClr val="9CDCFE"/>
+                </a:solidFill>
+                <a:latin typeface="Consolas" panose="020B0609020204030204" pitchFamily="49" charset="0"/>
+              </a:rPr>
+              <a:t>todoService</a:t>
+            </a:r>
+            <a:r>
+              <a:rPr lang="en-US" dirty="0" err="1">
+                <a:solidFill>
+                  <a:srgbClr val="D4D4D4"/>
+                </a:solidFill>
+                <a:latin typeface="Consolas" panose="020B0609020204030204" pitchFamily="49" charset="0"/>
+              </a:rPr>
+              <a:t>.</a:t>
+            </a:r>
+            <a:r>
+              <a:rPr lang="en-US" dirty="0" err="1">
+                <a:solidFill>
+                  <a:srgbClr val="DCDCAA"/>
+                </a:solidFill>
+                <a:latin typeface="Consolas" panose="020B0609020204030204" pitchFamily="49" charset="0"/>
+              </a:rPr>
+              <a:t>getToDos</a:t>
+            </a:r>
+            <a:r>
+              <a:rPr lang="en-US" dirty="0">
+                <a:solidFill>
+                  <a:srgbClr val="D4D4D4"/>
+                </a:solidFill>
+                <a:latin typeface="Consolas" panose="020B0609020204030204" pitchFamily="49" charset="0"/>
+              </a:rPr>
+              <a:t>().</a:t>
+            </a:r>
+            <a:r>
+              <a:rPr lang="en-US" dirty="0">
+                <a:solidFill>
+                  <a:srgbClr val="DCDCAA"/>
+                </a:solidFill>
+                <a:latin typeface="Consolas" panose="020B0609020204030204" pitchFamily="49" charset="0"/>
+              </a:rPr>
+              <a:t>subscribe</a:t>
+            </a:r>
+            <a:r>
+              <a:rPr lang="en-US" dirty="0">
+                <a:solidFill>
+                  <a:srgbClr val="D4D4D4"/>
+                </a:solidFill>
+                <a:latin typeface="Consolas" panose="020B0609020204030204" pitchFamily="49" charset="0"/>
+              </a:rPr>
+              <a:t>( </a:t>
+            </a:r>
+          </a:p>
+          <a:p>
+            <a:pPr marL="0" indent="0">
+              <a:buNone/>
+            </a:pPr>
+            <a:r>
+              <a:rPr lang="en-US" dirty="0">
+                <a:solidFill>
+                  <a:srgbClr val="9CDCFE"/>
+                </a:solidFill>
+                <a:latin typeface="Consolas" panose="020B0609020204030204" pitchFamily="49" charset="0"/>
+              </a:rPr>
+              <a:t>		data</a:t>
+            </a:r>
+            <a:r>
+              <a:rPr lang="en-US" dirty="0">
+                <a:solidFill>
+                  <a:srgbClr val="D4D4D4"/>
+                </a:solidFill>
+                <a:latin typeface="Consolas" panose="020B0609020204030204" pitchFamily="49" charset="0"/>
+              </a:rPr>
+              <a:t> </a:t>
+            </a:r>
+            <a:r>
+              <a:rPr lang="en-US" dirty="0">
+                <a:solidFill>
+                  <a:srgbClr val="569CD6"/>
+                </a:solidFill>
+                <a:latin typeface="Consolas" panose="020B0609020204030204" pitchFamily="49" charset="0"/>
+              </a:rPr>
+              <a:t>=&gt;</a:t>
+            </a:r>
+            <a:r>
+              <a:rPr lang="en-US" dirty="0">
+                <a:solidFill>
+                  <a:srgbClr val="D4D4D4"/>
+                </a:solidFill>
+                <a:latin typeface="Consolas" panose="020B0609020204030204" pitchFamily="49" charset="0"/>
+              </a:rPr>
+              <a:t> {</a:t>
+            </a:r>
+          </a:p>
+          <a:p>
+            <a:pPr marL="0" indent="0">
+              <a:buNone/>
+            </a:pPr>
+            <a:r>
+              <a:rPr lang="en-US" dirty="0">
+                <a:solidFill>
+                  <a:srgbClr val="569CD6"/>
+                </a:solidFill>
+                <a:latin typeface="Consolas" panose="020B0609020204030204" pitchFamily="49" charset="0"/>
+              </a:rPr>
+              <a:t>			</a:t>
+            </a:r>
+            <a:r>
+              <a:rPr lang="en-US" dirty="0" err="1">
+                <a:solidFill>
+                  <a:srgbClr val="569CD6"/>
+                </a:solidFill>
+                <a:latin typeface="Consolas" panose="020B0609020204030204" pitchFamily="49" charset="0"/>
+              </a:rPr>
+              <a:t>this</a:t>
+            </a:r>
+            <a:r>
+              <a:rPr lang="en-US" dirty="0" err="1">
+                <a:solidFill>
+                  <a:srgbClr val="D4D4D4"/>
+                </a:solidFill>
+                <a:latin typeface="Consolas" panose="020B0609020204030204" pitchFamily="49" charset="0"/>
+              </a:rPr>
+              <a:t>.</a:t>
+            </a:r>
+            <a:r>
+              <a:rPr lang="en-US" dirty="0" err="1">
+                <a:solidFill>
+                  <a:srgbClr val="9CDCFE"/>
+                </a:solidFill>
+                <a:latin typeface="Consolas" panose="020B0609020204030204" pitchFamily="49" charset="0"/>
+              </a:rPr>
+              <a:t>todos</a:t>
+            </a:r>
+            <a:r>
+              <a:rPr lang="en-US" dirty="0">
+                <a:solidFill>
+                  <a:srgbClr val="D4D4D4"/>
+                </a:solidFill>
+                <a:latin typeface="Consolas" panose="020B0609020204030204" pitchFamily="49" charset="0"/>
+              </a:rPr>
+              <a:t> = </a:t>
+            </a:r>
+            <a:r>
+              <a:rPr lang="en-US" dirty="0">
+                <a:solidFill>
+                  <a:srgbClr val="9CDCFE"/>
+                </a:solidFill>
+                <a:latin typeface="Consolas" panose="020B0609020204030204" pitchFamily="49" charset="0"/>
+              </a:rPr>
+              <a:t>data</a:t>
+            </a:r>
+            <a:r>
+              <a:rPr lang="en-US" dirty="0">
+                <a:solidFill>
+                  <a:srgbClr val="D4D4D4"/>
+                </a:solidFill>
+                <a:latin typeface="Consolas" panose="020B0609020204030204" pitchFamily="49" charset="0"/>
+              </a:rPr>
+              <a:t>;</a:t>
+            </a:r>
+          </a:p>
+          <a:p>
+            <a:pPr marL="0" indent="0">
+              <a:buNone/>
+            </a:pPr>
+            <a:r>
+              <a:rPr lang="en-US" dirty="0">
+                <a:solidFill>
+                  <a:srgbClr val="D4D4D4"/>
+                </a:solidFill>
+                <a:latin typeface="Consolas" panose="020B0609020204030204" pitchFamily="49" charset="0"/>
+              </a:rPr>
+              <a:t>		},</a:t>
+            </a:r>
+          </a:p>
+          <a:p>
+            <a:pPr marL="0" indent="0">
+              <a:buNone/>
+            </a:pPr>
+            <a:r>
+              <a:rPr lang="en-US" dirty="0">
+                <a:solidFill>
+                  <a:srgbClr val="9CDCFE"/>
+                </a:solidFill>
+                <a:latin typeface="Consolas" panose="020B0609020204030204" pitchFamily="49" charset="0"/>
+              </a:rPr>
+              <a:t>		err</a:t>
+            </a:r>
+            <a:r>
+              <a:rPr lang="en-US" dirty="0">
+                <a:solidFill>
+                  <a:srgbClr val="D4D4D4"/>
+                </a:solidFill>
+                <a:latin typeface="Consolas" panose="020B0609020204030204" pitchFamily="49" charset="0"/>
+              </a:rPr>
+              <a:t> </a:t>
+            </a:r>
+            <a:r>
+              <a:rPr lang="en-US" dirty="0">
+                <a:solidFill>
+                  <a:srgbClr val="569CD6"/>
+                </a:solidFill>
+                <a:latin typeface="Consolas" panose="020B0609020204030204" pitchFamily="49" charset="0"/>
+              </a:rPr>
+              <a:t>=&gt;</a:t>
+            </a:r>
+            <a:r>
+              <a:rPr lang="en-US" dirty="0">
+                <a:solidFill>
+                  <a:srgbClr val="D4D4D4"/>
+                </a:solidFill>
+                <a:latin typeface="Consolas" panose="020B0609020204030204" pitchFamily="49" charset="0"/>
+              </a:rPr>
+              <a:t> { </a:t>
+            </a:r>
+          </a:p>
+          <a:p>
+            <a:pPr marL="0" indent="0">
+              <a:buNone/>
+            </a:pPr>
+            <a:r>
+              <a:rPr lang="en-US" dirty="0">
+                <a:solidFill>
+                  <a:srgbClr val="DCDCAA"/>
+                </a:solidFill>
+                <a:latin typeface="Consolas" panose="020B0609020204030204" pitchFamily="49" charset="0"/>
+              </a:rPr>
+              <a:t>			alert</a:t>
+            </a:r>
+            <a:r>
+              <a:rPr lang="en-US" dirty="0">
+                <a:solidFill>
+                  <a:srgbClr val="D4D4D4"/>
+                </a:solidFill>
+                <a:latin typeface="Consolas" panose="020B0609020204030204" pitchFamily="49" charset="0"/>
+              </a:rPr>
+              <a:t>(</a:t>
+            </a:r>
+            <a:r>
+              <a:rPr lang="en-US" dirty="0">
+                <a:solidFill>
+                  <a:srgbClr val="CE9178"/>
+                </a:solidFill>
+                <a:latin typeface="Consolas" panose="020B0609020204030204" pitchFamily="49" charset="0"/>
+              </a:rPr>
+              <a:t>'Something went wrong!’</a:t>
+            </a:r>
+            <a:r>
+              <a:rPr lang="en-US" dirty="0">
+                <a:solidFill>
+                  <a:srgbClr val="D4D4D4"/>
+                </a:solidFill>
+                <a:latin typeface="Consolas" panose="020B0609020204030204" pitchFamily="49" charset="0"/>
+              </a:rPr>
+              <a:t>);</a:t>
+            </a:r>
+          </a:p>
+          <a:p>
+            <a:pPr marL="0" indent="0">
+              <a:buNone/>
+            </a:pPr>
+            <a:r>
+              <a:rPr lang="en-US" dirty="0">
+                <a:solidFill>
+                  <a:srgbClr val="D4D4D4"/>
+                </a:solidFill>
+                <a:latin typeface="Consolas" panose="020B0609020204030204" pitchFamily="49" charset="0"/>
+              </a:rPr>
+              <a:t>		}</a:t>
+            </a:r>
+          </a:p>
+          <a:p>
+            <a:pPr marL="0" indent="0">
+              <a:buNone/>
+            </a:pPr>
+            <a:r>
+              <a:rPr lang="en-US" dirty="0">
+                <a:solidFill>
+                  <a:srgbClr val="D4D4D4"/>
+                </a:solidFill>
+                <a:latin typeface="Consolas" panose="020B0609020204030204" pitchFamily="49" charset="0"/>
+              </a:rPr>
+              <a:t>	);</a:t>
+            </a:r>
+          </a:p>
+          <a:p>
+            <a:pPr marL="0" indent="0">
+              <a:buNone/>
+            </a:pPr>
+            <a:r>
+              <a:rPr lang="en-US" dirty="0">
+                <a:solidFill>
+                  <a:srgbClr val="D4D4D4"/>
+                </a:solidFill>
+                <a:latin typeface="Consolas" panose="020B0609020204030204" pitchFamily="49" charset="0"/>
+              </a:rPr>
+              <a:t>}</a:t>
+            </a:r>
+          </a:p>
+          <a:p>
+            <a:pPr marL="0" indent="0">
+              <a:buNone/>
+            </a:pPr>
+            <a:endParaRPr lang="en-NL" dirty="0"/>
+          </a:p>
+        </p:txBody>
+      </p:sp>
+    </p:spTree>
+    <p:extLst>
+      <p:ext uri="{BB962C8B-B14F-4D97-AF65-F5344CB8AC3E}">
+        <p14:creationId xmlns:p14="http://schemas.microsoft.com/office/powerpoint/2010/main" val="497247140"/>
+      </p:ext>
+    </p:extLst>
+  </p:cSld>
+  <p:clrMapOvr>
+    <a:masterClrMapping/>
+  </p:clrMapOvr>
+</p:sld>
+</file>
+
+<file path=ppt/slides/slide42.xml><?xml version="1.0" encoding="utf-8"?>
+<p:sld xmlns:a="http://schemas.openxmlformats.org/drawingml/2006/main" xmlns:r="http://schemas.openxmlformats.org/officeDocument/2006/relationships" xmlns:p="http://schemas.openxmlformats.org/presentationml/2006/main">
+  <p:cSld>
+    <p:spTree>
+      <p:nvGrpSpPr>
+        <p:cNvPr id="1" name=""/>
+        <p:cNvGrpSpPr/>
+        <p:nvPr/>
+      </p:nvGrpSpPr>
+      <p:grpSpPr>
+        <a:xfrm>
+          <a:off x="0" y="0"/>
+          <a:ext cx="0" cy="0"/>
+          <a:chOff x="0" y="0"/>
+          <a:chExt cx="0" cy="0"/>
+        </a:xfrm>
+      </p:grpSpPr>
+      <p:sp>
+        <p:nvSpPr>
+          <p:cNvPr id="2" name="Title 1">
+            <a:extLst>
+              <a:ext uri="{FF2B5EF4-FFF2-40B4-BE49-F238E27FC236}">
+                <a16:creationId xmlns:a16="http://schemas.microsoft.com/office/drawing/2014/main" id="{5A7EB3F7-F0B4-4799-BB54-E30769D7BFE3}"/>
+              </a:ext>
+            </a:extLst>
+          </p:cNvPr>
+          <p:cNvSpPr>
+            <a:spLocks noGrp="1"/>
+          </p:cNvSpPr>
+          <p:nvPr>
+            <p:ph type="title"/>
+          </p:nvPr>
+        </p:nvSpPr>
+        <p:spPr/>
+        <p:txBody>
+          <a:bodyPr/>
+          <a:lstStyle/>
+          <a:p>
+            <a:r>
+              <a:rPr lang="en-US" dirty="0" err="1"/>
+              <a:t>todo.overview.component.ts</a:t>
+            </a:r>
+            <a:endParaRPr lang="en-NL" dirty="0"/>
+          </a:p>
+        </p:txBody>
+      </p:sp>
+      <p:sp>
+        <p:nvSpPr>
+          <p:cNvPr id="3" name="Content Placeholder 2">
+            <a:extLst>
+              <a:ext uri="{FF2B5EF4-FFF2-40B4-BE49-F238E27FC236}">
+                <a16:creationId xmlns:a16="http://schemas.microsoft.com/office/drawing/2014/main" id="{EA8238B3-2FAC-4FD7-9606-69BAE69474A3}"/>
+              </a:ext>
+            </a:extLst>
+          </p:cNvPr>
+          <p:cNvSpPr>
+            <a:spLocks noGrp="1"/>
+          </p:cNvSpPr>
+          <p:nvPr>
+            <p:ph idx="1"/>
+          </p:nvPr>
+        </p:nvSpPr>
+        <p:spPr/>
+        <p:style>
+          <a:lnRef idx="0">
+            <a:scrgbClr r="0" g="0" b="0"/>
+          </a:lnRef>
+          <a:fillRef idx="1001">
+            <a:schemeClr val="dk2"/>
+          </a:fillRef>
+          <a:effectRef idx="0">
+            <a:scrgbClr r="0" g="0" b="0"/>
+          </a:effectRef>
+          <a:fontRef idx="major"/>
+        </p:style>
+        <p:txBody>
+          <a:bodyPr>
+            <a:normAutofit fontScale="77500" lnSpcReduction="20000"/>
+          </a:bodyPr>
+          <a:lstStyle/>
+          <a:p>
+            <a:pPr marL="0" indent="0">
+              <a:buNone/>
+            </a:pPr>
+            <a:r>
+              <a:rPr lang="en-US" dirty="0" err="1">
+                <a:solidFill>
+                  <a:srgbClr val="DCDCAA"/>
+                </a:solidFill>
+                <a:latin typeface="Consolas" panose="020B0609020204030204" pitchFamily="49" charset="0"/>
+              </a:rPr>
+              <a:t>setCompleted</a:t>
+            </a:r>
+            <a:r>
+              <a:rPr lang="en-US" dirty="0">
+                <a:solidFill>
+                  <a:srgbClr val="D4D4D4"/>
+                </a:solidFill>
+                <a:latin typeface="Consolas" panose="020B0609020204030204" pitchFamily="49" charset="0"/>
+              </a:rPr>
+              <a:t>(</a:t>
+            </a:r>
+            <a:r>
+              <a:rPr lang="en-US" dirty="0" err="1">
+                <a:solidFill>
+                  <a:srgbClr val="9CDCFE"/>
+                </a:solidFill>
+                <a:latin typeface="Consolas" panose="020B0609020204030204" pitchFamily="49" charset="0"/>
+              </a:rPr>
+              <a:t>todo</a:t>
+            </a:r>
+            <a:r>
+              <a:rPr lang="en-US" dirty="0">
+                <a:solidFill>
+                  <a:srgbClr val="D4D4D4"/>
+                </a:solidFill>
+                <a:latin typeface="Consolas" panose="020B0609020204030204" pitchFamily="49" charset="0"/>
+              </a:rPr>
+              <a:t>: </a:t>
+            </a:r>
+            <a:r>
+              <a:rPr lang="en-US" dirty="0" err="1">
+                <a:solidFill>
+                  <a:srgbClr val="4EC9B0"/>
+                </a:solidFill>
+                <a:latin typeface="Consolas" panose="020B0609020204030204" pitchFamily="49" charset="0"/>
+              </a:rPr>
+              <a:t>Todo</a:t>
+            </a:r>
+            <a:r>
+              <a:rPr lang="en-US" dirty="0">
+                <a:solidFill>
+                  <a:srgbClr val="D4D4D4"/>
+                </a:solidFill>
+                <a:latin typeface="Consolas" panose="020B0609020204030204" pitchFamily="49" charset="0"/>
+              </a:rPr>
+              <a:t>)</a:t>
+            </a:r>
+          </a:p>
+          <a:p>
+            <a:pPr marL="0" indent="0">
+              <a:buNone/>
+            </a:pPr>
+            <a:r>
+              <a:rPr lang="en-US" dirty="0">
+                <a:solidFill>
+                  <a:srgbClr val="D4D4D4"/>
+                </a:solidFill>
+                <a:latin typeface="Consolas" panose="020B0609020204030204" pitchFamily="49" charset="0"/>
+              </a:rPr>
+              <a:t>{</a:t>
+            </a:r>
+          </a:p>
+          <a:p>
+            <a:pPr marL="0" indent="0">
+              <a:buNone/>
+            </a:pPr>
+            <a:r>
+              <a:rPr lang="en-US" dirty="0">
+                <a:solidFill>
+                  <a:srgbClr val="9CDCFE"/>
+                </a:solidFill>
+                <a:latin typeface="Consolas" panose="020B0609020204030204" pitchFamily="49" charset="0"/>
+              </a:rPr>
+              <a:t>	</a:t>
+            </a:r>
+            <a:r>
+              <a:rPr lang="en-US" dirty="0" err="1">
+                <a:solidFill>
+                  <a:srgbClr val="9CDCFE"/>
+                </a:solidFill>
+                <a:latin typeface="Consolas" panose="020B0609020204030204" pitchFamily="49" charset="0"/>
+              </a:rPr>
+              <a:t>todo</a:t>
+            </a:r>
+            <a:r>
+              <a:rPr lang="en-US" dirty="0" err="1">
+                <a:solidFill>
+                  <a:srgbClr val="D4D4D4"/>
+                </a:solidFill>
+                <a:latin typeface="Consolas" panose="020B0609020204030204" pitchFamily="49" charset="0"/>
+              </a:rPr>
+              <a:t>.</a:t>
+            </a:r>
+            <a:r>
+              <a:rPr lang="en-US" dirty="0" err="1">
+                <a:solidFill>
+                  <a:srgbClr val="9CDCFE"/>
+                </a:solidFill>
+                <a:latin typeface="Consolas" panose="020B0609020204030204" pitchFamily="49" charset="0"/>
+              </a:rPr>
+              <a:t>completed</a:t>
+            </a:r>
+            <a:r>
+              <a:rPr lang="en-US" dirty="0">
+                <a:solidFill>
+                  <a:srgbClr val="D4D4D4"/>
+                </a:solidFill>
+                <a:latin typeface="Consolas" panose="020B0609020204030204" pitchFamily="49" charset="0"/>
+              </a:rPr>
+              <a:t> = </a:t>
+            </a:r>
+            <a:r>
+              <a:rPr lang="en-US" dirty="0">
+                <a:solidFill>
+                  <a:srgbClr val="569CD6"/>
+                </a:solidFill>
+                <a:latin typeface="Consolas" panose="020B0609020204030204" pitchFamily="49" charset="0"/>
+              </a:rPr>
+              <a:t>true</a:t>
+            </a:r>
+            <a:r>
+              <a:rPr lang="en-US" dirty="0">
+                <a:solidFill>
+                  <a:srgbClr val="D4D4D4"/>
+                </a:solidFill>
+                <a:latin typeface="Consolas" panose="020B0609020204030204" pitchFamily="49" charset="0"/>
+              </a:rPr>
+              <a:t>;</a:t>
+            </a:r>
+          </a:p>
+          <a:p>
+            <a:pPr marL="0" indent="0">
+              <a:buNone/>
+            </a:pPr>
+            <a:r>
+              <a:rPr lang="en-US" dirty="0">
+                <a:solidFill>
+                  <a:srgbClr val="569CD6"/>
+                </a:solidFill>
+                <a:latin typeface="Consolas" panose="020B0609020204030204" pitchFamily="49" charset="0"/>
+              </a:rPr>
+              <a:t>	</a:t>
+            </a:r>
+            <a:r>
+              <a:rPr lang="en-US" dirty="0" err="1">
+                <a:solidFill>
+                  <a:srgbClr val="569CD6"/>
+                </a:solidFill>
+                <a:latin typeface="Consolas" panose="020B0609020204030204" pitchFamily="49" charset="0"/>
+              </a:rPr>
+              <a:t>this</a:t>
+            </a:r>
+            <a:r>
+              <a:rPr lang="en-US" dirty="0" err="1">
+                <a:solidFill>
+                  <a:srgbClr val="D4D4D4"/>
+                </a:solidFill>
+                <a:latin typeface="Consolas" panose="020B0609020204030204" pitchFamily="49" charset="0"/>
+              </a:rPr>
+              <a:t>.</a:t>
+            </a:r>
+            <a:r>
+              <a:rPr lang="en-US" dirty="0" err="1">
+                <a:solidFill>
+                  <a:srgbClr val="9CDCFE"/>
+                </a:solidFill>
+                <a:latin typeface="Consolas" panose="020B0609020204030204" pitchFamily="49" charset="0"/>
+              </a:rPr>
+              <a:t>todoService</a:t>
+            </a:r>
+            <a:r>
+              <a:rPr lang="en-US" dirty="0" err="1">
+                <a:solidFill>
+                  <a:srgbClr val="D4D4D4"/>
+                </a:solidFill>
+                <a:latin typeface="Consolas" panose="020B0609020204030204" pitchFamily="49" charset="0"/>
+              </a:rPr>
+              <a:t>.</a:t>
+            </a:r>
+            <a:r>
+              <a:rPr lang="en-US" dirty="0" err="1">
+                <a:solidFill>
+                  <a:srgbClr val="DCDCAA"/>
+                </a:solidFill>
+                <a:latin typeface="Consolas" panose="020B0609020204030204" pitchFamily="49" charset="0"/>
+              </a:rPr>
+              <a:t>updateToDo</a:t>
+            </a:r>
+            <a:r>
+              <a:rPr lang="en-US" dirty="0">
+                <a:solidFill>
+                  <a:srgbClr val="D4D4D4"/>
+                </a:solidFill>
+                <a:latin typeface="Consolas" panose="020B0609020204030204" pitchFamily="49" charset="0"/>
+              </a:rPr>
+              <a:t>(</a:t>
+            </a:r>
+            <a:r>
+              <a:rPr lang="en-US" dirty="0" err="1">
+                <a:solidFill>
+                  <a:srgbClr val="9CDCFE"/>
+                </a:solidFill>
+                <a:latin typeface="Consolas" panose="020B0609020204030204" pitchFamily="49" charset="0"/>
+              </a:rPr>
+              <a:t>todo</a:t>
+            </a:r>
+            <a:r>
+              <a:rPr lang="en-US" dirty="0">
+                <a:solidFill>
+                  <a:srgbClr val="D4D4D4"/>
+                </a:solidFill>
+                <a:latin typeface="Consolas" panose="020B0609020204030204" pitchFamily="49" charset="0"/>
+              </a:rPr>
+              <a:t>, </a:t>
+            </a:r>
+            <a:r>
+              <a:rPr lang="en-US" dirty="0" err="1">
+                <a:solidFill>
+                  <a:srgbClr val="9CDCFE"/>
+                </a:solidFill>
+                <a:latin typeface="Consolas" panose="020B0609020204030204" pitchFamily="49" charset="0"/>
+              </a:rPr>
+              <a:t>todo</a:t>
+            </a:r>
+            <a:r>
+              <a:rPr lang="en-US" dirty="0">
+                <a:solidFill>
+                  <a:srgbClr val="D4D4D4"/>
+                </a:solidFill>
+                <a:latin typeface="Consolas" panose="020B0609020204030204" pitchFamily="49" charset="0"/>
+              </a:rPr>
+              <a:t>.</a:t>
+            </a:r>
+            <a:r>
+              <a:rPr lang="en-US" dirty="0">
+                <a:solidFill>
+                  <a:srgbClr val="9CDCFE"/>
+                </a:solidFill>
+                <a:latin typeface="Consolas" panose="020B0609020204030204" pitchFamily="49" charset="0"/>
+              </a:rPr>
+              <a:t>_id</a:t>
+            </a:r>
+            <a:r>
+              <a:rPr lang="en-US" dirty="0">
+                <a:solidFill>
+                  <a:srgbClr val="D4D4D4"/>
+                </a:solidFill>
+                <a:latin typeface="Consolas" panose="020B0609020204030204" pitchFamily="49" charset="0"/>
+              </a:rPr>
+              <a:t>).</a:t>
+            </a:r>
+            <a:r>
+              <a:rPr lang="en-US" dirty="0">
+                <a:solidFill>
+                  <a:srgbClr val="DCDCAA"/>
+                </a:solidFill>
+                <a:latin typeface="Consolas" panose="020B0609020204030204" pitchFamily="49" charset="0"/>
+              </a:rPr>
+              <a:t>subscribe</a:t>
+            </a:r>
+            <a:r>
+              <a:rPr lang="en-US" dirty="0">
+                <a:solidFill>
+                  <a:srgbClr val="D4D4D4"/>
+                </a:solidFill>
+                <a:latin typeface="Consolas" panose="020B0609020204030204" pitchFamily="49" charset="0"/>
+              </a:rPr>
+              <a:t>( </a:t>
+            </a:r>
+          </a:p>
+          <a:p>
+            <a:pPr marL="0" indent="0">
+              <a:buNone/>
+            </a:pPr>
+            <a:r>
+              <a:rPr lang="en-US" dirty="0">
+                <a:solidFill>
+                  <a:srgbClr val="9CDCFE"/>
+                </a:solidFill>
+                <a:latin typeface="Consolas" panose="020B0609020204030204" pitchFamily="49" charset="0"/>
+              </a:rPr>
+              <a:t>		data</a:t>
+            </a:r>
+            <a:r>
+              <a:rPr lang="en-US" dirty="0">
+                <a:solidFill>
+                  <a:srgbClr val="D4D4D4"/>
+                </a:solidFill>
+                <a:latin typeface="Consolas" panose="020B0609020204030204" pitchFamily="49" charset="0"/>
+              </a:rPr>
+              <a:t> </a:t>
+            </a:r>
+            <a:r>
+              <a:rPr lang="en-US" dirty="0">
+                <a:solidFill>
+                  <a:srgbClr val="569CD6"/>
+                </a:solidFill>
+                <a:latin typeface="Consolas" panose="020B0609020204030204" pitchFamily="49" charset="0"/>
+              </a:rPr>
+              <a:t>=&gt;</a:t>
+            </a:r>
+            <a:r>
+              <a:rPr lang="en-US" dirty="0">
+                <a:solidFill>
+                  <a:srgbClr val="D4D4D4"/>
+                </a:solidFill>
+                <a:latin typeface="Consolas" panose="020B0609020204030204" pitchFamily="49" charset="0"/>
+              </a:rPr>
+              <a:t> {</a:t>
+            </a:r>
+          </a:p>
+          <a:p>
+            <a:pPr marL="0" indent="0">
+              <a:buNone/>
+            </a:pPr>
+            <a:r>
+              <a:rPr lang="en-US" dirty="0">
+                <a:solidFill>
+                  <a:srgbClr val="569CD6"/>
+                </a:solidFill>
+                <a:latin typeface="Consolas" panose="020B0609020204030204" pitchFamily="49" charset="0"/>
+              </a:rPr>
+              <a:t>			</a:t>
+            </a:r>
+            <a:r>
+              <a:rPr lang="en-US" dirty="0" err="1">
+                <a:solidFill>
+                  <a:srgbClr val="569CD6"/>
+                </a:solidFill>
+                <a:latin typeface="Consolas" panose="020B0609020204030204" pitchFamily="49" charset="0"/>
+              </a:rPr>
+              <a:t>this</a:t>
+            </a:r>
+            <a:r>
+              <a:rPr lang="en-US" dirty="0" err="1">
+                <a:solidFill>
+                  <a:srgbClr val="D4D4D4"/>
+                </a:solidFill>
+                <a:latin typeface="Consolas" panose="020B0609020204030204" pitchFamily="49" charset="0"/>
+              </a:rPr>
+              <a:t>.</a:t>
+            </a:r>
+            <a:r>
+              <a:rPr lang="en-US" dirty="0" err="1">
+                <a:solidFill>
+                  <a:srgbClr val="DCDCAA"/>
+                </a:solidFill>
+                <a:latin typeface="Consolas" panose="020B0609020204030204" pitchFamily="49" charset="0"/>
+              </a:rPr>
+              <a:t>getToDos</a:t>
+            </a:r>
+            <a:r>
+              <a:rPr lang="en-US" dirty="0">
+                <a:solidFill>
+                  <a:srgbClr val="D4D4D4"/>
+                </a:solidFill>
+                <a:latin typeface="Consolas" panose="020B0609020204030204" pitchFamily="49" charset="0"/>
+              </a:rPr>
+              <a:t>();</a:t>
+            </a:r>
+          </a:p>
+          <a:p>
+            <a:pPr marL="0" indent="0">
+              <a:buNone/>
+            </a:pPr>
+            <a:r>
+              <a:rPr lang="en-US" dirty="0">
+                <a:solidFill>
+                  <a:srgbClr val="D4D4D4"/>
+                </a:solidFill>
+                <a:latin typeface="Consolas" panose="020B0609020204030204" pitchFamily="49" charset="0"/>
+              </a:rPr>
+              <a:t>		},</a:t>
+            </a:r>
+          </a:p>
+          <a:p>
+            <a:pPr marL="0" indent="0">
+              <a:buNone/>
+            </a:pPr>
+            <a:r>
+              <a:rPr lang="en-US" dirty="0">
+                <a:solidFill>
+                  <a:srgbClr val="9CDCFE"/>
+                </a:solidFill>
+                <a:latin typeface="Consolas" panose="020B0609020204030204" pitchFamily="49" charset="0"/>
+              </a:rPr>
+              <a:t>		err</a:t>
+            </a:r>
+            <a:r>
+              <a:rPr lang="en-US" dirty="0">
+                <a:solidFill>
+                  <a:srgbClr val="D4D4D4"/>
+                </a:solidFill>
+                <a:latin typeface="Consolas" panose="020B0609020204030204" pitchFamily="49" charset="0"/>
+              </a:rPr>
+              <a:t> </a:t>
+            </a:r>
+            <a:r>
+              <a:rPr lang="en-US" dirty="0">
+                <a:solidFill>
+                  <a:srgbClr val="569CD6"/>
+                </a:solidFill>
+                <a:latin typeface="Consolas" panose="020B0609020204030204" pitchFamily="49" charset="0"/>
+              </a:rPr>
+              <a:t>=&gt;</a:t>
+            </a:r>
+            <a:r>
+              <a:rPr lang="en-US" dirty="0">
+                <a:solidFill>
+                  <a:srgbClr val="D4D4D4"/>
+                </a:solidFill>
+                <a:latin typeface="Consolas" panose="020B0609020204030204" pitchFamily="49" charset="0"/>
+              </a:rPr>
+              <a:t> { </a:t>
+            </a:r>
+          </a:p>
+          <a:p>
+            <a:pPr marL="0" indent="0">
+              <a:buNone/>
+            </a:pPr>
+            <a:r>
+              <a:rPr lang="en-US" dirty="0">
+                <a:solidFill>
+                  <a:srgbClr val="DCDCAA"/>
+                </a:solidFill>
+                <a:latin typeface="Consolas" panose="020B0609020204030204" pitchFamily="49" charset="0"/>
+              </a:rPr>
+              <a:t>			alert</a:t>
+            </a:r>
+            <a:r>
+              <a:rPr lang="en-US" dirty="0">
+                <a:solidFill>
+                  <a:srgbClr val="D4D4D4"/>
+                </a:solidFill>
+                <a:latin typeface="Consolas" panose="020B0609020204030204" pitchFamily="49" charset="0"/>
+              </a:rPr>
+              <a:t>(</a:t>
+            </a:r>
+            <a:r>
+              <a:rPr lang="en-US" dirty="0">
+                <a:solidFill>
+                  <a:srgbClr val="CE9178"/>
+                </a:solidFill>
+                <a:latin typeface="Consolas" panose="020B0609020204030204" pitchFamily="49" charset="0"/>
+              </a:rPr>
+              <a:t>'Something went wrong!’</a:t>
+            </a:r>
+            <a:r>
+              <a:rPr lang="en-US" dirty="0">
+                <a:solidFill>
+                  <a:srgbClr val="D4D4D4"/>
+                </a:solidFill>
+                <a:latin typeface="Consolas" panose="020B0609020204030204" pitchFamily="49" charset="0"/>
+              </a:rPr>
+              <a:t>);</a:t>
+            </a:r>
+          </a:p>
+          <a:p>
+            <a:pPr marL="0" indent="0">
+              <a:buNone/>
+            </a:pPr>
+            <a:r>
+              <a:rPr lang="en-US" dirty="0">
+                <a:solidFill>
+                  <a:srgbClr val="D4D4D4"/>
+                </a:solidFill>
+                <a:latin typeface="Consolas" panose="020B0609020204030204" pitchFamily="49" charset="0"/>
+              </a:rPr>
+              <a:t>		}</a:t>
+            </a:r>
+          </a:p>
+          <a:p>
+            <a:pPr marL="0" indent="0">
+              <a:buNone/>
+            </a:pPr>
+            <a:r>
+              <a:rPr lang="en-US" dirty="0">
+                <a:solidFill>
+                  <a:srgbClr val="D4D4D4"/>
+                </a:solidFill>
+                <a:latin typeface="Consolas" panose="020B0609020204030204" pitchFamily="49" charset="0"/>
+              </a:rPr>
+              <a:t>	);</a:t>
+            </a:r>
+          </a:p>
+          <a:p>
+            <a:pPr marL="0" indent="0">
+              <a:buNone/>
+            </a:pPr>
+            <a:r>
+              <a:rPr lang="en-US" dirty="0">
+                <a:solidFill>
+                  <a:srgbClr val="D4D4D4"/>
+                </a:solidFill>
+                <a:latin typeface="Consolas" panose="020B0609020204030204" pitchFamily="49" charset="0"/>
+              </a:rPr>
+              <a:t>}</a:t>
+            </a:r>
+          </a:p>
+          <a:p>
+            <a:pPr marL="0" indent="0">
+              <a:buNone/>
+            </a:pPr>
+            <a:endParaRPr lang="en-NL" dirty="0"/>
+          </a:p>
+        </p:txBody>
+      </p:sp>
+    </p:spTree>
+    <p:extLst>
+      <p:ext uri="{BB962C8B-B14F-4D97-AF65-F5344CB8AC3E}">
+        <p14:creationId xmlns:p14="http://schemas.microsoft.com/office/powerpoint/2010/main" val="3216758463"/>
+      </p:ext>
+    </p:extLst>
+  </p:cSld>
+  <p:clrMapOvr>
+    <a:masterClrMapping/>
+  </p:clrMapOvr>
+</p:sld>
+</file>
+
+<file path=ppt/slides/slide43.xml><?xml version="1.0" encoding="utf-8"?>
+<p:sld xmlns:a="http://schemas.openxmlformats.org/drawingml/2006/main" xmlns:r="http://schemas.openxmlformats.org/officeDocument/2006/relationships" xmlns:p="http://schemas.openxmlformats.org/presentationml/2006/main">
+  <p:cSld>
+    <p:spTree>
+      <p:nvGrpSpPr>
+        <p:cNvPr id="1" name=""/>
+        <p:cNvGrpSpPr/>
+        <p:nvPr/>
+      </p:nvGrpSpPr>
+      <p:grpSpPr>
+        <a:xfrm>
+          <a:off x="0" y="0"/>
+          <a:ext cx="0" cy="0"/>
+          <a:chOff x="0" y="0"/>
+          <a:chExt cx="0" cy="0"/>
+        </a:xfrm>
+      </p:grpSpPr>
+      <p:sp>
+        <p:nvSpPr>
+          <p:cNvPr id="2" name="Title 1">
+            <a:extLst>
+              <a:ext uri="{FF2B5EF4-FFF2-40B4-BE49-F238E27FC236}">
+                <a16:creationId xmlns:a16="http://schemas.microsoft.com/office/drawing/2014/main" id="{9FD641F5-641F-44C9-9D24-3C9A97316BAD}"/>
+              </a:ext>
+            </a:extLst>
+          </p:cNvPr>
+          <p:cNvSpPr>
+            <a:spLocks noGrp="1"/>
+          </p:cNvSpPr>
+          <p:nvPr>
+            <p:ph type="title"/>
+          </p:nvPr>
+        </p:nvSpPr>
+        <p:spPr/>
+        <p:txBody>
+          <a:bodyPr/>
+          <a:lstStyle/>
+          <a:p>
+            <a:r>
+              <a:rPr lang="en-US" dirty="0"/>
+              <a:t>todo.overview.component.html</a:t>
+            </a:r>
+            <a:endParaRPr lang="en-NL" dirty="0"/>
+          </a:p>
+        </p:txBody>
+      </p:sp>
+      <p:sp>
+        <p:nvSpPr>
+          <p:cNvPr id="3" name="Content Placeholder 2">
+            <a:extLst>
+              <a:ext uri="{FF2B5EF4-FFF2-40B4-BE49-F238E27FC236}">
+                <a16:creationId xmlns:a16="http://schemas.microsoft.com/office/drawing/2014/main" id="{BE6C843F-6C80-4791-A2EC-51D184BC5D83}"/>
+              </a:ext>
+            </a:extLst>
+          </p:cNvPr>
+          <p:cNvSpPr>
+            <a:spLocks noGrp="1"/>
+          </p:cNvSpPr>
+          <p:nvPr>
+            <p:ph idx="1"/>
+          </p:nvPr>
+        </p:nvSpPr>
+        <p:spPr/>
+        <p:style>
+          <a:lnRef idx="0">
+            <a:scrgbClr r="0" g="0" b="0"/>
+          </a:lnRef>
+          <a:fillRef idx="1001">
+            <a:schemeClr val="dk2"/>
+          </a:fillRef>
+          <a:effectRef idx="0">
+            <a:scrgbClr r="0" g="0" b="0"/>
+          </a:effectRef>
+          <a:fontRef idx="major"/>
+        </p:style>
+        <p:txBody>
+          <a:bodyPr/>
+          <a:lstStyle/>
+          <a:p>
+            <a:pPr marL="0" indent="0">
+              <a:buNone/>
+            </a:pPr>
+            <a:r>
+              <a:rPr lang="en-US" dirty="0">
+                <a:solidFill>
+                  <a:srgbClr val="808080"/>
+                </a:solidFill>
+                <a:latin typeface="Consolas" panose="020B0609020204030204" pitchFamily="49" charset="0"/>
+              </a:rPr>
+              <a:t>&lt;</a:t>
+            </a:r>
+            <a:r>
+              <a:rPr lang="en-US" dirty="0">
+                <a:solidFill>
+                  <a:srgbClr val="569CD6"/>
+                </a:solidFill>
+                <a:latin typeface="Consolas" panose="020B0609020204030204" pitchFamily="49" charset="0"/>
+              </a:rPr>
+              <a:t>div</a:t>
+            </a:r>
+            <a:r>
+              <a:rPr lang="en-US" dirty="0">
+                <a:solidFill>
+                  <a:srgbClr val="D4D4D4"/>
+                </a:solidFill>
+                <a:latin typeface="Consolas" panose="020B0609020204030204" pitchFamily="49" charset="0"/>
+              </a:rPr>
+              <a:t> </a:t>
+            </a:r>
+            <a:r>
+              <a:rPr lang="en-US" dirty="0">
+                <a:solidFill>
+                  <a:srgbClr val="9CDCFE"/>
+                </a:solidFill>
+                <a:latin typeface="Consolas" panose="020B0609020204030204" pitchFamily="49" charset="0"/>
+              </a:rPr>
+              <a:t>class</a:t>
+            </a:r>
+            <a:r>
+              <a:rPr lang="en-US" dirty="0">
+                <a:solidFill>
+                  <a:srgbClr val="D4D4D4"/>
+                </a:solidFill>
+                <a:latin typeface="Consolas" panose="020B0609020204030204" pitchFamily="49" charset="0"/>
+              </a:rPr>
+              <a:t>=</a:t>
+            </a:r>
+            <a:r>
+              <a:rPr lang="en-US" dirty="0">
+                <a:solidFill>
+                  <a:srgbClr val="CE9178"/>
+                </a:solidFill>
+                <a:latin typeface="Consolas" panose="020B0609020204030204" pitchFamily="49" charset="0"/>
+              </a:rPr>
+              <a:t>"panel-body"</a:t>
+            </a:r>
+            <a:r>
+              <a:rPr lang="en-US" dirty="0">
+                <a:solidFill>
+                  <a:srgbClr val="808080"/>
+                </a:solidFill>
+                <a:latin typeface="Consolas" panose="020B0609020204030204" pitchFamily="49" charset="0"/>
+              </a:rPr>
+              <a:t>&gt;</a:t>
+            </a:r>
+            <a:r>
+              <a:rPr lang="en-US" dirty="0">
+                <a:solidFill>
+                  <a:srgbClr val="D4D4D4"/>
+                </a:solidFill>
+                <a:latin typeface="Consolas" panose="020B0609020204030204" pitchFamily="49" charset="0"/>
+              </a:rPr>
+              <a:t>{{</a:t>
+            </a:r>
+            <a:r>
+              <a:rPr lang="en-US" dirty="0" err="1">
+                <a:solidFill>
+                  <a:srgbClr val="D4D4D4"/>
+                </a:solidFill>
+                <a:latin typeface="Consolas" panose="020B0609020204030204" pitchFamily="49" charset="0"/>
+              </a:rPr>
+              <a:t>todo.description</a:t>
+            </a:r>
+            <a:r>
+              <a:rPr lang="en-US" dirty="0">
+                <a:solidFill>
+                  <a:srgbClr val="D4D4D4"/>
+                </a:solidFill>
+                <a:latin typeface="Consolas" panose="020B0609020204030204" pitchFamily="49" charset="0"/>
+              </a:rPr>
+              <a:t>}}</a:t>
+            </a:r>
+            <a:r>
+              <a:rPr lang="en-US" dirty="0">
+                <a:solidFill>
+                  <a:srgbClr val="808080"/>
+                </a:solidFill>
+                <a:latin typeface="Consolas" panose="020B0609020204030204" pitchFamily="49" charset="0"/>
+              </a:rPr>
+              <a:t>&lt;/</a:t>
+            </a:r>
+            <a:r>
+              <a:rPr lang="en-US" dirty="0">
+                <a:solidFill>
+                  <a:srgbClr val="569CD6"/>
+                </a:solidFill>
+                <a:latin typeface="Consolas" panose="020B0609020204030204" pitchFamily="49" charset="0"/>
+              </a:rPr>
+              <a:t>div</a:t>
+            </a:r>
+            <a:r>
+              <a:rPr lang="en-US" dirty="0">
+                <a:solidFill>
+                  <a:srgbClr val="808080"/>
+                </a:solidFill>
+                <a:latin typeface="Consolas" panose="020B0609020204030204" pitchFamily="49" charset="0"/>
+              </a:rPr>
+              <a:t>&gt;</a:t>
+            </a:r>
+            <a:endParaRPr lang="en-US" dirty="0">
+              <a:solidFill>
+                <a:srgbClr val="D4D4D4"/>
+              </a:solidFill>
+              <a:latin typeface="Consolas" panose="020B0609020204030204" pitchFamily="49" charset="0"/>
+            </a:endParaRPr>
+          </a:p>
+          <a:p>
+            <a:pPr marL="0" indent="0">
+              <a:buNone/>
+            </a:pPr>
+            <a:r>
+              <a:rPr lang="en-US" dirty="0">
+                <a:solidFill>
+                  <a:schemeClr val="accent6"/>
+                </a:solidFill>
+                <a:latin typeface="Consolas" panose="020B0609020204030204" pitchFamily="49" charset="0"/>
+              </a:rPr>
+              <a:t>&lt;div class="panel-footer" *</a:t>
+            </a:r>
+            <a:r>
+              <a:rPr lang="en-US" dirty="0" err="1">
+                <a:solidFill>
+                  <a:schemeClr val="accent6"/>
+                </a:solidFill>
+                <a:latin typeface="Consolas" panose="020B0609020204030204" pitchFamily="49" charset="0"/>
+              </a:rPr>
+              <a:t>ngIf</a:t>
+            </a:r>
+            <a:r>
+              <a:rPr lang="en-US" dirty="0">
+                <a:solidFill>
+                  <a:schemeClr val="accent6"/>
+                </a:solidFill>
+                <a:latin typeface="Consolas" panose="020B0609020204030204" pitchFamily="49" charset="0"/>
+              </a:rPr>
+              <a:t>="!</a:t>
+            </a:r>
+            <a:r>
+              <a:rPr lang="en-US" dirty="0" err="1">
+                <a:solidFill>
+                  <a:schemeClr val="accent6"/>
+                </a:solidFill>
+                <a:latin typeface="Consolas" panose="020B0609020204030204" pitchFamily="49" charset="0"/>
+              </a:rPr>
+              <a:t>todo.completed</a:t>
+            </a:r>
+            <a:r>
+              <a:rPr lang="en-US" dirty="0">
+                <a:solidFill>
+                  <a:schemeClr val="accent6"/>
+                </a:solidFill>
+                <a:latin typeface="Consolas" panose="020B0609020204030204" pitchFamily="49" charset="0"/>
+              </a:rPr>
+              <a:t>"&gt;</a:t>
+            </a:r>
+          </a:p>
+          <a:p>
+            <a:pPr marL="0" indent="0">
+              <a:buNone/>
+            </a:pPr>
+            <a:r>
+              <a:rPr lang="en-US" dirty="0">
+                <a:solidFill>
+                  <a:schemeClr val="accent6"/>
+                </a:solidFill>
+                <a:latin typeface="Consolas" panose="020B0609020204030204" pitchFamily="49" charset="0"/>
+              </a:rPr>
+              <a:t>	&lt;button class="</a:t>
+            </a:r>
+            <a:r>
+              <a:rPr lang="en-US" dirty="0" err="1">
+                <a:solidFill>
+                  <a:schemeClr val="accent6"/>
+                </a:solidFill>
+                <a:latin typeface="Consolas" panose="020B0609020204030204" pitchFamily="49" charset="0"/>
+              </a:rPr>
+              <a:t>btn</a:t>
+            </a:r>
+            <a:r>
+              <a:rPr lang="en-US" dirty="0">
+                <a:solidFill>
+                  <a:schemeClr val="accent6"/>
+                </a:solidFill>
+                <a:latin typeface="Consolas" panose="020B0609020204030204" pitchFamily="49" charset="0"/>
+              </a:rPr>
+              <a:t> </a:t>
+            </a:r>
+            <a:r>
+              <a:rPr lang="en-US" dirty="0" err="1">
+                <a:solidFill>
+                  <a:schemeClr val="accent6"/>
+                </a:solidFill>
+                <a:latin typeface="Consolas" panose="020B0609020204030204" pitchFamily="49" charset="0"/>
+              </a:rPr>
+              <a:t>btn</a:t>
+            </a:r>
+            <a:r>
+              <a:rPr lang="en-US" dirty="0">
+                <a:solidFill>
+                  <a:schemeClr val="accent6"/>
+                </a:solidFill>
+                <a:latin typeface="Consolas" panose="020B0609020204030204" pitchFamily="49" charset="0"/>
+              </a:rPr>
+              <a:t>-success" 	(click)="</a:t>
+            </a:r>
+            <a:r>
+              <a:rPr lang="en-US" dirty="0" err="1">
+                <a:solidFill>
+                  <a:schemeClr val="accent6"/>
+                </a:solidFill>
+                <a:latin typeface="Consolas" panose="020B0609020204030204" pitchFamily="49" charset="0"/>
+              </a:rPr>
+              <a:t>setCompleted</a:t>
+            </a:r>
+            <a:r>
+              <a:rPr lang="en-US" dirty="0">
+                <a:solidFill>
+                  <a:schemeClr val="accent6"/>
+                </a:solidFill>
+                <a:latin typeface="Consolas" panose="020B0609020204030204" pitchFamily="49" charset="0"/>
+              </a:rPr>
+              <a:t>(</a:t>
+            </a:r>
+            <a:r>
+              <a:rPr lang="en-US" dirty="0" err="1">
+                <a:solidFill>
+                  <a:schemeClr val="accent6"/>
+                </a:solidFill>
+                <a:latin typeface="Consolas" panose="020B0609020204030204" pitchFamily="49" charset="0"/>
+              </a:rPr>
+              <a:t>todo</a:t>
+            </a:r>
+            <a:r>
+              <a:rPr lang="en-US" dirty="0">
+                <a:solidFill>
+                  <a:schemeClr val="accent6"/>
+                </a:solidFill>
+                <a:latin typeface="Consolas" panose="020B0609020204030204" pitchFamily="49" charset="0"/>
+              </a:rPr>
+              <a:t>)"&gt;</a:t>
+            </a:r>
+          </a:p>
+          <a:p>
+            <a:pPr marL="0" indent="0">
+              <a:buNone/>
+            </a:pPr>
+            <a:r>
+              <a:rPr lang="en-US" dirty="0">
+                <a:solidFill>
+                  <a:schemeClr val="accent6"/>
+                </a:solidFill>
+                <a:latin typeface="Consolas" panose="020B0609020204030204" pitchFamily="49" charset="0"/>
+              </a:rPr>
+              <a:t>		Complete</a:t>
+            </a:r>
+          </a:p>
+          <a:p>
+            <a:pPr marL="0" indent="0">
+              <a:buNone/>
+            </a:pPr>
+            <a:r>
+              <a:rPr lang="en-US" dirty="0">
+                <a:solidFill>
+                  <a:schemeClr val="accent6"/>
+                </a:solidFill>
+                <a:latin typeface="Consolas" panose="020B0609020204030204" pitchFamily="49" charset="0"/>
+              </a:rPr>
+              <a:t>	&lt;/button&gt;</a:t>
+            </a:r>
+          </a:p>
+          <a:p>
+            <a:pPr marL="0" indent="0">
+              <a:buNone/>
+            </a:pPr>
+            <a:r>
+              <a:rPr lang="en-US" dirty="0">
+                <a:solidFill>
+                  <a:schemeClr val="accent6"/>
+                </a:solidFill>
+                <a:latin typeface="Consolas" panose="020B0609020204030204" pitchFamily="49" charset="0"/>
+              </a:rPr>
+              <a:t>&lt;/div&gt;</a:t>
+            </a:r>
+          </a:p>
+          <a:p>
+            <a:pPr marL="0" indent="0">
+              <a:buNone/>
+            </a:pPr>
+            <a:endParaRPr lang="en-NL" dirty="0"/>
+          </a:p>
+        </p:txBody>
+      </p:sp>
+    </p:spTree>
+    <p:extLst>
+      <p:ext uri="{BB962C8B-B14F-4D97-AF65-F5344CB8AC3E}">
+        <p14:creationId xmlns:p14="http://schemas.microsoft.com/office/powerpoint/2010/main" val="2361345494"/>
+      </p:ext>
+    </p:extLst>
+  </p:cSld>
+  <p:clrMapOvr>
+    <a:masterClrMapping/>
+  </p:clrMapOvr>
+</p:sld>
+</file>
+
+<file path=ppt/slides/slide44.xml><?xml version="1.0" encoding="utf-8"?>
+<p:sld xmlns:a="http://schemas.openxmlformats.org/drawingml/2006/main" xmlns:r="http://schemas.openxmlformats.org/officeDocument/2006/relationships" xmlns:p="http://schemas.openxmlformats.org/presentationml/2006/main">
+  <p:cSld>
+    <p:spTree>
+      <p:nvGrpSpPr>
+        <p:cNvPr id="1" name=""/>
+        <p:cNvGrpSpPr/>
+        <p:nvPr/>
+      </p:nvGrpSpPr>
+      <p:grpSpPr>
+        <a:xfrm>
+          <a:off x="0" y="0"/>
+          <a:ext cx="0" cy="0"/>
+          <a:chOff x="0" y="0"/>
+          <a:chExt cx="0" cy="0"/>
+        </a:xfrm>
+      </p:grpSpPr>
+      <p:sp>
+        <p:nvSpPr>
+          <p:cNvPr id="2" name="Title 1">
+            <a:extLst>
+              <a:ext uri="{FF2B5EF4-FFF2-40B4-BE49-F238E27FC236}">
+                <a16:creationId xmlns:a16="http://schemas.microsoft.com/office/drawing/2014/main" id="{02FA36FD-8E3E-4EDE-9077-D41DFB424ACF}"/>
+              </a:ext>
+            </a:extLst>
+          </p:cNvPr>
+          <p:cNvSpPr>
+            <a:spLocks noGrp="1"/>
+          </p:cNvSpPr>
+          <p:nvPr>
+            <p:ph type="title"/>
+          </p:nvPr>
+        </p:nvSpPr>
+        <p:spPr/>
+        <p:txBody>
+          <a:bodyPr/>
+          <a:lstStyle/>
+          <a:p>
+            <a:endParaRPr lang="en-NL"/>
+          </a:p>
+        </p:txBody>
+      </p:sp>
+      <p:sp>
+        <p:nvSpPr>
+          <p:cNvPr id="3" name="Content Placeholder 2">
+            <a:extLst>
+              <a:ext uri="{FF2B5EF4-FFF2-40B4-BE49-F238E27FC236}">
+                <a16:creationId xmlns:a16="http://schemas.microsoft.com/office/drawing/2014/main" id="{6A8FFD3B-47E9-4044-B945-FE7534442D2D}"/>
+              </a:ext>
+            </a:extLst>
+          </p:cNvPr>
+          <p:cNvSpPr>
+            <a:spLocks noGrp="1"/>
+          </p:cNvSpPr>
+          <p:nvPr>
+            <p:ph idx="1"/>
+          </p:nvPr>
+        </p:nvSpPr>
+        <p:spPr/>
+        <p:txBody>
+          <a:bodyPr/>
+          <a:lstStyle/>
+          <a:p>
+            <a:endParaRPr lang="en-NL"/>
+          </a:p>
+        </p:txBody>
+      </p:sp>
+    </p:spTree>
+    <p:extLst>
+      <p:ext uri="{BB962C8B-B14F-4D97-AF65-F5344CB8AC3E}">
+        <p14:creationId xmlns:p14="http://schemas.microsoft.com/office/powerpoint/2010/main" val="983060141"/>
       </p:ext>
     </p:extLst>
   </p:cSld>

--- a/Angular2.pptx
+++ b/Angular2.pptx
@@ -5,7 +5,7 @@
     <p:sldMasterId id="2147483648" r:id="rId1"/>
   </p:sldMasterIdLst>
   <p:notesMasterIdLst>
-    <p:notesMasterId r:id="rId46"/>
+    <p:notesMasterId r:id="rId55"/>
   </p:notesMasterIdLst>
   <p:sldIdLst>
     <p:sldId id="256" r:id="rId2"/>
@@ -52,6 +52,15 @@
     <p:sldId id="304" r:id="rId43"/>
     <p:sldId id="305" r:id="rId44"/>
     <p:sldId id="306" r:id="rId45"/>
+    <p:sldId id="307" r:id="rId46"/>
+    <p:sldId id="308" r:id="rId47"/>
+    <p:sldId id="309" r:id="rId48"/>
+    <p:sldId id="310" r:id="rId49"/>
+    <p:sldId id="311" r:id="rId50"/>
+    <p:sldId id="312" r:id="rId51"/>
+    <p:sldId id="314" r:id="rId52"/>
+    <p:sldId id="313" r:id="rId53"/>
+    <p:sldId id="315" r:id="rId54"/>
   </p:sldIdLst>
   <p:sldSz cx="12192000" cy="6858000"/>
   <p:notesSz cx="6858000" cy="9144000"/>
@@ -12022,13 +12031,8 @@
             </a:r>
             <a:r>
               <a:rPr lang="en-US" dirty="0"/>
-              <a:t> </a:t>
-            </a:r>
-            <a:r>
-              <a:rPr lang="en-US"/>
-              <a:t>(routing)</a:t>
-            </a:r>
-            <a:endParaRPr lang="en-US" dirty="0"/>
+              <a:t> (routing)</a:t>
+            </a:r>
           </a:p>
           <a:p>
             <a:pPr marL="0" indent="0">
@@ -17485,7 +17489,11 @@
           <a:bodyPr/>
           <a:lstStyle/>
           <a:p>
-            <a:endParaRPr lang="en-NL"/>
+            <a:r>
+              <a:rPr lang="en-US" dirty="0"/>
+              <a:t>app.component.html</a:t>
+            </a:r>
+            <a:endParaRPr lang="en-NL" dirty="0"/>
           </a:p>
         </p:txBody>
       </p:sp>
@@ -17506,11 +17514,772 @@
           </p:nvPr>
         </p:nvSpPr>
         <p:spPr/>
+        <p:style>
+          <a:lnRef idx="0">
+            <a:scrgbClr r="0" g="0" b="0"/>
+          </a:lnRef>
+          <a:fillRef idx="1001">
+            <a:schemeClr val="dk2"/>
+          </a:fillRef>
+          <a:effectRef idx="0">
+            <a:scrgbClr r="0" g="0" b="0"/>
+          </a:effectRef>
+          <a:fontRef idx="major"/>
+        </p:style>
         <p:txBody>
-          <a:bodyPr/>
+          <a:bodyPr>
+            <a:normAutofit fontScale="77500" lnSpcReduction="20000"/>
+          </a:bodyPr>
           <a:lstStyle/>
           <a:p>
-            <a:endParaRPr lang="en-NL"/>
+            <a:pPr marL="0" indent="0">
+              <a:buNone/>
+            </a:pPr>
+            <a:r>
+              <a:rPr lang="en-US" dirty="0">
+                <a:solidFill>
+                  <a:srgbClr val="808080"/>
+                </a:solidFill>
+                <a:latin typeface="Consolas" panose="020B0609020204030204" pitchFamily="49" charset="0"/>
+              </a:rPr>
+              <a:t>&lt;</a:t>
+            </a:r>
+            <a:r>
+              <a:rPr lang="en-US" dirty="0" err="1">
+                <a:solidFill>
+                  <a:srgbClr val="569CD6"/>
+                </a:solidFill>
+                <a:latin typeface="Consolas" panose="020B0609020204030204" pitchFamily="49" charset="0"/>
+              </a:rPr>
+              <a:t>nav</a:t>
+            </a:r>
+            <a:r>
+              <a:rPr lang="en-US" dirty="0">
+                <a:solidFill>
+                  <a:srgbClr val="D4D4D4"/>
+                </a:solidFill>
+                <a:latin typeface="Consolas" panose="020B0609020204030204" pitchFamily="49" charset="0"/>
+              </a:rPr>
+              <a:t> </a:t>
+            </a:r>
+            <a:r>
+              <a:rPr lang="en-US" dirty="0">
+                <a:solidFill>
+                  <a:srgbClr val="9CDCFE"/>
+                </a:solidFill>
+                <a:latin typeface="Consolas" panose="020B0609020204030204" pitchFamily="49" charset="0"/>
+              </a:rPr>
+              <a:t>class</a:t>
+            </a:r>
+            <a:r>
+              <a:rPr lang="en-US" dirty="0">
+                <a:solidFill>
+                  <a:srgbClr val="D4D4D4"/>
+                </a:solidFill>
+                <a:latin typeface="Consolas" panose="020B0609020204030204" pitchFamily="49" charset="0"/>
+              </a:rPr>
+              <a:t>=</a:t>
+            </a:r>
+            <a:r>
+              <a:rPr lang="en-US" dirty="0">
+                <a:solidFill>
+                  <a:srgbClr val="CE9178"/>
+                </a:solidFill>
+                <a:latin typeface="Consolas" panose="020B0609020204030204" pitchFamily="49" charset="0"/>
+              </a:rPr>
+              <a:t>"navbar navbar-default"</a:t>
+            </a:r>
+            <a:r>
+              <a:rPr lang="en-US" dirty="0">
+                <a:solidFill>
+                  <a:srgbClr val="808080"/>
+                </a:solidFill>
+                <a:latin typeface="Consolas" panose="020B0609020204030204" pitchFamily="49" charset="0"/>
+              </a:rPr>
+              <a:t>&gt;</a:t>
+            </a:r>
+            <a:endParaRPr lang="en-US" dirty="0">
+              <a:solidFill>
+                <a:srgbClr val="D4D4D4"/>
+              </a:solidFill>
+              <a:latin typeface="Consolas" panose="020B0609020204030204" pitchFamily="49" charset="0"/>
+            </a:endParaRPr>
+          </a:p>
+          <a:p>
+            <a:pPr marL="0" indent="0">
+              <a:buNone/>
+            </a:pPr>
+            <a:r>
+              <a:rPr lang="en-US" dirty="0">
+                <a:solidFill>
+                  <a:srgbClr val="808080"/>
+                </a:solidFill>
+                <a:latin typeface="Consolas" panose="020B0609020204030204" pitchFamily="49" charset="0"/>
+              </a:rPr>
+              <a:t>	&lt;</a:t>
+            </a:r>
+            <a:r>
+              <a:rPr lang="en-US" dirty="0">
+                <a:solidFill>
+                  <a:srgbClr val="569CD6"/>
+                </a:solidFill>
+                <a:latin typeface="Consolas" panose="020B0609020204030204" pitchFamily="49" charset="0"/>
+              </a:rPr>
+              <a:t>div</a:t>
+            </a:r>
+            <a:r>
+              <a:rPr lang="en-US" dirty="0">
+                <a:solidFill>
+                  <a:srgbClr val="D4D4D4"/>
+                </a:solidFill>
+                <a:latin typeface="Consolas" panose="020B0609020204030204" pitchFamily="49" charset="0"/>
+              </a:rPr>
+              <a:t> </a:t>
+            </a:r>
+            <a:r>
+              <a:rPr lang="en-US" dirty="0">
+                <a:solidFill>
+                  <a:srgbClr val="9CDCFE"/>
+                </a:solidFill>
+                <a:latin typeface="Consolas" panose="020B0609020204030204" pitchFamily="49" charset="0"/>
+              </a:rPr>
+              <a:t>class</a:t>
+            </a:r>
+            <a:r>
+              <a:rPr lang="en-US" dirty="0">
+                <a:solidFill>
+                  <a:srgbClr val="D4D4D4"/>
+                </a:solidFill>
+                <a:latin typeface="Consolas" panose="020B0609020204030204" pitchFamily="49" charset="0"/>
+              </a:rPr>
+              <a:t>=</a:t>
+            </a:r>
+            <a:r>
+              <a:rPr lang="en-US" dirty="0">
+                <a:solidFill>
+                  <a:srgbClr val="CE9178"/>
+                </a:solidFill>
+                <a:latin typeface="Consolas" panose="020B0609020204030204" pitchFamily="49" charset="0"/>
+              </a:rPr>
+              <a:t>"container-fluid"</a:t>
+            </a:r>
+            <a:r>
+              <a:rPr lang="en-US" dirty="0">
+                <a:solidFill>
+                  <a:srgbClr val="808080"/>
+                </a:solidFill>
+                <a:latin typeface="Consolas" panose="020B0609020204030204" pitchFamily="49" charset="0"/>
+              </a:rPr>
+              <a:t>&gt;</a:t>
+            </a:r>
+            <a:endParaRPr lang="en-US" dirty="0">
+              <a:solidFill>
+                <a:srgbClr val="D4D4D4"/>
+              </a:solidFill>
+              <a:latin typeface="Consolas" panose="020B0609020204030204" pitchFamily="49" charset="0"/>
+            </a:endParaRPr>
+          </a:p>
+          <a:p>
+            <a:pPr marL="0" indent="0">
+              <a:buNone/>
+            </a:pPr>
+            <a:r>
+              <a:rPr lang="en-US" dirty="0">
+                <a:solidFill>
+                  <a:srgbClr val="808080"/>
+                </a:solidFill>
+                <a:latin typeface="Consolas" panose="020B0609020204030204" pitchFamily="49" charset="0"/>
+              </a:rPr>
+              <a:t>		&lt;</a:t>
+            </a:r>
+            <a:r>
+              <a:rPr lang="en-US" dirty="0" err="1">
+                <a:solidFill>
+                  <a:srgbClr val="569CD6"/>
+                </a:solidFill>
+                <a:latin typeface="Consolas" panose="020B0609020204030204" pitchFamily="49" charset="0"/>
+              </a:rPr>
+              <a:t>ul</a:t>
+            </a:r>
+            <a:r>
+              <a:rPr lang="en-US" dirty="0">
+                <a:solidFill>
+                  <a:srgbClr val="D4D4D4"/>
+                </a:solidFill>
+                <a:latin typeface="Consolas" panose="020B0609020204030204" pitchFamily="49" charset="0"/>
+              </a:rPr>
+              <a:t> </a:t>
+            </a:r>
+            <a:r>
+              <a:rPr lang="en-US" dirty="0">
+                <a:solidFill>
+                  <a:srgbClr val="9CDCFE"/>
+                </a:solidFill>
+                <a:latin typeface="Consolas" panose="020B0609020204030204" pitchFamily="49" charset="0"/>
+              </a:rPr>
+              <a:t>class</a:t>
+            </a:r>
+            <a:r>
+              <a:rPr lang="en-US" dirty="0">
+                <a:solidFill>
+                  <a:srgbClr val="D4D4D4"/>
+                </a:solidFill>
+                <a:latin typeface="Consolas" panose="020B0609020204030204" pitchFamily="49" charset="0"/>
+              </a:rPr>
+              <a:t>=</a:t>
+            </a:r>
+            <a:r>
+              <a:rPr lang="en-US" dirty="0">
+                <a:solidFill>
+                  <a:srgbClr val="CE9178"/>
+                </a:solidFill>
+                <a:latin typeface="Consolas" panose="020B0609020204030204" pitchFamily="49" charset="0"/>
+              </a:rPr>
+              <a:t>"</a:t>
+            </a:r>
+            <a:r>
+              <a:rPr lang="en-US" dirty="0" err="1">
+                <a:solidFill>
+                  <a:srgbClr val="CE9178"/>
+                </a:solidFill>
+                <a:latin typeface="Consolas" panose="020B0609020204030204" pitchFamily="49" charset="0"/>
+              </a:rPr>
+              <a:t>nav</a:t>
+            </a:r>
+            <a:r>
+              <a:rPr lang="en-US" dirty="0">
+                <a:solidFill>
+                  <a:srgbClr val="CE9178"/>
+                </a:solidFill>
+                <a:latin typeface="Consolas" panose="020B0609020204030204" pitchFamily="49" charset="0"/>
+              </a:rPr>
+              <a:t> navbar-</a:t>
+            </a:r>
+            <a:r>
+              <a:rPr lang="en-US" dirty="0" err="1">
+                <a:solidFill>
+                  <a:srgbClr val="CE9178"/>
+                </a:solidFill>
+                <a:latin typeface="Consolas" panose="020B0609020204030204" pitchFamily="49" charset="0"/>
+              </a:rPr>
+              <a:t>nav</a:t>
+            </a:r>
+            <a:r>
+              <a:rPr lang="en-US" dirty="0">
+                <a:solidFill>
+                  <a:srgbClr val="CE9178"/>
+                </a:solidFill>
+                <a:latin typeface="Consolas" panose="020B0609020204030204" pitchFamily="49" charset="0"/>
+              </a:rPr>
+              <a:t> navbar-left"</a:t>
+            </a:r>
+            <a:r>
+              <a:rPr lang="en-US" dirty="0">
+                <a:solidFill>
+                  <a:srgbClr val="808080"/>
+                </a:solidFill>
+                <a:latin typeface="Consolas" panose="020B0609020204030204" pitchFamily="49" charset="0"/>
+              </a:rPr>
+              <a:t>&gt;</a:t>
+            </a:r>
+            <a:endParaRPr lang="en-US" dirty="0">
+              <a:solidFill>
+                <a:srgbClr val="D4D4D4"/>
+              </a:solidFill>
+              <a:latin typeface="Consolas" panose="020B0609020204030204" pitchFamily="49" charset="0"/>
+            </a:endParaRPr>
+          </a:p>
+          <a:p>
+            <a:pPr marL="0" indent="0">
+              <a:buNone/>
+            </a:pPr>
+            <a:r>
+              <a:rPr lang="en-US" dirty="0">
+                <a:solidFill>
+                  <a:srgbClr val="808080"/>
+                </a:solidFill>
+                <a:latin typeface="Consolas" panose="020B0609020204030204" pitchFamily="49" charset="0"/>
+              </a:rPr>
+              <a:t>			&lt;</a:t>
+            </a:r>
+            <a:r>
+              <a:rPr lang="en-US" dirty="0">
+                <a:solidFill>
+                  <a:srgbClr val="569CD6"/>
+                </a:solidFill>
+                <a:latin typeface="Consolas" panose="020B0609020204030204" pitchFamily="49" charset="0"/>
+              </a:rPr>
+              <a:t>li</a:t>
+            </a:r>
+            <a:r>
+              <a:rPr lang="en-US" dirty="0">
+                <a:solidFill>
+                  <a:srgbClr val="808080"/>
+                </a:solidFill>
+                <a:latin typeface="Consolas" panose="020B0609020204030204" pitchFamily="49" charset="0"/>
+              </a:rPr>
+              <a:t>&gt;</a:t>
+            </a:r>
+            <a:endParaRPr lang="en-US" dirty="0">
+              <a:solidFill>
+                <a:srgbClr val="D4D4D4"/>
+              </a:solidFill>
+              <a:latin typeface="Consolas" panose="020B0609020204030204" pitchFamily="49" charset="0"/>
+            </a:endParaRPr>
+          </a:p>
+          <a:p>
+            <a:pPr marL="0" indent="0">
+              <a:buNone/>
+            </a:pPr>
+            <a:r>
+              <a:rPr lang="en-US" dirty="0">
+                <a:solidFill>
+                  <a:srgbClr val="808080"/>
+                </a:solidFill>
+                <a:latin typeface="Consolas" panose="020B0609020204030204" pitchFamily="49" charset="0"/>
+              </a:rPr>
+              <a:t>				&lt;</a:t>
+            </a:r>
+            <a:r>
+              <a:rPr lang="en-US" dirty="0">
+                <a:solidFill>
+                  <a:srgbClr val="569CD6"/>
+                </a:solidFill>
+                <a:latin typeface="Consolas" panose="020B0609020204030204" pitchFamily="49" charset="0"/>
+              </a:rPr>
+              <a:t>a</a:t>
+            </a:r>
+            <a:r>
+              <a:rPr lang="en-US" dirty="0">
+                <a:solidFill>
+                  <a:srgbClr val="D4D4D4"/>
+                </a:solidFill>
+                <a:latin typeface="Consolas" panose="020B0609020204030204" pitchFamily="49" charset="0"/>
+              </a:rPr>
+              <a:t> </a:t>
+            </a:r>
+            <a:r>
+              <a:rPr lang="en-US" dirty="0" err="1">
+                <a:solidFill>
+                  <a:srgbClr val="9CDCFE"/>
+                </a:solidFill>
+                <a:latin typeface="Consolas" panose="020B0609020204030204" pitchFamily="49" charset="0"/>
+              </a:rPr>
+              <a:t>routerLink</a:t>
+            </a:r>
+            <a:r>
+              <a:rPr lang="en-US" dirty="0">
+                <a:solidFill>
+                  <a:srgbClr val="D4D4D4"/>
+                </a:solidFill>
+                <a:latin typeface="Consolas" panose="020B0609020204030204" pitchFamily="49" charset="0"/>
+              </a:rPr>
+              <a:t>=</a:t>
+            </a:r>
+            <a:r>
+              <a:rPr lang="en-US" dirty="0">
+                <a:solidFill>
+                  <a:srgbClr val="CE9178"/>
+                </a:solidFill>
+                <a:latin typeface="Consolas" panose="020B0609020204030204" pitchFamily="49" charset="0"/>
+              </a:rPr>
+              <a:t>"/"</a:t>
+            </a:r>
+            <a:r>
+              <a:rPr lang="en-US" dirty="0">
+                <a:solidFill>
+                  <a:srgbClr val="808080"/>
+                </a:solidFill>
+                <a:latin typeface="Consolas" panose="020B0609020204030204" pitchFamily="49" charset="0"/>
+              </a:rPr>
+              <a:t>&gt;</a:t>
+            </a:r>
+            <a:r>
+              <a:rPr lang="en-US" dirty="0">
+                <a:solidFill>
+                  <a:srgbClr val="D4D4D4"/>
+                </a:solidFill>
+                <a:latin typeface="Consolas" panose="020B0609020204030204" pitchFamily="49" charset="0"/>
+              </a:rPr>
+              <a:t>Home</a:t>
+            </a:r>
+            <a:r>
+              <a:rPr lang="en-US" dirty="0">
+                <a:solidFill>
+                  <a:srgbClr val="808080"/>
+                </a:solidFill>
+                <a:latin typeface="Consolas" panose="020B0609020204030204" pitchFamily="49" charset="0"/>
+              </a:rPr>
+              <a:t>&lt;/</a:t>
+            </a:r>
+            <a:r>
+              <a:rPr lang="en-US" dirty="0">
+                <a:solidFill>
+                  <a:srgbClr val="569CD6"/>
+                </a:solidFill>
+                <a:latin typeface="Consolas" panose="020B0609020204030204" pitchFamily="49" charset="0"/>
+              </a:rPr>
+              <a:t>a</a:t>
+            </a:r>
+            <a:r>
+              <a:rPr lang="en-US" dirty="0">
+                <a:solidFill>
+                  <a:srgbClr val="808080"/>
+                </a:solidFill>
+                <a:latin typeface="Consolas" panose="020B0609020204030204" pitchFamily="49" charset="0"/>
+              </a:rPr>
+              <a:t>&gt;</a:t>
+            </a:r>
+            <a:endParaRPr lang="en-US" dirty="0">
+              <a:solidFill>
+                <a:srgbClr val="D4D4D4"/>
+              </a:solidFill>
+              <a:latin typeface="Consolas" panose="020B0609020204030204" pitchFamily="49" charset="0"/>
+            </a:endParaRPr>
+          </a:p>
+          <a:p>
+            <a:pPr marL="0" indent="0">
+              <a:buNone/>
+            </a:pPr>
+            <a:r>
+              <a:rPr lang="en-US" dirty="0">
+                <a:solidFill>
+                  <a:srgbClr val="808080"/>
+                </a:solidFill>
+                <a:latin typeface="Consolas" panose="020B0609020204030204" pitchFamily="49" charset="0"/>
+              </a:rPr>
+              <a:t>			&lt;/</a:t>
+            </a:r>
+            <a:r>
+              <a:rPr lang="en-US" dirty="0">
+                <a:solidFill>
+                  <a:srgbClr val="569CD6"/>
+                </a:solidFill>
+                <a:latin typeface="Consolas" panose="020B0609020204030204" pitchFamily="49" charset="0"/>
+              </a:rPr>
+              <a:t>li</a:t>
+            </a:r>
+            <a:r>
+              <a:rPr lang="en-US" dirty="0">
+                <a:solidFill>
+                  <a:srgbClr val="808080"/>
+                </a:solidFill>
+                <a:latin typeface="Consolas" panose="020B0609020204030204" pitchFamily="49" charset="0"/>
+              </a:rPr>
+              <a:t>&gt;</a:t>
+            </a:r>
+            <a:endParaRPr lang="en-US" dirty="0">
+              <a:solidFill>
+                <a:srgbClr val="D4D4D4"/>
+              </a:solidFill>
+              <a:latin typeface="Consolas" panose="020B0609020204030204" pitchFamily="49" charset="0"/>
+            </a:endParaRPr>
+          </a:p>
+          <a:p>
+            <a:pPr marL="0" indent="0">
+              <a:buNone/>
+            </a:pPr>
+            <a:r>
+              <a:rPr lang="en-US" dirty="0">
+                <a:solidFill>
+                  <a:srgbClr val="808080"/>
+                </a:solidFill>
+                <a:latin typeface="Consolas" panose="020B0609020204030204" pitchFamily="49" charset="0"/>
+              </a:rPr>
+              <a:t>			&lt;</a:t>
+            </a:r>
+            <a:r>
+              <a:rPr lang="en-US" dirty="0">
+                <a:solidFill>
+                  <a:srgbClr val="569CD6"/>
+                </a:solidFill>
+                <a:latin typeface="Consolas" panose="020B0609020204030204" pitchFamily="49" charset="0"/>
+              </a:rPr>
+              <a:t>li</a:t>
+            </a:r>
+            <a:r>
+              <a:rPr lang="en-US" dirty="0">
+                <a:solidFill>
+                  <a:srgbClr val="808080"/>
+                </a:solidFill>
+                <a:latin typeface="Consolas" panose="020B0609020204030204" pitchFamily="49" charset="0"/>
+              </a:rPr>
+              <a:t>&gt;</a:t>
+            </a:r>
+            <a:endParaRPr lang="en-US" dirty="0">
+              <a:solidFill>
+                <a:srgbClr val="D4D4D4"/>
+              </a:solidFill>
+              <a:latin typeface="Consolas" panose="020B0609020204030204" pitchFamily="49" charset="0"/>
+            </a:endParaRPr>
+          </a:p>
+          <a:p>
+            <a:pPr marL="0" indent="0">
+              <a:buNone/>
+            </a:pPr>
+            <a:r>
+              <a:rPr lang="en-US" dirty="0">
+                <a:solidFill>
+                  <a:srgbClr val="808080"/>
+                </a:solidFill>
+                <a:latin typeface="Consolas" panose="020B0609020204030204" pitchFamily="49" charset="0"/>
+              </a:rPr>
+              <a:t>				&lt;</a:t>
+            </a:r>
+            <a:r>
+              <a:rPr lang="en-US" dirty="0">
+                <a:solidFill>
+                  <a:srgbClr val="569CD6"/>
+                </a:solidFill>
+                <a:latin typeface="Consolas" panose="020B0609020204030204" pitchFamily="49" charset="0"/>
+              </a:rPr>
+              <a:t>a</a:t>
+            </a:r>
+            <a:r>
+              <a:rPr lang="en-US" dirty="0">
+                <a:solidFill>
+                  <a:srgbClr val="D4D4D4"/>
+                </a:solidFill>
+                <a:latin typeface="Consolas" panose="020B0609020204030204" pitchFamily="49" charset="0"/>
+              </a:rPr>
+              <a:t> </a:t>
+            </a:r>
+            <a:r>
+              <a:rPr lang="en-US" dirty="0" err="1">
+                <a:solidFill>
+                  <a:srgbClr val="9CDCFE"/>
+                </a:solidFill>
+                <a:latin typeface="Consolas" panose="020B0609020204030204" pitchFamily="49" charset="0"/>
+              </a:rPr>
+              <a:t>routerLink</a:t>
+            </a:r>
+            <a:r>
+              <a:rPr lang="en-US" dirty="0">
+                <a:solidFill>
+                  <a:srgbClr val="D4D4D4"/>
+                </a:solidFill>
+                <a:latin typeface="Consolas" panose="020B0609020204030204" pitchFamily="49" charset="0"/>
+              </a:rPr>
+              <a:t>=</a:t>
+            </a:r>
+            <a:r>
+              <a:rPr lang="en-US" dirty="0">
+                <a:solidFill>
+                  <a:srgbClr val="CE9178"/>
+                </a:solidFill>
+                <a:latin typeface="Consolas" panose="020B0609020204030204" pitchFamily="49" charset="0"/>
+              </a:rPr>
+              <a:t>"/overview"</a:t>
+            </a:r>
+            <a:r>
+              <a:rPr lang="en-US" dirty="0">
+                <a:solidFill>
+                  <a:srgbClr val="808080"/>
+                </a:solidFill>
+                <a:latin typeface="Consolas" panose="020B0609020204030204" pitchFamily="49" charset="0"/>
+              </a:rPr>
+              <a:t>&gt;</a:t>
+            </a:r>
+            <a:r>
+              <a:rPr lang="en-US" dirty="0">
+                <a:solidFill>
+                  <a:srgbClr val="D4D4D4"/>
+                </a:solidFill>
+                <a:latin typeface="Consolas" panose="020B0609020204030204" pitchFamily="49" charset="0"/>
+              </a:rPr>
+              <a:t>Overview</a:t>
+            </a:r>
+            <a:r>
+              <a:rPr lang="en-US" dirty="0">
+                <a:solidFill>
+                  <a:srgbClr val="808080"/>
+                </a:solidFill>
+                <a:latin typeface="Consolas" panose="020B0609020204030204" pitchFamily="49" charset="0"/>
+              </a:rPr>
+              <a:t>&lt;/</a:t>
+            </a:r>
+            <a:r>
+              <a:rPr lang="en-US" dirty="0">
+                <a:solidFill>
+                  <a:srgbClr val="569CD6"/>
+                </a:solidFill>
+                <a:latin typeface="Consolas" panose="020B0609020204030204" pitchFamily="49" charset="0"/>
+              </a:rPr>
+              <a:t>a</a:t>
+            </a:r>
+            <a:r>
+              <a:rPr lang="en-US" dirty="0">
+                <a:solidFill>
+                  <a:srgbClr val="808080"/>
+                </a:solidFill>
+                <a:latin typeface="Consolas" panose="020B0609020204030204" pitchFamily="49" charset="0"/>
+              </a:rPr>
+              <a:t>&gt;</a:t>
+            </a:r>
+            <a:endParaRPr lang="en-US" dirty="0">
+              <a:solidFill>
+                <a:srgbClr val="D4D4D4"/>
+              </a:solidFill>
+              <a:latin typeface="Consolas" panose="020B0609020204030204" pitchFamily="49" charset="0"/>
+            </a:endParaRPr>
+          </a:p>
+          <a:p>
+            <a:pPr marL="0" indent="0">
+              <a:buNone/>
+            </a:pPr>
+            <a:r>
+              <a:rPr lang="en-US" dirty="0">
+                <a:solidFill>
+                  <a:srgbClr val="808080"/>
+                </a:solidFill>
+                <a:latin typeface="Consolas" panose="020B0609020204030204" pitchFamily="49" charset="0"/>
+              </a:rPr>
+              <a:t>			&lt;/</a:t>
+            </a:r>
+            <a:r>
+              <a:rPr lang="en-US" dirty="0">
+                <a:solidFill>
+                  <a:srgbClr val="569CD6"/>
+                </a:solidFill>
+                <a:latin typeface="Consolas" panose="020B0609020204030204" pitchFamily="49" charset="0"/>
+              </a:rPr>
+              <a:t>li</a:t>
+            </a:r>
+            <a:r>
+              <a:rPr lang="en-US" dirty="0">
+                <a:solidFill>
+                  <a:srgbClr val="808080"/>
+                </a:solidFill>
+                <a:latin typeface="Consolas" panose="020B0609020204030204" pitchFamily="49" charset="0"/>
+              </a:rPr>
+              <a:t>&gt;</a:t>
+            </a:r>
+            <a:endParaRPr lang="en-US" dirty="0">
+              <a:solidFill>
+                <a:srgbClr val="D4D4D4"/>
+              </a:solidFill>
+              <a:latin typeface="Consolas" panose="020B0609020204030204" pitchFamily="49" charset="0"/>
+            </a:endParaRPr>
+          </a:p>
+          <a:p>
+            <a:pPr marL="0" indent="0">
+              <a:buNone/>
+            </a:pPr>
+            <a:r>
+              <a:rPr lang="en-US" dirty="0">
+                <a:solidFill>
+                  <a:srgbClr val="808080"/>
+                </a:solidFill>
+                <a:latin typeface="Consolas" panose="020B0609020204030204" pitchFamily="49" charset="0"/>
+              </a:rPr>
+              <a:t>		&lt;/</a:t>
+            </a:r>
+            <a:r>
+              <a:rPr lang="en-US" dirty="0" err="1">
+                <a:solidFill>
+                  <a:srgbClr val="569CD6"/>
+                </a:solidFill>
+                <a:latin typeface="Consolas" panose="020B0609020204030204" pitchFamily="49" charset="0"/>
+              </a:rPr>
+              <a:t>ul</a:t>
+            </a:r>
+            <a:r>
+              <a:rPr lang="en-US" dirty="0">
+                <a:solidFill>
+                  <a:srgbClr val="808080"/>
+                </a:solidFill>
+                <a:latin typeface="Consolas" panose="020B0609020204030204" pitchFamily="49" charset="0"/>
+              </a:rPr>
+              <a:t>&gt;</a:t>
+            </a:r>
+            <a:endParaRPr lang="en-US" dirty="0">
+              <a:solidFill>
+                <a:srgbClr val="D4D4D4"/>
+              </a:solidFill>
+              <a:latin typeface="Consolas" panose="020B0609020204030204" pitchFamily="49" charset="0"/>
+            </a:endParaRPr>
+          </a:p>
+          <a:p>
+            <a:pPr marL="0" indent="0">
+              <a:buNone/>
+            </a:pPr>
+            <a:r>
+              <a:rPr lang="en-US" dirty="0">
+                <a:solidFill>
+                  <a:srgbClr val="808080"/>
+                </a:solidFill>
+                <a:latin typeface="Consolas" panose="020B0609020204030204" pitchFamily="49" charset="0"/>
+              </a:rPr>
+              <a:t>	&lt;/</a:t>
+            </a:r>
+            <a:r>
+              <a:rPr lang="en-US" dirty="0">
+                <a:solidFill>
+                  <a:srgbClr val="569CD6"/>
+                </a:solidFill>
+                <a:latin typeface="Consolas" panose="020B0609020204030204" pitchFamily="49" charset="0"/>
+              </a:rPr>
+              <a:t>div</a:t>
+            </a:r>
+            <a:r>
+              <a:rPr lang="en-US" dirty="0">
+                <a:solidFill>
+                  <a:srgbClr val="808080"/>
+                </a:solidFill>
+                <a:latin typeface="Consolas" panose="020B0609020204030204" pitchFamily="49" charset="0"/>
+              </a:rPr>
+              <a:t>&gt;</a:t>
+            </a:r>
+            <a:endParaRPr lang="en-US" dirty="0">
+              <a:solidFill>
+                <a:srgbClr val="D4D4D4"/>
+              </a:solidFill>
+              <a:latin typeface="Consolas" panose="020B0609020204030204" pitchFamily="49" charset="0"/>
+            </a:endParaRPr>
+          </a:p>
+          <a:p>
+            <a:pPr marL="0" indent="0">
+              <a:buNone/>
+            </a:pPr>
+            <a:r>
+              <a:rPr lang="en-US" dirty="0">
+                <a:solidFill>
+                  <a:srgbClr val="808080"/>
+                </a:solidFill>
+                <a:latin typeface="Consolas" panose="020B0609020204030204" pitchFamily="49" charset="0"/>
+              </a:rPr>
+              <a:t>&lt;/</a:t>
+            </a:r>
+            <a:r>
+              <a:rPr lang="en-US" dirty="0" err="1">
+                <a:solidFill>
+                  <a:srgbClr val="569CD6"/>
+                </a:solidFill>
+                <a:latin typeface="Consolas" panose="020B0609020204030204" pitchFamily="49" charset="0"/>
+              </a:rPr>
+              <a:t>nav</a:t>
+            </a:r>
+            <a:r>
+              <a:rPr lang="en-US" dirty="0">
+                <a:solidFill>
+                  <a:srgbClr val="808080"/>
+                </a:solidFill>
+                <a:latin typeface="Consolas" panose="020B0609020204030204" pitchFamily="49" charset="0"/>
+              </a:rPr>
+              <a:t>&gt;</a:t>
+            </a:r>
+            <a:endParaRPr lang="en-US" dirty="0">
+              <a:solidFill>
+                <a:srgbClr val="D4D4D4"/>
+              </a:solidFill>
+              <a:latin typeface="Consolas" panose="020B0609020204030204" pitchFamily="49" charset="0"/>
+            </a:endParaRPr>
+          </a:p>
+          <a:p>
+            <a:pPr marL="0" indent="0">
+              <a:buNone/>
+            </a:pPr>
+            <a:endParaRPr lang="en-NL" dirty="0"/>
           </a:p>
         </p:txBody>
       </p:sp>
@@ -17518,6 +18287,1217 @@
     <p:extLst>
       <p:ext uri="{BB962C8B-B14F-4D97-AF65-F5344CB8AC3E}">
         <p14:creationId xmlns:p14="http://schemas.microsoft.com/office/powerpoint/2010/main" val="983060141"/>
+      </p:ext>
+    </p:extLst>
+  </p:cSld>
+  <p:clrMapOvr>
+    <a:masterClrMapping/>
+  </p:clrMapOvr>
+</p:sld>
+</file>
+
+<file path=ppt/slides/slide45.xml><?xml version="1.0" encoding="utf-8"?>
+<p:sld xmlns:a="http://schemas.openxmlformats.org/drawingml/2006/main" xmlns:r="http://schemas.openxmlformats.org/officeDocument/2006/relationships" xmlns:p="http://schemas.openxmlformats.org/presentationml/2006/main">
+  <p:cSld>
+    <p:spTree>
+      <p:nvGrpSpPr>
+        <p:cNvPr id="1" name=""/>
+        <p:cNvGrpSpPr/>
+        <p:nvPr/>
+      </p:nvGrpSpPr>
+      <p:grpSpPr>
+        <a:xfrm>
+          <a:off x="0" y="0"/>
+          <a:ext cx="0" cy="0"/>
+          <a:chOff x="0" y="0"/>
+          <a:chExt cx="0" cy="0"/>
+        </a:xfrm>
+      </p:grpSpPr>
+      <p:sp>
+        <p:nvSpPr>
+          <p:cNvPr id="2" name="Title 1">
+            <a:extLst>
+              <a:ext uri="{FF2B5EF4-FFF2-40B4-BE49-F238E27FC236}">
+                <a16:creationId xmlns:a16="http://schemas.microsoft.com/office/drawing/2014/main" id="{7AED0089-D0DC-4415-B422-CAFB8E209994}"/>
+              </a:ext>
+            </a:extLst>
+          </p:cNvPr>
+          <p:cNvSpPr>
+            <a:spLocks noGrp="1"/>
+          </p:cNvSpPr>
+          <p:nvPr>
+            <p:ph type="title"/>
+          </p:nvPr>
+        </p:nvSpPr>
+        <p:spPr/>
+        <p:txBody>
+          <a:bodyPr/>
+          <a:lstStyle/>
+          <a:p>
+            <a:endParaRPr lang="en-NL"/>
+          </a:p>
+        </p:txBody>
+      </p:sp>
+      <p:pic>
+        <p:nvPicPr>
+          <p:cNvPr id="2050" name="Picture 2" descr="http://primefaces.org/wp-content/uploads/2016/08/primeng-2.png">
+            <a:extLst>
+              <a:ext uri="{FF2B5EF4-FFF2-40B4-BE49-F238E27FC236}">
+                <a16:creationId xmlns:a16="http://schemas.microsoft.com/office/drawing/2014/main" id="{0EEA43C1-DE8F-4A15-9CB5-3B5F9ECA74EA}"/>
+              </a:ext>
+            </a:extLst>
+          </p:cNvPr>
+          <p:cNvPicPr>
+            <a:picLocks noGrp="1" noChangeAspect="1" noChangeArrowheads="1"/>
+          </p:cNvPicPr>
+          <p:nvPr>
+            <p:ph idx="1"/>
+          </p:nvPr>
+        </p:nvPicPr>
+        <p:blipFill>
+          <a:blip r:embed="rId2">
+            <a:extLst>
+              <a:ext uri="{28A0092B-C50C-407E-A947-70E740481C1C}">
+                <a14:useLocalDpi xmlns:a14="http://schemas.microsoft.com/office/drawing/2010/main" val="0"/>
+              </a:ext>
+            </a:extLst>
+          </a:blip>
+          <a:srcRect/>
+          <a:stretch>
+            <a:fillRect/>
+          </a:stretch>
+        </p:blipFill>
+        <p:spPr bwMode="auto">
+          <a:xfrm>
+            <a:off x="1227092" y="867266"/>
+            <a:ext cx="9737816" cy="4480215"/>
+          </a:xfrm>
+          <a:prstGeom prst="rect">
+            <a:avLst/>
+          </a:prstGeom>
+          <a:noFill/>
+          <a:extLst>
+            <a:ext uri="{909E8E84-426E-40DD-AFC4-6F175D3DCCD1}">
+              <a14:hiddenFill xmlns:a14="http://schemas.microsoft.com/office/drawing/2010/main">
+                <a:solidFill>
+                  <a:srgbClr val="FFFFFF"/>
+                </a:solidFill>
+              </a14:hiddenFill>
+            </a:ext>
+          </a:extLst>
+        </p:spPr>
+      </p:pic>
+    </p:spTree>
+    <p:extLst>
+      <p:ext uri="{BB962C8B-B14F-4D97-AF65-F5344CB8AC3E}">
+        <p14:creationId xmlns:p14="http://schemas.microsoft.com/office/powerpoint/2010/main" val="2844600280"/>
+      </p:ext>
+    </p:extLst>
+  </p:cSld>
+  <p:clrMapOvr>
+    <a:masterClrMapping/>
+  </p:clrMapOvr>
+</p:sld>
+</file>
+
+<file path=ppt/slides/slide46.xml><?xml version="1.0" encoding="utf-8"?>
+<p:sld xmlns:a="http://schemas.openxmlformats.org/drawingml/2006/main" xmlns:r="http://schemas.openxmlformats.org/officeDocument/2006/relationships" xmlns:p="http://schemas.openxmlformats.org/presentationml/2006/main">
+  <p:cSld>
+    <p:spTree>
+      <p:nvGrpSpPr>
+        <p:cNvPr id="1" name=""/>
+        <p:cNvGrpSpPr/>
+        <p:nvPr/>
+      </p:nvGrpSpPr>
+      <p:grpSpPr>
+        <a:xfrm>
+          <a:off x="0" y="0"/>
+          <a:ext cx="0" cy="0"/>
+          <a:chOff x="0" y="0"/>
+          <a:chExt cx="0" cy="0"/>
+        </a:xfrm>
+      </p:grpSpPr>
+      <p:sp>
+        <p:nvSpPr>
+          <p:cNvPr id="2" name="Title 1">
+            <a:extLst>
+              <a:ext uri="{FF2B5EF4-FFF2-40B4-BE49-F238E27FC236}">
+                <a16:creationId xmlns:a16="http://schemas.microsoft.com/office/drawing/2014/main" id="{115E5416-FD2D-404F-A271-A52D0DCD2119}"/>
+              </a:ext>
+            </a:extLst>
+          </p:cNvPr>
+          <p:cNvSpPr>
+            <a:spLocks noGrp="1"/>
+          </p:cNvSpPr>
+          <p:nvPr>
+            <p:ph type="title"/>
+          </p:nvPr>
+        </p:nvSpPr>
+        <p:spPr/>
+        <p:txBody>
+          <a:bodyPr/>
+          <a:lstStyle/>
+          <a:p>
+            <a:r>
+              <a:rPr lang="en-US" dirty="0" err="1"/>
+              <a:t>cmd</a:t>
+            </a:r>
+            <a:endParaRPr lang="en-NL" dirty="0"/>
+          </a:p>
+        </p:txBody>
+      </p:sp>
+      <p:sp>
+        <p:nvSpPr>
+          <p:cNvPr id="3" name="Content Placeholder 2">
+            <a:extLst>
+              <a:ext uri="{FF2B5EF4-FFF2-40B4-BE49-F238E27FC236}">
+                <a16:creationId xmlns:a16="http://schemas.microsoft.com/office/drawing/2014/main" id="{D65ADE30-412A-4E8B-ACF3-B3662BEB30E0}"/>
+              </a:ext>
+            </a:extLst>
+          </p:cNvPr>
+          <p:cNvSpPr>
+            <a:spLocks noGrp="1"/>
+          </p:cNvSpPr>
+          <p:nvPr>
+            <p:ph idx="1"/>
+          </p:nvPr>
+        </p:nvSpPr>
+        <p:spPr>
+          <a:xfrm>
+            <a:off x="838200" y="1834503"/>
+            <a:ext cx="10515600" cy="4351338"/>
+          </a:xfrm>
+        </p:spPr>
+        <p:style>
+          <a:lnRef idx="2">
+            <a:schemeClr val="dk1">
+              <a:shade val="50000"/>
+            </a:schemeClr>
+          </a:lnRef>
+          <a:fillRef idx="1">
+            <a:schemeClr val="dk1"/>
+          </a:fillRef>
+          <a:effectRef idx="0">
+            <a:schemeClr val="dk1"/>
+          </a:effectRef>
+          <a:fontRef idx="minor">
+            <a:schemeClr val="lt1"/>
+          </a:fontRef>
+        </p:style>
+        <p:txBody>
+          <a:bodyPr/>
+          <a:lstStyle/>
+          <a:p>
+            <a:pPr marL="0" indent="0">
+              <a:buNone/>
+            </a:pPr>
+            <a:r>
+              <a:rPr lang="en-US" dirty="0"/>
+              <a:t>&gt; </a:t>
+            </a:r>
+            <a:r>
+              <a:rPr lang="en-US" dirty="0" err="1"/>
+              <a:t>npm</a:t>
+            </a:r>
+            <a:r>
+              <a:rPr lang="en-US" dirty="0"/>
+              <a:t> install </a:t>
+            </a:r>
+            <a:r>
+              <a:rPr lang="en-US" dirty="0" err="1"/>
+              <a:t>primeng</a:t>
+            </a:r>
+            <a:r>
+              <a:rPr lang="en-US" dirty="0"/>
+              <a:t> --save</a:t>
+            </a:r>
+          </a:p>
+          <a:p>
+            <a:pPr marL="0" indent="0">
+              <a:buNone/>
+            </a:pPr>
+            <a:r>
+              <a:rPr lang="en-US" dirty="0"/>
+              <a:t>&gt; </a:t>
+            </a:r>
+            <a:r>
+              <a:rPr lang="en-US" dirty="0" err="1"/>
+              <a:t>npm</a:t>
+            </a:r>
+            <a:r>
+              <a:rPr lang="en-US" dirty="0"/>
+              <a:t> install font-awesome --save</a:t>
+            </a:r>
+            <a:endParaRPr lang="en-NL" dirty="0"/>
+          </a:p>
+        </p:txBody>
+      </p:sp>
+    </p:spTree>
+    <p:extLst>
+      <p:ext uri="{BB962C8B-B14F-4D97-AF65-F5344CB8AC3E}">
+        <p14:creationId xmlns:p14="http://schemas.microsoft.com/office/powerpoint/2010/main" val="1713178390"/>
+      </p:ext>
+    </p:extLst>
+  </p:cSld>
+  <p:clrMapOvr>
+    <a:masterClrMapping/>
+  </p:clrMapOvr>
+</p:sld>
+</file>
+
+<file path=ppt/slides/slide47.xml><?xml version="1.0" encoding="utf-8"?>
+<p:sld xmlns:a="http://schemas.openxmlformats.org/drawingml/2006/main" xmlns:r="http://schemas.openxmlformats.org/officeDocument/2006/relationships" xmlns:p="http://schemas.openxmlformats.org/presentationml/2006/main">
+  <p:cSld>
+    <p:spTree>
+      <p:nvGrpSpPr>
+        <p:cNvPr id="1" name=""/>
+        <p:cNvGrpSpPr/>
+        <p:nvPr/>
+      </p:nvGrpSpPr>
+      <p:grpSpPr>
+        <a:xfrm>
+          <a:off x="0" y="0"/>
+          <a:ext cx="0" cy="0"/>
+          <a:chOff x="0" y="0"/>
+          <a:chExt cx="0" cy="0"/>
+        </a:xfrm>
+      </p:grpSpPr>
+      <p:sp>
+        <p:nvSpPr>
+          <p:cNvPr id="2" name="Title 1">
+            <a:extLst>
+              <a:ext uri="{FF2B5EF4-FFF2-40B4-BE49-F238E27FC236}">
+                <a16:creationId xmlns:a16="http://schemas.microsoft.com/office/drawing/2014/main" id="{A58315FB-9D2D-4557-91C5-0801EF74F12D}"/>
+              </a:ext>
+            </a:extLst>
+          </p:cNvPr>
+          <p:cNvSpPr>
+            <a:spLocks noGrp="1"/>
+          </p:cNvSpPr>
+          <p:nvPr>
+            <p:ph type="title"/>
+          </p:nvPr>
+        </p:nvSpPr>
+        <p:spPr/>
+        <p:txBody>
+          <a:bodyPr/>
+          <a:lstStyle/>
+          <a:p>
+            <a:r>
+              <a:rPr lang="en-US" dirty="0"/>
+              <a:t>.</a:t>
+            </a:r>
+            <a:r>
+              <a:rPr lang="en-US" dirty="0" err="1"/>
+              <a:t>angular.cli.json</a:t>
+            </a:r>
+            <a:endParaRPr lang="en-NL" dirty="0"/>
+          </a:p>
+        </p:txBody>
+      </p:sp>
+      <p:sp>
+        <p:nvSpPr>
+          <p:cNvPr id="3" name="Content Placeholder 2">
+            <a:extLst>
+              <a:ext uri="{FF2B5EF4-FFF2-40B4-BE49-F238E27FC236}">
+                <a16:creationId xmlns:a16="http://schemas.microsoft.com/office/drawing/2014/main" id="{34FCC356-FB8F-4A6B-A32B-1A6B296ECDF0}"/>
+              </a:ext>
+            </a:extLst>
+          </p:cNvPr>
+          <p:cNvSpPr>
+            <a:spLocks noGrp="1"/>
+          </p:cNvSpPr>
+          <p:nvPr>
+            <p:ph idx="1"/>
+          </p:nvPr>
+        </p:nvSpPr>
+        <p:spPr/>
+        <p:style>
+          <a:lnRef idx="0">
+            <a:scrgbClr r="0" g="0" b="0"/>
+          </a:lnRef>
+          <a:fillRef idx="1001">
+            <a:schemeClr val="dk2"/>
+          </a:fillRef>
+          <a:effectRef idx="0">
+            <a:scrgbClr r="0" g="0" b="0"/>
+          </a:effectRef>
+          <a:fontRef idx="major"/>
+        </p:style>
+        <p:txBody>
+          <a:bodyPr>
+            <a:normAutofit/>
+          </a:bodyPr>
+          <a:lstStyle/>
+          <a:p>
+            <a:pPr marL="0" indent="0">
+              <a:buNone/>
+            </a:pPr>
+            <a:r>
+              <a:rPr lang="en-US" dirty="0">
+                <a:solidFill>
+                  <a:srgbClr val="9CDCFE"/>
+                </a:solidFill>
+                <a:latin typeface="Consolas" panose="020B0609020204030204" pitchFamily="49" charset="0"/>
+              </a:rPr>
+              <a:t>"styles"</a:t>
+            </a:r>
+            <a:r>
+              <a:rPr lang="en-US" dirty="0">
+                <a:solidFill>
+                  <a:srgbClr val="D4D4D4"/>
+                </a:solidFill>
+                <a:latin typeface="Consolas" panose="020B0609020204030204" pitchFamily="49" charset="0"/>
+              </a:rPr>
+              <a:t>: [</a:t>
+            </a:r>
+          </a:p>
+          <a:p>
+            <a:pPr marL="914400" lvl="2" indent="0">
+              <a:buNone/>
+            </a:pPr>
+            <a:r>
+              <a:rPr lang="en-US" dirty="0">
+                <a:solidFill>
+                  <a:srgbClr val="CE9178"/>
+                </a:solidFill>
+                <a:latin typeface="Consolas" panose="020B0609020204030204" pitchFamily="49" charset="0"/>
+              </a:rPr>
+              <a:t>"styles.css"</a:t>
+            </a:r>
+            <a:r>
+              <a:rPr lang="en-US" dirty="0">
+                <a:solidFill>
+                  <a:srgbClr val="D4D4D4"/>
+                </a:solidFill>
+                <a:latin typeface="Consolas" panose="020B0609020204030204" pitchFamily="49" charset="0"/>
+              </a:rPr>
+              <a:t>,</a:t>
+            </a:r>
+          </a:p>
+          <a:p>
+            <a:pPr marL="914400" lvl="2" indent="0">
+              <a:buNone/>
+            </a:pPr>
+            <a:r>
+              <a:rPr lang="en-US" dirty="0">
+                <a:solidFill>
+                  <a:srgbClr val="CE9178"/>
+                </a:solidFill>
+                <a:latin typeface="Consolas" panose="020B0609020204030204" pitchFamily="49" charset="0"/>
+              </a:rPr>
+              <a:t>"../</a:t>
+            </a:r>
+            <a:r>
+              <a:rPr lang="en-US" dirty="0" err="1">
+                <a:solidFill>
+                  <a:srgbClr val="CE9178"/>
+                </a:solidFill>
+                <a:latin typeface="Consolas" panose="020B0609020204030204" pitchFamily="49" charset="0"/>
+              </a:rPr>
+              <a:t>node_modules</a:t>
+            </a:r>
+            <a:r>
+              <a:rPr lang="en-US" dirty="0">
+                <a:solidFill>
+                  <a:srgbClr val="CE9178"/>
+                </a:solidFill>
+                <a:latin typeface="Consolas" panose="020B0609020204030204" pitchFamily="49" charset="0"/>
+              </a:rPr>
+              <a:t>/bootstrap/</a:t>
+            </a:r>
+            <a:r>
+              <a:rPr lang="en-US" dirty="0" err="1">
+                <a:solidFill>
+                  <a:srgbClr val="CE9178"/>
+                </a:solidFill>
+                <a:latin typeface="Consolas" panose="020B0609020204030204" pitchFamily="49" charset="0"/>
+              </a:rPr>
+              <a:t>dist</a:t>
+            </a:r>
+            <a:r>
+              <a:rPr lang="en-US" dirty="0">
+                <a:solidFill>
+                  <a:srgbClr val="CE9178"/>
+                </a:solidFill>
+                <a:latin typeface="Consolas" panose="020B0609020204030204" pitchFamily="49" charset="0"/>
+              </a:rPr>
+              <a:t>/</a:t>
+            </a:r>
+            <a:r>
+              <a:rPr lang="en-US" dirty="0" err="1">
+                <a:solidFill>
+                  <a:srgbClr val="CE9178"/>
+                </a:solidFill>
+                <a:latin typeface="Consolas" panose="020B0609020204030204" pitchFamily="49" charset="0"/>
+              </a:rPr>
+              <a:t>css</a:t>
+            </a:r>
+            <a:r>
+              <a:rPr lang="en-US" dirty="0">
+                <a:solidFill>
+                  <a:srgbClr val="CE9178"/>
+                </a:solidFill>
+                <a:latin typeface="Consolas" panose="020B0609020204030204" pitchFamily="49" charset="0"/>
+              </a:rPr>
+              <a:t>/bootstrap.min.css"</a:t>
+            </a:r>
+            <a:r>
+              <a:rPr lang="en-US" dirty="0">
+                <a:solidFill>
+                  <a:srgbClr val="D4D4D4"/>
+                </a:solidFill>
+                <a:latin typeface="Consolas" panose="020B0609020204030204" pitchFamily="49" charset="0"/>
+              </a:rPr>
+              <a:t>,</a:t>
+            </a:r>
+          </a:p>
+          <a:p>
+            <a:pPr marL="914400" lvl="2" indent="0">
+              <a:buNone/>
+            </a:pPr>
+            <a:r>
+              <a:rPr lang="en-US" dirty="0">
+                <a:solidFill>
+                  <a:srgbClr val="CE9178"/>
+                </a:solidFill>
+                <a:latin typeface="Consolas" panose="020B0609020204030204" pitchFamily="49" charset="0"/>
+              </a:rPr>
+              <a:t>"../</a:t>
+            </a:r>
+            <a:r>
+              <a:rPr lang="en-US" dirty="0" err="1">
+                <a:solidFill>
+                  <a:srgbClr val="CE9178"/>
+                </a:solidFill>
+                <a:latin typeface="Consolas" panose="020B0609020204030204" pitchFamily="49" charset="0"/>
+              </a:rPr>
+              <a:t>node_modules</a:t>
+            </a:r>
+            <a:r>
+              <a:rPr lang="en-US" dirty="0">
+                <a:solidFill>
+                  <a:srgbClr val="CE9178"/>
+                </a:solidFill>
+                <a:latin typeface="Consolas" panose="020B0609020204030204" pitchFamily="49" charset="0"/>
+              </a:rPr>
+              <a:t>/font-awesome/</a:t>
+            </a:r>
+            <a:r>
+              <a:rPr lang="en-US" dirty="0" err="1">
+                <a:solidFill>
+                  <a:srgbClr val="CE9178"/>
+                </a:solidFill>
+                <a:latin typeface="Consolas" panose="020B0609020204030204" pitchFamily="49" charset="0"/>
+              </a:rPr>
+              <a:t>css</a:t>
+            </a:r>
+            <a:r>
+              <a:rPr lang="en-US" dirty="0">
+                <a:solidFill>
+                  <a:srgbClr val="CE9178"/>
+                </a:solidFill>
+                <a:latin typeface="Consolas" panose="020B0609020204030204" pitchFamily="49" charset="0"/>
+              </a:rPr>
+              <a:t>/font-awesome.min.css"</a:t>
+            </a:r>
+            <a:r>
+              <a:rPr lang="en-US" dirty="0">
+                <a:solidFill>
+                  <a:srgbClr val="D4D4D4"/>
+                </a:solidFill>
+                <a:latin typeface="Consolas" panose="020B0609020204030204" pitchFamily="49" charset="0"/>
+              </a:rPr>
+              <a:t>,</a:t>
+            </a:r>
+          </a:p>
+          <a:p>
+            <a:pPr marL="914400" lvl="2" indent="0">
+              <a:buNone/>
+            </a:pPr>
+            <a:r>
+              <a:rPr lang="en-US" dirty="0">
+                <a:solidFill>
+                  <a:srgbClr val="CE9178"/>
+                </a:solidFill>
+                <a:latin typeface="Consolas" panose="020B0609020204030204" pitchFamily="49" charset="0"/>
+              </a:rPr>
+              <a:t>"../</a:t>
+            </a:r>
+            <a:r>
+              <a:rPr lang="en-US" dirty="0" err="1">
+                <a:solidFill>
+                  <a:srgbClr val="CE9178"/>
+                </a:solidFill>
+                <a:latin typeface="Consolas" panose="020B0609020204030204" pitchFamily="49" charset="0"/>
+              </a:rPr>
+              <a:t>node_modules</a:t>
+            </a:r>
+            <a:r>
+              <a:rPr lang="en-US" dirty="0">
+                <a:solidFill>
+                  <a:srgbClr val="CE9178"/>
+                </a:solidFill>
+                <a:latin typeface="Consolas" panose="020B0609020204030204" pitchFamily="49" charset="0"/>
+              </a:rPr>
+              <a:t>/</a:t>
+            </a:r>
+            <a:r>
+              <a:rPr lang="en-US" dirty="0" err="1">
+                <a:solidFill>
+                  <a:srgbClr val="CE9178"/>
+                </a:solidFill>
+                <a:latin typeface="Consolas" panose="020B0609020204030204" pitchFamily="49" charset="0"/>
+              </a:rPr>
+              <a:t>primeng</a:t>
+            </a:r>
+            <a:r>
+              <a:rPr lang="en-US" dirty="0">
+                <a:solidFill>
+                  <a:srgbClr val="CE9178"/>
+                </a:solidFill>
+                <a:latin typeface="Consolas" panose="020B0609020204030204" pitchFamily="49" charset="0"/>
+              </a:rPr>
+              <a:t>/resources/themes/omega/theme.css”</a:t>
+            </a:r>
+            <a:r>
+              <a:rPr lang="en-US" dirty="0">
+                <a:solidFill>
+                  <a:srgbClr val="D4D4D4"/>
+                </a:solidFill>
+                <a:latin typeface="Consolas" panose="020B0609020204030204" pitchFamily="49" charset="0"/>
+              </a:rPr>
+              <a:t>,</a:t>
+            </a:r>
+          </a:p>
+          <a:p>
+            <a:pPr marL="914400" lvl="2" indent="0">
+              <a:buNone/>
+            </a:pPr>
+            <a:r>
+              <a:rPr lang="en-US" dirty="0">
+                <a:solidFill>
+                  <a:srgbClr val="CE9178"/>
+                </a:solidFill>
+                <a:latin typeface="Consolas" panose="020B0609020204030204" pitchFamily="49" charset="0"/>
+              </a:rPr>
+              <a:t>"../</a:t>
+            </a:r>
+            <a:r>
+              <a:rPr lang="en-US" dirty="0" err="1">
+                <a:solidFill>
+                  <a:srgbClr val="CE9178"/>
+                </a:solidFill>
+                <a:latin typeface="Consolas" panose="020B0609020204030204" pitchFamily="49" charset="0"/>
+              </a:rPr>
+              <a:t>node_modules</a:t>
+            </a:r>
+            <a:r>
+              <a:rPr lang="en-US" dirty="0">
+                <a:solidFill>
+                  <a:srgbClr val="CE9178"/>
+                </a:solidFill>
+                <a:latin typeface="Consolas" panose="020B0609020204030204" pitchFamily="49" charset="0"/>
+              </a:rPr>
+              <a:t>/</a:t>
+            </a:r>
+            <a:r>
+              <a:rPr lang="en-US" dirty="0" err="1">
+                <a:solidFill>
+                  <a:srgbClr val="CE9178"/>
+                </a:solidFill>
+                <a:latin typeface="Consolas" panose="020B0609020204030204" pitchFamily="49" charset="0"/>
+              </a:rPr>
+              <a:t>primeng</a:t>
+            </a:r>
+            <a:r>
+              <a:rPr lang="en-US" dirty="0">
+                <a:solidFill>
+                  <a:srgbClr val="CE9178"/>
+                </a:solidFill>
+                <a:latin typeface="Consolas" panose="020B0609020204030204" pitchFamily="49" charset="0"/>
+              </a:rPr>
+              <a:t>/resources/primeng.min.css"</a:t>
+            </a:r>
+            <a:endParaRPr lang="en-US" dirty="0">
+              <a:solidFill>
+                <a:srgbClr val="D4D4D4"/>
+              </a:solidFill>
+              <a:latin typeface="Consolas" panose="020B0609020204030204" pitchFamily="49" charset="0"/>
+            </a:endParaRPr>
+          </a:p>
+          <a:p>
+            <a:pPr marL="0" indent="0">
+              <a:buNone/>
+            </a:pPr>
+            <a:r>
+              <a:rPr lang="en-US" dirty="0">
+                <a:solidFill>
+                  <a:srgbClr val="D4D4D4"/>
+                </a:solidFill>
+                <a:latin typeface="Consolas" panose="020B0609020204030204" pitchFamily="49" charset="0"/>
+              </a:rPr>
+              <a:t>]</a:t>
+            </a:r>
+          </a:p>
+          <a:p>
+            <a:pPr marL="0" indent="0">
+              <a:buNone/>
+            </a:pPr>
+            <a:endParaRPr lang="en-NL" dirty="0"/>
+          </a:p>
+        </p:txBody>
+      </p:sp>
+    </p:spTree>
+    <p:extLst>
+      <p:ext uri="{BB962C8B-B14F-4D97-AF65-F5344CB8AC3E}">
+        <p14:creationId xmlns:p14="http://schemas.microsoft.com/office/powerpoint/2010/main" val="2586204449"/>
+      </p:ext>
+    </p:extLst>
+  </p:cSld>
+  <p:clrMapOvr>
+    <a:masterClrMapping/>
+  </p:clrMapOvr>
+</p:sld>
+</file>
+
+<file path=ppt/slides/slide48.xml><?xml version="1.0" encoding="utf-8"?>
+<p:sld xmlns:a="http://schemas.openxmlformats.org/drawingml/2006/main" xmlns:r="http://schemas.openxmlformats.org/officeDocument/2006/relationships" xmlns:p="http://schemas.openxmlformats.org/presentationml/2006/main">
+  <p:cSld>
+    <p:spTree>
+      <p:nvGrpSpPr>
+        <p:cNvPr id="1" name=""/>
+        <p:cNvGrpSpPr/>
+        <p:nvPr/>
+      </p:nvGrpSpPr>
+      <p:grpSpPr>
+        <a:xfrm>
+          <a:off x="0" y="0"/>
+          <a:ext cx="0" cy="0"/>
+          <a:chOff x="0" y="0"/>
+          <a:chExt cx="0" cy="0"/>
+        </a:xfrm>
+      </p:grpSpPr>
+      <p:sp>
+        <p:nvSpPr>
+          <p:cNvPr id="2" name="Title 1">
+            <a:extLst>
+              <a:ext uri="{FF2B5EF4-FFF2-40B4-BE49-F238E27FC236}">
+                <a16:creationId xmlns:a16="http://schemas.microsoft.com/office/drawing/2014/main" id="{DB0A07B8-76C8-4278-B020-8BE648DC07B0}"/>
+              </a:ext>
+            </a:extLst>
+          </p:cNvPr>
+          <p:cNvSpPr>
+            <a:spLocks noGrp="1"/>
+          </p:cNvSpPr>
+          <p:nvPr>
+            <p:ph type="title"/>
+          </p:nvPr>
+        </p:nvSpPr>
+        <p:spPr/>
+        <p:txBody>
+          <a:bodyPr/>
+          <a:lstStyle/>
+          <a:p>
+            <a:r>
+              <a:rPr lang="en-US" dirty="0"/>
+              <a:t>Exercise</a:t>
+            </a:r>
+            <a:endParaRPr lang="en-NL" dirty="0"/>
+          </a:p>
+        </p:txBody>
+      </p:sp>
+      <p:sp>
+        <p:nvSpPr>
+          <p:cNvPr id="3" name="Content Placeholder 2">
+            <a:extLst>
+              <a:ext uri="{FF2B5EF4-FFF2-40B4-BE49-F238E27FC236}">
+                <a16:creationId xmlns:a16="http://schemas.microsoft.com/office/drawing/2014/main" id="{19680D70-F1B3-4F5C-9732-FAD6F3AC56D3}"/>
+              </a:ext>
+            </a:extLst>
+          </p:cNvPr>
+          <p:cNvSpPr>
+            <a:spLocks noGrp="1"/>
+          </p:cNvSpPr>
+          <p:nvPr>
+            <p:ph idx="1"/>
+          </p:nvPr>
+        </p:nvSpPr>
+        <p:spPr/>
+        <p:txBody>
+          <a:bodyPr/>
+          <a:lstStyle/>
+          <a:p>
+            <a:pPr marL="0" indent="0">
+              <a:buNone/>
+            </a:pPr>
+            <a:r>
+              <a:rPr lang="en-US" dirty="0"/>
+              <a:t>Create the possibility to delete </a:t>
+            </a:r>
+            <a:r>
+              <a:rPr lang="en-US" dirty="0" err="1"/>
+              <a:t>Todos</a:t>
+            </a:r>
+            <a:r>
+              <a:rPr lang="en-US" dirty="0"/>
+              <a:t> in the overview component</a:t>
+            </a:r>
+          </a:p>
+          <a:p>
+            <a:r>
+              <a:rPr lang="en-US" dirty="0"/>
+              <a:t>Use the </a:t>
+            </a:r>
+            <a:r>
+              <a:rPr lang="en-US" dirty="0" err="1"/>
+              <a:t>ConfirmDialog</a:t>
+            </a:r>
+            <a:r>
+              <a:rPr lang="en-US" dirty="0"/>
+              <a:t> from </a:t>
+            </a:r>
+            <a:r>
+              <a:rPr lang="en-US" dirty="0" err="1"/>
+              <a:t>PrimeNG</a:t>
+            </a:r>
+            <a:r>
+              <a:rPr lang="en-US" dirty="0"/>
+              <a:t> to make sure nobody accidentally deletes a </a:t>
+            </a:r>
+            <a:r>
+              <a:rPr lang="en-US" dirty="0" err="1"/>
+              <a:t>Todo</a:t>
+            </a:r>
+            <a:endParaRPr lang="en-US" dirty="0"/>
+          </a:p>
+          <a:p>
+            <a:r>
+              <a:rPr lang="en-US" dirty="0"/>
+              <a:t>Create a http delete</a:t>
+            </a:r>
+          </a:p>
+          <a:p>
+            <a:r>
+              <a:rPr lang="en-US" dirty="0"/>
+              <a:t>Create a delete button</a:t>
+            </a:r>
+          </a:p>
+          <a:p>
+            <a:pPr marL="0" indent="0">
+              <a:buNone/>
+            </a:pPr>
+            <a:endParaRPr lang="en-US" dirty="0"/>
+          </a:p>
+          <a:p>
+            <a:pPr marL="0" indent="0">
+              <a:buNone/>
+            </a:pPr>
+            <a:endParaRPr lang="en-NL" dirty="0"/>
+          </a:p>
+        </p:txBody>
+      </p:sp>
+    </p:spTree>
+    <p:extLst>
+      <p:ext uri="{BB962C8B-B14F-4D97-AF65-F5344CB8AC3E}">
+        <p14:creationId xmlns:p14="http://schemas.microsoft.com/office/powerpoint/2010/main" val="3972271842"/>
+      </p:ext>
+    </p:extLst>
+  </p:cSld>
+  <p:clrMapOvr>
+    <a:masterClrMapping/>
+  </p:clrMapOvr>
+</p:sld>
+</file>
+
+<file path=ppt/slides/slide49.xml><?xml version="1.0" encoding="utf-8"?>
+<p:sld xmlns:a="http://schemas.openxmlformats.org/drawingml/2006/main" xmlns:r="http://schemas.openxmlformats.org/officeDocument/2006/relationships" xmlns:p="http://schemas.openxmlformats.org/presentationml/2006/main">
+  <p:cSld>
+    <p:spTree>
+      <p:nvGrpSpPr>
+        <p:cNvPr id="1" name=""/>
+        <p:cNvGrpSpPr/>
+        <p:nvPr/>
+      </p:nvGrpSpPr>
+      <p:grpSpPr>
+        <a:xfrm>
+          <a:off x="0" y="0"/>
+          <a:ext cx="0" cy="0"/>
+          <a:chOff x="0" y="0"/>
+          <a:chExt cx="0" cy="0"/>
+        </a:xfrm>
+      </p:grpSpPr>
+      <p:sp>
+        <p:nvSpPr>
+          <p:cNvPr id="2" name="Title 1">
+            <a:extLst>
+              <a:ext uri="{FF2B5EF4-FFF2-40B4-BE49-F238E27FC236}">
+                <a16:creationId xmlns:a16="http://schemas.microsoft.com/office/drawing/2014/main" id="{162E55CF-D3FB-4936-962A-0E093A92F2A3}"/>
+              </a:ext>
+            </a:extLst>
+          </p:cNvPr>
+          <p:cNvSpPr>
+            <a:spLocks noGrp="1"/>
+          </p:cNvSpPr>
+          <p:nvPr>
+            <p:ph type="title"/>
+          </p:nvPr>
+        </p:nvSpPr>
+        <p:spPr/>
+        <p:txBody>
+          <a:bodyPr/>
+          <a:lstStyle/>
+          <a:p>
+            <a:r>
+              <a:rPr lang="en-US" dirty="0" err="1"/>
+              <a:t>app.module.ts</a:t>
+            </a:r>
+            <a:endParaRPr lang="en-NL" dirty="0"/>
+          </a:p>
+        </p:txBody>
+      </p:sp>
+      <p:sp>
+        <p:nvSpPr>
+          <p:cNvPr id="3" name="Content Placeholder 2">
+            <a:extLst>
+              <a:ext uri="{FF2B5EF4-FFF2-40B4-BE49-F238E27FC236}">
+                <a16:creationId xmlns:a16="http://schemas.microsoft.com/office/drawing/2014/main" id="{6E789B52-025C-49D5-884C-6181D65C8170}"/>
+              </a:ext>
+            </a:extLst>
+          </p:cNvPr>
+          <p:cNvSpPr>
+            <a:spLocks noGrp="1"/>
+          </p:cNvSpPr>
+          <p:nvPr>
+            <p:ph idx="1"/>
+          </p:nvPr>
+        </p:nvSpPr>
+        <p:spPr/>
+        <p:style>
+          <a:lnRef idx="0">
+            <a:scrgbClr r="0" g="0" b="0"/>
+          </a:lnRef>
+          <a:fillRef idx="1001">
+            <a:schemeClr val="dk2"/>
+          </a:fillRef>
+          <a:effectRef idx="0">
+            <a:scrgbClr r="0" g="0" b="0"/>
+          </a:effectRef>
+          <a:fontRef idx="major"/>
+        </p:style>
+        <p:txBody>
+          <a:bodyPr>
+            <a:normAutofit fontScale="92500" lnSpcReduction="20000"/>
+          </a:bodyPr>
+          <a:lstStyle/>
+          <a:p>
+            <a:pPr marL="0" indent="0">
+              <a:buNone/>
+            </a:pPr>
+            <a:r>
+              <a:rPr lang="en-US" dirty="0">
+                <a:solidFill>
+                  <a:srgbClr val="9CDCFE"/>
+                </a:solidFill>
+                <a:latin typeface="Consolas" panose="020B0609020204030204" pitchFamily="49" charset="0"/>
+              </a:rPr>
+              <a:t>imports:</a:t>
+            </a:r>
+            <a:r>
+              <a:rPr lang="en-US" dirty="0">
+                <a:solidFill>
+                  <a:srgbClr val="D4D4D4"/>
+                </a:solidFill>
+                <a:latin typeface="Consolas" panose="020B0609020204030204" pitchFamily="49" charset="0"/>
+              </a:rPr>
+              <a:t> [</a:t>
+            </a:r>
+          </a:p>
+          <a:p>
+            <a:pPr marL="0" indent="0">
+              <a:buNone/>
+            </a:pPr>
+            <a:r>
+              <a:rPr lang="en-US" dirty="0">
+                <a:solidFill>
+                  <a:srgbClr val="9CDCFE"/>
+                </a:solidFill>
+                <a:latin typeface="Consolas" panose="020B0609020204030204" pitchFamily="49" charset="0"/>
+              </a:rPr>
+              <a:t>	</a:t>
+            </a:r>
+            <a:r>
+              <a:rPr lang="en-US" dirty="0" err="1">
+                <a:solidFill>
+                  <a:srgbClr val="9CDCFE"/>
+                </a:solidFill>
+                <a:latin typeface="Consolas" panose="020B0609020204030204" pitchFamily="49" charset="0"/>
+              </a:rPr>
+              <a:t>BrowserModule</a:t>
+            </a:r>
+            <a:r>
+              <a:rPr lang="en-US" dirty="0">
+                <a:solidFill>
+                  <a:srgbClr val="D4D4D4"/>
+                </a:solidFill>
+                <a:latin typeface="Consolas" panose="020B0609020204030204" pitchFamily="49" charset="0"/>
+              </a:rPr>
+              <a:t>,</a:t>
+            </a:r>
+          </a:p>
+          <a:p>
+            <a:pPr marL="0" indent="0">
+              <a:buNone/>
+            </a:pPr>
+            <a:r>
+              <a:rPr lang="en-US" dirty="0">
+                <a:solidFill>
+                  <a:srgbClr val="9CDCFE"/>
+                </a:solidFill>
+                <a:latin typeface="Consolas" panose="020B0609020204030204" pitchFamily="49" charset="0"/>
+              </a:rPr>
+              <a:t>	</a:t>
+            </a:r>
+            <a:r>
+              <a:rPr lang="en-US" dirty="0" err="1">
+                <a:solidFill>
+                  <a:srgbClr val="9CDCFE"/>
+                </a:solidFill>
+                <a:latin typeface="Consolas" panose="020B0609020204030204" pitchFamily="49" charset="0"/>
+              </a:rPr>
+              <a:t>AppRoutingModule</a:t>
+            </a:r>
+            <a:r>
+              <a:rPr lang="en-US" dirty="0">
+                <a:solidFill>
+                  <a:srgbClr val="D4D4D4"/>
+                </a:solidFill>
+                <a:latin typeface="Consolas" panose="020B0609020204030204" pitchFamily="49" charset="0"/>
+              </a:rPr>
+              <a:t>,</a:t>
+            </a:r>
+          </a:p>
+          <a:p>
+            <a:pPr marL="0" indent="0">
+              <a:buNone/>
+            </a:pPr>
+            <a:r>
+              <a:rPr lang="en-US" dirty="0">
+                <a:solidFill>
+                  <a:srgbClr val="9CDCFE"/>
+                </a:solidFill>
+                <a:latin typeface="Consolas" panose="020B0609020204030204" pitchFamily="49" charset="0"/>
+              </a:rPr>
+              <a:t>	</a:t>
+            </a:r>
+            <a:r>
+              <a:rPr lang="en-US" dirty="0" err="1">
+                <a:solidFill>
+                  <a:srgbClr val="9CDCFE"/>
+                </a:solidFill>
+                <a:latin typeface="Consolas" panose="020B0609020204030204" pitchFamily="49" charset="0"/>
+              </a:rPr>
+              <a:t>FormsModule</a:t>
+            </a:r>
+            <a:r>
+              <a:rPr lang="en-US" dirty="0">
+                <a:solidFill>
+                  <a:srgbClr val="D4D4D4"/>
+                </a:solidFill>
+                <a:latin typeface="Consolas" panose="020B0609020204030204" pitchFamily="49" charset="0"/>
+              </a:rPr>
+              <a:t>,</a:t>
+            </a:r>
+          </a:p>
+          <a:p>
+            <a:pPr marL="0" indent="0">
+              <a:buNone/>
+            </a:pPr>
+            <a:r>
+              <a:rPr lang="en-US" dirty="0">
+                <a:solidFill>
+                  <a:srgbClr val="9CDCFE"/>
+                </a:solidFill>
+                <a:latin typeface="Consolas" panose="020B0609020204030204" pitchFamily="49" charset="0"/>
+              </a:rPr>
+              <a:t>	</a:t>
+            </a:r>
+            <a:r>
+              <a:rPr lang="en-US" dirty="0" err="1">
+                <a:solidFill>
+                  <a:srgbClr val="9CDCFE"/>
+                </a:solidFill>
+                <a:latin typeface="Consolas" panose="020B0609020204030204" pitchFamily="49" charset="0"/>
+              </a:rPr>
+              <a:t>ServicesModule</a:t>
+            </a:r>
+            <a:r>
+              <a:rPr lang="en-US" dirty="0">
+                <a:solidFill>
+                  <a:srgbClr val="D4D4D4"/>
+                </a:solidFill>
+                <a:latin typeface="Consolas" panose="020B0609020204030204" pitchFamily="49" charset="0"/>
+              </a:rPr>
+              <a:t>,</a:t>
+            </a:r>
+          </a:p>
+          <a:p>
+            <a:pPr marL="0" indent="0">
+              <a:buNone/>
+            </a:pPr>
+            <a:r>
+              <a:rPr lang="en-US" dirty="0">
+                <a:solidFill>
+                  <a:srgbClr val="9CDCFE"/>
+                </a:solidFill>
+                <a:latin typeface="Consolas" panose="020B0609020204030204" pitchFamily="49" charset="0"/>
+              </a:rPr>
+              <a:t>	</a:t>
+            </a:r>
+            <a:r>
+              <a:rPr lang="en-US" dirty="0" err="1">
+                <a:solidFill>
+                  <a:srgbClr val="9CDCFE"/>
+                </a:solidFill>
+                <a:latin typeface="Consolas" panose="020B0609020204030204" pitchFamily="49" charset="0"/>
+              </a:rPr>
+              <a:t>HttpClientModule</a:t>
+            </a:r>
+            <a:r>
+              <a:rPr lang="en-US" dirty="0">
+                <a:solidFill>
+                  <a:srgbClr val="D4D4D4"/>
+                </a:solidFill>
+                <a:latin typeface="Consolas" panose="020B0609020204030204" pitchFamily="49" charset="0"/>
+              </a:rPr>
+              <a:t>,</a:t>
+            </a:r>
+          </a:p>
+          <a:p>
+            <a:pPr marL="0" indent="0">
+              <a:buNone/>
+            </a:pPr>
+            <a:r>
+              <a:rPr lang="en-US" dirty="0">
+                <a:solidFill>
+                  <a:schemeClr val="accent6"/>
+                </a:solidFill>
+                <a:latin typeface="Consolas" panose="020B0609020204030204" pitchFamily="49" charset="0"/>
+              </a:rPr>
+              <a:t>	</a:t>
+            </a:r>
+            <a:r>
+              <a:rPr lang="en-US" dirty="0" err="1">
+                <a:solidFill>
+                  <a:schemeClr val="accent6"/>
+                </a:solidFill>
+                <a:latin typeface="Consolas" panose="020B0609020204030204" pitchFamily="49" charset="0"/>
+              </a:rPr>
+              <a:t>ConfirmDialogModule</a:t>
+            </a:r>
+            <a:r>
+              <a:rPr lang="en-US" dirty="0">
+                <a:solidFill>
+                  <a:schemeClr val="accent6"/>
+                </a:solidFill>
+                <a:latin typeface="Consolas" panose="020B0609020204030204" pitchFamily="49" charset="0"/>
+              </a:rPr>
+              <a:t>,</a:t>
+            </a:r>
+          </a:p>
+          <a:p>
+            <a:pPr marL="0" indent="0">
+              <a:buNone/>
+            </a:pPr>
+            <a:r>
+              <a:rPr lang="en-US" sz="2400" dirty="0">
+                <a:solidFill>
+                  <a:srgbClr val="9CDCFE"/>
+                </a:solidFill>
+                <a:latin typeface="Consolas" panose="020B0609020204030204" pitchFamily="49" charset="0"/>
+              </a:rPr>
+              <a:t>	</a:t>
+            </a:r>
+            <a:r>
+              <a:rPr lang="en-US" dirty="0" err="1">
+                <a:solidFill>
+                  <a:schemeClr val="accent6"/>
+                </a:solidFill>
+                <a:latin typeface="Consolas" panose="020B0609020204030204" pitchFamily="49" charset="0"/>
+              </a:rPr>
+              <a:t>BrowserAnimationsModule</a:t>
+            </a:r>
+            <a:endParaRPr lang="en-US" dirty="0">
+              <a:solidFill>
+                <a:schemeClr val="accent6"/>
+              </a:solidFill>
+              <a:latin typeface="Consolas" panose="020B0609020204030204" pitchFamily="49" charset="0"/>
+            </a:endParaRPr>
+          </a:p>
+          <a:p>
+            <a:pPr marL="0" indent="0">
+              <a:buNone/>
+            </a:pPr>
+            <a:r>
+              <a:rPr lang="en-US" dirty="0">
+                <a:solidFill>
+                  <a:srgbClr val="D4D4D4"/>
+                </a:solidFill>
+                <a:latin typeface="Consolas" panose="020B0609020204030204" pitchFamily="49" charset="0"/>
+              </a:rPr>
+              <a:t>],</a:t>
+            </a:r>
+          </a:p>
+          <a:p>
+            <a:pPr marL="0" indent="0">
+              <a:buNone/>
+            </a:pPr>
+            <a:r>
+              <a:rPr lang="en-US" dirty="0">
+                <a:solidFill>
+                  <a:srgbClr val="9CDCFE"/>
+                </a:solidFill>
+                <a:latin typeface="Consolas" panose="020B0609020204030204" pitchFamily="49" charset="0"/>
+              </a:rPr>
+              <a:t>providers:</a:t>
+            </a:r>
+            <a:r>
+              <a:rPr lang="en-US" dirty="0">
+                <a:solidFill>
+                  <a:srgbClr val="D4D4D4"/>
+                </a:solidFill>
+                <a:latin typeface="Consolas" panose="020B0609020204030204" pitchFamily="49" charset="0"/>
+              </a:rPr>
+              <a:t> [</a:t>
+            </a:r>
+            <a:r>
+              <a:rPr lang="en-US" dirty="0" err="1">
+                <a:solidFill>
+                  <a:schemeClr val="accent6"/>
+                </a:solidFill>
+                <a:latin typeface="Consolas" panose="020B0609020204030204" pitchFamily="49" charset="0"/>
+              </a:rPr>
+              <a:t>ConfirmationService</a:t>
+            </a:r>
+            <a:r>
+              <a:rPr lang="en-US" dirty="0">
+                <a:solidFill>
+                  <a:srgbClr val="D4D4D4"/>
+                </a:solidFill>
+                <a:latin typeface="Consolas" panose="020B0609020204030204" pitchFamily="49" charset="0"/>
+              </a:rPr>
+              <a:t>],</a:t>
+            </a:r>
+          </a:p>
+          <a:p>
+            <a:endParaRPr lang="en-NL" dirty="0"/>
+          </a:p>
+        </p:txBody>
+      </p:sp>
+    </p:spTree>
+    <p:extLst>
+      <p:ext uri="{BB962C8B-B14F-4D97-AF65-F5344CB8AC3E}">
+        <p14:creationId xmlns:p14="http://schemas.microsoft.com/office/powerpoint/2010/main" val="3675717369"/>
       </p:ext>
     </p:extLst>
   </p:cSld>
@@ -17600,6 +19580,1956 @@
     <p:extLst>
       <p:ext uri="{BB962C8B-B14F-4D97-AF65-F5344CB8AC3E}">
         <p14:creationId xmlns:p14="http://schemas.microsoft.com/office/powerpoint/2010/main" val="53149368"/>
+      </p:ext>
+    </p:extLst>
+  </p:cSld>
+  <p:clrMapOvr>
+    <a:masterClrMapping/>
+  </p:clrMapOvr>
+</p:sld>
+</file>
+
+<file path=ppt/slides/slide50.xml><?xml version="1.0" encoding="utf-8"?>
+<p:sld xmlns:a="http://schemas.openxmlformats.org/drawingml/2006/main" xmlns:r="http://schemas.openxmlformats.org/officeDocument/2006/relationships" xmlns:p="http://schemas.openxmlformats.org/presentationml/2006/main">
+  <p:cSld>
+    <p:spTree>
+      <p:nvGrpSpPr>
+        <p:cNvPr id="1" name=""/>
+        <p:cNvGrpSpPr/>
+        <p:nvPr/>
+      </p:nvGrpSpPr>
+      <p:grpSpPr>
+        <a:xfrm>
+          <a:off x="0" y="0"/>
+          <a:ext cx="0" cy="0"/>
+          <a:chOff x="0" y="0"/>
+          <a:chExt cx="0" cy="0"/>
+        </a:xfrm>
+      </p:grpSpPr>
+      <p:sp>
+        <p:nvSpPr>
+          <p:cNvPr id="2" name="Title 1">
+            <a:extLst>
+              <a:ext uri="{FF2B5EF4-FFF2-40B4-BE49-F238E27FC236}">
+                <a16:creationId xmlns:a16="http://schemas.microsoft.com/office/drawing/2014/main" id="{FFFFB106-8CE7-4AF9-B54C-8611CF12757F}"/>
+              </a:ext>
+            </a:extLst>
+          </p:cNvPr>
+          <p:cNvSpPr>
+            <a:spLocks noGrp="1"/>
+          </p:cNvSpPr>
+          <p:nvPr>
+            <p:ph type="title"/>
+          </p:nvPr>
+        </p:nvSpPr>
+        <p:spPr/>
+        <p:txBody>
+          <a:bodyPr/>
+          <a:lstStyle/>
+          <a:p>
+            <a:r>
+              <a:rPr lang="en-US" dirty="0"/>
+              <a:t>todo.overview.component.html</a:t>
+            </a:r>
+            <a:endParaRPr lang="en-NL" dirty="0"/>
+          </a:p>
+        </p:txBody>
+      </p:sp>
+      <p:sp>
+        <p:nvSpPr>
+          <p:cNvPr id="3" name="Content Placeholder 2">
+            <a:extLst>
+              <a:ext uri="{FF2B5EF4-FFF2-40B4-BE49-F238E27FC236}">
+                <a16:creationId xmlns:a16="http://schemas.microsoft.com/office/drawing/2014/main" id="{C6559DEA-2B80-4A4A-A2DC-1673DD6EB0DE}"/>
+              </a:ext>
+            </a:extLst>
+          </p:cNvPr>
+          <p:cNvSpPr>
+            <a:spLocks noGrp="1"/>
+          </p:cNvSpPr>
+          <p:nvPr>
+            <p:ph idx="1"/>
+          </p:nvPr>
+        </p:nvSpPr>
+        <p:spPr/>
+        <p:style>
+          <a:lnRef idx="0">
+            <a:scrgbClr r="0" g="0" b="0"/>
+          </a:lnRef>
+          <a:fillRef idx="1001">
+            <a:schemeClr val="dk2"/>
+          </a:fillRef>
+          <a:effectRef idx="0">
+            <a:scrgbClr r="0" g="0" b="0"/>
+          </a:effectRef>
+          <a:fontRef idx="major"/>
+        </p:style>
+        <p:txBody>
+          <a:bodyPr/>
+          <a:lstStyle/>
+          <a:p>
+            <a:pPr marL="0" indent="0">
+              <a:buNone/>
+            </a:pPr>
+            <a:r>
+              <a:rPr lang="en-US" dirty="0">
+                <a:solidFill>
+                  <a:srgbClr val="808080"/>
+                </a:solidFill>
+                <a:latin typeface="Consolas" panose="020B0609020204030204" pitchFamily="49" charset="0"/>
+              </a:rPr>
+              <a:t>&lt;</a:t>
+            </a:r>
+            <a:r>
+              <a:rPr lang="en-US" dirty="0">
+                <a:solidFill>
+                  <a:srgbClr val="569CD6"/>
+                </a:solidFill>
+                <a:latin typeface="Consolas" panose="020B0609020204030204" pitchFamily="49" charset="0"/>
+              </a:rPr>
+              <a:t>div</a:t>
+            </a:r>
+            <a:r>
+              <a:rPr lang="en-US" dirty="0">
+                <a:solidFill>
+                  <a:srgbClr val="D4D4D4"/>
+                </a:solidFill>
+                <a:latin typeface="Consolas" panose="020B0609020204030204" pitchFamily="49" charset="0"/>
+              </a:rPr>
+              <a:t> </a:t>
+            </a:r>
+            <a:r>
+              <a:rPr lang="en-US" dirty="0">
+                <a:solidFill>
+                  <a:srgbClr val="9CDCFE"/>
+                </a:solidFill>
+                <a:latin typeface="Consolas" panose="020B0609020204030204" pitchFamily="49" charset="0"/>
+              </a:rPr>
+              <a:t>class</a:t>
+            </a:r>
+            <a:r>
+              <a:rPr lang="en-US" dirty="0">
+                <a:solidFill>
+                  <a:srgbClr val="D4D4D4"/>
+                </a:solidFill>
+                <a:latin typeface="Consolas" panose="020B0609020204030204" pitchFamily="49" charset="0"/>
+              </a:rPr>
+              <a:t>=</a:t>
+            </a:r>
+            <a:r>
+              <a:rPr lang="en-US" dirty="0">
+                <a:solidFill>
+                  <a:srgbClr val="CE9178"/>
+                </a:solidFill>
+                <a:latin typeface="Consolas" panose="020B0609020204030204" pitchFamily="49" charset="0"/>
+              </a:rPr>
+              <a:t>"panel-footer"</a:t>
+            </a:r>
+            <a:r>
+              <a:rPr lang="en-US" dirty="0">
+                <a:solidFill>
+                  <a:srgbClr val="D4D4D4"/>
+                </a:solidFill>
+                <a:latin typeface="Consolas" panose="020B0609020204030204" pitchFamily="49" charset="0"/>
+              </a:rPr>
+              <a:t> *</a:t>
+            </a:r>
+            <a:r>
+              <a:rPr lang="en-US" dirty="0" err="1">
+                <a:solidFill>
+                  <a:srgbClr val="9CDCFE"/>
+                </a:solidFill>
+                <a:latin typeface="Consolas" panose="020B0609020204030204" pitchFamily="49" charset="0"/>
+              </a:rPr>
+              <a:t>ngIf</a:t>
+            </a:r>
+            <a:r>
+              <a:rPr lang="en-US" dirty="0">
+                <a:solidFill>
+                  <a:srgbClr val="D4D4D4"/>
+                </a:solidFill>
+                <a:latin typeface="Consolas" panose="020B0609020204030204" pitchFamily="49" charset="0"/>
+              </a:rPr>
+              <a:t>=</a:t>
+            </a:r>
+            <a:r>
+              <a:rPr lang="en-US" dirty="0">
+                <a:solidFill>
+                  <a:srgbClr val="CE9178"/>
+                </a:solidFill>
+                <a:latin typeface="Consolas" panose="020B0609020204030204" pitchFamily="49" charset="0"/>
+              </a:rPr>
+              <a:t>"!</a:t>
+            </a:r>
+            <a:r>
+              <a:rPr lang="en-US" dirty="0" err="1">
+                <a:solidFill>
+                  <a:srgbClr val="CE9178"/>
+                </a:solidFill>
+                <a:latin typeface="Consolas" panose="020B0609020204030204" pitchFamily="49" charset="0"/>
+              </a:rPr>
+              <a:t>todo.completed</a:t>
+            </a:r>
+            <a:r>
+              <a:rPr lang="en-US" dirty="0">
+                <a:solidFill>
+                  <a:srgbClr val="CE9178"/>
+                </a:solidFill>
+                <a:latin typeface="Consolas" panose="020B0609020204030204" pitchFamily="49" charset="0"/>
+              </a:rPr>
+              <a:t>"</a:t>
+            </a:r>
+            <a:r>
+              <a:rPr lang="en-US" dirty="0">
+                <a:solidFill>
+                  <a:srgbClr val="808080"/>
+                </a:solidFill>
+                <a:latin typeface="Consolas" panose="020B0609020204030204" pitchFamily="49" charset="0"/>
+              </a:rPr>
+              <a:t>&gt;</a:t>
+            </a:r>
+            <a:endParaRPr lang="en-US" dirty="0">
+              <a:solidFill>
+                <a:srgbClr val="D4D4D4"/>
+              </a:solidFill>
+              <a:latin typeface="Consolas" panose="020B0609020204030204" pitchFamily="49" charset="0"/>
+            </a:endParaRPr>
+          </a:p>
+          <a:p>
+            <a:pPr marL="457200" lvl="1" indent="0">
+              <a:buNone/>
+            </a:pPr>
+            <a:r>
+              <a:rPr lang="en-US" dirty="0">
+                <a:solidFill>
+                  <a:srgbClr val="808080"/>
+                </a:solidFill>
+                <a:latin typeface="Consolas" panose="020B0609020204030204" pitchFamily="49" charset="0"/>
+              </a:rPr>
+              <a:t>&lt;</a:t>
+            </a:r>
+            <a:r>
+              <a:rPr lang="en-US" dirty="0">
+                <a:solidFill>
+                  <a:srgbClr val="569CD6"/>
+                </a:solidFill>
+                <a:latin typeface="Consolas" panose="020B0609020204030204" pitchFamily="49" charset="0"/>
+              </a:rPr>
+              <a:t>button</a:t>
+            </a:r>
+            <a:r>
+              <a:rPr lang="en-US" dirty="0">
+                <a:solidFill>
+                  <a:srgbClr val="D4D4D4"/>
+                </a:solidFill>
+                <a:latin typeface="Consolas" panose="020B0609020204030204" pitchFamily="49" charset="0"/>
+              </a:rPr>
+              <a:t> </a:t>
+            </a:r>
+            <a:r>
+              <a:rPr lang="en-US" dirty="0">
+                <a:solidFill>
+                  <a:srgbClr val="9CDCFE"/>
+                </a:solidFill>
+                <a:latin typeface="Consolas" panose="020B0609020204030204" pitchFamily="49" charset="0"/>
+              </a:rPr>
+              <a:t>class</a:t>
+            </a:r>
+            <a:r>
+              <a:rPr lang="en-US" dirty="0">
+                <a:solidFill>
+                  <a:srgbClr val="D4D4D4"/>
+                </a:solidFill>
+                <a:latin typeface="Consolas" panose="020B0609020204030204" pitchFamily="49" charset="0"/>
+              </a:rPr>
+              <a:t>=</a:t>
+            </a:r>
+            <a:r>
+              <a:rPr lang="en-US" dirty="0">
+                <a:solidFill>
+                  <a:srgbClr val="CE9178"/>
+                </a:solidFill>
+                <a:latin typeface="Consolas" panose="020B0609020204030204" pitchFamily="49" charset="0"/>
+              </a:rPr>
+              <a:t>"</a:t>
+            </a:r>
+            <a:r>
+              <a:rPr lang="en-US" dirty="0" err="1">
+                <a:solidFill>
+                  <a:srgbClr val="CE9178"/>
+                </a:solidFill>
+                <a:latin typeface="Consolas" panose="020B0609020204030204" pitchFamily="49" charset="0"/>
+              </a:rPr>
+              <a:t>btn</a:t>
+            </a:r>
+            <a:r>
+              <a:rPr lang="en-US" dirty="0">
+                <a:solidFill>
+                  <a:srgbClr val="CE9178"/>
+                </a:solidFill>
+                <a:latin typeface="Consolas" panose="020B0609020204030204" pitchFamily="49" charset="0"/>
+              </a:rPr>
+              <a:t> </a:t>
+            </a:r>
+            <a:r>
+              <a:rPr lang="en-US" dirty="0" err="1">
+                <a:solidFill>
+                  <a:srgbClr val="CE9178"/>
+                </a:solidFill>
+                <a:latin typeface="Consolas" panose="020B0609020204030204" pitchFamily="49" charset="0"/>
+              </a:rPr>
+              <a:t>btn</a:t>
+            </a:r>
+            <a:r>
+              <a:rPr lang="en-US" dirty="0">
+                <a:solidFill>
+                  <a:srgbClr val="CE9178"/>
+                </a:solidFill>
+                <a:latin typeface="Consolas" panose="020B0609020204030204" pitchFamily="49" charset="0"/>
+              </a:rPr>
+              <a:t>-success"</a:t>
+            </a:r>
+            <a:r>
+              <a:rPr lang="en-US" dirty="0">
+                <a:solidFill>
+                  <a:srgbClr val="D4D4D4"/>
+                </a:solidFill>
+                <a:latin typeface="Consolas" panose="020B0609020204030204" pitchFamily="49" charset="0"/>
+              </a:rPr>
+              <a:t> (</a:t>
+            </a:r>
+            <a:r>
+              <a:rPr lang="en-US" dirty="0">
+                <a:solidFill>
+                  <a:srgbClr val="9CDCFE"/>
+                </a:solidFill>
+                <a:latin typeface="Consolas" panose="020B0609020204030204" pitchFamily="49" charset="0"/>
+              </a:rPr>
+              <a:t>click</a:t>
+            </a:r>
+            <a:r>
+              <a:rPr lang="en-US" dirty="0">
+                <a:solidFill>
+                  <a:srgbClr val="D4D4D4"/>
+                </a:solidFill>
+                <a:latin typeface="Consolas" panose="020B0609020204030204" pitchFamily="49" charset="0"/>
+              </a:rPr>
+              <a:t>)=</a:t>
+            </a:r>
+            <a:r>
+              <a:rPr lang="en-US" dirty="0">
+                <a:solidFill>
+                  <a:srgbClr val="CE9178"/>
+                </a:solidFill>
+                <a:latin typeface="Consolas" panose="020B0609020204030204" pitchFamily="49" charset="0"/>
+              </a:rPr>
+              <a:t>"</a:t>
+            </a:r>
+            <a:r>
+              <a:rPr lang="en-US" dirty="0" err="1">
+                <a:solidFill>
+                  <a:srgbClr val="CE9178"/>
+                </a:solidFill>
+                <a:latin typeface="Consolas" panose="020B0609020204030204" pitchFamily="49" charset="0"/>
+              </a:rPr>
+              <a:t>setCompleted</a:t>
+            </a:r>
+            <a:r>
+              <a:rPr lang="en-US" dirty="0">
+                <a:solidFill>
+                  <a:srgbClr val="CE9178"/>
+                </a:solidFill>
+                <a:latin typeface="Consolas" panose="020B0609020204030204" pitchFamily="49" charset="0"/>
+              </a:rPr>
+              <a:t>(</a:t>
+            </a:r>
+            <a:r>
+              <a:rPr lang="en-US" dirty="0" err="1">
+                <a:solidFill>
+                  <a:srgbClr val="CE9178"/>
+                </a:solidFill>
+                <a:latin typeface="Consolas" panose="020B0609020204030204" pitchFamily="49" charset="0"/>
+              </a:rPr>
+              <a:t>todo</a:t>
+            </a:r>
+            <a:r>
+              <a:rPr lang="en-US" dirty="0">
+                <a:solidFill>
+                  <a:srgbClr val="CE9178"/>
+                </a:solidFill>
+                <a:latin typeface="Consolas" panose="020B0609020204030204" pitchFamily="49" charset="0"/>
+              </a:rPr>
+              <a:t>)"</a:t>
+            </a:r>
+            <a:r>
+              <a:rPr lang="en-US" dirty="0">
+                <a:solidFill>
+                  <a:srgbClr val="808080"/>
+                </a:solidFill>
+                <a:latin typeface="Consolas" panose="020B0609020204030204" pitchFamily="49" charset="0"/>
+              </a:rPr>
+              <a:t>&gt;</a:t>
+            </a:r>
+            <a:r>
+              <a:rPr lang="en-US" dirty="0">
+                <a:solidFill>
+                  <a:srgbClr val="D4D4D4"/>
+                </a:solidFill>
+                <a:latin typeface="Consolas" panose="020B0609020204030204" pitchFamily="49" charset="0"/>
+              </a:rPr>
+              <a:t>Complete</a:t>
+            </a:r>
+            <a:r>
+              <a:rPr lang="en-US" dirty="0">
+                <a:solidFill>
+                  <a:srgbClr val="808080"/>
+                </a:solidFill>
+                <a:latin typeface="Consolas" panose="020B0609020204030204" pitchFamily="49" charset="0"/>
+              </a:rPr>
+              <a:t>&lt;/</a:t>
+            </a:r>
+            <a:r>
+              <a:rPr lang="en-US" dirty="0">
+                <a:solidFill>
+                  <a:srgbClr val="569CD6"/>
+                </a:solidFill>
+                <a:latin typeface="Consolas" panose="020B0609020204030204" pitchFamily="49" charset="0"/>
+              </a:rPr>
+              <a:t>button</a:t>
+            </a:r>
+            <a:r>
+              <a:rPr lang="en-US" dirty="0">
+                <a:solidFill>
+                  <a:srgbClr val="808080"/>
+                </a:solidFill>
+                <a:latin typeface="Consolas" panose="020B0609020204030204" pitchFamily="49" charset="0"/>
+              </a:rPr>
+              <a:t>&gt;</a:t>
+            </a:r>
+            <a:endParaRPr lang="en-US" dirty="0">
+              <a:solidFill>
+                <a:srgbClr val="D4D4D4"/>
+              </a:solidFill>
+              <a:latin typeface="Consolas" panose="020B0609020204030204" pitchFamily="49" charset="0"/>
+            </a:endParaRPr>
+          </a:p>
+          <a:p>
+            <a:pPr marL="457200" lvl="1" indent="0">
+              <a:buNone/>
+            </a:pPr>
+            <a:r>
+              <a:rPr lang="en-US" dirty="0">
+                <a:solidFill>
+                  <a:schemeClr val="accent6"/>
+                </a:solidFill>
+                <a:latin typeface="Consolas" panose="020B0609020204030204" pitchFamily="49" charset="0"/>
+              </a:rPr>
+              <a:t>&lt;button class="</a:t>
+            </a:r>
+            <a:r>
+              <a:rPr lang="en-US" dirty="0" err="1">
+                <a:solidFill>
+                  <a:schemeClr val="accent6"/>
+                </a:solidFill>
+                <a:latin typeface="Consolas" panose="020B0609020204030204" pitchFamily="49" charset="0"/>
+              </a:rPr>
+              <a:t>btn</a:t>
+            </a:r>
+            <a:r>
+              <a:rPr lang="en-US" dirty="0">
+                <a:solidFill>
+                  <a:schemeClr val="accent6"/>
+                </a:solidFill>
+                <a:latin typeface="Consolas" panose="020B0609020204030204" pitchFamily="49" charset="0"/>
+              </a:rPr>
+              <a:t> </a:t>
+            </a:r>
+            <a:r>
+              <a:rPr lang="en-US" dirty="0" err="1">
+                <a:solidFill>
+                  <a:schemeClr val="accent6"/>
+                </a:solidFill>
+                <a:latin typeface="Consolas" panose="020B0609020204030204" pitchFamily="49" charset="0"/>
+              </a:rPr>
+              <a:t>btn</a:t>
+            </a:r>
+            <a:r>
+              <a:rPr lang="en-US" dirty="0">
+                <a:solidFill>
+                  <a:schemeClr val="accent6"/>
+                </a:solidFill>
+                <a:latin typeface="Consolas" panose="020B0609020204030204" pitchFamily="49" charset="0"/>
+              </a:rPr>
+              <a:t>-delete" (click)="delete(</a:t>
+            </a:r>
+            <a:r>
+              <a:rPr lang="en-US" dirty="0" err="1">
+                <a:solidFill>
+                  <a:schemeClr val="accent6"/>
+                </a:solidFill>
+                <a:latin typeface="Consolas" panose="020B0609020204030204" pitchFamily="49" charset="0"/>
+              </a:rPr>
+              <a:t>todo</a:t>
+            </a:r>
+            <a:r>
+              <a:rPr lang="en-US" dirty="0">
+                <a:solidFill>
+                  <a:schemeClr val="accent6"/>
+                </a:solidFill>
+                <a:latin typeface="Consolas" panose="020B0609020204030204" pitchFamily="49" charset="0"/>
+              </a:rPr>
+              <a:t>)"&gt;Delete&lt;/button&gt;</a:t>
+            </a:r>
+          </a:p>
+          <a:p>
+            <a:pPr marL="0" indent="0">
+              <a:buNone/>
+            </a:pPr>
+            <a:r>
+              <a:rPr lang="en-US" dirty="0">
+                <a:solidFill>
+                  <a:srgbClr val="808080"/>
+                </a:solidFill>
+                <a:latin typeface="Consolas" panose="020B0609020204030204" pitchFamily="49" charset="0"/>
+              </a:rPr>
+              <a:t>&lt;/</a:t>
+            </a:r>
+            <a:r>
+              <a:rPr lang="en-US" dirty="0">
+                <a:solidFill>
+                  <a:srgbClr val="569CD6"/>
+                </a:solidFill>
+                <a:latin typeface="Consolas" panose="020B0609020204030204" pitchFamily="49" charset="0"/>
+              </a:rPr>
+              <a:t>div</a:t>
+            </a:r>
+            <a:r>
+              <a:rPr lang="en-US" dirty="0">
+                <a:solidFill>
+                  <a:srgbClr val="808080"/>
+                </a:solidFill>
+                <a:latin typeface="Consolas" panose="020B0609020204030204" pitchFamily="49" charset="0"/>
+              </a:rPr>
+              <a:t>&gt;</a:t>
+            </a:r>
+          </a:p>
+          <a:p>
+            <a:pPr marL="0" indent="0">
+              <a:buNone/>
+            </a:pPr>
+            <a:endParaRPr lang="en-US" dirty="0">
+              <a:solidFill>
+                <a:srgbClr val="808080"/>
+              </a:solidFill>
+              <a:latin typeface="Consolas" panose="020B0609020204030204" pitchFamily="49" charset="0"/>
+            </a:endParaRPr>
+          </a:p>
+          <a:p>
+            <a:pPr marL="0" indent="0">
+              <a:buNone/>
+            </a:pPr>
+            <a:r>
+              <a:rPr lang="en-US" dirty="0">
+                <a:solidFill>
+                  <a:schemeClr val="accent6"/>
+                </a:solidFill>
+                <a:latin typeface="Consolas" panose="020B0609020204030204" pitchFamily="49" charset="0"/>
+              </a:rPr>
+              <a:t>&lt;p-</a:t>
+            </a:r>
+            <a:r>
+              <a:rPr lang="en-US" dirty="0" err="1">
+                <a:solidFill>
+                  <a:schemeClr val="accent6"/>
+                </a:solidFill>
+                <a:latin typeface="Consolas" panose="020B0609020204030204" pitchFamily="49" charset="0"/>
+              </a:rPr>
+              <a:t>confirmDialog</a:t>
+            </a:r>
+            <a:r>
+              <a:rPr lang="en-US" dirty="0">
+                <a:solidFill>
+                  <a:schemeClr val="accent6"/>
+                </a:solidFill>
+                <a:latin typeface="Consolas" panose="020B0609020204030204" pitchFamily="49" charset="0"/>
+              </a:rPr>
+              <a:t> header="Confirmation" icon="fa fa-question-circle" width="425"&gt;&lt;/p-</a:t>
+            </a:r>
+            <a:r>
+              <a:rPr lang="en-US" dirty="0" err="1">
+                <a:solidFill>
+                  <a:schemeClr val="accent6"/>
+                </a:solidFill>
+                <a:latin typeface="Consolas" panose="020B0609020204030204" pitchFamily="49" charset="0"/>
+              </a:rPr>
+              <a:t>confirmDialog</a:t>
+            </a:r>
+            <a:r>
+              <a:rPr lang="en-US" dirty="0">
+                <a:solidFill>
+                  <a:schemeClr val="accent6"/>
+                </a:solidFill>
+                <a:latin typeface="Consolas" panose="020B0609020204030204" pitchFamily="49" charset="0"/>
+              </a:rPr>
+              <a:t>&gt;</a:t>
+            </a:r>
+          </a:p>
+          <a:p>
+            <a:pPr marL="0" indent="0">
+              <a:buNone/>
+            </a:pPr>
+            <a:endParaRPr lang="en-US" dirty="0">
+              <a:solidFill>
+                <a:srgbClr val="D4D4D4"/>
+              </a:solidFill>
+              <a:latin typeface="Consolas" panose="020B0609020204030204" pitchFamily="49" charset="0"/>
+            </a:endParaRPr>
+          </a:p>
+          <a:p>
+            <a:pPr marL="0" indent="0">
+              <a:buNone/>
+            </a:pPr>
+            <a:endParaRPr lang="en-NL" dirty="0"/>
+          </a:p>
+        </p:txBody>
+      </p:sp>
+    </p:spTree>
+    <p:extLst>
+      <p:ext uri="{BB962C8B-B14F-4D97-AF65-F5344CB8AC3E}">
+        <p14:creationId xmlns:p14="http://schemas.microsoft.com/office/powerpoint/2010/main" val="83716842"/>
+      </p:ext>
+    </p:extLst>
+  </p:cSld>
+  <p:clrMapOvr>
+    <a:masterClrMapping/>
+  </p:clrMapOvr>
+</p:sld>
+</file>
+
+<file path=ppt/slides/slide51.xml><?xml version="1.0" encoding="utf-8"?>
+<p:sld xmlns:a="http://schemas.openxmlformats.org/drawingml/2006/main" xmlns:r="http://schemas.openxmlformats.org/officeDocument/2006/relationships" xmlns:p="http://schemas.openxmlformats.org/presentationml/2006/main">
+  <p:cSld>
+    <p:spTree>
+      <p:nvGrpSpPr>
+        <p:cNvPr id="1" name=""/>
+        <p:cNvGrpSpPr/>
+        <p:nvPr/>
+      </p:nvGrpSpPr>
+      <p:grpSpPr>
+        <a:xfrm>
+          <a:off x="0" y="0"/>
+          <a:ext cx="0" cy="0"/>
+          <a:chOff x="0" y="0"/>
+          <a:chExt cx="0" cy="0"/>
+        </a:xfrm>
+      </p:grpSpPr>
+      <p:sp>
+        <p:nvSpPr>
+          <p:cNvPr id="2" name="Title 1">
+            <a:extLst>
+              <a:ext uri="{FF2B5EF4-FFF2-40B4-BE49-F238E27FC236}">
+                <a16:creationId xmlns:a16="http://schemas.microsoft.com/office/drawing/2014/main" id="{A9753E1A-4F8D-4693-98E6-703724B237F7}"/>
+              </a:ext>
+            </a:extLst>
+          </p:cNvPr>
+          <p:cNvSpPr>
+            <a:spLocks noGrp="1"/>
+          </p:cNvSpPr>
+          <p:nvPr>
+            <p:ph type="title"/>
+          </p:nvPr>
+        </p:nvSpPr>
+        <p:spPr/>
+        <p:txBody>
+          <a:bodyPr/>
+          <a:lstStyle/>
+          <a:p>
+            <a:r>
+              <a:rPr lang="en-US" dirty="0" err="1"/>
+              <a:t>todo.service.ts</a:t>
+            </a:r>
+            <a:endParaRPr lang="en-NL" dirty="0"/>
+          </a:p>
+        </p:txBody>
+      </p:sp>
+      <p:sp>
+        <p:nvSpPr>
+          <p:cNvPr id="3" name="Content Placeholder 2">
+            <a:extLst>
+              <a:ext uri="{FF2B5EF4-FFF2-40B4-BE49-F238E27FC236}">
+                <a16:creationId xmlns:a16="http://schemas.microsoft.com/office/drawing/2014/main" id="{4B65350D-0410-4643-A16D-9278DD1FD0BE}"/>
+              </a:ext>
+            </a:extLst>
+          </p:cNvPr>
+          <p:cNvSpPr>
+            <a:spLocks noGrp="1"/>
+          </p:cNvSpPr>
+          <p:nvPr>
+            <p:ph idx="1"/>
+          </p:nvPr>
+        </p:nvSpPr>
+        <p:spPr/>
+        <p:style>
+          <a:lnRef idx="0">
+            <a:scrgbClr r="0" g="0" b="0"/>
+          </a:lnRef>
+          <a:fillRef idx="1001">
+            <a:schemeClr val="dk2"/>
+          </a:fillRef>
+          <a:effectRef idx="0">
+            <a:scrgbClr r="0" g="0" b="0"/>
+          </a:effectRef>
+          <a:fontRef idx="major"/>
+        </p:style>
+        <p:txBody>
+          <a:bodyPr/>
+          <a:lstStyle/>
+          <a:p>
+            <a:pPr marL="0" indent="0">
+              <a:buNone/>
+            </a:pPr>
+            <a:r>
+              <a:rPr lang="en-US" dirty="0">
+                <a:solidFill>
+                  <a:srgbClr val="569CD6"/>
+                </a:solidFill>
+                <a:latin typeface="Consolas" panose="020B0609020204030204" pitchFamily="49" charset="0"/>
+              </a:rPr>
+              <a:t>public</a:t>
+            </a:r>
+            <a:r>
+              <a:rPr lang="en-US" dirty="0">
+                <a:solidFill>
+                  <a:srgbClr val="D4D4D4"/>
+                </a:solidFill>
+                <a:latin typeface="Consolas" panose="020B0609020204030204" pitchFamily="49" charset="0"/>
+              </a:rPr>
+              <a:t> </a:t>
+            </a:r>
+            <a:r>
+              <a:rPr lang="en-US" dirty="0" err="1">
+                <a:solidFill>
+                  <a:srgbClr val="DCDCAA"/>
+                </a:solidFill>
+                <a:latin typeface="Consolas" panose="020B0609020204030204" pitchFamily="49" charset="0"/>
+              </a:rPr>
+              <a:t>deleteToDo</a:t>
+            </a:r>
+            <a:r>
+              <a:rPr lang="en-US" dirty="0">
+                <a:solidFill>
+                  <a:srgbClr val="D4D4D4"/>
+                </a:solidFill>
+                <a:latin typeface="Consolas" panose="020B0609020204030204" pitchFamily="49" charset="0"/>
+              </a:rPr>
+              <a:t>(</a:t>
+            </a:r>
+            <a:r>
+              <a:rPr lang="en-US" dirty="0" err="1">
+                <a:solidFill>
+                  <a:srgbClr val="9CDCFE"/>
+                </a:solidFill>
+                <a:latin typeface="Consolas" panose="020B0609020204030204" pitchFamily="49" charset="0"/>
+              </a:rPr>
+              <a:t>todoId</a:t>
+            </a:r>
+            <a:r>
+              <a:rPr lang="en-US" dirty="0">
+                <a:solidFill>
+                  <a:srgbClr val="D4D4D4"/>
+                </a:solidFill>
+                <a:latin typeface="Consolas" panose="020B0609020204030204" pitchFamily="49" charset="0"/>
+              </a:rPr>
+              <a:t>: </a:t>
+            </a:r>
+            <a:r>
+              <a:rPr lang="en-US" dirty="0">
+                <a:solidFill>
+                  <a:srgbClr val="4EC9B0"/>
+                </a:solidFill>
+                <a:latin typeface="Consolas" panose="020B0609020204030204" pitchFamily="49" charset="0"/>
+              </a:rPr>
+              <a:t>string</a:t>
+            </a:r>
+            <a:r>
+              <a:rPr lang="en-US" dirty="0">
+                <a:solidFill>
+                  <a:srgbClr val="D4D4D4"/>
+                </a:solidFill>
+                <a:latin typeface="Consolas" panose="020B0609020204030204" pitchFamily="49" charset="0"/>
+              </a:rPr>
+              <a:t>): </a:t>
+            </a:r>
+            <a:r>
+              <a:rPr lang="en-US" dirty="0">
+                <a:solidFill>
+                  <a:srgbClr val="4EC9B0"/>
+                </a:solidFill>
+                <a:latin typeface="Consolas" panose="020B0609020204030204" pitchFamily="49" charset="0"/>
+              </a:rPr>
+              <a:t>Observable</a:t>
+            </a:r>
+            <a:r>
+              <a:rPr lang="en-US" dirty="0">
+                <a:solidFill>
+                  <a:srgbClr val="D4D4D4"/>
+                </a:solidFill>
+                <a:latin typeface="Consolas" panose="020B0609020204030204" pitchFamily="49" charset="0"/>
+              </a:rPr>
+              <a:t>&lt;</a:t>
+            </a:r>
+            <a:r>
+              <a:rPr lang="en-US" dirty="0" err="1">
+                <a:solidFill>
+                  <a:srgbClr val="4EC9B0"/>
+                </a:solidFill>
+                <a:latin typeface="Consolas" panose="020B0609020204030204" pitchFamily="49" charset="0"/>
+              </a:rPr>
+              <a:t>Todo</a:t>
+            </a:r>
+            <a:r>
+              <a:rPr lang="en-US" dirty="0">
+                <a:solidFill>
+                  <a:srgbClr val="D4D4D4"/>
+                </a:solidFill>
+                <a:latin typeface="Consolas" panose="020B0609020204030204" pitchFamily="49" charset="0"/>
+              </a:rPr>
+              <a:t>&gt; {</a:t>
+            </a:r>
+          </a:p>
+          <a:p>
+            <a:pPr marL="457200" lvl="1" indent="0">
+              <a:buNone/>
+            </a:pPr>
+            <a:r>
+              <a:rPr lang="en-US" dirty="0">
+                <a:solidFill>
+                  <a:srgbClr val="C586C0"/>
+                </a:solidFill>
+                <a:latin typeface="Consolas" panose="020B0609020204030204" pitchFamily="49" charset="0"/>
+              </a:rPr>
+              <a:t>return</a:t>
+            </a:r>
+            <a:r>
+              <a:rPr lang="en-US" dirty="0">
+                <a:solidFill>
+                  <a:srgbClr val="D4D4D4"/>
+                </a:solidFill>
+                <a:latin typeface="Consolas" panose="020B0609020204030204" pitchFamily="49" charset="0"/>
+              </a:rPr>
+              <a:t> </a:t>
+            </a:r>
+            <a:r>
+              <a:rPr lang="en-US" dirty="0" err="1">
+                <a:solidFill>
+                  <a:srgbClr val="569CD6"/>
+                </a:solidFill>
+                <a:latin typeface="Consolas" panose="020B0609020204030204" pitchFamily="49" charset="0"/>
+              </a:rPr>
+              <a:t>this</a:t>
+            </a:r>
+            <a:r>
+              <a:rPr lang="en-US" dirty="0" err="1">
+                <a:solidFill>
+                  <a:srgbClr val="D4D4D4"/>
+                </a:solidFill>
+                <a:latin typeface="Consolas" panose="020B0609020204030204" pitchFamily="49" charset="0"/>
+              </a:rPr>
+              <a:t>.</a:t>
+            </a:r>
+            <a:r>
+              <a:rPr lang="en-US" dirty="0" err="1">
+                <a:solidFill>
+                  <a:srgbClr val="9CDCFE"/>
+                </a:solidFill>
+                <a:latin typeface="Consolas" panose="020B0609020204030204" pitchFamily="49" charset="0"/>
+              </a:rPr>
+              <a:t>http</a:t>
+            </a:r>
+            <a:r>
+              <a:rPr lang="en-US" dirty="0" err="1">
+                <a:solidFill>
+                  <a:srgbClr val="D4D4D4"/>
+                </a:solidFill>
+                <a:latin typeface="Consolas" panose="020B0609020204030204" pitchFamily="49" charset="0"/>
+              </a:rPr>
+              <a:t>.</a:t>
+            </a:r>
+            <a:r>
+              <a:rPr lang="en-US" dirty="0" err="1">
+                <a:solidFill>
+                  <a:srgbClr val="DCDCAA"/>
+                </a:solidFill>
+                <a:latin typeface="Consolas" panose="020B0609020204030204" pitchFamily="49" charset="0"/>
+              </a:rPr>
+              <a:t>delete</a:t>
+            </a:r>
+            <a:r>
+              <a:rPr lang="en-US" dirty="0">
+                <a:solidFill>
+                  <a:srgbClr val="D4D4D4"/>
+                </a:solidFill>
+                <a:latin typeface="Consolas" panose="020B0609020204030204" pitchFamily="49" charset="0"/>
+              </a:rPr>
+              <a:t>&lt;</a:t>
+            </a:r>
+            <a:r>
+              <a:rPr lang="en-US" dirty="0" err="1">
+                <a:solidFill>
+                  <a:srgbClr val="4EC9B0"/>
+                </a:solidFill>
+                <a:latin typeface="Consolas" panose="020B0609020204030204" pitchFamily="49" charset="0"/>
+              </a:rPr>
+              <a:t>Todo</a:t>
+            </a:r>
+            <a:r>
+              <a:rPr lang="en-US" dirty="0">
+                <a:solidFill>
+                  <a:srgbClr val="D4D4D4"/>
+                </a:solidFill>
+                <a:latin typeface="Consolas" panose="020B0609020204030204" pitchFamily="49" charset="0"/>
+              </a:rPr>
+              <a:t>&gt;(</a:t>
+            </a:r>
+            <a:r>
+              <a:rPr lang="en-US" dirty="0">
+                <a:solidFill>
+                  <a:srgbClr val="CE9178"/>
+                </a:solidFill>
+                <a:latin typeface="Consolas" panose="020B0609020204030204" pitchFamily="49" charset="0"/>
+              </a:rPr>
+              <a:t>`http://localhost:8080/</a:t>
+            </a:r>
+            <a:r>
+              <a:rPr lang="en-US" dirty="0" err="1">
+                <a:solidFill>
+                  <a:srgbClr val="CE9178"/>
+                </a:solidFill>
+                <a:latin typeface="Consolas" panose="020B0609020204030204" pitchFamily="49" charset="0"/>
+              </a:rPr>
+              <a:t>api</a:t>
+            </a:r>
+            <a:r>
+              <a:rPr lang="en-US" dirty="0">
+                <a:solidFill>
+                  <a:srgbClr val="CE9178"/>
+                </a:solidFill>
+                <a:latin typeface="Consolas" panose="020B0609020204030204" pitchFamily="49" charset="0"/>
+              </a:rPr>
+              <a:t>/</a:t>
+            </a:r>
+            <a:r>
+              <a:rPr lang="en-US" dirty="0" err="1">
+                <a:solidFill>
+                  <a:srgbClr val="CE9178"/>
+                </a:solidFill>
+                <a:latin typeface="Consolas" panose="020B0609020204030204" pitchFamily="49" charset="0"/>
+              </a:rPr>
+              <a:t>todo</a:t>
+            </a:r>
+            <a:r>
+              <a:rPr lang="en-US" dirty="0">
+                <a:solidFill>
+                  <a:srgbClr val="CE9178"/>
+                </a:solidFill>
+                <a:latin typeface="Consolas" panose="020B0609020204030204" pitchFamily="49" charset="0"/>
+              </a:rPr>
+              <a:t>/</a:t>
+            </a:r>
+            <a:r>
+              <a:rPr lang="en-US" dirty="0">
+                <a:solidFill>
+                  <a:srgbClr val="569CD6"/>
+                </a:solidFill>
+                <a:latin typeface="Consolas" panose="020B0609020204030204" pitchFamily="49" charset="0"/>
+              </a:rPr>
+              <a:t>${</a:t>
+            </a:r>
+            <a:r>
+              <a:rPr lang="en-US" dirty="0" err="1">
+                <a:solidFill>
+                  <a:srgbClr val="9CDCFE"/>
+                </a:solidFill>
+                <a:latin typeface="Consolas" panose="020B0609020204030204" pitchFamily="49" charset="0"/>
+              </a:rPr>
+              <a:t>todoId</a:t>
+            </a:r>
+            <a:r>
+              <a:rPr lang="en-US" dirty="0">
+                <a:solidFill>
+                  <a:srgbClr val="569CD6"/>
+                </a:solidFill>
+                <a:latin typeface="Consolas" panose="020B0609020204030204" pitchFamily="49" charset="0"/>
+              </a:rPr>
+              <a:t>}</a:t>
+            </a:r>
+            <a:r>
+              <a:rPr lang="en-US" dirty="0">
+                <a:solidFill>
+                  <a:srgbClr val="CE9178"/>
+                </a:solidFill>
+                <a:latin typeface="Consolas" panose="020B0609020204030204" pitchFamily="49" charset="0"/>
+              </a:rPr>
+              <a:t>`</a:t>
+            </a:r>
+            <a:r>
+              <a:rPr lang="en-US" dirty="0">
+                <a:solidFill>
+                  <a:srgbClr val="D4D4D4"/>
+                </a:solidFill>
+                <a:latin typeface="Consolas" panose="020B0609020204030204" pitchFamily="49" charset="0"/>
+              </a:rPr>
+              <a:t>);</a:t>
+            </a:r>
+          </a:p>
+          <a:p>
+            <a:pPr marL="0" indent="0">
+              <a:buNone/>
+            </a:pPr>
+            <a:r>
+              <a:rPr lang="en-US" dirty="0">
+                <a:solidFill>
+                  <a:srgbClr val="D4D4D4"/>
+                </a:solidFill>
+                <a:latin typeface="Consolas" panose="020B0609020204030204" pitchFamily="49" charset="0"/>
+              </a:rPr>
+              <a:t>}</a:t>
+            </a:r>
+          </a:p>
+          <a:p>
+            <a:pPr marL="0" indent="0">
+              <a:buNone/>
+            </a:pPr>
+            <a:endParaRPr lang="en-NL" dirty="0"/>
+          </a:p>
+        </p:txBody>
+      </p:sp>
+    </p:spTree>
+    <p:extLst>
+      <p:ext uri="{BB962C8B-B14F-4D97-AF65-F5344CB8AC3E}">
+        <p14:creationId xmlns:p14="http://schemas.microsoft.com/office/powerpoint/2010/main" val="2234320132"/>
+      </p:ext>
+    </p:extLst>
+  </p:cSld>
+  <p:clrMapOvr>
+    <a:masterClrMapping/>
+  </p:clrMapOvr>
+</p:sld>
+</file>
+
+<file path=ppt/slides/slide52.xml><?xml version="1.0" encoding="utf-8"?>
+<p:sld xmlns:a="http://schemas.openxmlformats.org/drawingml/2006/main" xmlns:r="http://schemas.openxmlformats.org/officeDocument/2006/relationships" xmlns:p="http://schemas.openxmlformats.org/presentationml/2006/main">
+  <p:cSld>
+    <p:spTree>
+      <p:nvGrpSpPr>
+        <p:cNvPr id="1" name=""/>
+        <p:cNvGrpSpPr/>
+        <p:nvPr/>
+      </p:nvGrpSpPr>
+      <p:grpSpPr>
+        <a:xfrm>
+          <a:off x="0" y="0"/>
+          <a:ext cx="0" cy="0"/>
+          <a:chOff x="0" y="0"/>
+          <a:chExt cx="0" cy="0"/>
+        </a:xfrm>
+      </p:grpSpPr>
+      <p:sp>
+        <p:nvSpPr>
+          <p:cNvPr id="2" name="Title 1">
+            <a:extLst>
+              <a:ext uri="{FF2B5EF4-FFF2-40B4-BE49-F238E27FC236}">
+                <a16:creationId xmlns:a16="http://schemas.microsoft.com/office/drawing/2014/main" id="{8C4B9F81-B0DE-4296-9CEE-2B3958A4B936}"/>
+              </a:ext>
+            </a:extLst>
+          </p:cNvPr>
+          <p:cNvSpPr>
+            <a:spLocks noGrp="1"/>
+          </p:cNvSpPr>
+          <p:nvPr>
+            <p:ph type="title"/>
+          </p:nvPr>
+        </p:nvSpPr>
+        <p:spPr/>
+        <p:txBody>
+          <a:bodyPr/>
+          <a:lstStyle/>
+          <a:p>
+            <a:r>
+              <a:rPr lang="en-US" dirty="0" err="1"/>
+              <a:t>todo-overview.component.ts</a:t>
+            </a:r>
+            <a:endParaRPr lang="en-NL" dirty="0"/>
+          </a:p>
+        </p:txBody>
+      </p:sp>
+      <p:sp>
+        <p:nvSpPr>
+          <p:cNvPr id="3" name="Content Placeholder 2">
+            <a:extLst>
+              <a:ext uri="{FF2B5EF4-FFF2-40B4-BE49-F238E27FC236}">
+                <a16:creationId xmlns:a16="http://schemas.microsoft.com/office/drawing/2014/main" id="{84155345-71D8-4EC5-83C6-F0AA6D3E5351}"/>
+              </a:ext>
+            </a:extLst>
+          </p:cNvPr>
+          <p:cNvSpPr>
+            <a:spLocks noGrp="1"/>
+          </p:cNvSpPr>
+          <p:nvPr>
+            <p:ph idx="1"/>
+          </p:nvPr>
+        </p:nvSpPr>
+        <p:spPr/>
+        <p:style>
+          <a:lnRef idx="0">
+            <a:scrgbClr r="0" g="0" b="0"/>
+          </a:lnRef>
+          <a:fillRef idx="1001">
+            <a:schemeClr val="dk2"/>
+          </a:fillRef>
+          <a:effectRef idx="0">
+            <a:scrgbClr r="0" g="0" b="0"/>
+          </a:effectRef>
+          <a:fontRef idx="major"/>
+        </p:style>
+        <p:txBody>
+          <a:bodyPr/>
+          <a:lstStyle/>
+          <a:p>
+            <a:pPr marL="0" indent="0">
+              <a:buNone/>
+            </a:pPr>
+            <a:r>
+              <a:rPr lang="en-US" dirty="0">
+                <a:solidFill>
+                  <a:srgbClr val="569CD6"/>
+                </a:solidFill>
+                <a:latin typeface="Consolas" panose="020B0609020204030204" pitchFamily="49" charset="0"/>
+              </a:rPr>
+              <a:t>constructor</a:t>
+            </a:r>
+            <a:r>
+              <a:rPr lang="en-US" dirty="0">
+                <a:solidFill>
+                  <a:srgbClr val="D4D4D4"/>
+                </a:solidFill>
+                <a:latin typeface="Consolas" panose="020B0609020204030204" pitchFamily="49" charset="0"/>
+              </a:rPr>
+              <a:t>(</a:t>
+            </a:r>
+            <a:r>
+              <a:rPr lang="en-US" dirty="0">
+                <a:solidFill>
+                  <a:srgbClr val="569CD6"/>
+                </a:solidFill>
+                <a:latin typeface="Consolas" panose="020B0609020204030204" pitchFamily="49" charset="0"/>
+              </a:rPr>
+              <a:t>private</a:t>
+            </a:r>
+            <a:r>
+              <a:rPr lang="en-US" dirty="0">
+                <a:solidFill>
+                  <a:srgbClr val="D4D4D4"/>
+                </a:solidFill>
+                <a:latin typeface="Consolas" panose="020B0609020204030204" pitchFamily="49" charset="0"/>
+              </a:rPr>
+              <a:t> </a:t>
+            </a:r>
+            <a:r>
+              <a:rPr lang="en-US" dirty="0" err="1">
+                <a:solidFill>
+                  <a:srgbClr val="9CDCFE"/>
+                </a:solidFill>
+                <a:latin typeface="Consolas" panose="020B0609020204030204" pitchFamily="49" charset="0"/>
+              </a:rPr>
+              <a:t>todoService</a:t>
+            </a:r>
+            <a:r>
+              <a:rPr lang="en-US" dirty="0">
+                <a:solidFill>
+                  <a:srgbClr val="D4D4D4"/>
+                </a:solidFill>
+                <a:latin typeface="Consolas" panose="020B0609020204030204" pitchFamily="49" charset="0"/>
+              </a:rPr>
+              <a:t>: </a:t>
+            </a:r>
+            <a:r>
+              <a:rPr lang="en-US" dirty="0" err="1">
+                <a:solidFill>
+                  <a:srgbClr val="4EC9B0"/>
+                </a:solidFill>
+                <a:latin typeface="Consolas" panose="020B0609020204030204" pitchFamily="49" charset="0"/>
+              </a:rPr>
+              <a:t>TodoService</a:t>
+            </a:r>
+            <a:r>
+              <a:rPr lang="en-US" dirty="0">
+                <a:solidFill>
+                  <a:srgbClr val="D4D4D4"/>
+                </a:solidFill>
+                <a:latin typeface="Consolas" panose="020B0609020204030204" pitchFamily="49" charset="0"/>
+              </a:rPr>
+              <a:t>, </a:t>
+            </a:r>
+            <a:r>
+              <a:rPr lang="en-US" dirty="0">
+                <a:solidFill>
+                  <a:srgbClr val="569CD6"/>
+                </a:solidFill>
+                <a:latin typeface="Consolas" panose="020B0609020204030204" pitchFamily="49" charset="0"/>
+              </a:rPr>
+              <a:t>private</a:t>
+            </a:r>
+            <a:r>
+              <a:rPr lang="en-US" dirty="0">
+                <a:solidFill>
+                  <a:srgbClr val="D4D4D4"/>
+                </a:solidFill>
+                <a:latin typeface="Consolas" panose="020B0609020204030204" pitchFamily="49" charset="0"/>
+              </a:rPr>
+              <a:t> </a:t>
+            </a:r>
+            <a:r>
+              <a:rPr lang="en-US" dirty="0" err="1">
+                <a:solidFill>
+                  <a:srgbClr val="9CDCFE"/>
+                </a:solidFill>
+                <a:latin typeface="Consolas" panose="020B0609020204030204" pitchFamily="49" charset="0"/>
+              </a:rPr>
+              <a:t>confirmationService</a:t>
+            </a:r>
+            <a:r>
+              <a:rPr lang="en-US" dirty="0">
+                <a:solidFill>
+                  <a:srgbClr val="D4D4D4"/>
+                </a:solidFill>
+                <a:latin typeface="Consolas" panose="020B0609020204030204" pitchFamily="49" charset="0"/>
+              </a:rPr>
+              <a:t>: </a:t>
+            </a:r>
+            <a:r>
+              <a:rPr lang="en-US" dirty="0" err="1">
+                <a:solidFill>
+                  <a:srgbClr val="4EC9B0"/>
+                </a:solidFill>
+                <a:latin typeface="Consolas" panose="020B0609020204030204" pitchFamily="49" charset="0"/>
+              </a:rPr>
+              <a:t>ConfirmationService</a:t>
+            </a:r>
+            <a:r>
+              <a:rPr lang="en-US" dirty="0">
+                <a:solidFill>
+                  <a:srgbClr val="D4D4D4"/>
+                </a:solidFill>
+                <a:latin typeface="Consolas" panose="020B0609020204030204" pitchFamily="49" charset="0"/>
+              </a:rPr>
+              <a:t>){}</a:t>
+            </a:r>
+          </a:p>
+          <a:p>
+            <a:pPr marL="0" indent="0">
+              <a:buNone/>
+            </a:pPr>
+            <a:endParaRPr lang="en-US" dirty="0"/>
+          </a:p>
+          <a:p>
+            <a:pPr marL="0" indent="0">
+              <a:buNone/>
+            </a:pPr>
+            <a:endParaRPr lang="en-NL" dirty="0"/>
+          </a:p>
+        </p:txBody>
+      </p:sp>
+    </p:spTree>
+    <p:extLst>
+      <p:ext uri="{BB962C8B-B14F-4D97-AF65-F5344CB8AC3E}">
+        <p14:creationId xmlns:p14="http://schemas.microsoft.com/office/powerpoint/2010/main" val="2508254789"/>
+      </p:ext>
+    </p:extLst>
+  </p:cSld>
+  <p:clrMapOvr>
+    <a:masterClrMapping/>
+  </p:clrMapOvr>
+</p:sld>
+</file>
+
+<file path=ppt/slides/slide53.xml><?xml version="1.0" encoding="utf-8"?>
+<p:sld xmlns:a="http://schemas.openxmlformats.org/drawingml/2006/main" xmlns:r="http://schemas.openxmlformats.org/officeDocument/2006/relationships" xmlns:p="http://schemas.openxmlformats.org/presentationml/2006/main">
+  <p:cSld>
+    <p:spTree>
+      <p:nvGrpSpPr>
+        <p:cNvPr id="1" name=""/>
+        <p:cNvGrpSpPr/>
+        <p:nvPr/>
+      </p:nvGrpSpPr>
+      <p:grpSpPr>
+        <a:xfrm>
+          <a:off x="0" y="0"/>
+          <a:ext cx="0" cy="0"/>
+          <a:chOff x="0" y="0"/>
+          <a:chExt cx="0" cy="0"/>
+        </a:xfrm>
+      </p:grpSpPr>
+      <p:sp>
+        <p:nvSpPr>
+          <p:cNvPr id="2" name="Title 1">
+            <a:extLst>
+              <a:ext uri="{FF2B5EF4-FFF2-40B4-BE49-F238E27FC236}">
+                <a16:creationId xmlns:a16="http://schemas.microsoft.com/office/drawing/2014/main" id="{A7495C71-A5AF-4D00-BE56-25F9053A7C41}"/>
+              </a:ext>
+            </a:extLst>
+          </p:cNvPr>
+          <p:cNvSpPr>
+            <a:spLocks noGrp="1"/>
+          </p:cNvSpPr>
+          <p:nvPr>
+            <p:ph type="title"/>
+          </p:nvPr>
+        </p:nvSpPr>
+        <p:spPr/>
+        <p:txBody>
+          <a:bodyPr/>
+          <a:lstStyle/>
+          <a:p>
+            <a:r>
+              <a:rPr lang="en-US" dirty="0" err="1"/>
+              <a:t>todo-overview.component.ts</a:t>
+            </a:r>
+            <a:endParaRPr lang="en-NL" dirty="0"/>
+          </a:p>
+        </p:txBody>
+      </p:sp>
+      <p:sp>
+        <p:nvSpPr>
+          <p:cNvPr id="3" name="Content Placeholder 2">
+            <a:extLst>
+              <a:ext uri="{FF2B5EF4-FFF2-40B4-BE49-F238E27FC236}">
+                <a16:creationId xmlns:a16="http://schemas.microsoft.com/office/drawing/2014/main" id="{AE2AD222-E4A1-4C13-9CE5-68ABEFA5D648}"/>
+              </a:ext>
+            </a:extLst>
+          </p:cNvPr>
+          <p:cNvSpPr>
+            <a:spLocks noGrp="1"/>
+          </p:cNvSpPr>
+          <p:nvPr>
+            <p:ph idx="1"/>
+          </p:nvPr>
+        </p:nvSpPr>
+        <p:spPr/>
+        <p:style>
+          <a:lnRef idx="0">
+            <a:scrgbClr r="0" g="0" b="0"/>
+          </a:lnRef>
+          <a:fillRef idx="1001">
+            <a:schemeClr val="dk2"/>
+          </a:fillRef>
+          <a:effectRef idx="0">
+            <a:scrgbClr r="0" g="0" b="0"/>
+          </a:effectRef>
+          <a:fontRef idx="major"/>
+        </p:style>
+        <p:txBody>
+          <a:bodyPr>
+            <a:normAutofit fontScale="55000" lnSpcReduction="20000"/>
+          </a:bodyPr>
+          <a:lstStyle/>
+          <a:p>
+            <a:pPr marL="0" indent="0">
+              <a:buNone/>
+            </a:pPr>
+            <a:r>
+              <a:rPr lang="en-US" dirty="0">
+                <a:solidFill>
+                  <a:srgbClr val="DCDCAA"/>
+                </a:solidFill>
+                <a:latin typeface="Consolas" panose="020B0609020204030204" pitchFamily="49" charset="0"/>
+              </a:rPr>
+              <a:t>delete</a:t>
+            </a:r>
+            <a:r>
+              <a:rPr lang="en-US" dirty="0">
+                <a:solidFill>
+                  <a:srgbClr val="D4D4D4"/>
+                </a:solidFill>
+                <a:latin typeface="Consolas" panose="020B0609020204030204" pitchFamily="49" charset="0"/>
+              </a:rPr>
+              <a:t>(</a:t>
+            </a:r>
+            <a:r>
+              <a:rPr lang="en-US" dirty="0" err="1">
+                <a:solidFill>
+                  <a:srgbClr val="9CDCFE"/>
+                </a:solidFill>
+                <a:latin typeface="Consolas" panose="020B0609020204030204" pitchFamily="49" charset="0"/>
+              </a:rPr>
+              <a:t>todo</a:t>
+            </a:r>
+            <a:r>
+              <a:rPr lang="en-US" dirty="0">
+                <a:solidFill>
+                  <a:srgbClr val="D4D4D4"/>
+                </a:solidFill>
+                <a:latin typeface="Consolas" panose="020B0609020204030204" pitchFamily="49" charset="0"/>
+              </a:rPr>
+              <a:t>: </a:t>
+            </a:r>
+            <a:r>
+              <a:rPr lang="en-US" dirty="0" err="1">
+                <a:solidFill>
+                  <a:srgbClr val="4EC9B0"/>
+                </a:solidFill>
+                <a:latin typeface="Consolas" panose="020B0609020204030204" pitchFamily="49" charset="0"/>
+              </a:rPr>
+              <a:t>Todo</a:t>
+            </a:r>
+            <a:r>
+              <a:rPr lang="en-US" dirty="0">
+                <a:solidFill>
+                  <a:srgbClr val="D4D4D4"/>
+                </a:solidFill>
+                <a:latin typeface="Consolas" panose="020B0609020204030204" pitchFamily="49" charset="0"/>
+              </a:rPr>
+              <a:t>) {</a:t>
+            </a:r>
+          </a:p>
+          <a:p>
+            <a:pPr marL="0" indent="0">
+              <a:buNone/>
+            </a:pPr>
+            <a:r>
+              <a:rPr lang="en-US" dirty="0">
+                <a:solidFill>
+                  <a:srgbClr val="569CD6"/>
+                </a:solidFill>
+                <a:latin typeface="Consolas" panose="020B0609020204030204" pitchFamily="49" charset="0"/>
+              </a:rPr>
+              <a:t>	</a:t>
+            </a:r>
+            <a:r>
+              <a:rPr lang="en-US" dirty="0" err="1">
+                <a:solidFill>
+                  <a:srgbClr val="569CD6"/>
+                </a:solidFill>
+                <a:latin typeface="Consolas" panose="020B0609020204030204" pitchFamily="49" charset="0"/>
+              </a:rPr>
+              <a:t>this</a:t>
+            </a:r>
+            <a:r>
+              <a:rPr lang="en-US" dirty="0" err="1">
+                <a:solidFill>
+                  <a:srgbClr val="D4D4D4"/>
+                </a:solidFill>
+                <a:latin typeface="Consolas" panose="020B0609020204030204" pitchFamily="49" charset="0"/>
+              </a:rPr>
+              <a:t>.</a:t>
+            </a:r>
+            <a:r>
+              <a:rPr lang="en-US" dirty="0" err="1">
+                <a:solidFill>
+                  <a:srgbClr val="9CDCFE"/>
+                </a:solidFill>
+                <a:latin typeface="Consolas" panose="020B0609020204030204" pitchFamily="49" charset="0"/>
+              </a:rPr>
+              <a:t>confirmationService</a:t>
+            </a:r>
+            <a:r>
+              <a:rPr lang="en-US" dirty="0" err="1">
+                <a:solidFill>
+                  <a:srgbClr val="D4D4D4"/>
+                </a:solidFill>
+                <a:latin typeface="Consolas" panose="020B0609020204030204" pitchFamily="49" charset="0"/>
+              </a:rPr>
+              <a:t>.</a:t>
+            </a:r>
+            <a:r>
+              <a:rPr lang="en-US" dirty="0" err="1">
+                <a:solidFill>
+                  <a:srgbClr val="DCDCAA"/>
+                </a:solidFill>
+                <a:latin typeface="Consolas" panose="020B0609020204030204" pitchFamily="49" charset="0"/>
+              </a:rPr>
+              <a:t>confirm</a:t>
+            </a:r>
+            <a:r>
+              <a:rPr lang="en-US" dirty="0">
+                <a:solidFill>
+                  <a:srgbClr val="D4D4D4"/>
+                </a:solidFill>
+                <a:latin typeface="Consolas" panose="020B0609020204030204" pitchFamily="49" charset="0"/>
+              </a:rPr>
+              <a:t>({</a:t>
+            </a:r>
+          </a:p>
+          <a:p>
+            <a:pPr marL="0" indent="0">
+              <a:buNone/>
+            </a:pPr>
+            <a:r>
+              <a:rPr lang="en-US" dirty="0">
+                <a:solidFill>
+                  <a:srgbClr val="9CDCFE"/>
+                </a:solidFill>
+                <a:latin typeface="Consolas" panose="020B0609020204030204" pitchFamily="49" charset="0"/>
+              </a:rPr>
+              <a:t>		message:</a:t>
+            </a:r>
+            <a:r>
+              <a:rPr lang="en-US" dirty="0">
+                <a:solidFill>
+                  <a:srgbClr val="D4D4D4"/>
+                </a:solidFill>
+                <a:latin typeface="Consolas" panose="020B0609020204030204" pitchFamily="49" charset="0"/>
+              </a:rPr>
+              <a:t> </a:t>
+            </a:r>
+            <a:r>
+              <a:rPr lang="en-US" dirty="0">
+                <a:solidFill>
+                  <a:srgbClr val="CE9178"/>
+                </a:solidFill>
+                <a:latin typeface="Consolas" panose="020B0609020204030204" pitchFamily="49" charset="0"/>
+              </a:rPr>
+              <a:t>'Are you sure that you want to perform this action?’</a:t>
+            </a:r>
+            <a:r>
+              <a:rPr lang="en-US" dirty="0">
+                <a:solidFill>
+                  <a:srgbClr val="D4D4D4"/>
+                </a:solidFill>
+                <a:latin typeface="Consolas" panose="020B0609020204030204" pitchFamily="49" charset="0"/>
+              </a:rPr>
+              <a:t>,</a:t>
+            </a:r>
+          </a:p>
+          <a:p>
+            <a:pPr marL="0" indent="0">
+              <a:buNone/>
+            </a:pPr>
+            <a:r>
+              <a:rPr lang="en-US" dirty="0">
+                <a:solidFill>
+                  <a:srgbClr val="9CDCFE"/>
+                </a:solidFill>
+                <a:latin typeface="Consolas" panose="020B0609020204030204" pitchFamily="49" charset="0"/>
+              </a:rPr>
+              <a:t>		accept:</a:t>
+            </a:r>
+            <a:r>
+              <a:rPr lang="en-US" dirty="0">
+                <a:solidFill>
+                  <a:srgbClr val="D4D4D4"/>
+                </a:solidFill>
+                <a:latin typeface="Consolas" panose="020B0609020204030204" pitchFamily="49" charset="0"/>
+              </a:rPr>
+              <a:t> () </a:t>
+            </a:r>
+            <a:r>
+              <a:rPr lang="en-US" dirty="0">
+                <a:solidFill>
+                  <a:srgbClr val="569CD6"/>
+                </a:solidFill>
+                <a:latin typeface="Consolas" panose="020B0609020204030204" pitchFamily="49" charset="0"/>
+              </a:rPr>
+              <a:t>=&gt;</a:t>
+            </a:r>
+            <a:r>
+              <a:rPr lang="en-US" dirty="0">
+                <a:solidFill>
+                  <a:srgbClr val="D4D4D4"/>
+                </a:solidFill>
+                <a:latin typeface="Consolas" panose="020B0609020204030204" pitchFamily="49" charset="0"/>
+              </a:rPr>
+              <a:t> {</a:t>
+            </a:r>
+          </a:p>
+          <a:p>
+            <a:pPr marL="0" indent="0">
+              <a:buNone/>
+            </a:pPr>
+            <a:r>
+              <a:rPr lang="en-US" dirty="0">
+                <a:solidFill>
+                  <a:srgbClr val="569CD6"/>
+                </a:solidFill>
+                <a:latin typeface="Consolas" panose="020B0609020204030204" pitchFamily="49" charset="0"/>
+              </a:rPr>
+              <a:t>			</a:t>
+            </a:r>
+            <a:r>
+              <a:rPr lang="en-US" dirty="0" err="1">
+                <a:solidFill>
+                  <a:srgbClr val="569CD6"/>
+                </a:solidFill>
+                <a:latin typeface="Consolas" panose="020B0609020204030204" pitchFamily="49" charset="0"/>
+              </a:rPr>
+              <a:t>this</a:t>
+            </a:r>
+            <a:r>
+              <a:rPr lang="en-US" dirty="0" err="1">
+                <a:solidFill>
+                  <a:srgbClr val="D4D4D4"/>
+                </a:solidFill>
+                <a:latin typeface="Consolas" panose="020B0609020204030204" pitchFamily="49" charset="0"/>
+              </a:rPr>
+              <a:t>.</a:t>
+            </a:r>
+            <a:r>
+              <a:rPr lang="en-US" dirty="0" err="1">
+                <a:solidFill>
+                  <a:srgbClr val="9CDCFE"/>
+                </a:solidFill>
+                <a:latin typeface="Consolas" panose="020B0609020204030204" pitchFamily="49" charset="0"/>
+              </a:rPr>
+              <a:t>todoService</a:t>
+            </a:r>
+            <a:r>
+              <a:rPr lang="en-US" dirty="0" err="1">
+                <a:solidFill>
+                  <a:srgbClr val="D4D4D4"/>
+                </a:solidFill>
+                <a:latin typeface="Consolas" panose="020B0609020204030204" pitchFamily="49" charset="0"/>
+              </a:rPr>
+              <a:t>.</a:t>
+            </a:r>
+            <a:r>
+              <a:rPr lang="en-US" dirty="0" err="1">
+                <a:solidFill>
+                  <a:srgbClr val="DCDCAA"/>
+                </a:solidFill>
+                <a:latin typeface="Consolas" panose="020B0609020204030204" pitchFamily="49" charset="0"/>
+              </a:rPr>
+              <a:t>deleteToDo</a:t>
+            </a:r>
+            <a:r>
+              <a:rPr lang="en-US" dirty="0">
+                <a:solidFill>
+                  <a:srgbClr val="D4D4D4"/>
+                </a:solidFill>
+                <a:latin typeface="Consolas" panose="020B0609020204030204" pitchFamily="49" charset="0"/>
+              </a:rPr>
+              <a:t>(</a:t>
+            </a:r>
+            <a:r>
+              <a:rPr lang="en-US" dirty="0" err="1">
+                <a:solidFill>
+                  <a:srgbClr val="9CDCFE"/>
+                </a:solidFill>
+                <a:latin typeface="Consolas" panose="020B0609020204030204" pitchFamily="49" charset="0"/>
+              </a:rPr>
+              <a:t>todo</a:t>
+            </a:r>
+            <a:r>
+              <a:rPr lang="en-US" dirty="0">
+                <a:solidFill>
+                  <a:srgbClr val="D4D4D4"/>
+                </a:solidFill>
+                <a:latin typeface="Consolas" panose="020B0609020204030204" pitchFamily="49" charset="0"/>
+              </a:rPr>
+              <a:t>.</a:t>
+            </a:r>
+            <a:r>
+              <a:rPr lang="en-US" dirty="0">
+                <a:solidFill>
+                  <a:srgbClr val="9CDCFE"/>
+                </a:solidFill>
+                <a:latin typeface="Consolas" panose="020B0609020204030204" pitchFamily="49" charset="0"/>
+              </a:rPr>
+              <a:t>_id</a:t>
+            </a:r>
+            <a:r>
+              <a:rPr lang="en-US" dirty="0">
+                <a:solidFill>
+                  <a:srgbClr val="D4D4D4"/>
+                </a:solidFill>
+                <a:latin typeface="Consolas" panose="020B0609020204030204" pitchFamily="49" charset="0"/>
+              </a:rPr>
+              <a:t>).</a:t>
+            </a:r>
+            <a:r>
+              <a:rPr lang="en-US" dirty="0">
+                <a:solidFill>
+                  <a:srgbClr val="DCDCAA"/>
+                </a:solidFill>
+                <a:latin typeface="Consolas" panose="020B0609020204030204" pitchFamily="49" charset="0"/>
+              </a:rPr>
+              <a:t>subscribe</a:t>
+            </a:r>
+            <a:r>
+              <a:rPr lang="en-US" dirty="0">
+                <a:solidFill>
+                  <a:srgbClr val="D4D4D4"/>
+                </a:solidFill>
+                <a:latin typeface="Consolas" panose="020B0609020204030204" pitchFamily="49" charset="0"/>
+              </a:rPr>
+              <a:t>(</a:t>
+            </a:r>
+          </a:p>
+          <a:p>
+            <a:pPr marL="0" indent="0">
+              <a:buNone/>
+            </a:pPr>
+            <a:r>
+              <a:rPr lang="en-US" dirty="0">
+                <a:solidFill>
+                  <a:srgbClr val="9CDCFE"/>
+                </a:solidFill>
+                <a:latin typeface="Consolas" panose="020B0609020204030204" pitchFamily="49" charset="0"/>
+              </a:rPr>
+              <a:t>				data</a:t>
+            </a:r>
+            <a:r>
+              <a:rPr lang="en-US" dirty="0">
+                <a:solidFill>
+                  <a:srgbClr val="D4D4D4"/>
+                </a:solidFill>
+                <a:latin typeface="Consolas" panose="020B0609020204030204" pitchFamily="49" charset="0"/>
+              </a:rPr>
+              <a:t> </a:t>
+            </a:r>
+            <a:r>
+              <a:rPr lang="en-US" dirty="0">
+                <a:solidFill>
+                  <a:srgbClr val="569CD6"/>
+                </a:solidFill>
+                <a:latin typeface="Consolas" panose="020B0609020204030204" pitchFamily="49" charset="0"/>
+              </a:rPr>
+              <a:t>=&gt;</a:t>
+            </a:r>
+            <a:r>
+              <a:rPr lang="en-US" dirty="0">
+                <a:solidFill>
+                  <a:srgbClr val="D4D4D4"/>
+                </a:solidFill>
+                <a:latin typeface="Consolas" panose="020B0609020204030204" pitchFamily="49" charset="0"/>
+              </a:rPr>
+              <a:t> {</a:t>
+            </a:r>
+          </a:p>
+          <a:p>
+            <a:pPr marL="0" indent="0">
+              <a:buNone/>
+            </a:pPr>
+            <a:r>
+              <a:rPr lang="en-US" dirty="0">
+                <a:solidFill>
+                  <a:srgbClr val="569CD6"/>
+                </a:solidFill>
+                <a:latin typeface="Consolas" panose="020B0609020204030204" pitchFamily="49" charset="0"/>
+              </a:rPr>
+              <a:t>					</a:t>
+            </a:r>
+            <a:r>
+              <a:rPr lang="en-US" dirty="0" err="1">
+                <a:solidFill>
+                  <a:srgbClr val="569CD6"/>
+                </a:solidFill>
+                <a:latin typeface="Consolas" panose="020B0609020204030204" pitchFamily="49" charset="0"/>
+              </a:rPr>
+              <a:t>this</a:t>
+            </a:r>
+            <a:r>
+              <a:rPr lang="en-US" dirty="0" err="1">
+                <a:solidFill>
+                  <a:srgbClr val="D4D4D4"/>
+                </a:solidFill>
+                <a:latin typeface="Consolas" panose="020B0609020204030204" pitchFamily="49" charset="0"/>
+              </a:rPr>
+              <a:t>.</a:t>
+            </a:r>
+            <a:r>
+              <a:rPr lang="en-US" dirty="0" err="1">
+                <a:solidFill>
+                  <a:srgbClr val="DCDCAA"/>
+                </a:solidFill>
+                <a:latin typeface="Consolas" panose="020B0609020204030204" pitchFamily="49" charset="0"/>
+              </a:rPr>
+              <a:t>getToDos</a:t>
+            </a:r>
+            <a:r>
+              <a:rPr lang="en-US" dirty="0">
+                <a:solidFill>
+                  <a:srgbClr val="D4D4D4"/>
+                </a:solidFill>
+                <a:latin typeface="Consolas" panose="020B0609020204030204" pitchFamily="49" charset="0"/>
+              </a:rPr>
+              <a:t>();</a:t>
+            </a:r>
+          </a:p>
+          <a:p>
+            <a:pPr marL="0" indent="0">
+              <a:buNone/>
+            </a:pPr>
+            <a:r>
+              <a:rPr lang="en-US" dirty="0">
+                <a:solidFill>
+                  <a:srgbClr val="D4D4D4"/>
+                </a:solidFill>
+                <a:latin typeface="Consolas" panose="020B0609020204030204" pitchFamily="49" charset="0"/>
+              </a:rPr>
+              <a:t>				},</a:t>
+            </a:r>
+          </a:p>
+          <a:p>
+            <a:pPr marL="0" indent="0">
+              <a:buNone/>
+            </a:pPr>
+            <a:r>
+              <a:rPr lang="en-US" dirty="0">
+                <a:solidFill>
+                  <a:srgbClr val="9CDCFE"/>
+                </a:solidFill>
+                <a:latin typeface="Consolas" panose="020B0609020204030204" pitchFamily="49" charset="0"/>
+              </a:rPr>
+              <a:t>				err</a:t>
+            </a:r>
+            <a:r>
+              <a:rPr lang="en-US" dirty="0">
+                <a:solidFill>
+                  <a:srgbClr val="D4D4D4"/>
+                </a:solidFill>
+                <a:latin typeface="Consolas" panose="020B0609020204030204" pitchFamily="49" charset="0"/>
+              </a:rPr>
+              <a:t> </a:t>
+            </a:r>
+            <a:r>
+              <a:rPr lang="en-US" dirty="0">
+                <a:solidFill>
+                  <a:srgbClr val="569CD6"/>
+                </a:solidFill>
+                <a:latin typeface="Consolas" panose="020B0609020204030204" pitchFamily="49" charset="0"/>
+              </a:rPr>
+              <a:t>=&gt;</a:t>
+            </a:r>
+            <a:r>
+              <a:rPr lang="en-US" dirty="0">
+                <a:solidFill>
+                  <a:srgbClr val="D4D4D4"/>
+                </a:solidFill>
+                <a:latin typeface="Consolas" panose="020B0609020204030204" pitchFamily="49" charset="0"/>
+              </a:rPr>
+              <a:t> {</a:t>
+            </a:r>
+          </a:p>
+          <a:p>
+            <a:pPr marL="0" indent="0">
+              <a:buNone/>
+            </a:pPr>
+            <a:r>
+              <a:rPr lang="en-US" dirty="0">
+                <a:solidFill>
+                  <a:srgbClr val="DCDCAA"/>
+                </a:solidFill>
+                <a:latin typeface="Consolas" panose="020B0609020204030204" pitchFamily="49" charset="0"/>
+              </a:rPr>
+              <a:t>					alert</a:t>
+            </a:r>
+            <a:r>
+              <a:rPr lang="en-US" dirty="0">
+                <a:solidFill>
+                  <a:srgbClr val="D4D4D4"/>
+                </a:solidFill>
+                <a:latin typeface="Consolas" panose="020B0609020204030204" pitchFamily="49" charset="0"/>
+              </a:rPr>
+              <a:t>(</a:t>
+            </a:r>
+            <a:r>
+              <a:rPr lang="en-US" dirty="0">
+                <a:solidFill>
+                  <a:srgbClr val="CE9178"/>
+                </a:solidFill>
+                <a:latin typeface="Consolas" panose="020B0609020204030204" pitchFamily="49" charset="0"/>
+              </a:rPr>
+              <a:t>'Something went wrong!’</a:t>
+            </a:r>
+            <a:r>
+              <a:rPr lang="en-US" dirty="0">
+                <a:solidFill>
+                  <a:srgbClr val="D4D4D4"/>
+                </a:solidFill>
+                <a:latin typeface="Consolas" panose="020B0609020204030204" pitchFamily="49" charset="0"/>
+              </a:rPr>
+              <a:t>);</a:t>
+            </a:r>
+          </a:p>
+          <a:p>
+            <a:pPr marL="0" indent="0">
+              <a:buNone/>
+            </a:pPr>
+            <a:r>
+              <a:rPr lang="en-US" dirty="0">
+                <a:solidFill>
+                  <a:srgbClr val="D4D4D4"/>
+                </a:solidFill>
+                <a:latin typeface="Consolas" panose="020B0609020204030204" pitchFamily="49" charset="0"/>
+              </a:rPr>
+              <a:t>				}</a:t>
+            </a:r>
+          </a:p>
+          <a:p>
+            <a:pPr marL="0" indent="0">
+              <a:buNone/>
+            </a:pPr>
+            <a:r>
+              <a:rPr lang="en-US" dirty="0">
+                <a:solidFill>
+                  <a:srgbClr val="D4D4D4"/>
+                </a:solidFill>
+                <a:latin typeface="Consolas" panose="020B0609020204030204" pitchFamily="49" charset="0"/>
+              </a:rPr>
+              <a:t>			);</a:t>
+            </a:r>
+          </a:p>
+          <a:p>
+            <a:pPr marL="0" indent="0">
+              <a:buNone/>
+            </a:pPr>
+            <a:r>
+              <a:rPr lang="en-US" dirty="0">
+                <a:solidFill>
+                  <a:srgbClr val="D4D4D4"/>
+                </a:solidFill>
+                <a:latin typeface="Consolas" panose="020B0609020204030204" pitchFamily="49" charset="0"/>
+              </a:rPr>
+              <a:t>		}</a:t>
+            </a:r>
+          </a:p>
+          <a:p>
+            <a:pPr marL="0" indent="0">
+              <a:buNone/>
+            </a:pPr>
+            <a:r>
+              <a:rPr lang="en-US" dirty="0">
+                <a:solidFill>
+                  <a:srgbClr val="D4D4D4"/>
+                </a:solidFill>
+                <a:latin typeface="Consolas" panose="020B0609020204030204" pitchFamily="49" charset="0"/>
+              </a:rPr>
+              <a:t>	});</a:t>
+            </a:r>
+          </a:p>
+          <a:p>
+            <a:pPr marL="0" indent="0">
+              <a:buNone/>
+            </a:pPr>
+            <a:r>
+              <a:rPr lang="en-US" dirty="0">
+                <a:solidFill>
+                  <a:srgbClr val="D4D4D4"/>
+                </a:solidFill>
+                <a:latin typeface="Consolas" panose="020B0609020204030204" pitchFamily="49" charset="0"/>
+              </a:rPr>
+              <a:t>}</a:t>
+            </a:r>
+          </a:p>
+          <a:p>
+            <a:endParaRPr lang="en-NL" dirty="0"/>
+          </a:p>
+        </p:txBody>
+      </p:sp>
+    </p:spTree>
+    <p:extLst>
+      <p:ext uri="{BB962C8B-B14F-4D97-AF65-F5344CB8AC3E}">
+        <p14:creationId xmlns:p14="http://schemas.microsoft.com/office/powerpoint/2010/main" val="3312767208"/>
       </p:ext>
     </p:extLst>
   </p:cSld>

--- a/Angular2.pptx
+++ b/Angular2.pptx
@@ -5,7 +5,7 @@
     <p:sldMasterId id="2147483648" r:id="rId1"/>
   </p:sldMasterIdLst>
   <p:notesMasterIdLst>
-    <p:notesMasterId r:id="rId55"/>
+    <p:notesMasterId r:id="rId67"/>
   </p:notesMasterIdLst>
   <p:sldIdLst>
     <p:sldId id="256" r:id="rId2"/>
@@ -61,6 +61,18 @@
     <p:sldId id="314" r:id="rId52"/>
     <p:sldId id="313" r:id="rId53"/>
     <p:sldId id="315" r:id="rId54"/>
+    <p:sldId id="316" r:id="rId55"/>
+    <p:sldId id="319" r:id="rId56"/>
+    <p:sldId id="320" r:id="rId57"/>
+    <p:sldId id="321" r:id="rId58"/>
+    <p:sldId id="322" r:id="rId59"/>
+    <p:sldId id="318" r:id="rId60"/>
+    <p:sldId id="323" r:id="rId61"/>
+    <p:sldId id="317" r:id="rId62"/>
+    <p:sldId id="324" r:id="rId63"/>
+    <p:sldId id="325" r:id="rId64"/>
+    <p:sldId id="326" r:id="rId65"/>
+    <p:sldId id="327" r:id="rId66"/>
   </p:sldIdLst>
   <p:sldSz cx="12192000" cy="6858000"/>
   <p:notesSz cx="6858000" cy="9144000"/>
@@ -20054,13 +20066,22 @@
               <a:t>btn</a:t>
             </a:r>
             <a:r>
-              <a:rPr lang="en-US" dirty="0">
+              <a:rPr lang="en-US">
                 <a:solidFill>
                   <a:schemeClr val="accent6"/>
                 </a:solidFill>
                 <a:latin typeface="Consolas" panose="020B0609020204030204" pitchFamily="49" charset="0"/>
               </a:rPr>
-              <a:t>-delete" (click)="delete(</a:t>
+              <a:t>-danger" </a:t>
+            </a:r>
+            <a:r>
+              <a:rPr lang="en-US" dirty="0">
+                <a:solidFill>
+                  <a:schemeClr val="accent6"/>
+                </a:solidFill>
+                <a:latin typeface="Consolas" panose="020B0609020204030204" pitchFamily="49" charset="0"/>
+              </a:rPr>
+              <a:t>(click)="delete(</a:t>
             </a:r>
             <a:r>
               <a:rPr lang="en-US" dirty="0" err="1">
@@ -21539,6 +21560,1360 @@
 </p:sld>
 </file>
 
+<file path=ppt/slides/slide54.xml><?xml version="1.0" encoding="utf-8"?>
+<p:sld xmlns:a="http://schemas.openxmlformats.org/drawingml/2006/main" xmlns:r="http://schemas.openxmlformats.org/officeDocument/2006/relationships" xmlns:p="http://schemas.openxmlformats.org/presentationml/2006/main">
+  <p:cSld>
+    <p:spTree>
+      <p:nvGrpSpPr>
+        <p:cNvPr id="1" name=""/>
+        <p:cNvGrpSpPr/>
+        <p:nvPr/>
+      </p:nvGrpSpPr>
+      <p:grpSpPr>
+        <a:xfrm>
+          <a:off x="0" y="0"/>
+          <a:ext cx="0" cy="0"/>
+          <a:chOff x="0" y="0"/>
+          <a:chExt cx="0" cy="0"/>
+        </a:xfrm>
+      </p:grpSpPr>
+      <p:sp>
+        <p:nvSpPr>
+          <p:cNvPr id="2" name="Title 1">
+            <a:extLst>
+              <a:ext uri="{FF2B5EF4-FFF2-40B4-BE49-F238E27FC236}">
+                <a16:creationId xmlns:a16="http://schemas.microsoft.com/office/drawing/2014/main" id="{195FD8C3-2932-4348-B980-3FA578B379A7}"/>
+              </a:ext>
+            </a:extLst>
+          </p:cNvPr>
+          <p:cNvSpPr>
+            <a:spLocks noGrp="1"/>
+          </p:cNvSpPr>
+          <p:nvPr>
+            <p:ph type="title"/>
+          </p:nvPr>
+        </p:nvSpPr>
+        <p:spPr/>
+        <p:txBody>
+          <a:bodyPr/>
+          <a:lstStyle/>
+          <a:p>
+            <a:r>
+              <a:rPr lang="en-US" dirty="0"/>
+              <a:t>BLA </a:t>
+            </a:r>
+            <a:r>
+              <a:rPr lang="en-US" dirty="0" err="1"/>
+              <a:t>BLA</a:t>
+            </a:r>
+            <a:r>
+              <a:rPr lang="en-US" dirty="0"/>
+              <a:t>	</a:t>
+            </a:r>
+            <a:endParaRPr lang="en-NL" dirty="0"/>
+          </a:p>
+        </p:txBody>
+      </p:sp>
+      <p:sp>
+        <p:nvSpPr>
+          <p:cNvPr id="3" name="Content Placeholder 2">
+            <a:extLst>
+              <a:ext uri="{FF2B5EF4-FFF2-40B4-BE49-F238E27FC236}">
+                <a16:creationId xmlns:a16="http://schemas.microsoft.com/office/drawing/2014/main" id="{0DE9D5BB-2491-4C6C-9B59-766A9FDF574D}"/>
+              </a:ext>
+            </a:extLst>
+          </p:cNvPr>
+          <p:cNvSpPr>
+            <a:spLocks noGrp="1"/>
+          </p:cNvSpPr>
+          <p:nvPr>
+            <p:ph idx="1"/>
+          </p:nvPr>
+        </p:nvSpPr>
+        <p:spPr/>
+        <p:txBody>
+          <a:bodyPr/>
+          <a:lstStyle/>
+          <a:p>
+            <a:r>
+              <a:rPr lang="en-US" dirty="0"/>
+              <a:t>Create </a:t>
+            </a:r>
+            <a:r>
+              <a:rPr lang="en-US" dirty="0" err="1"/>
+              <a:t>homecomponent</a:t>
+            </a:r>
+            <a:endParaRPr lang="en-NL" dirty="0"/>
+          </a:p>
+        </p:txBody>
+      </p:sp>
+    </p:spTree>
+    <p:extLst>
+      <p:ext uri="{BB962C8B-B14F-4D97-AF65-F5344CB8AC3E}">
+        <p14:creationId xmlns:p14="http://schemas.microsoft.com/office/powerpoint/2010/main" val="1342114192"/>
+      </p:ext>
+    </p:extLst>
+  </p:cSld>
+  <p:clrMapOvr>
+    <a:masterClrMapping/>
+  </p:clrMapOvr>
+</p:sld>
+</file>
+
+<file path=ppt/slides/slide55.xml><?xml version="1.0" encoding="utf-8"?>
+<p:sld xmlns:a="http://schemas.openxmlformats.org/drawingml/2006/main" xmlns:r="http://schemas.openxmlformats.org/officeDocument/2006/relationships" xmlns:p="http://schemas.openxmlformats.org/presentationml/2006/main">
+  <p:cSld>
+    <p:spTree>
+      <p:nvGrpSpPr>
+        <p:cNvPr id="1" name=""/>
+        <p:cNvGrpSpPr/>
+        <p:nvPr/>
+      </p:nvGrpSpPr>
+      <p:grpSpPr>
+        <a:xfrm>
+          <a:off x="0" y="0"/>
+          <a:ext cx="0" cy="0"/>
+          <a:chOff x="0" y="0"/>
+          <a:chExt cx="0" cy="0"/>
+        </a:xfrm>
+      </p:grpSpPr>
+      <p:sp>
+        <p:nvSpPr>
+          <p:cNvPr id="2" name="Title 1">
+            <a:extLst>
+              <a:ext uri="{FF2B5EF4-FFF2-40B4-BE49-F238E27FC236}">
+                <a16:creationId xmlns:a16="http://schemas.microsoft.com/office/drawing/2014/main" id="{9A64E705-BDA7-4BB6-9694-05EDEF6B8B3E}"/>
+              </a:ext>
+            </a:extLst>
+          </p:cNvPr>
+          <p:cNvSpPr>
+            <a:spLocks noGrp="1"/>
+          </p:cNvSpPr>
+          <p:nvPr>
+            <p:ph type="title"/>
+          </p:nvPr>
+        </p:nvSpPr>
+        <p:spPr/>
+        <p:txBody>
+          <a:bodyPr/>
+          <a:lstStyle/>
+          <a:p>
+            <a:endParaRPr lang="en-NL"/>
+          </a:p>
+        </p:txBody>
+      </p:sp>
+      <p:sp>
+        <p:nvSpPr>
+          <p:cNvPr id="3" name="Content Placeholder 2">
+            <a:extLst>
+              <a:ext uri="{FF2B5EF4-FFF2-40B4-BE49-F238E27FC236}">
+                <a16:creationId xmlns:a16="http://schemas.microsoft.com/office/drawing/2014/main" id="{40AE36F2-7DFA-4E50-9DE2-BE9A4E6E12ED}"/>
+              </a:ext>
+            </a:extLst>
+          </p:cNvPr>
+          <p:cNvSpPr>
+            <a:spLocks noGrp="1"/>
+          </p:cNvSpPr>
+          <p:nvPr>
+            <p:ph idx="1"/>
+          </p:nvPr>
+        </p:nvSpPr>
+        <p:spPr/>
+        <p:txBody>
+          <a:bodyPr/>
+          <a:lstStyle/>
+          <a:p>
+            <a:pPr marL="0" indent="0">
+              <a:buNone/>
+            </a:pPr>
+            <a:endParaRPr lang="en-NL" dirty="0"/>
+          </a:p>
+        </p:txBody>
+      </p:sp>
+    </p:spTree>
+    <p:extLst>
+      <p:ext uri="{BB962C8B-B14F-4D97-AF65-F5344CB8AC3E}">
+        <p14:creationId xmlns:p14="http://schemas.microsoft.com/office/powerpoint/2010/main" val="1259476081"/>
+      </p:ext>
+    </p:extLst>
+  </p:cSld>
+  <p:clrMapOvr>
+    <a:masterClrMapping/>
+  </p:clrMapOvr>
+</p:sld>
+</file>
+
+<file path=ppt/slides/slide56.xml><?xml version="1.0" encoding="utf-8"?>
+<p:sld xmlns:a="http://schemas.openxmlformats.org/drawingml/2006/main" xmlns:r="http://schemas.openxmlformats.org/officeDocument/2006/relationships" xmlns:p="http://schemas.openxmlformats.org/presentationml/2006/main">
+  <p:cSld>
+    <p:spTree>
+      <p:nvGrpSpPr>
+        <p:cNvPr id="1" name=""/>
+        <p:cNvGrpSpPr/>
+        <p:nvPr/>
+      </p:nvGrpSpPr>
+      <p:grpSpPr>
+        <a:xfrm>
+          <a:off x="0" y="0"/>
+          <a:ext cx="0" cy="0"/>
+          <a:chOff x="0" y="0"/>
+          <a:chExt cx="0" cy="0"/>
+        </a:xfrm>
+      </p:grpSpPr>
+      <p:sp>
+        <p:nvSpPr>
+          <p:cNvPr id="2" name="Title 1">
+            <a:extLst>
+              <a:ext uri="{FF2B5EF4-FFF2-40B4-BE49-F238E27FC236}">
+                <a16:creationId xmlns:a16="http://schemas.microsoft.com/office/drawing/2014/main" id="{45182E92-06EC-4809-8179-43828597BB68}"/>
+              </a:ext>
+            </a:extLst>
+          </p:cNvPr>
+          <p:cNvSpPr>
+            <a:spLocks noGrp="1"/>
+          </p:cNvSpPr>
+          <p:nvPr>
+            <p:ph type="title"/>
+          </p:nvPr>
+        </p:nvSpPr>
+        <p:spPr/>
+        <p:txBody>
+          <a:bodyPr/>
+          <a:lstStyle/>
+          <a:p>
+            <a:r>
+              <a:rPr lang="en-US" dirty="0" err="1"/>
+              <a:t>cmd</a:t>
+            </a:r>
+            <a:endParaRPr lang="en-NL" dirty="0"/>
+          </a:p>
+        </p:txBody>
+      </p:sp>
+      <p:sp>
+        <p:nvSpPr>
+          <p:cNvPr id="3" name="Content Placeholder 2">
+            <a:extLst>
+              <a:ext uri="{FF2B5EF4-FFF2-40B4-BE49-F238E27FC236}">
+                <a16:creationId xmlns:a16="http://schemas.microsoft.com/office/drawing/2014/main" id="{D1C90A54-BF10-4871-86E3-A39093C29941}"/>
+              </a:ext>
+            </a:extLst>
+          </p:cNvPr>
+          <p:cNvSpPr>
+            <a:spLocks noGrp="1"/>
+          </p:cNvSpPr>
+          <p:nvPr>
+            <p:ph idx="1"/>
+          </p:nvPr>
+        </p:nvSpPr>
+        <p:spPr/>
+        <p:style>
+          <a:lnRef idx="2">
+            <a:schemeClr val="dk1">
+              <a:shade val="50000"/>
+            </a:schemeClr>
+          </a:lnRef>
+          <a:fillRef idx="1">
+            <a:schemeClr val="dk1"/>
+          </a:fillRef>
+          <a:effectRef idx="0">
+            <a:schemeClr val="dk1"/>
+          </a:effectRef>
+          <a:fontRef idx="minor">
+            <a:schemeClr val="lt1"/>
+          </a:fontRef>
+        </p:style>
+        <p:txBody>
+          <a:bodyPr/>
+          <a:lstStyle/>
+          <a:p>
+            <a:pPr marL="0" indent="0">
+              <a:buNone/>
+            </a:pPr>
+            <a:r>
+              <a:rPr lang="en-US" dirty="0"/>
+              <a:t>&gt; ng g component home</a:t>
+            </a:r>
+            <a:endParaRPr lang="en-NL" dirty="0"/>
+          </a:p>
+        </p:txBody>
+      </p:sp>
+    </p:spTree>
+    <p:extLst>
+      <p:ext uri="{BB962C8B-B14F-4D97-AF65-F5344CB8AC3E}">
+        <p14:creationId xmlns:p14="http://schemas.microsoft.com/office/powerpoint/2010/main" val="1321668897"/>
+      </p:ext>
+    </p:extLst>
+  </p:cSld>
+  <p:clrMapOvr>
+    <a:masterClrMapping/>
+  </p:clrMapOvr>
+</p:sld>
+</file>
+
+<file path=ppt/slides/slide57.xml><?xml version="1.0" encoding="utf-8"?>
+<p:sld xmlns:a="http://schemas.openxmlformats.org/drawingml/2006/main" xmlns:r="http://schemas.openxmlformats.org/officeDocument/2006/relationships" xmlns:p="http://schemas.openxmlformats.org/presentationml/2006/main">
+  <p:cSld>
+    <p:spTree>
+      <p:nvGrpSpPr>
+        <p:cNvPr id="1" name=""/>
+        <p:cNvGrpSpPr/>
+        <p:nvPr/>
+      </p:nvGrpSpPr>
+      <p:grpSpPr>
+        <a:xfrm>
+          <a:off x="0" y="0"/>
+          <a:ext cx="0" cy="0"/>
+          <a:chOff x="0" y="0"/>
+          <a:chExt cx="0" cy="0"/>
+        </a:xfrm>
+      </p:grpSpPr>
+      <p:sp>
+        <p:nvSpPr>
+          <p:cNvPr id="2" name="Title 1">
+            <a:extLst>
+              <a:ext uri="{FF2B5EF4-FFF2-40B4-BE49-F238E27FC236}">
+                <a16:creationId xmlns:a16="http://schemas.microsoft.com/office/drawing/2014/main" id="{E47D320D-A223-44FB-A14D-14D7AB2DBCF6}"/>
+              </a:ext>
+            </a:extLst>
+          </p:cNvPr>
+          <p:cNvSpPr>
+            <a:spLocks noGrp="1"/>
+          </p:cNvSpPr>
+          <p:nvPr>
+            <p:ph type="title"/>
+          </p:nvPr>
+        </p:nvSpPr>
+        <p:spPr/>
+        <p:txBody>
+          <a:bodyPr/>
+          <a:lstStyle/>
+          <a:p>
+            <a:r>
+              <a:rPr lang="en-US" dirty="0" err="1"/>
+              <a:t>app.routing.module.ts</a:t>
+            </a:r>
+            <a:endParaRPr lang="en-NL" dirty="0"/>
+          </a:p>
+        </p:txBody>
+      </p:sp>
+      <p:sp>
+        <p:nvSpPr>
+          <p:cNvPr id="3" name="Content Placeholder 2">
+            <a:extLst>
+              <a:ext uri="{FF2B5EF4-FFF2-40B4-BE49-F238E27FC236}">
+                <a16:creationId xmlns:a16="http://schemas.microsoft.com/office/drawing/2014/main" id="{FC525FEB-DD0E-49FB-AE1F-569BCC159736}"/>
+              </a:ext>
+            </a:extLst>
+          </p:cNvPr>
+          <p:cNvSpPr>
+            <a:spLocks noGrp="1"/>
+          </p:cNvSpPr>
+          <p:nvPr>
+            <p:ph idx="1"/>
+          </p:nvPr>
+        </p:nvSpPr>
+        <p:spPr/>
+        <p:style>
+          <a:lnRef idx="0">
+            <a:scrgbClr r="0" g="0" b="0"/>
+          </a:lnRef>
+          <a:fillRef idx="1001">
+            <a:schemeClr val="dk2"/>
+          </a:fillRef>
+          <a:effectRef idx="0">
+            <a:scrgbClr r="0" g="0" b="0"/>
+          </a:effectRef>
+          <a:fontRef idx="major"/>
+        </p:style>
+        <p:txBody>
+          <a:bodyPr/>
+          <a:lstStyle/>
+          <a:p>
+            <a:pPr marL="0" indent="0">
+              <a:buNone/>
+            </a:pPr>
+            <a:r>
+              <a:rPr lang="en-US" dirty="0" err="1">
+                <a:solidFill>
+                  <a:srgbClr val="569CD6"/>
+                </a:solidFill>
+                <a:latin typeface="Consolas" panose="020B0609020204030204" pitchFamily="49" charset="0"/>
+              </a:rPr>
+              <a:t>const</a:t>
+            </a:r>
+            <a:r>
+              <a:rPr lang="en-US" dirty="0">
+                <a:solidFill>
+                  <a:srgbClr val="D4D4D4"/>
+                </a:solidFill>
+                <a:latin typeface="Consolas" panose="020B0609020204030204" pitchFamily="49" charset="0"/>
+              </a:rPr>
+              <a:t> </a:t>
+            </a:r>
+            <a:r>
+              <a:rPr lang="en-US" dirty="0">
+                <a:solidFill>
+                  <a:srgbClr val="9CDCFE"/>
+                </a:solidFill>
+                <a:latin typeface="Consolas" panose="020B0609020204030204" pitchFamily="49" charset="0"/>
+              </a:rPr>
+              <a:t>routes</a:t>
+            </a:r>
+            <a:r>
+              <a:rPr lang="en-US" dirty="0">
+                <a:solidFill>
+                  <a:srgbClr val="D4D4D4"/>
+                </a:solidFill>
+                <a:latin typeface="Consolas" panose="020B0609020204030204" pitchFamily="49" charset="0"/>
+              </a:rPr>
+              <a:t>: </a:t>
+            </a:r>
+            <a:r>
+              <a:rPr lang="en-US" dirty="0">
+                <a:solidFill>
+                  <a:srgbClr val="4EC9B0"/>
+                </a:solidFill>
+                <a:latin typeface="Consolas" panose="020B0609020204030204" pitchFamily="49" charset="0"/>
+              </a:rPr>
+              <a:t>Routes</a:t>
+            </a:r>
+            <a:r>
+              <a:rPr lang="en-US" dirty="0">
+                <a:solidFill>
+                  <a:srgbClr val="D4D4D4"/>
+                </a:solidFill>
+                <a:latin typeface="Consolas" panose="020B0609020204030204" pitchFamily="49" charset="0"/>
+              </a:rPr>
+              <a:t> = [</a:t>
+            </a:r>
+          </a:p>
+          <a:p>
+            <a:pPr marL="457200" lvl="1" indent="0">
+              <a:buNone/>
+            </a:pPr>
+            <a:r>
+              <a:rPr lang="en-US" dirty="0">
+                <a:solidFill>
+                  <a:srgbClr val="D4D4D4"/>
+                </a:solidFill>
+                <a:latin typeface="Consolas" panose="020B0609020204030204" pitchFamily="49" charset="0"/>
+              </a:rPr>
+              <a:t>{</a:t>
+            </a:r>
+            <a:r>
+              <a:rPr lang="en-US" dirty="0">
+                <a:solidFill>
+                  <a:srgbClr val="9CDCFE"/>
+                </a:solidFill>
+                <a:latin typeface="Consolas" panose="020B0609020204030204" pitchFamily="49" charset="0"/>
+              </a:rPr>
+              <a:t>path:</a:t>
+            </a:r>
+            <a:r>
+              <a:rPr lang="en-US" dirty="0">
+                <a:solidFill>
+                  <a:srgbClr val="D4D4D4"/>
+                </a:solidFill>
+                <a:latin typeface="Consolas" panose="020B0609020204030204" pitchFamily="49" charset="0"/>
+              </a:rPr>
+              <a:t> </a:t>
+            </a:r>
+            <a:r>
+              <a:rPr lang="en-US" dirty="0">
+                <a:solidFill>
+                  <a:srgbClr val="CE9178"/>
+                </a:solidFill>
+                <a:latin typeface="Consolas" panose="020B0609020204030204" pitchFamily="49" charset="0"/>
+              </a:rPr>
+              <a:t>''</a:t>
+            </a:r>
+            <a:r>
+              <a:rPr lang="en-US" dirty="0">
+                <a:solidFill>
+                  <a:srgbClr val="D4D4D4"/>
+                </a:solidFill>
+                <a:latin typeface="Consolas" panose="020B0609020204030204" pitchFamily="49" charset="0"/>
+              </a:rPr>
+              <a:t>, </a:t>
+            </a:r>
+            <a:r>
+              <a:rPr lang="en-US" dirty="0">
+                <a:solidFill>
+                  <a:srgbClr val="9CDCFE"/>
+                </a:solidFill>
+                <a:latin typeface="Consolas" panose="020B0609020204030204" pitchFamily="49" charset="0"/>
+              </a:rPr>
+              <a:t>component:</a:t>
+            </a:r>
+            <a:r>
+              <a:rPr lang="en-US" dirty="0">
+                <a:solidFill>
+                  <a:srgbClr val="D4D4D4"/>
+                </a:solidFill>
+                <a:latin typeface="Consolas" panose="020B0609020204030204" pitchFamily="49" charset="0"/>
+              </a:rPr>
+              <a:t> </a:t>
+            </a:r>
+            <a:r>
+              <a:rPr lang="en-US" dirty="0" err="1">
+                <a:solidFill>
+                  <a:srgbClr val="9CDCFE"/>
+                </a:solidFill>
+                <a:latin typeface="Consolas" panose="020B0609020204030204" pitchFamily="49" charset="0"/>
+              </a:rPr>
+              <a:t>HomeComponent</a:t>
+            </a:r>
+            <a:r>
+              <a:rPr lang="en-US" dirty="0">
+                <a:solidFill>
+                  <a:srgbClr val="D4D4D4"/>
+                </a:solidFill>
+                <a:latin typeface="Consolas" panose="020B0609020204030204" pitchFamily="49" charset="0"/>
+              </a:rPr>
+              <a:t>},</a:t>
+            </a:r>
+          </a:p>
+          <a:p>
+            <a:pPr marL="457200" lvl="1" indent="0">
+              <a:buNone/>
+            </a:pPr>
+            <a:r>
+              <a:rPr lang="en-US" dirty="0">
+                <a:solidFill>
+                  <a:srgbClr val="D4D4D4"/>
+                </a:solidFill>
+                <a:latin typeface="Consolas" panose="020B0609020204030204" pitchFamily="49" charset="0"/>
+              </a:rPr>
+              <a:t>{</a:t>
+            </a:r>
+            <a:r>
+              <a:rPr lang="en-US" dirty="0">
+                <a:solidFill>
+                  <a:srgbClr val="9CDCFE"/>
+                </a:solidFill>
+                <a:latin typeface="Consolas" panose="020B0609020204030204" pitchFamily="49" charset="0"/>
+              </a:rPr>
+              <a:t>path:</a:t>
+            </a:r>
+            <a:r>
+              <a:rPr lang="en-US" dirty="0">
+                <a:solidFill>
+                  <a:srgbClr val="D4D4D4"/>
+                </a:solidFill>
+                <a:latin typeface="Consolas" panose="020B0609020204030204" pitchFamily="49" charset="0"/>
+              </a:rPr>
+              <a:t> </a:t>
+            </a:r>
+            <a:r>
+              <a:rPr lang="en-US" dirty="0">
+                <a:solidFill>
+                  <a:srgbClr val="CE9178"/>
+                </a:solidFill>
+                <a:latin typeface="Consolas" panose="020B0609020204030204" pitchFamily="49" charset="0"/>
+              </a:rPr>
+              <a:t>'create'</a:t>
+            </a:r>
+            <a:r>
+              <a:rPr lang="en-US" dirty="0">
+                <a:solidFill>
+                  <a:srgbClr val="D4D4D4"/>
+                </a:solidFill>
+                <a:latin typeface="Consolas" panose="020B0609020204030204" pitchFamily="49" charset="0"/>
+              </a:rPr>
+              <a:t>, </a:t>
+            </a:r>
+            <a:r>
+              <a:rPr lang="en-US" dirty="0">
+                <a:solidFill>
+                  <a:srgbClr val="9CDCFE"/>
+                </a:solidFill>
+                <a:latin typeface="Consolas" panose="020B0609020204030204" pitchFamily="49" charset="0"/>
+              </a:rPr>
+              <a:t>component:</a:t>
+            </a:r>
+            <a:r>
+              <a:rPr lang="en-US" dirty="0">
+                <a:solidFill>
+                  <a:srgbClr val="D4D4D4"/>
+                </a:solidFill>
+                <a:latin typeface="Consolas" panose="020B0609020204030204" pitchFamily="49" charset="0"/>
+              </a:rPr>
+              <a:t> </a:t>
+            </a:r>
+            <a:r>
+              <a:rPr lang="en-US" dirty="0" err="1">
+                <a:solidFill>
+                  <a:srgbClr val="9CDCFE"/>
+                </a:solidFill>
+                <a:latin typeface="Consolas" panose="020B0609020204030204" pitchFamily="49" charset="0"/>
+              </a:rPr>
+              <a:t>CreateTodoComponent</a:t>
+            </a:r>
+            <a:r>
+              <a:rPr lang="en-US" dirty="0">
+                <a:solidFill>
+                  <a:srgbClr val="D4D4D4"/>
+                </a:solidFill>
+                <a:latin typeface="Consolas" panose="020B0609020204030204" pitchFamily="49" charset="0"/>
+              </a:rPr>
+              <a:t>},</a:t>
+            </a:r>
+          </a:p>
+          <a:p>
+            <a:pPr marL="457200" lvl="1" indent="0">
+              <a:buNone/>
+            </a:pPr>
+            <a:r>
+              <a:rPr lang="en-US" dirty="0">
+                <a:solidFill>
+                  <a:srgbClr val="D4D4D4"/>
+                </a:solidFill>
+                <a:latin typeface="Consolas" panose="020B0609020204030204" pitchFamily="49" charset="0"/>
+              </a:rPr>
+              <a:t>{</a:t>
+            </a:r>
+            <a:r>
+              <a:rPr lang="en-US" dirty="0">
+                <a:solidFill>
+                  <a:srgbClr val="9CDCFE"/>
+                </a:solidFill>
+                <a:latin typeface="Consolas" panose="020B0609020204030204" pitchFamily="49" charset="0"/>
+              </a:rPr>
+              <a:t>path:</a:t>
+            </a:r>
+            <a:r>
+              <a:rPr lang="en-US" dirty="0">
+                <a:solidFill>
+                  <a:srgbClr val="D4D4D4"/>
+                </a:solidFill>
+                <a:latin typeface="Consolas" panose="020B0609020204030204" pitchFamily="49" charset="0"/>
+              </a:rPr>
+              <a:t> </a:t>
+            </a:r>
+            <a:r>
+              <a:rPr lang="en-US" dirty="0">
+                <a:solidFill>
+                  <a:srgbClr val="CE9178"/>
+                </a:solidFill>
+                <a:latin typeface="Consolas" panose="020B0609020204030204" pitchFamily="49" charset="0"/>
+              </a:rPr>
+              <a:t>'overview'</a:t>
+            </a:r>
+            <a:r>
+              <a:rPr lang="en-US" dirty="0">
+                <a:solidFill>
+                  <a:srgbClr val="D4D4D4"/>
+                </a:solidFill>
+                <a:latin typeface="Consolas" panose="020B0609020204030204" pitchFamily="49" charset="0"/>
+              </a:rPr>
+              <a:t>, </a:t>
+            </a:r>
+            <a:r>
+              <a:rPr lang="en-US" dirty="0">
+                <a:solidFill>
+                  <a:srgbClr val="9CDCFE"/>
+                </a:solidFill>
+                <a:latin typeface="Consolas" panose="020B0609020204030204" pitchFamily="49" charset="0"/>
+              </a:rPr>
+              <a:t>component:</a:t>
+            </a:r>
+            <a:r>
+              <a:rPr lang="en-US" dirty="0">
+                <a:solidFill>
+                  <a:srgbClr val="D4D4D4"/>
+                </a:solidFill>
+                <a:latin typeface="Consolas" panose="020B0609020204030204" pitchFamily="49" charset="0"/>
+              </a:rPr>
+              <a:t> </a:t>
+            </a:r>
+            <a:r>
+              <a:rPr lang="en-US" dirty="0" err="1">
+                <a:solidFill>
+                  <a:srgbClr val="9CDCFE"/>
+                </a:solidFill>
+                <a:latin typeface="Consolas" panose="020B0609020204030204" pitchFamily="49" charset="0"/>
+              </a:rPr>
+              <a:t>TodoOverviewComponent</a:t>
+            </a:r>
+            <a:r>
+              <a:rPr lang="en-US" dirty="0">
+                <a:solidFill>
+                  <a:srgbClr val="D4D4D4"/>
+                </a:solidFill>
+                <a:latin typeface="Consolas" panose="020B0609020204030204" pitchFamily="49" charset="0"/>
+              </a:rPr>
+              <a:t>},</a:t>
+            </a:r>
+          </a:p>
+          <a:p>
+            <a:pPr marL="457200" lvl="1" indent="0">
+              <a:buNone/>
+            </a:pPr>
+            <a:r>
+              <a:rPr lang="en-US" dirty="0">
+                <a:solidFill>
+                  <a:srgbClr val="D4D4D4"/>
+                </a:solidFill>
+                <a:latin typeface="Consolas" panose="020B0609020204030204" pitchFamily="49" charset="0"/>
+              </a:rPr>
+              <a:t>{</a:t>
+            </a:r>
+            <a:r>
+              <a:rPr lang="en-US" dirty="0">
+                <a:solidFill>
+                  <a:srgbClr val="9CDCFE"/>
+                </a:solidFill>
+                <a:latin typeface="Consolas" panose="020B0609020204030204" pitchFamily="49" charset="0"/>
+              </a:rPr>
+              <a:t>path:</a:t>
+            </a:r>
+            <a:r>
+              <a:rPr lang="en-US" dirty="0">
+                <a:solidFill>
+                  <a:srgbClr val="D4D4D4"/>
+                </a:solidFill>
+                <a:latin typeface="Consolas" panose="020B0609020204030204" pitchFamily="49" charset="0"/>
+              </a:rPr>
+              <a:t> </a:t>
+            </a:r>
+            <a:r>
+              <a:rPr lang="en-US" dirty="0">
+                <a:solidFill>
+                  <a:srgbClr val="CE9178"/>
+                </a:solidFill>
+                <a:latin typeface="Consolas" panose="020B0609020204030204" pitchFamily="49" charset="0"/>
+              </a:rPr>
+              <a:t>'**'</a:t>
+            </a:r>
+            <a:r>
+              <a:rPr lang="en-US" dirty="0">
+                <a:solidFill>
+                  <a:srgbClr val="D4D4D4"/>
+                </a:solidFill>
+                <a:latin typeface="Consolas" panose="020B0609020204030204" pitchFamily="49" charset="0"/>
+              </a:rPr>
+              <a:t>, </a:t>
+            </a:r>
+            <a:r>
+              <a:rPr lang="en-US" dirty="0">
+                <a:solidFill>
+                  <a:srgbClr val="9CDCFE"/>
+                </a:solidFill>
+                <a:latin typeface="Consolas" panose="020B0609020204030204" pitchFamily="49" charset="0"/>
+              </a:rPr>
+              <a:t>component:</a:t>
+            </a:r>
+            <a:r>
+              <a:rPr lang="en-US" dirty="0">
+                <a:solidFill>
+                  <a:srgbClr val="D4D4D4"/>
+                </a:solidFill>
+                <a:latin typeface="Consolas" panose="020B0609020204030204" pitchFamily="49" charset="0"/>
+              </a:rPr>
+              <a:t> </a:t>
+            </a:r>
+            <a:r>
+              <a:rPr lang="en-US" dirty="0" err="1">
+                <a:solidFill>
+                  <a:srgbClr val="9CDCFE"/>
+                </a:solidFill>
+                <a:latin typeface="Consolas" panose="020B0609020204030204" pitchFamily="49" charset="0"/>
+              </a:rPr>
+              <a:t>HomeComponent</a:t>
+            </a:r>
+            <a:r>
+              <a:rPr lang="en-US" dirty="0">
+                <a:solidFill>
+                  <a:srgbClr val="D4D4D4"/>
+                </a:solidFill>
+                <a:latin typeface="Consolas" panose="020B0609020204030204" pitchFamily="49" charset="0"/>
+              </a:rPr>
+              <a:t>},</a:t>
+            </a:r>
+          </a:p>
+          <a:p>
+            <a:pPr marL="0" indent="0">
+              <a:buNone/>
+            </a:pPr>
+            <a:r>
+              <a:rPr lang="en-US" dirty="0">
+                <a:solidFill>
+                  <a:srgbClr val="D4D4D4"/>
+                </a:solidFill>
+                <a:latin typeface="Consolas" panose="020B0609020204030204" pitchFamily="49" charset="0"/>
+              </a:rPr>
+              <a:t>];</a:t>
+            </a:r>
+          </a:p>
+          <a:p>
+            <a:pPr marL="0" indent="0">
+              <a:buNone/>
+            </a:pPr>
+            <a:endParaRPr lang="en-NL" dirty="0"/>
+          </a:p>
+        </p:txBody>
+      </p:sp>
+    </p:spTree>
+    <p:extLst>
+      <p:ext uri="{BB962C8B-B14F-4D97-AF65-F5344CB8AC3E}">
+        <p14:creationId xmlns:p14="http://schemas.microsoft.com/office/powerpoint/2010/main" val="1573746339"/>
+      </p:ext>
+    </p:extLst>
+  </p:cSld>
+  <p:clrMapOvr>
+    <a:masterClrMapping/>
+  </p:clrMapOvr>
+</p:sld>
+</file>
+
+<file path=ppt/slides/slide58.xml><?xml version="1.0" encoding="utf-8"?>
+<p:sld xmlns:a="http://schemas.openxmlformats.org/drawingml/2006/main" xmlns:r="http://schemas.openxmlformats.org/officeDocument/2006/relationships" xmlns:p="http://schemas.openxmlformats.org/presentationml/2006/main">
+  <p:cSld>
+    <p:spTree>
+      <p:nvGrpSpPr>
+        <p:cNvPr id="1" name=""/>
+        <p:cNvGrpSpPr/>
+        <p:nvPr/>
+      </p:nvGrpSpPr>
+      <p:grpSpPr>
+        <a:xfrm>
+          <a:off x="0" y="0"/>
+          <a:ext cx="0" cy="0"/>
+          <a:chOff x="0" y="0"/>
+          <a:chExt cx="0" cy="0"/>
+        </a:xfrm>
+      </p:grpSpPr>
+      <p:sp>
+        <p:nvSpPr>
+          <p:cNvPr id="2" name="Title 1">
+            <a:extLst>
+              <a:ext uri="{FF2B5EF4-FFF2-40B4-BE49-F238E27FC236}">
+                <a16:creationId xmlns:a16="http://schemas.microsoft.com/office/drawing/2014/main" id="{30210B52-12D6-4A02-95BA-DBA3C8D554FC}"/>
+              </a:ext>
+            </a:extLst>
+          </p:cNvPr>
+          <p:cNvSpPr>
+            <a:spLocks noGrp="1"/>
+          </p:cNvSpPr>
+          <p:nvPr>
+            <p:ph type="title"/>
+          </p:nvPr>
+        </p:nvSpPr>
+        <p:spPr/>
+        <p:txBody>
+          <a:bodyPr/>
+          <a:lstStyle/>
+          <a:p>
+            <a:r>
+              <a:rPr lang="en-US" dirty="0"/>
+              <a:t>app.component.html</a:t>
+            </a:r>
+            <a:endParaRPr lang="en-NL" dirty="0"/>
+          </a:p>
+        </p:txBody>
+      </p:sp>
+      <p:sp>
+        <p:nvSpPr>
+          <p:cNvPr id="3" name="Content Placeholder 2">
+            <a:extLst>
+              <a:ext uri="{FF2B5EF4-FFF2-40B4-BE49-F238E27FC236}">
+                <a16:creationId xmlns:a16="http://schemas.microsoft.com/office/drawing/2014/main" id="{8BECE808-0884-4F1F-893C-0DB29FE49B1C}"/>
+              </a:ext>
+            </a:extLst>
+          </p:cNvPr>
+          <p:cNvSpPr>
+            <a:spLocks noGrp="1"/>
+          </p:cNvSpPr>
+          <p:nvPr>
+            <p:ph idx="1"/>
+          </p:nvPr>
+        </p:nvSpPr>
+        <p:spPr/>
+        <p:style>
+          <a:lnRef idx="0">
+            <a:scrgbClr r="0" g="0" b="0"/>
+          </a:lnRef>
+          <a:fillRef idx="1001">
+            <a:schemeClr val="dk2"/>
+          </a:fillRef>
+          <a:effectRef idx="0">
+            <a:scrgbClr r="0" g="0" b="0"/>
+          </a:effectRef>
+          <a:fontRef idx="major"/>
+        </p:style>
+        <p:txBody>
+          <a:bodyPr/>
+          <a:lstStyle/>
+          <a:p>
+            <a:pPr marL="0" indent="0">
+              <a:buNone/>
+            </a:pPr>
+            <a:r>
+              <a:rPr lang="en-US" dirty="0">
+                <a:solidFill>
+                  <a:srgbClr val="808080"/>
+                </a:solidFill>
+                <a:latin typeface="Consolas" panose="020B0609020204030204" pitchFamily="49" charset="0"/>
+              </a:rPr>
+              <a:t>&lt;</a:t>
+            </a:r>
+            <a:r>
+              <a:rPr lang="en-US" dirty="0">
+                <a:solidFill>
+                  <a:srgbClr val="569CD6"/>
+                </a:solidFill>
+                <a:latin typeface="Consolas" panose="020B0609020204030204" pitchFamily="49" charset="0"/>
+              </a:rPr>
+              <a:t>li</a:t>
+            </a:r>
+            <a:r>
+              <a:rPr lang="en-US" dirty="0">
+                <a:solidFill>
+                  <a:srgbClr val="808080"/>
+                </a:solidFill>
+                <a:latin typeface="Consolas" panose="020B0609020204030204" pitchFamily="49" charset="0"/>
+              </a:rPr>
+              <a:t>&gt;</a:t>
+            </a:r>
+            <a:endParaRPr lang="en-US" dirty="0">
+              <a:solidFill>
+                <a:srgbClr val="D4D4D4"/>
+              </a:solidFill>
+              <a:latin typeface="Consolas" panose="020B0609020204030204" pitchFamily="49" charset="0"/>
+            </a:endParaRPr>
+          </a:p>
+          <a:p>
+            <a:pPr marL="0" indent="0">
+              <a:buNone/>
+            </a:pPr>
+            <a:r>
+              <a:rPr lang="en-US" dirty="0">
+                <a:solidFill>
+                  <a:srgbClr val="808080"/>
+                </a:solidFill>
+                <a:latin typeface="Consolas" panose="020B0609020204030204" pitchFamily="49" charset="0"/>
+              </a:rPr>
+              <a:t>	&lt;</a:t>
+            </a:r>
+            <a:r>
+              <a:rPr lang="en-US" dirty="0">
+                <a:solidFill>
+                  <a:srgbClr val="569CD6"/>
+                </a:solidFill>
+                <a:latin typeface="Consolas" panose="020B0609020204030204" pitchFamily="49" charset="0"/>
+              </a:rPr>
+              <a:t>a</a:t>
+            </a:r>
+            <a:r>
+              <a:rPr lang="en-US" dirty="0">
+                <a:solidFill>
+                  <a:srgbClr val="D4D4D4"/>
+                </a:solidFill>
+                <a:latin typeface="Consolas" panose="020B0609020204030204" pitchFamily="49" charset="0"/>
+              </a:rPr>
+              <a:t> </a:t>
+            </a:r>
+            <a:r>
+              <a:rPr lang="en-US" dirty="0" err="1">
+                <a:solidFill>
+                  <a:srgbClr val="9CDCFE"/>
+                </a:solidFill>
+                <a:latin typeface="Consolas" panose="020B0609020204030204" pitchFamily="49" charset="0"/>
+              </a:rPr>
+              <a:t>routerLink</a:t>
+            </a:r>
+            <a:r>
+              <a:rPr lang="en-US" dirty="0">
+                <a:solidFill>
+                  <a:srgbClr val="D4D4D4"/>
+                </a:solidFill>
+                <a:latin typeface="Consolas" panose="020B0609020204030204" pitchFamily="49" charset="0"/>
+              </a:rPr>
+              <a:t>=</a:t>
+            </a:r>
+            <a:r>
+              <a:rPr lang="en-US" dirty="0">
+                <a:solidFill>
+                  <a:srgbClr val="CE9178"/>
+                </a:solidFill>
+                <a:latin typeface="Consolas" panose="020B0609020204030204" pitchFamily="49" charset="0"/>
+              </a:rPr>
+              <a:t>"/create"</a:t>
+            </a:r>
+            <a:r>
+              <a:rPr lang="en-US" dirty="0">
+                <a:solidFill>
+                  <a:srgbClr val="808080"/>
+                </a:solidFill>
+                <a:latin typeface="Consolas" panose="020B0609020204030204" pitchFamily="49" charset="0"/>
+              </a:rPr>
+              <a:t>&gt;</a:t>
+            </a:r>
+            <a:r>
+              <a:rPr lang="en-US" dirty="0">
+                <a:solidFill>
+                  <a:srgbClr val="D4D4D4"/>
+                </a:solidFill>
+                <a:latin typeface="Consolas" panose="020B0609020204030204" pitchFamily="49" charset="0"/>
+              </a:rPr>
+              <a:t>New</a:t>
+            </a:r>
+            <a:r>
+              <a:rPr lang="en-US" dirty="0">
+                <a:solidFill>
+                  <a:srgbClr val="808080"/>
+                </a:solidFill>
+                <a:latin typeface="Consolas" panose="020B0609020204030204" pitchFamily="49" charset="0"/>
+              </a:rPr>
+              <a:t>&lt;/</a:t>
+            </a:r>
+            <a:r>
+              <a:rPr lang="en-US" dirty="0">
+                <a:solidFill>
+                  <a:srgbClr val="569CD6"/>
+                </a:solidFill>
+                <a:latin typeface="Consolas" panose="020B0609020204030204" pitchFamily="49" charset="0"/>
+              </a:rPr>
+              <a:t>a</a:t>
+            </a:r>
+            <a:r>
+              <a:rPr lang="en-US" dirty="0">
+                <a:solidFill>
+                  <a:srgbClr val="808080"/>
+                </a:solidFill>
+                <a:latin typeface="Consolas" panose="020B0609020204030204" pitchFamily="49" charset="0"/>
+              </a:rPr>
+              <a:t>&gt;</a:t>
+            </a:r>
+            <a:endParaRPr lang="en-US" dirty="0">
+              <a:solidFill>
+                <a:srgbClr val="D4D4D4"/>
+              </a:solidFill>
+              <a:latin typeface="Consolas" panose="020B0609020204030204" pitchFamily="49" charset="0"/>
+            </a:endParaRPr>
+          </a:p>
+          <a:p>
+            <a:pPr marL="0" indent="0">
+              <a:buNone/>
+            </a:pPr>
+            <a:r>
+              <a:rPr lang="en-US" dirty="0">
+                <a:solidFill>
+                  <a:srgbClr val="808080"/>
+                </a:solidFill>
+                <a:latin typeface="Consolas" panose="020B0609020204030204" pitchFamily="49" charset="0"/>
+              </a:rPr>
+              <a:t>&lt;/</a:t>
+            </a:r>
+            <a:r>
+              <a:rPr lang="en-US" dirty="0">
+                <a:solidFill>
+                  <a:srgbClr val="569CD6"/>
+                </a:solidFill>
+                <a:latin typeface="Consolas" panose="020B0609020204030204" pitchFamily="49" charset="0"/>
+              </a:rPr>
+              <a:t>li</a:t>
+            </a:r>
+            <a:r>
+              <a:rPr lang="en-US" dirty="0">
+                <a:solidFill>
+                  <a:srgbClr val="808080"/>
+                </a:solidFill>
+                <a:latin typeface="Consolas" panose="020B0609020204030204" pitchFamily="49" charset="0"/>
+              </a:rPr>
+              <a:t>&gt;</a:t>
+            </a:r>
+            <a:endParaRPr lang="en-US" dirty="0">
+              <a:solidFill>
+                <a:srgbClr val="D4D4D4"/>
+              </a:solidFill>
+              <a:latin typeface="Consolas" panose="020B0609020204030204" pitchFamily="49" charset="0"/>
+            </a:endParaRPr>
+          </a:p>
+          <a:p>
+            <a:pPr marL="0" indent="0">
+              <a:buNone/>
+            </a:pPr>
+            <a:endParaRPr lang="en-NL" dirty="0"/>
+          </a:p>
+        </p:txBody>
+      </p:sp>
+    </p:spTree>
+    <p:extLst>
+      <p:ext uri="{BB962C8B-B14F-4D97-AF65-F5344CB8AC3E}">
+        <p14:creationId xmlns:p14="http://schemas.microsoft.com/office/powerpoint/2010/main" val="324597792"/>
+      </p:ext>
+    </p:extLst>
+  </p:cSld>
+  <p:clrMapOvr>
+    <a:masterClrMapping/>
+  </p:clrMapOvr>
+</p:sld>
+</file>
+
+<file path=ppt/slides/slide59.xml><?xml version="1.0" encoding="utf-8"?>
+<p:sld xmlns:a="http://schemas.openxmlformats.org/drawingml/2006/main" xmlns:r="http://schemas.openxmlformats.org/officeDocument/2006/relationships" xmlns:p="http://schemas.openxmlformats.org/presentationml/2006/main">
+  <p:cSld>
+    <p:spTree>
+      <p:nvGrpSpPr>
+        <p:cNvPr id="1" name=""/>
+        <p:cNvGrpSpPr/>
+        <p:nvPr/>
+      </p:nvGrpSpPr>
+      <p:grpSpPr>
+        <a:xfrm>
+          <a:off x="0" y="0"/>
+          <a:ext cx="0" cy="0"/>
+          <a:chOff x="0" y="0"/>
+          <a:chExt cx="0" cy="0"/>
+        </a:xfrm>
+      </p:grpSpPr>
+      <p:sp>
+        <p:nvSpPr>
+          <p:cNvPr id="2" name="Title 1">
+            <a:extLst>
+              <a:ext uri="{FF2B5EF4-FFF2-40B4-BE49-F238E27FC236}">
+                <a16:creationId xmlns:a16="http://schemas.microsoft.com/office/drawing/2014/main" id="{DD1511C3-1121-4AA1-9E1F-D814525AD2AE}"/>
+              </a:ext>
+            </a:extLst>
+          </p:cNvPr>
+          <p:cNvSpPr>
+            <a:spLocks noGrp="1"/>
+          </p:cNvSpPr>
+          <p:nvPr>
+            <p:ph type="title"/>
+          </p:nvPr>
+        </p:nvSpPr>
+        <p:spPr/>
+        <p:txBody>
+          <a:bodyPr/>
+          <a:lstStyle/>
+          <a:p>
+            <a:r>
+              <a:rPr lang="en-US" dirty="0" err="1"/>
+              <a:t>todo-overview.component.ts</a:t>
+            </a:r>
+            <a:endParaRPr lang="en-NL" dirty="0"/>
+          </a:p>
+        </p:txBody>
+      </p:sp>
+      <p:sp>
+        <p:nvSpPr>
+          <p:cNvPr id="3" name="Content Placeholder 2">
+            <a:extLst>
+              <a:ext uri="{FF2B5EF4-FFF2-40B4-BE49-F238E27FC236}">
+                <a16:creationId xmlns:a16="http://schemas.microsoft.com/office/drawing/2014/main" id="{FC96DA1F-1DBA-4558-AA40-131D5E84C02A}"/>
+              </a:ext>
+            </a:extLst>
+          </p:cNvPr>
+          <p:cNvSpPr>
+            <a:spLocks noGrp="1"/>
+          </p:cNvSpPr>
+          <p:nvPr>
+            <p:ph idx="1"/>
+          </p:nvPr>
+        </p:nvSpPr>
+        <p:spPr/>
+        <p:style>
+          <a:lnRef idx="0">
+            <a:scrgbClr r="0" g="0" b="0"/>
+          </a:lnRef>
+          <a:fillRef idx="1001">
+            <a:schemeClr val="dk2"/>
+          </a:fillRef>
+          <a:effectRef idx="0">
+            <a:scrgbClr r="0" g="0" b="0"/>
+          </a:effectRef>
+          <a:fontRef idx="major"/>
+        </p:style>
+        <p:txBody>
+          <a:bodyPr/>
+          <a:lstStyle/>
+          <a:p>
+            <a:pPr marL="0" indent="0">
+              <a:buNone/>
+            </a:pPr>
+            <a:r>
+              <a:rPr lang="en-US" dirty="0">
+                <a:solidFill>
+                  <a:srgbClr val="C586C0"/>
+                </a:solidFill>
+                <a:latin typeface="Consolas" panose="020B0609020204030204" pitchFamily="49" charset="0"/>
+              </a:rPr>
+              <a:t>export</a:t>
+            </a:r>
+            <a:r>
+              <a:rPr lang="en-US" dirty="0">
+                <a:solidFill>
+                  <a:srgbClr val="D4D4D4"/>
+                </a:solidFill>
+                <a:latin typeface="Consolas" panose="020B0609020204030204" pitchFamily="49" charset="0"/>
+              </a:rPr>
+              <a:t> </a:t>
+            </a:r>
+            <a:r>
+              <a:rPr lang="en-US" dirty="0">
+                <a:solidFill>
+                  <a:srgbClr val="569CD6"/>
+                </a:solidFill>
+                <a:latin typeface="Consolas" panose="020B0609020204030204" pitchFamily="49" charset="0"/>
+              </a:rPr>
+              <a:t>class</a:t>
+            </a:r>
+            <a:r>
+              <a:rPr lang="en-US" dirty="0">
+                <a:solidFill>
+                  <a:srgbClr val="D4D4D4"/>
+                </a:solidFill>
+                <a:latin typeface="Consolas" panose="020B0609020204030204" pitchFamily="49" charset="0"/>
+              </a:rPr>
+              <a:t> </a:t>
+            </a:r>
+            <a:r>
+              <a:rPr lang="en-US" dirty="0" err="1">
+                <a:solidFill>
+                  <a:srgbClr val="4EC9B0"/>
+                </a:solidFill>
+                <a:latin typeface="Consolas" panose="020B0609020204030204" pitchFamily="49" charset="0"/>
+              </a:rPr>
+              <a:t>TodoOverviewComponent</a:t>
+            </a:r>
+            <a:r>
+              <a:rPr lang="en-US" dirty="0">
+                <a:solidFill>
+                  <a:srgbClr val="D4D4D4"/>
+                </a:solidFill>
+                <a:latin typeface="Consolas" panose="020B0609020204030204" pitchFamily="49" charset="0"/>
+              </a:rPr>
+              <a:t> </a:t>
+            </a:r>
+            <a:r>
+              <a:rPr lang="en-US" dirty="0">
+                <a:solidFill>
+                  <a:srgbClr val="569CD6"/>
+                </a:solidFill>
+                <a:latin typeface="Consolas" panose="020B0609020204030204" pitchFamily="49" charset="0"/>
+              </a:rPr>
+              <a:t>implements</a:t>
+            </a:r>
+            <a:r>
+              <a:rPr lang="en-US" dirty="0">
+                <a:solidFill>
+                  <a:srgbClr val="D4D4D4"/>
+                </a:solidFill>
+                <a:latin typeface="Consolas" panose="020B0609020204030204" pitchFamily="49" charset="0"/>
+              </a:rPr>
+              <a:t> </a:t>
+            </a:r>
+            <a:r>
+              <a:rPr lang="en-US" dirty="0" err="1">
+                <a:solidFill>
+                  <a:srgbClr val="4EC9B0"/>
+                </a:solidFill>
+                <a:latin typeface="Consolas" panose="020B0609020204030204" pitchFamily="49" charset="0"/>
+              </a:rPr>
+              <a:t>OnInit</a:t>
+            </a:r>
+            <a:r>
+              <a:rPr lang="en-US" dirty="0">
+                <a:solidFill>
+                  <a:srgbClr val="D4D4D4"/>
+                </a:solidFill>
+                <a:latin typeface="Consolas" panose="020B0609020204030204" pitchFamily="49" charset="0"/>
+              </a:rPr>
+              <a:t> {</a:t>
+            </a:r>
+          </a:p>
+          <a:p>
+            <a:pPr marL="0" indent="0">
+              <a:buNone/>
+            </a:pPr>
+            <a:r>
+              <a:rPr lang="en-US" dirty="0">
+                <a:solidFill>
+                  <a:srgbClr val="D4D4D4"/>
+                </a:solidFill>
+                <a:latin typeface="Consolas" panose="020B0609020204030204" pitchFamily="49" charset="0"/>
+              </a:rPr>
+              <a:t>	@</a:t>
+            </a:r>
+            <a:r>
+              <a:rPr lang="en-US" dirty="0">
+                <a:solidFill>
+                  <a:srgbClr val="DCDCAA"/>
+                </a:solidFill>
+                <a:latin typeface="Consolas" panose="020B0609020204030204" pitchFamily="49" charset="0"/>
+              </a:rPr>
+              <a:t>Input</a:t>
+            </a:r>
+            <a:r>
+              <a:rPr lang="en-US" dirty="0">
+                <a:solidFill>
+                  <a:srgbClr val="D4D4D4"/>
+                </a:solidFill>
+                <a:latin typeface="Consolas" panose="020B0609020204030204" pitchFamily="49" charset="0"/>
+              </a:rPr>
+              <a:t>() </a:t>
+            </a:r>
+            <a:r>
+              <a:rPr lang="en-US" dirty="0">
+                <a:solidFill>
+                  <a:srgbClr val="9CDCFE"/>
+                </a:solidFill>
+                <a:latin typeface="Consolas" panose="020B0609020204030204" pitchFamily="49" charset="0"/>
+              </a:rPr>
+              <a:t>completed</a:t>
+            </a:r>
+            <a:r>
+              <a:rPr lang="en-US" dirty="0">
+                <a:solidFill>
+                  <a:srgbClr val="D4D4D4"/>
+                </a:solidFill>
+                <a:latin typeface="Consolas" panose="020B0609020204030204" pitchFamily="49" charset="0"/>
+              </a:rPr>
+              <a:t>: </a:t>
+            </a:r>
+            <a:r>
+              <a:rPr lang="en-US" dirty="0" err="1">
+                <a:solidFill>
+                  <a:srgbClr val="4EC9B0"/>
+                </a:solidFill>
+                <a:latin typeface="Consolas" panose="020B0609020204030204" pitchFamily="49" charset="0"/>
+              </a:rPr>
+              <a:t>boolean</a:t>
+            </a:r>
+            <a:r>
+              <a:rPr lang="en-US" dirty="0">
+                <a:solidFill>
+                  <a:srgbClr val="D4D4D4"/>
+                </a:solidFill>
+                <a:latin typeface="Consolas" panose="020B0609020204030204" pitchFamily="49" charset="0"/>
+              </a:rPr>
+              <a:t>;</a:t>
+            </a:r>
+            <a:endParaRPr lang="en-US" b="0" dirty="0">
+              <a:solidFill>
+                <a:srgbClr val="D4D4D4"/>
+              </a:solidFill>
+              <a:effectLst/>
+              <a:latin typeface="Consolas" panose="020B0609020204030204" pitchFamily="49" charset="0"/>
+            </a:endParaRPr>
+          </a:p>
+        </p:txBody>
+      </p:sp>
+    </p:spTree>
+    <p:extLst>
+      <p:ext uri="{BB962C8B-B14F-4D97-AF65-F5344CB8AC3E}">
+        <p14:creationId xmlns:p14="http://schemas.microsoft.com/office/powerpoint/2010/main" val="1067267909"/>
+      </p:ext>
+    </p:extLst>
+  </p:cSld>
+  <p:clrMapOvr>
+    <a:masterClrMapping/>
+  </p:clrMapOvr>
+</p:sld>
+</file>
+
 <file path=ppt/slides/slide6.xml><?xml version="1.0" encoding="utf-8"?>
 <p:sld xmlns:a="http://schemas.openxmlformats.org/drawingml/2006/main" xmlns:r="http://schemas.openxmlformats.org/officeDocument/2006/relationships" xmlns:p="http://schemas.openxmlformats.org/presentationml/2006/main">
   <p:cSld>
@@ -21718,6 +23093,2726 @@
     <p:extLst>
       <p:ext uri="{BB962C8B-B14F-4D97-AF65-F5344CB8AC3E}">
         <p14:creationId xmlns:p14="http://schemas.microsoft.com/office/powerpoint/2010/main" val="1427705843"/>
+      </p:ext>
+    </p:extLst>
+  </p:cSld>
+  <p:clrMapOvr>
+    <a:masterClrMapping/>
+  </p:clrMapOvr>
+</p:sld>
+</file>
+
+<file path=ppt/slides/slide60.xml><?xml version="1.0" encoding="utf-8"?>
+<p:sld xmlns:a="http://schemas.openxmlformats.org/drawingml/2006/main" xmlns:r="http://schemas.openxmlformats.org/officeDocument/2006/relationships" xmlns:p="http://schemas.openxmlformats.org/presentationml/2006/main">
+  <p:cSld>
+    <p:spTree>
+      <p:nvGrpSpPr>
+        <p:cNvPr id="1" name=""/>
+        <p:cNvGrpSpPr/>
+        <p:nvPr/>
+      </p:nvGrpSpPr>
+      <p:grpSpPr>
+        <a:xfrm>
+          <a:off x="0" y="0"/>
+          <a:ext cx="0" cy="0"/>
+          <a:chOff x="0" y="0"/>
+          <a:chExt cx="0" cy="0"/>
+        </a:xfrm>
+      </p:grpSpPr>
+      <p:sp>
+        <p:nvSpPr>
+          <p:cNvPr id="2" name="Title 1">
+            <a:extLst>
+              <a:ext uri="{FF2B5EF4-FFF2-40B4-BE49-F238E27FC236}">
+                <a16:creationId xmlns:a16="http://schemas.microsoft.com/office/drawing/2014/main" id="{E375C22B-7274-4EA2-AF67-C84C41397022}"/>
+              </a:ext>
+            </a:extLst>
+          </p:cNvPr>
+          <p:cNvSpPr>
+            <a:spLocks noGrp="1"/>
+          </p:cNvSpPr>
+          <p:nvPr>
+            <p:ph type="title"/>
+          </p:nvPr>
+        </p:nvSpPr>
+        <p:spPr/>
+        <p:txBody>
+          <a:bodyPr/>
+          <a:lstStyle/>
+          <a:p>
+            <a:r>
+              <a:rPr lang="en-US" dirty="0"/>
+              <a:t>home.component.html</a:t>
+            </a:r>
+            <a:endParaRPr lang="en-NL" dirty="0"/>
+          </a:p>
+        </p:txBody>
+      </p:sp>
+      <p:sp>
+        <p:nvSpPr>
+          <p:cNvPr id="3" name="Content Placeholder 2">
+            <a:extLst>
+              <a:ext uri="{FF2B5EF4-FFF2-40B4-BE49-F238E27FC236}">
+                <a16:creationId xmlns:a16="http://schemas.microsoft.com/office/drawing/2014/main" id="{C8FEE144-F48C-42F8-87DC-371EC3ED3007}"/>
+              </a:ext>
+            </a:extLst>
+          </p:cNvPr>
+          <p:cNvSpPr>
+            <a:spLocks noGrp="1"/>
+          </p:cNvSpPr>
+          <p:nvPr>
+            <p:ph idx="1"/>
+          </p:nvPr>
+        </p:nvSpPr>
+        <p:spPr/>
+        <p:style>
+          <a:lnRef idx="0">
+            <a:scrgbClr r="0" g="0" b="0"/>
+          </a:lnRef>
+          <a:fillRef idx="1001">
+            <a:schemeClr val="dk2"/>
+          </a:fillRef>
+          <a:effectRef idx="0">
+            <a:scrgbClr r="0" g="0" b="0"/>
+          </a:effectRef>
+          <a:fontRef idx="major"/>
+        </p:style>
+        <p:txBody>
+          <a:bodyPr/>
+          <a:lstStyle/>
+          <a:p>
+            <a:pPr marL="0" indent="0">
+              <a:buNone/>
+            </a:pPr>
+            <a:r>
+              <a:rPr lang="en-US" dirty="0">
+                <a:solidFill>
+                  <a:srgbClr val="808080"/>
+                </a:solidFill>
+                <a:latin typeface="Consolas" panose="020B0609020204030204" pitchFamily="49" charset="0"/>
+              </a:rPr>
+              <a:t>&lt;</a:t>
+            </a:r>
+            <a:r>
+              <a:rPr lang="en-US" dirty="0">
+                <a:solidFill>
+                  <a:srgbClr val="569CD6"/>
+                </a:solidFill>
+                <a:latin typeface="Consolas" panose="020B0609020204030204" pitchFamily="49" charset="0"/>
+              </a:rPr>
+              <a:t>div</a:t>
+            </a:r>
+            <a:r>
+              <a:rPr lang="en-US" dirty="0">
+                <a:solidFill>
+                  <a:srgbClr val="D4D4D4"/>
+                </a:solidFill>
+                <a:latin typeface="Consolas" panose="020B0609020204030204" pitchFamily="49" charset="0"/>
+              </a:rPr>
+              <a:t> </a:t>
+            </a:r>
+            <a:r>
+              <a:rPr lang="en-US" dirty="0">
+                <a:solidFill>
+                  <a:srgbClr val="9CDCFE"/>
+                </a:solidFill>
+                <a:latin typeface="Consolas" panose="020B0609020204030204" pitchFamily="49" charset="0"/>
+              </a:rPr>
+              <a:t>class</a:t>
+            </a:r>
+            <a:r>
+              <a:rPr lang="en-US" dirty="0">
+                <a:solidFill>
+                  <a:srgbClr val="D4D4D4"/>
+                </a:solidFill>
+                <a:latin typeface="Consolas" panose="020B0609020204030204" pitchFamily="49" charset="0"/>
+              </a:rPr>
+              <a:t>=</a:t>
+            </a:r>
+            <a:r>
+              <a:rPr lang="en-US" dirty="0">
+                <a:solidFill>
+                  <a:srgbClr val="CE9178"/>
+                </a:solidFill>
+                <a:latin typeface="Consolas" panose="020B0609020204030204" pitchFamily="49" charset="0"/>
+              </a:rPr>
+              <a:t>"container"</a:t>
+            </a:r>
+            <a:r>
+              <a:rPr lang="en-US" dirty="0">
+                <a:solidFill>
+                  <a:srgbClr val="808080"/>
+                </a:solidFill>
+                <a:latin typeface="Consolas" panose="020B0609020204030204" pitchFamily="49" charset="0"/>
+              </a:rPr>
+              <a:t>&gt;</a:t>
+            </a:r>
+            <a:endParaRPr lang="en-US" dirty="0">
+              <a:solidFill>
+                <a:srgbClr val="D4D4D4"/>
+              </a:solidFill>
+              <a:latin typeface="Consolas" panose="020B0609020204030204" pitchFamily="49" charset="0"/>
+            </a:endParaRPr>
+          </a:p>
+          <a:p>
+            <a:pPr marL="457200" lvl="1" indent="0">
+              <a:buNone/>
+            </a:pPr>
+            <a:r>
+              <a:rPr lang="en-US" dirty="0">
+                <a:solidFill>
+                  <a:srgbClr val="808080"/>
+                </a:solidFill>
+                <a:latin typeface="Consolas" panose="020B0609020204030204" pitchFamily="49" charset="0"/>
+              </a:rPr>
+              <a:t>&lt;</a:t>
+            </a:r>
+            <a:r>
+              <a:rPr lang="en-US" dirty="0">
+                <a:solidFill>
+                  <a:srgbClr val="569CD6"/>
+                </a:solidFill>
+                <a:latin typeface="Consolas" panose="020B0609020204030204" pitchFamily="49" charset="0"/>
+              </a:rPr>
+              <a:t>app-</a:t>
+            </a:r>
+            <a:r>
+              <a:rPr lang="en-US" dirty="0" err="1">
+                <a:solidFill>
+                  <a:srgbClr val="569CD6"/>
+                </a:solidFill>
+                <a:latin typeface="Consolas" panose="020B0609020204030204" pitchFamily="49" charset="0"/>
+              </a:rPr>
+              <a:t>todo</a:t>
+            </a:r>
+            <a:r>
+              <a:rPr lang="en-US" dirty="0">
+                <a:solidFill>
+                  <a:srgbClr val="569CD6"/>
+                </a:solidFill>
+                <a:latin typeface="Consolas" panose="020B0609020204030204" pitchFamily="49" charset="0"/>
+              </a:rPr>
+              <a:t>-overview</a:t>
+            </a:r>
+            <a:r>
+              <a:rPr lang="en-US" dirty="0">
+                <a:solidFill>
+                  <a:srgbClr val="D4D4D4"/>
+                </a:solidFill>
+                <a:latin typeface="Consolas" panose="020B0609020204030204" pitchFamily="49" charset="0"/>
+              </a:rPr>
+              <a:t> [</a:t>
+            </a:r>
+            <a:r>
+              <a:rPr lang="en-US" dirty="0">
+                <a:solidFill>
+                  <a:srgbClr val="9CDCFE"/>
+                </a:solidFill>
+                <a:latin typeface="Consolas" panose="020B0609020204030204" pitchFamily="49" charset="0"/>
+              </a:rPr>
+              <a:t>completed</a:t>
+            </a:r>
+            <a:r>
+              <a:rPr lang="en-US" dirty="0">
+                <a:solidFill>
+                  <a:srgbClr val="D4D4D4"/>
+                </a:solidFill>
+                <a:latin typeface="Consolas" panose="020B0609020204030204" pitchFamily="49" charset="0"/>
+              </a:rPr>
+              <a:t>]=</a:t>
+            </a:r>
+            <a:r>
+              <a:rPr lang="en-US" dirty="0">
+                <a:solidFill>
+                  <a:srgbClr val="CE9178"/>
+                </a:solidFill>
+                <a:latin typeface="Consolas" panose="020B0609020204030204" pitchFamily="49" charset="0"/>
+              </a:rPr>
+              <a:t>"false"</a:t>
+            </a:r>
+            <a:r>
+              <a:rPr lang="en-US" dirty="0">
+                <a:solidFill>
+                  <a:srgbClr val="808080"/>
+                </a:solidFill>
+                <a:latin typeface="Consolas" panose="020B0609020204030204" pitchFamily="49" charset="0"/>
+              </a:rPr>
+              <a:t>&gt;</a:t>
+            </a:r>
+          </a:p>
+          <a:p>
+            <a:pPr marL="457200" lvl="1" indent="0">
+              <a:buNone/>
+            </a:pPr>
+            <a:r>
+              <a:rPr lang="en-US" dirty="0">
+                <a:solidFill>
+                  <a:srgbClr val="808080"/>
+                </a:solidFill>
+                <a:latin typeface="Consolas" panose="020B0609020204030204" pitchFamily="49" charset="0"/>
+              </a:rPr>
+              <a:t>&lt;/</a:t>
+            </a:r>
+            <a:r>
+              <a:rPr lang="en-US" dirty="0">
+                <a:solidFill>
+                  <a:srgbClr val="569CD6"/>
+                </a:solidFill>
+                <a:latin typeface="Consolas" panose="020B0609020204030204" pitchFamily="49" charset="0"/>
+              </a:rPr>
+              <a:t>app-</a:t>
+            </a:r>
+            <a:r>
+              <a:rPr lang="en-US" dirty="0" err="1">
+                <a:solidFill>
+                  <a:srgbClr val="569CD6"/>
+                </a:solidFill>
+                <a:latin typeface="Consolas" panose="020B0609020204030204" pitchFamily="49" charset="0"/>
+              </a:rPr>
+              <a:t>todo</a:t>
+            </a:r>
+            <a:r>
+              <a:rPr lang="en-US" dirty="0">
+                <a:solidFill>
+                  <a:srgbClr val="569CD6"/>
+                </a:solidFill>
+                <a:latin typeface="Consolas" panose="020B0609020204030204" pitchFamily="49" charset="0"/>
+              </a:rPr>
+              <a:t>-overview</a:t>
+            </a:r>
+            <a:r>
+              <a:rPr lang="en-US" dirty="0">
+                <a:solidFill>
+                  <a:srgbClr val="808080"/>
+                </a:solidFill>
+                <a:latin typeface="Consolas" panose="020B0609020204030204" pitchFamily="49" charset="0"/>
+              </a:rPr>
+              <a:t>&gt;</a:t>
+            </a:r>
+            <a:endParaRPr lang="en-US" dirty="0">
+              <a:solidFill>
+                <a:srgbClr val="D4D4D4"/>
+              </a:solidFill>
+              <a:latin typeface="Consolas" panose="020B0609020204030204" pitchFamily="49" charset="0"/>
+            </a:endParaRPr>
+          </a:p>
+          <a:p>
+            <a:pPr marL="457200" lvl="1" indent="0">
+              <a:buNone/>
+            </a:pPr>
+            <a:r>
+              <a:rPr lang="en-US" dirty="0">
+                <a:solidFill>
+                  <a:srgbClr val="808080"/>
+                </a:solidFill>
+                <a:latin typeface="Consolas" panose="020B0609020204030204" pitchFamily="49" charset="0"/>
+              </a:rPr>
+              <a:t>&lt;</a:t>
+            </a:r>
+            <a:r>
+              <a:rPr lang="en-US" dirty="0">
+                <a:solidFill>
+                  <a:srgbClr val="569CD6"/>
+                </a:solidFill>
+                <a:latin typeface="Consolas" panose="020B0609020204030204" pitchFamily="49" charset="0"/>
+              </a:rPr>
+              <a:t>app-</a:t>
+            </a:r>
+            <a:r>
+              <a:rPr lang="en-US" dirty="0" err="1">
+                <a:solidFill>
+                  <a:srgbClr val="569CD6"/>
+                </a:solidFill>
+                <a:latin typeface="Consolas" panose="020B0609020204030204" pitchFamily="49" charset="0"/>
+              </a:rPr>
+              <a:t>todo</a:t>
+            </a:r>
+            <a:r>
+              <a:rPr lang="en-US" dirty="0">
+                <a:solidFill>
+                  <a:srgbClr val="569CD6"/>
+                </a:solidFill>
+                <a:latin typeface="Consolas" panose="020B0609020204030204" pitchFamily="49" charset="0"/>
+              </a:rPr>
+              <a:t>-overview</a:t>
+            </a:r>
+            <a:r>
+              <a:rPr lang="en-US" dirty="0">
+                <a:solidFill>
+                  <a:srgbClr val="D4D4D4"/>
+                </a:solidFill>
+                <a:latin typeface="Consolas" panose="020B0609020204030204" pitchFamily="49" charset="0"/>
+              </a:rPr>
+              <a:t> [</a:t>
+            </a:r>
+            <a:r>
+              <a:rPr lang="en-US" dirty="0">
+                <a:solidFill>
+                  <a:srgbClr val="9CDCFE"/>
+                </a:solidFill>
+                <a:latin typeface="Consolas" panose="020B0609020204030204" pitchFamily="49" charset="0"/>
+              </a:rPr>
+              <a:t>completed</a:t>
+            </a:r>
+            <a:r>
+              <a:rPr lang="en-US" dirty="0">
+                <a:solidFill>
+                  <a:srgbClr val="D4D4D4"/>
+                </a:solidFill>
+                <a:latin typeface="Consolas" panose="020B0609020204030204" pitchFamily="49" charset="0"/>
+              </a:rPr>
+              <a:t>]=</a:t>
+            </a:r>
+            <a:r>
+              <a:rPr lang="en-US" dirty="0">
+                <a:solidFill>
+                  <a:srgbClr val="CE9178"/>
+                </a:solidFill>
+                <a:latin typeface="Consolas" panose="020B0609020204030204" pitchFamily="49" charset="0"/>
+              </a:rPr>
+              <a:t>"true"</a:t>
+            </a:r>
+            <a:r>
+              <a:rPr lang="en-US" dirty="0">
+                <a:solidFill>
+                  <a:srgbClr val="808080"/>
+                </a:solidFill>
+                <a:latin typeface="Consolas" panose="020B0609020204030204" pitchFamily="49" charset="0"/>
+              </a:rPr>
+              <a:t>&gt;</a:t>
+            </a:r>
+          </a:p>
+          <a:p>
+            <a:pPr marL="457200" lvl="1" indent="0">
+              <a:buNone/>
+            </a:pPr>
+            <a:r>
+              <a:rPr lang="en-US" dirty="0">
+                <a:solidFill>
+                  <a:srgbClr val="808080"/>
+                </a:solidFill>
+                <a:latin typeface="Consolas" panose="020B0609020204030204" pitchFamily="49" charset="0"/>
+              </a:rPr>
+              <a:t>&lt;/</a:t>
+            </a:r>
+            <a:r>
+              <a:rPr lang="en-US" dirty="0">
+                <a:solidFill>
+                  <a:srgbClr val="569CD6"/>
+                </a:solidFill>
+                <a:latin typeface="Consolas" panose="020B0609020204030204" pitchFamily="49" charset="0"/>
+              </a:rPr>
+              <a:t>app-</a:t>
+            </a:r>
+            <a:r>
+              <a:rPr lang="en-US" dirty="0" err="1">
+                <a:solidFill>
+                  <a:srgbClr val="569CD6"/>
+                </a:solidFill>
+                <a:latin typeface="Consolas" panose="020B0609020204030204" pitchFamily="49" charset="0"/>
+              </a:rPr>
+              <a:t>todo</a:t>
+            </a:r>
+            <a:r>
+              <a:rPr lang="en-US" dirty="0">
+                <a:solidFill>
+                  <a:srgbClr val="569CD6"/>
+                </a:solidFill>
+                <a:latin typeface="Consolas" panose="020B0609020204030204" pitchFamily="49" charset="0"/>
+              </a:rPr>
+              <a:t>-overview</a:t>
+            </a:r>
+            <a:r>
+              <a:rPr lang="en-US" dirty="0">
+                <a:solidFill>
+                  <a:srgbClr val="808080"/>
+                </a:solidFill>
+                <a:latin typeface="Consolas" panose="020B0609020204030204" pitchFamily="49" charset="0"/>
+              </a:rPr>
+              <a:t>&gt;</a:t>
+            </a:r>
+            <a:endParaRPr lang="en-US" dirty="0">
+              <a:solidFill>
+                <a:srgbClr val="D4D4D4"/>
+              </a:solidFill>
+              <a:latin typeface="Consolas" panose="020B0609020204030204" pitchFamily="49" charset="0"/>
+            </a:endParaRPr>
+          </a:p>
+          <a:p>
+            <a:pPr marL="0" indent="0">
+              <a:buNone/>
+            </a:pPr>
+            <a:r>
+              <a:rPr lang="en-US" dirty="0">
+                <a:solidFill>
+                  <a:srgbClr val="808080"/>
+                </a:solidFill>
+                <a:latin typeface="Consolas" panose="020B0609020204030204" pitchFamily="49" charset="0"/>
+              </a:rPr>
+              <a:t>&lt;/</a:t>
+            </a:r>
+            <a:r>
+              <a:rPr lang="en-US" dirty="0">
+                <a:solidFill>
+                  <a:srgbClr val="569CD6"/>
+                </a:solidFill>
+                <a:latin typeface="Consolas" panose="020B0609020204030204" pitchFamily="49" charset="0"/>
+              </a:rPr>
+              <a:t>div</a:t>
+            </a:r>
+            <a:r>
+              <a:rPr lang="en-US" dirty="0">
+                <a:solidFill>
+                  <a:srgbClr val="808080"/>
+                </a:solidFill>
+                <a:latin typeface="Consolas" panose="020B0609020204030204" pitchFamily="49" charset="0"/>
+              </a:rPr>
+              <a:t>&gt;</a:t>
+            </a:r>
+            <a:endParaRPr lang="en-US" dirty="0">
+              <a:solidFill>
+                <a:srgbClr val="D4D4D4"/>
+              </a:solidFill>
+              <a:latin typeface="Consolas" panose="020B0609020204030204" pitchFamily="49" charset="0"/>
+            </a:endParaRPr>
+          </a:p>
+          <a:p>
+            <a:pPr marL="0" indent="0">
+              <a:buNone/>
+            </a:pPr>
+            <a:endParaRPr lang="en-NL" dirty="0"/>
+          </a:p>
+        </p:txBody>
+      </p:sp>
+    </p:spTree>
+    <p:extLst>
+      <p:ext uri="{BB962C8B-B14F-4D97-AF65-F5344CB8AC3E}">
+        <p14:creationId xmlns:p14="http://schemas.microsoft.com/office/powerpoint/2010/main" val="711252200"/>
+      </p:ext>
+    </p:extLst>
+  </p:cSld>
+  <p:clrMapOvr>
+    <a:masterClrMapping/>
+  </p:clrMapOvr>
+</p:sld>
+</file>
+
+<file path=ppt/slides/slide61.xml><?xml version="1.0" encoding="utf-8"?>
+<p:sld xmlns:a="http://schemas.openxmlformats.org/drawingml/2006/main" xmlns:r="http://schemas.openxmlformats.org/officeDocument/2006/relationships" xmlns:p="http://schemas.openxmlformats.org/presentationml/2006/main">
+  <p:cSld>
+    <p:spTree>
+      <p:nvGrpSpPr>
+        <p:cNvPr id="1" name=""/>
+        <p:cNvGrpSpPr/>
+        <p:nvPr/>
+      </p:nvGrpSpPr>
+      <p:grpSpPr>
+        <a:xfrm>
+          <a:off x="0" y="0"/>
+          <a:ext cx="0" cy="0"/>
+          <a:chOff x="0" y="0"/>
+          <a:chExt cx="0" cy="0"/>
+        </a:xfrm>
+      </p:grpSpPr>
+      <p:sp>
+        <p:nvSpPr>
+          <p:cNvPr id="2" name="Title 1">
+            <a:extLst>
+              <a:ext uri="{FF2B5EF4-FFF2-40B4-BE49-F238E27FC236}">
+                <a16:creationId xmlns:a16="http://schemas.microsoft.com/office/drawing/2014/main" id="{F5A1484F-05C5-4070-9F61-49E4F5E1EA66}"/>
+              </a:ext>
+            </a:extLst>
+          </p:cNvPr>
+          <p:cNvSpPr>
+            <a:spLocks noGrp="1"/>
+          </p:cNvSpPr>
+          <p:nvPr>
+            <p:ph type="title"/>
+          </p:nvPr>
+        </p:nvSpPr>
+        <p:spPr/>
+        <p:txBody>
+          <a:bodyPr/>
+          <a:lstStyle/>
+          <a:p>
+            <a:r>
+              <a:rPr lang="en-US" dirty="0" err="1"/>
+              <a:t>todo.service.ts</a:t>
+            </a:r>
+            <a:endParaRPr lang="en-NL" dirty="0"/>
+          </a:p>
+        </p:txBody>
+      </p:sp>
+      <p:sp>
+        <p:nvSpPr>
+          <p:cNvPr id="3" name="Content Placeholder 2">
+            <a:extLst>
+              <a:ext uri="{FF2B5EF4-FFF2-40B4-BE49-F238E27FC236}">
+                <a16:creationId xmlns:a16="http://schemas.microsoft.com/office/drawing/2014/main" id="{5E7C1EE6-2EC7-428B-8E46-441F4EE23244}"/>
+              </a:ext>
+            </a:extLst>
+          </p:cNvPr>
+          <p:cNvSpPr>
+            <a:spLocks noGrp="1"/>
+          </p:cNvSpPr>
+          <p:nvPr>
+            <p:ph idx="1"/>
+          </p:nvPr>
+        </p:nvSpPr>
+        <p:spPr/>
+        <p:style>
+          <a:lnRef idx="0">
+            <a:scrgbClr r="0" g="0" b="0"/>
+          </a:lnRef>
+          <a:fillRef idx="1001">
+            <a:schemeClr val="dk2"/>
+          </a:fillRef>
+          <a:effectRef idx="0">
+            <a:scrgbClr r="0" g="0" b="0"/>
+          </a:effectRef>
+          <a:fontRef idx="major"/>
+        </p:style>
+        <p:txBody>
+          <a:bodyPr>
+            <a:normAutofit/>
+          </a:bodyPr>
+          <a:lstStyle/>
+          <a:p>
+            <a:pPr marL="0" indent="0">
+              <a:buNone/>
+            </a:pPr>
+            <a:r>
+              <a:rPr lang="en-US" dirty="0">
+                <a:solidFill>
+                  <a:srgbClr val="569CD6"/>
+                </a:solidFill>
+                <a:latin typeface="Consolas" panose="020B0609020204030204" pitchFamily="49" charset="0"/>
+              </a:rPr>
+              <a:t>public</a:t>
+            </a:r>
+            <a:r>
+              <a:rPr lang="en-US" dirty="0">
+                <a:solidFill>
+                  <a:srgbClr val="D4D4D4"/>
+                </a:solidFill>
+                <a:latin typeface="Consolas" panose="020B0609020204030204" pitchFamily="49" charset="0"/>
+              </a:rPr>
+              <a:t> </a:t>
+            </a:r>
+            <a:r>
+              <a:rPr lang="en-US" dirty="0" err="1">
+                <a:solidFill>
+                  <a:srgbClr val="DCDCAA"/>
+                </a:solidFill>
+                <a:latin typeface="Consolas" panose="020B0609020204030204" pitchFamily="49" charset="0"/>
+              </a:rPr>
+              <a:t>getCompletedToDos</a:t>
+            </a:r>
+            <a:r>
+              <a:rPr lang="en-US" dirty="0">
+                <a:solidFill>
+                  <a:srgbClr val="D4D4D4"/>
+                </a:solidFill>
+                <a:latin typeface="Consolas" panose="020B0609020204030204" pitchFamily="49" charset="0"/>
+              </a:rPr>
+              <a:t>(): </a:t>
+            </a:r>
+            <a:r>
+              <a:rPr lang="en-US" dirty="0">
+                <a:solidFill>
+                  <a:srgbClr val="4EC9B0"/>
+                </a:solidFill>
+                <a:latin typeface="Consolas" panose="020B0609020204030204" pitchFamily="49" charset="0"/>
+              </a:rPr>
+              <a:t>Observable</a:t>
+            </a:r>
+            <a:r>
+              <a:rPr lang="en-US" dirty="0">
+                <a:solidFill>
+                  <a:srgbClr val="D4D4D4"/>
+                </a:solidFill>
+                <a:latin typeface="Consolas" panose="020B0609020204030204" pitchFamily="49" charset="0"/>
+              </a:rPr>
+              <a:t>&lt;</a:t>
+            </a:r>
+            <a:r>
+              <a:rPr lang="en-US" dirty="0" err="1">
+                <a:solidFill>
+                  <a:srgbClr val="4EC9B0"/>
+                </a:solidFill>
+                <a:latin typeface="Consolas" panose="020B0609020204030204" pitchFamily="49" charset="0"/>
+              </a:rPr>
+              <a:t>Todo</a:t>
+            </a:r>
+            <a:r>
+              <a:rPr lang="en-US" dirty="0">
+                <a:solidFill>
+                  <a:srgbClr val="D4D4D4"/>
+                </a:solidFill>
+                <a:latin typeface="Consolas" panose="020B0609020204030204" pitchFamily="49" charset="0"/>
+              </a:rPr>
+              <a:t>[]&gt; {</a:t>
+            </a:r>
+          </a:p>
+          <a:p>
+            <a:pPr marL="457200" lvl="1" indent="0">
+              <a:buNone/>
+            </a:pPr>
+            <a:r>
+              <a:rPr lang="en-US" dirty="0">
+                <a:solidFill>
+                  <a:srgbClr val="C586C0"/>
+                </a:solidFill>
+                <a:latin typeface="Consolas" panose="020B0609020204030204" pitchFamily="49" charset="0"/>
+              </a:rPr>
+              <a:t>return</a:t>
+            </a:r>
+            <a:r>
+              <a:rPr lang="en-US" dirty="0">
+                <a:solidFill>
+                  <a:srgbClr val="D4D4D4"/>
+                </a:solidFill>
+                <a:latin typeface="Consolas" panose="020B0609020204030204" pitchFamily="49" charset="0"/>
+              </a:rPr>
+              <a:t> </a:t>
+            </a:r>
+            <a:r>
+              <a:rPr lang="en-US" dirty="0" err="1">
+                <a:solidFill>
+                  <a:srgbClr val="569CD6"/>
+                </a:solidFill>
+                <a:latin typeface="Consolas" panose="020B0609020204030204" pitchFamily="49" charset="0"/>
+              </a:rPr>
+              <a:t>this</a:t>
+            </a:r>
+            <a:r>
+              <a:rPr lang="en-US" dirty="0" err="1">
+                <a:solidFill>
+                  <a:srgbClr val="D4D4D4"/>
+                </a:solidFill>
+                <a:latin typeface="Consolas" panose="020B0609020204030204" pitchFamily="49" charset="0"/>
+              </a:rPr>
+              <a:t>.</a:t>
+            </a:r>
+            <a:r>
+              <a:rPr lang="en-US" dirty="0" err="1">
+                <a:solidFill>
+                  <a:srgbClr val="9CDCFE"/>
+                </a:solidFill>
+                <a:latin typeface="Consolas" panose="020B0609020204030204" pitchFamily="49" charset="0"/>
+              </a:rPr>
+              <a:t>http</a:t>
+            </a:r>
+            <a:r>
+              <a:rPr lang="en-US" dirty="0" err="1">
+                <a:solidFill>
+                  <a:srgbClr val="D4D4D4"/>
+                </a:solidFill>
+                <a:latin typeface="Consolas" panose="020B0609020204030204" pitchFamily="49" charset="0"/>
+              </a:rPr>
+              <a:t>.</a:t>
+            </a:r>
+            <a:r>
+              <a:rPr lang="en-US" dirty="0" err="1">
+                <a:solidFill>
+                  <a:srgbClr val="DCDCAA"/>
+                </a:solidFill>
+                <a:latin typeface="Consolas" panose="020B0609020204030204" pitchFamily="49" charset="0"/>
+              </a:rPr>
+              <a:t>get</a:t>
+            </a:r>
+            <a:r>
+              <a:rPr lang="en-US" dirty="0">
+                <a:solidFill>
+                  <a:srgbClr val="D4D4D4"/>
+                </a:solidFill>
+                <a:latin typeface="Consolas" panose="020B0609020204030204" pitchFamily="49" charset="0"/>
+              </a:rPr>
+              <a:t>&lt;</a:t>
+            </a:r>
+            <a:r>
+              <a:rPr lang="en-US" dirty="0" err="1">
+                <a:solidFill>
+                  <a:srgbClr val="4EC9B0"/>
+                </a:solidFill>
+                <a:latin typeface="Consolas" panose="020B0609020204030204" pitchFamily="49" charset="0"/>
+              </a:rPr>
+              <a:t>Todo</a:t>
+            </a:r>
+            <a:r>
+              <a:rPr lang="en-US" dirty="0">
+                <a:solidFill>
+                  <a:srgbClr val="D4D4D4"/>
+                </a:solidFill>
+                <a:latin typeface="Consolas" panose="020B0609020204030204" pitchFamily="49" charset="0"/>
+              </a:rPr>
+              <a:t>[]&gt;</a:t>
+            </a:r>
+          </a:p>
+          <a:p>
+            <a:pPr marL="457200" lvl="1" indent="0">
+              <a:buNone/>
+            </a:pPr>
+            <a:r>
+              <a:rPr lang="en-US" dirty="0">
+                <a:solidFill>
+                  <a:srgbClr val="D4D4D4"/>
+                </a:solidFill>
+                <a:latin typeface="Consolas" panose="020B0609020204030204" pitchFamily="49" charset="0"/>
+              </a:rPr>
+              <a:t>(</a:t>
+            </a:r>
+            <a:r>
+              <a:rPr lang="en-US" dirty="0">
+                <a:solidFill>
+                  <a:srgbClr val="CE9178"/>
+                </a:solidFill>
+                <a:latin typeface="Consolas" panose="020B0609020204030204" pitchFamily="49" charset="0"/>
+              </a:rPr>
+              <a:t>'http://localhost:8080/</a:t>
+            </a:r>
+            <a:r>
+              <a:rPr lang="en-US" dirty="0" err="1">
+                <a:solidFill>
+                  <a:srgbClr val="CE9178"/>
+                </a:solidFill>
+                <a:latin typeface="Consolas" panose="020B0609020204030204" pitchFamily="49" charset="0"/>
+              </a:rPr>
+              <a:t>api</a:t>
+            </a:r>
+            <a:r>
+              <a:rPr lang="en-US" dirty="0">
+                <a:solidFill>
+                  <a:srgbClr val="CE9178"/>
+                </a:solidFill>
+                <a:latin typeface="Consolas" panose="020B0609020204030204" pitchFamily="49" charset="0"/>
+              </a:rPr>
+              <a:t>/</a:t>
+            </a:r>
+            <a:r>
+              <a:rPr lang="en-US" dirty="0" err="1">
+                <a:solidFill>
+                  <a:srgbClr val="CE9178"/>
+                </a:solidFill>
+                <a:latin typeface="Consolas" panose="020B0609020204030204" pitchFamily="49" charset="0"/>
+              </a:rPr>
+              <a:t>todo</a:t>
+            </a:r>
+            <a:r>
+              <a:rPr lang="en-US" dirty="0">
+                <a:solidFill>
+                  <a:srgbClr val="CE9178"/>
+                </a:solidFill>
+                <a:latin typeface="Consolas" panose="020B0609020204030204" pitchFamily="49" charset="0"/>
+              </a:rPr>
+              <a:t>/completed'</a:t>
+            </a:r>
+            <a:r>
+              <a:rPr lang="en-US" dirty="0">
+                <a:solidFill>
+                  <a:srgbClr val="D4D4D4"/>
+                </a:solidFill>
+                <a:latin typeface="Consolas" panose="020B0609020204030204" pitchFamily="49" charset="0"/>
+              </a:rPr>
+              <a:t>);</a:t>
+            </a:r>
+          </a:p>
+          <a:p>
+            <a:pPr marL="0" indent="0">
+              <a:buNone/>
+            </a:pPr>
+            <a:r>
+              <a:rPr lang="en-US" dirty="0">
+                <a:solidFill>
+                  <a:srgbClr val="D4D4D4"/>
+                </a:solidFill>
+                <a:latin typeface="Consolas" panose="020B0609020204030204" pitchFamily="49" charset="0"/>
+              </a:rPr>
+              <a:t>}</a:t>
+            </a:r>
+          </a:p>
+          <a:p>
+            <a:pPr marL="0" indent="0">
+              <a:buNone/>
+            </a:pPr>
+            <a:br>
+              <a:rPr lang="en-US" dirty="0">
+                <a:solidFill>
+                  <a:srgbClr val="D4D4D4"/>
+                </a:solidFill>
+                <a:latin typeface="Consolas" panose="020B0609020204030204" pitchFamily="49" charset="0"/>
+              </a:rPr>
+            </a:br>
+            <a:r>
+              <a:rPr lang="en-US" dirty="0">
+                <a:solidFill>
+                  <a:srgbClr val="569CD6"/>
+                </a:solidFill>
+                <a:latin typeface="Consolas" panose="020B0609020204030204" pitchFamily="49" charset="0"/>
+              </a:rPr>
+              <a:t>public</a:t>
+            </a:r>
+            <a:r>
+              <a:rPr lang="en-US" dirty="0">
+                <a:solidFill>
+                  <a:srgbClr val="D4D4D4"/>
+                </a:solidFill>
+                <a:latin typeface="Consolas" panose="020B0609020204030204" pitchFamily="49" charset="0"/>
+              </a:rPr>
+              <a:t> </a:t>
+            </a:r>
+            <a:r>
+              <a:rPr lang="en-US" dirty="0" err="1">
+                <a:solidFill>
+                  <a:srgbClr val="DCDCAA"/>
+                </a:solidFill>
+                <a:latin typeface="Consolas" panose="020B0609020204030204" pitchFamily="49" charset="0"/>
+              </a:rPr>
+              <a:t>getUncompletedToDos</a:t>
+            </a:r>
+            <a:r>
+              <a:rPr lang="en-US" dirty="0">
+                <a:solidFill>
+                  <a:srgbClr val="D4D4D4"/>
+                </a:solidFill>
+                <a:latin typeface="Consolas" panose="020B0609020204030204" pitchFamily="49" charset="0"/>
+              </a:rPr>
+              <a:t>(): </a:t>
+            </a:r>
+            <a:r>
+              <a:rPr lang="en-US" dirty="0">
+                <a:solidFill>
+                  <a:srgbClr val="4EC9B0"/>
+                </a:solidFill>
+                <a:latin typeface="Consolas" panose="020B0609020204030204" pitchFamily="49" charset="0"/>
+              </a:rPr>
+              <a:t>Observable</a:t>
+            </a:r>
+            <a:r>
+              <a:rPr lang="en-US" dirty="0">
+                <a:solidFill>
+                  <a:srgbClr val="D4D4D4"/>
+                </a:solidFill>
+                <a:latin typeface="Consolas" panose="020B0609020204030204" pitchFamily="49" charset="0"/>
+              </a:rPr>
+              <a:t>&lt;</a:t>
+            </a:r>
+            <a:r>
+              <a:rPr lang="en-US" dirty="0" err="1">
+                <a:solidFill>
+                  <a:srgbClr val="4EC9B0"/>
+                </a:solidFill>
+                <a:latin typeface="Consolas" panose="020B0609020204030204" pitchFamily="49" charset="0"/>
+              </a:rPr>
+              <a:t>Todo</a:t>
+            </a:r>
+            <a:r>
+              <a:rPr lang="en-US" dirty="0">
+                <a:solidFill>
+                  <a:srgbClr val="D4D4D4"/>
+                </a:solidFill>
+                <a:latin typeface="Consolas" panose="020B0609020204030204" pitchFamily="49" charset="0"/>
+              </a:rPr>
+              <a:t>[]&gt; {</a:t>
+            </a:r>
+          </a:p>
+          <a:p>
+            <a:pPr marL="457200" lvl="1" indent="0">
+              <a:buNone/>
+            </a:pPr>
+            <a:r>
+              <a:rPr lang="en-US" dirty="0">
+                <a:solidFill>
+                  <a:srgbClr val="C586C0"/>
+                </a:solidFill>
+                <a:latin typeface="Consolas" panose="020B0609020204030204" pitchFamily="49" charset="0"/>
+              </a:rPr>
+              <a:t>return</a:t>
+            </a:r>
+            <a:r>
+              <a:rPr lang="en-US" dirty="0">
+                <a:solidFill>
+                  <a:srgbClr val="D4D4D4"/>
+                </a:solidFill>
+                <a:latin typeface="Consolas" panose="020B0609020204030204" pitchFamily="49" charset="0"/>
+              </a:rPr>
+              <a:t> </a:t>
+            </a:r>
+            <a:r>
+              <a:rPr lang="en-US" dirty="0" err="1">
+                <a:solidFill>
+                  <a:srgbClr val="569CD6"/>
+                </a:solidFill>
+                <a:latin typeface="Consolas" panose="020B0609020204030204" pitchFamily="49" charset="0"/>
+              </a:rPr>
+              <a:t>this</a:t>
+            </a:r>
+            <a:r>
+              <a:rPr lang="en-US" dirty="0" err="1">
+                <a:solidFill>
+                  <a:srgbClr val="D4D4D4"/>
+                </a:solidFill>
+                <a:latin typeface="Consolas" panose="020B0609020204030204" pitchFamily="49" charset="0"/>
+              </a:rPr>
+              <a:t>.</a:t>
+            </a:r>
+            <a:r>
+              <a:rPr lang="en-US" dirty="0" err="1">
+                <a:solidFill>
+                  <a:srgbClr val="9CDCFE"/>
+                </a:solidFill>
+                <a:latin typeface="Consolas" panose="020B0609020204030204" pitchFamily="49" charset="0"/>
+              </a:rPr>
+              <a:t>http</a:t>
+            </a:r>
+            <a:r>
+              <a:rPr lang="en-US" dirty="0" err="1">
+                <a:solidFill>
+                  <a:srgbClr val="D4D4D4"/>
+                </a:solidFill>
+                <a:latin typeface="Consolas" panose="020B0609020204030204" pitchFamily="49" charset="0"/>
+              </a:rPr>
+              <a:t>.</a:t>
+            </a:r>
+            <a:r>
+              <a:rPr lang="en-US" dirty="0" err="1">
+                <a:solidFill>
+                  <a:srgbClr val="DCDCAA"/>
+                </a:solidFill>
+                <a:latin typeface="Consolas" panose="020B0609020204030204" pitchFamily="49" charset="0"/>
+              </a:rPr>
+              <a:t>get</a:t>
+            </a:r>
+            <a:r>
+              <a:rPr lang="en-US" dirty="0">
+                <a:solidFill>
+                  <a:srgbClr val="D4D4D4"/>
+                </a:solidFill>
+                <a:latin typeface="Consolas" panose="020B0609020204030204" pitchFamily="49" charset="0"/>
+              </a:rPr>
+              <a:t>&lt;</a:t>
+            </a:r>
+            <a:r>
+              <a:rPr lang="en-US" dirty="0" err="1">
+                <a:solidFill>
+                  <a:srgbClr val="4EC9B0"/>
+                </a:solidFill>
+                <a:latin typeface="Consolas" panose="020B0609020204030204" pitchFamily="49" charset="0"/>
+              </a:rPr>
+              <a:t>Todo</a:t>
+            </a:r>
+            <a:r>
+              <a:rPr lang="en-US" dirty="0">
+                <a:solidFill>
+                  <a:srgbClr val="D4D4D4"/>
+                </a:solidFill>
+                <a:latin typeface="Consolas" panose="020B0609020204030204" pitchFamily="49" charset="0"/>
+              </a:rPr>
+              <a:t>[]&gt;</a:t>
+            </a:r>
+          </a:p>
+          <a:p>
+            <a:pPr marL="457200" lvl="1" indent="0">
+              <a:buNone/>
+            </a:pPr>
+            <a:r>
+              <a:rPr lang="en-US" dirty="0">
+                <a:solidFill>
+                  <a:srgbClr val="D4D4D4"/>
+                </a:solidFill>
+                <a:latin typeface="Consolas" panose="020B0609020204030204" pitchFamily="49" charset="0"/>
+              </a:rPr>
+              <a:t>(</a:t>
+            </a:r>
+            <a:r>
+              <a:rPr lang="en-US" dirty="0">
+                <a:solidFill>
+                  <a:srgbClr val="CE9178"/>
+                </a:solidFill>
+                <a:latin typeface="Consolas" panose="020B0609020204030204" pitchFamily="49" charset="0"/>
+              </a:rPr>
+              <a:t>'http://localhost:8080/</a:t>
+            </a:r>
+            <a:r>
+              <a:rPr lang="en-US" dirty="0" err="1">
+                <a:solidFill>
+                  <a:srgbClr val="CE9178"/>
+                </a:solidFill>
+                <a:latin typeface="Consolas" panose="020B0609020204030204" pitchFamily="49" charset="0"/>
+              </a:rPr>
+              <a:t>api</a:t>
+            </a:r>
+            <a:r>
+              <a:rPr lang="en-US" dirty="0">
+                <a:solidFill>
+                  <a:srgbClr val="CE9178"/>
+                </a:solidFill>
+                <a:latin typeface="Consolas" panose="020B0609020204030204" pitchFamily="49" charset="0"/>
+              </a:rPr>
+              <a:t>/</a:t>
+            </a:r>
+            <a:r>
+              <a:rPr lang="en-US" dirty="0" err="1">
+                <a:solidFill>
+                  <a:srgbClr val="CE9178"/>
+                </a:solidFill>
+                <a:latin typeface="Consolas" panose="020B0609020204030204" pitchFamily="49" charset="0"/>
+              </a:rPr>
+              <a:t>todo</a:t>
+            </a:r>
+            <a:r>
+              <a:rPr lang="en-US" dirty="0">
+                <a:solidFill>
+                  <a:srgbClr val="CE9178"/>
+                </a:solidFill>
+                <a:latin typeface="Consolas" panose="020B0609020204030204" pitchFamily="49" charset="0"/>
+              </a:rPr>
+              <a:t>/uncompleted'</a:t>
+            </a:r>
+            <a:r>
+              <a:rPr lang="en-US" dirty="0">
+                <a:solidFill>
+                  <a:srgbClr val="D4D4D4"/>
+                </a:solidFill>
+                <a:latin typeface="Consolas" panose="020B0609020204030204" pitchFamily="49" charset="0"/>
+              </a:rPr>
+              <a:t>);</a:t>
+            </a:r>
+          </a:p>
+          <a:p>
+            <a:pPr marL="0" indent="0">
+              <a:buNone/>
+            </a:pPr>
+            <a:r>
+              <a:rPr lang="en-US" dirty="0">
+                <a:solidFill>
+                  <a:srgbClr val="D4D4D4"/>
+                </a:solidFill>
+                <a:latin typeface="Consolas" panose="020B0609020204030204" pitchFamily="49" charset="0"/>
+              </a:rPr>
+              <a:t>}</a:t>
+            </a:r>
+          </a:p>
+          <a:p>
+            <a:pPr marL="0" indent="0">
+              <a:buNone/>
+            </a:pPr>
+            <a:endParaRPr lang="en-NL" dirty="0"/>
+          </a:p>
+        </p:txBody>
+      </p:sp>
+    </p:spTree>
+    <p:extLst>
+      <p:ext uri="{BB962C8B-B14F-4D97-AF65-F5344CB8AC3E}">
+        <p14:creationId xmlns:p14="http://schemas.microsoft.com/office/powerpoint/2010/main" val="786961531"/>
+      </p:ext>
+    </p:extLst>
+  </p:cSld>
+  <p:clrMapOvr>
+    <a:masterClrMapping/>
+  </p:clrMapOvr>
+</p:sld>
+</file>
+
+<file path=ppt/slides/slide62.xml><?xml version="1.0" encoding="utf-8"?>
+<p:sld xmlns:a="http://schemas.openxmlformats.org/drawingml/2006/main" xmlns:r="http://schemas.openxmlformats.org/officeDocument/2006/relationships" xmlns:p="http://schemas.openxmlformats.org/presentationml/2006/main">
+  <p:cSld>
+    <p:spTree>
+      <p:nvGrpSpPr>
+        <p:cNvPr id="1" name=""/>
+        <p:cNvGrpSpPr/>
+        <p:nvPr/>
+      </p:nvGrpSpPr>
+      <p:grpSpPr>
+        <a:xfrm>
+          <a:off x="0" y="0"/>
+          <a:ext cx="0" cy="0"/>
+          <a:chOff x="0" y="0"/>
+          <a:chExt cx="0" cy="0"/>
+        </a:xfrm>
+      </p:grpSpPr>
+      <p:sp>
+        <p:nvSpPr>
+          <p:cNvPr id="2" name="Title 1">
+            <a:extLst>
+              <a:ext uri="{FF2B5EF4-FFF2-40B4-BE49-F238E27FC236}">
+                <a16:creationId xmlns:a16="http://schemas.microsoft.com/office/drawing/2014/main" id="{E05B1956-6567-457D-8482-4F380EE2D2BC}"/>
+              </a:ext>
+            </a:extLst>
+          </p:cNvPr>
+          <p:cNvSpPr>
+            <a:spLocks noGrp="1"/>
+          </p:cNvSpPr>
+          <p:nvPr>
+            <p:ph type="title"/>
+          </p:nvPr>
+        </p:nvSpPr>
+        <p:spPr/>
+        <p:txBody>
+          <a:bodyPr/>
+          <a:lstStyle/>
+          <a:p>
+            <a:r>
+              <a:rPr lang="en-US" dirty="0" err="1"/>
+              <a:t>todo-overview.component.ts</a:t>
+            </a:r>
+            <a:endParaRPr lang="en-NL" dirty="0"/>
+          </a:p>
+        </p:txBody>
+      </p:sp>
+      <p:sp>
+        <p:nvSpPr>
+          <p:cNvPr id="3" name="Content Placeholder 2">
+            <a:extLst>
+              <a:ext uri="{FF2B5EF4-FFF2-40B4-BE49-F238E27FC236}">
+                <a16:creationId xmlns:a16="http://schemas.microsoft.com/office/drawing/2014/main" id="{8CB84D93-DBBC-4186-99D1-440345F949C3}"/>
+              </a:ext>
+            </a:extLst>
+          </p:cNvPr>
+          <p:cNvSpPr>
+            <a:spLocks noGrp="1"/>
+          </p:cNvSpPr>
+          <p:nvPr>
+            <p:ph idx="1"/>
+          </p:nvPr>
+        </p:nvSpPr>
+        <p:spPr/>
+        <p:style>
+          <a:lnRef idx="0">
+            <a:scrgbClr r="0" g="0" b="0"/>
+          </a:lnRef>
+          <a:fillRef idx="1001">
+            <a:schemeClr val="dk2"/>
+          </a:fillRef>
+          <a:effectRef idx="0">
+            <a:scrgbClr r="0" g="0" b="0"/>
+          </a:effectRef>
+          <a:fontRef idx="major"/>
+        </p:style>
+        <p:txBody>
+          <a:bodyPr>
+            <a:normAutofit fontScale="85000" lnSpcReduction="20000"/>
+          </a:bodyPr>
+          <a:lstStyle/>
+          <a:p>
+            <a:pPr marL="0" indent="0">
+              <a:buNone/>
+            </a:pPr>
+            <a:r>
+              <a:rPr lang="en-US" dirty="0" err="1">
+                <a:solidFill>
+                  <a:srgbClr val="DCDCAA"/>
+                </a:solidFill>
+                <a:latin typeface="Consolas" panose="020B0609020204030204" pitchFamily="49" charset="0"/>
+              </a:rPr>
+              <a:t>ngOnInit</a:t>
+            </a:r>
+            <a:r>
+              <a:rPr lang="en-US" dirty="0">
+                <a:solidFill>
+                  <a:srgbClr val="D4D4D4"/>
+                </a:solidFill>
+                <a:latin typeface="Consolas" panose="020B0609020204030204" pitchFamily="49" charset="0"/>
+              </a:rPr>
+              <a:t>() {</a:t>
+            </a:r>
+          </a:p>
+          <a:p>
+            <a:pPr marL="0" indent="0">
+              <a:buNone/>
+            </a:pPr>
+            <a:r>
+              <a:rPr lang="en-US" dirty="0">
+                <a:solidFill>
+                  <a:srgbClr val="C586C0"/>
+                </a:solidFill>
+                <a:latin typeface="Consolas" panose="020B0609020204030204" pitchFamily="49" charset="0"/>
+              </a:rPr>
+              <a:t>	if</a:t>
+            </a:r>
+            <a:r>
+              <a:rPr lang="en-US" dirty="0">
+                <a:solidFill>
+                  <a:srgbClr val="D4D4D4"/>
+                </a:solidFill>
+                <a:latin typeface="Consolas" panose="020B0609020204030204" pitchFamily="49" charset="0"/>
+              </a:rPr>
+              <a:t> (</a:t>
+            </a:r>
+            <a:r>
+              <a:rPr lang="en-US" dirty="0" err="1">
+                <a:solidFill>
+                  <a:srgbClr val="569CD6"/>
+                </a:solidFill>
+                <a:latin typeface="Consolas" panose="020B0609020204030204" pitchFamily="49" charset="0"/>
+              </a:rPr>
+              <a:t>this</a:t>
+            </a:r>
+            <a:r>
+              <a:rPr lang="en-US" dirty="0" err="1">
+                <a:solidFill>
+                  <a:srgbClr val="D4D4D4"/>
+                </a:solidFill>
+                <a:latin typeface="Consolas" panose="020B0609020204030204" pitchFamily="49" charset="0"/>
+              </a:rPr>
+              <a:t>.</a:t>
+            </a:r>
+            <a:r>
+              <a:rPr lang="en-US" dirty="0" err="1">
+                <a:solidFill>
+                  <a:srgbClr val="9CDCFE"/>
+                </a:solidFill>
+                <a:latin typeface="Consolas" panose="020B0609020204030204" pitchFamily="49" charset="0"/>
+              </a:rPr>
+              <a:t>completed</a:t>
+            </a:r>
+            <a:r>
+              <a:rPr lang="en-US" dirty="0">
+                <a:solidFill>
+                  <a:srgbClr val="D4D4D4"/>
+                </a:solidFill>
+                <a:latin typeface="Consolas" panose="020B0609020204030204" pitchFamily="49" charset="0"/>
+              </a:rPr>
+              <a:t> === </a:t>
+            </a:r>
+            <a:r>
+              <a:rPr lang="en-US" dirty="0">
+                <a:solidFill>
+                  <a:srgbClr val="569CD6"/>
+                </a:solidFill>
+                <a:latin typeface="Consolas" panose="020B0609020204030204" pitchFamily="49" charset="0"/>
+              </a:rPr>
+              <a:t>false</a:t>
+            </a:r>
+            <a:r>
+              <a:rPr lang="en-US" dirty="0">
+                <a:solidFill>
+                  <a:srgbClr val="D4D4D4"/>
+                </a:solidFill>
+                <a:latin typeface="Consolas" panose="020B0609020204030204" pitchFamily="49" charset="0"/>
+              </a:rPr>
+              <a:t>) {</a:t>
+            </a:r>
+          </a:p>
+          <a:p>
+            <a:pPr marL="0" indent="0">
+              <a:buNone/>
+            </a:pPr>
+            <a:r>
+              <a:rPr lang="en-US" dirty="0">
+                <a:solidFill>
+                  <a:srgbClr val="569CD6"/>
+                </a:solidFill>
+                <a:latin typeface="Consolas" panose="020B0609020204030204" pitchFamily="49" charset="0"/>
+              </a:rPr>
+              <a:t>		</a:t>
+            </a:r>
+            <a:r>
+              <a:rPr lang="en-US" dirty="0" err="1">
+                <a:solidFill>
+                  <a:srgbClr val="569CD6"/>
+                </a:solidFill>
+                <a:latin typeface="Consolas" panose="020B0609020204030204" pitchFamily="49" charset="0"/>
+              </a:rPr>
+              <a:t>this</a:t>
+            </a:r>
+            <a:r>
+              <a:rPr lang="en-US" dirty="0" err="1">
+                <a:solidFill>
+                  <a:srgbClr val="D4D4D4"/>
+                </a:solidFill>
+                <a:latin typeface="Consolas" panose="020B0609020204030204" pitchFamily="49" charset="0"/>
+              </a:rPr>
+              <a:t>.</a:t>
+            </a:r>
+            <a:r>
+              <a:rPr lang="en-US" dirty="0" err="1">
+                <a:solidFill>
+                  <a:srgbClr val="DCDCAA"/>
+                </a:solidFill>
+                <a:latin typeface="Consolas" panose="020B0609020204030204" pitchFamily="49" charset="0"/>
+              </a:rPr>
+              <a:t>getUncompletedToDos</a:t>
+            </a:r>
+            <a:r>
+              <a:rPr lang="en-US" dirty="0">
+                <a:solidFill>
+                  <a:srgbClr val="D4D4D4"/>
+                </a:solidFill>
+                <a:latin typeface="Consolas" panose="020B0609020204030204" pitchFamily="49" charset="0"/>
+              </a:rPr>
+              <a:t>();</a:t>
+            </a:r>
+          </a:p>
+          <a:p>
+            <a:pPr marL="0" indent="0">
+              <a:buNone/>
+            </a:pPr>
+            <a:r>
+              <a:rPr lang="en-US" dirty="0">
+                <a:solidFill>
+                  <a:srgbClr val="D4D4D4"/>
+                </a:solidFill>
+                <a:latin typeface="Consolas" panose="020B0609020204030204" pitchFamily="49" charset="0"/>
+              </a:rPr>
+              <a:t>	}</a:t>
+            </a:r>
+          </a:p>
+          <a:p>
+            <a:pPr marL="0" indent="0">
+              <a:buNone/>
+            </a:pPr>
+            <a:r>
+              <a:rPr lang="en-US" dirty="0">
+                <a:solidFill>
+                  <a:srgbClr val="C586C0"/>
+                </a:solidFill>
+                <a:latin typeface="Consolas" panose="020B0609020204030204" pitchFamily="49" charset="0"/>
+              </a:rPr>
+              <a:t>	else</a:t>
+            </a:r>
+            <a:r>
+              <a:rPr lang="en-US" dirty="0">
+                <a:solidFill>
+                  <a:srgbClr val="D4D4D4"/>
+                </a:solidFill>
+                <a:latin typeface="Consolas" panose="020B0609020204030204" pitchFamily="49" charset="0"/>
+              </a:rPr>
+              <a:t> </a:t>
+            </a:r>
+            <a:r>
+              <a:rPr lang="en-US" dirty="0">
+                <a:solidFill>
+                  <a:srgbClr val="C586C0"/>
+                </a:solidFill>
+                <a:latin typeface="Consolas" panose="020B0609020204030204" pitchFamily="49" charset="0"/>
+              </a:rPr>
+              <a:t>if</a:t>
+            </a:r>
+            <a:r>
+              <a:rPr lang="en-US" dirty="0">
+                <a:solidFill>
+                  <a:srgbClr val="D4D4D4"/>
+                </a:solidFill>
+                <a:latin typeface="Consolas" panose="020B0609020204030204" pitchFamily="49" charset="0"/>
+              </a:rPr>
+              <a:t> (</a:t>
+            </a:r>
+            <a:r>
+              <a:rPr lang="en-US" dirty="0" err="1">
+                <a:solidFill>
+                  <a:srgbClr val="569CD6"/>
+                </a:solidFill>
+                <a:latin typeface="Consolas" panose="020B0609020204030204" pitchFamily="49" charset="0"/>
+              </a:rPr>
+              <a:t>this</a:t>
+            </a:r>
+            <a:r>
+              <a:rPr lang="en-US" dirty="0" err="1">
+                <a:solidFill>
+                  <a:srgbClr val="D4D4D4"/>
+                </a:solidFill>
+                <a:latin typeface="Consolas" panose="020B0609020204030204" pitchFamily="49" charset="0"/>
+              </a:rPr>
+              <a:t>.</a:t>
+            </a:r>
+            <a:r>
+              <a:rPr lang="en-US" dirty="0" err="1">
+                <a:solidFill>
+                  <a:srgbClr val="9CDCFE"/>
+                </a:solidFill>
+                <a:latin typeface="Consolas" panose="020B0609020204030204" pitchFamily="49" charset="0"/>
+              </a:rPr>
+              <a:t>completed</a:t>
+            </a:r>
+            <a:r>
+              <a:rPr lang="en-US" dirty="0">
+                <a:solidFill>
+                  <a:srgbClr val="D4D4D4"/>
+                </a:solidFill>
+                <a:latin typeface="Consolas" panose="020B0609020204030204" pitchFamily="49" charset="0"/>
+              </a:rPr>
+              <a:t> === </a:t>
+            </a:r>
+            <a:r>
+              <a:rPr lang="en-US" dirty="0">
+                <a:solidFill>
+                  <a:srgbClr val="569CD6"/>
+                </a:solidFill>
+                <a:latin typeface="Consolas" panose="020B0609020204030204" pitchFamily="49" charset="0"/>
+              </a:rPr>
+              <a:t>true</a:t>
+            </a:r>
+            <a:r>
+              <a:rPr lang="en-US" dirty="0">
+                <a:solidFill>
+                  <a:srgbClr val="D4D4D4"/>
+                </a:solidFill>
+                <a:latin typeface="Consolas" panose="020B0609020204030204" pitchFamily="49" charset="0"/>
+              </a:rPr>
+              <a:t>) {</a:t>
+            </a:r>
+          </a:p>
+          <a:p>
+            <a:pPr marL="0" indent="0">
+              <a:buNone/>
+            </a:pPr>
+            <a:r>
+              <a:rPr lang="en-US" dirty="0">
+                <a:solidFill>
+                  <a:srgbClr val="569CD6"/>
+                </a:solidFill>
+                <a:latin typeface="Consolas" panose="020B0609020204030204" pitchFamily="49" charset="0"/>
+              </a:rPr>
+              <a:t>		</a:t>
+            </a:r>
+            <a:r>
+              <a:rPr lang="en-US" dirty="0" err="1">
+                <a:solidFill>
+                  <a:srgbClr val="569CD6"/>
+                </a:solidFill>
+                <a:latin typeface="Consolas" panose="020B0609020204030204" pitchFamily="49" charset="0"/>
+              </a:rPr>
+              <a:t>this</a:t>
+            </a:r>
+            <a:r>
+              <a:rPr lang="en-US" dirty="0" err="1">
+                <a:solidFill>
+                  <a:srgbClr val="D4D4D4"/>
+                </a:solidFill>
+                <a:latin typeface="Consolas" panose="020B0609020204030204" pitchFamily="49" charset="0"/>
+              </a:rPr>
+              <a:t>.</a:t>
+            </a:r>
+            <a:r>
+              <a:rPr lang="en-US" dirty="0" err="1">
+                <a:solidFill>
+                  <a:srgbClr val="DCDCAA"/>
+                </a:solidFill>
+                <a:latin typeface="Consolas" panose="020B0609020204030204" pitchFamily="49" charset="0"/>
+              </a:rPr>
+              <a:t>getCompletedToDos</a:t>
+            </a:r>
+            <a:r>
+              <a:rPr lang="en-US" dirty="0">
+                <a:solidFill>
+                  <a:srgbClr val="D4D4D4"/>
+                </a:solidFill>
+                <a:latin typeface="Consolas" panose="020B0609020204030204" pitchFamily="49" charset="0"/>
+              </a:rPr>
+              <a:t>();</a:t>
+            </a:r>
+          </a:p>
+          <a:p>
+            <a:pPr marL="0" indent="0">
+              <a:buNone/>
+            </a:pPr>
+            <a:r>
+              <a:rPr lang="en-US" dirty="0">
+                <a:solidFill>
+                  <a:srgbClr val="D4D4D4"/>
+                </a:solidFill>
+                <a:latin typeface="Consolas" panose="020B0609020204030204" pitchFamily="49" charset="0"/>
+              </a:rPr>
+              <a:t>	}</a:t>
+            </a:r>
+          </a:p>
+          <a:p>
+            <a:pPr marL="0" indent="0">
+              <a:buNone/>
+            </a:pPr>
+            <a:r>
+              <a:rPr lang="en-US" dirty="0">
+                <a:solidFill>
+                  <a:srgbClr val="C586C0"/>
+                </a:solidFill>
+                <a:latin typeface="Consolas" panose="020B0609020204030204" pitchFamily="49" charset="0"/>
+              </a:rPr>
+              <a:t>	else</a:t>
+            </a:r>
+            <a:r>
+              <a:rPr lang="en-US" dirty="0">
+                <a:solidFill>
+                  <a:srgbClr val="D4D4D4"/>
+                </a:solidFill>
+                <a:latin typeface="Consolas" panose="020B0609020204030204" pitchFamily="49" charset="0"/>
+              </a:rPr>
+              <a:t> {</a:t>
+            </a:r>
+          </a:p>
+          <a:p>
+            <a:pPr marL="0" indent="0">
+              <a:buNone/>
+            </a:pPr>
+            <a:r>
+              <a:rPr lang="en-US" dirty="0">
+                <a:solidFill>
+                  <a:srgbClr val="569CD6"/>
+                </a:solidFill>
+                <a:latin typeface="Consolas" panose="020B0609020204030204" pitchFamily="49" charset="0"/>
+              </a:rPr>
+              <a:t>		</a:t>
+            </a:r>
+            <a:r>
+              <a:rPr lang="en-US" dirty="0" err="1">
+                <a:solidFill>
+                  <a:srgbClr val="569CD6"/>
+                </a:solidFill>
+                <a:latin typeface="Consolas" panose="020B0609020204030204" pitchFamily="49" charset="0"/>
+              </a:rPr>
+              <a:t>this</a:t>
+            </a:r>
+            <a:r>
+              <a:rPr lang="en-US" dirty="0" err="1">
+                <a:solidFill>
+                  <a:srgbClr val="D4D4D4"/>
+                </a:solidFill>
+                <a:latin typeface="Consolas" panose="020B0609020204030204" pitchFamily="49" charset="0"/>
+              </a:rPr>
+              <a:t>.</a:t>
+            </a:r>
+            <a:r>
+              <a:rPr lang="en-US" dirty="0" err="1">
+                <a:solidFill>
+                  <a:srgbClr val="DCDCAA"/>
+                </a:solidFill>
+                <a:latin typeface="Consolas" panose="020B0609020204030204" pitchFamily="49" charset="0"/>
+              </a:rPr>
+              <a:t>getToDos</a:t>
+            </a:r>
+            <a:r>
+              <a:rPr lang="en-US" dirty="0">
+                <a:solidFill>
+                  <a:srgbClr val="D4D4D4"/>
+                </a:solidFill>
+                <a:latin typeface="Consolas" panose="020B0609020204030204" pitchFamily="49" charset="0"/>
+              </a:rPr>
+              <a:t>();</a:t>
+            </a:r>
+          </a:p>
+          <a:p>
+            <a:pPr marL="0" indent="0">
+              <a:buNone/>
+            </a:pPr>
+            <a:r>
+              <a:rPr lang="en-US" dirty="0">
+                <a:solidFill>
+                  <a:srgbClr val="D4D4D4"/>
+                </a:solidFill>
+                <a:latin typeface="Consolas" panose="020B0609020204030204" pitchFamily="49" charset="0"/>
+              </a:rPr>
+              <a:t>	}</a:t>
+            </a:r>
+          </a:p>
+          <a:p>
+            <a:pPr marL="0" indent="0">
+              <a:buNone/>
+            </a:pPr>
+            <a:r>
+              <a:rPr lang="en-US" dirty="0">
+                <a:solidFill>
+                  <a:srgbClr val="D4D4D4"/>
+                </a:solidFill>
+                <a:latin typeface="Consolas" panose="020B0609020204030204" pitchFamily="49" charset="0"/>
+              </a:rPr>
+              <a:t>}</a:t>
+            </a:r>
+          </a:p>
+          <a:p>
+            <a:pPr marL="0" indent="0">
+              <a:buNone/>
+            </a:pPr>
+            <a:endParaRPr lang="en-US" dirty="0">
+              <a:solidFill>
+                <a:srgbClr val="D4D4D4"/>
+              </a:solidFill>
+              <a:latin typeface="Consolas" panose="020B0609020204030204" pitchFamily="49" charset="0"/>
+            </a:endParaRPr>
+          </a:p>
+          <a:p>
+            <a:endParaRPr lang="en-NL" dirty="0"/>
+          </a:p>
+        </p:txBody>
+      </p:sp>
+    </p:spTree>
+    <p:extLst>
+      <p:ext uri="{BB962C8B-B14F-4D97-AF65-F5344CB8AC3E}">
+        <p14:creationId xmlns:p14="http://schemas.microsoft.com/office/powerpoint/2010/main" val="447570839"/>
+      </p:ext>
+    </p:extLst>
+  </p:cSld>
+  <p:clrMapOvr>
+    <a:masterClrMapping/>
+  </p:clrMapOvr>
+</p:sld>
+</file>
+
+<file path=ppt/slides/slide63.xml><?xml version="1.0" encoding="utf-8"?>
+<p:sld xmlns:a="http://schemas.openxmlformats.org/drawingml/2006/main" xmlns:r="http://schemas.openxmlformats.org/officeDocument/2006/relationships" xmlns:p="http://schemas.openxmlformats.org/presentationml/2006/main">
+  <p:cSld>
+    <p:spTree>
+      <p:nvGrpSpPr>
+        <p:cNvPr id="1" name=""/>
+        <p:cNvGrpSpPr/>
+        <p:nvPr/>
+      </p:nvGrpSpPr>
+      <p:grpSpPr>
+        <a:xfrm>
+          <a:off x="0" y="0"/>
+          <a:ext cx="0" cy="0"/>
+          <a:chOff x="0" y="0"/>
+          <a:chExt cx="0" cy="0"/>
+        </a:xfrm>
+      </p:grpSpPr>
+      <p:sp>
+        <p:nvSpPr>
+          <p:cNvPr id="2" name="Title 1">
+            <a:extLst>
+              <a:ext uri="{FF2B5EF4-FFF2-40B4-BE49-F238E27FC236}">
+                <a16:creationId xmlns:a16="http://schemas.microsoft.com/office/drawing/2014/main" id="{8D41EF72-0FE7-4202-BA84-CADAC9126036}"/>
+              </a:ext>
+            </a:extLst>
+          </p:cNvPr>
+          <p:cNvSpPr>
+            <a:spLocks noGrp="1"/>
+          </p:cNvSpPr>
+          <p:nvPr>
+            <p:ph type="title"/>
+          </p:nvPr>
+        </p:nvSpPr>
+        <p:spPr/>
+        <p:txBody>
+          <a:bodyPr/>
+          <a:lstStyle/>
+          <a:p>
+            <a:r>
+              <a:rPr lang="en-US" dirty="0" err="1"/>
+              <a:t>todo-overview.component.ts</a:t>
+            </a:r>
+            <a:endParaRPr lang="en-NL" dirty="0"/>
+          </a:p>
+        </p:txBody>
+      </p:sp>
+      <p:sp>
+        <p:nvSpPr>
+          <p:cNvPr id="3" name="Content Placeholder 2">
+            <a:extLst>
+              <a:ext uri="{FF2B5EF4-FFF2-40B4-BE49-F238E27FC236}">
+                <a16:creationId xmlns:a16="http://schemas.microsoft.com/office/drawing/2014/main" id="{1BAFEFF6-605D-4BAE-9EDB-D780BF2FCCF4}"/>
+              </a:ext>
+            </a:extLst>
+          </p:cNvPr>
+          <p:cNvSpPr>
+            <a:spLocks noGrp="1"/>
+          </p:cNvSpPr>
+          <p:nvPr>
+            <p:ph idx="1"/>
+          </p:nvPr>
+        </p:nvSpPr>
+        <p:spPr/>
+        <p:style>
+          <a:lnRef idx="0">
+            <a:scrgbClr r="0" g="0" b="0"/>
+          </a:lnRef>
+          <a:fillRef idx="1001">
+            <a:schemeClr val="dk2"/>
+          </a:fillRef>
+          <a:effectRef idx="0">
+            <a:scrgbClr r="0" g="0" b="0"/>
+          </a:effectRef>
+          <a:fontRef idx="major"/>
+        </p:style>
+        <p:txBody>
+          <a:bodyPr>
+            <a:normAutofit fontScale="92500" lnSpcReduction="20000"/>
+          </a:bodyPr>
+          <a:lstStyle/>
+          <a:p>
+            <a:pPr marL="0" indent="0">
+              <a:buNone/>
+            </a:pPr>
+            <a:r>
+              <a:rPr lang="en-US" dirty="0" err="1">
+                <a:solidFill>
+                  <a:srgbClr val="DCDCAA"/>
+                </a:solidFill>
+                <a:latin typeface="Consolas" panose="020B0609020204030204" pitchFamily="49" charset="0"/>
+              </a:rPr>
+              <a:t>getCompletedToDos</a:t>
+            </a:r>
+            <a:r>
+              <a:rPr lang="en-US" dirty="0">
+                <a:solidFill>
+                  <a:srgbClr val="D4D4D4"/>
+                </a:solidFill>
+                <a:latin typeface="Consolas" panose="020B0609020204030204" pitchFamily="49" charset="0"/>
+              </a:rPr>
+              <a:t>() {</a:t>
+            </a:r>
+          </a:p>
+          <a:p>
+            <a:pPr marL="0" indent="0">
+              <a:buNone/>
+            </a:pPr>
+            <a:r>
+              <a:rPr lang="en-US" dirty="0">
+                <a:solidFill>
+                  <a:srgbClr val="569CD6"/>
+                </a:solidFill>
+                <a:latin typeface="Consolas" panose="020B0609020204030204" pitchFamily="49" charset="0"/>
+              </a:rPr>
+              <a:t>	</a:t>
+            </a:r>
+            <a:r>
+              <a:rPr lang="en-US" dirty="0" err="1">
+                <a:solidFill>
+                  <a:srgbClr val="569CD6"/>
+                </a:solidFill>
+                <a:latin typeface="Consolas" panose="020B0609020204030204" pitchFamily="49" charset="0"/>
+              </a:rPr>
+              <a:t>this</a:t>
+            </a:r>
+            <a:r>
+              <a:rPr lang="en-US" dirty="0" err="1">
+                <a:solidFill>
+                  <a:srgbClr val="D4D4D4"/>
+                </a:solidFill>
+                <a:latin typeface="Consolas" panose="020B0609020204030204" pitchFamily="49" charset="0"/>
+              </a:rPr>
+              <a:t>.</a:t>
+            </a:r>
+            <a:r>
+              <a:rPr lang="en-US" dirty="0" err="1">
+                <a:solidFill>
+                  <a:srgbClr val="9CDCFE"/>
+                </a:solidFill>
+                <a:latin typeface="Consolas" panose="020B0609020204030204" pitchFamily="49" charset="0"/>
+              </a:rPr>
+              <a:t>todoService</a:t>
+            </a:r>
+            <a:r>
+              <a:rPr lang="en-US" dirty="0" err="1">
+                <a:solidFill>
+                  <a:srgbClr val="D4D4D4"/>
+                </a:solidFill>
+                <a:latin typeface="Consolas" panose="020B0609020204030204" pitchFamily="49" charset="0"/>
+              </a:rPr>
+              <a:t>.</a:t>
+            </a:r>
+            <a:r>
+              <a:rPr lang="en-US" dirty="0" err="1">
+                <a:solidFill>
+                  <a:srgbClr val="DCDCAA"/>
+                </a:solidFill>
+                <a:latin typeface="Consolas" panose="020B0609020204030204" pitchFamily="49" charset="0"/>
+              </a:rPr>
+              <a:t>getCompletedToDos</a:t>
+            </a:r>
+            <a:r>
+              <a:rPr lang="en-US" dirty="0">
+                <a:solidFill>
+                  <a:srgbClr val="D4D4D4"/>
+                </a:solidFill>
+                <a:latin typeface="Consolas" panose="020B0609020204030204" pitchFamily="49" charset="0"/>
+              </a:rPr>
+              <a:t>().</a:t>
+            </a:r>
+            <a:r>
+              <a:rPr lang="en-US" dirty="0">
+                <a:solidFill>
+                  <a:srgbClr val="DCDCAA"/>
+                </a:solidFill>
+                <a:latin typeface="Consolas" panose="020B0609020204030204" pitchFamily="49" charset="0"/>
+              </a:rPr>
+              <a:t>subscribe</a:t>
+            </a:r>
+            <a:r>
+              <a:rPr lang="en-US" dirty="0">
+                <a:solidFill>
+                  <a:srgbClr val="D4D4D4"/>
+                </a:solidFill>
+                <a:latin typeface="Consolas" panose="020B0609020204030204" pitchFamily="49" charset="0"/>
+              </a:rPr>
+              <a:t>(</a:t>
+            </a:r>
+          </a:p>
+          <a:p>
+            <a:pPr marL="0" indent="0">
+              <a:buNone/>
+            </a:pPr>
+            <a:r>
+              <a:rPr lang="en-US" dirty="0">
+                <a:solidFill>
+                  <a:srgbClr val="9CDCFE"/>
+                </a:solidFill>
+                <a:latin typeface="Consolas" panose="020B0609020204030204" pitchFamily="49" charset="0"/>
+              </a:rPr>
+              <a:t>		data</a:t>
+            </a:r>
+            <a:r>
+              <a:rPr lang="en-US" dirty="0">
+                <a:solidFill>
+                  <a:srgbClr val="D4D4D4"/>
+                </a:solidFill>
+                <a:latin typeface="Consolas" panose="020B0609020204030204" pitchFamily="49" charset="0"/>
+              </a:rPr>
+              <a:t> </a:t>
+            </a:r>
+            <a:r>
+              <a:rPr lang="en-US" dirty="0">
+                <a:solidFill>
+                  <a:srgbClr val="569CD6"/>
+                </a:solidFill>
+                <a:latin typeface="Consolas" panose="020B0609020204030204" pitchFamily="49" charset="0"/>
+              </a:rPr>
+              <a:t>=&gt;</a:t>
+            </a:r>
+            <a:r>
+              <a:rPr lang="en-US" dirty="0">
+                <a:solidFill>
+                  <a:srgbClr val="D4D4D4"/>
+                </a:solidFill>
+                <a:latin typeface="Consolas" panose="020B0609020204030204" pitchFamily="49" charset="0"/>
+              </a:rPr>
+              <a:t> {</a:t>
+            </a:r>
+          </a:p>
+          <a:p>
+            <a:pPr marL="0" indent="0">
+              <a:buNone/>
+            </a:pPr>
+            <a:r>
+              <a:rPr lang="en-US" dirty="0">
+                <a:solidFill>
+                  <a:srgbClr val="569CD6"/>
+                </a:solidFill>
+                <a:latin typeface="Consolas" panose="020B0609020204030204" pitchFamily="49" charset="0"/>
+              </a:rPr>
+              <a:t>			</a:t>
+            </a:r>
+            <a:r>
+              <a:rPr lang="en-US" dirty="0" err="1">
+                <a:solidFill>
+                  <a:srgbClr val="569CD6"/>
+                </a:solidFill>
+                <a:latin typeface="Consolas" panose="020B0609020204030204" pitchFamily="49" charset="0"/>
+              </a:rPr>
+              <a:t>this</a:t>
+            </a:r>
+            <a:r>
+              <a:rPr lang="en-US" dirty="0" err="1">
+                <a:solidFill>
+                  <a:srgbClr val="D4D4D4"/>
+                </a:solidFill>
+                <a:latin typeface="Consolas" panose="020B0609020204030204" pitchFamily="49" charset="0"/>
+              </a:rPr>
+              <a:t>.</a:t>
+            </a:r>
+            <a:r>
+              <a:rPr lang="en-US" dirty="0" err="1">
+                <a:solidFill>
+                  <a:srgbClr val="9CDCFE"/>
+                </a:solidFill>
+                <a:latin typeface="Consolas" panose="020B0609020204030204" pitchFamily="49" charset="0"/>
+              </a:rPr>
+              <a:t>todos</a:t>
+            </a:r>
+            <a:r>
+              <a:rPr lang="en-US" dirty="0">
+                <a:solidFill>
+                  <a:srgbClr val="D4D4D4"/>
+                </a:solidFill>
+                <a:latin typeface="Consolas" panose="020B0609020204030204" pitchFamily="49" charset="0"/>
+              </a:rPr>
+              <a:t> = </a:t>
+            </a:r>
+            <a:r>
+              <a:rPr lang="en-US" dirty="0">
+                <a:solidFill>
+                  <a:srgbClr val="9CDCFE"/>
+                </a:solidFill>
+                <a:latin typeface="Consolas" panose="020B0609020204030204" pitchFamily="49" charset="0"/>
+              </a:rPr>
+              <a:t>data</a:t>
+            </a:r>
+            <a:r>
+              <a:rPr lang="en-US" dirty="0">
+                <a:solidFill>
+                  <a:srgbClr val="D4D4D4"/>
+                </a:solidFill>
+                <a:latin typeface="Consolas" panose="020B0609020204030204" pitchFamily="49" charset="0"/>
+              </a:rPr>
+              <a:t>;</a:t>
+            </a:r>
+          </a:p>
+          <a:p>
+            <a:pPr marL="0" indent="0">
+              <a:buNone/>
+            </a:pPr>
+            <a:r>
+              <a:rPr lang="en-US" dirty="0">
+                <a:solidFill>
+                  <a:srgbClr val="D4D4D4"/>
+                </a:solidFill>
+                <a:latin typeface="Consolas" panose="020B0609020204030204" pitchFamily="49" charset="0"/>
+              </a:rPr>
+              <a:t>		},</a:t>
+            </a:r>
+          </a:p>
+          <a:p>
+            <a:pPr marL="0" indent="0">
+              <a:buNone/>
+            </a:pPr>
+            <a:r>
+              <a:rPr lang="en-US" dirty="0">
+                <a:solidFill>
+                  <a:srgbClr val="9CDCFE"/>
+                </a:solidFill>
+                <a:latin typeface="Consolas" panose="020B0609020204030204" pitchFamily="49" charset="0"/>
+              </a:rPr>
+              <a:t>		err</a:t>
+            </a:r>
+            <a:r>
+              <a:rPr lang="en-US" dirty="0">
+                <a:solidFill>
+                  <a:srgbClr val="D4D4D4"/>
+                </a:solidFill>
+                <a:latin typeface="Consolas" panose="020B0609020204030204" pitchFamily="49" charset="0"/>
+              </a:rPr>
+              <a:t> </a:t>
+            </a:r>
+            <a:r>
+              <a:rPr lang="en-US" dirty="0">
+                <a:solidFill>
+                  <a:srgbClr val="569CD6"/>
+                </a:solidFill>
+                <a:latin typeface="Consolas" panose="020B0609020204030204" pitchFamily="49" charset="0"/>
+              </a:rPr>
+              <a:t>=&gt;</a:t>
+            </a:r>
+            <a:r>
+              <a:rPr lang="en-US" dirty="0">
+                <a:solidFill>
+                  <a:srgbClr val="D4D4D4"/>
+                </a:solidFill>
+                <a:latin typeface="Consolas" panose="020B0609020204030204" pitchFamily="49" charset="0"/>
+              </a:rPr>
+              <a:t> {</a:t>
+            </a:r>
+          </a:p>
+          <a:p>
+            <a:pPr marL="0" indent="0">
+              <a:buNone/>
+            </a:pPr>
+            <a:r>
+              <a:rPr lang="en-US" dirty="0">
+                <a:solidFill>
+                  <a:srgbClr val="DCDCAA"/>
+                </a:solidFill>
+                <a:latin typeface="Consolas" panose="020B0609020204030204" pitchFamily="49" charset="0"/>
+              </a:rPr>
+              <a:t>			alert</a:t>
+            </a:r>
+            <a:r>
+              <a:rPr lang="en-US" dirty="0">
+                <a:solidFill>
+                  <a:srgbClr val="D4D4D4"/>
+                </a:solidFill>
+                <a:latin typeface="Consolas" panose="020B0609020204030204" pitchFamily="49" charset="0"/>
+              </a:rPr>
+              <a:t>(</a:t>
+            </a:r>
+            <a:r>
+              <a:rPr lang="en-US" dirty="0">
+                <a:solidFill>
+                  <a:srgbClr val="CE9178"/>
+                </a:solidFill>
+                <a:latin typeface="Consolas" panose="020B0609020204030204" pitchFamily="49" charset="0"/>
+              </a:rPr>
+              <a:t>'Something went wrong!’</a:t>
+            </a:r>
+            <a:r>
+              <a:rPr lang="en-US" dirty="0">
+                <a:solidFill>
+                  <a:srgbClr val="D4D4D4"/>
+                </a:solidFill>
+                <a:latin typeface="Consolas" panose="020B0609020204030204" pitchFamily="49" charset="0"/>
+              </a:rPr>
+              <a:t>);</a:t>
+            </a:r>
+          </a:p>
+          <a:p>
+            <a:pPr marL="0" indent="0">
+              <a:buNone/>
+            </a:pPr>
+            <a:r>
+              <a:rPr lang="en-US" dirty="0">
+                <a:solidFill>
+                  <a:srgbClr val="D4D4D4"/>
+                </a:solidFill>
+                <a:latin typeface="Consolas" panose="020B0609020204030204" pitchFamily="49" charset="0"/>
+              </a:rPr>
+              <a:t>		}</a:t>
+            </a:r>
+          </a:p>
+          <a:p>
+            <a:pPr marL="0" indent="0">
+              <a:buNone/>
+            </a:pPr>
+            <a:r>
+              <a:rPr lang="en-US" dirty="0">
+                <a:solidFill>
+                  <a:srgbClr val="D4D4D4"/>
+                </a:solidFill>
+                <a:latin typeface="Consolas" panose="020B0609020204030204" pitchFamily="49" charset="0"/>
+              </a:rPr>
+              <a:t>	);</a:t>
+            </a:r>
+          </a:p>
+          <a:p>
+            <a:pPr marL="0" indent="0">
+              <a:buNone/>
+            </a:pPr>
+            <a:r>
+              <a:rPr lang="en-US" dirty="0">
+                <a:solidFill>
+                  <a:srgbClr val="D4D4D4"/>
+                </a:solidFill>
+                <a:latin typeface="Consolas" panose="020B0609020204030204" pitchFamily="49" charset="0"/>
+              </a:rPr>
+              <a:t>}</a:t>
+            </a:r>
+          </a:p>
+        </p:txBody>
+      </p:sp>
+    </p:spTree>
+    <p:extLst>
+      <p:ext uri="{BB962C8B-B14F-4D97-AF65-F5344CB8AC3E}">
+        <p14:creationId xmlns:p14="http://schemas.microsoft.com/office/powerpoint/2010/main" val="3793791890"/>
+      </p:ext>
+    </p:extLst>
+  </p:cSld>
+  <p:clrMapOvr>
+    <a:masterClrMapping/>
+  </p:clrMapOvr>
+</p:sld>
+</file>
+
+<file path=ppt/slides/slide64.xml><?xml version="1.0" encoding="utf-8"?>
+<p:sld xmlns:a="http://schemas.openxmlformats.org/drawingml/2006/main" xmlns:r="http://schemas.openxmlformats.org/officeDocument/2006/relationships" xmlns:p="http://schemas.openxmlformats.org/presentationml/2006/main">
+  <p:cSld>
+    <p:spTree>
+      <p:nvGrpSpPr>
+        <p:cNvPr id="1" name=""/>
+        <p:cNvGrpSpPr/>
+        <p:nvPr/>
+      </p:nvGrpSpPr>
+      <p:grpSpPr>
+        <a:xfrm>
+          <a:off x="0" y="0"/>
+          <a:ext cx="0" cy="0"/>
+          <a:chOff x="0" y="0"/>
+          <a:chExt cx="0" cy="0"/>
+        </a:xfrm>
+      </p:grpSpPr>
+      <p:sp>
+        <p:nvSpPr>
+          <p:cNvPr id="2" name="Title 1">
+            <a:extLst>
+              <a:ext uri="{FF2B5EF4-FFF2-40B4-BE49-F238E27FC236}">
+                <a16:creationId xmlns:a16="http://schemas.microsoft.com/office/drawing/2014/main" id="{8D41EF72-0FE7-4202-BA84-CADAC9126036}"/>
+              </a:ext>
+            </a:extLst>
+          </p:cNvPr>
+          <p:cNvSpPr>
+            <a:spLocks noGrp="1"/>
+          </p:cNvSpPr>
+          <p:nvPr>
+            <p:ph type="title"/>
+          </p:nvPr>
+        </p:nvSpPr>
+        <p:spPr/>
+        <p:txBody>
+          <a:bodyPr/>
+          <a:lstStyle/>
+          <a:p>
+            <a:r>
+              <a:rPr lang="en-US" dirty="0" err="1"/>
+              <a:t>todo-overview.component.ts</a:t>
+            </a:r>
+            <a:endParaRPr lang="en-NL" dirty="0"/>
+          </a:p>
+        </p:txBody>
+      </p:sp>
+      <p:sp>
+        <p:nvSpPr>
+          <p:cNvPr id="3" name="Content Placeholder 2">
+            <a:extLst>
+              <a:ext uri="{FF2B5EF4-FFF2-40B4-BE49-F238E27FC236}">
+                <a16:creationId xmlns:a16="http://schemas.microsoft.com/office/drawing/2014/main" id="{1BAFEFF6-605D-4BAE-9EDB-D780BF2FCCF4}"/>
+              </a:ext>
+            </a:extLst>
+          </p:cNvPr>
+          <p:cNvSpPr>
+            <a:spLocks noGrp="1"/>
+          </p:cNvSpPr>
+          <p:nvPr>
+            <p:ph idx="1"/>
+          </p:nvPr>
+        </p:nvSpPr>
+        <p:spPr/>
+        <p:style>
+          <a:lnRef idx="0">
+            <a:scrgbClr r="0" g="0" b="0"/>
+          </a:lnRef>
+          <a:fillRef idx="1001">
+            <a:schemeClr val="dk2"/>
+          </a:fillRef>
+          <a:effectRef idx="0">
+            <a:scrgbClr r="0" g="0" b="0"/>
+          </a:effectRef>
+          <a:fontRef idx="major"/>
+        </p:style>
+        <p:txBody>
+          <a:bodyPr>
+            <a:normAutofit fontScale="92500" lnSpcReduction="20000"/>
+          </a:bodyPr>
+          <a:lstStyle/>
+          <a:p>
+            <a:pPr marL="0" indent="0">
+              <a:buNone/>
+            </a:pPr>
+            <a:r>
+              <a:rPr lang="en-US" dirty="0" err="1">
+                <a:solidFill>
+                  <a:srgbClr val="DCDCAA"/>
+                </a:solidFill>
+                <a:latin typeface="Consolas" panose="020B0609020204030204" pitchFamily="49" charset="0"/>
+              </a:rPr>
+              <a:t>getUncompletedToDos</a:t>
+            </a:r>
+            <a:r>
+              <a:rPr lang="en-US" dirty="0">
+                <a:solidFill>
+                  <a:srgbClr val="D4D4D4"/>
+                </a:solidFill>
+                <a:latin typeface="Consolas" panose="020B0609020204030204" pitchFamily="49" charset="0"/>
+              </a:rPr>
+              <a:t>() {</a:t>
+            </a:r>
+          </a:p>
+          <a:p>
+            <a:pPr marL="0" indent="0">
+              <a:buNone/>
+            </a:pPr>
+            <a:r>
+              <a:rPr lang="en-US" dirty="0">
+                <a:solidFill>
+                  <a:srgbClr val="569CD6"/>
+                </a:solidFill>
+                <a:latin typeface="Consolas" panose="020B0609020204030204" pitchFamily="49" charset="0"/>
+              </a:rPr>
+              <a:t>	</a:t>
+            </a:r>
+            <a:r>
+              <a:rPr lang="en-US" dirty="0" err="1">
+                <a:solidFill>
+                  <a:srgbClr val="569CD6"/>
+                </a:solidFill>
+                <a:latin typeface="Consolas" panose="020B0609020204030204" pitchFamily="49" charset="0"/>
+              </a:rPr>
+              <a:t>this</a:t>
+            </a:r>
+            <a:r>
+              <a:rPr lang="en-US" dirty="0" err="1">
+                <a:solidFill>
+                  <a:srgbClr val="D4D4D4"/>
+                </a:solidFill>
+                <a:latin typeface="Consolas" panose="020B0609020204030204" pitchFamily="49" charset="0"/>
+              </a:rPr>
+              <a:t>.</a:t>
+            </a:r>
+            <a:r>
+              <a:rPr lang="en-US" dirty="0" err="1">
+                <a:solidFill>
+                  <a:srgbClr val="9CDCFE"/>
+                </a:solidFill>
+                <a:latin typeface="Consolas" panose="020B0609020204030204" pitchFamily="49" charset="0"/>
+              </a:rPr>
+              <a:t>todoService</a:t>
+            </a:r>
+            <a:r>
+              <a:rPr lang="en-US" dirty="0" err="1">
+                <a:solidFill>
+                  <a:srgbClr val="D4D4D4"/>
+                </a:solidFill>
+                <a:latin typeface="Consolas" panose="020B0609020204030204" pitchFamily="49" charset="0"/>
+              </a:rPr>
+              <a:t>.</a:t>
+            </a:r>
+            <a:r>
+              <a:rPr lang="en-US" dirty="0" err="1">
+                <a:solidFill>
+                  <a:srgbClr val="DCDCAA"/>
+                </a:solidFill>
+                <a:latin typeface="Consolas" panose="020B0609020204030204" pitchFamily="49" charset="0"/>
+              </a:rPr>
+              <a:t>getCompletedToDos</a:t>
+            </a:r>
+            <a:r>
+              <a:rPr lang="en-US" dirty="0">
+                <a:solidFill>
+                  <a:srgbClr val="D4D4D4"/>
+                </a:solidFill>
+                <a:latin typeface="Consolas" panose="020B0609020204030204" pitchFamily="49" charset="0"/>
+              </a:rPr>
+              <a:t>().</a:t>
+            </a:r>
+            <a:r>
+              <a:rPr lang="en-US" dirty="0">
+                <a:solidFill>
+                  <a:srgbClr val="DCDCAA"/>
+                </a:solidFill>
+                <a:latin typeface="Consolas" panose="020B0609020204030204" pitchFamily="49" charset="0"/>
+              </a:rPr>
+              <a:t>subscribe</a:t>
+            </a:r>
+            <a:r>
+              <a:rPr lang="en-US" dirty="0">
+                <a:solidFill>
+                  <a:srgbClr val="D4D4D4"/>
+                </a:solidFill>
+                <a:latin typeface="Consolas" panose="020B0609020204030204" pitchFamily="49" charset="0"/>
+              </a:rPr>
+              <a:t>(</a:t>
+            </a:r>
+          </a:p>
+          <a:p>
+            <a:pPr marL="0" indent="0">
+              <a:buNone/>
+            </a:pPr>
+            <a:r>
+              <a:rPr lang="en-US" dirty="0">
+                <a:solidFill>
+                  <a:srgbClr val="9CDCFE"/>
+                </a:solidFill>
+                <a:latin typeface="Consolas" panose="020B0609020204030204" pitchFamily="49" charset="0"/>
+              </a:rPr>
+              <a:t>		data</a:t>
+            </a:r>
+            <a:r>
+              <a:rPr lang="en-US" dirty="0">
+                <a:solidFill>
+                  <a:srgbClr val="D4D4D4"/>
+                </a:solidFill>
+                <a:latin typeface="Consolas" panose="020B0609020204030204" pitchFamily="49" charset="0"/>
+              </a:rPr>
+              <a:t> </a:t>
+            </a:r>
+            <a:r>
+              <a:rPr lang="en-US" dirty="0">
+                <a:solidFill>
+                  <a:srgbClr val="569CD6"/>
+                </a:solidFill>
+                <a:latin typeface="Consolas" panose="020B0609020204030204" pitchFamily="49" charset="0"/>
+              </a:rPr>
+              <a:t>=&gt;</a:t>
+            </a:r>
+            <a:r>
+              <a:rPr lang="en-US" dirty="0">
+                <a:solidFill>
+                  <a:srgbClr val="D4D4D4"/>
+                </a:solidFill>
+                <a:latin typeface="Consolas" panose="020B0609020204030204" pitchFamily="49" charset="0"/>
+              </a:rPr>
+              <a:t> {</a:t>
+            </a:r>
+          </a:p>
+          <a:p>
+            <a:pPr marL="0" indent="0">
+              <a:buNone/>
+            </a:pPr>
+            <a:r>
+              <a:rPr lang="en-US" dirty="0">
+                <a:solidFill>
+                  <a:srgbClr val="569CD6"/>
+                </a:solidFill>
+                <a:latin typeface="Consolas" panose="020B0609020204030204" pitchFamily="49" charset="0"/>
+              </a:rPr>
+              <a:t>			</a:t>
+            </a:r>
+            <a:r>
+              <a:rPr lang="en-US" dirty="0" err="1">
+                <a:solidFill>
+                  <a:srgbClr val="569CD6"/>
+                </a:solidFill>
+                <a:latin typeface="Consolas" panose="020B0609020204030204" pitchFamily="49" charset="0"/>
+              </a:rPr>
+              <a:t>this</a:t>
+            </a:r>
+            <a:r>
+              <a:rPr lang="en-US" dirty="0" err="1">
+                <a:solidFill>
+                  <a:srgbClr val="D4D4D4"/>
+                </a:solidFill>
+                <a:latin typeface="Consolas" panose="020B0609020204030204" pitchFamily="49" charset="0"/>
+              </a:rPr>
+              <a:t>.</a:t>
+            </a:r>
+            <a:r>
+              <a:rPr lang="en-US" dirty="0" err="1">
+                <a:solidFill>
+                  <a:srgbClr val="9CDCFE"/>
+                </a:solidFill>
+                <a:latin typeface="Consolas" panose="020B0609020204030204" pitchFamily="49" charset="0"/>
+              </a:rPr>
+              <a:t>todos</a:t>
+            </a:r>
+            <a:r>
+              <a:rPr lang="en-US" dirty="0">
+                <a:solidFill>
+                  <a:srgbClr val="D4D4D4"/>
+                </a:solidFill>
+                <a:latin typeface="Consolas" panose="020B0609020204030204" pitchFamily="49" charset="0"/>
+              </a:rPr>
+              <a:t> = </a:t>
+            </a:r>
+            <a:r>
+              <a:rPr lang="en-US" dirty="0">
+                <a:solidFill>
+                  <a:srgbClr val="9CDCFE"/>
+                </a:solidFill>
+                <a:latin typeface="Consolas" panose="020B0609020204030204" pitchFamily="49" charset="0"/>
+              </a:rPr>
+              <a:t>data</a:t>
+            </a:r>
+            <a:r>
+              <a:rPr lang="en-US" dirty="0">
+                <a:solidFill>
+                  <a:srgbClr val="D4D4D4"/>
+                </a:solidFill>
+                <a:latin typeface="Consolas" panose="020B0609020204030204" pitchFamily="49" charset="0"/>
+              </a:rPr>
+              <a:t>;</a:t>
+            </a:r>
+          </a:p>
+          <a:p>
+            <a:pPr marL="0" indent="0">
+              <a:buNone/>
+            </a:pPr>
+            <a:r>
+              <a:rPr lang="en-US" dirty="0">
+                <a:solidFill>
+                  <a:srgbClr val="D4D4D4"/>
+                </a:solidFill>
+                <a:latin typeface="Consolas" panose="020B0609020204030204" pitchFamily="49" charset="0"/>
+              </a:rPr>
+              <a:t>		},</a:t>
+            </a:r>
+          </a:p>
+          <a:p>
+            <a:pPr marL="0" indent="0">
+              <a:buNone/>
+            </a:pPr>
+            <a:r>
+              <a:rPr lang="en-US" dirty="0">
+                <a:solidFill>
+                  <a:srgbClr val="9CDCFE"/>
+                </a:solidFill>
+                <a:latin typeface="Consolas" panose="020B0609020204030204" pitchFamily="49" charset="0"/>
+              </a:rPr>
+              <a:t>		err</a:t>
+            </a:r>
+            <a:r>
+              <a:rPr lang="en-US" dirty="0">
+                <a:solidFill>
+                  <a:srgbClr val="D4D4D4"/>
+                </a:solidFill>
+                <a:latin typeface="Consolas" panose="020B0609020204030204" pitchFamily="49" charset="0"/>
+              </a:rPr>
+              <a:t> </a:t>
+            </a:r>
+            <a:r>
+              <a:rPr lang="en-US" dirty="0">
+                <a:solidFill>
+                  <a:srgbClr val="569CD6"/>
+                </a:solidFill>
+                <a:latin typeface="Consolas" panose="020B0609020204030204" pitchFamily="49" charset="0"/>
+              </a:rPr>
+              <a:t>=&gt;</a:t>
+            </a:r>
+            <a:r>
+              <a:rPr lang="en-US" dirty="0">
+                <a:solidFill>
+                  <a:srgbClr val="D4D4D4"/>
+                </a:solidFill>
+                <a:latin typeface="Consolas" panose="020B0609020204030204" pitchFamily="49" charset="0"/>
+              </a:rPr>
+              <a:t> {</a:t>
+            </a:r>
+          </a:p>
+          <a:p>
+            <a:pPr marL="0" indent="0">
+              <a:buNone/>
+            </a:pPr>
+            <a:r>
+              <a:rPr lang="en-US" dirty="0">
+                <a:solidFill>
+                  <a:srgbClr val="DCDCAA"/>
+                </a:solidFill>
+                <a:latin typeface="Consolas" panose="020B0609020204030204" pitchFamily="49" charset="0"/>
+              </a:rPr>
+              <a:t>			alert</a:t>
+            </a:r>
+            <a:r>
+              <a:rPr lang="en-US" dirty="0">
+                <a:solidFill>
+                  <a:srgbClr val="D4D4D4"/>
+                </a:solidFill>
+                <a:latin typeface="Consolas" panose="020B0609020204030204" pitchFamily="49" charset="0"/>
+              </a:rPr>
+              <a:t>(</a:t>
+            </a:r>
+            <a:r>
+              <a:rPr lang="en-US" dirty="0">
+                <a:solidFill>
+                  <a:srgbClr val="CE9178"/>
+                </a:solidFill>
+                <a:latin typeface="Consolas" panose="020B0609020204030204" pitchFamily="49" charset="0"/>
+              </a:rPr>
+              <a:t>'Something went wrong!’</a:t>
+            </a:r>
+            <a:r>
+              <a:rPr lang="en-US" dirty="0">
+                <a:solidFill>
+                  <a:srgbClr val="D4D4D4"/>
+                </a:solidFill>
+                <a:latin typeface="Consolas" panose="020B0609020204030204" pitchFamily="49" charset="0"/>
+              </a:rPr>
+              <a:t>);</a:t>
+            </a:r>
+          </a:p>
+          <a:p>
+            <a:pPr marL="0" indent="0">
+              <a:buNone/>
+            </a:pPr>
+            <a:r>
+              <a:rPr lang="en-US" dirty="0">
+                <a:solidFill>
+                  <a:srgbClr val="D4D4D4"/>
+                </a:solidFill>
+                <a:latin typeface="Consolas" panose="020B0609020204030204" pitchFamily="49" charset="0"/>
+              </a:rPr>
+              <a:t>		}</a:t>
+            </a:r>
+          </a:p>
+          <a:p>
+            <a:pPr marL="0" indent="0">
+              <a:buNone/>
+            </a:pPr>
+            <a:r>
+              <a:rPr lang="en-US" dirty="0">
+                <a:solidFill>
+                  <a:srgbClr val="D4D4D4"/>
+                </a:solidFill>
+                <a:latin typeface="Consolas" panose="020B0609020204030204" pitchFamily="49" charset="0"/>
+              </a:rPr>
+              <a:t>	);</a:t>
+            </a:r>
+          </a:p>
+          <a:p>
+            <a:pPr marL="0" indent="0">
+              <a:buNone/>
+            </a:pPr>
+            <a:r>
+              <a:rPr lang="en-US" dirty="0">
+                <a:solidFill>
+                  <a:srgbClr val="D4D4D4"/>
+                </a:solidFill>
+                <a:latin typeface="Consolas" panose="020B0609020204030204" pitchFamily="49" charset="0"/>
+              </a:rPr>
+              <a:t>}</a:t>
+            </a:r>
+          </a:p>
+        </p:txBody>
+      </p:sp>
+    </p:spTree>
+    <p:extLst>
+      <p:ext uri="{BB962C8B-B14F-4D97-AF65-F5344CB8AC3E}">
+        <p14:creationId xmlns:p14="http://schemas.microsoft.com/office/powerpoint/2010/main" val="897541566"/>
+      </p:ext>
+    </p:extLst>
+  </p:cSld>
+  <p:clrMapOvr>
+    <a:masterClrMapping/>
+  </p:clrMapOvr>
+</p:sld>
+</file>
+
+<file path=ppt/slides/slide65.xml><?xml version="1.0" encoding="utf-8"?>
+<p:sld xmlns:a="http://schemas.openxmlformats.org/drawingml/2006/main" xmlns:r="http://schemas.openxmlformats.org/officeDocument/2006/relationships" xmlns:p="http://schemas.openxmlformats.org/presentationml/2006/main">
+  <p:cSld>
+    <p:spTree>
+      <p:nvGrpSpPr>
+        <p:cNvPr id="1" name=""/>
+        <p:cNvGrpSpPr/>
+        <p:nvPr/>
+      </p:nvGrpSpPr>
+      <p:grpSpPr>
+        <a:xfrm>
+          <a:off x="0" y="0"/>
+          <a:ext cx="0" cy="0"/>
+          <a:chOff x="0" y="0"/>
+          <a:chExt cx="0" cy="0"/>
+        </a:xfrm>
+      </p:grpSpPr>
+      <p:sp>
+        <p:nvSpPr>
+          <p:cNvPr id="2" name="Title 1">
+            <a:extLst>
+              <a:ext uri="{FF2B5EF4-FFF2-40B4-BE49-F238E27FC236}">
+                <a16:creationId xmlns:a16="http://schemas.microsoft.com/office/drawing/2014/main" id="{49502040-4BD4-4896-9E9F-012F6134EEA6}"/>
+              </a:ext>
+            </a:extLst>
+          </p:cNvPr>
+          <p:cNvSpPr>
+            <a:spLocks noGrp="1"/>
+          </p:cNvSpPr>
+          <p:nvPr>
+            <p:ph type="title"/>
+          </p:nvPr>
+        </p:nvSpPr>
+        <p:spPr/>
+        <p:txBody>
+          <a:bodyPr/>
+          <a:lstStyle/>
+          <a:p>
+            <a:r>
+              <a:rPr lang="en-US" dirty="0"/>
+              <a:t>todo-overview.component.html</a:t>
+            </a:r>
+            <a:endParaRPr lang="en-NL" dirty="0"/>
+          </a:p>
+        </p:txBody>
+      </p:sp>
+      <p:sp>
+        <p:nvSpPr>
+          <p:cNvPr id="3" name="Content Placeholder 2">
+            <a:extLst>
+              <a:ext uri="{FF2B5EF4-FFF2-40B4-BE49-F238E27FC236}">
+                <a16:creationId xmlns:a16="http://schemas.microsoft.com/office/drawing/2014/main" id="{88DCACBD-95E1-403E-951F-A8E9650D918B}"/>
+              </a:ext>
+            </a:extLst>
+          </p:cNvPr>
+          <p:cNvSpPr>
+            <a:spLocks noGrp="1"/>
+          </p:cNvSpPr>
+          <p:nvPr>
+            <p:ph idx="1"/>
+          </p:nvPr>
+        </p:nvSpPr>
+        <p:spPr/>
+        <p:style>
+          <a:lnRef idx="0">
+            <a:scrgbClr r="0" g="0" b="0"/>
+          </a:lnRef>
+          <a:fillRef idx="1001">
+            <a:schemeClr val="dk2"/>
+          </a:fillRef>
+          <a:effectRef idx="0">
+            <a:scrgbClr r="0" g="0" b="0"/>
+          </a:effectRef>
+          <a:fontRef idx="major"/>
+        </p:style>
+        <p:txBody>
+          <a:bodyPr/>
+          <a:lstStyle/>
+          <a:p>
+            <a:pPr marL="0" indent="0">
+              <a:buNone/>
+            </a:pPr>
+            <a:r>
+              <a:rPr lang="en-US" dirty="0">
+                <a:solidFill>
+                  <a:srgbClr val="808080"/>
+                </a:solidFill>
+                <a:latin typeface="Consolas" panose="020B0609020204030204" pitchFamily="49" charset="0"/>
+              </a:rPr>
+              <a:t>&lt;</a:t>
+            </a:r>
+            <a:r>
+              <a:rPr lang="en-US" dirty="0">
+                <a:solidFill>
+                  <a:srgbClr val="569CD6"/>
+                </a:solidFill>
+                <a:latin typeface="Consolas" panose="020B0609020204030204" pitchFamily="49" charset="0"/>
+              </a:rPr>
+              <a:t>h1</a:t>
+            </a:r>
+            <a:r>
+              <a:rPr lang="en-US" dirty="0">
+                <a:solidFill>
+                  <a:srgbClr val="808080"/>
+                </a:solidFill>
+                <a:latin typeface="Consolas" panose="020B0609020204030204" pitchFamily="49" charset="0"/>
+              </a:rPr>
+              <a:t>&gt;</a:t>
+            </a:r>
+            <a:r>
+              <a:rPr lang="en-US" dirty="0">
+                <a:solidFill>
+                  <a:srgbClr val="D4D4D4"/>
+                </a:solidFill>
+                <a:latin typeface="Consolas" panose="020B0609020204030204" pitchFamily="49" charset="0"/>
+              </a:rPr>
+              <a:t>{{header}}</a:t>
+            </a:r>
+            <a:r>
+              <a:rPr lang="en-US" dirty="0">
+                <a:solidFill>
+                  <a:srgbClr val="808080"/>
+                </a:solidFill>
+                <a:latin typeface="Consolas" panose="020B0609020204030204" pitchFamily="49" charset="0"/>
+              </a:rPr>
+              <a:t>&lt;/</a:t>
+            </a:r>
+            <a:r>
+              <a:rPr lang="en-US" dirty="0">
+                <a:solidFill>
+                  <a:srgbClr val="569CD6"/>
+                </a:solidFill>
+                <a:latin typeface="Consolas" panose="020B0609020204030204" pitchFamily="49" charset="0"/>
+              </a:rPr>
+              <a:t>h1</a:t>
+            </a:r>
+            <a:r>
+              <a:rPr lang="en-US" dirty="0">
+                <a:solidFill>
+                  <a:srgbClr val="808080"/>
+                </a:solidFill>
+                <a:latin typeface="Consolas" panose="020B0609020204030204" pitchFamily="49" charset="0"/>
+              </a:rPr>
+              <a:t>&gt;</a:t>
+            </a:r>
+            <a:endParaRPr lang="en-US" dirty="0">
+              <a:solidFill>
+                <a:srgbClr val="D4D4D4"/>
+              </a:solidFill>
+              <a:latin typeface="Consolas" panose="020B0609020204030204" pitchFamily="49" charset="0"/>
+            </a:endParaRPr>
+          </a:p>
+          <a:p>
+            <a:pPr marL="0" indent="0">
+              <a:buNone/>
+            </a:pPr>
+            <a:endParaRPr lang="en-NL" dirty="0"/>
+          </a:p>
+        </p:txBody>
+      </p:sp>
+    </p:spTree>
+    <p:extLst>
+      <p:ext uri="{BB962C8B-B14F-4D97-AF65-F5344CB8AC3E}">
+        <p14:creationId xmlns:p14="http://schemas.microsoft.com/office/powerpoint/2010/main" val="4245896863"/>
       </p:ext>
     </p:extLst>
   </p:cSld>
